--- a/Presentation/presentation.pptx
+++ b/Presentation/presentation.pptx
@@ -5,14 +5,20 @@
     <p:sldMasterId id="2147483648" r:id="rId1"/>
   </p:sldMasterIdLst>
   <p:notesMasterIdLst>
-    <p:notesMasterId r:id="rId7"/>
+    <p:notesMasterId r:id="rId13"/>
   </p:notesMasterIdLst>
   <p:sldIdLst>
     <p:sldId id="256" r:id="rId2"/>
-    <p:sldId id="257" r:id="rId3"/>
-    <p:sldId id="258" r:id="rId4"/>
-    <p:sldId id="259" r:id="rId5"/>
-    <p:sldId id="260" r:id="rId6"/>
+    <p:sldId id="261" r:id="rId3"/>
+    <p:sldId id="262" r:id="rId4"/>
+    <p:sldId id="263" r:id="rId5"/>
+    <p:sldId id="264" r:id="rId6"/>
+    <p:sldId id="265" r:id="rId7"/>
+    <p:sldId id="266" r:id="rId8"/>
+    <p:sldId id="267" r:id="rId9"/>
+    <p:sldId id="268" r:id="rId10"/>
+    <p:sldId id="269" r:id="rId11"/>
+    <p:sldId id="257" r:id="rId12"/>
   </p:sldIdLst>
   <p:sldSz cx="13004800" cy="9753600"/>
   <p:notesSz cx="6858000" cy="9144000"/>
@@ -2459,8 +2465,8 @@
         </p:nvSpPr>
         <p:spPr>
           <a:xfrm>
-            <a:off x="0" y="9245600"/>
-            <a:ext cx="4635500" cy="520700"/>
+            <a:off x="-1" y="9245600"/>
+            <a:ext cx="7494777" cy="520700"/>
           </a:xfrm>
           <a:prstGeom prst="rect">
             <a:avLst/>
@@ -2502,8 +2508,8 @@
         </p:nvSpPr>
         <p:spPr>
           <a:xfrm>
-            <a:off x="4635500" y="9245600"/>
-            <a:ext cx="8369300" cy="520700"/>
+            <a:off x="7218946" y="9245600"/>
+            <a:ext cx="5785853" cy="520700"/>
           </a:xfrm>
           <a:prstGeom prst="rect">
             <a:avLst/>
@@ -2545,8 +2551,8 @@
         </p:nvSpPr>
         <p:spPr>
           <a:xfrm>
-            <a:off x="2611533" y="9239250"/>
-            <a:ext cx="1827679" cy="431800"/>
+            <a:off x="881508" y="9245600"/>
+            <a:ext cx="6155531" cy="456535"/>
           </a:xfrm>
           <a:prstGeom prst="rect">
             <a:avLst/>
@@ -2582,13 +2588,74 @@
               </a:defRPr>
             </a:pPr>
             <a:r>
-              <a:rPr sz="2300">
-                <a:solidFill>
-                  <a:srgbClr val="FFFFFF"/>
-                </a:solidFill>
-              </a:rPr>
-              <a:t>Stefano Savarè</a:t>
-            </a:r>
+              <a:rPr lang="en-US" sz="2300" dirty="0" err="1" smtClean="0">
+                <a:solidFill>
+                  <a:srgbClr val="FFFFFF"/>
+                </a:solidFill>
+              </a:rPr>
+              <a:t>Ondine</a:t>
+            </a:r>
+            <a:r>
+              <a:rPr lang="en-US" sz="2300" dirty="0" smtClean="0">
+                <a:solidFill>
+                  <a:srgbClr val="FFFFFF"/>
+                </a:solidFill>
+              </a:rPr>
+              <a:t> </a:t>
+            </a:r>
+            <a:r>
+              <a:rPr lang="en-US" sz="2300" dirty="0" err="1" smtClean="0">
+                <a:solidFill>
+                  <a:srgbClr val="FFFFFF"/>
+                </a:solidFill>
+              </a:rPr>
+              <a:t>Chanon</a:t>
+            </a:r>
+            <a:r>
+              <a:rPr lang="en-US" sz="2300" dirty="0" smtClean="0">
+                <a:solidFill>
+                  <a:srgbClr val="FFFFFF"/>
+                </a:solidFill>
+              </a:rPr>
+              <a:t>, Nicolas </a:t>
+            </a:r>
+            <a:r>
+              <a:rPr lang="en-US" sz="2300" dirty="0" err="1" smtClean="0">
+                <a:solidFill>
+                  <a:srgbClr val="FFFFFF"/>
+                </a:solidFill>
+              </a:rPr>
+              <a:t>Hubacher</a:t>
+            </a:r>
+            <a:r>
+              <a:rPr lang="en-US" sz="2300" dirty="0" smtClean="0">
+                <a:solidFill>
+                  <a:srgbClr val="FFFFFF"/>
+                </a:solidFill>
+              </a:rPr>
+              <a:t>, Stefano </a:t>
+            </a:r>
+            <a:r>
+              <a:rPr lang="en-US" sz="2300" dirty="0" err="1" smtClean="0">
+                <a:solidFill>
+                  <a:srgbClr val="FFFFFF"/>
+                </a:solidFill>
+              </a:rPr>
+              <a:t>Savar</a:t>
+            </a:r>
+            <a:r>
+              <a:rPr lang="en-US" sz="2300" dirty="0" err="1" smtClean="0">
+                <a:solidFill>
+                  <a:srgbClr val="FFFFFF"/>
+                </a:solidFill>
+              </a:rPr>
+              <a:t>è</a:t>
+            </a:r>
+            <a:endParaRPr sz="2300" dirty="0">
+              <a:solidFill>
+                <a:srgbClr val="FFFFFF"/>
+              </a:solidFill>
+            </a:endParaRPr>
           </a:p>
         </p:txBody>
       </p:sp>
@@ -2600,8 +2667,8 @@
         </p:nvSpPr>
         <p:spPr>
           <a:xfrm>
-            <a:off x="4821535" y="9239250"/>
-            <a:ext cx="2360675" cy="431800"/>
+            <a:off x="7494777" y="9254939"/>
+            <a:ext cx="2925481" cy="471924"/>
           </a:xfrm>
           <a:prstGeom prst="rect">
             <a:avLst/>
@@ -2629,9 +2696,18 @@
               <a:defRPr sz="1800"/>
             </a:pPr>
             <a:r>
-              <a:rPr sz="2300"/>
-              <a:t>30 settembre 2014</a:t>
-            </a:r>
+              <a:rPr lang="en-US" sz="2400" dirty="0" smtClean="0"/>
+              <a:t>December, 16th</a:t>
+            </a:r>
+            <a:r>
+              <a:rPr sz="2400" dirty="0" smtClean="0"/>
+              <a:t>  201</a:t>
+            </a:r>
+            <a:r>
+              <a:rPr lang="en-US" sz="2400" dirty="0" smtClean="0"/>
+              <a:t>5</a:t>
+            </a:r>
+            <a:endParaRPr sz="2400" dirty="0"/>
           </a:p>
         </p:txBody>
       </p:sp>
@@ -2811,7 +2887,7 @@
               <a:defRPr sz="1800"/>
             </a:pPr>
             <a:r>
-              <a:rPr sz="3300">
+              <a:rPr sz="3300" dirty="0">
                 <a:latin typeface="Gill Sans SemiBold"/>
                 <a:ea typeface="Gill Sans SemiBold"/>
                 <a:cs typeface="Gill Sans SemiBold"/>
@@ -2820,7 +2896,7 @@
               <a:t>Relatori</a:t>
             </a:r>
             <a:r>
-              <a:rPr sz="4200">
+              <a:rPr sz="4200" dirty="0">
                 <a:latin typeface="Gill Sans SemiBold"/>
                 <a:ea typeface="Gill Sans SemiBold"/>
                 <a:cs typeface="Gill Sans SemiBold"/>
@@ -2834,7 +2910,7 @@
               <a:defRPr sz="1800"/>
             </a:pPr>
             <a:r>
-              <a:rPr sz="2900"/>
+              <a:rPr sz="2900" dirty="0"/>
               <a:t>Prof. Luca Formaggia</a:t>
             </a:r>
           </a:p>
@@ -2843,7 +2919,7 @@
               <a:defRPr sz="1800"/>
             </a:pPr>
             <a:r>
-              <a:rPr sz="2000"/>
+              <a:rPr sz="2000" dirty="0"/>
               <a:t>Mox-Dipartimento di Matematica, </a:t>
             </a:r>
           </a:p>
@@ -2852,7 +2928,7 @@
               <a:defRPr sz="1800"/>
             </a:pPr>
             <a:r>
-              <a:rPr sz="2000"/>
+              <a:rPr sz="2000" dirty="0"/>
               <a:t>Politecnico di Milano</a:t>
             </a:r>
           </a:p>
@@ -2860,14 +2936,14 @@
             <a:pPr lvl="0" algn="just">
               <a:defRPr sz="1800"/>
             </a:pPr>
-            <a:endParaRPr sz="2000"/>
+            <a:endParaRPr sz="2000" dirty="0"/>
           </a:p>
           <a:p>
             <a:pPr lvl="0" algn="just">
               <a:defRPr sz="1800"/>
             </a:pPr>
             <a:r>
-              <a:rPr sz="2900"/>
+              <a:rPr sz="2900" dirty="0"/>
               <a:t>Dr. Christian Vergara</a:t>
             </a:r>
           </a:p>
@@ -2876,7 +2952,7 @@
               <a:defRPr sz="1800"/>
             </a:pPr>
             <a:r>
-              <a:rPr sz="2000"/>
+              <a:rPr sz="2000" dirty="0"/>
               <a:t>Università degli studi di Bergamo</a:t>
             </a:r>
           </a:p>
@@ -3180,6 +3256,1422 @@
             <a:r>
               <a:rPr sz="2300"/>
               <a:t>Ingegneria Matematica</a:t>
+            </a:r>
+          </a:p>
+        </p:txBody>
+      </p:sp>
+    </p:spTree>
+  </p:cSld>
+  <p:clrMapOvr>
+    <a:masterClrMapping/>
+  </p:clrMapOvr>
+  <p:transition spd="med"/>
+</p:sld>
+</file>
+
+<file path=ppt/slides/slide10.xml><?xml version="1.0" encoding="utf-8"?>
+<p:sld xmlns:a="http://schemas.openxmlformats.org/drawingml/2006/main" xmlns:r="http://schemas.openxmlformats.org/officeDocument/2006/relationships" xmlns:p="http://schemas.openxmlformats.org/presentationml/2006/main">
+  <p:cSld>
+    <p:spTree>
+      <p:nvGrpSpPr>
+        <p:cNvPr id="1" name=""/>
+        <p:cNvGrpSpPr/>
+        <p:nvPr/>
+      </p:nvGrpSpPr>
+      <p:grpSpPr>
+        <a:xfrm>
+          <a:off x="0" y="0"/>
+          <a:ext cx="0" cy="0"/>
+          <a:chOff x="0" y="0"/>
+          <a:chExt cx="0" cy="0"/>
+        </a:xfrm>
+      </p:grpSpPr>
+      <p:sp>
+        <p:nvSpPr>
+          <p:cNvPr id="42" name="Shape 42"/>
+          <p:cNvSpPr/>
+          <p:nvPr/>
+        </p:nvSpPr>
+        <p:spPr>
+          <a:xfrm>
+            <a:off x="0" y="0"/>
+            <a:ext cx="6159500" cy="444500"/>
+          </a:xfrm>
+          <a:prstGeom prst="rect">
+            <a:avLst/>
+          </a:prstGeom>
+          <a:solidFill>
+            <a:srgbClr val="B51A00"/>
+          </a:solidFill>
+          <a:ln w="12700">
+            <a:miter lim="400000"/>
+          </a:ln>
+        </p:spPr>
+        <p:txBody>
+          <a:bodyPr lIns="0" tIns="0" rIns="0" bIns="0" anchor="ctr"/>
+          <a:lstStyle/>
+          <a:p>
+            <a:pPr lvl="0">
+              <a:defRPr sz="4000">
+                <a:solidFill>
+                  <a:srgbClr val="FFFFFF"/>
+                </a:solidFill>
+                <a:effectLst>
+                  <a:outerShdw blurRad="38100" dist="12700" dir="5400000" rotWithShape="0">
+                    <a:srgbClr val="000000">
+                      <a:alpha val="50000"/>
+                    </a:srgbClr>
+                  </a:outerShdw>
+                </a:effectLst>
+              </a:defRPr>
+            </a:pPr>
+            <a:endParaRPr/>
+          </a:p>
+        </p:txBody>
+      </p:sp>
+      <p:sp>
+        <p:nvSpPr>
+          <p:cNvPr id="43" name="Shape 43"/>
+          <p:cNvSpPr/>
+          <p:nvPr/>
+        </p:nvSpPr>
+        <p:spPr>
+          <a:xfrm>
+            <a:off x="6159500" y="0"/>
+            <a:ext cx="6845300" cy="444500"/>
+          </a:xfrm>
+          <a:prstGeom prst="rect">
+            <a:avLst/>
+          </a:prstGeom>
+          <a:solidFill>
+            <a:srgbClr val="D6D6D6"/>
+          </a:solidFill>
+          <a:ln w="12700">
+            <a:miter lim="400000"/>
+          </a:ln>
+        </p:spPr>
+        <p:txBody>
+          <a:bodyPr lIns="0" tIns="0" rIns="0" bIns="0" anchor="ctr"/>
+          <a:lstStyle/>
+          <a:p>
+            <a:pPr lvl="0">
+              <a:defRPr sz="4000">
+                <a:solidFill>
+                  <a:srgbClr val="FFFFFF"/>
+                </a:solidFill>
+                <a:effectLst>
+                  <a:outerShdw blurRad="38100" dist="12700" dir="5400000" rotWithShape="0">
+                    <a:srgbClr val="000000">
+                      <a:alpha val="50000"/>
+                    </a:srgbClr>
+                  </a:outerShdw>
+                </a:effectLst>
+              </a:defRPr>
+            </a:pPr>
+            <a:endParaRPr/>
+          </a:p>
+        </p:txBody>
+      </p:sp>
+      <p:sp>
+        <p:nvSpPr>
+          <p:cNvPr id="44" name="Shape 44"/>
+          <p:cNvSpPr/>
+          <p:nvPr/>
+        </p:nvSpPr>
+        <p:spPr>
+          <a:xfrm>
+            <a:off x="-1" y="9245600"/>
+            <a:ext cx="7494777" cy="520700"/>
+          </a:xfrm>
+          <a:prstGeom prst="rect">
+            <a:avLst/>
+          </a:prstGeom>
+          <a:solidFill>
+            <a:srgbClr val="B51A00"/>
+          </a:solidFill>
+          <a:ln w="12700">
+            <a:miter lim="400000"/>
+          </a:ln>
+        </p:spPr>
+        <p:txBody>
+          <a:bodyPr lIns="0" tIns="0" rIns="0" bIns="0" anchor="ctr"/>
+          <a:lstStyle/>
+          <a:p>
+            <a:pPr lvl="0">
+              <a:defRPr sz="4000">
+                <a:solidFill>
+                  <a:srgbClr val="FFFFFF"/>
+                </a:solidFill>
+                <a:effectLst>
+                  <a:outerShdw blurRad="38100" dist="12700" dir="5400000" rotWithShape="0">
+                    <a:srgbClr val="000000">
+                      <a:alpha val="50000"/>
+                    </a:srgbClr>
+                  </a:outerShdw>
+                </a:effectLst>
+              </a:defRPr>
+            </a:pPr>
+            <a:endParaRPr/>
+          </a:p>
+        </p:txBody>
+      </p:sp>
+      <p:sp>
+        <p:nvSpPr>
+          <p:cNvPr id="45" name="Shape 45"/>
+          <p:cNvSpPr/>
+          <p:nvPr/>
+        </p:nvSpPr>
+        <p:spPr>
+          <a:xfrm>
+            <a:off x="7218946" y="9245600"/>
+            <a:ext cx="5785853" cy="520700"/>
+          </a:xfrm>
+          <a:prstGeom prst="rect">
+            <a:avLst/>
+          </a:prstGeom>
+          <a:solidFill>
+            <a:srgbClr val="D6D6D6"/>
+          </a:solidFill>
+          <a:ln w="12700">
+            <a:miter lim="400000"/>
+          </a:ln>
+        </p:spPr>
+        <p:txBody>
+          <a:bodyPr lIns="0" tIns="0" rIns="0" bIns="0" anchor="ctr"/>
+          <a:lstStyle/>
+          <a:p>
+            <a:pPr lvl="0">
+              <a:defRPr sz="4000">
+                <a:solidFill>
+                  <a:srgbClr val="FFFFFF"/>
+                </a:solidFill>
+                <a:effectLst>
+                  <a:outerShdw blurRad="38100" dist="12700" dir="5400000" rotWithShape="0">
+                    <a:srgbClr val="000000">
+                      <a:alpha val="50000"/>
+                    </a:srgbClr>
+                  </a:outerShdw>
+                </a:effectLst>
+              </a:defRPr>
+            </a:pPr>
+            <a:endParaRPr/>
+          </a:p>
+        </p:txBody>
+      </p:sp>
+      <p:sp>
+        <p:nvSpPr>
+          <p:cNvPr id="46" name="Shape 46"/>
+          <p:cNvSpPr/>
+          <p:nvPr/>
+        </p:nvSpPr>
+        <p:spPr>
+          <a:xfrm>
+            <a:off x="881508" y="9245600"/>
+            <a:ext cx="6155531" cy="456535"/>
+          </a:xfrm>
+          <a:prstGeom prst="rect">
+            <a:avLst/>
+          </a:prstGeom>
+          <a:ln w="12700">
+            <a:miter lim="400000"/>
+          </a:ln>
+          <a:extLst>
+            <a:ext uri="{C572A759-6A51-4108-AA02-DFA0A04FC94B}">
+              <ma14:wrappingTextBoxFlag xmlns:ma14="http://schemas.microsoft.com/office/mac/drawingml/2011/main" val="1"/>
+            </a:ext>
+          </a:extLst>
+        </p:spPr>
+        <p:txBody>
+          <a:bodyPr wrap="none" lIns="50800" tIns="50800" rIns="50800" bIns="50800" anchor="ctr">
+            <a:spAutoFit/>
+          </a:bodyPr>
+          <a:lstStyle>
+            <a:lvl1pPr>
+              <a:defRPr sz="2300">
+                <a:solidFill>
+                  <a:srgbClr val="FFFFFF"/>
+                </a:solidFill>
+              </a:defRPr>
+            </a:lvl1pPr>
+          </a:lstStyle>
+          <a:p>
+            <a:pPr lvl="0">
+              <a:defRPr sz="1800">
+                <a:solidFill>
+                  <a:srgbClr val="000000"/>
+                </a:solidFill>
+              </a:defRPr>
+            </a:pPr>
+            <a:r>
+              <a:rPr lang="en-US" sz="2300" dirty="0" err="1" smtClean="0">
+                <a:solidFill>
+                  <a:srgbClr val="FFFFFF"/>
+                </a:solidFill>
+              </a:rPr>
+              <a:t>Ondine</a:t>
+            </a:r>
+            <a:r>
+              <a:rPr lang="en-US" sz="2300" dirty="0" smtClean="0">
+                <a:solidFill>
+                  <a:srgbClr val="FFFFFF"/>
+                </a:solidFill>
+              </a:rPr>
+              <a:t> </a:t>
+            </a:r>
+            <a:r>
+              <a:rPr lang="en-US" sz="2300" dirty="0" err="1" smtClean="0">
+                <a:solidFill>
+                  <a:srgbClr val="FFFFFF"/>
+                </a:solidFill>
+              </a:rPr>
+              <a:t>Chanon</a:t>
+            </a:r>
+            <a:r>
+              <a:rPr lang="en-US" sz="2300" dirty="0" smtClean="0">
+                <a:solidFill>
+                  <a:srgbClr val="FFFFFF"/>
+                </a:solidFill>
+              </a:rPr>
+              <a:t>, Nicolas </a:t>
+            </a:r>
+            <a:r>
+              <a:rPr lang="en-US" sz="2300" dirty="0" err="1" smtClean="0">
+                <a:solidFill>
+                  <a:srgbClr val="FFFFFF"/>
+                </a:solidFill>
+              </a:rPr>
+              <a:t>Hubacher</a:t>
+            </a:r>
+            <a:r>
+              <a:rPr lang="en-US" sz="2300" dirty="0" smtClean="0">
+                <a:solidFill>
+                  <a:srgbClr val="FFFFFF"/>
+                </a:solidFill>
+              </a:rPr>
+              <a:t>, Stefano </a:t>
+            </a:r>
+            <a:r>
+              <a:rPr lang="en-US" sz="2300" dirty="0" err="1" smtClean="0">
+                <a:solidFill>
+                  <a:srgbClr val="FFFFFF"/>
+                </a:solidFill>
+              </a:rPr>
+              <a:t>Savar</a:t>
+            </a:r>
+            <a:r>
+              <a:rPr lang="en-US" sz="2300" dirty="0" err="1" smtClean="0">
+                <a:solidFill>
+                  <a:srgbClr val="FFFFFF"/>
+                </a:solidFill>
+              </a:rPr>
+              <a:t>è</a:t>
+            </a:r>
+            <a:endParaRPr sz="2300" dirty="0">
+              <a:solidFill>
+                <a:srgbClr val="FFFFFF"/>
+              </a:solidFill>
+            </a:endParaRPr>
+          </a:p>
+        </p:txBody>
+      </p:sp>
+      <p:sp>
+        <p:nvSpPr>
+          <p:cNvPr id="47" name="Shape 47"/>
+          <p:cNvSpPr/>
+          <p:nvPr/>
+        </p:nvSpPr>
+        <p:spPr>
+          <a:xfrm>
+            <a:off x="7494777" y="9254939"/>
+            <a:ext cx="2925481" cy="471924"/>
+          </a:xfrm>
+          <a:prstGeom prst="rect">
+            <a:avLst/>
+          </a:prstGeom>
+          <a:ln w="12700">
+            <a:miter lim="400000"/>
+          </a:ln>
+          <a:extLst>
+            <a:ext uri="{C572A759-6A51-4108-AA02-DFA0A04FC94B}">
+              <ma14:wrappingTextBoxFlag xmlns:ma14="http://schemas.microsoft.com/office/mac/drawingml/2011/main" val="1"/>
+            </a:ext>
+          </a:extLst>
+        </p:spPr>
+        <p:txBody>
+          <a:bodyPr wrap="none" lIns="50800" tIns="50800" rIns="50800" bIns="50800" anchor="ctr">
+            <a:spAutoFit/>
+          </a:bodyPr>
+          <a:lstStyle>
+            <a:lvl1pPr>
+              <a:defRPr sz="2300"/>
+            </a:lvl1pPr>
+          </a:lstStyle>
+          <a:p>
+            <a:pPr lvl="0">
+              <a:defRPr sz="1800"/>
+            </a:pPr>
+            <a:r>
+              <a:rPr lang="en-US" sz="2400" dirty="0" smtClean="0"/>
+              <a:t>December, 16th</a:t>
+            </a:r>
+            <a:r>
+              <a:rPr sz="2400" dirty="0" smtClean="0"/>
+              <a:t>  201</a:t>
+            </a:r>
+            <a:r>
+              <a:rPr lang="en-US" sz="2400" dirty="0" smtClean="0"/>
+              <a:t>5</a:t>
+            </a:r>
+            <a:endParaRPr sz="2400" dirty="0"/>
+          </a:p>
+        </p:txBody>
+      </p:sp>
+      <p:sp>
+        <p:nvSpPr>
+          <p:cNvPr id="54" name="Shape 54"/>
+          <p:cNvSpPr/>
+          <p:nvPr/>
+        </p:nvSpPr>
+        <p:spPr>
+          <a:xfrm>
+            <a:off x="4214998" y="-82216"/>
+            <a:ext cx="1603003" cy="456535"/>
+          </a:xfrm>
+          <a:prstGeom prst="rect">
+            <a:avLst/>
+          </a:prstGeom>
+          <a:ln w="12700">
+            <a:miter lim="400000"/>
+          </a:ln>
+          <a:extLst>
+            <a:ext uri="{C572A759-6A51-4108-AA02-DFA0A04FC94B}">
+              <ma14:wrappingTextBoxFlag xmlns:ma14="http://schemas.microsoft.com/office/mac/drawingml/2011/main" val="1"/>
+            </a:ext>
+          </a:extLst>
+        </p:spPr>
+        <p:txBody>
+          <a:bodyPr wrap="none" lIns="50800" tIns="50800" rIns="50800" bIns="50800" anchor="ctr">
+            <a:spAutoFit/>
+          </a:bodyPr>
+          <a:lstStyle>
+            <a:lvl1pPr>
+              <a:defRPr sz="2300">
+                <a:solidFill>
+                  <a:srgbClr val="FFFFFF"/>
+                </a:solidFill>
+              </a:defRPr>
+            </a:lvl1pPr>
+          </a:lstStyle>
+          <a:p>
+            <a:pPr lvl="0">
+              <a:defRPr sz="1800">
+                <a:solidFill>
+                  <a:srgbClr val="000000"/>
+                </a:solidFill>
+              </a:defRPr>
+            </a:pPr>
+            <a:r>
+              <a:rPr lang="en-US" sz="2300" dirty="0" smtClean="0">
+                <a:solidFill>
+                  <a:srgbClr val="FFFFFF"/>
+                </a:solidFill>
+              </a:rPr>
+              <a:t>Introduction</a:t>
+            </a:r>
+            <a:endParaRPr sz="2300" dirty="0">
+              <a:solidFill>
+                <a:srgbClr val="FFFFFF"/>
+              </a:solidFill>
+            </a:endParaRPr>
+          </a:p>
+        </p:txBody>
+      </p:sp>
+      <p:sp>
+        <p:nvSpPr>
+          <p:cNvPr id="16" name="Shape 74"/>
+          <p:cNvSpPr/>
+          <p:nvPr/>
+        </p:nvSpPr>
+        <p:spPr>
+          <a:xfrm>
+            <a:off x="0" y="406400"/>
+            <a:ext cx="14147800" cy="1270000"/>
+          </a:xfrm>
+          <a:prstGeom prst="rect">
+            <a:avLst/>
+          </a:prstGeom>
+          <a:solidFill>
+            <a:srgbClr val="EBEBEB"/>
+          </a:solidFill>
+          <a:ln w="12700">
+            <a:miter lim="400000"/>
+          </a:ln>
+        </p:spPr>
+        <p:txBody>
+          <a:bodyPr lIns="0" tIns="0" rIns="0" bIns="0" anchor="ctr"/>
+          <a:lstStyle/>
+          <a:p>
+            <a:pPr lvl="0">
+              <a:defRPr sz="4000">
+                <a:solidFill>
+                  <a:srgbClr val="FFFFFF"/>
+                </a:solidFill>
+                <a:effectLst>
+                  <a:outerShdw blurRad="38100" dist="12700" dir="5400000" rotWithShape="0">
+                    <a:srgbClr val="000000">
+                      <a:alpha val="50000"/>
+                    </a:srgbClr>
+                  </a:outerShdw>
+                </a:effectLst>
+              </a:defRPr>
+            </a:pPr>
+            <a:endParaRPr/>
+          </a:p>
+        </p:txBody>
+      </p:sp>
+      <p:sp>
+        <p:nvSpPr>
+          <p:cNvPr id="17" name="Shape 75"/>
+          <p:cNvSpPr/>
+          <p:nvPr/>
+        </p:nvSpPr>
+        <p:spPr>
+          <a:xfrm>
+            <a:off x="355600" y="660400"/>
+            <a:ext cx="12280900" cy="749300"/>
+          </a:xfrm>
+          <a:prstGeom prst="rect">
+            <a:avLst/>
+          </a:prstGeom>
+          <a:ln w="12700">
+            <a:miter lim="400000"/>
+          </a:ln>
+          <a:extLst>
+            <a:ext uri="{C572A759-6A51-4108-AA02-DFA0A04FC94B}">
+              <ma14:wrappingTextBoxFlag xmlns:ma14="http://schemas.microsoft.com/office/mac/drawingml/2011/main" val="1"/>
+            </a:ext>
+          </a:extLst>
+        </p:spPr>
+        <p:txBody>
+          <a:bodyPr lIns="50800" tIns="50800" rIns="50800" bIns="50800" anchor="ctr">
+            <a:spAutoFit/>
+          </a:bodyPr>
+          <a:lstStyle>
+            <a:lvl1pPr algn="l">
+              <a:defRPr sz="4500">
+                <a:solidFill>
+                  <a:srgbClr val="B51A00"/>
+                </a:solidFill>
+                <a:latin typeface="Arial"/>
+                <a:ea typeface="Arial"/>
+                <a:cs typeface="Arial"/>
+                <a:sym typeface="Arial"/>
+              </a:defRPr>
+            </a:lvl1pPr>
+          </a:lstStyle>
+          <a:p>
+            <a:pPr lvl="0">
+              <a:defRPr sz="1800">
+                <a:solidFill>
+                  <a:srgbClr val="000000"/>
+                </a:solidFill>
+              </a:defRPr>
+            </a:pPr>
+            <a:r>
+              <a:rPr sz="4500">
+                <a:solidFill>
+                  <a:srgbClr val="B51A00"/>
+                </a:solidFill>
+              </a:rPr>
+              <a:t>Anatomia: cuore e sistema di conduzione</a:t>
+            </a:r>
+          </a:p>
+        </p:txBody>
+      </p:sp>
+    </p:spTree>
+    <p:extLst>
+      <p:ext uri="{BB962C8B-B14F-4D97-AF65-F5344CB8AC3E}">
+        <p14:creationId xmlns:p14="http://schemas.microsoft.com/office/powerpoint/2010/main" val="1787045699"/>
+      </p:ext>
+    </p:extLst>
+  </p:cSld>
+  <p:clrMapOvr>
+    <a:masterClrMapping/>
+  </p:clrMapOvr>
+  <p:transition spd="med"/>
+</p:sld>
+</file>
+
+<file path=ppt/slides/slide11.xml><?xml version="1.0" encoding="utf-8"?>
+<p:sld xmlns:a="http://schemas.openxmlformats.org/drawingml/2006/main" xmlns:r="http://schemas.openxmlformats.org/officeDocument/2006/relationships" xmlns:p="http://schemas.openxmlformats.org/presentationml/2006/main">
+  <p:cSld>
+    <p:spTree>
+      <p:nvGrpSpPr>
+        <p:cNvPr id="1" name=""/>
+        <p:cNvGrpSpPr/>
+        <p:nvPr/>
+      </p:nvGrpSpPr>
+      <p:grpSpPr>
+        <a:xfrm>
+          <a:off x="0" y="0"/>
+          <a:ext cx="0" cy="0"/>
+          <a:chOff x="0" y="0"/>
+          <a:chExt cx="0" cy="0"/>
+        </a:xfrm>
+      </p:grpSpPr>
+      <p:sp>
+        <p:nvSpPr>
+          <p:cNvPr id="57" name="Shape 57"/>
+          <p:cNvSpPr/>
+          <p:nvPr/>
+        </p:nvSpPr>
+        <p:spPr>
+          <a:xfrm>
+            <a:off x="0" y="0"/>
+            <a:ext cx="6159500" cy="546100"/>
+          </a:xfrm>
+          <a:prstGeom prst="rect">
+            <a:avLst/>
+          </a:prstGeom>
+          <a:solidFill>
+            <a:srgbClr val="B51A00"/>
+          </a:solidFill>
+          <a:ln w="12700">
+            <a:miter lim="400000"/>
+          </a:ln>
+        </p:spPr>
+        <p:txBody>
+          <a:bodyPr lIns="0" tIns="0" rIns="0" bIns="0" anchor="ctr"/>
+          <a:lstStyle/>
+          <a:p>
+            <a:pPr lvl="0">
+              <a:defRPr sz="4000">
+                <a:solidFill>
+                  <a:srgbClr val="FFFFFF"/>
+                </a:solidFill>
+                <a:effectLst>
+                  <a:outerShdw blurRad="38100" dist="12700" dir="5400000" rotWithShape="0">
+                    <a:srgbClr val="000000">
+                      <a:alpha val="50000"/>
+                    </a:srgbClr>
+                  </a:outerShdw>
+                </a:effectLst>
+              </a:defRPr>
+            </a:pPr>
+            <a:endParaRPr/>
+          </a:p>
+        </p:txBody>
+      </p:sp>
+      <p:sp>
+        <p:nvSpPr>
+          <p:cNvPr id="58" name="Shape 58"/>
+          <p:cNvSpPr/>
+          <p:nvPr/>
+        </p:nvSpPr>
+        <p:spPr>
+          <a:xfrm>
+            <a:off x="6159500" y="0"/>
+            <a:ext cx="6845300" cy="546100"/>
+          </a:xfrm>
+          <a:prstGeom prst="rect">
+            <a:avLst/>
+          </a:prstGeom>
+          <a:solidFill>
+            <a:srgbClr val="C0C0C0"/>
+          </a:solidFill>
+          <a:ln w="12700">
+            <a:miter lim="400000"/>
+          </a:ln>
+        </p:spPr>
+        <p:txBody>
+          <a:bodyPr lIns="0" tIns="0" rIns="0" bIns="0" anchor="ctr"/>
+          <a:lstStyle/>
+          <a:p>
+            <a:pPr lvl="0">
+              <a:defRPr sz="4000">
+                <a:solidFill>
+                  <a:srgbClr val="FFFFFF"/>
+                </a:solidFill>
+                <a:effectLst>
+                  <a:outerShdw blurRad="38100" dist="12700" dir="5400000" rotWithShape="0">
+                    <a:srgbClr val="000000">
+                      <a:alpha val="50000"/>
+                    </a:srgbClr>
+                  </a:outerShdw>
+                </a:effectLst>
+              </a:defRPr>
+            </a:pPr>
+            <a:endParaRPr/>
+          </a:p>
+        </p:txBody>
+      </p:sp>
+      <p:sp>
+        <p:nvSpPr>
+          <p:cNvPr id="59" name="Shape 59"/>
+          <p:cNvSpPr/>
+          <p:nvPr/>
+        </p:nvSpPr>
+        <p:spPr>
+          <a:xfrm>
+            <a:off x="0" y="406400"/>
+            <a:ext cx="14147800" cy="1270000"/>
+          </a:xfrm>
+          <a:prstGeom prst="rect">
+            <a:avLst/>
+          </a:prstGeom>
+          <a:solidFill>
+            <a:srgbClr val="EBEBEB"/>
+          </a:solidFill>
+          <a:ln w="12700">
+            <a:miter lim="400000"/>
+          </a:ln>
+        </p:spPr>
+        <p:txBody>
+          <a:bodyPr lIns="0" tIns="0" rIns="0" bIns="0" anchor="ctr"/>
+          <a:lstStyle/>
+          <a:p>
+            <a:pPr lvl="0">
+              <a:defRPr sz="4000">
+                <a:solidFill>
+                  <a:srgbClr val="FFFFFF"/>
+                </a:solidFill>
+                <a:effectLst>
+                  <a:outerShdw blurRad="38100" dist="12700" dir="5400000" rotWithShape="0">
+                    <a:srgbClr val="000000">
+                      <a:alpha val="50000"/>
+                    </a:srgbClr>
+                  </a:outerShdw>
+                </a:effectLst>
+              </a:defRPr>
+            </a:pPr>
+            <a:endParaRPr/>
+          </a:p>
+        </p:txBody>
+      </p:sp>
+      <p:sp>
+        <p:nvSpPr>
+          <p:cNvPr id="60" name="Shape 60"/>
+          <p:cNvSpPr/>
+          <p:nvPr/>
+        </p:nvSpPr>
+        <p:spPr>
+          <a:xfrm>
+            <a:off x="355600" y="660589"/>
+            <a:ext cx="12280900" cy="748923"/>
+          </a:xfrm>
+          <a:prstGeom prst="rect">
+            <a:avLst/>
+          </a:prstGeom>
+          <a:ln w="12700">
+            <a:miter lim="400000"/>
+          </a:ln>
+          <a:extLst>
+            <a:ext uri="{C572A759-6A51-4108-AA02-DFA0A04FC94B}">
+              <ma14:wrappingTextBoxFlag xmlns:ma14="http://schemas.microsoft.com/office/mac/drawingml/2011/main" val="1"/>
+            </a:ext>
+          </a:extLst>
+        </p:spPr>
+        <p:txBody>
+          <a:bodyPr lIns="50800" tIns="50800" rIns="50800" bIns="50800" anchor="ctr">
+            <a:spAutoFit/>
+          </a:bodyPr>
+          <a:lstStyle>
+            <a:lvl1pPr algn="l">
+              <a:defRPr>
+                <a:solidFill>
+                  <a:srgbClr val="B51A00"/>
+                </a:solidFill>
+                <a:latin typeface="Arial"/>
+                <a:ea typeface="Arial"/>
+                <a:cs typeface="Arial"/>
+                <a:sym typeface="Arial"/>
+              </a:defRPr>
+            </a:lvl1pPr>
+          </a:lstStyle>
+          <a:p>
+            <a:pPr lvl="0">
+              <a:defRPr sz="1800">
+                <a:solidFill>
+                  <a:srgbClr val="000000"/>
+                </a:solidFill>
+              </a:defRPr>
+            </a:pPr>
+            <a:r>
+              <a:rPr sz="4200" dirty="0" smtClean="0">
+                <a:solidFill>
+                  <a:srgbClr val="B51A00"/>
+                </a:solidFill>
+              </a:rPr>
+              <a:t>Bibliogra</a:t>
+            </a:r>
+            <a:r>
+              <a:rPr lang="en-US" sz="4200" dirty="0" smtClean="0">
+                <a:solidFill>
+                  <a:srgbClr val="B51A00"/>
+                </a:solidFill>
+              </a:rPr>
+              <a:t>phy</a:t>
+            </a:r>
+            <a:endParaRPr sz="4200" dirty="0">
+              <a:solidFill>
+                <a:srgbClr val="B51A00"/>
+              </a:solidFill>
+            </a:endParaRPr>
+          </a:p>
+        </p:txBody>
+      </p:sp>
+      <p:sp>
+        <p:nvSpPr>
+          <p:cNvPr id="61" name="Shape 61"/>
+          <p:cNvSpPr/>
+          <p:nvPr/>
+        </p:nvSpPr>
+        <p:spPr>
+          <a:xfrm>
+            <a:off x="4780849" y="-12700"/>
+            <a:ext cx="1299047" cy="368300"/>
+          </a:xfrm>
+          <a:prstGeom prst="rect">
+            <a:avLst/>
+          </a:prstGeom>
+          <a:ln w="12700">
+            <a:miter lim="400000"/>
+          </a:ln>
+          <a:extLst>
+            <a:ext uri="{C572A759-6A51-4108-AA02-DFA0A04FC94B}">
+              <ma14:wrappingTextBoxFlag xmlns:ma14="http://schemas.microsoft.com/office/mac/drawingml/2011/main" val="1"/>
+            </a:ext>
+          </a:extLst>
+        </p:spPr>
+        <p:txBody>
+          <a:bodyPr wrap="none" lIns="50800" tIns="50800" rIns="50800" bIns="50800" anchor="ctr">
+            <a:spAutoFit/>
+          </a:bodyPr>
+          <a:lstStyle>
+            <a:lvl1pPr>
+              <a:defRPr sz="1800">
+                <a:solidFill>
+                  <a:srgbClr val="FFFFFF"/>
+                </a:solidFill>
+              </a:defRPr>
+            </a:lvl1pPr>
+          </a:lstStyle>
+          <a:p>
+            <a:pPr lvl="0">
+              <a:defRPr>
+                <a:solidFill>
+                  <a:srgbClr val="000000"/>
+                </a:solidFill>
+              </a:defRPr>
+            </a:pPr>
+            <a:r>
+              <a:rPr>
+                <a:solidFill>
+                  <a:srgbClr val="FFFFFF"/>
+                </a:solidFill>
+              </a:rPr>
+              <a:t>Introduzione</a:t>
+            </a:r>
+          </a:p>
+        </p:txBody>
+      </p:sp>
+      <p:sp>
+        <p:nvSpPr>
+          <p:cNvPr id="62" name="Shape 62"/>
+          <p:cNvSpPr/>
+          <p:nvPr/>
+        </p:nvSpPr>
+        <p:spPr>
+          <a:xfrm>
+            <a:off x="0" y="9245600"/>
+            <a:ext cx="4635500" cy="520700"/>
+          </a:xfrm>
+          <a:prstGeom prst="rect">
+            <a:avLst/>
+          </a:prstGeom>
+          <a:solidFill>
+            <a:srgbClr val="B51A00"/>
+          </a:solidFill>
+          <a:ln w="12700">
+            <a:miter lim="400000"/>
+          </a:ln>
+        </p:spPr>
+        <p:txBody>
+          <a:bodyPr lIns="0" tIns="0" rIns="0" bIns="0" anchor="ctr"/>
+          <a:lstStyle/>
+          <a:p>
+            <a:pPr lvl="0">
+              <a:defRPr sz="4000">
+                <a:solidFill>
+                  <a:srgbClr val="FFFFFF"/>
+                </a:solidFill>
+                <a:effectLst>
+                  <a:outerShdw blurRad="38100" dist="12700" dir="5400000" rotWithShape="0">
+                    <a:srgbClr val="000000">
+                      <a:alpha val="50000"/>
+                    </a:srgbClr>
+                  </a:outerShdw>
+                </a:effectLst>
+              </a:defRPr>
+            </a:pPr>
+            <a:endParaRPr/>
+          </a:p>
+        </p:txBody>
+      </p:sp>
+      <p:sp>
+        <p:nvSpPr>
+          <p:cNvPr id="63" name="Shape 63"/>
+          <p:cNvSpPr/>
+          <p:nvPr/>
+        </p:nvSpPr>
+        <p:spPr>
+          <a:xfrm>
+            <a:off x="4635500" y="9245600"/>
+            <a:ext cx="8369300" cy="520700"/>
+          </a:xfrm>
+          <a:prstGeom prst="rect">
+            <a:avLst/>
+          </a:prstGeom>
+          <a:solidFill>
+            <a:srgbClr val="D6D6D6"/>
+          </a:solidFill>
+          <a:ln w="12700">
+            <a:miter lim="400000"/>
+          </a:ln>
+        </p:spPr>
+        <p:txBody>
+          <a:bodyPr lIns="0" tIns="0" rIns="0" bIns="0" anchor="ctr"/>
+          <a:lstStyle/>
+          <a:p>
+            <a:pPr lvl="0">
+              <a:defRPr sz="4000">
+                <a:solidFill>
+                  <a:srgbClr val="FFFFFF"/>
+                </a:solidFill>
+                <a:effectLst>
+                  <a:outerShdw blurRad="38100" dist="12700" dir="5400000" rotWithShape="0">
+                    <a:srgbClr val="000000">
+                      <a:alpha val="50000"/>
+                    </a:srgbClr>
+                  </a:outerShdw>
+                </a:effectLst>
+              </a:defRPr>
+            </a:pPr>
+            <a:endParaRPr/>
+          </a:p>
+        </p:txBody>
+      </p:sp>
+      <p:sp>
+        <p:nvSpPr>
+          <p:cNvPr id="64" name="Shape 64"/>
+          <p:cNvSpPr/>
+          <p:nvPr/>
+        </p:nvSpPr>
+        <p:spPr>
+          <a:xfrm>
+            <a:off x="2611533" y="9239250"/>
+            <a:ext cx="1827679" cy="431800"/>
+          </a:xfrm>
+          <a:prstGeom prst="rect">
+            <a:avLst/>
+          </a:prstGeom>
+          <a:ln w="12700">
+            <a:miter lim="400000"/>
+          </a:ln>
+          <a:extLst>
+            <a:ext uri="{C572A759-6A51-4108-AA02-DFA0A04FC94B}">
+              <ma14:wrappingTextBoxFlag xmlns:ma14="http://schemas.microsoft.com/office/mac/drawingml/2011/main" val="1"/>
+            </a:ext>
+          </a:extLst>
+        </p:spPr>
+        <p:txBody>
+          <a:bodyPr wrap="none" lIns="50800" tIns="50800" rIns="50800" bIns="50800" anchor="ctr">
+            <a:spAutoFit/>
+          </a:bodyPr>
+          <a:lstStyle>
+            <a:lvl1pPr>
+              <a:defRPr sz="2300">
+                <a:solidFill>
+                  <a:srgbClr val="FFFFFF"/>
+                </a:solidFill>
+              </a:defRPr>
+            </a:lvl1pPr>
+          </a:lstStyle>
+          <a:p>
+            <a:pPr lvl="0">
+              <a:defRPr sz="1800">
+                <a:solidFill>
+                  <a:srgbClr val="000000"/>
+                </a:solidFill>
+              </a:defRPr>
+            </a:pPr>
+            <a:r>
+              <a:rPr sz="2300">
+                <a:solidFill>
+                  <a:srgbClr val="FFFFFF"/>
+                </a:solidFill>
+              </a:rPr>
+              <a:t>Stefano Savarè</a:t>
+            </a:r>
+          </a:p>
+        </p:txBody>
+      </p:sp>
+      <p:sp>
+        <p:nvSpPr>
+          <p:cNvPr id="65" name="Shape 65"/>
+          <p:cNvSpPr/>
+          <p:nvPr/>
+        </p:nvSpPr>
+        <p:spPr>
+          <a:xfrm>
+            <a:off x="4821535" y="9239250"/>
+            <a:ext cx="2360675" cy="431800"/>
+          </a:xfrm>
+          <a:prstGeom prst="rect">
+            <a:avLst/>
+          </a:prstGeom>
+          <a:ln w="12700">
+            <a:miter lim="400000"/>
+          </a:ln>
+          <a:extLst>
+            <a:ext uri="{C572A759-6A51-4108-AA02-DFA0A04FC94B}">
+              <ma14:wrappingTextBoxFlag xmlns:ma14="http://schemas.microsoft.com/office/mac/drawingml/2011/main" val="1"/>
+            </a:ext>
+          </a:extLst>
+        </p:spPr>
+        <p:txBody>
+          <a:bodyPr wrap="none" lIns="50800" tIns="50800" rIns="50800" bIns="50800" anchor="ctr">
+            <a:spAutoFit/>
+          </a:bodyPr>
+          <a:lstStyle>
+            <a:lvl1pPr>
+              <a:defRPr sz="2300"/>
+            </a:lvl1pPr>
+          </a:lstStyle>
+          <a:p>
+            <a:pPr lvl="0">
+              <a:defRPr sz="1800"/>
+            </a:pPr>
+            <a:r>
+              <a:rPr sz="2300"/>
+              <a:t>30 settembre 2014</a:t>
+            </a:r>
+          </a:p>
+        </p:txBody>
+      </p:sp>
+      <p:sp>
+        <p:nvSpPr>
+          <p:cNvPr id="66" name="Shape 66"/>
+          <p:cNvSpPr/>
+          <p:nvPr/>
+        </p:nvSpPr>
+        <p:spPr>
+          <a:xfrm>
+            <a:off x="179675" y="5137150"/>
+            <a:ext cx="12039601" cy="1219200"/>
+          </a:xfrm>
+          <a:prstGeom prst="rect">
+            <a:avLst/>
+          </a:prstGeom>
+          <a:ln w="12700">
+            <a:miter lim="400000"/>
+          </a:ln>
+          <a:extLst>
+            <a:ext uri="{C572A759-6A51-4108-AA02-DFA0A04FC94B}">
+              <ma14:wrappingTextBoxFlag xmlns:ma14="http://schemas.microsoft.com/office/mac/drawingml/2011/main" val="1"/>
+            </a:ext>
+          </a:extLst>
+        </p:spPr>
+        <p:txBody>
+          <a:bodyPr lIns="50800" tIns="50800" rIns="50800" bIns="50800" anchor="ctr">
+            <a:spAutoFit/>
+          </a:bodyPr>
+          <a:lstStyle/>
+          <a:p>
+            <a:pPr marL="237066" lvl="0" indent="-237066" algn="just">
+              <a:lnSpc>
+                <a:spcPct val="80000"/>
+              </a:lnSpc>
+              <a:buSzPct val="100000"/>
+              <a:buBlip>
+                <a:blip r:embed="rId2"/>
+              </a:buBlip>
+              <a:defRPr sz="1800"/>
+            </a:pPr>
+            <a:r>
+              <a:rPr sz="2400"/>
+              <a:t> </a:t>
+            </a:r>
+            <a:r>
+              <a:rPr sz="2400">
+                <a:solidFill>
+                  <a:srgbClr val="B51A00"/>
+                </a:solidFill>
+              </a:rPr>
+              <a:t>P. Colli Franzone, L. Guerri, M. Pennacchio, e B. Taccardi </a:t>
+            </a:r>
+            <a:br>
+              <a:rPr sz="2400">
+                <a:solidFill>
+                  <a:srgbClr val="B51A00"/>
+                </a:solidFill>
+              </a:rPr>
+            </a:br>
+            <a:r>
+              <a:rPr sz="2200"/>
+              <a:t>Spread of excitation in 3-D models of the anisotropic cardiac tissue. II. Effec- ts of fiber architecture and ventricular geometry </a:t>
+            </a:r>
+            <a:br>
+              <a:rPr sz="2200"/>
+            </a:br>
+            <a:r>
+              <a:rPr sz="2200" i="1">
+                <a:solidFill>
+                  <a:srgbClr val="B51A00"/>
+                </a:solidFill>
+              </a:rPr>
+              <a:t>Math. Biosci, 1998.</a:t>
+            </a:r>
+          </a:p>
+        </p:txBody>
+      </p:sp>
+      <p:sp>
+        <p:nvSpPr>
+          <p:cNvPr id="67" name="Shape 67"/>
+          <p:cNvSpPr/>
+          <p:nvPr/>
+        </p:nvSpPr>
+        <p:spPr>
+          <a:xfrm>
+            <a:off x="158204" y="3232150"/>
+            <a:ext cx="13068301" cy="1981200"/>
+          </a:xfrm>
+          <a:prstGeom prst="rect">
+            <a:avLst/>
+          </a:prstGeom>
+          <a:ln w="12700">
+            <a:miter lim="400000"/>
+          </a:ln>
+          <a:extLst>
+            <a:ext uri="{C572A759-6A51-4108-AA02-DFA0A04FC94B}">
+              <ma14:wrappingTextBoxFlag xmlns:ma14="http://schemas.microsoft.com/office/mac/drawingml/2011/main" val="1"/>
+            </a:ext>
+          </a:extLst>
+        </p:spPr>
+        <p:txBody>
+          <a:bodyPr lIns="50800" tIns="50800" rIns="50800" bIns="50800" anchor="ctr">
+            <a:spAutoFit/>
+          </a:bodyPr>
+          <a:lstStyle/>
+          <a:p>
+            <a:pPr marL="266700" lvl="0" indent="-266700" algn="l" defTabSz="457200">
+              <a:lnSpc>
+                <a:spcPct val="80000"/>
+              </a:lnSpc>
+              <a:spcBef>
+                <a:spcPts val="1200"/>
+              </a:spcBef>
+              <a:buSzPct val="100000"/>
+              <a:buBlip>
+                <a:blip r:embed="rId2"/>
+              </a:buBlip>
+              <a:tabLst>
+                <a:tab pos="139700" algn="l"/>
+                <a:tab pos="457200" algn="l"/>
+              </a:tabLst>
+              <a:defRPr sz="1800"/>
+            </a:pPr>
+            <a:r>
+              <a:rPr sz="2700" i="1">
+                <a:solidFill>
+                  <a:srgbClr val="B51A00"/>
+                </a:solidFill>
+                <a:latin typeface="Times"/>
+                <a:ea typeface="Times"/>
+                <a:cs typeface="Times"/>
+                <a:sym typeface="Times"/>
+              </a:rPr>
+              <a:t> </a:t>
+            </a:r>
+            <a:r>
+              <a:rPr sz="2400">
+                <a:solidFill>
+                  <a:srgbClr val="B51A00"/>
+                </a:solidFill>
+              </a:rPr>
+              <a:t>Palamara, C. Vergara, D. Catanzariti, E. Faggiano, M. Cen- tonze, C. Pangrazzi, M. Maines, and A. Quarteroni, </a:t>
+            </a:r>
+            <a:r>
+              <a:rPr sz="2700">
+                <a:solidFill>
+                  <a:srgbClr val="B51A00"/>
+                </a:solidFill>
+              </a:rPr>
+              <a:t/>
+            </a:r>
+            <a:br>
+              <a:rPr sz="2700">
+                <a:solidFill>
+                  <a:srgbClr val="B51A00"/>
+                </a:solidFill>
+              </a:rPr>
+            </a:br>
+            <a:r>
+              <a:rPr sz="2200"/>
+              <a:t>Patient- specific generation of the purkinje network driven by clinical measurements: The case of pathological propagationsy </a:t>
+            </a:r>
+            <a:br>
+              <a:rPr sz="2200"/>
+            </a:br>
+            <a:r>
+              <a:rPr sz="2200" i="1">
+                <a:solidFill>
+                  <a:srgbClr val="B51A00"/>
+                </a:solidFill>
+              </a:rPr>
+              <a:t>Mox Report, 2014</a:t>
+            </a:r>
+          </a:p>
+        </p:txBody>
+      </p:sp>
+      <p:sp>
+        <p:nvSpPr>
+          <p:cNvPr id="68" name="Shape 68"/>
+          <p:cNvSpPr/>
+          <p:nvPr/>
+        </p:nvSpPr>
+        <p:spPr>
+          <a:xfrm>
+            <a:off x="208855" y="6591300"/>
+            <a:ext cx="13195301" cy="1651000"/>
+          </a:xfrm>
+          <a:prstGeom prst="rect">
+            <a:avLst/>
+          </a:prstGeom>
+          <a:ln w="12700">
+            <a:miter lim="400000"/>
+          </a:ln>
+          <a:extLst>
+            <a:ext uri="{C572A759-6A51-4108-AA02-DFA0A04FC94B}">
+              <ma14:wrappingTextBoxFlag xmlns:ma14="http://schemas.microsoft.com/office/mac/drawingml/2011/main" val="1"/>
+            </a:ext>
+          </a:extLst>
+        </p:spPr>
+        <p:txBody>
+          <a:bodyPr lIns="50800" tIns="50800" rIns="50800" bIns="50800" anchor="ctr">
+            <a:spAutoFit/>
+          </a:bodyPr>
+          <a:lstStyle/>
+          <a:p>
+            <a:pPr marL="266700" lvl="0" indent="-266700" algn="l" defTabSz="457200">
+              <a:lnSpc>
+                <a:spcPct val="80000"/>
+              </a:lnSpc>
+              <a:spcBef>
+                <a:spcPts val="1200"/>
+              </a:spcBef>
+              <a:buSzPct val="100000"/>
+              <a:buBlip>
+                <a:blip r:embed="rId2"/>
+              </a:buBlip>
+              <a:tabLst>
+                <a:tab pos="139700" algn="l"/>
+                <a:tab pos="457200" algn="l"/>
+              </a:tabLst>
+              <a:defRPr sz="1800"/>
+            </a:pPr>
+            <a:r>
+              <a:rPr sz="2700" i="1">
+                <a:solidFill>
+                  <a:srgbClr val="B51A00"/>
+                </a:solidFill>
+              </a:rPr>
+              <a:t> </a:t>
+            </a:r>
+            <a:r>
+              <a:rPr sz="2400">
+                <a:solidFill>
+                  <a:srgbClr val="B51A00"/>
+                </a:solidFill>
+              </a:rPr>
+              <a:t>S. Palamara, C. Vergara, E. Faggiano, and F. Nobile, </a:t>
+            </a:r>
+            <a:r>
+              <a:rPr sz="2400"/>
+              <a:t/>
+            </a:r>
+            <a:br>
+              <a:rPr sz="2400"/>
+            </a:br>
+            <a:r>
+              <a:rPr sz="2200"/>
+              <a:t>An effective algorithm for the generation of patient-specific purkinje networks in computational electrocardiology </a:t>
+            </a:r>
+            <a:br>
+              <a:rPr sz="2200"/>
+            </a:br>
+            <a:r>
+              <a:rPr sz="2200" i="1">
+                <a:solidFill>
+                  <a:srgbClr val="B51A00"/>
+                </a:solidFill>
+              </a:rPr>
+              <a:t>Mox Report, 2013</a:t>
+            </a:r>
+          </a:p>
+        </p:txBody>
+      </p:sp>
+      <p:sp>
+        <p:nvSpPr>
+          <p:cNvPr id="69" name="Shape 69"/>
+          <p:cNvSpPr/>
+          <p:nvPr/>
+        </p:nvSpPr>
+        <p:spPr>
+          <a:xfrm>
+            <a:off x="177800" y="8108950"/>
+            <a:ext cx="2980681" cy="1244600"/>
+          </a:xfrm>
+          <a:prstGeom prst="rect">
+            <a:avLst/>
+          </a:prstGeom>
+          <a:ln w="12700">
+            <a:miter lim="400000"/>
+          </a:ln>
+          <a:extLst>
+            <a:ext uri="{C572A759-6A51-4108-AA02-DFA0A04FC94B}">
+              <ma14:wrappingTextBoxFlag xmlns:ma14="http://schemas.microsoft.com/office/mac/drawingml/2011/main" val="1"/>
+            </a:ext>
+          </a:extLst>
+        </p:spPr>
+        <p:txBody>
+          <a:bodyPr wrap="none" lIns="50800" tIns="50800" rIns="50800" bIns="50800" anchor="ctr">
+            <a:spAutoFit/>
+          </a:bodyPr>
+          <a:lstStyle/>
+          <a:p>
+            <a:pPr marL="266700" lvl="0" indent="-266700" algn="just">
+              <a:lnSpc>
+                <a:spcPct val="80000"/>
+              </a:lnSpc>
+              <a:buSzPct val="100000"/>
+              <a:buBlip>
+                <a:blip r:embed="rId2"/>
+              </a:buBlip>
+              <a:tabLst>
+                <a:tab pos="1003300" algn="l"/>
+              </a:tabLst>
+              <a:defRPr sz="1800"/>
+            </a:pPr>
+            <a:r>
+              <a:rPr sz="2700" i="1">
+                <a:solidFill>
+                  <a:srgbClr val="B51A00"/>
+                </a:solidFill>
+              </a:rPr>
+              <a:t> </a:t>
+            </a:r>
+            <a:r>
+              <a:rPr sz="2400">
+                <a:solidFill>
+                  <a:srgbClr val="B51A00"/>
+                </a:solidFill>
+              </a:rPr>
+              <a:t>Sethian</a:t>
+            </a:r>
+            <a:br>
+              <a:rPr sz="2400">
+                <a:solidFill>
+                  <a:srgbClr val="B51A00"/>
+                </a:solidFill>
+              </a:rPr>
+            </a:br>
+            <a:r>
+              <a:rPr sz="2200"/>
+              <a:t>Fast Marching Method</a:t>
+            </a:r>
+            <a:br>
+              <a:rPr sz="2200"/>
+            </a:br>
+            <a:r>
+              <a:rPr sz="2200" i="1">
+                <a:solidFill>
+                  <a:srgbClr val="B51A00"/>
+                </a:solidFill>
+              </a:rPr>
+              <a:t>SIAM Rev., 1999</a:t>
+            </a:r>
+          </a:p>
+        </p:txBody>
+      </p:sp>
+      <p:sp>
+        <p:nvSpPr>
+          <p:cNvPr id="70" name="Shape 70"/>
+          <p:cNvSpPr/>
+          <p:nvPr/>
+        </p:nvSpPr>
+        <p:spPr>
+          <a:xfrm>
+            <a:off x="163066" y="1663700"/>
+            <a:ext cx="12661901" cy="1244600"/>
+          </a:xfrm>
+          <a:prstGeom prst="rect">
+            <a:avLst/>
+          </a:prstGeom>
+          <a:ln w="12700">
+            <a:miter lim="400000"/>
+          </a:ln>
+          <a:extLst>
+            <a:ext uri="{C572A759-6A51-4108-AA02-DFA0A04FC94B}">
+              <ma14:wrappingTextBoxFlag xmlns:ma14="http://schemas.microsoft.com/office/mac/drawingml/2011/main" val="1"/>
+            </a:ext>
+          </a:extLst>
+        </p:spPr>
+        <p:txBody>
+          <a:bodyPr lIns="50800" tIns="50800" rIns="50800" bIns="50800" anchor="ctr">
+            <a:spAutoFit/>
+          </a:bodyPr>
+          <a:lstStyle/>
+          <a:p>
+            <a:pPr marL="237066" lvl="0" indent="-237066" algn="just">
+              <a:lnSpc>
+                <a:spcPct val="80000"/>
+              </a:lnSpc>
+              <a:buSzPct val="100000"/>
+              <a:buBlip>
+                <a:blip r:embed="rId2"/>
+              </a:buBlip>
+              <a:defRPr sz="1800"/>
+            </a:pPr>
+            <a:r>
+              <a:rPr sz="2400" dirty="0">
+                <a:solidFill>
+                  <a:srgbClr val="B51A00"/>
+                </a:solidFill>
+              </a:rPr>
+              <a:t>C. Vergara, S. Palamara, D. Catanzariti, F. Nobile, E. Fag- giano, C. Pangrazzi, M. Centonze, M. Maines, A. Quarteroni, and G. Vergara </a:t>
+            </a:r>
+            <a:br>
+              <a:rPr sz="2400" dirty="0">
+                <a:solidFill>
+                  <a:srgbClr val="B51A00"/>
+                </a:solidFill>
+              </a:rPr>
+            </a:br>
+            <a:r>
+              <a:rPr sz="2200" dirty="0"/>
+              <a:t>Patient-specific generation of the purkinje network driven by clinical measurements of a normal propagation </a:t>
+            </a:r>
+            <a:br>
+              <a:rPr sz="2200" dirty="0"/>
+            </a:br>
+            <a:r>
+              <a:rPr sz="2200" i="1" dirty="0">
+                <a:solidFill>
+                  <a:srgbClr val="B51A00"/>
+                </a:solidFill>
+              </a:rPr>
+              <a:t>Med Biol Eng Comput, 2014</a:t>
             </a:r>
           </a:p>
         </p:txBody>
@@ -3212,14 +4704,14 @@
       </p:grpSpPr>
       <p:sp>
         <p:nvSpPr>
-          <p:cNvPr id="57" name="Shape 57"/>
+          <p:cNvPr id="42" name="Shape 42"/>
           <p:cNvSpPr/>
           <p:nvPr/>
         </p:nvSpPr>
         <p:spPr>
           <a:xfrm>
             <a:off x="0" y="0"/>
-            <a:ext cx="6159500" cy="546100"/>
+            <a:ext cx="6159500" cy="444500"/>
           </a:xfrm>
           <a:prstGeom prst="rect">
             <a:avLst/>
@@ -3255,20 +4747,20 @@
       </p:sp>
       <p:sp>
         <p:nvSpPr>
-          <p:cNvPr id="58" name="Shape 58"/>
+          <p:cNvPr id="43" name="Shape 43"/>
           <p:cNvSpPr/>
           <p:nvPr/>
         </p:nvSpPr>
         <p:spPr>
           <a:xfrm>
             <a:off x="6159500" y="0"/>
-            <a:ext cx="6845300" cy="546100"/>
+            <a:ext cx="6845300" cy="444500"/>
           </a:xfrm>
           <a:prstGeom prst="rect">
             <a:avLst/>
           </a:prstGeom>
           <a:solidFill>
-            <a:srgbClr val="C0C0C0"/>
+            <a:srgbClr val="D6D6D6"/>
           </a:solidFill>
           <a:ln w="12700">
             <a:miter lim="400000"/>
@@ -3298,20 +4790,20 @@
       </p:sp>
       <p:sp>
         <p:nvSpPr>
-          <p:cNvPr id="59" name="Shape 59"/>
+          <p:cNvPr id="44" name="Shape 44"/>
           <p:cNvSpPr/>
           <p:nvPr/>
         </p:nvSpPr>
         <p:spPr>
           <a:xfrm>
-            <a:off x="0" y="406400"/>
-            <a:ext cx="14147800" cy="1270000"/>
+            <a:off x="-1" y="9245600"/>
+            <a:ext cx="7494777" cy="520700"/>
           </a:xfrm>
           <a:prstGeom prst="rect">
             <a:avLst/>
           </a:prstGeom>
           <a:solidFill>
-            <a:srgbClr val="EBEBEB"/>
+            <a:srgbClr val="B51A00"/>
           </a:solidFill>
           <a:ln w="12700">
             <a:miter lim="400000"/>
@@ -3341,14 +4833,57 @@
       </p:sp>
       <p:sp>
         <p:nvSpPr>
-          <p:cNvPr id="60" name="Shape 60"/>
+          <p:cNvPr id="45" name="Shape 45"/>
           <p:cNvSpPr/>
           <p:nvPr/>
         </p:nvSpPr>
         <p:spPr>
           <a:xfrm>
-            <a:off x="355600" y="685800"/>
-            <a:ext cx="12280900" cy="698500"/>
+            <a:off x="7218946" y="9245600"/>
+            <a:ext cx="5785853" cy="520700"/>
+          </a:xfrm>
+          <a:prstGeom prst="rect">
+            <a:avLst/>
+          </a:prstGeom>
+          <a:solidFill>
+            <a:srgbClr val="D6D6D6"/>
+          </a:solidFill>
+          <a:ln w="12700">
+            <a:miter lim="400000"/>
+          </a:ln>
+        </p:spPr>
+        <p:txBody>
+          <a:bodyPr lIns="0" tIns="0" rIns="0" bIns="0" anchor="ctr"/>
+          <a:lstStyle/>
+          <a:p>
+            <a:pPr lvl="0">
+              <a:defRPr sz="4000">
+                <a:solidFill>
+                  <a:srgbClr val="FFFFFF"/>
+                </a:solidFill>
+                <a:effectLst>
+                  <a:outerShdw blurRad="38100" dist="12700" dir="5400000" rotWithShape="0">
+                    <a:srgbClr val="000000">
+                      <a:alpha val="50000"/>
+                    </a:srgbClr>
+                  </a:outerShdw>
+                </a:effectLst>
+              </a:defRPr>
+            </a:pPr>
+            <a:endParaRPr/>
+          </a:p>
+        </p:txBody>
+      </p:sp>
+      <p:sp>
+        <p:nvSpPr>
+          <p:cNvPr id="46" name="Shape 46"/>
+          <p:cNvSpPr/>
+          <p:nvPr/>
+        </p:nvSpPr>
+        <p:spPr>
+          <a:xfrm>
+            <a:off x="881508" y="9245600"/>
+            <a:ext cx="6155531" cy="456535"/>
           </a:xfrm>
           <a:prstGeom prst="rect">
             <a:avLst/>
@@ -3363,19 +4898,15 @@
           </a:extLst>
         </p:spPr>
         <p:txBody>
-          <a:bodyPr lIns="50800" tIns="50800" rIns="50800" bIns="50800" anchor="ctr">
+          <a:bodyPr wrap="none" lIns="50800" tIns="50800" rIns="50800" bIns="50800" anchor="ctr">
             <a:spAutoFit/>
           </a:bodyPr>
           <a:lstStyle>
-            <a:lvl1pPr algn="l">
-              <a:defRPr>
-                <a:solidFill>
-                  <a:srgbClr val="B51A00"/>
-                </a:solidFill>
-                <a:latin typeface="Arial"/>
-                <a:ea typeface="Arial"/>
-                <a:cs typeface="Arial"/>
-                <a:sym typeface="Arial"/>
+            <a:lvl1pPr>
+              <a:defRPr sz="2300">
+                <a:solidFill>
+                  <a:srgbClr val="FFFFFF"/>
+                </a:solidFill>
               </a:defRPr>
             </a:lvl1pPr>
           </a:lstStyle>
@@ -3388,26 +4919,87 @@
               </a:defRPr>
             </a:pPr>
             <a:r>
-              <a:rPr sz="4200">
-                <a:solidFill>
-                  <a:srgbClr val="B51A00"/>
-                </a:solidFill>
-              </a:rPr>
-              <a:t>Bibliografia</a:t>
-            </a:r>
-          </a:p>
-        </p:txBody>
-      </p:sp>
-      <p:sp>
-        <p:nvSpPr>
-          <p:cNvPr id="61" name="Shape 61"/>
+              <a:rPr lang="en-US" sz="2300" dirty="0" err="1" smtClean="0">
+                <a:solidFill>
+                  <a:srgbClr val="FFFFFF"/>
+                </a:solidFill>
+              </a:rPr>
+              <a:t>Ondine</a:t>
+            </a:r>
+            <a:r>
+              <a:rPr lang="en-US" sz="2300" dirty="0" smtClean="0">
+                <a:solidFill>
+                  <a:srgbClr val="FFFFFF"/>
+                </a:solidFill>
+              </a:rPr>
+              <a:t> </a:t>
+            </a:r>
+            <a:r>
+              <a:rPr lang="en-US" sz="2300" dirty="0" err="1" smtClean="0">
+                <a:solidFill>
+                  <a:srgbClr val="FFFFFF"/>
+                </a:solidFill>
+              </a:rPr>
+              <a:t>Chanon</a:t>
+            </a:r>
+            <a:r>
+              <a:rPr lang="en-US" sz="2300" dirty="0" smtClean="0">
+                <a:solidFill>
+                  <a:srgbClr val="FFFFFF"/>
+                </a:solidFill>
+              </a:rPr>
+              <a:t>, Nicolas </a:t>
+            </a:r>
+            <a:r>
+              <a:rPr lang="en-US" sz="2300" dirty="0" err="1" smtClean="0">
+                <a:solidFill>
+                  <a:srgbClr val="FFFFFF"/>
+                </a:solidFill>
+              </a:rPr>
+              <a:t>Hubacher</a:t>
+            </a:r>
+            <a:r>
+              <a:rPr lang="en-US" sz="2300" dirty="0" smtClean="0">
+                <a:solidFill>
+                  <a:srgbClr val="FFFFFF"/>
+                </a:solidFill>
+              </a:rPr>
+              <a:t>, Stefano </a:t>
+            </a:r>
+            <a:r>
+              <a:rPr lang="en-US" sz="2300" dirty="0" err="1" smtClean="0">
+                <a:solidFill>
+                  <a:srgbClr val="FFFFFF"/>
+                </a:solidFill>
+              </a:rPr>
+              <a:t>Savar</a:t>
+            </a:r>
+            <a:r>
+              <a:rPr lang="en-US" sz="2300" dirty="0" err="1" smtClean="0">
+                <a:solidFill>
+                  <a:srgbClr val="FFFFFF"/>
+                </a:solidFill>
+              </a:rPr>
+              <a:t>è</a:t>
+            </a:r>
+            <a:endParaRPr sz="2300" dirty="0">
+              <a:solidFill>
+                <a:srgbClr val="FFFFFF"/>
+              </a:solidFill>
+            </a:endParaRPr>
+          </a:p>
+        </p:txBody>
+      </p:sp>
+      <p:sp>
+        <p:nvSpPr>
+          <p:cNvPr id="47" name="Shape 47"/>
           <p:cNvSpPr/>
           <p:nvPr/>
         </p:nvSpPr>
         <p:spPr>
           <a:xfrm>
-            <a:off x="4780849" y="-12700"/>
-            <a:ext cx="1299047" cy="368300"/>
+            <a:off x="7494777" y="9254939"/>
+            <a:ext cx="2925481" cy="471924"/>
           </a:xfrm>
           <a:prstGeom prst="rect">
             <a:avLst/>
@@ -3427,128 +5019,39 @@
           </a:bodyPr>
           <a:lstStyle>
             <a:lvl1pPr>
-              <a:defRPr sz="1800">
-                <a:solidFill>
-                  <a:srgbClr val="FFFFFF"/>
-                </a:solidFill>
-              </a:defRPr>
+              <a:defRPr sz="2300"/>
             </a:lvl1pPr>
           </a:lstStyle>
           <a:p>
             <a:pPr lvl="0">
-              <a:defRPr>
-                <a:solidFill>
-                  <a:srgbClr val="000000"/>
-                </a:solidFill>
-              </a:defRPr>
-            </a:pPr>
-            <a:r>
-              <a:rPr>
-                <a:solidFill>
-                  <a:srgbClr val="FFFFFF"/>
-                </a:solidFill>
-              </a:rPr>
-              <a:t>Introduzione</a:t>
-            </a:r>
-          </a:p>
-        </p:txBody>
-      </p:sp>
-      <p:sp>
-        <p:nvSpPr>
-          <p:cNvPr id="62" name="Shape 62"/>
+              <a:defRPr sz="1800"/>
+            </a:pPr>
+            <a:r>
+              <a:rPr lang="en-US" sz="2400" dirty="0" smtClean="0"/>
+              <a:t>December, 16th</a:t>
+            </a:r>
+            <a:r>
+              <a:rPr sz="2400" dirty="0" smtClean="0"/>
+              <a:t>  201</a:t>
+            </a:r>
+            <a:r>
+              <a:rPr lang="en-US" sz="2400" dirty="0" smtClean="0"/>
+              <a:t>5</a:t>
+            </a:r>
+            <a:endParaRPr sz="2400" dirty="0"/>
+          </a:p>
+        </p:txBody>
+      </p:sp>
+      <p:sp>
+        <p:nvSpPr>
+          <p:cNvPr id="54" name="Shape 54"/>
           <p:cNvSpPr/>
           <p:nvPr/>
         </p:nvSpPr>
         <p:spPr>
           <a:xfrm>
-            <a:off x="0" y="9245600"/>
-            <a:ext cx="4635500" cy="520700"/>
-          </a:xfrm>
-          <a:prstGeom prst="rect">
-            <a:avLst/>
-          </a:prstGeom>
-          <a:solidFill>
-            <a:srgbClr val="B51A00"/>
-          </a:solidFill>
-          <a:ln w="12700">
-            <a:miter lim="400000"/>
-          </a:ln>
-        </p:spPr>
-        <p:txBody>
-          <a:bodyPr lIns="0" tIns="0" rIns="0" bIns="0" anchor="ctr"/>
-          <a:lstStyle/>
-          <a:p>
-            <a:pPr lvl="0">
-              <a:defRPr sz="4000">
-                <a:solidFill>
-                  <a:srgbClr val="FFFFFF"/>
-                </a:solidFill>
-                <a:effectLst>
-                  <a:outerShdw blurRad="38100" dist="12700" dir="5400000" rotWithShape="0">
-                    <a:srgbClr val="000000">
-                      <a:alpha val="50000"/>
-                    </a:srgbClr>
-                  </a:outerShdw>
-                </a:effectLst>
-              </a:defRPr>
-            </a:pPr>
-            <a:endParaRPr/>
-          </a:p>
-        </p:txBody>
-      </p:sp>
-      <p:sp>
-        <p:nvSpPr>
-          <p:cNvPr id="63" name="Shape 63"/>
-          <p:cNvSpPr/>
-          <p:nvPr/>
-        </p:nvSpPr>
-        <p:spPr>
-          <a:xfrm>
-            <a:off x="4635500" y="9245600"/>
-            <a:ext cx="8369300" cy="520700"/>
-          </a:xfrm>
-          <a:prstGeom prst="rect">
-            <a:avLst/>
-          </a:prstGeom>
-          <a:solidFill>
-            <a:srgbClr val="D6D6D6"/>
-          </a:solidFill>
-          <a:ln w="12700">
-            <a:miter lim="400000"/>
-          </a:ln>
-        </p:spPr>
-        <p:txBody>
-          <a:bodyPr lIns="0" tIns="0" rIns="0" bIns="0" anchor="ctr"/>
-          <a:lstStyle/>
-          <a:p>
-            <a:pPr lvl="0">
-              <a:defRPr sz="4000">
-                <a:solidFill>
-                  <a:srgbClr val="FFFFFF"/>
-                </a:solidFill>
-                <a:effectLst>
-                  <a:outerShdw blurRad="38100" dist="12700" dir="5400000" rotWithShape="0">
-                    <a:srgbClr val="000000">
-                      <a:alpha val="50000"/>
-                    </a:srgbClr>
-                  </a:outerShdw>
-                </a:effectLst>
-              </a:defRPr>
-            </a:pPr>
-            <a:endParaRPr/>
-          </a:p>
-        </p:txBody>
-      </p:sp>
-      <p:sp>
-        <p:nvSpPr>
-          <p:cNvPr id="64" name="Shape 64"/>
-          <p:cNvSpPr/>
-          <p:nvPr/>
-        </p:nvSpPr>
-        <p:spPr>
-          <a:xfrm>
-            <a:off x="2611533" y="9239250"/>
-            <a:ext cx="1827679" cy="431800"/>
+            <a:off x="4214998" y="-82216"/>
+            <a:ext cx="1603003" cy="456535"/>
           </a:xfrm>
           <a:prstGeom prst="rect">
             <a:avLst/>
@@ -3584,26 +5087,74 @@
               </a:defRPr>
             </a:pPr>
             <a:r>
-              <a:rPr sz="2300">
-                <a:solidFill>
-                  <a:srgbClr val="FFFFFF"/>
-                </a:solidFill>
-              </a:rPr>
-              <a:t>Stefano Savarè</a:t>
-            </a:r>
-          </a:p>
-        </p:txBody>
-      </p:sp>
-      <p:sp>
-        <p:nvSpPr>
-          <p:cNvPr id="65" name="Shape 65"/>
+              <a:rPr lang="en-US" sz="2300" dirty="0" smtClean="0">
+                <a:solidFill>
+                  <a:srgbClr val="FFFFFF"/>
+                </a:solidFill>
+              </a:rPr>
+              <a:t>Introduction</a:t>
+            </a:r>
+            <a:endParaRPr sz="2300" dirty="0">
+              <a:solidFill>
+                <a:srgbClr val="FFFFFF"/>
+              </a:solidFill>
+            </a:endParaRPr>
+          </a:p>
+        </p:txBody>
+      </p:sp>
+      <p:sp>
+        <p:nvSpPr>
+          <p:cNvPr id="16" name="Shape 74"/>
           <p:cNvSpPr/>
           <p:nvPr/>
         </p:nvSpPr>
         <p:spPr>
           <a:xfrm>
-            <a:off x="4821535" y="9239250"/>
-            <a:ext cx="2360675" cy="431800"/>
+            <a:off x="0" y="406400"/>
+            <a:ext cx="14147800" cy="1270000"/>
+          </a:xfrm>
+          <a:prstGeom prst="rect">
+            <a:avLst/>
+          </a:prstGeom>
+          <a:solidFill>
+            <a:srgbClr val="EBEBEB"/>
+          </a:solidFill>
+          <a:ln w="12700">
+            <a:miter lim="400000"/>
+          </a:ln>
+        </p:spPr>
+        <p:txBody>
+          <a:bodyPr lIns="0" tIns="0" rIns="0" bIns="0" anchor="ctr"/>
+          <a:lstStyle/>
+          <a:p>
+            <a:pPr lvl="0">
+              <a:defRPr sz="4000">
+                <a:solidFill>
+                  <a:srgbClr val="FFFFFF"/>
+                </a:solidFill>
+                <a:effectLst>
+                  <a:outerShdw blurRad="38100" dist="12700" dir="5400000" rotWithShape="0">
+                    <a:srgbClr val="000000">
+                      <a:alpha val="50000"/>
+                    </a:srgbClr>
+                  </a:outerShdw>
+                </a:effectLst>
+              </a:defRPr>
+            </a:pPr>
+            <a:endParaRPr/>
+          </a:p>
+        </p:txBody>
+      </p:sp>
+      <p:sp>
+        <p:nvSpPr>
+          <p:cNvPr id="17" name="Shape 75"/>
+          <p:cNvSpPr/>
+          <p:nvPr/>
+        </p:nvSpPr>
+        <p:spPr>
+          <a:xfrm>
+            <a:off x="355600" y="660400"/>
+            <a:ext cx="12280900" cy="749300"/>
           </a:xfrm>
           <a:prstGeom prst="rect">
             <a:avLst/>
@@ -3618,443 +5169,47 @@
           </a:extLst>
         </p:spPr>
         <p:txBody>
-          <a:bodyPr wrap="none" lIns="50800" tIns="50800" rIns="50800" bIns="50800" anchor="ctr">
+          <a:bodyPr lIns="50800" tIns="50800" rIns="50800" bIns="50800" anchor="ctr">
             <a:spAutoFit/>
           </a:bodyPr>
           <a:lstStyle>
-            <a:lvl1pPr>
-              <a:defRPr sz="2300"/>
+            <a:lvl1pPr algn="l">
+              <a:defRPr sz="4500">
+                <a:solidFill>
+                  <a:srgbClr val="B51A00"/>
+                </a:solidFill>
+                <a:latin typeface="Arial"/>
+                <a:ea typeface="Arial"/>
+                <a:cs typeface="Arial"/>
+                <a:sym typeface="Arial"/>
+              </a:defRPr>
             </a:lvl1pPr>
           </a:lstStyle>
           <a:p>
             <a:pPr lvl="0">
-              <a:defRPr sz="1800"/>
-            </a:pPr>
-            <a:r>
-              <a:rPr sz="2300"/>
-              <a:t>30 settembre 2014</a:t>
-            </a:r>
-          </a:p>
-        </p:txBody>
-      </p:sp>
-      <p:sp>
-        <p:nvSpPr>
-          <p:cNvPr id="66" name="Shape 66"/>
-          <p:cNvSpPr/>
-          <p:nvPr/>
-        </p:nvSpPr>
-        <p:spPr>
-          <a:xfrm>
-            <a:off x="179675" y="5137150"/>
-            <a:ext cx="12039601" cy="1219200"/>
-          </a:xfrm>
-          <a:prstGeom prst="rect">
-            <a:avLst/>
-          </a:prstGeom>
-          <a:ln w="12700">
-            <a:miter lim="400000"/>
-          </a:ln>
-          <a:extLst>
-            <a:ext uri="{C572A759-6A51-4108-AA02-DFA0A04FC94B}">
-              <ma14:wrappingTextBoxFlag xmlns:ma14="http://schemas.microsoft.com/office/mac/drawingml/2011/main" val="1"/>
-            </a:ext>
-          </a:extLst>
-        </p:spPr>
-        <p:txBody>
-          <a:bodyPr lIns="50800" tIns="50800" rIns="50800" bIns="50800" anchor="ctr">
-            <a:spAutoFit/>
-          </a:bodyPr>
-          <a:lstStyle/>
-          <a:p>
-            <a:pPr marL="237066" lvl="0" indent="-237066" algn="just">
-              <a:lnSpc>
-                <a:spcPct val="80000"/>
-              </a:lnSpc>
-              <a:buSzPct val="100000"/>
-              <a:buBlip>
-                <a:blip r:embed="rId2"/>
-              </a:buBlip>
-              <a:defRPr sz="1800"/>
-            </a:pPr>
-            <a:r>
-              <a:rPr sz="2400"/>
-              <a:t> </a:t>
-            </a:r>
-            <a:r>
-              <a:rPr sz="2400">
+              <a:defRPr sz="1800">
+                <a:solidFill>
+                  <a:srgbClr val="000000"/>
+                </a:solidFill>
+              </a:defRPr>
+            </a:pPr>
+            <a:r>
+              <a:rPr sz="4500">
                 <a:solidFill>
                   <a:srgbClr val="B51A00"/>
                 </a:solidFill>
               </a:rPr>
-              <a:t>P. Colli Franzone, L. Guerri, M. Pennacchio, e B. Taccardi </a:t>
-            </a:r>
-            <a:br>
-              <a:rPr sz="2400">
-                <a:solidFill>
-                  <a:srgbClr val="B51A00"/>
-                </a:solidFill>
-              </a:rPr>
-            </a:br>
-            <a:r>
-              <a:rPr sz="2200"/>
-              <a:t>Spread of excitation in 3-D models of the anisotropic cardiac tissue. II. Effec- ts of fiber architecture and ventricular geometry </a:t>
-            </a:r>
-            <a:br>
-              <a:rPr sz="2200"/>
-            </a:br>
-            <a:r>
-              <a:rPr sz="2200" i="1">
-                <a:solidFill>
-                  <a:srgbClr val="B51A00"/>
-                </a:solidFill>
-              </a:rPr>
-              <a:t>Math. Biosci, 1998.</a:t>
-            </a:r>
-          </a:p>
-        </p:txBody>
-      </p:sp>
-      <p:sp>
-        <p:nvSpPr>
-          <p:cNvPr id="67" name="Shape 67"/>
-          <p:cNvSpPr/>
-          <p:nvPr/>
-        </p:nvSpPr>
-        <p:spPr>
-          <a:xfrm>
-            <a:off x="158204" y="3232150"/>
-            <a:ext cx="13068301" cy="1981200"/>
-          </a:xfrm>
-          <a:prstGeom prst="rect">
-            <a:avLst/>
-          </a:prstGeom>
-          <a:ln w="12700">
-            <a:miter lim="400000"/>
-          </a:ln>
-          <a:extLst>
-            <a:ext uri="{C572A759-6A51-4108-AA02-DFA0A04FC94B}">
-              <ma14:wrappingTextBoxFlag xmlns:ma14="http://schemas.microsoft.com/office/mac/drawingml/2011/main" val="1"/>
-            </a:ext>
-          </a:extLst>
-        </p:spPr>
-        <p:txBody>
-          <a:bodyPr lIns="50800" tIns="50800" rIns="50800" bIns="50800" anchor="ctr">
-            <a:spAutoFit/>
-          </a:bodyPr>
-          <a:lstStyle/>
-          <a:p>
-            <a:pPr marL="266700" lvl="0" indent="-266700" algn="l" defTabSz="457200">
-              <a:lnSpc>
-                <a:spcPct val="80000"/>
-              </a:lnSpc>
-              <a:spcBef>
-                <a:spcPts val="1200"/>
-              </a:spcBef>
-              <a:buSzPct val="100000"/>
-              <a:buBlip>
-                <a:blip r:embed="rId2"/>
-              </a:buBlip>
-              <a:tabLst>
-                <a:tab pos="139700" algn="l"/>
-                <a:tab pos="457200" algn="l"/>
-              </a:tabLst>
-              <a:defRPr sz="1800"/>
-            </a:pPr>
-            <a:r>
-              <a:rPr sz="2700" i="1">
-                <a:solidFill>
-                  <a:srgbClr val="B51A00"/>
-                </a:solidFill>
-                <a:latin typeface="Times"/>
-                <a:ea typeface="Times"/>
-                <a:cs typeface="Times"/>
-                <a:sym typeface="Times"/>
-              </a:rPr>
-              <a:t> </a:t>
-            </a:r>
-            <a:r>
-              <a:rPr sz="2400">
-                <a:solidFill>
-                  <a:srgbClr val="B51A00"/>
-                </a:solidFill>
-              </a:rPr>
-              <a:t>Palamara, C. Vergara, D. Catanzariti, E. Faggiano, M. Cen- tonze, C. Pangrazzi, M. Maines, and A. Quarteroni, </a:t>
-            </a:r>
-            <a:r>
-              <a:rPr sz="2700">
-                <a:solidFill>
-                  <a:srgbClr val="B51A00"/>
-                </a:solidFill>
-              </a:rPr>
-              <a:t/>
-            </a:r>
-            <a:br>
-              <a:rPr sz="2700">
-                <a:solidFill>
-                  <a:srgbClr val="B51A00"/>
-                </a:solidFill>
-              </a:rPr>
-            </a:br>
-            <a:r>
-              <a:rPr sz="2200"/>
-              <a:t>Patient- specific generation of the purkinje network driven by clinical measurements: The case of pathological propagationsy </a:t>
-            </a:r>
-            <a:br>
-              <a:rPr sz="2200"/>
-            </a:br>
-            <a:r>
-              <a:rPr sz="2200" i="1">
-                <a:solidFill>
-                  <a:srgbClr val="B51A00"/>
-                </a:solidFill>
-              </a:rPr>
-              <a:t>Mox Report, 2014</a:t>
-            </a:r>
-          </a:p>
-        </p:txBody>
-      </p:sp>
-      <p:sp>
-        <p:nvSpPr>
-          <p:cNvPr id="68" name="Shape 68"/>
-          <p:cNvSpPr/>
-          <p:nvPr/>
-        </p:nvSpPr>
-        <p:spPr>
-          <a:xfrm>
-            <a:off x="208855" y="6591300"/>
-            <a:ext cx="13195301" cy="1651000"/>
-          </a:xfrm>
-          <a:prstGeom prst="rect">
-            <a:avLst/>
-          </a:prstGeom>
-          <a:ln w="12700">
-            <a:miter lim="400000"/>
-          </a:ln>
-          <a:extLst>
-            <a:ext uri="{C572A759-6A51-4108-AA02-DFA0A04FC94B}">
-              <ma14:wrappingTextBoxFlag xmlns:ma14="http://schemas.microsoft.com/office/mac/drawingml/2011/main" val="1"/>
-            </a:ext>
-          </a:extLst>
-        </p:spPr>
-        <p:txBody>
-          <a:bodyPr lIns="50800" tIns="50800" rIns="50800" bIns="50800" anchor="ctr">
-            <a:spAutoFit/>
-          </a:bodyPr>
-          <a:lstStyle/>
-          <a:p>
-            <a:pPr marL="266700" lvl="0" indent="-266700" algn="l" defTabSz="457200">
-              <a:lnSpc>
-                <a:spcPct val="80000"/>
-              </a:lnSpc>
-              <a:spcBef>
-                <a:spcPts val="1200"/>
-              </a:spcBef>
-              <a:buSzPct val="100000"/>
-              <a:buBlip>
-                <a:blip r:embed="rId2"/>
-              </a:buBlip>
-              <a:tabLst>
-                <a:tab pos="139700" algn="l"/>
-                <a:tab pos="457200" algn="l"/>
-              </a:tabLst>
-              <a:defRPr sz="1800"/>
-            </a:pPr>
-            <a:r>
-              <a:rPr sz="2700" i="1">
-                <a:solidFill>
-                  <a:srgbClr val="B51A00"/>
-                </a:solidFill>
-              </a:rPr>
-              <a:t> </a:t>
-            </a:r>
-            <a:r>
-              <a:rPr sz="2400">
-                <a:solidFill>
-                  <a:srgbClr val="B51A00"/>
-                </a:solidFill>
-              </a:rPr>
-              <a:t>S. Palamara, C. Vergara, E. Faggiano, and F. Nobile, </a:t>
-            </a:r>
-            <a:r>
-              <a:rPr sz="2400"/>
-              <a:t/>
-            </a:r>
-            <a:br>
-              <a:rPr sz="2400"/>
-            </a:br>
-            <a:r>
-              <a:rPr sz="2200"/>
-              <a:t>An effective algorithm for the generation of patient-specific purkinje networks in computational electrocardiology </a:t>
-            </a:r>
-            <a:br>
-              <a:rPr sz="2200"/>
-            </a:br>
-            <a:r>
-              <a:rPr sz="2200" i="1">
-                <a:solidFill>
-                  <a:srgbClr val="B51A00"/>
-                </a:solidFill>
-              </a:rPr>
-              <a:t>Mox Report, 2013</a:t>
-            </a:r>
-          </a:p>
-        </p:txBody>
-      </p:sp>
-      <p:sp>
-        <p:nvSpPr>
-          <p:cNvPr id="69" name="Shape 69"/>
-          <p:cNvSpPr/>
-          <p:nvPr/>
-        </p:nvSpPr>
-        <p:spPr>
-          <a:xfrm>
-            <a:off x="177800" y="8108950"/>
-            <a:ext cx="2980681" cy="1244600"/>
-          </a:xfrm>
-          <a:prstGeom prst="rect">
-            <a:avLst/>
-          </a:prstGeom>
-          <a:ln w="12700">
-            <a:miter lim="400000"/>
-          </a:ln>
-          <a:extLst>
-            <a:ext uri="{C572A759-6A51-4108-AA02-DFA0A04FC94B}">
-              <ma14:wrappingTextBoxFlag xmlns:ma14="http://schemas.microsoft.com/office/mac/drawingml/2011/main" val="1"/>
-            </a:ext>
-          </a:extLst>
-        </p:spPr>
-        <p:txBody>
-          <a:bodyPr wrap="none" lIns="50800" tIns="50800" rIns="50800" bIns="50800" anchor="ctr">
-            <a:spAutoFit/>
-          </a:bodyPr>
-          <a:lstStyle/>
-          <a:p>
-            <a:pPr marL="266700" lvl="0" indent="-266700" algn="just">
-              <a:lnSpc>
-                <a:spcPct val="80000"/>
-              </a:lnSpc>
-              <a:buSzPct val="100000"/>
-              <a:buBlip>
-                <a:blip r:embed="rId2"/>
-              </a:buBlip>
-              <a:tabLst>
-                <a:tab pos="1003300" algn="l"/>
-              </a:tabLst>
-              <a:defRPr sz="1800"/>
-            </a:pPr>
-            <a:r>
-              <a:rPr sz="2700" i="1">
-                <a:solidFill>
-                  <a:srgbClr val="B51A00"/>
-                </a:solidFill>
-              </a:rPr>
-              <a:t> </a:t>
-            </a:r>
-            <a:r>
-              <a:rPr sz="2400">
-                <a:solidFill>
-                  <a:srgbClr val="B51A00"/>
-                </a:solidFill>
-              </a:rPr>
-              <a:t>Sethian</a:t>
-            </a:r>
-            <a:br>
-              <a:rPr sz="2400">
-                <a:solidFill>
-                  <a:srgbClr val="B51A00"/>
-                </a:solidFill>
-              </a:rPr>
-            </a:br>
-            <a:r>
-              <a:rPr sz="2200"/>
-              <a:t>Fast Marching Method</a:t>
-            </a:r>
-            <a:br>
-              <a:rPr sz="2200"/>
-            </a:br>
-            <a:r>
-              <a:rPr sz="2200" i="1">
-                <a:solidFill>
-                  <a:srgbClr val="B51A00"/>
-                </a:solidFill>
-              </a:rPr>
-              <a:t>SIAM Rev., 1999</a:t>
-            </a:r>
-          </a:p>
-        </p:txBody>
-      </p:sp>
-      <p:sp>
-        <p:nvSpPr>
-          <p:cNvPr id="70" name="Shape 70"/>
-          <p:cNvSpPr/>
-          <p:nvPr/>
-        </p:nvSpPr>
-        <p:spPr>
-          <a:xfrm>
-            <a:off x="163066" y="1663700"/>
-            <a:ext cx="12661901" cy="1244600"/>
-          </a:xfrm>
-          <a:prstGeom prst="rect">
-            <a:avLst/>
-          </a:prstGeom>
-          <a:ln w="12700">
-            <a:miter lim="400000"/>
-          </a:ln>
-          <a:extLst>
-            <a:ext uri="{C572A759-6A51-4108-AA02-DFA0A04FC94B}">
-              <ma14:wrappingTextBoxFlag xmlns:ma14="http://schemas.microsoft.com/office/mac/drawingml/2011/main" val="1"/>
-            </a:ext>
-          </a:extLst>
-        </p:spPr>
-        <p:txBody>
-          <a:bodyPr lIns="50800" tIns="50800" rIns="50800" bIns="50800" anchor="ctr">
-            <a:spAutoFit/>
-          </a:bodyPr>
-          <a:lstStyle/>
-          <a:p>
-            <a:pPr marL="237066" lvl="0" indent="-237066" algn="just">
-              <a:lnSpc>
-                <a:spcPct val="80000"/>
-              </a:lnSpc>
-              <a:buSzPct val="100000"/>
-              <a:buBlip>
-                <a:blip r:embed="rId2"/>
-              </a:buBlip>
-              <a:defRPr sz="1800"/>
-            </a:pPr>
-            <a:r>
-              <a:rPr sz="2400">
-                <a:solidFill>
-                  <a:srgbClr val="B51A00"/>
-                </a:solidFill>
-              </a:rPr>
-              <a:t>C. Vergara, S. Palamara, D. Catanzariti, F. Nobile, E. Fag- giano, C. Pangrazzi, M. Centonze, M. Maines, A. Quarteroni, and G. Vergara </a:t>
-            </a:r>
-            <a:br>
-              <a:rPr sz="2400">
-                <a:solidFill>
-                  <a:srgbClr val="B51A00"/>
-                </a:solidFill>
-              </a:rPr>
-            </a:br>
-            <a:r>
-              <a:rPr sz="2200"/>
-              <a:t>Patient-specific generation of the purkinje network driven by clinical measurements of a normal propagation </a:t>
-            </a:r>
-            <a:br>
-              <a:rPr sz="2200"/>
-            </a:br>
-            <a:r>
-              <a:rPr sz="2200" i="1">
-                <a:solidFill>
-                  <a:srgbClr val="B51A00"/>
-                </a:solidFill>
-              </a:rPr>
-              <a:t>Med Biol Eng Comput, 2014</a:t>
+              <a:t>Anatomia: cuore e sistema di conduzione</a:t>
             </a:r>
           </a:p>
         </p:txBody>
       </p:sp>
     </p:spTree>
+    <p:extLst>
+      <p:ext uri="{BB962C8B-B14F-4D97-AF65-F5344CB8AC3E}">
+        <p14:creationId xmlns:p14="http://schemas.microsoft.com/office/powerpoint/2010/main" val="1754457546"/>
+      </p:ext>
+    </p:extLst>
   </p:cSld>
   <p:clrMapOvr>
     <a:masterClrMapping/>
@@ -4082,14 +5237,14 @@
       </p:grpSpPr>
       <p:sp>
         <p:nvSpPr>
-          <p:cNvPr id="72" name="Shape 72"/>
+          <p:cNvPr id="42" name="Shape 42"/>
           <p:cNvSpPr/>
           <p:nvPr/>
         </p:nvSpPr>
         <p:spPr>
           <a:xfrm>
             <a:off x="0" y="0"/>
-            <a:ext cx="6159500" cy="546100"/>
+            <a:ext cx="6159500" cy="444500"/>
           </a:xfrm>
           <a:prstGeom prst="rect">
             <a:avLst/>
@@ -4125,20 +5280,20 @@
       </p:sp>
       <p:sp>
         <p:nvSpPr>
-          <p:cNvPr id="73" name="Shape 73"/>
+          <p:cNvPr id="43" name="Shape 43"/>
           <p:cNvSpPr/>
           <p:nvPr/>
         </p:nvSpPr>
         <p:spPr>
           <a:xfrm>
             <a:off x="6159500" y="0"/>
-            <a:ext cx="6845300" cy="546100"/>
+            <a:ext cx="6845300" cy="444500"/>
           </a:xfrm>
           <a:prstGeom prst="rect">
             <a:avLst/>
           </a:prstGeom>
           <a:solidFill>
-            <a:srgbClr val="C0C0C0"/>
+            <a:srgbClr val="D6D6D6"/>
           </a:solidFill>
           <a:ln w="12700">
             <a:miter lim="400000"/>
@@ -4168,20 +5323,20 @@
       </p:sp>
       <p:sp>
         <p:nvSpPr>
-          <p:cNvPr id="74" name="Shape 74"/>
+          <p:cNvPr id="44" name="Shape 44"/>
           <p:cNvSpPr/>
           <p:nvPr/>
         </p:nvSpPr>
         <p:spPr>
           <a:xfrm>
-            <a:off x="0" y="406400"/>
-            <a:ext cx="14147800" cy="1270000"/>
+            <a:off x="-1" y="9245600"/>
+            <a:ext cx="7494777" cy="520700"/>
           </a:xfrm>
           <a:prstGeom prst="rect">
             <a:avLst/>
           </a:prstGeom>
           <a:solidFill>
-            <a:srgbClr val="EBEBEB"/>
+            <a:srgbClr val="B51A00"/>
           </a:solidFill>
           <a:ln w="12700">
             <a:miter lim="400000"/>
@@ -4211,14 +5366,57 @@
       </p:sp>
       <p:sp>
         <p:nvSpPr>
-          <p:cNvPr id="75" name="Shape 75"/>
+          <p:cNvPr id="45" name="Shape 45"/>
           <p:cNvSpPr/>
           <p:nvPr/>
         </p:nvSpPr>
         <p:spPr>
           <a:xfrm>
-            <a:off x="355600" y="660400"/>
-            <a:ext cx="12280900" cy="749300"/>
+            <a:off x="7218946" y="9245600"/>
+            <a:ext cx="5785853" cy="520700"/>
+          </a:xfrm>
+          <a:prstGeom prst="rect">
+            <a:avLst/>
+          </a:prstGeom>
+          <a:solidFill>
+            <a:srgbClr val="D6D6D6"/>
+          </a:solidFill>
+          <a:ln w="12700">
+            <a:miter lim="400000"/>
+          </a:ln>
+        </p:spPr>
+        <p:txBody>
+          <a:bodyPr lIns="0" tIns="0" rIns="0" bIns="0" anchor="ctr"/>
+          <a:lstStyle/>
+          <a:p>
+            <a:pPr lvl="0">
+              <a:defRPr sz="4000">
+                <a:solidFill>
+                  <a:srgbClr val="FFFFFF"/>
+                </a:solidFill>
+                <a:effectLst>
+                  <a:outerShdw blurRad="38100" dist="12700" dir="5400000" rotWithShape="0">
+                    <a:srgbClr val="000000">
+                      <a:alpha val="50000"/>
+                    </a:srgbClr>
+                  </a:outerShdw>
+                </a:effectLst>
+              </a:defRPr>
+            </a:pPr>
+            <a:endParaRPr/>
+          </a:p>
+        </p:txBody>
+      </p:sp>
+      <p:sp>
+        <p:nvSpPr>
+          <p:cNvPr id="46" name="Shape 46"/>
+          <p:cNvSpPr/>
+          <p:nvPr/>
+        </p:nvSpPr>
+        <p:spPr>
+          <a:xfrm>
+            <a:off x="881508" y="9245600"/>
+            <a:ext cx="6155531" cy="456535"/>
           </a:xfrm>
           <a:prstGeom prst="rect">
             <a:avLst/>
@@ -4233,19 +5431,15 @@
           </a:extLst>
         </p:spPr>
         <p:txBody>
-          <a:bodyPr lIns="50800" tIns="50800" rIns="50800" bIns="50800" anchor="ctr">
+          <a:bodyPr wrap="none" lIns="50800" tIns="50800" rIns="50800" bIns="50800" anchor="ctr">
             <a:spAutoFit/>
           </a:bodyPr>
           <a:lstStyle>
-            <a:lvl1pPr algn="l">
-              <a:defRPr sz="4500">
-                <a:solidFill>
-                  <a:srgbClr val="B51A00"/>
-                </a:solidFill>
-                <a:latin typeface="Arial"/>
-                <a:ea typeface="Arial"/>
-                <a:cs typeface="Arial"/>
-                <a:sym typeface="Arial"/>
+            <a:lvl1pPr>
+              <a:defRPr sz="2300">
+                <a:solidFill>
+                  <a:srgbClr val="FFFFFF"/>
+                </a:solidFill>
               </a:defRPr>
             </a:lvl1pPr>
           </a:lstStyle>
@@ -4258,26 +5452,87 @@
               </a:defRPr>
             </a:pPr>
             <a:r>
-              <a:rPr sz="4500">
-                <a:solidFill>
-                  <a:srgbClr val="B51A00"/>
-                </a:solidFill>
-              </a:rPr>
-              <a:t>Anatomia: cuore e sistema di conduzione</a:t>
-            </a:r>
-          </a:p>
-        </p:txBody>
-      </p:sp>
-      <p:sp>
-        <p:nvSpPr>
-          <p:cNvPr id="76" name="Shape 76"/>
+              <a:rPr lang="en-US" sz="2300" dirty="0" err="1" smtClean="0">
+                <a:solidFill>
+                  <a:srgbClr val="FFFFFF"/>
+                </a:solidFill>
+              </a:rPr>
+              <a:t>Ondine</a:t>
+            </a:r>
+            <a:r>
+              <a:rPr lang="en-US" sz="2300" dirty="0" smtClean="0">
+                <a:solidFill>
+                  <a:srgbClr val="FFFFFF"/>
+                </a:solidFill>
+              </a:rPr>
+              <a:t> </a:t>
+            </a:r>
+            <a:r>
+              <a:rPr lang="en-US" sz="2300" dirty="0" err="1" smtClean="0">
+                <a:solidFill>
+                  <a:srgbClr val="FFFFFF"/>
+                </a:solidFill>
+              </a:rPr>
+              <a:t>Chanon</a:t>
+            </a:r>
+            <a:r>
+              <a:rPr lang="en-US" sz="2300" dirty="0" smtClean="0">
+                <a:solidFill>
+                  <a:srgbClr val="FFFFFF"/>
+                </a:solidFill>
+              </a:rPr>
+              <a:t>, Nicolas </a:t>
+            </a:r>
+            <a:r>
+              <a:rPr lang="en-US" sz="2300" dirty="0" err="1" smtClean="0">
+                <a:solidFill>
+                  <a:srgbClr val="FFFFFF"/>
+                </a:solidFill>
+              </a:rPr>
+              <a:t>Hubacher</a:t>
+            </a:r>
+            <a:r>
+              <a:rPr lang="en-US" sz="2300" dirty="0" smtClean="0">
+                <a:solidFill>
+                  <a:srgbClr val="FFFFFF"/>
+                </a:solidFill>
+              </a:rPr>
+              <a:t>, Stefano </a:t>
+            </a:r>
+            <a:r>
+              <a:rPr lang="en-US" sz="2300" dirty="0" err="1" smtClean="0">
+                <a:solidFill>
+                  <a:srgbClr val="FFFFFF"/>
+                </a:solidFill>
+              </a:rPr>
+              <a:t>Savar</a:t>
+            </a:r>
+            <a:r>
+              <a:rPr lang="en-US" sz="2300" dirty="0" err="1" smtClean="0">
+                <a:solidFill>
+                  <a:srgbClr val="FFFFFF"/>
+                </a:solidFill>
+              </a:rPr>
+              <a:t>è</a:t>
+            </a:r>
+            <a:endParaRPr sz="2300" dirty="0">
+              <a:solidFill>
+                <a:srgbClr val="FFFFFF"/>
+              </a:solidFill>
+            </a:endParaRPr>
+          </a:p>
+        </p:txBody>
+      </p:sp>
+      <p:sp>
+        <p:nvSpPr>
+          <p:cNvPr id="47" name="Shape 47"/>
           <p:cNvSpPr/>
           <p:nvPr/>
         </p:nvSpPr>
         <p:spPr>
           <a:xfrm>
-            <a:off x="4780849" y="-12700"/>
-            <a:ext cx="1299047" cy="368300"/>
+            <a:off x="7494777" y="9254939"/>
+            <a:ext cx="2925481" cy="471924"/>
           </a:xfrm>
           <a:prstGeom prst="rect">
             <a:avLst/>
@@ -4297,128 +5552,39 @@
           </a:bodyPr>
           <a:lstStyle>
             <a:lvl1pPr>
-              <a:defRPr sz="1800">
-                <a:solidFill>
-                  <a:srgbClr val="FFFFFF"/>
-                </a:solidFill>
-              </a:defRPr>
+              <a:defRPr sz="2300"/>
             </a:lvl1pPr>
           </a:lstStyle>
           <a:p>
             <a:pPr lvl="0">
-              <a:defRPr>
-                <a:solidFill>
-                  <a:srgbClr val="000000"/>
-                </a:solidFill>
-              </a:defRPr>
-            </a:pPr>
-            <a:r>
-              <a:rPr>
-                <a:solidFill>
-                  <a:srgbClr val="FFFFFF"/>
-                </a:solidFill>
-              </a:rPr>
-              <a:t>Introduzione</a:t>
-            </a:r>
-          </a:p>
-        </p:txBody>
-      </p:sp>
-      <p:sp>
-        <p:nvSpPr>
-          <p:cNvPr id="77" name="Shape 77"/>
+              <a:defRPr sz="1800"/>
+            </a:pPr>
+            <a:r>
+              <a:rPr lang="en-US" sz="2400" dirty="0" smtClean="0"/>
+              <a:t>December, 16th</a:t>
+            </a:r>
+            <a:r>
+              <a:rPr sz="2400" dirty="0" smtClean="0"/>
+              <a:t>  201</a:t>
+            </a:r>
+            <a:r>
+              <a:rPr lang="en-US" sz="2400" dirty="0" smtClean="0"/>
+              <a:t>5</a:t>
+            </a:r>
+            <a:endParaRPr sz="2400" dirty="0"/>
+          </a:p>
+        </p:txBody>
+      </p:sp>
+      <p:sp>
+        <p:nvSpPr>
+          <p:cNvPr id="54" name="Shape 54"/>
           <p:cNvSpPr/>
           <p:nvPr/>
         </p:nvSpPr>
         <p:spPr>
           <a:xfrm>
-            <a:off x="0" y="9245600"/>
-            <a:ext cx="4635500" cy="520700"/>
-          </a:xfrm>
-          <a:prstGeom prst="rect">
-            <a:avLst/>
-          </a:prstGeom>
-          <a:solidFill>
-            <a:srgbClr val="B51A00"/>
-          </a:solidFill>
-          <a:ln w="12700">
-            <a:miter lim="400000"/>
-          </a:ln>
-        </p:spPr>
-        <p:txBody>
-          <a:bodyPr lIns="0" tIns="0" rIns="0" bIns="0" anchor="ctr"/>
-          <a:lstStyle/>
-          <a:p>
-            <a:pPr lvl="0">
-              <a:defRPr sz="4000">
-                <a:solidFill>
-                  <a:srgbClr val="FFFFFF"/>
-                </a:solidFill>
-                <a:effectLst>
-                  <a:outerShdw blurRad="38100" dist="12700" dir="5400000" rotWithShape="0">
-                    <a:srgbClr val="000000">
-                      <a:alpha val="50000"/>
-                    </a:srgbClr>
-                  </a:outerShdw>
-                </a:effectLst>
-              </a:defRPr>
-            </a:pPr>
-            <a:endParaRPr/>
-          </a:p>
-        </p:txBody>
-      </p:sp>
-      <p:sp>
-        <p:nvSpPr>
-          <p:cNvPr id="78" name="Shape 78"/>
-          <p:cNvSpPr/>
-          <p:nvPr/>
-        </p:nvSpPr>
-        <p:spPr>
-          <a:xfrm>
-            <a:off x="4635500" y="9245600"/>
-            <a:ext cx="8369300" cy="520700"/>
-          </a:xfrm>
-          <a:prstGeom prst="rect">
-            <a:avLst/>
-          </a:prstGeom>
-          <a:solidFill>
-            <a:srgbClr val="D6D6D6"/>
-          </a:solidFill>
-          <a:ln w="12700">
-            <a:miter lim="400000"/>
-          </a:ln>
-        </p:spPr>
-        <p:txBody>
-          <a:bodyPr lIns="0" tIns="0" rIns="0" bIns="0" anchor="ctr"/>
-          <a:lstStyle/>
-          <a:p>
-            <a:pPr lvl="0">
-              <a:defRPr sz="4000">
-                <a:solidFill>
-                  <a:srgbClr val="FFFFFF"/>
-                </a:solidFill>
-                <a:effectLst>
-                  <a:outerShdw blurRad="38100" dist="12700" dir="5400000" rotWithShape="0">
-                    <a:srgbClr val="000000">
-                      <a:alpha val="50000"/>
-                    </a:srgbClr>
-                  </a:outerShdw>
-                </a:effectLst>
-              </a:defRPr>
-            </a:pPr>
-            <a:endParaRPr/>
-          </a:p>
-        </p:txBody>
-      </p:sp>
-      <p:sp>
-        <p:nvSpPr>
-          <p:cNvPr id="79" name="Shape 79"/>
-          <p:cNvSpPr/>
-          <p:nvPr/>
-        </p:nvSpPr>
-        <p:spPr>
-          <a:xfrm>
-            <a:off x="2611533" y="9239250"/>
-            <a:ext cx="1827679" cy="431800"/>
+            <a:off x="4214998" y="-82216"/>
+            <a:ext cx="1603003" cy="456535"/>
           </a:xfrm>
           <a:prstGeom prst="rect">
             <a:avLst/>
@@ -4454,26 +5620,74 @@
               </a:defRPr>
             </a:pPr>
             <a:r>
-              <a:rPr sz="2300">
-                <a:solidFill>
-                  <a:srgbClr val="FFFFFF"/>
-                </a:solidFill>
-              </a:rPr>
-              <a:t>Stefano Savarè</a:t>
-            </a:r>
-          </a:p>
-        </p:txBody>
-      </p:sp>
-      <p:sp>
-        <p:nvSpPr>
-          <p:cNvPr id="80" name="Shape 80"/>
+              <a:rPr lang="en-US" sz="2300" dirty="0" smtClean="0">
+                <a:solidFill>
+                  <a:srgbClr val="FFFFFF"/>
+                </a:solidFill>
+              </a:rPr>
+              <a:t>Introduction</a:t>
+            </a:r>
+            <a:endParaRPr sz="2300" dirty="0">
+              <a:solidFill>
+                <a:srgbClr val="FFFFFF"/>
+              </a:solidFill>
+            </a:endParaRPr>
+          </a:p>
+        </p:txBody>
+      </p:sp>
+      <p:sp>
+        <p:nvSpPr>
+          <p:cNvPr id="16" name="Shape 74"/>
           <p:cNvSpPr/>
           <p:nvPr/>
         </p:nvSpPr>
         <p:spPr>
           <a:xfrm>
-            <a:off x="4821535" y="9239250"/>
-            <a:ext cx="2360675" cy="431800"/>
+            <a:off x="0" y="406400"/>
+            <a:ext cx="14147800" cy="1270000"/>
+          </a:xfrm>
+          <a:prstGeom prst="rect">
+            <a:avLst/>
+          </a:prstGeom>
+          <a:solidFill>
+            <a:srgbClr val="EBEBEB"/>
+          </a:solidFill>
+          <a:ln w="12700">
+            <a:miter lim="400000"/>
+          </a:ln>
+        </p:spPr>
+        <p:txBody>
+          <a:bodyPr lIns="0" tIns="0" rIns="0" bIns="0" anchor="ctr"/>
+          <a:lstStyle/>
+          <a:p>
+            <a:pPr lvl="0">
+              <a:defRPr sz="4000">
+                <a:solidFill>
+                  <a:srgbClr val="FFFFFF"/>
+                </a:solidFill>
+                <a:effectLst>
+                  <a:outerShdw blurRad="38100" dist="12700" dir="5400000" rotWithShape="0">
+                    <a:srgbClr val="000000">
+                      <a:alpha val="50000"/>
+                    </a:srgbClr>
+                  </a:outerShdw>
+                </a:effectLst>
+              </a:defRPr>
+            </a:pPr>
+            <a:endParaRPr/>
+          </a:p>
+        </p:txBody>
+      </p:sp>
+      <p:sp>
+        <p:nvSpPr>
+          <p:cNvPr id="17" name="Shape 75"/>
+          <p:cNvSpPr/>
+          <p:nvPr/>
+        </p:nvSpPr>
+        <p:spPr>
+          <a:xfrm>
+            <a:off x="355600" y="660400"/>
+            <a:ext cx="12280900" cy="749300"/>
           </a:xfrm>
           <a:prstGeom prst="rect">
             <a:avLst/>
@@ -4488,26 +5702,47 @@
           </a:extLst>
         </p:spPr>
         <p:txBody>
-          <a:bodyPr wrap="none" lIns="50800" tIns="50800" rIns="50800" bIns="50800" anchor="ctr">
+          <a:bodyPr lIns="50800" tIns="50800" rIns="50800" bIns="50800" anchor="ctr">
             <a:spAutoFit/>
           </a:bodyPr>
           <a:lstStyle>
-            <a:lvl1pPr>
-              <a:defRPr sz="2300"/>
+            <a:lvl1pPr algn="l">
+              <a:defRPr sz="4500">
+                <a:solidFill>
+                  <a:srgbClr val="B51A00"/>
+                </a:solidFill>
+                <a:latin typeface="Arial"/>
+                <a:ea typeface="Arial"/>
+                <a:cs typeface="Arial"/>
+                <a:sym typeface="Arial"/>
+              </a:defRPr>
             </a:lvl1pPr>
           </a:lstStyle>
           <a:p>
             <a:pPr lvl="0">
-              <a:defRPr sz="1800"/>
-            </a:pPr>
-            <a:r>
-              <a:rPr sz="2300"/>
-              <a:t>30 settembre 2014</a:t>
+              <a:defRPr sz="1800">
+                <a:solidFill>
+                  <a:srgbClr val="000000"/>
+                </a:solidFill>
+              </a:defRPr>
+            </a:pPr>
+            <a:r>
+              <a:rPr sz="4500">
+                <a:solidFill>
+                  <a:srgbClr val="B51A00"/>
+                </a:solidFill>
+              </a:rPr>
+              <a:t>Anatomia: cuore e sistema di conduzione</a:t>
             </a:r>
           </a:p>
         </p:txBody>
       </p:sp>
     </p:spTree>
+    <p:extLst>
+      <p:ext uri="{BB962C8B-B14F-4D97-AF65-F5344CB8AC3E}">
+        <p14:creationId xmlns:p14="http://schemas.microsoft.com/office/powerpoint/2010/main" val="1488451859"/>
+      </p:ext>
+    </p:extLst>
   </p:cSld>
   <p:clrMapOvr>
     <a:masterClrMapping/>
@@ -4535,14 +5770,14 @@
       </p:grpSpPr>
       <p:sp>
         <p:nvSpPr>
-          <p:cNvPr id="82" name="Shape 82"/>
+          <p:cNvPr id="42" name="Shape 42"/>
           <p:cNvSpPr/>
           <p:nvPr/>
         </p:nvSpPr>
         <p:spPr>
           <a:xfrm>
             <a:off x="0" y="0"/>
-            <a:ext cx="6159500" cy="546100"/>
+            <a:ext cx="6159500" cy="444500"/>
           </a:xfrm>
           <a:prstGeom prst="rect">
             <a:avLst/>
@@ -4578,20 +5813,20 @@
       </p:sp>
       <p:sp>
         <p:nvSpPr>
-          <p:cNvPr id="83" name="Shape 83"/>
+          <p:cNvPr id="43" name="Shape 43"/>
           <p:cNvSpPr/>
           <p:nvPr/>
         </p:nvSpPr>
         <p:spPr>
           <a:xfrm>
             <a:off x="6159500" y="0"/>
-            <a:ext cx="6845300" cy="546100"/>
+            <a:ext cx="6845300" cy="444500"/>
           </a:xfrm>
           <a:prstGeom prst="rect">
             <a:avLst/>
           </a:prstGeom>
           <a:solidFill>
-            <a:srgbClr val="C0C0C0"/>
+            <a:srgbClr val="D6D6D6"/>
           </a:solidFill>
           <a:ln w="12700">
             <a:miter lim="400000"/>
@@ -4621,20 +5856,20 @@
       </p:sp>
       <p:sp>
         <p:nvSpPr>
-          <p:cNvPr id="84" name="Shape 84"/>
+          <p:cNvPr id="44" name="Shape 44"/>
           <p:cNvSpPr/>
           <p:nvPr/>
         </p:nvSpPr>
         <p:spPr>
           <a:xfrm>
-            <a:off x="0" y="406400"/>
-            <a:ext cx="14147800" cy="1270000"/>
+            <a:off x="-1" y="9245600"/>
+            <a:ext cx="7494777" cy="520700"/>
           </a:xfrm>
           <a:prstGeom prst="rect">
             <a:avLst/>
           </a:prstGeom>
           <a:solidFill>
-            <a:srgbClr val="EBEBEB"/>
+            <a:srgbClr val="B51A00"/>
           </a:solidFill>
           <a:ln w="12700">
             <a:miter lim="400000"/>
@@ -4664,14 +5899,57 @@
       </p:sp>
       <p:sp>
         <p:nvSpPr>
-          <p:cNvPr id="85" name="Shape 85"/>
+          <p:cNvPr id="45" name="Shape 45"/>
           <p:cNvSpPr/>
           <p:nvPr/>
         </p:nvSpPr>
         <p:spPr>
           <a:xfrm>
-            <a:off x="355600" y="660400"/>
-            <a:ext cx="12280900" cy="749300"/>
+            <a:off x="7218946" y="9245600"/>
+            <a:ext cx="5785853" cy="520700"/>
+          </a:xfrm>
+          <a:prstGeom prst="rect">
+            <a:avLst/>
+          </a:prstGeom>
+          <a:solidFill>
+            <a:srgbClr val="D6D6D6"/>
+          </a:solidFill>
+          <a:ln w="12700">
+            <a:miter lim="400000"/>
+          </a:ln>
+        </p:spPr>
+        <p:txBody>
+          <a:bodyPr lIns="0" tIns="0" rIns="0" bIns="0" anchor="ctr"/>
+          <a:lstStyle/>
+          <a:p>
+            <a:pPr lvl="0">
+              <a:defRPr sz="4000">
+                <a:solidFill>
+                  <a:srgbClr val="FFFFFF"/>
+                </a:solidFill>
+                <a:effectLst>
+                  <a:outerShdw blurRad="38100" dist="12700" dir="5400000" rotWithShape="0">
+                    <a:srgbClr val="000000">
+                      <a:alpha val="50000"/>
+                    </a:srgbClr>
+                  </a:outerShdw>
+                </a:effectLst>
+              </a:defRPr>
+            </a:pPr>
+            <a:endParaRPr/>
+          </a:p>
+        </p:txBody>
+      </p:sp>
+      <p:sp>
+        <p:nvSpPr>
+          <p:cNvPr id="46" name="Shape 46"/>
+          <p:cNvSpPr/>
+          <p:nvPr/>
+        </p:nvSpPr>
+        <p:spPr>
+          <a:xfrm>
+            <a:off x="881508" y="9245600"/>
+            <a:ext cx="6155531" cy="456535"/>
           </a:xfrm>
           <a:prstGeom prst="rect">
             <a:avLst/>
@@ -4686,19 +5964,15 @@
           </a:extLst>
         </p:spPr>
         <p:txBody>
-          <a:bodyPr lIns="50800" tIns="50800" rIns="50800" bIns="50800" anchor="ctr">
+          <a:bodyPr wrap="none" lIns="50800" tIns="50800" rIns="50800" bIns="50800" anchor="ctr">
             <a:spAutoFit/>
           </a:bodyPr>
           <a:lstStyle>
-            <a:lvl1pPr algn="l">
-              <a:defRPr sz="4500">
-                <a:solidFill>
-                  <a:srgbClr val="B51A00"/>
-                </a:solidFill>
-                <a:latin typeface="Arial"/>
-                <a:ea typeface="Arial"/>
-                <a:cs typeface="Arial"/>
-                <a:sym typeface="Arial"/>
+            <a:lvl1pPr>
+              <a:defRPr sz="2300">
+                <a:solidFill>
+                  <a:srgbClr val="FFFFFF"/>
+                </a:solidFill>
               </a:defRPr>
             </a:lvl1pPr>
           </a:lstStyle>
@@ -4711,26 +5985,87 @@
               </a:defRPr>
             </a:pPr>
             <a:r>
-              <a:rPr sz="4500">
-                <a:solidFill>
-                  <a:srgbClr val="B51A00"/>
-                </a:solidFill>
-              </a:rPr>
-              <a:t>Anatomia: cuore e sistema di conduzione</a:t>
-            </a:r>
-          </a:p>
-        </p:txBody>
-      </p:sp>
-      <p:sp>
-        <p:nvSpPr>
-          <p:cNvPr id="86" name="Shape 86"/>
+              <a:rPr lang="en-US" sz="2300" dirty="0" err="1" smtClean="0">
+                <a:solidFill>
+                  <a:srgbClr val="FFFFFF"/>
+                </a:solidFill>
+              </a:rPr>
+              <a:t>Ondine</a:t>
+            </a:r>
+            <a:r>
+              <a:rPr lang="en-US" sz="2300" dirty="0" smtClean="0">
+                <a:solidFill>
+                  <a:srgbClr val="FFFFFF"/>
+                </a:solidFill>
+              </a:rPr>
+              <a:t> </a:t>
+            </a:r>
+            <a:r>
+              <a:rPr lang="en-US" sz="2300" dirty="0" err="1" smtClean="0">
+                <a:solidFill>
+                  <a:srgbClr val="FFFFFF"/>
+                </a:solidFill>
+              </a:rPr>
+              <a:t>Chanon</a:t>
+            </a:r>
+            <a:r>
+              <a:rPr lang="en-US" sz="2300" dirty="0" smtClean="0">
+                <a:solidFill>
+                  <a:srgbClr val="FFFFFF"/>
+                </a:solidFill>
+              </a:rPr>
+              <a:t>, Nicolas </a:t>
+            </a:r>
+            <a:r>
+              <a:rPr lang="en-US" sz="2300" dirty="0" err="1" smtClean="0">
+                <a:solidFill>
+                  <a:srgbClr val="FFFFFF"/>
+                </a:solidFill>
+              </a:rPr>
+              <a:t>Hubacher</a:t>
+            </a:r>
+            <a:r>
+              <a:rPr lang="en-US" sz="2300" dirty="0" smtClean="0">
+                <a:solidFill>
+                  <a:srgbClr val="FFFFFF"/>
+                </a:solidFill>
+              </a:rPr>
+              <a:t>, Stefano </a:t>
+            </a:r>
+            <a:r>
+              <a:rPr lang="en-US" sz="2300" dirty="0" err="1" smtClean="0">
+                <a:solidFill>
+                  <a:srgbClr val="FFFFFF"/>
+                </a:solidFill>
+              </a:rPr>
+              <a:t>Savar</a:t>
+            </a:r>
+            <a:r>
+              <a:rPr lang="en-US" sz="2300" dirty="0" err="1" smtClean="0">
+                <a:solidFill>
+                  <a:srgbClr val="FFFFFF"/>
+                </a:solidFill>
+              </a:rPr>
+              <a:t>è</a:t>
+            </a:r>
+            <a:endParaRPr sz="2300" dirty="0">
+              <a:solidFill>
+                <a:srgbClr val="FFFFFF"/>
+              </a:solidFill>
+            </a:endParaRPr>
+          </a:p>
+        </p:txBody>
+      </p:sp>
+      <p:sp>
+        <p:nvSpPr>
+          <p:cNvPr id="47" name="Shape 47"/>
           <p:cNvSpPr/>
           <p:nvPr/>
         </p:nvSpPr>
         <p:spPr>
           <a:xfrm>
-            <a:off x="4780849" y="-12700"/>
-            <a:ext cx="1299047" cy="368300"/>
+            <a:off x="7494777" y="9254939"/>
+            <a:ext cx="2925481" cy="471924"/>
           </a:xfrm>
           <a:prstGeom prst="rect">
             <a:avLst/>
@@ -4750,128 +6085,39 @@
           </a:bodyPr>
           <a:lstStyle>
             <a:lvl1pPr>
-              <a:defRPr sz="1800">
-                <a:solidFill>
-                  <a:srgbClr val="FFFFFF"/>
-                </a:solidFill>
-              </a:defRPr>
+              <a:defRPr sz="2300"/>
             </a:lvl1pPr>
           </a:lstStyle>
           <a:p>
             <a:pPr lvl="0">
-              <a:defRPr>
-                <a:solidFill>
-                  <a:srgbClr val="000000"/>
-                </a:solidFill>
-              </a:defRPr>
-            </a:pPr>
-            <a:r>
-              <a:rPr>
-                <a:solidFill>
-                  <a:srgbClr val="FFFFFF"/>
-                </a:solidFill>
-              </a:rPr>
-              <a:t>Introduzione</a:t>
-            </a:r>
-          </a:p>
-        </p:txBody>
-      </p:sp>
-      <p:sp>
-        <p:nvSpPr>
-          <p:cNvPr id="87" name="Shape 87"/>
+              <a:defRPr sz="1800"/>
+            </a:pPr>
+            <a:r>
+              <a:rPr lang="en-US" sz="2400" dirty="0" smtClean="0"/>
+              <a:t>December, 16th</a:t>
+            </a:r>
+            <a:r>
+              <a:rPr sz="2400" dirty="0" smtClean="0"/>
+              <a:t>  201</a:t>
+            </a:r>
+            <a:r>
+              <a:rPr lang="en-US" sz="2400" dirty="0" smtClean="0"/>
+              <a:t>5</a:t>
+            </a:r>
+            <a:endParaRPr sz="2400" dirty="0"/>
+          </a:p>
+        </p:txBody>
+      </p:sp>
+      <p:sp>
+        <p:nvSpPr>
+          <p:cNvPr id="54" name="Shape 54"/>
           <p:cNvSpPr/>
           <p:nvPr/>
         </p:nvSpPr>
         <p:spPr>
           <a:xfrm>
-            <a:off x="0" y="9245600"/>
-            <a:ext cx="4635500" cy="520700"/>
-          </a:xfrm>
-          <a:prstGeom prst="rect">
-            <a:avLst/>
-          </a:prstGeom>
-          <a:solidFill>
-            <a:srgbClr val="B51A00"/>
-          </a:solidFill>
-          <a:ln w="12700">
-            <a:miter lim="400000"/>
-          </a:ln>
-        </p:spPr>
-        <p:txBody>
-          <a:bodyPr lIns="0" tIns="0" rIns="0" bIns="0" anchor="ctr"/>
-          <a:lstStyle/>
-          <a:p>
-            <a:pPr lvl="0">
-              <a:defRPr sz="4000">
-                <a:solidFill>
-                  <a:srgbClr val="FFFFFF"/>
-                </a:solidFill>
-                <a:effectLst>
-                  <a:outerShdw blurRad="38100" dist="12700" dir="5400000" rotWithShape="0">
-                    <a:srgbClr val="000000">
-                      <a:alpha val="50000"/>
-                    </a:srgbClr>
-                  </a:outerShdw>
-                </a:effectLst>
-              </a:defRPr>
-            </a:pPr>
-            <a:endParaRPr/>
-          </a:p>
-        </p:txBody>
-      </p:sp>
-      <p:sp>
-        <p:nvSpPr>
-          <p:cNvPr id="88" name="Shape 88"/>
-          <p:cNvSpPr/>
-          <p:nvPr/>
-        </p:nvSpPr>
-        <p:spPr>
-          <a:xfrm>
-            <a:off x="4635500" y="9245600"/>
-            <a:ext cx="8369300" cy="520700"/>
-          </a:xfrm>
-          <a:prstGeom prst="rect">
-            <a:avLst/>
-          </a:prstGeom>
-          <a:solidFill>
-            <a:srgbClr val="D6D6D6"/>
-          </a:solidFill>
-          <a:ln w="12700">
-            <a:miter lim="400000"/>
-          </a:ln>
-        </p:spPr>
-        <p:txBody>
-          <a:bodyPr lIns="0" tIns="0" rIns="0" bIns="0" anchor="ctr"/>
-          <a:lstStyle/>
-          <a:p>
-            <a:pPr lvl="0">
-              <a:defRPr sz="4000">
-                <a:solidFill>
-                  <a:srgbClr val="FFFFFF"/>
-                </a:solidFill>
-                <a:effectLst>
-                  <a:outerShdw blurRad="38100" dist="12700" dir="5400000" rotWithShape="0">
-                    <a:srgbClr val="000000">
-                      <a:alpha val="50000"/>
-                    </a:srgbClr>
-                  </a:outerShdw>
-                </a:effectLst>
-              </a:defRPr>
-            </a:pPr>
-            <a:endParaRPr/>
-          </a:p>
-        </p:txBody>
-      </p:sp>
-      <p:sp>
-        <p:nvSpPr>
-          <p:cNvPr id="89" name="Shape 89"/>
-          <p:cNvSpPr/>
-          <p:nvPr/>
-        </p:nvSpPr>
-        <p:spPr>
-          <a:xfrm>
-            <a:off x="2611533" y="9239250"/>
-            <a:ext cx="1827679" cy="431800"/>
+            <a:off x="4214998" y="-82216"/>
+            <a:ext cx="1603003" cy="456535"/>
           </a:xfrm>
           <a:prstGeom prst="rect">
             <a:avLst/>
@@ -4907,26 +6153,74 @@
               </a:defRPr>
             </a:pPr>
             <a:r>
-              <a:rPr sz="2300">
-                <a:solidFill>
-                  <a:srgbClr val="FFFFFF"/>
-                </a:solidFill>
-              </a:rPr>
-              <a:t>Stefano Savarè</a:t>
-            </a:r>
-          </a:p>
-        </p:txBody>
-      </p:sp>
-      <p:sp>
-        <p:nvSpPr>
-          <p:cNvPr id="90" name="Shape 90"/>
+              <a:rPr lang="en-US" sz="2300" dirty="0" smtClean="0">
+                <a:solidFill>
+                  <a:srgbClr val="FFFFFF"/>
+                </a:solidFill>
+              </a:rPr>
+              <a:t>Introduction</a:t>
+            </a:r>
+            <a:endParaRPr sz="2300" dirty="0">
+              <a:solidFill>
+                <a:srgbClr val="FFFFFF"/>
+              </a:solidFill>
+            </a:endParaRPr>
+          </a:p>
+        </p:txBody>
+      </p:sp>
+      <p:sp>
+        <p:nvSpPr>
+          <p:cNvPr id="16" name="Shape 74"/>
           <p:cNvSpPr/>
           <p:nvPr/>
         </p:nvSpPr>
         <p:spPr>
           <a:xfrm>
-            <a:off x="4821535" y="9239250"/>
-            <a:ext cx="2360675" cy="431800"/>
+            <a:off x="0" y="406400"/>
+            <a:ext cx="14147800" cy="1270000"/>
+          </a:xfrm>
+          <a:prstGeom prst="rect">
+            <a:avLst/>
+          </a:prstGeom>
+          <a:solidFill>
+            <a:srgbClr val="EBEBEB"/>
+          </a:solidFill>
+          <a:ln w="12700">
+            <a:miter lim="400000"/>
+          </a:ln>
+        </p:spPr>
+        <p:txBody>
+          <a:bodyPr lIns="0" tIns="0" rIns="0" bIns="0" anchor="ctr"/>
+          <a:lstStyle/>
+          <a:p>
+            <a:pPr lvl="0">
+              <a:defRPr sz="4000">
+                <a:solidFill>
+                  <a:srgbClr val="FFFFFF"/>
+                </a:solidFill>
+                <a:effectLst>
+                  <a:outerShdw blurRad="38100" dist="12700" dir="5400000" rotWithShape="0">
+                    <a:srgbClr val="000000">
+                      <a:alpha val="50000"/>
+                    </a:srgbClr>
+                  </a:outerShdw>
+                </a:effectLst>
+              </a:defRPr>
+            </a:pPr>
+            <a:endParaRPr/>
+          </a:p>
+        </p:txBody>
+      </p:sp>
+      <p:sp>
+        <p:nvSpPr>
+          <p:cNvPr id="17" name="Shape 75"/>
+          <p:cNvSpPr/>
+          <p:nvPr/>
+        </p:nvSpPr>
+        <p:spPr>
+          <a:xfrm>
+            <a:off x="355600" y="660400"/>
+            <a:ext cx="12280900" cy="749300"/>
           </a:xfrm>
           <a:prstGeom prst="rect">
             <a:avLst/>
@@ -4941,26 +6235,47 @@
           </a:extLst>
         </p:spPr>
         <p:txBody>
-          <a:bodyPr wrap="none" lIns="50800" tIns="50800" rIns="50800" bIns="50800" anchor="ctr">
+          <a:bodyPr lIns="50800" tIns="50800" rIns="50800" bIns="50800" anchor="ctr">
             <a:spAutoFit/>
           </a:bodyPr>
           <a:lstStyle>
-            <a:lvl1pPr>
-              <a:defRPr sz="2300"/>
+            <a:lvl1pPr algn="l">
+              <a:defRPr sz="4500">
+                <a:solidFill>
+                  <a:srgbClr val="B51A00"/>
+                </a:solidFill>
+                <a:latin typeface="Arial"/>
+                <a:ea typeface="Arial"/>
+                <a:cs typeface="Arial"/>
+                <a:sym typeface="Arial"/>
+              </a:defRPr>
             </a:lvl1pPr>
           </a:lstStyle>
           <a:p>
             <a:pPr lvl="0">
-              <a:defRPr sz="1800"/>
-            </a:pPr>
-            <a:r>
-              <a:rPr sz="2300"/>
-              <a:t>30 settembre 2014</a:t>
+              <a:defRPr sz="1800">
+                <a:solidFill>
+                  <a:srgbClr val="000000"/>
+                </a:solidFill>
+              </a:defRPr>
+            </a:pPr>
+            <a:r>
+              <a:rPr sz="4500">
+                <a:solidFill>
+                  <a:srgbClr val="B51A00"/>
+                </a:solidFill>
+              </a:rPr>
+              <a:t>Anatomia: cuore e sistema di conduzione</a:t>
             </a:r>
           </a:p>
         </p:txBody>
       </p:sp>
     </p:spTree>
+    <p:extLst>
+      <p:ext uri="{BB962C8B-B14F-4D97-AF65-F5344CB8AC3E}">
+        <p14:creationId xmlns:p14="http://schemas.microsoft.com/office/powerpoint/2010/main" val="623723636"/>
+      </p:ext>
+    </p:extLst>
   </p:cSld>
   <p:clrMapOvr>
     <a:masterClrMapping/>
@@ -4988,14 +6303,14 @@
       </p:grpSpPr>
       <p:sp>
         <p:nvSpPr>
-          <p:cNvPr id="92" name="Shape 92"/>
+          <p:cNvPr id="42" name="Shape 42"/>
           <p:cNvSpPr/>
           <p:nvPr/>
         </p:nvSpPr>
         <p:spPr>
           <a:xfrm>
             <a:off x="0" y="0"/>
-            <a:ext cx="6159500" cy="546100"/>
+            <a:ext cx="6159500" cy="444500"/>
           </a:xfrm>
           <a:prstGeom prst="rect">
             <a:avLst/>
@@ -5031,20 +6346,20 @@
       </p:sp>
       <p:sp>
         <p:nvSpPr>
-          <p:cNvPr id="93" name="Shape 93"/>
+          <p:cNvPr id="43" name="Shape 43"/>
           <p:cNvSpPr/>
           <p:nvPr/>
         </p:nvSpPr>
         <p:spPr>
           <a:xfrm>
             <a:off x="6159500" y="0"/>
-            <a:ext cx="6845300" cy="546100"/>
+            <a:ext cx="6845300" cy="444500"/>
           </a:xfrm>
           <a:prstGeom prst="rect">
             <a:avLst/>
           </a:prstGeom>
           <a:solidFill>
-            <a:srgbClr val="C0C0C0"/>
+            <a:srgbClr val="D6D6D6"/>
           </a:solidFill>
           <a:ln w="12700">
             <a:miter lim="400000"/>
@@ -5074,20 +6389,20 @@
       </p:sp>
       <p:sp>
         <p:nvSpPr>
-          <p:cNvPr id="94" name="Shape 94"/>
+          <p:cNvPr id="44" name="Shape 44"/>
           <p:cNvSpPr/>
           <p:nvPr/>
         </p:nvSpPr>
         <p:spPr>
           <a:xfrm>
-            <a:off x="0" y="406400"/>
-            <a:ext cx="14147800" cy="1270000"/>
+            <a:off x="-1" y="9245600"/>
+            <a:ext cx="7494777" cy="520700"/>
           </a:xfrm>
           <a:prstGeom prst="rect">
             <a:avLst/>
           </a:prstGeom>
           <a:solidFill>
-            <a:srgbClr val="EBEBEB"/>
+            <a:srgbClr val="B51A00"/>
           </a:solidFill>
           <a:ln w="12700">
             <a:miter lim="400000"/>
@@ -5117,14 +6432,57 @@
       </p:sp>
       <p:sp>
         <p:nvSpPr>
-          <p:cNvPr id="95" name="Shape 95"/>
+          <p:cNvPr id="45" name="Shape 45"/>
           <p:cNvSpPr/>
           <p:nvPr/>
         </p:nvSpPr>
         <p:spPr>
           <a:xfrm>
-            <a:off x="355600" y="660400"/>
-            <a:ext cx="12280900" cy="749300"/>
+            <a:off x="7218946" y="9245600"/>
+            <a:ext cx="5785853" cy="520700"/>
+          </a:xfrm>
+          <a:prstGeom prst="rect">
+            <a:avLst/>
+          </a:prstGeom>
+          <a:solidFill>
+            <a:srgbClr val="D6D6D6"/>
+          </a:solidFill>
+          <a:ln w="12700">
+            <a:miter lim="400000"/>
+          </a:ln>
+        </p:spPr>
+        <p:txBody>
+          <a:bodyPr lIns="0" tIns="0" rIns="0" bIns="0" anchor="ctr"/>
+          <a:lstStyle/>
+          <a:p>
+            <a:pPr lvl="0">
+              <a:defRPr sz="4000">
+                <a:solidFill>
+                  <a:srgbClr val="FFFFFF"/>
+                </a:solidFill>
+                <a:effectLst>
+                  <a:outerShdw blurRad="38100" dist="12700" dir="5400000" rotWithShape="0">
+                    <a:srgbClr val="000000">
+                      <a:alpha val="50000"/>
+                    </a:srgbClr>
+                  </a:outerShdw>
+                </a:effectLst>
+              </a:defRPr>
+            </a:pPr>
+            <a:endParaRPr/>
+          </a:p>
+        </p:txBody>
+      </p:sp>
+      <p:sp>
+        <p:nvSpPr>
+          <p:cNvPr id="46" name="Shape 46"/>
+          <p:cNvSpPr/>
+          <p:nvPr/>
+        </p:nvSpPr>
+        <p:spPr>
+          <a:xfrm>
+            <a:off x="881508" y="9245600"/>
+            <a:ext cx="6155531" cy="456535"/>
           </a:xfrm>
           <a:prstGeom prst="rect">
             <a:avLst/>
@@ -5139,19 +6497,15 @@
           </a:extLst>
         </p:spPr>
         <p:txBody>
-          <a:bodyPr lIns="50800" tIns="50800" rIns="50800" bIns="50800" anchor="ctr">
+          <a:bodyPr wrap="none" lIns="50800" tIns="50800" rIns="50800" bIns="50800" anchor="ctr">
             <a:spAutoFit/>
           </a:bodyPr>
           <a:lstStyle>
-            <a:lvl1pPr algn="l">
-              <a:defRPr sz="4500">
-                <a:solidFill>
-                  <a:srgbClr val="B51A00"/>
-                </a:solidFill>
-                <a:latin typeface="Arial"/>
-                <a:ea typeface="Arial"/>
-                <a:cs typeface="Arial"/>
-                <a:sym typeface="Arial"/>
+            <a:lvl1pPr>
+              <a:defRPr sz="2300">
+                <a:solidFill>
+                  <a:srgbClr val="FFFFFF"/>
+                </a:solidFill>
               </a:defRPr>
             </a:lvl1pPr>
           </a:lstStyle>
@@ -5164,26 +6518,87 @@
               </a:defRPr>
             </a:pPr>
             <a:r>
-              <a:rPr sz="4500">
-                <a:solidFill>
-                  <a:srgbClr val="B51A00"/>
-                </a:solidFill>
-              </a:rPr>
-              <a:t>Anatomia: cuore e sistema di conduzione</a:t>
-            </a:r>
-          </a:p>
-        </p:txBody>
-      </p:sp>
-      <p:sp>
-        <p:nvSpPr>
-          <p:cNvPr id="96" name="Shape 96"/>
+              <a:rPr lang="en-US" sz="2300" dirty="0" err="1" smtClean="0">
+                <a:solidFill>
+                  <a:srgbClr val="FFFFFF"/>
+                </a:solidFill>
+              </a:rPr>
+              <a:t>Ondine</a:t>
+            </a:r>
+            <a:r>
+              <a:rPr lang="en-US" sz="2300" dirty="0" smtClean="0">
+                <a:solidFill>
+                  <a:srgbClr val="FFFFFF"/>
+                </a:solidFill>
+              </a:rPr>
+              <a:t> </a:t>
+            </a:r>
+            <a:r>
+              <a:rPr lang="en-US" sz="2300" dirty="0" err="1" smtClean="0">
+                <a:solidFill>
+                  <a:srgbClr val="FFFFFF"/>
+                </a:solidFill>
+              </a:rPr>
+              <a:t>Chanon</a:t>
+            </a:r>
+            <a:r>
+              <a:rPr lang="en-US" sz="2300" dirty="0" smtClean="0">
+                <a:solidFill>
+                  <a:srgbClr val="FFFFFF"/>
+                </a:solidFill>
+              </a:rPr>
+              <a:t>, Nicolas </a:t>
+            </a:r>
+            <a:r>
+              <a:rPr lang="en-US" sz="2300" dirty="0" err="1" smtClean="0">
+                <a:solidFill>
+                  <a:srgbClr val="FFFFFF"/>
+                </a:solidFill>
+              </a:rPr>
+              <a:t>Hubacher</a:t>
+            </a:r>
+            <a:r>
+              <a:rPr lang="en-US" sz="2300" dirty="0" smtClean="0">
+                <a:solidFill>
+                  <a:srgbClr val="FFFFFF"/>
+                </a:solidFill>
+              </a:rPr>
+              <a:t>, Stefano </a:t>
+            </a:r>
+            <a:r>
+              <a:rPr lang="en-US" sz="2300" dirty="0" err="1" smtClean="0">
+                <a:solidFill>
+                  <a:srgbClr val="FFFFFF"/>
+                </a:solidFill>
+              </a:rPr>
+              <a:t>Savar</a:t>
+            </a:r>
+            <a:r>
+              <a:rPr lang="en-US" sz="2300" dirty="0" err="1" smtClean="0">
+                <a:solidFill>
+                  <a:srgbClr val="FFFFFF"/>
+                </a:solidFill>
+              </a:rPr>
+              <a:t>è</a:t>
+            </a:r>
+            <a:endParaRPr sz="2300" dirty="0">
+              <a:solidFill>
+                <a:srgbClr val="FFFFFF"/>
+              </a:solidFill>
+            </a:endParaRPr>
+          </a:p>
+        </p:txBody>
+      </p:sp>
+      <p:sp>
+        <p:nvSpPr>
+          <p:cNvPr id="47" name="Shape 47"/>
           <p:cNvSpPr/>
           <p:nvPr/>
         </p:nvSpPr>
         <p:spPr>
           <a:xfrm>
-            <a:off x="4780849" y="-12700"/>
-            <a:ext cx="1299047" cy="368300"/>
+            <a:off x="7494777" y="9254939"/>
+            <a:ext cx="2925481" cy="471924"/>
           </a:xfrm>
           <a:prstGeom prst="rect">
             <a:avLst/>
@@ -5203,128 +6618,39 @@
           </a:bodyPr>
           <a:lstStyle>
             <a:lvl1pPr>
-              <a:defRPr sz="1800">
-                <a:solidFill>
-                  <a:srgbClr val="FFFFFF"/>
-                </a:solidFill>
-              </a:defRPr>
+              <a:defRPr sz="2300"/>
             </a:lvl1pPr>
           </a:lstStyle>
           <a:p>
             <a:pPr lvl="0">
-              <a:defRPr>
-                <a:solidFill>
-                  <a:srgbClr val="000000"/>
-                </a:solidFill>
-              </a:defRPr>
-            </a:pPr>
-            <a:r>
-              <a:rPr>
-                <a:solidFill>
-                  <a:srgbClr val="FFFFFF"/>
-                </a:solidFill>
-              </a:rPr>
-              <a:t>Introduzione</a:t>
-            </a:r>
-          </a:p>
-        </p:txBody>
-      </p:sp>
-      <p:sp>
-        <p:nvSpPr>
-          <p:cNvPr id="97" name="Shape 97"/>
+              <a:defRPr sz="1800"/>
+            </a:pPr>
+            <a:r>
+              <a:rPr lang="en-US" sz="2400" dirty="0" smtClean="0"/>
+              <a:t>December, 16th</a:t>
+            </a:r>
+            <a:r>
+              <a:rPr sz="2400" dirty="0" smtClean="0"/>
+              <a:t>  201</a:t>
+            </a:r>
+            <a:r>
+              <a:rPr lang="en-US" sz="2400" dirty="0" smtClean="0"/>
+              <a:t>5</a:t>
+            </a:r>
+            <a:endParaRPr sz="2400" dirty="0"/>
+          </a:p>
+        </p:txBody>
+      </p:sp>
+      <p:sp>
+        <p:nvSpPr>
+          <p:cNvPr id="54" name="Shape 54"/>
           <p:cNvSpPr/>
           <p:nvPr/>
         </p:nvSpPr>
         <p:spPr>
           <a:xfrm>
-            <a:off x="0" y="9245600"/>
-            <a:ext cx="4635500" cy="520700"/>
-          </a:xfrm>
-          <a:prstGeom prst="rect">
-            <a:avLst/>
-          </a:prstGeom>
-          <a:solidFill>
-            <a:srgbClr val="B51A00"/>
-          </a:solidFill>
-          <a:ln w="12700">
-            <a:miter lim="400000"/>
-          </a:ln>
-        </p:spPr>
-        <p:txBody>
-          <a:bodyPr lIns="0" tIns="0" rIns="0" bIns="0" anchor="ctr"/>
-          <a:lstStyle/>
-          <a:p>
-            <a:pPr lvl="0">
-              <a:defRPr sz="4000">
-                <a:solidFill>
-                  <a:srgbClr val="FFFFFF"/>
-                </a:solidFill>
-                <a:effectLst>
-                  <a:outerShdw blurRad="38100" dist="12700" dir="5400000" rotWithShape="0">
-                    <a:srgbClr val="000000">
-                      <a:alpha val="50000"/>
-                    </a:srgbClr>
-                  </a:outerShdw>
-                </a:effectLst>
-              </a:defRPr>
-            </a:pPr>
-            <a:endParaRPr/>
-          </a:p>
-        </p:txBody>
-      </p:sp>
-      <p:sp>
-        <p:nvSpPr>
-          <p:cNvPr id="98" name="Shape 98"/>
-          <p:cNvSpPr/>
-          <p:nvPr/>
-        </p:nvSpPr>
-        <p:spPr>
-          <a:xfrm>
-            <a:off x="4635500" y="9245600"/>
-            <a:ext cx="8369300" cy="520700"/>
-          </a:xfrm>
-          <a:prstGeom prst="rect">
-            <a:avLst/>
-          </a:prstGeom>
-          <a:solidFill>
-            <a:srgbClr val="D6D6D6"/>
-          </a:solidFill>
-          <a:ln w="12700">
-            <a:miter lim="400000"/>
-          </a:ln>
-        </p:spPr>
-        <p:txBody>
-          <a:bodyPr lIns="0" tIns="0" rIns="0" bIns="0" anchor="ctr"/>
-          <a:lstStyle/>
-          <a:p>
-            <a:pPr lvl="0">
-              <a:defRPr sz="4000">
-                <a:solidFill>
-                  <a:srgbClr val="FFFFFF"/>
-                </a:solidFill>
-                <a:effectLst>
-                  <a:outerShdw blurRad="38100" dist="12700" dir="5400000" rotWithShape="0">
-                    <a:srgbClr val="000000">
-                      <a:alpha val="50000"/>
-                    </a:srgbClr>
-                  </a:outerShdw>
-                </a:effectLst>
-              </a:defRPr>
-            </a:pPr>
-            <a:endParaRPr/>
-          </a:p>
-        </p:txBody>
-      </p:sp>
-      <p:sp>
-        <p:nvSpPr>
-          <p:cNvPr id="99" name="Shape 99"/>
-          <p:cNvSpPr/>
-          <p:nvPr/>
-        </p:nvSpPr>
-        <p:spPr>
-          <a:xfrm>
-            <a:off x="2611533" y="9239250"/>
-            <a:ext cx="1827679" cy="431800"/>
+            <a:off x="4214998" y="-82216"/>
+            <a:ext cx="1603003" cy="456535"/>
           </a:xfrm>
           <a:prstGeom prst="rect">
             <a:avLst/>
@@ -5360,26 +6686,74 @@
               </a:defRPr>
             </a:pPr>
             <a:r>
-              <a:rPr sz="2300">
-                <a:solidFill>
-                  <a:srgbClr val="FFFFFF"/>
-                </a:solidFill>
-              </a:rPr>
-              <a:t>Stefano Savarè</a:t>
-            </a:r>
-          </a:p>
-        </p:txBody>
-      </p:sp>
-      <p:sp>
-        <p:nvSpPr>
-          <p:cNvPr id="100" name="Shape 100"/>
+              <a:rPr lang="en-US" sz="2300" dirty="0" smtClean="0">
+                <a:solidFill>
+                  <a:srgbClr val="FFFFFF"/>
+                </a:solidFill>
+              </a:rPr>
+              <a:t>Introduction</a:t>
+            </a:r>
+            <a:endParaRPr sz="2300" dirty="0">
+              <a:solidFill>
+                <a:srgbClr val="FFFFFF"/>
+              </a:solidFill>
+            </a:endParaRPr>
+          </a:p>
+        </p:txBody>
+      </p:sp>
+      <p:sp>
+        <p:nvSpPr>
+          <p:cNvPr id="16" name="Shape 74"/>
           <p:cNvSpPr/>
           <p:nvPr/>
         </p:nvSpPr>
         <p:spPr>
           <a:xfrm>
-            <a:off x="4821535" y="9239250"/>
-            <a:ext cx="2360675" cy="431800"/>
+            <a:off x="0" y="406400"/>
+            <a:ext cx="14147800" cy="1270000"/>
+          </a:xfrm>
+          <a:prstGeom prst="rect">
+            <a:avLst/>
+          </a:prstGeom>
+          <a:solidFill>
+            <a:srgbClr val="EBEBEB"/>
+          </a:solidFill>
+          <a:ln w="12700">
+            <a:miter lim="400000"/>
+          </a:ln>
+        </p:spPr>
+        <p:txBody>
+          <a:bodyPr lIns="0" tIns="0" rIns="0" bIns="0" anchor="ctr"/>
+          <a:lstStyle/>
+          <a:p>
+            <a:pPr lvl="0">
+              <a:defRPr sz="4000">
+                <a:solidFill>
+                  <a:srgbClr val="FFFFFF"/>
+                </a:solidFill>
+                <a:effectLst>
+                  <a:outerShdw blurRad="38100" dist="12700" dir="5400000" rotWithShape="0">
+                    <a:srgbClr val="000000">
+                      <a:alpha val="50000"/>
+                    </a:srgbClr>
+                  </a:outerShdw>
+                </a:effectLst>
+              </a:defRPr>
+            </a:pPr>
+            <a:endParaRPr/>
+          </a:p>
+        </p:txBody>
+      </p:sp>
+      <p:sp>
+        <p:nvSpPr>
+          <p:cNvPr id="17" name="Shape 75"/>
+          <p:cNvSpPr/>
+          <p:nvPr/>
+        </p:nvSpPr>
+        <p:spPr>
+          <a:xfrm>
+            <a:off x="355600" y="660400"/>
+            <a:ext cx="12280900" cy="749300"/>
           </a:xfrm>
           <a:prstGeom prst="rect">
             <a:avLst/>
@@ -5394,6 +6768,384 @@
           </a:extLst>
         </p:spPr>
         <p:txBody>
+          <a:bodyPr lIns="50800" tIns="50800" rIns="50800" bIns="50800" anchor="ctr">
+            <a:spAutoFit/>
+          </a:bodyPr>
+          <a:lstStyle>
+            <a:lvl1pPr algn="l">
+              <a:defRPr sz="4500">
+                <a:solidFill>
+                  <a:srgbClr val="B51A00"/>
+                </a:solidFill>
+                <a:latin typeface="Arial"/>
+                <a:ea typeface="Arial"/>
+                <a:cs typeface="Arial"/>
+                <a:sym typeface="Arial"/>
+              </a:defRPr>
+            </a:lvl1pPr>
+          </a:lstStyle>
+          <a:p>
+            <a:pPr lvl="0">
+              <a:defRPr sz="1800">
+                <a:solidFill>
+                  <a:srgbClr val="000000"/>
+                </a:solidFill>
+              </a:defRPr>
+            </a:pPr>
+            <a:r>
+              <a:rPr sz="4500">
+                <a:solidFill>
+                  <a:srgbClr val="B51A00"/>
+                </a:solidFill>
+              </a:rPr>
+              <a:t>Anatomia: cuore e sistema di conduzione</a:t>
+            </a:r>
+          </a:p>
+        </p:txBody>
+      </p:sp>
+    </p:spTree>
+    <p:extLst>
+      <p:ext uri="{BB962C8B-B14F-4D97-AF65-F5344CB8AC3E}">
+        <p14:creationId xmlns:p14="http://schemas.microsoft.com/office/powerpoint/2010/main" val="1055469245"/>
+      </p:ext>
+    </p:extLst>
+  </p:cSld>
+  <p:clrMapOvr>
+    <a:masterClrMapping/>
+  </p:clrMapOvr>
+  <p:transition spd="med"/>
+</p:sld>
+</file>
+
+<file path=ppt/slides/slide6.xml><?xml version="1.0" encoding="utf-8"?>
+<p:sld xmlns:a="http://schemas.openxmlformats.org/drawingml/2006/main" xmlns:r="http://schemas.openxmlformats.org/officeDocument/2006/relationships" xmlns:p="http://schemas.openxmlformats.org/presentationml/2006/main">
+  <p:cSld>
+    <p:spTree>
+      <p:nvGrpSpPr>
+        <p:cNvPr id="1" name=""/>
+        <p:cNvGrpSpPr/>
+        <p:nvPr/>
+      </p:nvGrpSpPr>
+      <p:grpSpPr>
+        <a:xfrm>
+          <a:off x="0" y="0"/>
+          <a:ext cx="0" cy="0"/>
+          <a:chOff x="0" y="0"/>
+          <a:chExt cx="0" cy="0"/>
+        </a:xfrm>
+      </p:grpSpPr>
+      <p:sp>
+        <p:nvSpPr>
+          <p:cNvPr id="42" name="Shape 42"/>
+          <p:cNvSpPr/>
+          <p:nvPr/>
+        </p:nvSpPr>
+        <p:spPr>
+          <a:xfrm>
+            <a:off x="0" y="0"/>
+            <a:ext cx="6159500" cy="444500"/>
+          </a:xfrm>
+          <a:prstGeom prst="rect">
+            <a:avLst/>
+          </a:prstGeom>
+          <a:solidFill>
+            <a:srgbClr val="B51A00"/>
+          </a:solidFill>
+          <a:ln w="12700">
+            <a:miter lim="400000"/>
+          </a:ln>
+        </p:spPr>
+        <p:txBody>
+          <a:bodyPr lIns="0" tIns="0" rIns="0" bIns="0" anchor="ctr"/>
+          <a:lstStyle/>
+          <a:p>
+            <a:pPr lvl="0">
+              <a:defRPr sz="4000">
+                <a:solidFill>
+                  <a:srgbClr val="FFFFFF"/>
+                </a:solidFill>
+                <a:effectLst>
+                  <a:outerShdw blurRad="38100" dist="12700" dir="5400000" rotWithShape="0">
+                    <a:srgbClr val="000000">
+                      <a:alpha val="50000"/>
+                    </a:srgbClr>
+                  </a:outerShdw>
+                </a:effectLst>
+              </a:defRPr>
+            </a:pPr>
+            <a:endParaRPr/>
+          </a:p>
+        </p:txBody>
+      </p:sp>
+      <p:sp>
+        <p:nvSpPr>
+          <p:cNvPr id="43" name="Shape 43"/>
+          <p:cNvSpPr/>
+          <p:nvPr/>
+        </p:nvSpPr>
+        <p:spPr>
+          <a:xfrm>
+            <a:off x="6159500" y="0"/>
+            <a:ext cx="6845300" cy="444500"/>
+          </a:xfrm>
+          <a:prstGeom prst="rect">
+            <a:avLst/>
+          </a:prstGeom>
+          <a:solidFill>
+            <a:srgbClr val="D6D6D6"/>
+          </a:solidFill>
+          <a:ln w="12700">
+            <a:miter lim="400000"/>
+          </a:ln>
+        </p:spPr>
+        <p:txBody>
+          <a:bodyPr lIns="0" tIns="0" rIns="0" bIns="0" anchor="ctr"/>
+          <a:lstStyle/>
+          <a:p>
+            <a:pPr lvl="0">
+              <a:defRPr sz="4000">
+                <a:solidFill>
+                  <a:srgbClr val="FFFFFF"/>
+                </a:solidFill>
+                <a:effectLst>
+                  <a:outerShdw blurRad="38100" dist="12700" dir="5400000" rotWithShape="0">
+                    <a:srgbClr val="000000">
+                      <a:alpha val="50000"/>
+                    </a:srgbClr>
+                  </a:outerShdw>
+                </a:effectLst>
+              </a:defRPr>
+            </a:pPr>
+            <a:endParaRPr/>
+          </a:p>
+        </p:txBody>
+      </p:sp>
+      <p:sp>
+        <p:nvSpPr>
+          <p:cNvPr id="44" name="Shape 44"/>
+          <p:cNvSpPr/>
+          <p:nvPr/>
+        </p:nvSpPr>
+        <p:spPr>
+          <a:xfrm>
+            <a:off x="-1" y="9245600"/>
+            <a:ext cx="7494777" cy="520700"/>
+          </a:xfrm>
+          <a:prstGeom prst="rect">
+            <a:avLst/>
+          </a:prstGeom>
+          <a:solidFill>
+            <a:srgbClr val="B51A00"/>
+          </a:solidFill>
+          <a:ln w="12700">
+            <a:miter lim="400000"/>
+          </a:ln>
+        </p:spPr>
+        <p:txBody>
+          <a:bodyPr lIns="0" tIns="0" rIns="0" bIns="0" anchor="ctr"/>
+          <a:lstStyle/>
+          <a:p>
+            <a:pPr lvl="0">
+              <a:defRPr sz="4000">
+                <a:solidFill>
+                  <a:srgbClr val="FFFFFF"/>
+                </a:solidFill>
+                <a:effectLst>
+                  <a:outerShdw blurRad="38100" dist="12700" dir="5400000" rotWithShape="0">
+                    <a:srgbClr val="000000">
+                      <a:alpha val="50000"/>
+                    </a:srgbClr>
+                  </a:outerShdw>
+                </a:effectLst>
+              </a:defRPr>
+            </a:pPr>
+            <a:endParaRPr/>
+          </a:p>
+        </p:txBody>
+      </p:sp>
+      <p:sp>
+        <p:nvSpPr>
+          <p:cNvPr id="45" name="Shape 45"/>
+          <p:cNvSpPr/>
+          <p:nvPr/>
+        </p:nvSpPr>
+        <p:spPr>
+          <a:xfrm>
+            <a:off x="7218946" y="9245600"/>
+            <a:ext cx="5785853" cy="520700"/>
+          </a:xfrm>
+          <a:prstGeom prst="rect">
+            <a:avLst/>
+          </a:prstGeom>
+          <a:solidFill>
+            <a:srgbClr val="D6D6D6"/>
+          </a:solidFill>
+          <a:ln w="12700">
+            <a:miter lim="400000"/>
+          </a:ln>
+        </p:spPr>
+        <p:txBody>
+          <a:bodyPr lIns="0" tIns="0" rIns="0" bIns="0" anchor="ctr"/>
+          <a:lstStyle/>
+          <a:p>
+            <a:pPr lvl="0">
+              <a:defRPr sz="4000">
+                <a:solidFill>
+                  <a:srgbClr val="FFFFFF"/>
+                </a:solidFill>
+                <a:effectLst>
+                  <a:outerShdw blurRad="38100" dist="12700" dir="5400000" rotWithShape="0">
+                    <a:srgbClr val="000000">
+                      <a:alpha val="50000"/>
+                    </a:srgbClr>
+                  </a:outerShdw>
+                </a:effectLst>
+              </a:defRPr>
+            </a:pPr>
+            <a:endParaRPr/>
+          </a:p>
+        </p:txBody>
+      </p:sp>
+      <p:sp>
+        <p:nvSpPr>
+          <p:cNvPr id="46" name="Shape 46"/>
+          <p:cNvSpPr/>
+          <p:nvPr/>
+        </p:nvSpPr>
+        <p:spPr>
+          <a:xfrm>
+            <a:off x="881508" y="9245600"/>
+            <a:ext cx="6155531" cy="456535"/>
+          </a:xfrm>
+          <a:prstGeom prst="rect">
+            <a:avLst/>
+          </a:prstGeom>
+          <a:ln w="12700">
+            <a:miter lim="400000"/>
+          </a:ln>
+          <a:extLst>
+            <a:ext uri="{C572A759-6A51-4108-AA02-DFA0A04FC94B}">
+              <ma14:wrappingTextBoxFlag xmlns:ma14="http://schemas.microsoft.com/office/mac/drawingml/2011/main" val="1"/>
+            </a:ext>
+          </a:extLst>
+        </p:spPr>
+        <p:txBody>
+          <a:bodyPr wrap="none" lIns="50800" tIns="50800" rIns="50800" bIns="50800" anchor="ctr">
+            <a:spAutoFit/>
+          </a:bodyPr>
+          <a:lstStyle>
+            <a:lvl1pPr>
+              <a:defRPr sz="2300">
+                <a:solidFill>
+                  <a:srgbClr val="FFFFFF"/>
+                </a:solidFill>
+              </a:defRPr>
+            </a:lvl1pPr>
+          </a:lstStyle>
+          <a:p>
+            <a:pPr lvl="0">
+              <a:defRPr sz="1800">
+                <a:solidFill>
+                  <a:srgbClr val="000000"/>
+                </a:solidFill>
+              </a:defRPr>
+            </a:pPr>
+            <a:r>
+              <a:rPr lang="en-US" sz="2300" dirty="0" err="1" smtClean="0">
+                <a:solidFill>
+                  <a:srgbClr val="FFFFFF"/>
+                </a:solidFill>
+              </a:rPr>
+              <a:t>Ondine</a:t>
+            </a:r>
+            <a:r>
+              <a:rPr lang="en-US" sz="2300" dirty="0" smtClean="0">
+                <a:solidFill>
+                  <a:srgbClr val="FFFFFF"/>
+                </a:solidFill>
+              </a:rPr>
+              <a:t> </a:t>
+            </a:r>
+            <a:r>
+              <a:rPr lang="en-US" sz="2300" dirty="0" err="1" smtClean="0">
+                <a:solidFill>
+                  <a:srgbClr val="FFFFFF"/>
+                </a:solidFill>
+              </a:rPr>
+              <a:t>Chanon</a:t>
+            </a:r>
+            <a:r>
+              <a:rPr lang="en-US" sz="2300" dirty="0" smtClean="0">
+                <a:solidFill>
+                  <a:srgbClr val="FFFFFF"/>
+                </a:solidFill>
+              </a:rPr>
+              <a:t>, Nicolas </a:t>
+            </a:r>
+            <a:r>
+              <a:rPr lang="en-US" sz="2300" dirty="0" err="1" smtClean="0">
+                <a:solidFill>
+                  <a:srgbClr val="FFFFFF"/>
+                </a:solidFill>
+              </a:rPr>
+              <a:t>Hubacher</a:t>
+            </a:r>
+            <a:r>
+              <a:rPr lang="en-US" sz="2300" dirty="0" smtClean="0">
+                <a:solidFill>
+                  <a:srgbClr val="FFFFFF"/>
+                </a:solidFill>
+              </a:rPr>
+              <a:t>, Stefano </a:t>
+            </a:r>
+            <a:r>
+              <a:rPr lang="en-US" sz="2300" dirty="0" err="1" smtClean="0">
+                <a:solidFill>
+                  <a:srgbClr val="FFFFFF"/>
+                </a:solidFill>
+              </a:rPr>
+              <a:t>Savar</a:t>
+            </a:r>
+            <a:r>
+              <a:rPr lang="en-US" sz="2300" dirty="0" err="1" smtClean="0">
+                <a:solidFill>
+                  <a:srgbClr val="FFFFFF"/>
+                </a:solidFill>
+              </a:rPr>
+              <a:t>è</a:t>
+            </a:r>
+            <a:endParaRPr sz="2300" dirty="0">
+              <a:solidFill>
+                <a:srgbClr val="FFFFFF"/>
+              </a:solidFill>
+            </a:endParaRPr>
+          </a:p>
+        </p:txBody>
+      </p:sp>
+      <p:sp>
+        <p:nvSpPr>
+          <p:cNvPr id="47" name="Shape 47"/>
+          <p:cNvSpPr/>
+          <p:nvPr/>
+        </p:nvSpPr>
+        <p:spPr>
+          <a:xfrm>
+            <a:off x="7494777" y="9254939"/>
+            <a:ext cx="2925481" cy="471924"/>
+          </a:xfrm>
+          <a:prstGeom prst="rect">
+            <a:avLst/>
+          </a:prstGeom>
+          <a:ln w="12700">
+            <a:miter lim="400000"/>
+          </a:ln>
+          <a:extLst>
+            <a:ext uri="{C572A759-6A51-4108-AA02-DFA0A04FC94B}">
+              <ma14:wrappingTextBoxFlag xmlns:ma14="http://schemas.microsoft.com/office/mac/drawingml/2011/main" val="1"/>
+            </a:ext>
+          </a:extLst>
+        </p:spPr>
+        <p:txBody>
           <a:bodyPr wrap="none" lIns="50800" tIns="50800" rIns="50800" bIns="50800" anchor="ctr">
             <a:spAutoFit/>
           </a:bodyPr>
@@ -5407,13 +7159,1788 @@
               <a:defRPr sz="1800"/>
             </a:pPr>
             <a:r>
-              <a:rPr sz="2300"/>
-              <a:t>30 settembre 2014</a:t>
+              <a:rPr lang="en-US" sz="2400" dirty="0" smtClean="0"/>
+              <a:t>December, 16th</a:t>
+            </a:r>
+            <a:r>
+              <a:rPr sz="2400" dirty="0" smtClean="0"/>
+              <a:t>  201</a:t>
+            </a:r>
+            <a:r>
+              <a:rPr lang="en-US" sz="2400" dirty="0" smtClean="0"/>
+              <a:t>5</a:t>
+            </a:r>
+            <a:endParaRPr sz="2400" dirty="0"/>
+          </a:p>
+        </p:txBody>
+      </p:sp>
+      <p:sp>
+        <p:nvSpPr>
+          <p:cNvPr id="54" name="Shape 54"/>
+          <p:cNvSpPr/>
+          <p:nvPr/>
+        </p:nvSpPr>
+        <p:spPr>
+          <a:xfrm>
+            <a:off x="4214998" y="-82216"/>
+            <a:ext cx="1603003" cy="456535"/>
+          </a:xfrm>
+          <a:prstGeom prst="rect">
+            <a:avLst/>
+          </a:prstGeom>
+          <a:ln w="12700">
+            <a:miter lim="400000"/>
+          </a:ln>
+          <a:extLst>
+            <a:ext uri="{C572A759-6A51-4108-AA02-DFA0A04FC94B}">
+              <ma14:wrappingTextBoxFlag xmlns:ma14="http://schemas.microsoft.com/office/mac/drawingml/2011/main" val="1"/>
+            </a:ext>
+          </a:extLst>
+        </p:spPr>
+        <p:txBody>
+          <a:bodyPr wrap="none" lIns="50800" tIns="50800" rIns="50800" bIns="50800" anchor="ctr">
+            <a:spAutoFit/>
+          </a:bodyPr>
+          <a:lstStyle>
+            <a:lvl1pPr>
+              <a:defRPr sz="2300">
+                <a:solidFill>
+                  <a:srgbClr val="FFFFFF"/>
+                </a:solidFill>
+              </a:defRPr>
+            </a:lvl1pPr>
+          </a:lstStyle>
+          <a:p>
+            <a:pPr lvl="0">
+              <a:defRPr sz="1800">
+                <a:solidFill>
+                  <a:srgbClr val="000000"/>
+                </a:solidFill>
+              </a:defRPr>
+            </a:pPr>
+            <a:r>
+              <a:rPr lang="en-US" sz="2300" dirty="0" smtClean="0">
+                <a:solidFill>
+                  <a:srgbClr val="FFFFFF"/>
+                </a:solidFill>
+              </a:rPr>
+              <a:t>Introduction</a:t>
+            </a:r>
+            <a:endParaRPr sz="2300" dirty="0">
+              <a:solidFill>
+                <a:srgbClr val="FFFFFF"/>
+              </a:solidFill>
+            </a:endParaRPr>
+          </a:p>
+        </p:txBody>
+      </p:sp>
+      <p:sp>
+        <p:nvSpPr>
+          <p:cNvPr id="16" name="Shape 74"/>
+          <p:cNvSpPr/>
+          <p:nvPr/>
+        </p:nvSpPr>
+        <p:spPr>
+          <a:xfrm>
+            <a:off x="0" y="406400"/>
+            <a:ext cx="14147800" cy="1270000"/>
+          </a:xfrm>
+          <a:prstGeom prst="rect">
+            <a:avLst/>
+          </a:prstGeom>
+          <a:solidFill>
+            <a:srgbClr val="EBEBEB"/>
+          </a:solidFill>
+          <a:ln w="12700">
+            <a:miter lim="400000"/>
+          </a:ln>
+        </p:spPr>
+        <p:txBody>
+          <a:bodyPr lIns="0" tIns="0" rIns="0" bIns="0" anchor="ctr"/>
+          <a:lstStyle/>
+          <a:p>
+            <a:pPr lvl="0">
+              <a:defRPr sz="4000">
+                <a:solidFill>
+                  <a:srgbClr val="FFFFFF"/>
+                </a:solidFill>
+                <a:effectLst>
+                  <a:outerShdw blurRad="38100" dist="12700" dir="5400000" rotWithShape="0">
+                    <a:srgbClr val="000000">
+                      <a:alpha val="50000"/>
+                    </a:srgbClr>
+                  </a:outerShdw>
+                </a:effectLst>
+              </a:defRPr>
+            </a:pPr>
+            <a:endParaRPr/>
+          </a:p>
+        </p:txBody>
+      </p:sp>
+      <p:sp>
+        <p:nvSpPr>
+          <p:cNvPr id="17" name="Shape 75"/>
+          <p:cNvSpPr/>
+          <p:nvPr/>
+        </p:nvSpPr>
+        <p:spPr>
+          <a:xfrm>
+            <a:off x="355600" y="660400"/>
+            <a:ext cx="12280900" cy="749300"/>
+          </a:xfrm>
+          <a:prstGeom prst="rect">
+            <a:avLst/>
+          </a:prstGeom>
+          <a:ln w="12700">
+            <a:miter lim="400000"/>
+          </a:ln>
+          <a:extLst>
+            <a:ext uri="{C572A759-6A51-4108-AA02-DFA0A04FC94B}">
+              <ma14:wrappingTextBoxFlag xmlns:ma14="http://schemas.microsoft.com/office/mac/drawingml/2011/main" val="1"/>
+            </a:ext>
+          </a:extLst>
+        </p:spPr>
+        <p:txBody>
+          <a:bodyPr lIns="50800" tIns="50800" rIns="50800" bIns="50800" anchor="ctr">
+            <a:spAutoFit/>
+          </a:bodyPr>
+          <a:lstStyle>
+            <a:lvl1pPr algn="l">
+              <a:defRPr sz="4500">
+                <a:solidFill>
+                  <a:srgbClr val="B51A00"/>
+                </a:solidFill>
+                <a:latin typeface="Arial"/>
+                <a:ea typeface="Arial"/>
+                <a:cs typeface="Arial"/>
+                <a:sym typeface="Arial"/>
+              </a:defRPr>
+            </a:lvl1pPr>
+          </a:lstStyle>
+          <a:p>
+            <a:pPr lvl="0">
+              <a:defRPr sz="1800">
+                <a:solidFill>
+                  <a:srgbClr val="000000"/>
+                </a:solidFill>
+              </a:defRPr>
+            </a:pPr>
+            <a:r>
+              <a:rPr sz="4500">
+                <a:solidFill>
+                  <a:srgbClr val="B51A00"/>
+                </a:solidFill>
+              </a:rPr>
+              <a:t>Anatomia: cuore e sistema di conduzione</a:t>
             </a:r>
           </a:p>
         </p:txBody>
       </p:sp>
     </p:spTree>
+    <p:extLst>
+      <p:ext uri="{BB962C8B-B14F-4D97-AF65-F5344CB8AC3E}">
+        <p14:creationId xmlns:p14="http://schemas.microsoft.com/office/powerpoint/2010/main" val="1056676495"/>
+      </p:ext>
+    </p:extLst>
+  </p:cSld>
+  <p:clrMapOvr>
+    <a:masterClrMapping/>
+  </p:clrMapOvr>
+  <p:transition spd="med"/>
+</p:sld>
+</file>
+
+<file path=ppt/slides/slide7.xml><?xml version="1.0" encoding="utf-8"?>
+<p:sld xmlns:a="http://schemas.openxmlformats.org/drawingml/2006/main" xmlns:r="http://schemas.openxmlformats.org/officeDocument/2006/relationships" xmlns:p="http://schemas.openxmlformats.org/presentationml/2006/main">
+  <p:cSld>
+    <p:spTree>
+      <p:nvGrpSpPr>
+        <p:cNvPr id="1" name=""/>
+        <p:cNvGrpSpPr/>
+        <p:nvPr/>
+      </p:nvGrpSpPr>
+      <p:grpSpPr>
+        <a:xfrm>
+          <a:off x="0" y="0"/>
+          <a:ext cx="0" cy="0"/>
+          <a:chOff x="0" y="0"/>
+          <a:chExt cx="0" cy="0"/>
+        </a:xfrm>
+      </p:grpSpPr>
+      <p:sp>
+        <p:nvSpPr>
+          <p:cNvPr id="42" name="Shape 42"/>
+          <p:cNvSpPr/>
+          <p:nvPr/>
+        </p:nvSpPr>
+        <p:spPr>
+          <a:xfrm>
+            <a:off x="0" y="0"/>
+            <a:ext cx="6159500" cy="444500"/>
+          </a:xfrm>
+          <a:prstGeom prst="rect">
+            <a:avLst/>
+          </a:prstGeom>
+          <a:solidFill>
+            <a:srgbClr val="B51A00"/>
+          </a:solidFill>
+          <a:ln w="12700">
+            <a:miter lim="400000"/>
+          </a:ln>
+        </p:spPr>
+        <p:txBody>
+          <a:bodyPr lIns="0" tIns="0" rIns="0" bIns="0" anchor="ctr"/>
+          <a:lstStyle/>
+          <a:p>
+            <a:pPr lvl="0">
+              <a:defRPr sz="4000">
+                <a:solidFill>
+                  <a:srgbClr val="FFFFFF"/>
+                </a:solidFill>
+                <a:effectLst>
+                  <a:outerShdw blurRad="38100" dist="12700" dir="5400000" rotWithShape="0">
+                    <a:srgbClr val="000000">
+                      <a:alpha val="50000"/>
+                    </a:srgbClr>
+                  </a:outerShdw>
+                </a:effectLst>
+              </a:defRPr>
+            </a:pPr>
+            <a:endParaRPr/>
+          </a:p>
+        </p:txBody>
+      </p:sp>
+      <p:sp>
+        <p:nvSpPr>
+          <p:cNvPr id="43" name="Shape 43"/>
+          <p:cNvSpPr/>
+          <p:nvPr/>
+        </p:nvSpPr>
+        <p:spPr>
+          <a:xfrm>
+            <a:off x="6159500" y="0"/>
+            <a:ext cx="6845300" cy="444500"/>
+          </a:xfrm>
+          <a:prstGeom prst="rect">
+            <a:avLst/>
+          </a:prstGeom>
+          <a:solidFill>
+            <a:srgbClr val="D6D6D6"/>
+          </a:solidFill>
+          <a:ln w="12700">
+            <a:miter lim="400000"/>
+          </a:ln>
+        </p:spPr>
+        <p:txBody>
+          <a:bodyPr lIns="0" tIns="0" rIns="0" bIns="0" anchor="ctr"/>
+          <a:lstStyle/>
+          <a:p>
+            <a:pPr lvl="0">
+              <a:defRPr sz="4000">
+                <a:solidFill>
+                  <a:srgbClr val="FFFFFF"/>
+                </a:solidFill>
+                <a:effectLst>
+                  <a:outerShdw blurRad="38100" dist="12700" dir="5400000" rotWithShape="0">
+                    <a:srgbClr val="000000">
+                      <a:alpha val="50000"/>
+                    </a:srgbClr>
+                  </a:outerShdw>
+                </a:effectLst>
+              </a:defRPr>
+            </a:pPr>
+            <a:endParaRPr/>
+          </a:p>
+        </p:txBody>
+      </p:sp>
+      <p:sp>
+        <p:nvSpPr>
+          <p:cNvPr id="44" name="Shape 44"/>
+          <p:cNvSpPr/>
+          <p:nvPr/>
+        </p:nvSpPr>
+        <p:spPr>
+          <a:xfrm>
+            <a:off x="-1" y="9245600"/>
+            <a:ext cx="7494777" cy="520700"/>
+          </a:xfrm>
+          <a:prstGeom prst="rect">
+            <a:avLst/>
+          </a:prstGeom>
+          <a:solidFill>
+            <a:srgbClr val="B51A00"/>
+          </a:solidFill>
+          <a:ln w="12700">
+            <a:miter lim="400000"/>
+          </a:ln>
+        </p:spPr>
+        <p:txBody>
+          <a:bodyPr lIns="0" tIns="0" rIns="0" bIns="0" anchor="ctr"/>
+          <a:lstStyle/>
+          <a:p>
+            <a:pPr lvl="0">
+              <a:defRPr sz="4000">
+                <a:solidFill>
+                  <a:srgbClr val="FFFFFF"/>
+                </a:solidFill>
+                <a:effectLst>
+                  <a:outerShdw blurRad="38100" dist="12700" dir="5400000" rotWithShape="0">
+                    <a:srgbClr val="000000">
+                      <a:alpha val="50000"/>
+                    </a:srgbClr>
+                  </a:outerShdw>
+                </a:effectLst>
+              </a:defRPr>
+            </a:pPr>
+            <a:endParaRPr/>
+          </a:p>
+        </p:txBody>
+      </p:sp>
+      <p:sp>
+        <p:nvSpPr>
+          <p:cNvPr id="45" name="Shape 45"/>
+          <p:cNvSpPr/>
+          <p:nvPr/>
+        </p:nvSpPr>
+        <p:spPr>
+          <a:xfrm>
+            <a:off x="7218946" y="9245600"/>
+            <a:ext cx="5785853" cy="520700"/>
+          </a:xfrm>
+          <a:prstGeom prst="rect">
+            <a:avLst/>
+          </a:prstGeom>
+          <a:solidFill>
+            <a:srgbClr val="D6D6D6"/>
+          </a:solidFill>
+          <a:ln w="12700">
+            <a:miter lim="400000"/>
+          </a:ln>
+        </p:spPr>
+        <p:txBody>
+          <a:bodyPr lIns="0" tIns="0" rIns="0" bIns="0" anchor="ctr"/>
+          <a:lstStyle/>
+          <a:p>
+            <a:pPr lvl="0">
+              <a:defRPr sz="4000">
+                <a:solidFill>
+                  <a:srgbClr val="FFFFFF"/>
+                </a:solidFill>
+                <a:effectLst>
+                  <a:outerShdw blurRad="38100" dist="12700" dir="5400000" rotWithShape="0">
+                    <a:srgbClr val="000000">
+                      <a:alpha val="50000"/>
+                    </a:srgbClr>
+                  </a:outerShdw>
+                </a:effectLst>
+              </a:defRPr>
+            </a:pPr>
+            <a:endParaRPr/>
+          </a:p>
+        </p:txBody>
+      </p:sp>
+      <p:sp>
+        <p:nvSpPr>
+          <p:cNvPr id="46" name="Shape 46"/>
+          <p:cNvSpPr/>
+          <p:nvPr/>
+        </p:nvSpPr>
+        <p:spPr>
+          <a:xfrm>
+            <a:off x="881508" y="9245600"/>
+            <a:ext cx="6155531" cy="456535"/>
+          </a:xfrm>
+          <a:prstGeom prst="rect">
+            <a:avLst/>
+          </a:prstGeom>
+          <a:ln w="12700">
+            <a:miter lim="400000"/>
+          </a:ln>
+          <a:extLst>
+            <a:ext uri="{C572A759-6A51-4108-AA02-DFA0A04FC94B}">
+              <ma14:wrappingTextBoxFlag xmlns:ma14="http://schemas.microsoft.com/office/mac/drawingml/2011/main" val="1"/>
+            </a:ext>
+          </a:extLst>
+        </p:spPr>
+        <p:txBody>
+          <a:bodyPr wrap="none" lIns="50800" tIns="50800" rIns="50800" bIns="50800" anchor="ctr">
+            <a:spAutoFit/>
+          </a:bodyPr>
+          <a:lstStyle>
+            <a:lvl1pPr>
+              <a:defRPr sz="2300">
+                <a:solidFill>
+                  <a:srgbClr val="FFFFFF"/>
+                </a:solidFill>
+              </a:defRPr>
+            </a:lvl1pPr>
+          </a:lstStyle>
+          <a:p>
+            <a:pPr lvl="0">
+              <a:defRPr sz="1800">
+                <a:solidFill>
+                  <a:srgbClr val="000000"/>
+                </a:solidFill>
+              </a:defRPr>
+            </a:pPr>
+            <a:r>
+              <a:rPr lang="en-US" sz="2300" dirty="0" err="1" smtClean="0">
+                <a:solidFill>
+                  <a:srgbClr val="FFFFFF"/>
+                </a:solidFill>
+              </a:rPr>
+              <a:t>Ondine</a:t>
+            </a:r>
+            <a:r>
+              <a:rPr lang="en-US" sz="2300" dirty="0" smtClean="0">
+                <a:solidFill>
+                  <a:srgbClr val="FFFFFF"/>
+                </a:solidFill>
+              </a:rPr>
+              <a:t> </a:t>
+            </a:r>
+            <a:r>
+              <a:rPr lang="en-US" sz="2300" dirty="0" err="1" smtClean="0">
+                <a:solidFill>
+                  <a:srgbClr val="FFFFFF"/>
+                </a:solidFill>
+              </a:rPr>
+              <a:t>Chanon</a:t>
+            </a:r>
+            <a:r>
+              <a:rPr lang="en-US" sz="2300" dirty="0" smtClean="0">
+                <a:solidFill>
+                  <a:srgbClr val="FFFFFF"/>
+                </a:solidFill>
+              </a:rPr>
+              <a:t>, Nicolas </a:t>
+            </a:r>
+            <a:r>
+              <a:rPr lang="en-US" sz="2300" dirty="0" err="1" smtClean="0">
+                <a:solidFill>
+                  <a:srgbClr val="FFFFFF"/>
+                </a:solidFill>
+              </a:rPr>
+              <a:t>Hubacher</a:t>
+            </a:r>
+            <a:r>
+              <a:rPr lang="en-US" sz="2300" dirty="0" smtClean="0">
+                <a:solidFill>
+                  <a:srgbClr val="FFFFFF"/>
+                </a:solidFill>
+              </a:rPr>
+              <a:t>, Stefano </a:t>
+            </a:r>
+            <a:r>
+              <a:rPr lang="en-US" sz="2300" dirty="0" err="1" smtClean="0">
+                <a:solidFill>
+                  <a:srgbClr val="FFFFFF"/>
+                </a:solidFill>
+              </a:rPr>
+              <a:t>Savar</a:t>
+            </a:r>
+            <a:r>
+              <a:rPr lang="en-US" sz="2300" dirty="0" err="1" smtClean="0">
+                <a:solidFill>
+                  <a:srgbClr val="FFFFFF"/>
+                </a:solidFill>
+              </a:rPr>
+              <a:t>è</a:t>
+            </a:r>
+            <a:endParaRPr sz="2300" dirty="0">
+              <a:solidFill>
+                <a:srgbClr val="FFFFFF"/>
+              </a:solidFill>
+            </a:endParaRPr>
+          </a:p>
+        </p:txBody>
+      </p:sp>
+      <p:sp>
+        <p:nvSpPr>
+          <p:cNvPr id="47" name="Shape 47"/>
+          <p:cNvSpPr/>
+          <p:nvPr/>
+        </p:nvSpPr>
+        <p:spPr>
+          <a:xfrm>
+            <a:off x="7494777" y="9254939"/>
+            <a:ext cx="2925481" cy="471924"/>
+          </a:xfrm>
+          <a:prstGeom prst="rect">
+            <a:avLst/>
+          </a:prstGeom>
+          <a:ln w="12700">
+            <a:miter lim="400000"/>
+          </a:ln>
+          <a:extLst>
+            <a:ext uri="{C572A759-6A51-4108-AA02-DFA0A04FC94B}">
+              <ma14:wrappingTextBoxFlag xmlns:ma14="http://schemas.microsoft.com/office/mac/drawingml/2011/main" val="1"/>
+            </a:ext>
+          </a:extLst>
+        </p:spPr>
+        <p:txBody>
+          <a:bodyPr wrap="none" lIns="50800" tIns="50800" rIns="50800" bIns="50800" anchor="ctr">
+            <a:spAutoFit/>
+          </a:bodyPr>
+          <a:lstStyle>
+            <a:lvl1pPr>
+              <a:defRPr sz="2300"/>
+            </a:lvl1pPr>
+          </a:lstStyle>
+          <a:p>
+            <a:pPr lvl="0">
+              <a:defRPr sz="1800"/>
+            </a:pPr>
+            <a:r>
+              <a:rPr lang="en-US" sz="2400" dirty="0" smtClean="0"/>
+              <a:t>December, 16th</a:t>
+            </a:r>
+            <a:r>
+              <a:rPr sz="2400" dirty="0" smtClean="0"/>
+              <a:t>  201</a:t>
+            </a:r>
+            <a:r>
+              <a:rPr lang="en-US" sz="2400" dirty="0" smtClean="0"/>
+              <a:t>5</a:t>
+            </a:r>
+            <a:endParaRPr sz="2400" dirty="0"/>
+          </a:p>
+        </p:txBody>
+      </p:sp>
+      <p:sp>
+        <p:nvSpPr>
+          <p:cNvPr id="54" name="Shape 54"/>
+          <p:cNvSpPr/>
+          <p:nvPr/>
+        </p:nvSpPr>
+        <p:spPr>
+          <a:xfrm>
+            <a:off x="4214998" y="-82216"/>
+            <a:ext cx="1603003" cy="456535"/>
+          </a:xfrm>
+          <a:prstGeom prst="rect">
+            <a:avLst/>
+          </a:prstGeom>
+          <a:ln w="12700">
+            <a:miter lim="400000"/>
+          </a:ln>
+          <a:extLst>
+            <a:ext uri="{C572A759-6A51-4108-AA02-DFA0A04FC94B}">
+              <ma14:wrappingTextBoxFlag xmlns:ma14="http://schemas.microsoft.com/office/mac/drawingml/2011/main" val="1"/>
+            </a:ext>
+          </a:extLst>
+        </p:spPr>
+        <p:txBody>
+          <a:bodyPr wrap="none" lIns="50800" tIns="50800" rIns="50800" bIns="50800" anchor="ctr">
+            <a:spAutoFit/>
+          </a:bodyPr>
+          <a:lstStyle>
+            <a:lvl1pPr>
+              <a:defRPr sz="2300">
+                <a:solidFill>
+                  <a:srgbClr val="FFFFFF"/>
+                </a:solidFill>
+              </a:defRPr>
+            </a:lvl1pPr>
+          </a:lstStyle>
+          <a:p>
+            <a:pPr lvl="0">
+              <a:defRPr sz="1800">
+                <a:solidFill>
+                  <a:srgbClr val="000000"/>
+                </a:solidFill>
+              </a:defRPr>
+            </a:pPr>
+            <a:r>
+              <a:rPr lang="en-US" sz="2300" dirty="0" smtClean="0">
+                <a:solidFill>
+                  <a:srgbClr val="FFFFFF"/>
+                </a:solidFill>
+              </a:rPr>
+              <a:t>Introduction</a:t>
+            </a:r>
+            <a:endParaRPr sz="2300" dirty="0">
+              <a:solidFill>
+                <a:srgbClr val="FFFFFF"/>
+              </a:solidFill>
+            </a:endParaRPr>
+          </a:p>
+        </p:txBody>
+      </p:sp>
+      <p:sp>
+        <p:nvSpPr>
+          <p:cNvPr id="16" name="Shape 74"/>
+          <p:cNvSpPr/>
+          <p:nvPr/>
+        </p:nvSpPr>
+        <p:spPr>
+          <a:xfrm>
+            <a:off x="0" y="406400"/>
+            <a:ext cx="14147800" cy="1270000"/>
+          </a:xfrm>
+          <a:prstGeom prst="rect">
+            <a:avLst/>
+          </a:prstGeom>
+          <a:solidFill>
+            <a:srgbClr val="EBEBEB"/>
+          </a:solidFill>
+          <a:ln w="12700">
+            <a:miter lim="400000"/>
+          </a:ln>
+        </p:spPr>
+        <p:txBody>
+          <a:bodyPr lIns="0" tIns="0" rIns="0" bIns="0" anchor="ctr"/>
+          <a:lstStyle/>
+          <a:p>
+            <a:pPr lvl="0">
+              <a:defRPr sz="4000">
+                <a:solidFill>
+                  <a:srgbClr val="FFFFFF"/>
+                </a:solidFill>
+                <a:effectLst>
+                  <a:outerShdw blurRad="38100" dist="12700" dir="5400000" rotWithShape="0">
+                    <a:srgbClr val="000000">
+                      <a:alpha val="50000"/>
+                    </a:srgbClr>
+                  </a:outerShdw>
+                </a:effectLst>
+              </a:defRPr>
+            </a:pPr>
+            <a:endParaRPr/>
+          </a:p>
+        </p:txBody>
+      </p:sp>
+      <p:sp>
+        <p:nvSpPr>
+          <p:cNvPr id="17" name="Shape 75"/>
+          <p:cNvSpPr/>
+          <p:nvPr/>
+        </p:nvSpPr>
+        <p:spPr>
+          <a:xfrm>
+            <a:off x="355600" y="660400"/>
+            <a:ext cx="12280900" cy="749300"/>
+          </a:xfrm>
+          <a:prstGeom prst="rect">
+            <a:avLst/>
+          </a:prstGeom>
+          <a:ln w="12700">
+            <a:miter lim="400000"/>
+          </a:ln>
+          <a:extLst>
+            <a:ext uri="{C572A759-6A51-4108-AA02-DFA0A04FC94B}">
+              <ma14:wrappingTextBoxFlag xmlns:ma14="http://schemas.microsoft.com/office/mac/drawingml/2011/main" val="1"/>
+            </a:ext>
+          </a:extLst>
+        </p:spPr>
+        <p:txBody>
+          <a:bodyPr lIns="50800" tIns="50800" rIns="50800" bIns="50800" anchor="ctr">
+            <a:spAutoFit/>
+          </a:bodyPr>
+          <a:lstStyle>
+            <a:lvl1pPr algn="l">
+              <a:defRPr sz="4500">
+                <a:solidFill>
+                  <a:srgbClr val="B51A00"/>
+                </a:solidFill>
+                <a:latin typeface="Arial"/>
+                <a:ea typeface="Arial"/>
+                <a:cs typeface="Arial"/>
+                <a:sym typeface="Arial"/>
+              </a:defRPr>
+            </a:lvl1pPr>
+          </a:lstStyle>
+          <a:p>
+            <a:pPr lvl="0">
+              <a:defRPr sz="1800">
+                <a:solidFill>
+                  <a:srgbClr val="000000"/>
+                </a:solidFill>
+              </a:defRPr>
+            </a:pPr>
+            <a:r>
+              <a:rPr sz="4500">
+                <a:solidFill>
+                  <a:srgbClr val="B51A00"/>
+                </a:solidFill>
+              </a:rPr>
+              <a:t>Anatomia: cuore e sistema di conduzione</a:t>
+            </a:r>
+          </a:p>
+        </p:txBody>
+      </p:sp>
+    </p:spTree>
+    <p:extLst>
+      <p:ext uri="{BB962C8B-B14F-4D97-AF65-F5344CB8AC3E}">
+        <p14:creationId xmlns:p14="http://schemas.microsoft.com/office/powerpoint/2010/main" val="2019574422"/>
+      </p:ext>
+    </p:extLst>
+  </p:cSld>
+  <p:clrMapOvr>
+    <a:masterClrMapping/>
+  </p:clrMapOvr>
+  <p:transition spd="med"/>
+</p:sld>
+</file>
+
+<file path=ppt/slides/slide8.xml><?xml version="1.0" encoding="utf-8"?>
+<p:sld xmlns:a="http://schemas.openxmlformats.org/drawingml/2006/main" xmlns:r="http://schemas.openxmlformats.org/officeDocument/2006/relationships" xmlns:p="http://schemas.openxmlformats.org/presentationml/2006/main">
+  <p:cSld>
+    <p:spTree>
+      <p:nvGrpSpPr>
+        <p:cNvPr id="1" name=""/>
+        <p:cNvGrpSpPr/>
+        <p:nvPr/>
+      </p:nvGrpSpPr>
+      <p:grpSpPr>
+        <a:xfrm>
+          <a:off x="0" y="0"/>
+          <a:ext cx="0" cy="0"/>
+          <a:chOff x="0" y="0"/>
+          <a:chExt cx="0" cy="0"/>
+        </a:xfrm>
+      </p:grpSpPr>
+      <p:sp>
+        <p:nvSpPr>
+          <p:cNvPr id="42" name="Shape 42"/>
+          <p:cNvSpPr/>
+          <p:nvPr/>
+        </p:nvSpPr>
+        <p:spPr>
+          <a:xfrm>
+            <a:off x="0" y="0"/>
+            <a:ext cx="6159500" cy="444500"/>
+          </a:xfrm>
+          <a:prstGeom prst="rect">
+            <a:avLst/>
+          </a:prstGeom>
+          <a:solidFill>
+            <a:srgbClr val="B51A00"/>
+          </a:solidFill>
+          <a:ln w="12700">
+            <a:miter lim="400000"/>
+          </a:ln>
+        </p:spPr>
+        <p:txBody>
+          <a:bodyPr lIns="0" tIns="0" rIns="0" bIns="0" anchor="ctr"/>
+          <a:lstStyle/>
+          <a:p>
+            <a:pPr lvl="0">
+              <a:defRPr sz="4000">
+                <a:solidFill>
+                  <a:srgbClr val="FFFFFF"/>
+                </a:solidFill>
+                <a:effectLst>
+                  <a:outerShdw blurRad="38100" dist="12700" dir="5400000" rotWithShape="0">
+                    <a:srgbClr val="000000">
+                      <a:alpha val="50000"/>
+                    </a:srgbClr>
+                  </a:outerShdw>
+                </a:effectLst>
+              </a:defRPr>
+            </a:pPr>
+            <a:endParaRPr/>
+          </a:p>
+        </p:txBody>
+      </p:sp>
+      <p:sp>
+        <p:nvSpPr>
+          <p:cNvPr id="43" name="Shape 43"/>
+          <p:cNvSpPr/>
+          <p:nvPr/>
+        </p:nvSpPr>
+        <p:spPr>
+          <a:xfrm>
+            <a:off x="6159500" y="0"/>
+            <a:ext cx="6845300" cy="444500"/>
+          </a:xfrm>
+          <a:prstGeom prst="rect">
+            <a:avLst/>
+          </a:prstGeom>
+          <a:solidFill>
+            <a:srgbClr val="D6D6D6"/>
+          </a:solidFill>
+          <a:ln w="12700">
+            <a:miter lim="400000"/>
+          </a:ln>
+        </p:spPr>
+        <p:txBody>
+          <a:bodyPr lIns="0" tIns="0" rIns="0" bIns="0" anchor="ctr"/>
+          <a:lstStyle/>
+          <a:p>
+            <a:pPr lvl="0">
+              <a:defRPr sz="4000">
+                <a:solidFill>
+                  <a:srgbClr val="FFFFFF"/>
+                </a:solidFill>
+                <a:effectLst>
+                  <a:outerShdw blurRad="38100" dist="12700" dir="5400000" rotWithShape="0">
+                    <a:srgbClr val="000000">
+                      <a:alpha val="50000"/>
+                    </a:srgbClr>
+                  </a:outerShdw>
+                </a:effectLst>
+              </a:defRPr>
+            </a:pPr>
+            <a:endParaRPr/>
+          </a:p>
+        </p:txBody>
+      </p:sp>
+      <p:sp>
+        <p:nvSpPr>
+          <p:cNvPr id="44" name="Shape 44"/>
+          <p:cNvSpPr/>
+          <p:nvPr/>
+        </p:nvSpPr>
+        <p:spPr>
+          <a:xfrm>
+            <a:off x="-1" y="9245600"/>
+            <a:ext cx="7494777" cy="520700"/>
+          </a:xfrm>
+          <a:prstGeom prst="rect">
+            <a:avLst/>
+          </a:prstGeom>
+          <a:solidFill>
+            <a:srgbClr val="B51A00"/>
+          </a:solidFill>
+          <a:ln w="12700">
+            <a:miter lim="400000"/>
+          </a:ln>
+        </p:spPr>
+        <p:txBody>
+          <a:bodyPr lIns="0" tIns="0" rIns="0" bIns="0" anchor="ctr"/>
+          <a:lstStyle/>
+          <a:p>
+            <a:pPr lvl="0">
+              <a:defRPr sz="4000">
+                <a:solidFill>
+                  <a:srgbClr val="FFFFFF"/>
+                </a:solidFill>
+                <a:effectLst>
+                  <a:outerShdw blurRad="38100" dist="12700" dir="5400000" rotWithShape="0">
+                    <a:srgbClr val="000000">
+                      <a:alpha val="50000"/>
+                    </a:srgbClr>
+                  </a:outerShdw>
+                </a:effectLst>
+              </a:defRPr>
+            </a:pPr>
+            <a:endParaRPr/>
+          </a:p>
+        </p:txBody>
+      </p:sp>
+      <p:sp>
+        <p:nvSpPr>
+          <p:cNvPr id="45" name="Shape 45"/>
+          <p:cNvSpPr/>
+          <p:nvPr/>
+        </p:nvSpPr>
+        <p:spPr>
+          <a:xfrm>
+            <a:off x="7218946" y="9245600"/>
+            <a:ext cx="5785853" cy="520700"/>
+          </a:xfrm>
+          <a:prstGeom prst="rect">
+            <a:avLst/>
+          </a:prstGeom>
+          <a:solidFill>
+            <a:srgbClr val="D6D6D6"/>
+          </a:solidFill>
+          <a:ln w="12700">
+            <a:miter lim="400000"/>
+          </a:ln>
+        </p:spPr>
+        <p:txBody>
+          <a:bodyPr lIns="0" tIns="0" rIns="0" bIns="0" anchor="ctr"/>
+          <a:lstStyle/>
+          <a:p>
+            <a:pPr lvl="0">
+              <a:defRPr sz="4000">
+                <a:solidFill>
+                  <a:srgbClr val="FFFFFF"/>
+                </a:solidFill>
+                <a:effectLst>
+                  <a:outerShdw blurRad="38100" dist="12700" dir="5400000" rotWithShape="0">
+                    <a:srgbClr val="000000">
+                      <a:alpha val="50000"/>
+                    </a:srgbClr>
+                  </a:outerShdw>
+                </a:effectLst>
+              </a:defRPr>
+            </a:pPr>
+            <a:endParaRPr/>
+          </a:p>
+        </p:txBody>
+      </p:sp>
+      <p:sp>
+        <p:nvSpPr>
+          <p:cNvPr id="46" name="Shape 46"/>
+          <p:cNvSpPr/>
+          <p:nvPr/>
+        </p:nvSpPr>
+        <p:spPr>
+          <a:xfrm>
+            <a:off x="881508" y="9245600"/>
+            <a:ext cx="6155531" cy="456535"/>
+          </a:xfrm>
+          <a:prstGeom prst="rect">
+            <a:avLst/>
+          </a:prstGeom>
+          <a:ln w="12700">
+            <a:miter lim="400000"/>
+          </a:ln>
+          <a:extLst>
+            <a:ext uri="{C572A759-6A51-4108-AA02-DFA0A04FC94B}">
+              <ma14:wrappingTextBoxFlag xmlns:ma14="http://schemas.microsoft.com/office/mac/drawingml/2011/main" val="1"/>
+            </a:ext>
+          </a:extLst>
+        </p:spPr>
+        <p:txBody>
+          <a:bodyPr wrap="none" lIns="50800" tIns="50800" rIns="50800" bIns="50800" anchor="ctr">
+            <a:spAutoFit/>
+          </a:bodyPr>
+          <a:lstStyle>
+            <a:lvl1pPr>
+              <a:defRPr sz="2300">
+                <a:solidFill>
+                  <a:srgbClr val="FFFFFF"/>
+                </a:solidFill>
+              </a:defRPr>
+            </a:lvl1pPr>
+          </a:lstStyle>
+          <a:p>
+            <a:pPr lvl="0">
+              <a:defRPr sz="1800">
+                <a:solidFill>
+                  <a:srgbClr val="000000"/>
+                </a:solidFill>
+              </a:defRPr>
+            </a:pPr>
+            <a:r>
+              <a:rPr lang="en-US" sz="2300" dirty="0" err="1" smtClean="0">
+                <a:solidFill>
+                  <a:srgbClr val="FFFFFF"/>
+                </a:solidFill>
+              </a:rPr>
+              <a:t>Ondine</a:t>
+            </a:r>
+            <a:r>
+              <a:rPr lang="en-US" sz="2300" dirty="0" smtClean="0">
+                <a:solidFill>
+                  <a:srgbClr val="FFFFFF"/>
+                </a:solidFill>
+              </a:rPr>
+              <a:t> </a:t>
+            </a:r>
+            <a:r>
+              <a:rPr lang="en-US" sz="2300" dirty="0" err="1" smtClean="0">
+                <a:solidFill>
+                  <a:srgbClr val="FFFFFF"/>
+                </a:solidFill>
+              </a:rPr>
+              <a:t>Chanon</a:t>
+            </a:r>
+            <a:r>
+              <a:rPr lang="en-US" sz="2300" dirty="0" smtClean="0">
+                <a:solidFill>
+                  <a:srgbClr val="FFFFFF"/>
+                </a:solidFill>
+              </a:rPr>
+              <a:t>, Nicolas </a:t>
+            </a:r>
+            <a:r>
+              <a:rPr lang="en-US" sz="2300" dirty="0" err="1" smtClean="0">
+                <a:solidFill>
+                  <a:srgbClr val="FFFFFF"/>
+                </a:solidFill>
+              </a:rPr>
+              <a:t>Hubacher</a:t>
+            </a:r>
+            <a:r>
+              <a:rPr lang="en-US" sz="2300" dirty="0" smtClean="0">
+                <a:solidFill>
+                  <a:srgbClr val="FFFFFF"/>
+                </a:solidFill>
+              </a:rPr>
+              <a:t>, Stefano </a:t>
+            </a:r>
+            <a:r>
+              <a:rPr lang="en-US" sz="2300" dirty="0" err="1" smtClean="0">
+                <a:solidFill>
+                  <a:srgbClr val="FFFFFF"/>
+                </a:solidFill>
+              </a:rPr>
+              <a:t>Savar</a:t>
+            </a:r>
+            <a:r>
+              <a:rPr lang="en-US" sz="2300" dirty="0" err="1" smtClean="0">
+                <a:solidFill>
+                  <a:srgbClr val="FFFFFF"/>
+                </a:solidFill>
+              </a:rPr>
+              <a:t>è</a:t>
+            </a:r>
+            <a:endParaRPr sz="2300" dirty="0">
+              <a:solidFill>
+                <a:srgbClr val="FFFFFF"/>
+              </a:solidFill>
+            </a:endParaRPr>
+          </a:p>
+        </p:txBody>
+      </p:sp>
+      <p:sp>
+        <p:nvSpPr>
+          <p:cNvPr id="47" name="Shape 47"/>
+          <p:cNvSpPr/>
+          <p:nvPr/>
+        </p:nvSpPr>
+        <p:spPr>
+          <a:xfrm>
+            <a:off x="7494777" y="9254939"/>
+            <a:ext cx="2925481" cy="471924"/>
+          </a:xfrm>
+          <a:prstGeom prst="rect">
+            <a:avLst/>
+          </a:prstGeom>
+          <a:ln w="12700">
+            <a:miter lim="400000"/>
+          </a:ln>
+          <a:extLst>
+            <a:ext uri="{C572A759-6A51-4108-AA02-DFA0A04FC94B}">
+              <ma14:wrappingTextBoxFlag xmlns:ma14="http://schemas.microsoft.com/office/mac/drawingml/2011/main" val="1"/>
+            </a:ext>
+          </a:extLst>
+        </p:spPr>
+        <p:txBody>
+          <a:bodyPr wrap="none" lIns="50800" tIns="50800" rIns="50800" bIns="50800" anchor="ctr">
+            <a:spAutoFit/>
+          </a:bodyPr>
+          <a:lstStyle>
+            <a:lvl1pPr>
+              <a:defRPr sz="2300"/>
+            </a:lvl1pPr>
+          </a:lstStyle>
+          <a:p>
+            <a:pPr lvl="0">
+              <a:defRPr sz="1800"/>
+            </a:pPr>
+            <a:r>
+              <a:rPr lang="en-US" sz="2400" dirty="0" smtClean="0"/>
+              <a:t>December, 16th</a:t>
+            </a:r>
+            <a:r>
+              <a:rPr sz="2400" dirty="0" smtClean="0"/>
+              <a:t>  201</a:t>
+            </a:r>
+            <a:r>
+              <a:rPr lang="en-US" sz="2400" dirty="0" smtClean="0"/>
+              <a:t>5</a:t>
+            </a:r>
+            <a:endParaRPr sz="2400" dirty="0"/>
+          </a:p>
+        </p:txBody>
+      </p:sp>
+      <p:sp>
+        <p:nvSpPr>
+          <p:cNvPr id="54" name="Shape 54"/>
+          <p:cNvSpPr/>
+          <p:nvPr/>
+        </p:nvSpPr>
+        <p:spPr>
+          <a:xfrm>
+            <a:off x="4214998" y="-82216"/>
+            <a:ext cx="1603003" cy="456535"/>
+          </a:xfrm>
+          <a:prstGeom prst="rect">
+            <a:avLst/>
+          </a:prstGeom>
+          <a:ln w="12700">
+            <a:miter lim="400000"/>
+          </a:ln>
+          <a:extLst>
+            <a:ext uri="{C572A759-6A51-4108-AA02-DFA0A04FC94B}">
+              <ma14:wrappingTextBoxFlag xmlns:ma14="http://schemas.microsoft.com/office/mac/drawingml/2011/main" val="1"/>
+            </a:ext>
+          </a:extLst>
+        </p:spPr>
+        <p:txBody>
+          <a:bodyPr wrap="none" lIns="50800" tIns="50800" rIns="50800" bIns="50800" anchor="ctr">
+            <a:spAutoFit/>
+          </a:bodyPr>
+          <a:lstStyle>
+            <a:lvl1pPr>
+              <a:defRPr sz="2300">
+                <a:solidFill>
+                  <a:srgbClr val="FFFFFF"/>
+                </a:solidFill>
+              </a:defRPr>
+            </a:lvl1pPr>
+          </a:lstStyle>
+          <a:p>
+            <a:pPr lvl="0">
+              <a:defRPr sz="1800">
+                <a:solidFill>
+                  <a:srgbClr val="000000"/>
+                </a:solidFill>
+              </a:defRPr>
+            </a:pPr>
+            <a:r>
+              <a:rPr lang="en-US" sz="2300" dirty="0" smtClean="0">
+                <a:solidFill>
+                  <a:srgbClr val="FFFFFF"/>
+                </a:solidFill>
+              </a:rPr>
+              <a:t>Introduction</a:t>
+            </a:r>
+            <a:endParaRPr sz="2300" dirty="0">
+              <a:solidFill>
+                <a:srgbClr val="FFFFFF"/>
+              </a:solidFill>
+            </a:endParaRPr>
+          </a:p>
+        </p:txBody>
+      </p:sp>
+      <p:sp>
+        <p:nvSpPr>
+          <p:cNvPr id="16" name="Shape 74"/>
+          <p:cNvSpPr/>
+          <p:nvPr/>
+        </p:nvSpPr>
+        <p:spPr>
+          <a:xfrm>
+            <a:off x="0" y="406400"/>
+            <a:ext cx="14147800" cy="1270000"/>
+          </a:xfrm>
+          <a:prstGeom prst="rect">
+            <a:avLst/>
+          </a:prstGeom>
+          <a:solidFill>
+            <a:srgbClr val="EBEBEB"/>
+          </a:solidFill>
+          <a:ln w="12700">
+            <a:miter lim="400000"/>
+          </a:ln>
+        </p:spPr>
+        <p:txBody>
+          <a:bodyPr lIns="0" tIns="0" rIns="0" bIns="0" anchor="ctr"/>
+          <a:lstStyle/>
+          <a:p>
+            <a:pPr lvl="0">
+              <a:defRPr sz="4000">
+                <a:solidFill>
+                  <a:srgbClr val="FFFFFF"/>
+                </a:solidFill>
+                <a:effectLst>
+                  <a:outerShdw blurRad="38100" dist="12700" dir="5400000" rotWithShape="0">
+                    <a:srgbClr val="000000">
+                      <a:alpha val="50000"/>
+                    </a:srgbClr>
+                  </a:outerShdw>
+                </a:effectLst>
+              </a:defRPr>
+            </a:pPr>
+            <a:endParaRPr/>
+          </a:p>
+        </p:txBody>
+      </p:sp>
+      <p:sp>
+        <p:nvSpPr>
+          <p:cNvPr id="17" name="Shape 75"/>
+          <p:cNvSpPr/>
+          <p:nvPr/>
+        </p:nvSpPr>
+        <p:spPr>
+          <a:xfrm>
+            <a:off x="355600" y="660400"/>
+            <a:ext cx="12280900" cy="749300"/>
+          </a:xfrm>
+          <a:prstGeom prst="rect">
+            <a:avLst/>
+          </a:prstGeom>
+          <a:ln w="12700">
+            <a:miter lim="400000"/>
+          </a:ln>
+          <a:extLst>
+            <a:ext uri="{C572A759-6A51-4108-AA02-DFA0A04FC94B}">
+              <ma14:wrappingTextBoxFlag xmlns:ma14="http://schemas.microsoft.com/office/mac/drawingml/2011/main" val="1"/>
+            </a:ext>
+          </a:extLst>
+        </p:spPr>
+        <p:txBody>
+          <a:bodyPr lIns="50800" tIns="50800" rIns="50800" bIns="50800" anchor="ctr">
+            <a:spAutoFit/>
+          </a:bodyPr>
+          <a:lstStyle>
+            <a:lvl1pPr algn="l">
+              <a:defRPr sz="4500">
+                <a:solidFill>
+                  <a:srgbClr val="B51A00"/>
+                </a:solidFill>
+                <a:latin typeface="Arial"/>
+                <a:ea typeface="Arial"/>
+                <a:cs typeface="Arial"/>
+                <a:sym typeface="Arial"/>
+              </a:defRPr>
+            </a:lvl1pPr>
+          </a:lstStyle>
+          <a:p>
+            <a:pPr lvl="0">
+              <a:defRPr sz="1800">
+                <a:solidFill>
+                  <a:srgbClr val="000000"/>
+                </a:solidFill>
+              </a:defRPr>
+            </a:pPr>
+            <a:r>
+              <a:rPr sz="4500">
+                <a:solidFill>
+                  <a:srgbClr val="B51A00"/>
+                </a:solidFill>
+              </a:rPr>
+              <a:t>Anatomia: cuore e sistema di conduzione</a:t>
+            </a:r>
+          </a:p>
+        </p:txBody>
+      </p:sp>
+    </p:spTree>
+    <p:extLst>
+      <p:ext uri="{BB962C8B-B14F-4D97-AF65-F5344CB8AC3E}">
+        <p14:creationId xmlns:p14="http://schemas.microsoft.com/office/powerpoint/2010/main" val="2008269719"/>
+      </p:ext>
+    </p:extLst>
+  </p:cSld>
+  <p:clrMapOvr>
+    <a:masterClrMapping/>
+  </p:clrMapOvr>
+  <p:transition spd="med"/>
+</p:sld>
+</file>
+
+<file path=ppt/slides/slide9.xml><?xml version="1.0" encoding="utf-8"?>
+<p:sld xmlns:a="http://schemas.openxmlformats.org/drawingml/2006/main" xmlns:r="http://schemas.openxmlformats.org/officeDocument/2006/relationships" xmlns:p="http://schemas.openxmlformats.org/presentationml/2006/main">
+  <p:cSld>
+    <p:spTree>
+      <p:nvGrpSpPr>
+        <p:cNvPr id="1" name=""/>
+        <p:cNvGrpSpPr/>
+        <p:nvPr/>
+      </p:nvGrpSpPr>
+      <p:grpSpPr>
+        <a:xfrm>
+          <a:off x="0" y="0"/>
+          <a:ext cx="0" cy="0"/>
+          <a:chOff x="0" y="0"/>
+          <a:chExt cx="0" cy="0"/>
+        </a:xfrm>
+      </p:grpSpPr>
+      <p:sp>
+        <p:nvSpPr>
+          <p:cNvPr id="42" name="Shape 42"/>
+          <p:cNvSpPr/>
+          <p:nvPr/>
+        </p:nvSpPr>
+        <p:spPr>
+          <a:xfrm>
+            <a:off x="0" y="0"/>
+            <a:ext cx="6159500" cy="444500"/>
+          </a:xfrm>
+          <a:prstGeom prst="rect">
+            <a:avLst/>
+          </a:prstGeom>
+          <a:solidFill>
+            <a:srgbClr val="B51A00"/>
+          </a:solidFill>
+          <a:ln w="12700">
+            <a:miter lim="400000"/>
+          </a:ln>
+        </p:spPr>
+        <p:txBody>
+          <a:bodyPr lIns="0" tIns="0" rIns="0" bIns="0" anchor="ctr"/>
+          <a:lstStyle/>
+          <a:p>
+            <a:pPr lvl="0">
+              <a:defRPr sz="4000">
+                <a:solidFill>
+                  <a:srgbClr val="FFFFFF"/>
+                </a:solidFill>
+                <a:effectLst>
+                  <a:outerShdw blurRad="38100" dist="12700" dir="5400000" rotWithShape="0">
+                    <a:srgbClr val="000000">
+                      <a:alpha val="50000"/>
+                    </a:srgbClr>
+                  </a:outerShdw>
+                </a:effectLst>
+              </a:defRPr>
+            </a:pPr>
+            <a:endParaRPr/>
+          </a:p>
+        </p:txBody>
+      </p:sp>
+      <p:sp>
+        <p:nvSpPr>
+          <p:cNvPr id="43" name="Shape 43"/>
+          <p:cNvSpPr/>
+          <p:nvPr/>
+        </p:nvSpPr>
+        <p:spPr>
+          <a:xfrm>
+            <a:off x="6159500" y="0"/>
+            <a:ext cx="6845300" cy="444500"/>
+          </a:xfrm>
+          <a:prstGeom prst="rect">
+            <a:avLst/>
+          </a:prstGeom>
+          <a:solidFill>
+            <a:srgbClr val="D6D6D6"/>
+          </a:solidFill>
+          <a:ln w="12700">
+            <a:miter lim="400000"/>
+          </a:ln>
+        </p:spPr>
+        <p:txBody>
+          <a:bodyPr lIns="0" tIns="0" rIns="0" bIns="0" anchor="ctr"/>
+          <a:lstStyle/>
+          <a:p>
+            <a:pPr lvl="0">
+              <a:defRPr sz="4000">
+                <a:solidFill>
+                  <a:srgbClr val="FFFFFF"/>
+                </a:solidFill>
+                <a:effectLst>
+                  <a:outerShdw blurRad="38100" dist="12700" dir="5400000" rotWithShape="0">
+                    <a:srgbClr val="000000">
+                      <a:alpha val="50000"/>
+                    </a:srgbClr>
+                  </a:outerShdw>
+                </a:effectLst>
+              </a:defRPr>
+            </a:pPr>
+            <a:endParaRPr/>
+          </a:p>
+        </p:txBody>
+      </p:sp>
+      <p:sp>
+        <p:nvSpPr>
+          <p:cNvPr id="44" name="Shape 44"/>
+          <p:cNvSpPr/>
+          <p:nvPr/>
+        </p:nvSpPr>
+        <p:spPr>
+          <a:xfrm>
+            <a:off x="-1" y="9245600"/>
+            <a:ext cx="7494777" cy="520700"/>
+          </a:xfrm>
+          <a:prstGeom prst="rect">
+            <a:avLst/>
+          </a:prstGeom>
+          <a:solidFill>
+            <a:srgbClr val="B51A00"/>
+          </a:solidFill>
+          <a:ln w="12700">
+            <a:miter lim="400000"/>
+          </a:ln>
+        </p:spPr>
+        <p:txBody>
+          <a:bodyPr lIns="0" tIns="0" rIns="0" bIns="0" anchor="ctr"/>
+          <a:lstStyle/>
+          <a:p>
+            <a:pPr lvl="0">
+              <a:defRPr sz="4000">
+                <a:solidFill>
+                  <a:srgbClr val="FFFFFF"/>
+                </a:solidFill>
+                <a:effectLst>
+                  <a:outerShdw blurRad="38100" dist="12700" dir="5400000" rotWithShape="0">
+                    <a:srgbClr val="000000">
+                      <a:alpha val="50000"/>
+                    </a:srgbClr>
+                  </a:outerShdw>
+                </a:effectLst>
+              </a:defRPr>
+            </a:pPr>
+            <a:endParaRPr/>
+          </a:p>
+        </p:txBody>
+      </p:sp>
+      <p:sp>
+        <p:nvSpPr>
+          <p:cNvPr id="45" name="Shape 45"/>
+          <p:cNvSpPr/>
+          <p:nvPr/>
+        </p:nvSpPr>
+        <p:spPr>
+          <a:xfrm>
+            <a:off x="7218946" y="9245600"/>
+            <a:ext cx="5785853" cy="520700"/>
+          </a:xfrm>
+          <a:prstGeom prst="rect">
+            <a:avLst/>
+          </a:prstGeom>
+          <a:solidFill>
+            <a:srgbClr val="D6D6D6"/>
+          </a:solidFill>
+          <a:ln w="12700">
+            <a:miter lim="400000"/>
+          </a:ln>
+        </p:spPr>
+        <p:txBody>
+          <a:bodyPr lIns="0" tIns="0" rIns="0" bIns="0" anchor="ctr"/>
+          <a:lstStyle/>
+          <a:p>
+            <a:pPr lvl="0">
+              <a:defRPr sz="4000">
+                <a:solidFill>
+                  <a:srgbClr val="FFFFFF"/>
+                </a:solidFill>
+                <a:effectLst>
+                  <a:outerShdw blurRad="38100" dist="12700" dir="5400000" rotWithShape="0">
+                    <a:srgbClr val="000000">
+                      <a:alpha val="50000"/>
+                    </a:srgbClr>
+                  </a:outerShdw>
+                </a:effectLst>
+              </a:defRPr>
+            </a:pPr>
+            <a:endParaRPr/>
+          </a:p>
+        </p:txBody>
+      </p:sp>
+      <p:sp>
+        <p:nvSpPr>
+          <p:cNvPr id="46" name="Shape 46"/>
+          <p:cNvSpPr/>
+          <p:nvPr/>
+        </p:nvSpPr>
+        <p:spPr>
+          <a:xfrm>
+            <a:off x="881508" y="9245600"/>
+            <a:ext cx="6155531" cy="456535"/>
+          </a:xfrm>
+          <a:prstGeom prst="rect">
+            <a:avLst/>
+          </a:prstGeom>
+          <a:ln w="12700">
+            <a:miter lim="400000"/>
+          </a:ln>
+          <a:extLst>
+            <a:ext uri="{C572A759-6A51-4108-AA02-DFA0A04FC94B}">
+              <ma14:wrappingTextBoxFlag xmlns:ma14="http://schemas.microsoft.com/office/mac/drawingml/2011/main" val="1"/>
+            </a:ext>
+          </a:extLst>
+        </p:spPr>
+        <p:txBody>
+          <a:bodyPr wrap="none" lIns="50800" tIns="50800" rIns="50800" bIns="50800" anchor="ctr">
+            <a:spAutoFit/>
+          </a:bodyPr>
+          <a:lstStyle>
+            <a:lvl1pPr>
+              <a:defRPr sz="2300">
+                <a:solidFill>
+                  <a:srgbClr val="FFFFFF"/>
+                </a:solidFill>
+              </a:defRPr>
+            </a:lvl1pPr>
+          </a:lstStyle>
+          <a:p>
+            <a:pPr lvl="0">
+              <a:defRPr sz="1800">
+                <a:solidFill>
+                  <a:srgbClr val="000000"/>
+                </a:solidFill>
+              </a:defRPr>
+            </a:pPr>
+            <a:r>
+              <a:rPr lang="en-US" sz="2300" dirty="0" err="1" smtClean="0">
+                <a:solidFill>
+                  <a:srgbClr val="FFFFFF"/>
+                </a:solidFill>
+              </a:rPr>
+              <a:t>Ondine</a:t>
+            </a:r>
+            <a:r>
+              <a:rPr lang="en-US" sz="2300" dirty="0" smtClean="0">
+                <a:solidFill>
+                  <a:srgbClr val="FFFFFF"/>
+                </a:solidFill>
+              </a:rPr>
+              <a:t> </a:t>
+            </a:r>
+            <a:r>
+              <a:rPr lang="en-US" sz="2300" dirty="0" err="1" smtClean="0">
+                <a:solidFill>
+                  <a:srgbClr val="FFFFFF"/>
+                </a:solidFill>
+              </a:rPr>
+              <a:t>Chanon</a:t>
+            </a:r>
+            <a:r>
+              <a:rPr lang="en-US" sz="2300" dirty="0" smtClean="0">
+                <a:solidFill>
+                  <a:srgbClr val="FFFFFF"/>
+                </a:solidFill>
+              </a:rPr>
+              <a:t>, Nicolas </a:t>
+            </a:r>
+            <a:r>
+              <a:rPr lang="en-US" sz="2300" dirty="0" err="1" smtClean="0">
+                <a:solidFill>
+                  <a:srgbClr val="FFFFFF"/>
+                </a:solidFill>
+              </a:rPr>
+              <a:t>Hubacher</a:t>
+            </a:r>
+            <a:r>
+              <a:rPr lang="en-US" sz="2300" dirty="0" smtClean="0">
+                <a:solidFill>
+                  <a:srgbClr val="FFFFFF"/>
+                </a:solidFill>
+              </a:rPr>
+              <a:t>, Stefano </a:t>
+            </a:r>
+            <a:r>
+              <a:rPr lang="en-US" sz="2300" dirty="0" err="1" smtClean="0">
+                <a:solidFill>
+                  <a:srgbClr val="FFFFFF"/>
+                </a:solidFill>
+              </a:rPr>
+              <a:t>Savar</a:t>
+            </a:r>
+            <a:r>
+              <a:rPr lang="en-US" sz="2300" dirty="0" err="1" smtClean="0">
+                <a:solidFill>
+                  <a:srgbClr val="FFFFFF"/>
+                </a:solidFill>
+              </a:rPr>
+              <a:t>è</a:t>
+            </a:r>
+            <a:endParaRPr sz="2300" dirty="0">
+              <a:solidFill>
+                <a:srgbClr val="FFFFFF"/>
+              </a:solidFill>
+            </a:endParaRPr>
+          </a:p>
+        </p:txBody>
+      </p:sp>
+      <p:sp>
+        <p:nvSpPr>
+          <p:cNvPr id="47" name="Shape 47"/>
+          <p:cNvSpPr/>
+          <p:nvPr/>
+        </p:nvSpPr>
+        <p:spPr>
+          <a:xfrm>
+            <a:off x="7494777" y="9254939"/>
+            <a:ext cx="2925481" cy="471924"/>
+          </a:xfrm>
+          <a:prstGeom prst="rect">
+            <a:avLst/>
+          </a:prstGeom>
+          <a:ln w="12700">
+            <a:miter lim="400000"/>
+          </a:ln>
+          <a:extLst>
+            <a:ext uri="{C572A759-6A51-4108-AA02-DFA0A04FC94B}">
+              <ma14:wrappingTextBoxFlag xmlns:ma14="http://schemas.microsoft.com/office/mac/drawingml/2011/main" val="1"/>
+            </a:ext>
+          </a:extLst>
+        </p:spPr>
+        <p:txBody>
+          <a:bodyPr wrap="none" lIns="50800" tIns="50800" rIns="50800" bIns="50800" anchor="ctr">
+            <a:spAutoFit/>
+          </a:bodyPr>
+          <a:lstStyle>
+            <a:lvl1pPr>
+              <a:defRPr sz="2300"/>
+            </a:lvl1pPr>
+          </a:lstStyle>
+          <a:p>
+            <a:pPr lvl="0">
+              <a:defRPr sz="1800"/>
+            </a:pPr>
+            <a:r>
+              <a:rPr lang="en-US" sz="2400" dirty="0" smtClean="0"/>
+              <a:t>December, 16th</a:t>
+            </a:r>
+            <a:r>
+              <a:rPr sz="2400" dirty="0" smtClean="0"/>
+              <a:t>  201</a:t>
+            </a:r>
+            <a:r>
+              <a:rPr lang="en-US" sz="2400" dirty="0" smtClean="0"/>
+              <a:t>5</a:t>
+            </a:r>
+            <a:endParaRPr sz="2400" dirty="0"/>
+          </a:p>
+        </p:txBody>
+      </p:sp>
+      <p:sp>
+        <p:nvSpPr>
+          <p:cNvPr id="54" name="Shape 54"/>
+          <p:cNvSpPr/>
+          <p:nvPr/>
+        </p:nvSpPr>
+        <p:spPr>
+          <a:xfrm>
+            <a:off x="4214998" y="-82216"/>
+            <a:ext cx="1603003" cy="456535"/>
+          </a:xfrm>
+          <a:prstGeom prst="rect">
+            <a:avLst/>
+          </a:prstGeom>
+          <a:ln w="12700">
+            <a:miter lim="400000"/>
+          </a:ln>
+          <a:extLst>
+            <a:ext uri="{C572A759-6A51-4108-AA02-DFA0A04FC94B}">
+              <ma14:wrappingTextBoxFlag xmlns:ma14="http://schemas.microsoft.com/office/mac/drawingml/2011/main" val="1"/>
+            </a:ext>
+          </a:extLst>
+        </p:spPr>
+        <p:txBody>
+          <a:bodyPr wrap="none" lIns="50800" tIns="50800" rIns="50800" bIns="50800" anchor="ctr">
+            <a:spAutoFit/>
+          </a:bodyPr>
+          <a:lstStyle>
+            <a:lvl1pPr>
+              <a:defRPr sz="2300">
+                <a:solidFill>
+                  <a:srgbClr val="FFFFFF"/>
+                </a:solidFill>
+              </a:defRPr>
+            </a:lvl1pPr>
+          </a:lstStyle>
+          <a:p>
+            <a:pPr lvl="0">
+              <a:defRPr sz="1800">
+                <a:solidFill>
+                  <a:srgbClr val="000000"/>
+                </a:solidFill>
+              </a:defRPr>
+            </a:pPr>
+            <a:r>
+              <a:rPr lang="en-US" sz="2300" dirty="0" smtClean="0">
+                <a:solidFill>
+                  <a:srgbClr val="FFFFFF"/>
+                </a:solidFill>
+              </a:rPr>
+              <a:t>Introduction</a:t>
+            </a:r>
+            <a:endParaRPr sz="2300" dirty="0">
+              <a:solidFill>
+                <a:srgbClr val="FFFFFF"/>
+              </a:solidFill>
+            </a:endParaRPr>
+          </a:p>
+        </p:txBody>
+      </p:sp>
+      <p:sp>
+        <p:nvSpPr>
+          <p:cNvPr id="16" name="Shape 74"/>
+          <p:cNvSpPr/>
+          <p:nvPr/>
+        </p:nvSpPr>
+        <p:spPr>
+          <a:xfrm>
+            <a:off x="0" y="406400"/>
+            <a:ext cx="14147800" cy="1270000"/>
+          </a:xfrm>
+          <a:prstGeom prst="rect">
+            <a:avLst/>
+          </a:prstGeom>
+          <a:solidFill>
+            <a:srgbClr val="EBEBEB"/>
+          </a:solidFill>
+          <a:ln w="12700">
+            <a:miter lim="400000"/>
+          </a:ln>
+        </p:spPr>
+        <p:txBody>
+          <a:bodyPr lIns="0" tIns="0" rIns="0" bIns="0" anchor="ctr"/>
+          <a:lstStyle/>
+          <a:p>
+            <a:pPr lvl="0">
+              <a:defRPr sz="4000">
+                <a:solidFill>
+                  <a:srgbClr val="FFFFFF"/>
+                </a:solidFill>
+                <a:effectLst>
+                  <a:outerShdw blurRad="38100" dist="12700" dir="5400000" rotWithShape="0">
+                    <a:srgbClr val="000000">
+                      <a:alpha val="50000"/>
+                    </a:srgbClr>
+                  </a:outerShdw>
+                </a:effectLst>
+              </a:defRPr>
+            </a:pPr>
+            <a:endParaRPr/>
+          </a:p>
+        </p:txBody>
+      </p:sp>
+      <p:sp>
+        <p:nvSpPr>
+          <p:cNvPr id="17" name="Shape 75"/>
+          <p:cNvSpPr/>
+          <p:nvPr/>
+        </p:nvSpPr>
+        <p:spPr>
+          <a:xfrm>
+            <a:off x="355600" y="660400"/>
+            <a:ext cx="12280900" cy="749300"/>
+          </a:xfrm>
+          <a:prstGeom prst="rect">
+            <a:avLst/>
+          </a:prstGeom>
+          <a:ln w="12700">
+            <a:miter lim="400000"/>
+          </a:ln>
+          <a:extLst>
+            <a:ext uri="{C572A759-6A51-4108-AA02-DFA0A04FC94B}">
+              <ma14:wrappingTextBoxFlag xmlns:ma14="http://schemas.microsoft.com/office/mac/drawingml/2011/main" val="1"/>
+            </a:ext>
+          </a:extLst>
+        </p:spPr>
+        <p:txBody>
+          <a:bodyPr lIns="50800" tIns="50800" rIns="50800" bIns="50800" anchor="ctr">
+            <a:spAutoFit/>
+          </a:bodyPr>
+          <a:lstStyle>
+            <a:lvl1pPr algn="l">
+              <a:defRPr sz="4500">
+                <a:solidFill>
+                  <a:srgbClr val="B51A00"/>
+                </a:solidFill>
+                <a:latin typeface="Arial"/>
+                <a:ea typeface="Arial"/>
+                <a:cs typeface="Arial"/>
+                <a:sym typeface="Arial"/>
+              </a:defRPr>
+            </a:lvl1pPr>
+          </a:lstStyle>
+          <a:p>
+            <a:pPr lvl="0">
+              <a:defRPr sz="1800">
+                <a:solidFill>
+                  <a:srgbClr val="000000"/>
+                </a:solidFill>
+              </a:defRPr>
+            </a:pPr>
+            <a:r>
+              <a:rPr sz="4500">
+                <a:solidFill>
+                  <a:srgbClr val="B51A00"/>
+                </a:solidFill>
+              </a:rPr>
+              <a:t>Anatomia: cuore e sistema di conduzione</a:t>
+            </a:r>
+          </a:p>
+        </p:txBody>
+      </p:sp>
+    </p:spTree>
+    <p:extLst>
+      <p:ext uri="{BB962C8B-B14F-4D97-AF65-F5344CB8AC3E}">
+        <p14:creationId xmlns:p14="http://schemas.microsoft.com/office/powerpoint/2010/main" val="988687334"/>
+      </p:ext>
+    </p:extLst>
   </p:cSld>
   <p:clrMapOvr>
     <a:masterClrMapping/>

--- a/Presentation/presentation.pptx
+++ b/Presentation/presentation.pptx
@@ -2380,7 +2380,7 @@
         <p:spPr>
           <a:xfrm>
             <a:off x="0" y="0"/>
-            <a:ext cx="6159500" cy="444500"/>
+            <a:ext cx="10095364" cy="444500"/>
           </a:xfrm>
           <a:prstGeom prst="rect">
             <a:avLst/>
@@ -2422,8 +2422,8 @@
         </p:nvSpPr>
         <p:spPr>
           <a:xfrm>
-            <a:off x="6159500" y="0"/>
-            <a:ext cx="6845300" cy="444500"/>
+            <a:off x="10095364" y="0"/>
+            <a:ext cx="2909435" cy="444500"/>
           </a:xfrm>
           <a:prstGeom prst="rect">
             <a:avLst/>
@@ -2771,8 +2771,8 @@
         </p:nvSpPr>
         <p:spPr>
           <a:xfrm>
-            <a:off x="1321922" y="1047750"/>
-            <a:ext cx="10350501" cy="1346200"/>
+            <a:off x="1321922" y="1023223"/>
+            <a:ext cx="10350501" cy="1395254"/>
           </a:xfrm>
           <a:prstGeom prst="rect">
             <a:avLst/>
@@ -2808,13 +2808,34 @@
               </a:defRPr>
             </a:pPr>
             <a:r>
-              <a:rPr sz="4200">
+              <a:rPr lang="en-US" sz="4200" dirty="0" smtClean="0">
                 <a:solidFill>
                   <a:srgbClr val="B51A00"/>
                 </a:solidFill>
               </a:rPr>
-              <a:t>Studio Computazionale di Ottimizzazione nella Terapia di Risincronizzazione Cardiaca</a:t>
-            </a:r>
+              <a:t>Optimized Navigation </a:t>
+            </a:r>
+            <a:r>
+              <a:rPr lang="en-US" sz="4200" dirty="0" err="1" smtClean="0">
+                <a:solidFill>
+                  <a:srgbClr val="B51A00"/>
+                </a:solidFill>
+              </a:rPr>
+              <a:t>Behaviour</a:t>
+            </a:r>
+            <a:r>
+              <a:rPr lang="en-US" sz="4200" dirty="0" smtClean="0">
+                <a:solidFill>
+                  <a:srgbClr val="B51A00"/>
+                </a:solidFill>
+              </a:rPr>
+              <a:t> of Multiple Robots based on Motor-Schema</a:t>
+            </a:r>
+            <a:endParaRPr sz="4200" dirty="0">
+              <a:solidFill>
+                <a:srgbClr val="B51A00"/>
+              </a:solidFill>
+            </a:endParaRPr>
           </a:p>
         </p:txBody>
       </p:sp>
@@ -2862,8 +2883,8 @@
         </p:nvSpPr>
         <p:spPr>
           <a:xfrm>
-            <a:off x="1151576" y="3009899"/>
-            <a:ext cx="5803901" cy="2781301"/>
+            <a:off x="749300" y="3973775"/>
+            <a:ext cx="5128127" cy="3518912"/>
           </a:xfrm>
           <a:prstGeom prst="rect">
             <a:avLst/>
@@ -2878,7 +2899,7 @@
           </a:extLst>
         </p:spPr>
         <p:txBody>
-          <a:bodyPr lIns="50800" tIns="50800" rIns="50800" bIns="50800" anchor="ctr">
+          <a:bodyPr wrap="square" lIns="50800" tIns="50800" rIns="50800" bIns="50800" anchor="ctr">
             <a:spAutoFit/>
           </a:bodyPr>
           <a:lstStyle/>
@@ -2887,40 +2908,46 @@
               <a:defRPr sz="1800"/>
             </a:pPr>
             <a:r>
-              <a:rPr sz="3300" dirty="0">
-                <a:latin typeface="Gill Sans SemiBold"/>
-                <a:ea typeface="Gill Sans SemiBold"/>
-                <a:cs typeface="Gill Sans SemiBold"/>
+              <a:rPr lang="en-US" sz="3200" dirty="0" smtClean="0">
+                <a:latin typeface="Arial Rounded MT Bold" charset="0"/>
+                <a:ea typeface="Arial Rounded MT Bold" charset="0"/>
+                <a:cs typeface="Arial Rounded MT Bold" charset="0"/>
                 <a:sym typeface="Gill Sans SemiBold"/>
               </a:rPr>
-              <a:t>Relatori</a:t>
-            </a:r>
-            <a:r>
-              <a:rPr sz="4200" dirty="0">
-                <a:latin typeface="Gill Sans SemiBold"/>
-                <a:ea typeface="Gill Sans SemiBold"/>
-                <a:cs typeface="Gill Sans SemiBold"/>
-                <a:sym typeface="Gill Sans SemiBold"/>
-              </a:rPr>
-              <a:t>:</a:t>
-            </a:r>
+              <a:t>Professor:</a:t>
+            </a:r>
+            <a:endParaRPr sz="4200" dirty="0" smtClean="0">
+              <a:latin typeface="Arial Rounded MT Bold" charset="0"/>
+              <a:ea typeface="Arial Rounded MT Bold" charset="0"/>
+              <a:cs typeface="Arial Rounded MT Bold" charset="0"/>
+              <a:sym typeface="Gill Sans SemiBold"/>
+            </a:endParaRPr>
           </a:p>
           <a:p>
             <a:pPr lvl="0" algn="just">
               <a:defRPr sz="1800"/>
             </a:pPr>
             <a:r>
-              <a:rPr sz="2900" dirty="0"/>
-              <a:t>Prof. Luca Formaggia</a:t>
-            </a:r>
+              <a:rPr lang="en-US" sz="2900" dirty="0" err="1" smtClean="0"/>
+              <a:t>Alcherio</a:t>
+            </a:r>
+            <a:r>
+              <a:rPr lang="en-US" sz="2900" dirty="0" smtClean="0"/>
+              <a:t> </a:t>
+            </a:r>
+            <a:r>
+              <a:rPr lang="en-US" sz="2900" dirty="0" err="1" smtClean="0"/>
+              <a:t>Martinoli</a:t>
+            </a:r>
+            <a:endParaRPr sz="2900" dirty="0"/>
           </a:p>
           <a:p>
             <a:pPr lvl="0" algn="just">
               <a:defRPr sz="1800"/>
             </a:pPr>
             <a:r>
-              <a:rPr sz="2000" dirty="0"/>
-              <a:t>Mox-Dipartimento di Matematica, </a:t>
+              <a:rPr lang="en-US" sz="2000" dirty="0" smtClean="0"/>
+              <a:t>Distributed Intelligent Systems </a:t>
             </a:r>
           </a:p>
           <a:p>
@@ -2928,33 +2955,76 @@
               <a:defRPr sz="1800"/>
             </a:pPr>
             <a:r>
-              <a:rPr sz="2000" dirty="0"/>
-              <a:t>Politecnico di Milano</a:t>
-            </a:r>
+              <a:rPr lang="en-US" sz="2000" dirty="0" smtClean="0"/>
+              <a:t>and Algorithms Laboratory</a:t>
+            </a:r>
+            <a:endParaRPr sz="2000" dirty="0"/>
           </a:p>
           <a:p>
             <a:pPr lvl="0" algn="just">
               <a:defRPr sz="1800"/>
             </a:pPr>
-            <a:endParaRPr sz="2000" dirty="0"/>
+            <a:endParaRPr lang="en-US" sz="2000" dirty="0" smtClean="0"/>
           </a:p>
           <a:p>
             <a:pPr lvl="0" algn="just">
               <a:defRPr sz="1800"/>
             </a:pPr>
             <a:r>
-              <a:rPr sz="2900" dirty="0"/>
-              <a:t>Dr. Christian Vergara</a:t>
-            </a:r>
+              <a:rPr lang="en-US" sz="3200" dirty="0" smtClean="0">
+                <a:latin typeface="Arial Rounded MT Bold" charset="0"/>
+                <a:ea typeface="Arial Rounded MT Bold" charset="0"/>
+                <a:cs typeface="Arial Rounded MT Bold" charset="0"/>
+              </a:rPr>
+              <a:t>Assistant:</a:t>
+            </a:r>
+            <a:endParaRPr sz="2000" dirty="0" smtClean="0">
+              <a:latin typeface="Arial Rounded MT Bold" charset="0"/>
+              <a:ea typeface="Arial Rounded MT Bold" charset="0"/>
+              <a:cs typeface="Arial Rounded MT Bold" charset="0"/>
+            </a:endParaRPr>
           </a:p>
           <a:p>
             <a:pPr lvl="0" algn="just">
               <a:defRPr sz="1800"/>
             </a:pPr>
             <a:r>
-              <a:rPr sz="2000" dirty="0"/>
-              <a:t>Università degli studi di Bergamo</a:t>
-            </a:r>
+              <a:rPr lang="en-US" sz="2900" dirty="0" err="1" smtClean="0"/>
+              <a:t>Zeynab</a:t>
+            </a:r>
+            <a:r>
+              <a:rPr lang="en-US" sz="2900" dirty="0" smtClean="0"/>
+              <a:t> </a:t>
+            </a:r>
+            <a:r>
+              <a:rPr lang="en-US" sz="2900" dirty="0" err="1" smtClean="0"/>
+              <a:t>Talebpour</a:t>
+            </a:r>
+            <a:endParaRPr sz="2900" dirty="0"/>
+          </a:p>
+          <a:p>
+            <a:pPr lvl="0" algn="just">
+              <a:defRPr sz="1800"/>
+            </a:pPr>
+            <a:r>
+              <a:rPr lang="en-US" sz="2000" dirty="0"/>
+              <a:t>Distributed Intelligent Systems </a:t>
+            </a:r>
+            <a:endParaRPr lang="en-US" sz="2000" dirty="0" smtClean="0"/>
+          </a:p>
+          <a:p>
+            <a:pPr lvl="0" algn="just">
+              <a:defRPr sz="1800"/>
+            </a:pPr>
+            <a:r>
+              <a:rPr lang="en-US" sz="2000" dirty="0" smtClean="0"/>
+              <a:t>and </a:t>
+            </a:r>
+            <a:r>
+              <a:rPr lang="en-US" sz="2000" dirty="0"/>
+              <a:t>Algorithms Laboratory</a:t>
+            </a:r>
+            <a:endParaRPr lang="en-US" sz="2000" dirty="0"/>
           </a:p>
         </p:txBody>
       </p:sp>
@@ -2966,8 +3036,8 @@
         </p:nvSpPr>
         <p:spPr>
           <a:xfrm>
-            <a:off x="6819900" y="3849395"/>
-            <a:ext cx="5803900" cy="3934410"/>
+            <a:off x="8957517" y="3612138"/>
+            <a:ext cx="5803900" cy="4242187"/>
           </a:xfrm>
           <a:prstGeom prst="rect">
             <a:avLst/>
@@ -2991,35 +3061,45 @@
               <a:defRPr sz="1800"/>
             </a:pPr>
             <a:r>
-              <a:rPr sz="3300" dirty="0">
-                <a:latin typeface="Gill Sans SemiBold"/>
-                <a:ea typeface="Gill Sans SemiBold"/>
-                <a:cs typeface="Gill Sans SemiBold"/>
+              <a:rPr lang="en-US" sz="3300" dirty="0" smtClean="0">
+                <a:latin typeface="Arial Rounded MT Bold" charset="0"/>
+                <a:ea typeface="Arial Rounded MT Bold" charset="0"/>
+                <a:cs typeface="Arial Rounded MT Bold" charset="0"/>
                 <a:sym typeface="Gill Sans SemiBold"/>
               </a:rPr>
-              <a:t>Correlatori</a:t>
-            </a:r>
-            <a:r>
-              <a:rPr sz="4200" dirty="0">
-                <a:latin typeface="Gill Sans SemiBold"/>
-                <a:ea typeface="Gill Sans SemiBold"/>
-                <a:cs typeface="Gill Sans SemiBold"/>
+              <a:t>Students</a:t>
+            </a:r>
+            <a:r>
+              <a:rPr sz="4200" dirty="0" smtClean="0">
+                <a:latin typeface="Arial Rounded MT Bold" charset="0"/>
+                <a:ea typeface="Arial Rounded MT Bold" charset="0"/>
+                <a:cs typeface="Arial Rounded MT Bold" charset="0"/>
                 <a:sym typeface="Gill Sans SemiBold"/>
               </a:rPr>
               <a:t>:</a:t>
             </a:r>
+            <a:endParaRPr sz="4200" dirty="0">
+              <a:latin typeface="Arial Rounded MT Bold" charset="0"/>
+              <a:ea typeface="Arial Rounded MT Bold" charset="0"/>
+              <a:cs typeface="Arial Rounded MT Bold" charset="0"/>
+              <a:sym typeface="Gill Sans SemiBold"/>
+            </a:endParaRPr>
           </a:p>
           <a:p>
             <a:pPr lvl="0" algn="l">
               <a:defRPr sz="1800"/>
             </a:pPr>
             <a:r>
-              <a:rPr sz="2900" dirty="0"/>
-              <a:t>Ing. Simone </a:t>
-            </a:r>
-            <a:r>
-              <a:rPr sz="2900" dirty="0" smtClean="0"/>
-              <a:t>Palamara</a:t>
+              <a:rPr lang="en-US" sz="2900" dirty="0" err="1" smtClean="0"/>
+              <a:t>Ondine</a:t>
+            </a:r>
+            <a:r>
+              <a:rPr lang="en-US" sz="2900" dirty="0" smtClean="0"/>
+              <a:t> </a:t>
+            </a:r>
+            <a:r>
+              <a:rPr lang="en-US" sz="2900" dirty="0" err="1" smtClean="0"/>
+              <a:t>Chanon</a:t>
             </a:r>
             <a:endParaRPr sz="2900" dirty="0"/>
           </a:p>
@@ -3028,79 +3108,114 @@
               <a:defRPr sz="1800"/>
             </a:pPr>
             <a:r>
-              <a:rPr sz="2000" dirty="0"/>
-              <a:t>Mox-Politecnico di Milano</a:t>
+              <a:rPr lang="en-US" sz="2000" dirty="0" smtClean="0"/>
+              <a:t>Computational Science and </a:t>
             </a:r>
           </a:p>
           <a:p>
             <a:pPr lvl="0" algn="l">
               <a:defRPr sz="1800"/>
             </a:pPr>
+            <a:r>
+              <a:rPr lang="en-US" sz="2000" dirty="0" smtClean="0"/>
+              <a:t>Engineering</a:t>
+            </a:r>
             <a:endParaRPr sz="2000" dirty="0"/>
           </a:p>
           <a:p>
             <a:pPr lvl="0" algn="l">
               <a:defRPr sz="1800"/>
             </a:pPr>
-            <a:r>
-              <a:rPr sz="2900" dirty="0"/>
-              <a:t>Dr. Elena Faggiano</a:t>
-            </a:r>
+            <a:endParaRPr sz="2000" dirty="0"/>
           </a:p>
           <a:p>
             <a:pPr lvl="0" algn="l">
               <a:defRPr sz="1800"/>
             </a:pPr>
             <a:r>
-              <a:rPr sz="2000" dirty="0"/>
-              <a:t>Mox-Politecnico di Milano</a:t>
-            </a:r>
+              <a:rPr lang="en-US" sz="2900" dirty="0" smtClean="0"/>
+              <a:t>Nicolas </a:t>
+            </a:r>
+            <a:r>
+              <a:rPr lang="en-US" sz="2900" dirty="0" err="1"/>
+              <a:t>H</a:t>
+            </a:r>
+            <a:r>
+              <a:rPr lang="en-US" sz="2900" dirty="0" err="1" smtClean="0"/>
+              <a:t>ubacher</a:t>
+            </a:r>
+            <a:endParaRPr sz="2900" dirty="0"/>
           </a:p>
           <a:p>
             <a:pPr lvl="0" algn="l">
               <a:defRPr sz="1800"/>
             </a:pPr>
+            <a:r>
+              <a:rPr lang="en-US" sz="2000" dirty="0" smtClean="0"/>
+              <a:t>Computer Science</a:t>
+            </a:r>
             <a:endParaRPr sz="2000" dirty="0"/>
           </a:p>
           <a:p>
             <a:pPr lvl="0" algn="l">
               <a:defRPr sz="1800"/>
             </a:pPr>
-            <a:r>
-              <a:rPr sz="2900" dirty="0"/>
-              <a:t>Dr. Domenico Catanzariti</a:t>
-            </a:r>
+            <a:endParaRPr sz="2000" dirty="0"/>
           </a:p>
           <a:p>
             <a:pPr lvl="0" algn="l">
               <a:defRPr sz="1800"/>
             </a:pPr>
             <a:r>
-              <a:rPr sz="2000" dirty="0"/>
-              <a:t>Divisione di Cardiologia, Ospedale Santa Maria</a:t>
-            </a:r>
-          </a:p>
-          <a:p>
-            <a:pPr lvl="0" algn="l">
+              <a:rPr lang="en-US" sz="2900" dirty="0" smtClean="0"/>
+              <a:t>Stefano </a:t>
+            </a:r>
+            <a:r>
+              <a:rPr lang="en-US" sz="2900" dirty="0" err="1" smtClean="0"/>
+              <a:t>Savar</a:t>
+            </a:r>
+            <a:r>
+              <a:rPr lang="en-US" sz="2900" dirty="0" err="1" smtClean="0"/>
+              <a:t>è</a:t>
+            </a:r>
+            <a:endParaRPr sz="2900" dirty="0"/>
+          </a:p>
+          <a:p>
+            <a:pPr algn="l">
               <a:defRPr sz="1800"/>
             </a:pPr>
             <a:r>
-              <a:rPr sz="2000" dirty="0"/>
-              <a:t>del Carmine, Rovereto</a:t>
-            </a:r>
-          </a:p>
-        </p:txBody>
-      </p:sp>
-      <p:sp>
-        <p:nvSpPr>
-          <p:cNvPr id="53" name="Shape 53"/>
+              <a:rPr lang="en-US" sz="2000" dirty="0" smtClean="0"/>
+              <a:t>Computational </a:t>
+            </a:r>
+            <a:r>
+              <a:rPr lang="en-US" sz="2000" dirty="0"/>
+              <a:t>Science and </a:t>
+            </a:r>
+            <a:endParaRPr lang="en-US" sz="2000" dirty="0" smtClean="0"/>
+          </a:p>
+          <a:p>
+            <a:pPr algn="l">
+              <a:defRPr sz="1800"/>
+            </a:pPr>
+            <a:r>
+              <a:rPr lang="en-US" sz="2000" dirty="0" smtClean="0"/>
+              <a:t>Engineering</a:t>
+            </a:r>
+            <a:endParaRPr lang="en-US" sz="2000" dirty="0"/>
+          </a:p>
+        </p:txBody>
+      </p:sp>
+      <p:sp>
+        <p:nvSpPr>
+          <p:cNvPr id="54" name="Shape 54"/>
           <p:cNvSpPr/>
           <p:nvPr/>
         </p:nvSpPr>
         <p:spPr>
           <a:xfrm>
-            <a:off x="1155700" y="6781800"/>
-            <a:ext cx="5803900" cy="1765300"/>
+            <a:off x="2218690" y="-39434"/>
+            <a:ext cx="5900654" cy="456535"/>
           </a:xfrm>
           <a:prstGeom prst="rect">
             <a:avLst/>
@@ -3115,63 +3230,52 @@
           </a:extLst>
         </p:spPr>
         <p:txBody>
-          <a:bodyPr lIns="50800" tIns="50800" rIns="50800" bIns="50800" anchor="ctr">
+          <a:bodyPr wrap="none" lIns="50800" tIns="50800" rIns="50800" bIns="50800" anchor="ctr">
             <a:spAutoFit/>
           </a:bodyPr>
-          <a:lstStyle/>
-          <a:p>
-            <a:pPr lvl="0" algn="just">
-              <a:defRPr sz="1800"/>
-            </a:pPr>
-            <a:r>
-              <a:rPr sz="3300">
-                <a:latin typeface="Gill Sans SemiBold"/>
-                <a:ea typeface="Gill Sans SemiBold"/>
-                <a:cs typeface="Gill Sans SemiBold"/>
-                <a:sym typeface="Gill Sans SemiBold"/>
-              </a:rPr>
-              <a:t>Laureando</a:t>
-            </a:r>
-            <a:r>
-              <a:rPr sz="4200">
-                <a:latin typeface="Gill Sans SemiBold"/>
-                <a:ea typeface="Gill Sans SemiBold"/>
-                <a:cs typeface="Gill Sans SemiBold"/>
-                <a:sym typeface="Gill Sans SemiBold"/>
-              </a:rPr>
-              <a:t>:</a:t>
-            </a:r>
-          </a:p>
-          <a:p>
-            <a:pPr lvl="0" algn="just">
-              <a:defRPr sz="1800"/>
-            </a:pPr>
-            <a:r>
-              <a:rPr sz="2900"/>
-              <a:t>Stefano Savarè</a:t>
-            </a:r>
-          </a:p>
-          <a:p>
-            <a:pPr lvl="0" algn="just">
-              <a:defRPr sz="1800"/>
-            </a:pPr>
-            <a:r>
-              <a:rPr sz="2000"/>
-              <a:t>Ingegneria Matematica, Politecnico di Milano</a:t>
-            </a:r>
-          </a:p>
-        </p:txBody>
-      </p:sp>
-      <p:sp>
-        <p:nvSpPr>
-          <p:cNvPr id="54" name="Shape 54"/>
+          <a:lstStyle>
+            <a:lvl1pPr>
+              <a:defRPr sz="2300">
+                <a:solidFill>
+                  <a:srgbClr val="FFFFFF"/>
+                </a:solidFill>
+              </a:defRPr>
+            </a:lvl1pPr>
+          </a:lstStyle>
+          <a:p>
+            <a:pPr lvl="0">
+              <a:defRPr sz="1800">
+                <a:solidFill>
+                  <a:srgbClr val="000000"/>
+                </a:solidFill>
+              </a:defRPr>
+            </a:pPr>
+            <a:r>
+              <a:rPr lang="en-US" sz="2300" dirty="0" smtClean="0">
+                <a:solidFill>
+                  <a:srgbClr val="FFFFFF"/>
+                </a:solidFill>
+              </a:rPr>
+              <a:t>Distributed Intelligent Systems – Course Project</a:t>
+            </a:r>
+            <a:endParaRPr sz="2300" dirty="0">
+              <a:solidFill>
+                <a:srgbClr val="FFFFFF"/>
+              </a:solidFill>
+            </a:endParaRPr>
+          </a:p>
+        </p:txBody>
+      </p:sp>
+      <p:sp>
+        <p:nvSpPr>
+          <p:cNvPr id="55" name="Shape 55"/>
           <p:cNvSpPr/>
           <p:nvPr/>
         </p:nvSpPr>
         <p:spPr>
           <a:xfrm>
-            <a:off x="3112014" y="-38100"/>
-            <a:ext cx="2766449" cy="431800"/>
+            <a:off x="10941473" y="7347"/>
+            <a:ext cx="1155766" cy="456535"/>
           </a:xfrm>
           <a:prstGeom prst="rect">
             <a:avLst/>
@@ -3191,61 +3295,6 @@
           </a:bodyPr>
           <a:lstStyle>
             <a:lvl1pPr>
-              <a:defRPr sz="2300">
-                <a:solidFill>
-                  <a:srgbClr val="FFFFFF"/>
-                </a:solidFill>
-              </a:defRPr>
-            </a:lvl1pPr>
-          </a:lstStyle>
-          <a:p>
-            <a:pPr lvl="0">
-              <a:defRPr sz="1800">
-                <a:solidFill>
-                  <a:srgbClr val="000000"/>
-                </a:solidFill>
-              </a:defRPr>
-            </a:pPr>
-            <a:r>
-              <a:rPr sz="2300">
-                <a:solidFill>
-                  <a:srgbClr val="FFFFFF"/>
-                </a:solidFill>
-              </a:rPr>
-              <a:t>Tesi di laurea triennale</a:t>
-            </a:r>
-          </a:p>
-        </p:txBody>
-      </p:sp>
-      <p:sp>
-        <p:nvSpPr>
-          <p:cNvPr id="55" name="Shape 55"/>
-          <p:cNvSpPr/>
-          <p:nvPr/>
-        </p:nvSpPr>
-        <p:spPr>
-          <a:xfrm>
-            <a:off x="6435855" y="-38100"/>
-            <a:ext cx="2747765" cy="431800"/>
-          </a:xfrm>
-          <a:prstGeom prst="rect">
-            <a:avLst/>
-          </a:prstGeom>
-          <a:ln w="12700">
-            <a:miter lim="400000"/>
-          </a:ln>
-          <a:extLst>
-            <a:ext uri="{C572A759-6A51-4108-AA02-DFA0A04FC94B}">
-              <ma14:wrappingTextBoxFlag xmlns:ma14="http://schemas.microsoft.com/office/mac/drawingml/2011/main" val="1"/>
-            </a:ext>
-          </a:extLst>
-        </p:spPr>
-        <p:txBody>
-          <a:bodyPr wrap="none" lIns="50800" tIns="50800" rIns="50800" bIns="50800" anchor="ctr">
-            <a:spAutoFit/>
-          </a:bodyPr>
-          <a:lstStyle>
-            <a:lvl1pPr>
               <a:defRPr sz="2300"/>
             </a:lvl1pPr>
           </a:lstStyle>
@@ -3254,12 +3303,43 @@
               <a:defRPr sz="1800"/>
             </a:pPr>
             <a:r>
-              <a:rPr sz="2300"/>
-              <a:t>Ingegneria Matematica</a:t>
-            </a:r>
-          </a:p>
-        </p:txBody>
-      </p:sp>
+              <a:rPr lang="en-US" sz="2300" smtClean="0"/>
+              <a:t>CSE - IN</a:t>
+            </a:r>
+            <a:endParaRPr sz="2300"/>
+          </a:p>
+        </p:txBody>
+      </p:sp>
+      <p:pic>
+        <p:nvPicPr>
+          <p:cNvPr id="3" name="Picture 2"/>
+          <p:cNvPicPr>
+            <a:picLocks noChangeAspect="1"/>
+          </p:cNvPicPr>
+          <p:nvPr/>
+        </p:nvPicPr>
+        <p:blipFill>
+          <a:blip r:embed="rId2">
+            <a:extLst>
+              <a:ext uri="{28A0092B-C50C-407E-A947-70E740481C1C}">
+                <a14:useLocalDpi xmlns:a14="http://schemas.microsoft.com/office/drawing/2010/main" val="0"/>
+              </a:ext>
+            </a:extLst>
+          </a:blip>
+          <a:stretch>
+            <a:fillRect/>
+          </a:stretch>
+        </p:blipFill>
+        <p:spPr>
+          <a:xfrm>
+            <a:off x="4320232" y="2857295"/>
+            <a:ext cx="4114800" cy="6235700"/>
+          </a:xfrm>
+          <a:prstGeom prst="rect">
+            <a:avLst/>
+          </a:prstGeom>
+        </p:spPr>
+      </p:pic>
     </p:spTree>
   </p:cSld>
   <p:clrMapOvr>

--- a/Presentation/presentation.pptx
+++ b/Presentation/presentation.pptx
@@ -433,7 +433,7 @@
 
 <file path=ppt/slideLayouts/slideLayout10.xml><?xml version="1.0" encoding="utf-8"?>
 <p:sldLayout xmlns:a="http://schemas.openxmlformats.org/drawingml/2006/main" xmlns:r="http://schemas.openxmlformats.org/officeDocument/2006/relationships" xmlns:p="http://schemas.openxmlformats.org/presentationml/2006/main" type="tx">
-  <p:cSld name="Photo - Vertical">
+  <p:cSld name="Photo - Vertical Reflection">
     <p:spTree>
       <p:nvGrpSpPr>
         <p:cNvPr id="1" name=""/>
@@ -450,7 +450,7 @@
       </p:grpSpPr>
       <p:sp>
         <p:nvSpPr>
-          <p:cNvPr id="25" name="Shape 25"/>
+          <p:cNvPr id="28" name="Shape 28"/>
           <p:cNvSpPr>
             <a:spLocks noGrp="1"/>
           </p:cNvSpPr>
@@ -487,7 +487,7 @@
       </p:sp>
       <p:sp>
         <p:nvSpPr>
-          <p:cNvPr id="26" name="Shape 26"/>
+          <p:cNvPr id="29" name="Shape 29"/>
           <p:cNvSpPr>
             <a:spLocks noGrp="1"/>
           </p:cNvSpPr>
@@ -606,7 +606,7 @@
 
 <file path=ppt/slideLayouts/slideLayout11.xml><?xml version="1.0" encoding="utf-8"?>
 <p:sldLayout xmlns:a="http://schemas.openxmlformats.org/drawingml/2006/main" xmlns:r="http://schemas.openxmlformats.org/officeDocument/2006/relationships" xmlns:p="http://schemas.openxmlformats.org/presentationml/2006/main" type="tx">
-  <p:cSld name="Photo - Vertical Reflection">
+  <p:cSld name="Title, Bullets &amp; Photo">
     <p:spTree>
       <p:nvGrpSpPr>
         <p:cNvPr id="1" name=""/>
@@ -623,7 +623,7 @@
       </p:grpSpPr>
       <p:sp>
         <p:nvSpPr>
-          <p:cNvPr id="28" name="Shape 28"/>
+          <p:cNvPr id="31" name="Shape 31"/>
           <p:cNvSpPr>
             <a:spLocks noGrp="1"/>
           </p:cNvSpPr>
@@ -632,6 +632,1001 @@
           </p:nvPr>
         </p:nvSpPr>
         <p:spPr>
+          <a:prstGeom prst="rect">
+            <a:avLst/>
+          </a:prstGeom>
+        </p:spPr>
+        <p:txBody>
+          <a:bodyPr/>
+          <a:lstStyle/>
+          <a:p>
+            <a:pPr lvl="0">
+              <a:defRPr sz="1800"/>
+            </a:pPr>
+            <a:r>
+              <a:rPr sz="8400"/>
+              <a:t>Title Text</a:t>
+            </a:r>
+          </a:p>
+        </p:txBody>
+      </p:sp>
+      <p:sp>
+        <p:nvSpPr>
+          <p:cNvPr id="32" name="Shape 32"/>
+          <p:cNvSpPr>
+            <a:spLocks noGrp="1"/>
+          </p:cNvSpPr>
+          <p:nvPr>
+            <p:ph type="body" idx="1"/>
+          </p:nvPr>
+        </p:nvSpPr>
+        <p:spPr>
+          <a:xfrm>
+            <a:off x="1270000" y="2768600"/>
+            <a:ext cx="5041900" cy="5715000"/>
+          </a:xfrm>
+          <a:prstGeom prst="rect">
+            <a:avLst/>
+          </a:prstGeom>
+        </p:spPr>
+        <p:txBody>
+          <a:bodyPr/>
+          <a:lstStyle>
+            <a:lvl1pPr marL="812120" indent="-494620">
+              <a:spcBef>
+                <a:spcPts val="3800"/>
+              </a:spcBef>
+              <a:defRPr sz="3200"/>
+            </a:lvl1pPr>
+            <a:lvl2pPr marL="1256620" indent="-494620">
+              <a:spcBef>
+                <a:spcPts val="3800"/>
+              </a:spcBef>
+              <a:defRPr sz="3200"/>
+            </a:lvl2pPr>
+            <a:lvl3pPr marL="1701120" indent="-494620">
+              <a:spcBef>
+                <a:spcPts val="3800"/>
+              </a:spcBef>
+              <a:defRPr sz="3200"/>
+            </a:lvl3pPr>
+            <a:lvl4pPr marL="2145620" indent="-494620">
+              <a:spcBef>
+                <a:spcPts val="3800"/>
+              </a:spcBef>
+              <a:defRPr sz="3200"/>
+            </a:lvl4pPr>
+            <a:lvl5pPr marL="2590120" indent="-494620">
+              <a:spcBef>
+                <a:spcPts val="3800"/>
+              </a:spcBef>
+              <a:defRPr sz="3200"/>
+            </a:lvl5pPr>
+          </a:lstStyle>
+          <a:p>
+            <a:pPr lvl="0">
+              <a:defRPr sz="1800"/>
+            </a:pPr>
+            <a:r>
+              <a:rPr sz="3200"/>
+              <a:t>Body Level One</a:t>
+            </a:r>
+          </a:p>
+          <a:p>
+            <a:pPr lvl="1">
+              <a:defRPr sz="1800"/>
+            </a:pPr>
+            <a:r>
+              <a:rPr sz="3200"/>
+              <a:t>Body Level Two</a:t>
+            </a:r>
+          </a:p>
+          <a:p>
+            <a:pPr lvl="2">
+              <a:defRPr sz="1800"/>
+            </a:pPr>
+            <a:r>
+              <a:rPr sz="3200"/>
+              <a:t>Body Level Three</a:t>
+            </a:r>
+          </a:p>
+          <a:p>
+            <a:pPr lvl="3">
+              <a:defRPr sz="1800"/>
+            </a:pPr>
+            <a:r>
+              <a:rPr sz="3200"/>
+              <a:t>Body Level Four</a:t>
+            </a:r>
+          </a:p>
+          <a:p>
+            <a:pPr lvl="4">
+              <a:defRPr sz="1800"/>
+            </a:pPr>
+            <a:r>
+              <a:rPr sz="3200"/>
+              <a:t>Body Level Five</a:t>
+            </a:r>
+          </a:p>
+        </p:txBody>
+      </p:sp>
+    </p:spTree>
+  </p:cSld>
+  <p:clrMapOvr>
+    <a:masterClrMapping/>
+  </p:clrMapOvr>
+  <p:transition spd="med"/>
+</p:sldLayout>
+</file>
+
+<file path=ppt/slideLayouts/slideLayout12.xml><?xml version="1.0" encoding="utf-8"?>
+<p:sldLayout xmlns:a="http://schemas.openxmlformats.org/drawingml/2006/main" xmlns:r="http://schemas.openxmlformats.org/officeDocument/2006/relationships" xmlns:p="http://schemas.openxmlformats.org/presentationml/2006/main" type="tx">
+  <p:cSld name="Title &amp; Bullets - Left">
+    <p:spTree>
+      <p:nvGrpSpPr>
+        <p:cNvPr id="1" name=""/>
+        <p:cNvGrpSpPr/>
+        <p:nvPr/>
+      </p:nvGrpSpPr>
+      <p:grpSpPr>
+        <a:xfrm>
+          <a:off x="0" y="0"/>
+          <a:ext cx="0" cy="0"/>
+          <a:chOff x="0" y="0"/>
+          <a:chExt cx="0" cy="0"/>
+        </a:xfrm>
+      </p:grpSpPr>
+      <p:sp>
+        <p:nvSpPr>
+          <p:cNvPr id="34" name="Shape 34"/>
+          <p:cNvSpPr>
+            <a:spLocks noGrp="1"/>
+          </p:cNvSpPr>
+          <p:nvPr>
+            <p:ph type="title"/>
+          </p:nvPr>
+        </p:nvSpPr>
+        <p:spPr>
+          <a:prstGeom prst="rect">
+            <a:avLst/>
+          </a:prstGeom>
+        </p:spPr>
+        <p:txBody>
+          <a:bodyPr/>
+          <a:lstStyle/>
+          <a:p>
+            <a:pPr lvl="0">
+              <a:defRPr sz="1800"/>
+            </a:pPr>
+            <a:r>
+              <a:rPr sz="8400"/>
+              <a:t>Title Text</a:t>
+            </a:r>
+          </a:p>
+        </p:txBody>
+      </p:sp>
+      <p:sp>
+        <p:nvSpPr>
+          <p:cNvPr id="35" name="Shape 35"/>
+          <p:cNvSpPr>
+            <a:spLocks noGrp="1"/>
+          </p:cNvSpPr>
+          <p:nvPr>
+            <p:ph type="body" idx="1"/>
+          </p:nvPr>
+        </p:nvSpPr>
+        <p:spPr>
+          <a:xfrm>
+            <a:off x="1270000" y="2768600"/>
+            <a:ext cx="5041900" cy="5715000"/>
+          </a:xfrm>
+          <a:prstGeom prst="rect">
+            <a:avLst/>
+          </a:prstGeom>
+        </p:spPr>
+        <p:txBody>
+          <a:bodyPr/>
+          <a:lstStyle>
+            <a:lvl1pPr marL="812120" indent="-494620">
+              <a:spcBef>
+                <a:spcPts val="3800"/>
+              </a:spcBef>
+              <a:defRPr sz="3200"/>
+            </a:lvl1pPr>
+            <a:lvl2pPr marL="1256620" indent="-494620">
+              <a:spcBef>
+                <a:spcPts val="3800"/>
+              </a:spcBef>
+              <a:defRPr sz="3200"/>
+            </a:lvl2pPr>
+            <a:lvl3pPr marL="1701120" indent="-494620">
+              <a:spcBef>
+                <a:spcPts val="3800"/>
+              </a:spcBef>
+              <a:defRPr sz="3200"/>
+            </a:lvl3pPr>
+            <a:lvl4pPr marL="2145620" indent="-494620">
+              <a:spcBef>
+                <a:spcPts val="3800"/>
+              </a:spcBef>
+              <a:defRPr sz="3200"/>
+            </a:lvl4pPr>
+            <a:lvl5pPr marL="2590120" indent="-494620">
+              <a:spcBef>
+                <a:spcPts val="3800"/>
+              </a:spcBef>
+              <a:defRPr sz="3200"/>
+            </a:lvl5pPr>
+          </a:lstStyle>
+          <a:p>
+            <a:pPr lvl="0">
+              <a:defRPr sz="1800"/>
+            </a:pPr>
+            <a:r>
+              <a:rPr sz="3200"/>
+              <a:t>Body Level One</a:t>
+            </a:r>
+          </a:p>
+          <a:p>
+            <a:pPr lvl="1">
+              <a:defRPr sz="1800"/>
+            </a:pPr>
+            <a:r>
+              <a:rPr sz="3200"/>
+              <a:t>Body Level Two</a:t>
+            </a:r>
+          </a:p>
+          <a:p>
+            <a:pPr lvl="2">
+              <a:defRPr sz="1800"/>
+            </a:pPr>
+            <a:r>
+              <a:rPr sz="3200"/>
+              <a:t>Body Level Three</a:t>
+            </a:r>
+          </a:p>
+          <a:p>
+            <a:pPr lvl="3">
+              <a:defRPr sz="1800"/>
+            </a:pPr>
+            <a:r>
+              <a:rPr sz="3200"/>
+              <a:t>Body Level Four</a:t>
+            </a:r>
+          </a:p>
+          <a:p>
+            <a:pPr lvl="4">
+              <a:defRPr sz="1800"/>
+            </a:pPr>
+            <a:r>
+              <a:rPr sz="3200"/>
+              <a:t>Body Level Five</a:t>
+            </a:r>
+          </a:p>
+        </p:txBody>
+      </p:sp>
+    </p:spTree>
+  </p:cSld>
+  <p:clrMapOvr>
+    <a:masterClrMapping/>
+  </p:clrMapOvr>
+  <p:transition spd="med"/>
+</p:sldLayout>
+</file>
+
+<file path=ppt/slideLayouts/slideLayout13.xml><?xml version="1.0" encoding="utf-8"?>
+<p:sldLayout xmlns:a="http://schemas.openxmlformats.org/drawingml/2006/main" xmlns:r="http://schemas.openxmlformats.org/officeDocument/2006/relationships" xmlns:p="http://schemas.openxmlformats.org/presentationml/2006/main" type="tx">
+  <p:cSld name="Title &amp; Bullets - Right">
+    <p:spTree>
+      <p:nvGrpSpPr>
+        <p:cNvPr id="1" name=""/>
+        <p:cNvGrpSpPr/>
+        <p:nvPr/>
+      </p:nvGrpSpPr>
+      <p:grpSpPr>
+        <a:xfrm>
+          <a:off x="0" y="0"/>
+          <a:ext cx="0" cy="0"/>
+          <a:chOff x="0" y="0"/>
+          <a:chExt cx="0" cy="0"/>
+        </a:xfrm>
+      </p:grpSpPr>
+      <p:sp>
+        <p:nvSpPr>
+          <p:cNvPr id="37" name="Shape 37"/>
+          <p:cNvSpPr>
+            <a:spLocks noGrp="1"/>
+          </p:cNvSpPr>
+          <p:nvPr>
+            <p:ph type="title"/>
+          </p:nvPr>
+        </p:nvSpPr>
+        <p:spPr>
+          <a:prstGeom prst="rect">
+            <a:avLst/>
+          </a:prstGeom>
+        </p:spPr>
+        <p:txBody>
+          <a:bodyPr/>
+          <a:lstStyle/>
+          <a:p>
+            <a:pPr lvl="0">
+              <a:defRPr sz="1800"/>
+            </a:pPr>
+            <a:r>
+              <a:rPr sz="8400"/>
+              <a:t>Title Text</a:t>
+            </a:r>
+          </a:p>
+        </p:txBody>
+      </p:sp>
+      <p:sp>
+        <p:nvSpPr>
+          <p:cNvPr id="38" name="Shape 38"/>
+          <p:cNvSpPr>
+            <a:spLocks noGrp="1"/>
+          </p:cNvSpPr>
+          <p:nvPr>
+            <p:ph type="body" idx="1"/>
+          </p:nvPr>
+        </p:nvSpPr>
+        <p:spPr>
+          <a:xfrm>
+            <a:off x="7772400" y="2768600"/>
+            <a:ext cx="3962400" cy="5715000"/>
+          </a:xfrm>
+          <a:prstGeom prst="rect">
+            <a:avLst/>
+          </a:prstGeom>
+        </p:spPr>
+        <p:txBody>
+          <a:bodyPr/>
+          <a:lstStyle>
+            <a:lvl1pPr marL="812120" indent="-494620">
+              <a:spcBef>
+                <a:spcPts val="3800"/>
+              </a:spcBef>
+              <a:defRPr sz="3200"/>
+            </a:lvl1pPr>
+            <a:lvl2pPr marL="1256620" indent="-494620">
+              <a:spcBef>
+                <a:spcPts val="3800"/>
+              </a:spcBef>
+              <a:defRPr sz="3200"/>
+            </a:lvl2pPr>
+            <a:lvl3pPr marL="1701120" indent="-494620">
+              <a:spcBef>
+                <a:spcPts val="3800"/>
+              </a:spcBef>
+              <a:defRPr sz="3200"/>
+            </a:lvl3pPr>
+            <a:lvl4pPr marL="2145620" indent="-494620">
+              <a:spcBef>
+                <a:spcPts val="3800"/>
+              </a:spcBef>
+              <a:defRPr sz="3200"/>
+            </a:lvl4pPr>
+            <a:lvl5pPr marL="2590120" indent="-494620">
+              <a:spcBef>
+                <a:spcPts val="3800"/>
+              </a:spcBef>
+              <a:defRPr sz="3200"/>
+            </a:lvl5pPr>
+          </a:lstStyle>
+          <a:p>
+            <a:pPr lvl="0">
+              <a:defRPr sz="1800"/>
+            </a:pPr>
+            <a:r>
+              <a:rPr sz="3200"/>
+              <a:t>Body Level One</a:t>
+            </a:r>
+          </a:p>
+          <a:p>
+            <a:pPr lvl="1">
+              <a:defRPr sz="1800"/>
+            </a:pPr>
+            <a:r>
+              <a:rPr sz="3200"/>
+              <a:t>Body Level Two</a:t>
+            </a:r>
+          </a:p>
+          <a:p>
+            <a:pPr lvl="2">
+              <a:defRPr sz="1800"/>
+            </a:pPr>
+            <a:r>
+              <a:rPr sz="3200"/>
+              <a:t>Body Level Three</a:t>
+            </a:r>
+          </a:p>
+          <a:p>
+            <a:pPr lvl="3">
+              <a:defRPr sz="1800"/>
+            </a:pPr>
+            <a:r>
+              <a:rPr sz="3200"/>
+              <a:t>Body Level Four</a:t>
+            </a:r>
+          </a:p>
+          <a:p>
+            <a:pPr lvl="4">
+              <a:defRPr sz="1800"/>
+            </a:pPr>
+            <a:r>
+              <a:rPr sz="3200"/>
+              <a:t>Body Level Five</a:t>
+            </a:r>
+          </a:p>
+        </p:txBody>
+      </p:sp>
+    </p:spTree>
+  </p:cSld>
+  <p:clrMapOvr>
+    <a:masterClrMapping/>
+  </p:clrMapOvr>
+  <p:transition spd="med"/>
+</p:sldLayout>
+</file>
+
+<file path=ppt/slideLayouts/slideLayout2.xml><?xml version="1.0" encoding="utf-8"?>
+<p:sldLayout xmlns:a="http://schemas.openxmlformats.org/drawingml/2006/main" xmlns:r="http://schemas.openxmlformats.org/officeDocument/2006/relationships" xmlns:p="http://schemas.openxmlformats.org/presentationml/2006/main" type="tx">
+  <p:cSld name="Title &amp; Bullets - 2 Column">
+    <p:spTree>
+      <p:nvGrpSpPr>
+        <p:cNvPr id="1" name=""/>
+        <p:cNvGrpSpPr/>
+        <p:nvPr/>
+      </p:nvGrpSpPr>
+      <p:grpSpPr>
+        <a:xfrm>
+          <a:off x="0" y="0"/>
+          <a:ext cx="0" cy="0"/>
+          <a:chOff x="0" y="0"/>
+          <a:chExt cx="0" cy="0"/>
+        </a:xfrm>
+      </p:grpSpPr>
+      <p:sp>
+        <p:nvSpPr>
+          <p:cNvPr id="11" name="Shape 11"/>
+          <p:cNvSpPr>
+            <a:spLocks noGrp="1"/>
+          </p:cNvSpPr>
+          <p:nvPr>
+            <p:ph type="title"/>
+          </p:nvPr>
+        </p:nvSpPr>
+        <p:spPr>
+          <a:prstGeom prst="rect">
+            <a:avLst/>
+          </a:prstGeom>
+        </p:spPr>
+        <p:txBody>
+          <a:bodyPr/>
+          <a:lstStyle/>
+          <a:p>
+            <a:pPr lvl="0">
+              <a:defRPr sz="1800"/>
+            </a:pPr>
+            <a:r>
+              <a:rPr sz="8400"/>
+              <a:t>Title Text</a:t>
+            </a:r>
+          </a:p>
+        </p:txBody>
+      </p:sp>
+      <p:sp>
+        <p:nvSpPr>
+          <p:cNvPr id="12" name="Shape 12"/>
+          <p:cNvSpPr>
+            <a:spLocks noGrp="1"/>
+          </p:cNvSpPr>
+          <p:nvPr>
+            <p:ph type="body" idx="1"/>
+          </p:nvPr>
+        </p:nvSpPr>
+        <p:spPr>
+          <a:prstGeom prst="rect">
+            <a:avLst/>
+          </a:prstGeom>
+        </p:spPr>
+        <p:txBody>
+          <a:bodyPr lIns="0" tIns="0" rIns="0" bIns="0" numCol="2" spcCol="523240" anchor="t"/>
+          <a:lstStyle>
+            <a:lvl1pPr marL="812120" indent="-494620">
+              <a:spcBef>
+                <a:spcPts val="3800"/>
+              </a:spcBef>
+              <a:defRPr sz="3200"/>
+            </a:lvl1pPr>
+            <a:lvl2pPr marL="1256620" indent="-494620">
+              <a:spcBef>
+                <a:spcPts val="3800"/>
+              </a:spcBef>
+              <a:defRPr sz="3200"/>
+            </a:lvl2pPr>
+            <a:lvl3pPr marL="1701120" indent="-494620">
+              <a:spcBef>
+                <a:spcPts val="3800"/>
+              </a:spcBef>
+              <a:defRPr sz="3200"/>
+            </a:lvl3pPr>
+            <a:lvl4pPr marL="2145620" indent="-494620">
+              <a:spcBef>
+                <a:spcPts val="3800"/>
+              </a:spcBef>
+              <a:defRPr sz="3200"/>
+            </a:lvl4pPr>
+            <a:lvl5pPr marL="2590120" indent="-494620">
+              <a:spcBef>
+                <a:spcPts val="3800"/>
+              </a:spcBef>
+              <a:defRPr sz="3200"/>
+            </a:lvl5pPr>
+          </a:lstStyle>
+          <a:p>
+            <a:pPr lvl="0">
+              <a:defRPr sz="1800"/>
+            </a:pPr>
+            <a:r>
+              <a:rPr sz="3200"/>
+              <a:t>Body Level One</a:t>
+            </a:r>
+          </a:p>
+          <a:p>
+            <a:pPr lvl="1">
+              <a:defRPr sz="1800"/>
+            </a:pPr>
+            <a:r>
+              <a:rPr sz="3200"/>
+              <a:t>Body Level Two</a:t>
+            </a:r>
+          </a:p>
+          <a:p>
+            <a:pPr lvl="2">
+              <a:defRPr sz="1800"/>
+            </a:pPr>
+            <a:r>
+              <a:rPr sz="3200"/>
+              <a:t>Body Level Three</a:t>
+            </a:r>
+          </a:p>
+          <a:p>
+            <a:pPr lvl="3">
+              <a:defRPr sz="1800"/>
+            </a:pPr>
+            <a:r>
+              <a:rPr sz="3200"/>
+              <a:t>Body Level Four</a:t>
+            </a:r>
+          </a:p>
+          <a:p>
+            <a:pPr lvl="4">
+              <a:defRPr sz="1800"/>
+            </a:pPr>
+            <a:r>
+              <a:rPr sz="3200"/>
+              <a:t>Body Level Five</a:t>
+            </a:r>
+          </a:p>
+        </p:txBody>
+      </p:sp>
+    </p:spTree>
+  </p:cSld>
+  <p:clrMapOvr>
+    <a:masterClrMapping/>
+  </p:clrMapOvr>
+  <p:transition spd="med"/>
+</p:sldLayout>
+</file>
+
+<file path=ppt/slideLayouts/slideLayout3.xml><?xml version="1.0" encoding="utf-8"?>
+<p:sldLayout xmlns:a="http://schemas.openxmlformats.org/drawingml/2006/main" xmlns:r="http://schemas.openxmlformats.org/officeDocument/2006/relationships" xmlns:p="http://schemas.openxmlformats.org/presentationml/2006/main" type="tx">
+  <p:cSld name="Bullets">
+    <p:spTree>
+      <p:nvGrpSpPr>
+        <p:cNvPr id="1" name=""/>
+        <p:cNvGrpSpPr/>
+        <p:nvPr/>
+      </p:nvGrpSpPr>
+      <p:grpSpPr>
+        <a:xfrm>
+          <a:off x="0" y="0"/>
+          <a:ext cx="0" cy="0"/>
+          <a:chOff x="0" y="0"/>
+          <a:chExt cx="0" cy="0"/>
+        </a:xfrm>
+      </p:grpSpPr>
+      <p:sp>
+        <p:nvSpPr>
+          <p:cNvPr id="14" name="Shape 14"/>
+          <p:cNvSpPr>
+            <a:spLocks noGrp="1"/>
+          </p:cNvSpPr>
+          <p:nvPr>
+            <p:ph type="body" idx="1"/>
+          </p:nvPr>
+        </p:nvSpPr>
+        <p:spPr>
+          <a:xfrm>
+            <a:off x="1270000" y="1270000"/>
+            <a:ext cx="10464800" cy="7213600"/>
+          </a:xfrm>
+          <a:prstGeom prst="rect">
+            <a:avLst/>
+          </a:prstGeom>
+        </p:spPr>
+        <p:txBody>
+          <a:bodyPr/>
+          <a:lstStyle>
+            <a:lvl1pPr>
+              <a:spcBef>
+                <a:spcPts val="4800"/>
+              </a:spcBef>
+            </a:lvl1pPr>
+            <a:lvl2pPr>
+              <a:spcBef>
+                <a:spcPts val="4800"/>
+              </a:spcBef>
+            </a:lvl2pPr>
+            <a:lvl3pPr>
+              <a:spcBef>
+                <a:spcPts val="4800"/>
+              </a:spcBef>
+            </a:lvl3pPr>
+            <a:lvl4pPr>
+              <a:spcBef>
+                <a:spcPts val="4800"/>
+              </a:spcBef>
+            </a:lvl4pPr>
+            <a:lvl5pPr>
+              <a:spcBef>
+                <a:spcPts val="4800"/>
+              </a:spcBef>
+            </a:lvl5pPr>
+          </a:lstStyle>
+          <a:p>
+            <a:pPr lvl="0">
+              <a:defRPr sz="1800"/>
+            </a:pPr>
+            <a:r>
+              <a:rPr sz="4200"/>
+              <a:t>Body Level One</a:t>
+            </a:r>
+          </a:p>
+          <a:p>
+            <a:pPr lvl="1">
+              <a:defRPr sz="1800"/>
+            </a:pPr>
+            <a:r>
+              <a:rPr sz="4200"/>
+              <a:t>Body Level Two</a:t>
+            </a:r>
+          </a:p>
+          <a:p>
+            <a:pPr lvl="2">
+              <a:defRPr sz="1800"/>
+            </a:pPr>
+            <a:r>
+              <a:rPr sz="4200"/>
+              <a:t>Body Level Three</a:t>
+            </a:r>
+          </a:p>
+          <a:p>
+            <a:pPr lvl="3">
+              <a:defRPr sz="1800"/>
+            </a:pPr>
+            <a:r>
+              <a:rPr sz="4200"/>
+              <a:t>Body Level Four</a:t>
+            </a:r>
+          </a:p>
+          <a:p>
+            <a:pPr lvl="4">
+              <a:defRPr sz="1800"/>
+            </a:pPr>
+            <a:r>
+              <a:rPr sz="4200"/>
+              <a:t>Body Level Five</a:t>
+            </a:r>
+          </a:p>
+        </p:txBody>
+      </p:sp>
+    </p:spTree>
+  </p:cSld>
+  <p:clrMapOvr>
+    <a:masterClrMapping/>
+  </p:clrMapOvr>
+  <p:transition spd="med"/>
+</p:sldLayout>
+</file>
+
+<file path=ppt/slideLayouts/slideLayout4.xml><?xml version="1.0" encoding="utf-8"?>
+<p:sldLayout xmlns:a="http://schemas.openxmlformats.org/drawingml/2006/main" xmlns:r="http://schemas.openxmlformats.org/officeDocument/2006/relationships" xmlns:p="http://schemas.openxmlformats.org/presentationml/2006/main" type="tx">
+  <p:cSld name="Blank">
+    <p:spTree>
+      <p:nvGrpSpPr>
+        <p:cNvPr id="1" name=""/>
+        <p:cNvGrpSpPr/>
+        <p:nvPr/>
+      </p:nvGrpSpPr>
+      <p:grpSpPr>
+        <a:xfrm>
+          <a:off x="0" y="0"/>
+          <a:ext cx="0" cy="0"/>
+          <a:chOff x="0" y="0"/>
+          <a:chExt cx="0" cy="0"/>
+        </a:xfrm>
+      </p:grpSpPr>
+    </p:spTree>
+  </p:cSld>
+  <p:clrMapOvr>
+    <a:masterClrMapping/>
+  </p:clrMapOvr>
+  <p:transition spd="med"/>
+</p:sldLayout>
+</file>
+
+<file path=ppt/slideLayouts/slideLayout5.xml><?xml version="1.0" encoding="utf-8"?>
+<p:sldLayout xmlns:a="http://schemas.openxmlformats.org/drawingml/2006/main" xmlns:r="http://schemas.openxmlformats.org/officeDocument/2006/relationships" xmlns:p="http://schemas.openxmlformats.org/presentationml/2006/main" type="tx">
+  <p:cSld name="Title - Top">
+    <p:spTree>
+      <p:nvGrpSpPr>
+        <p:cNvPr id="1" name=""/>
+        <p:cNvGrpSpPr/>
+        <p:nvPr/>
+      </p:nvGrpSpPr>
+      <p:grpSpPr>
+        <a:xfrm>
+          <a:off x="0" y="0"/>
+          <a:ext cx="0" cy="0"/>
+          <a:chOff x="0" y="0"/>
+          <a:chExt cx="0" cy="0"/>
+        </a:xfrm>
+      </p:grpSpPr>
+      <p:sp>
+        <p:nvSpPr>
+          <p:cNvPr id="17" name="Shape 17"/>
+          <p:cNvSpPr>
+            <a:spLocks noGrp="1"/>
+          </p:cNvSpPr>
+          <p:nvPr>
+            <p:ph type="title"/>
+          </p:nvPr>
+        </p:nvSpPr>
+        <p:spPr>
+          <a:prstGeom prst="rect">
+            <a:avLst/>
+          </a:prstGeom>
+        </p:spPr>
+        <p:txBody>
+          <a:bodyPr/>
+          <a:lstStyle/>
+          <a:p>
+            <a:pPr lvl="0">
+              <a:defRPr sz="1800"/>
+            </a:pPr>
+            <a:r>
+              <a:rPr sz="8400"/>
+              <a:t>Title Text</a:t>
+            </a:r>
+          </a:p>
+        </p:txBody>
+      </p:sp>
+    </p:spTree>
+  </p:cSld>
+  <p:clrMapOvr>
+    <a:masterClrMapping/>
+  </p:clrMapOvr>
+  <p:transition spd="med"/>
+</p:sldLayout>
+</file>
+
+<file path=ppt/slideLayouts/slideLayout6.xml><?xml version="1.0" encoding="utf-8"?>
+<p:sldLayout xmlns:a="http://schemas.openxmlformats.org/drawingml/2006/main" xmlns:r="http://schemas.openxmlformats.org/officeDocument/2006/relationships" xmlns:p="http://schemas.openxmlformats.org/presentationml/2006/main" type="tx">
+  <p:cSld name="Title - Center">
+    <p:spTree>
+      <p:nvGrpSpPr>
+        <p:cNvPr id="1" name=""/>
+        <p:cNvGrpSpPr/>
+        <p:nvPr/>
+      </p:nvGrpSpPr>
+      <p:grpSpPr>
+        <a:xfrm>
+          <a:off x="0" y="0"/>
+          <a:ext cx="0" cy="0"/>
+          <a:chOff x="0" y="0"/>
+          <a:chExt cx="0" cy="0"/>
+        </a:xfrm>
+      </p:grpSpPr>
+      <p:sp>
+        <p:nvSpPr>
+          <p:cNvPr id="19" name="Shape 19"/>
+          <p:cNvSpPr>
+            <a:spLocks noGrp="1"/>
+          </p:cNvSpPr>
+          <p:nvPr>
+            <p:ph type="title"/>
+          </p:nvPr>
+        </p:nvSpPr>
+        <p:spPr>
+          <a:xfrm>
+            <a:off x="1270000" y="2971800"/>
+            <a:ext cx="10464800" cy="3810000"/>
+          </a:xfrm>
+          <a:prstGeom prst="rect">
+            <a:avLst/>
+          </a:prstGeom>
+        </p:spPr>
+        <p:txBody>
+          <a:bodyPr/>
+          <a:lstStyle/>
+          <a:p>
+            <a:pPr lvl="0">
+              <a:defRPr sz="1800"/>
+            </a:pPr>
+            <a:r>
+              <a:rPr sz="8400"/>
+              <a:t>Title Text</a:t>
+            </a:r>
+          </a:p>
+        </p:txBody>
+      </p:sp>
+    </p:spTree>
+  </p:cSld>
+  <p:clrMapOvr>
+    <a:masterClrMapping/>
+  </p:clrMapOvr>
+  <p:transition spd="med"/>
+</p:sldLayout>
+</file>
+
+<file path=ppt/slideLayouts/slideLayout7.xml><?xml version="1.0" encoding="utf-8"?>
+<p:sldLayout xmlns:a="http://schemas.openxmlformats.org/drawingml/2006/main" xmlns:r="http://schemas.openxmlformats.org/officeDocument/2006/relationships" xmlns:p="http://schemas.openxmlformats.org/presentationml/2006/main" type="tx">
+  <p:cSld name="Photo - Horizontal">
+    <p:spTree>
+      <p:nvGrpSpPr>
+        <p:cNvPr id="1" name=""/>
+        <p:cNvGrpSpPr/>
+        <p:nvPr/>
+      </p:nvGrpSpPr>
+      <p:grpSpPr>
+        <a:xfrm>
+          <a:off x="0" y="0"/>
+          <a:ext cx="0" cy="0"/>
+          <a:chOff x="0" y="0"/>
+          <a:chExt cx="0" cy="0"/>
+        </a:xfrm>
+      </p:grpSpPr>
+      <p:sp>
+        <p:nvSpPr>
+          <p:cNvPr id="21" name="Shape 21"/>
+          <p:cNvSpPr>
+            <a:spLocks noGrp="1"/>
+          </p:cNvSpPr>
+          <p:nvPr>
+            <p:ph type="title"/>
+          </p:nvPr>
+        </p:nvSpPr>
+        <p:spPr>
+          <a:xfrm>
+            <a:off x="1270000" y="7366000"/>
+            <a:ext cx="10464800" cy="1701800"/>
+          </a:xfrm>
+          <a:prstGeom prst="rect">
+            <a:avLst/>
+          </a:prstGeom>
+        </p:spPr>
+        <p:txBody>
+          <a:bodyPr/>
+          <a:lstStyle/>
+          <a:p>
+            <a:pPr lvl="0">
+              <a:defRPr sz="1800"/>
+            </a:pPr>
+            <a:r>
+              <a:rPr sz="8400"/>
+              <a:t>Title Text</a:t>
+            </a:r>
+          </a:p>
+        </p:txBody>
+      </p:sp>
+    </p:spTree>
+  </p:cSld>
+  <p:clrMapOvr>
+    <a:masterClrMapping/>
+  </p:clrMapOvr>
+  <p:transition spd="med"/>
+</p:sldLayout>
+</file>
+
+<file path=ppt/slideLayouts/slideLayout8.xml><?xml version="1.0" encoding="utf-8"?>
+<p:sldLayout xmlns:a="http://schemas.openxmlformats.org/drawingml/2006/main" xmlns:r="http://schemas.openxmlformats.org/officeDocument/2006/relationships" xmlns:p="http://schemas.openxmlformats.org/presentationml/2006/main" type="tx">
+  <p:cSld name="Photo - Horizontal Reflection">
+    <p:spTree>
+      <p:nvGrpSpPr>
+        <p:cNvPr id="1" name=""/>
+        <p:cNvGrpSpPr/>
+        <p:nvPr/>
+      </p:nvGrpSpPr>
+      <p:grpSpPr>
+        <a:xfrm>
+          <a:off x="0" y="0"/>
+          <a:ext cx="0" cy="0"/>
+          <a:chOff x="0" y="0"/>
+          <a:chExt cx="0" cy="0"/>
+        </a:xfrm>
+      </p:grpSpPr>
+      <p:sp>
+        <p:nvSpPr>
+          <p:cNvPr id="23" name="Shape 23"/>
+          <p:cNvSpPr>
+            <a:spLocks noGrp="1"/>
+          </p:cNvSpPr>
+          <p:nvPr>
+            <p:ph type="title"/>
+          </p:nvPr>
+        </p:nvSpPr>
+        <p:spPr>
+          <a:xfrm>
+            <a:off x="1270000" y="7366000"/>
+            <a:ext cx="10464800" cy="1701800"/>
+          </a:xfrm>
+          <a:prstGeom prst="rect">
+            <a:avLst/>
+          </a:prstGeom>
+        </p:spPr>
+        <p:txBody>
+          <a:bodyPr/>
+          <a:lstStyle/>
+          <a:p>
+            <a:pPr lvl="0">
+              <a:defRPr sz="1800"/>
+            </a:pPr>
+            <a:r>
+              <a:rPr sz="8400"/>
+              <a:t>Title Text</a:t>
+            </a:r>
+          </a:p>
+        </p:txBody>
+      </p:sp>
+    </p:spTree>
+  </p:cSld>
+  <p:clrMapOvr>
+    <a:masterClrMapping/>
+  </p:clrMapOvr>
+  <p:transition spd="med"/>
+</p:sldLayout>
+</file>
+
+<file path=ppt/slideLayouts/slideLayout9.xml><?xml version="1.0" encoding="utf-8"?>
+<p:sldLayout xmlns:a="http://schemas.openxmlformats.org/drawingml/2006/main" xmlns:r="http://schemas.openxmlformats.org/officeDocument/2006/relationships" xmlns:p="http://schemas.openxmlformats.org/presentationml/2006/main" type="tx">
+  <p:cSld name="Photo - Vertical">
+    <p:spTree>
+      <p:nvGrpSpPr>
+        <p:cNvPr id="1" name=""/>
+        <p:cNvGrpSpPr/>
+        <p:nvPr/>
+      </p:nvGrpSpPr>
+      <p:grpSpPr>
+        <a:xfrm>
+          <a:off x="0" y="0"/>
+          <a:ext cx="0" cy="0"/>
+          <a:chOff x="0" y="0"/>
+          <a:chExt cx="0" cy="0"/>
+        </a:xfrm>
+      </p:grpSpPr>
+      <p:sp>
+        <p:nvSpPr>
+          <p:cNvPr id="25" name="Shape 25"/>
+          <p:cNvSpPr>
+            <a:spLocks noGrp="1"/>
+          </p:cNvSpPr>
+          <p:nvPr>
+            <p:ph type="title"/>
+          </p:nvPr>
+        </p:nvSpPr>
+        <p:spPr>
           <a:xfrm>
             <a:off x="635000" y="1409700"/>
             <a:ext cx="5867400" cy="3302000"/>
@@ -660,7 +1655,7 @@
       </p:sp>
       <p:sp>
         <p:nvSpPr>
-          <p:cNvPr id="29" name="Shape 29"/>
+          <p:cNvPr id="26" name="Shape 26"/>
           <p:cNvSpPr>
             <a:spLocks noGrp="1"/>
           </p:cNvSpPr>
@@ -777,1121 +1772,6 @@
 </p:sldLayout>
 </file>
 
-<file path=ppt/slideLayouts/slideLayout12.xml><?xml version="1.0" encoding="utf-8"?>
-<p:sldLayout xmlns:a="http://schemas.openxmlformats.org/drawingml/2006/main" xmlns:r="http://schemas.openxmlformats.org/officeDocument/2006/relationships" xmlns:p="http://schemas.openxmlformats.org/presentationml/2006/main" type="tx">
-  <p:cSld name="Title, Bullets &amp; Photo">
-    <p:spTree>
-      <p:nvGrpSpPr>
-        <p:cNvPr id="1" name=""/>
-        <p:cNvGrpSpPr/>
-        <p:nvPr/>
-      </p:nvGrpSpPr>
-      <p:grpSpPr>
-        <a:xfrm>
-          <a:off x="0" y="0"/>
-          <a:ext cx="0" cy="0"/>
-          <a:chOff x="0" y="0"/>
-          <a:chExt cx="0" cy="0"/>
-        </a:xfrm>
-      </p:grpSpPr>
-      <p:sp>
-        <p:nvSpPr>
-          <p:cNvPr id="31" name="Shape 31"/>
-          <p:cNvSpPr>
-            <a:spLocks noGrp="1"/>
-          </p:cNvSpPr>
-          <p:nvPr>
-            <p:ph type="title"/>
-          </p:nvPr>
-        </p:nvSpPr>
-        <p:spPr>
-          <a:prstGeom prst="rect">
-            <a:avLst/>
-          </a:prstGeom>
-        </p:spPr>
-        <p:txBody>
-          <a:bodyPr/>
-          <a:lstStyle/>
-          <a:p>
-            <a:pPr lvl="0">
-              <a:defRPr sz="1800"/>
-            </a:pPr>
-            <a:r>
-              <a:rPr sz="8400"/>
-              <a:t>Title Text</a:t>
-            </a:r>
-          </a:p>
-        </p:txBody>
-      </p:sp>
-      <p:sp>
-        <p:nvSpPr>
-          <p:cNvPr id="32" name="Shape 32"/>
-          <p:cNvSpPr>
-            <a:spLocks noGrp="1"/>
-          </p:cNvSpPr>
-          <p:nvPr>
-            <p:ph type="body" idx="1"/>
-          </p:nvPr>
-        </p:nvSpPr>
-        <p:spPr>
-          <a:xfrm>
-            <a:off x="1270000" y="2768600"/>
-            <a:ext cx="5041900" cy="5715000"/>
-          </a:xfrm>
-          <a:prstGeom prst="rect">
-            <a:avLst/>
-          </a:prstGeom>
-        </p:spPr>
-        <p:txBody>
-          <a:bodyPr/>
-          <a:lstStyle>
-            <a:lvl1pPr marL="812120" indent="-494620">
-              <a:spcBef>
-                <a:spcPts val="3800"/>
-              </a:spcBef>
-              <a:defRPr sz="3200"/>
-            </a:lvl1pPr>
-            <a:lvl2pPr marL="1256620" indent="-494620">
-              <a:spcBef>
-                <a:spcPts val="3800"/>
-              </a:spcBef>
-              <a:defRPr sz="3200"/>
-            </a:lvl2pPr>
-            <a:lvl3pPr marL="1701120" indent="-494620">
-              <a:spcBef>
-                <a:spcPts val="3800"/>
-              </a:spcBef>
-              <a:defRPr sz="3200"/>
-            </a:lvl3pPr>
-            <a:lvl4pPr marL="2145620" indent="-494620">
-              <a:spcBef>
-                <a:spcPts val="3800"/>
-              </a:spcBef>
-              <a:defRPr sz="3200"/>
-            </a:lvl4pPr>
-            <a:lvl5pPr marL="2590120" indent="-494620">
-              <a:spcBef>
-                <a:spcPts val="3800"/>
-              </a:spcBef>
-              <a:defRPr sz="3200"/>
-            </a:lvl5pPr>
-          </a:lstStyle>
-          <a:p>
-            <a:pPr lvl="0">
-              <a:defRPr sz="1800"/>
-            </a:pPr>
-            <a:r>
-              <a:rPr sz="3200"/>
-              <a:t>Body Level One</a:t>
-            </a:r>
-          </a:p>
-          <a:p>
-            <a:pPr lvl="1">
-              <a:defRPr sz="1800"/>
-            </a:pPr>
-            <a:r>
-              <a:rPr sz="3200"/>
-              <a:t>Body Level Two</a:t>
-            </a:r>
-          </a:p>
-          <a:p>
-            <a:pPr lvl="2">
-              <a:defRPr sz="1800"/>
-            </a:pPr>
-            <a:r>
-              <a:rPr sz="3200"/>
-              <a:t>Body Level Three</a:t>
-            </a:r>
-          </a:p>
-          <a:p>
-            <a:pPr lvl="3">
-              <a:defRPr sz="1800"/>
-            </a:pPr>
-            <a:r>
-              <a:rPr sz="3200"/>
-              <a:t>Body Level Four</a:t>
-            </a:r>
-          </a:p>
-          <a:p>
-            <a:pPr lvl="4">
-              <a:defRPr sz="1800"/>
-            </a:pPr>
-            <a:r>
-              <a:rPr sz="3200"/>
-              <a:t>Body Level Five</a:t>
-            </a:r>
-          </a:p>
-        </p:txBody>
-      </p:sp>
-    </p:spTree>
-  </p:cSld>
-  <p:clrMapOvr>
-    <a:masterClrMapping/>
-  </p:clrMapOvr>
-  <p:transition spd="med"/>
-</p:sldLayout>
-</file>
-
-<file path=ppt/slideLayouts/slideLayout13.xml><?xml version="1.0" encoding="utf-8"?>
-<p:sldLayout xmlns:a="http://schemas.openxmlformats.org/drawingml/2006/main" xmlns:r="http://schemas.openxmlformats.org/officeDocument/2006/relationships" xmlns:p="http://schemas.openxmlformats.org/presentationml/2006/main" type="tx">
-  <p:cSld name="Title &amp; Bullets - Left">
-    <p:spTree>
-      <p:nvGrpSpPr>
-        <p:cNvPr id="1" name=""/>
-        <p:cNvGrpSpPr/>
-        <p:nvPr/>
-      </p:nvGrpSpPr>
-      <p:grpSpPr>
-        <a:xfrm>
-          <a:off x="0" y="0"/>
-          <a:ext cx="0" cy="0"/>
-          <a:chOff x="0" y="0"/>
-          <a:chExt cx="0" cy="0"/>
-        </a:xfrm>
-      </p:grpSpPr>
-      <p:sp>
-        <p:nvSpPr>
-          <p:cNvPr id="34" name="Shape 34"/>
-          <p:cNvSpPr>
-            <a:spLocks noGrp="1"/>
-          </p:cNvSpPr>
-          <p:nvPr>
-            <p:ph type="title"/>
-          </p:nvPr>
-        </p:nvSpPr>
-        <p:spPr>
-          <a:prstGeom prst="rect">
-            <a:avLst/>
-          </a:prstGeom>
-        </p:spPr>
-        <p:txBody>
-          <a:bodyPr/>
-          <a:lstStyle/>
-          <a:p>
-            <a:pPr lvl="0">
-              <a:defRPr sz="1800"/>
-            </a:pPr>
-            <a:r>
-              <a:rPr sz="8400"/>
-              <a:t>Title Text</a:t>
-            </a:r>
-          </a:p>
-        </p:txBody>
-      </p:sp>
-      <p:sp>
-        <p:nvSpPr>
-          <p:cNvPr id="35" name="Shape 35"/>
-          <p:cNvSpPr>
-            <a:spLocks noGrp="1"/>
-          </p:cNvSpPr>
-          <p:nvPr>
-            <p:ph type="body" idx="1"/>
-          </p:nvPr>
-        </p:nvSpPr>
-        <p:spPr>
-          <a:xfrm>
-            <a:off x="1270000" y="2768600"/>
-            <a:ext cx="5041900" cy="5715000"/>
-          </a:xfrm>
-          <a:prstGeom prst="rect">
-            <a:avLst/>
-          </a:prstGeom>
-        </p:spPr>
-        <p:txBody>
-          <a:bodyPr/>
-          <a:lstStyle>
-            <a:lvl1pPr marL="812120" indent="-494620">
-              <a:spcBef>
-                <a:spcPts val="3800"/>
-              </a:spcBef>
-              <a:defRPr sz="3200"/>
-            </a:lvl1pPr>
-            <a:lvl2pPr marL="1256620" indent="-494620">
-              <a:spcBef>
-                <a:spcPts val="3800"/>
-              </a:spcBef>
-              <a:defRPr sz="3200"/>
-            </a:lvl2pPr>
-            <a:lvl3pPr marL="1701120" indent="-494620">
-              <a:spcBef>
-                <a:spcPts val="3800"/>
-              </a:spcBef>
-              <a:defRPr sz="3200"/>
-            </a:lvl3pPr>
-            <a:lvl4pPr marL="2145620" indent="-494620">
-              <a:spcBef>
-                <a:spcPts val="3800"/>
-              </a:spcBef>
-              <a:defRPr sz="3200"/>
-            </a:lvl4pPr>
-            <a:lvl5pPr marL="2590120" indent="-494620">
-              <a:spcBef>
-                <a:spcPts val="3800"/>
-              </a:spcBef>
-              <a:defRPr sz="3200"/>
-            </a:lvl5pPr>
-          </a:lstStyle>
-          <a:p>
-            <a:pPr lvl="0">
-              <a:defRPr sz="1800"/>
-            </a:pPr>
-            <a:r>
-              <a:rPr sz="3200"/>
-              <a:t>Body Level One</a:t>
-            </a:r>
-          </a:p>
-          <a:p>
-            <a:pPr lvl="1">
-              <a:defRPr sz="1800"/>
-            </a:pPr>
-            <a:r>
-              <a:rPr sz="3200"/>
-              <a:t>Body Level Two</a:t>
-            </a:r>
-          </a:p>
-          <a:p>
-            <a:pPr lvl="2">
-              <a:defRPr sz="1800"/>
-            </a:pPr>
-            <a:r>
-              <a:rPr sz="3200"/>
-              <a:t>Body Level Three</a:t>
-            </a:r>
-          </a:p>
-          <a:p>
-            <a:pPr lvl="3">
-              <a:defRPr sz="1800"/>
-            </a:pPr>
-            <a:r>
-              <a:rPr sz="3200"/>
-              <a:t>Body Level Four</a:t>
-            </a:r>
-          </a:p>
-          <a:p>
-            <a:pPr lvl="4">
-              <a:defRPr sz="1800"/>
-            </a:pPr>
-            <a:r>
-              <a:rPr sz="3200"/>
-              <a:t>Body Level Five</a:t>
-            </a:r>
-          </a:p>
-        </p:txBody>
-      </p:sp>
-    </p:spTree>
-  </p:cSld>
-  <p:clrMapOvr>
-    <a:masterClrMapping/>
-  </p:clrMapOvr>
-  <p:transition spd="med"/>
-</p:sldLayout>
-</file>
-
-<file path=ppt/slideLayouts/slideLayout14.xml><?xml version="1.0" encoding="utf-8"?>
-<p:sldLayout xmlns:a="http://schemas.openxmlformats.org/drawingml/2006/main" xmlns:r="http://schemas.openxmlformats.org/officeDocument/2006/relationships" xmlns:p="http://schemas.openxmlformats.org/presentationml/2006/main" type="tx">
-  <p:cSld name="Title &amp; Bullets - Right">
-    <p:spTree>
-      <p:nvGrpSpPr>
-        <p:cNvPr id="1" name=""/>
-        <p:cNvGrpSpPr/>
-        <p:nvPr/>
-      </p:nvGrpSpPr>
-      <p:grpSpPr>
-        <a:xfrm>
-          <a:off x="0" y="0"/>
-          <a:ext cx="0" cy="0"/>
-          <a:chOff x="0" y="0"/>
-          <a:chExt cx="0" cy="0"/>
-        </a:xfrm>
-      </p:grpSpPr>
-      <p:sp>
-        <p:nvSpPr>
-          <p:cNvPr id="37" name="Shape 37"/>
-          <p:cNvSpPr>
-            <a:spLocks noGrp="1"/>
-          </p:cNvSpPr>
-          <p:nvPr>
-            <p:ph type="title"/>
-          </p:nvPr>
-        </p:nvSpPr>
-        <p:spPr>
-          <a:prstGeom prst="rect">
-            <a:avLst/>
-          </a:prstGeom>
-        </p:spPr>
-        <p:txBody>
-          <a:bodyPr/>
-          <a:lstStyle/>
-          <a:p>
-            <a:pPr lvl="0">
-              <a:defRPr sz="1800"/>
-            </a:pPr>
-            <a:r>
-              <a:rPr sz="8400"/>
-              <a:t>Title Text</a:t>
-            </a:r>
-          </a:p>
-        </p:txBody>
-      </p:sp>
-      <p:sp>
-        <p:nvSpPr>
-          <p:cNvPr id="38" name="Shape 38"/>
-          <p:cNvSpPr>
-            <a:spLocks noGrp="1"/>
-          </p:cNvSpPr>
-          <p:nvPr>
-            <p:ph type="body" idx="1"/>
-          </p:nvPr>
-        </p:nvSpPr>
-        <p:spPr>
-          <a:xfrm>
-            <a:off x="7772400" y="2768600"/>
-            <a:ext cx="3962400" cy="5715000"/>
-          </a:xfrm>
-          <a:prstGeom prst="rect">
-            <a:avLst/>
-          </a:prstGeom>
-        </p:spPr>
-        <p:txBody>
-          <a:bodyPr/>
-          <a:lstStyle>
-            <a:lvl1pPr marL="812120" indent="-494620">
-              <a:spcBef>
-                <a:spcPts val="3800"/>
-              </a:spcBef>
-              <a:defRPr sz="3200"/>
-            </a:lvl1pPr>
-            <a:lvl2pPr marL="1256620" indent="-494620">
-              <a:spcBef>
-                <a:spcPts val="3800"/>
-              </a:spcBef>
-              <a:defRPr sz="3200"/>
-            </a:lvl2pPr>
-            <a:lvl3pPr marL="1701120" indent="-494620">
-              <a:spcBef>
-                <a:spcPts val="3800"/>
-              </a:spcBef>
-              <a:defRPr sz="3200"/>
-            </a:lvl3pPr>
-            <a:lvl4pPr marL="2145620" indent="-494620">
-              <a:spcBef>
-                <a:spcPts val="3800"/>
-              </a:spcBef>
-              <a:defRPr sz="3200"/>
-            </a:lvl4pPr>
-            <a:lvl5pPr marL="2590120" indent="-494620">
-              <a:spcBef>
-                <a:spcPts val="3800"/>
-              </a:spcBef>
-              <a:defRPr sz="3200"/>
-            </a:lvl5pPr>
-          </a:lstStyle>
-          <a:p>
-            <a:pPr lvl="0">
-              <a:defRPr sz="1800"/>
-            </a:pPr>
-            <a:r>
-              <a:rPr sz="3200"/>
-              <a:t>Body Level One</a:t>
-            </a:r>
-          </a:p>
-          <a:p>
-            <a:pPr lvl="1">
-              <a:defRPr sz="1800"/>
-            </a:pPr>
-            <a:r>
-              <a:rPr sz="3200"/>
-              <a:t>Body Level Two</a:t>
-            </a:r>
-          </a:p>
-          <a:p>
-            <a:pPr lvl="2">
-              <a:defRPr sz="1800"/>
-            </a:pPr>
-            <a:r>
-              <a:rPr sz="3200"/>
-              <a:t>Body Level Three</a:t>
-            </a:r>
-          </a:p>
-          <a:p>
-            <a:pPr lvl="3">
-              <a:defRPr sz="1800"/>
-            </a:pPr>
-            <a:r>
-              <a:rPr sz="3200"/>
-              <a:t>Body Level Four</a:t>
-            </a:r>
-          </a:p>
-          <a:p>
-            <a:pPr lvl="4">
-              <a:defRPr sz="1800"/>
-            </a:pPr>
-            <a:r>
-              <a:rPr sz="3200"/>
-              <a:t>Body Level Five</a:t>
-            </a:r>
-          </a:p>
-        </p:txBody>
-      </p:sp>
-    </p:spTree>
-  </p:cSld>
-  <p:clrMapOvr>
-    <a:masterClrMapping/>
-  </p:clrMapOvr>
-  <p:transition spd="med"/>
-</p:sldLayout>
-</file>
-
-<file path=ppt/slideLayouts/slideLayout2.xml><?xml version="1.0" encoding="utf-8"?>
-<p:sldLayout xmlns:a="http://schemas.openxmlformats.org/drawingml/2006/main" xmlns:r="http://schemas.openxmlformats.org/officeDocument/2006/relationships" xmlns:p="http://schemas.openxmlformats.org/presentationml/2006/main" type="tx">
-  <p:cSld name="Title &amp; Bullets">
-    <p:spTree>
-      <p:nvGrpSpPr>
-        <p:cNvPr id="1" name=""/>
-        <p:cNvGrpSpPr/>
-        <p:nvPr/>
-      </p:nvGrpSpPr>
-      <p:grpSpPr>
-        <a:xfrm>
-          <a:off x="0" y="0"/>
-          <a:ext cx="0" cy="0"/>
-          <a:chOff x="0" y="0"/>
-          <a:chExt cx="0" cy="0"/>
-        </a:xfrm>
-      </p:grpSpPr>
-      <p:sp>
-        <p:nvSpPr>
-          <p:cNvPr id="8" name="Shape 8"/>
-          <p:cNvSpPr>
-            <a:spLocks noGrp="1"/>
-          </p:cNvSpPr>
-          <p:nvPr>
-            <p:ph type="title"/>
-          </p:nvPr>
-        </p:nvSpPr>
-        <p:spPr>
-          <a:prstGeom prst="rect">
-            <a:avLst/>
-          </a:prstGeom>
-        </p:spPr>
-        <p:txBody>
-          <a:bodyPr/>
-          <a:lstStyle/>
-          <a:p>
-            <a:pPr lvl="0">
-              <a:defRPr sz="1800"/>
-            </a:pPr>
-            <a:r>
-              <a:rPr sz="8400"/>
-              <a:t>Title Text</a:t>
-            </a:r>
-          </a:p>
-        </p:txBody>
-      </p:sp>
-      <p:sp>
-        <p:nvSpPr>
-          <p:cNvPr id="9" name="Shape 9"/>
-          <p:cNvSpPr>
-            <a:spLocks noGrp="1"/>
-          </p:cNvSpPr>
-          <p:nvPr>
-            <p:ph type="body" idx="1"/>
-          </p:nvPr>
-        </p:nvSpPr>
-        <p:spPr>
-          <a:prstGeom prst="rect">
-            <a:avLst/>
-          </a:prstGeom>
-        </p:spPr>
-        <p:txBody>
-          <a:bodyPr/>
-          <a:lstStyle/>
-          <a:p>
-            <a:pPr lvl="0">
-              <a:defRPr sz="1800"/>
-            </a:pPr>
-            <a:r>
-              <a:rPr sz="4200"/>
-              <a:t>Body Level One</a:t>
-            </a:r>
-          </a:p>
-          <a:p>
-            <a:pPr lvl="1">
-              <a:defRPr sz="1800"/>
-            </a:pPr>
-            <a:r>
-              <a:rPr sz="4200"/>
-              <a:t>Body Level Two</a:t>
-            </a:r>
-          </a:p>
-          <a:p>
-            <a:pPr lvl="2">
-              <a:defRPr sz="1800"/>
-            </a:pPr>
-            <a:r>
-              <a:rPr sz="4200"/>
-              <a:t>Body Level Three</a:t>
-            </a:r>
-          </a:p>
-          <a:p>
-            <a:pPr lvl="3">
-              <a:defRPr sz="1800"/>
-            </a:pPr>
-            <a:r>
-              <a:rPr sz="4200"/>
-              <a:t>Body Level Four</a:t>
-            </a:r>
-          </a:p>
-          <a:p>
-            <a:pPr lvl="4">
-              <a:defRPr sz="1800"/>
-            </a:pPr>
-            <a:r>
-              <a:rPr sz="4200"/>
-              <a:t>Body Level Five</a:t>
-            </a:r>
-          </a:p>
-        </p:txBody>
-      </p:sp>
-    </p:spTree>
-  </p:cSld>
-  <p:clrMapOvr>
-    <a:masterClrMapping/>
-  </p:clrMapOvr>
-  <p:transition spd="med"/>
-</p:sldLayout>
-</file>
-
-<file path=ppt/slideLayouts/slideLayout3.xml><?xml version="1.0" encoding="utf-8"?>
-<p:sldLayout xmlns:a="http://schemas.openxmlformats.org/drawingml/2006/main" xmlns:r="http://schemas.openxmlformats.org/officeDocument/2006/relationships" xmlns:p="http://schemas.openxmlformats.org/presentationml/2006/main" type="tx">
-  <p:cSld name="Title &amp; Bullets - 2 Column">
-    <p:spTree>
-      <p:nvGrpSpPr>
-        <p:cNvPr id="1" name=""/>
-        <p:cNvGrpSpPr/>
-        <p:nvPr/>
-      </p:nvGrpSpPr>
-      <p:grpSpPr>
-        <a:xfrm>
-          <a:off x="0" y="0"/>
-          <a:ext cx="0" cy="0"/>
-          <a:chOff x="0" y="0"/>
-          <a:chExt cx="0" cy="0"/>
-        </a:xfrm>
-      </p:grpSpPr>
-      <p:sp>
-        <p:nvSpPr>
-          <p:cNvPr id="11" name="Shape 11"/>
-          <p:cNvSpPr>
-            <a:spLocks noGrp="1"/>
-          </p:cNvSpPr>
-          <p:nvPr>
-            <p:ph type="title"/>
-          </p:nvPr>
-        </p:nvSpPr>
-        <p:spPr>
-          <a:prstGeom prst="rect">
-            <a:avLst/>
-          </a:prstGeom>
-        </p:spPr>
-        <p:txBody>
-          <a:bodyPr/>
-          <a:lstStyle/>
-          <a:p>
-            <a:pPr lvl="0">
-              <a:defRPr sz="1800"/>
-            </a:pPr>
-            <a:r>
-              <a:rPr sz="8400"/>
-              <a:t>Title Text</a:t>
-            </a:r>
-          </a:p>
-        </p:txBody>
-      </p:sp>
-      <p:sp>
-        <p:nvSpPr>
-          <p:cNvPr id="12" name="Shape 12"/>
-          <p:cNvSpPr>
-            <a:spLocks noGrp="1"/>
-          </p:cNvSpPr>
-          <p:nvPr>
-            <p:ph type="body" idx="1"/>
-          </p:nvPr>
-        </p:nvSpPr>
-        <p:spPr>
-          <a:prstGeom prst="rect">
-            <a:avLst/>
-          </a:prstGeom>
-        </p:spPr>
-        <p:txBody>
-          <a:bodyPr lIns="0" tIns="0" rIns="0" bIns="0" numCol="2" spcCol="523240" anchor="t"/>
-          <a:lstStyle>
-            <a:lvl1pPr marL="812120" indent="-494620">
-              <a:spcBef>
-                <a:spcPts val="3800"/>
-              </a:spcBef>
-              <a:defRPr sz="3200"/>
-            </a:lvl1pPr>
-            <a:lvl2pPr marL="1256620" indent="-494620">
-              <a:spcBef>
-                <a:spcPts val="3800"/>
-              </a:spcBef>
-              <a:defRPr sz="3200"/>
-            </a:lvl2pPr>
-            <a:lvl3pPr marL="1701120" indent="-494620">
-              <a:spcBef>
-                <a:spcPts val="3800"/>
-              </a:spcBef>
-              <a:defRPr sz="3200"/>
-            </a:lvl3pPr>
-            <a:lvl4pPr marL="2145620" indent="-494620">
-              <a:spcBef>
-                <a:spcPts val="3800"/>
-              </a:spcBef>
-              <a:defRPr sz="3200"/>
-            </a:lvl4pPr>
-            <a:lvl5pPr marL="2590120" indent="-494620">
-              <a:spcBef>
-                <a:spcPts val="3800"/>
-              </a:spcBef>
-              <a:defRPr sz="3200"/>
-            </a:lvl5pPr>
-          </a:lstStyle>
-          <a:p>
-            <a:pPr lvl="0">
-              <a:defRPr sz="1800"/>
-            </a:pPr>
-            <a:r>
-              <a:rPr sz="3200"/>
-              <a:t>Body Level One</a:t>
-            </a:r>
-          </a:p>
-          <a:p>
-            <a:pPr lvl="1">
-              <a:defRPr sz="1800"/>
-            </a:pPr>
-            <a:r>
-              <a:rPr sz="3200"/>
-              <a:t>Body Level Two</a:t>
-            </a:r>
-          </a:p>
-          <a:p>
-            <a:pPr lvl="2">
-              <a:defRPr sz="1800"/>
-            </a:pPr>
-            <a:r>
-              <a:rPr sz="3200"/>
-              <a:t>Body Level Three</a:t>
-            </a:r>
-          </a:p>
-          <a:p>
-            <a:pPr lvl="3">
-              <a:defRPr sz="1800"/>
-            </a:pPr>
-            <a:r>
-              <a:rPr sz="3200"/>
-              <a:t>Body Level Four</a:t>
-            </a:r>
-          </a:p>
-          <a:p>
-            <a:pPr lvl="4">
-              <a:defRPr sz="1800"/>
-            </a:pPr>
-            <a:r>
-              <a:rPr sz="3200"/>
-              <a:t>Body Level Five</a:t>
-            </a:r>
-          </a:p>
-        </p:txBody>
-      </p:sp>
-    </p:spTree>
-  </p:cSld>
-  <p:clrMapOvr>
-    <a:masterClrMapping/>
-  </p:clrMapOvr>
-  <p:transition spd="med"/>
-</p:sldLayout>
-</file>
-
-<file path=ppt/slideLayouts/slideLayout4.xml><?xml version="1.0" encoding="utf-8"?>
-<p:sldLayout xmlns:a="http://schemas.openxmlformats.org/drawingml/2006/main" xmlns:r="http://schemas.openxmlformats.org/officeDocument/2006/relationships" xmlns:p="http://schemas.openxmlformats.org/presentationml/2006/main" type="tx">
-  <p:cSld name="Bullets">
-    <p:spTree>
-      <p:nvGrpSpPr>
-        <p:cNvPr id="1" name=""/>
-        <p:cNvGrpSpPr/>
-        <p:nvPr/>
-      </p:nvGrpSpPr>
-      <p:grpSpPr>
-        <a:xfrm>
-          <a:off x="0" y="0"/>
-          <a:ext cx="0" cy="0"/>
-          <a:chOff x="0" y="0"/>
-          <a:chExt cx="0" cy="0"/>
-        </a:xfrm>
-      </p:grpSpPr>
-      <p:sp>
-        <p:nvSpPr>
-          <p:cNvPr id="14" name="Shape 14"/>
-          <p:cNvSpPr>
-            <a:spLocks noGrp="1"/>
-          </p:cNvSpPr>
-          <p:nvPr>
-            <p:ph type="body" idx="1"/>
-          </p:nvPr>
-        </p:nvSpPr>
-        <p:spPr>
-          <a:xfrm>
-            <a:off x="1270000" y="1270000"/>
-            <a:ext cx="10464800" cy="7213600"/>
-          </a:xfrm>
-          <a:prstGeom prst="rect">
-            <a:avLst/>
-          </a:prstGeom>
-        </p:spPr>
-        <p:txBody>
-          <a:bodyPr/>
-          <a:lstStyle>
-            <a:lvl1pPr>
-              <a:spcBef>
-                <a:spcPts val="4800"/>
-              </a:spcBef>
-            </a:lvl1pPr>
-            <a:lvl2pPr>
-              <a:spcBef>
-                <a:spcPts val="4800"/>
-              </a:spcBef>
-            </a:lvl2pPr>
-            <a:lvl3pPr>
-              <a:spcBef>
-                <a:spcPts val="4800"/>
-              </a:spcBef>
-            </a:lvl3pPr>
-            <a:lvl4pPr>
-              <a:spcBef>
-                <a:spcPts val="4800"/>
-              </a:spcBef>
-            </a:lvl4pPr>
-            <a:lvl5pPr>
-              <a:spcBef>
-                <a:spcPts val="4800"/>
-              </a:spcBef>
-            </a:lvl5pPr>
-          </a:lstStyle>
-          <a:p>
-            <a:pPr lvl="0">
-              <a:defRPr sz="1800"/>
-            </a:pPr>
-            <a:r>
-              <a:rPr sz="4200"/>
-              <a:t>Body Level One</a:t>
-            </a:r>
-          </a:p>
-          <a:p>
-            <a:pPr lvl="1">
-              <a:defRPr sz="1800"/>
-            </a:pPr>
-            <a:r>
-              <a:rPr sz="4200"/>
-              <a:t>Body Level Two</a:t>
-            </a:r>
-          </a:p>
-          <a:p>
-            <a:pPr lvl="2">
-              <a:defRPr sz="1800"/>
-            </a:pPr>
-            <a:r>
-              <a:rPr sz="4200"/>
-              <a:t>Body Level Three</a:t>
-            </a:r>
-          </a:p>
-          <a:p>
-            <a:pPr lvl="3">
-              <a:defRPr sz="1800"/>
-            </a:pPr>
-            <a:r>
-              <a:rPr sz="4200"/>
-              <a:t>Body Level Four</a:t>
-            </a:r>
-          </a:p>
-          <a:p>
-            <a:pPr lvl="4">
-              <a:defRPr sz="1800"/>
-            </a:pPr>
-            <a:r>
-              <a:rPr sz="4200"/>
-              <a:t>Body Level Five</a:t>
-            </a:r>
-          </a:p>
-        </p:txBody>
-      </p:sp>
-    </p:spTree>
-  </p:cSld>
-  <p:clrMapOvr>
-    <a:masterClrMapping/>
-  </p:clrMapOvr>
-  <p:transition spd="med"/>
-</p:sldLayout>
-</file>
-
-<file path=ppt/slideLayouts/slideLayout5.xml><?xml version="1.0" encoding="utf-8"?>
-<p:sldLayout xmlns:a="http://schemas.openxmlformats.org/drawingml/2006/main" xmlns:r="http://schemas.openxmlformats.org/officeDocument/2006/relationships" xmlns:p="http://schemas.openxmlformats.org/presentationml/2006/main" type="tx">
-  <p:cSld name="Blank">
-    <p:spTree>
-      <p:nvGrpSpPr>
-        <p:cNvPr id="1" name=""/>
-        <p:cNvGrpSpPr/>
-        <p:nvPr/>
-      </p:nvGrpSpPr>
-      <p:grpSpPr>
-        <a:xfrm>
-          <a:off x="0" y="0"/>
-          <a:ext cx="0" cy="0"/>
-          <a:chOff x="0" y="0"/>
-          <a:chExt cx="0" cy="0"/>
-        </a:xfrm>
-      </p:grpSpPr>
-    </p:spTree>
-  </p:cSld>
-  <p:clrMapOvr>
-    <a:masterClrMapping/>
-  </p:clrMapOvr>
-  <p:transition spd="med"/>
-</p:sldLayout>
-</file>
-
-<file path=ppt/slideLayouts/slideLayout6.xml><?xml version="1.0" encoding="utf-8"?>
-<p:sldLayout xmlns:a="http://schemas.openxmlformats.org/drawingml/2006/main" xmlns:r="http://schemas.openxmlformats.org/officeDocument/2006/relationships" xmlns:p="http://schemas.openxmlformats.org/presentationml/2006/main" type="tx">
-  <p:cSld name="Title - Top">
-    <p:spTree>
-      <p:nvGrpSpPr>
-        <p:cNvPr id="1" name=""/>
-        <p:cNvGrpSpPr/>
-        <p:nvPr/>
-      </p:nvGrpSpPr>
-      <p:grpSpPr>
-        <a:xfrm>
-          <a:off x="0" y="0"/>
-          <a:ext cx="0" cy="0"/>
-          <a:chOff x="0" y="0"/>
-          <a:chExt cx="0" cy="0"/>
-        </a:xfrm>
-      </p:grpSpPr>
-      <p:sp>
-        <p:nvSpPr>
-          <p:cNvPr id="17" name="Shape 17"/>
-          <p:cNvSpPr>
-            <a:spLocks noGrp="1"/>
-          </p:cNvSpPr>
-          <p:nvPr>
-            <p:ph type="title"/>
-          </p:nvPr>
-        </p:nvSpPr>
-        <p:spPr>
-          <a:prstGeom prst="rect">
-            <a:avLst/>
-          </a:prstGeom>
-        </p:spPr>
-        <p:txBody>
-          <a:bodyPr/>
-          <a:lstStyle/>
-          <a:p>
-            <a:pPr lvl="0">
-              <a:defRPr sz="1800"/>
-            </a:pPr>
-            <a:r>
-              <a:rPr sz="8400"/>
-              <a:t>Title Text</a:t>
-            </a:r>
-          </a:p>
-        </p:txBody>
-      </p:sp>
-    </p:spTree>
-  </p:cSld>
-  <p:clrMapOvr>
-    <a:masterClrMapping/>
-  </p:clrMapOvr>
-  <p:transition spd="med"/>
-</p:sldLayout>
-</file>
-
-<file path=ppt/slideLayouts/slideLayout7.xml><?xml version="1.0" encoding="utf-8"?>
-<p:sldLayout xmlns:a="http://schemas.openxmlformats.org/drawingml/2006/main" xmlns:r="http://schemas.openxmlformats.org/officeDocument/2006/relationships" xmlns:p="http://schemas.openxmlformats.org/presentationml/2006/main" type="tx">
-  <p:cSld name="Title - Center">
-    <p:spTree>
-      <p:nvGrpSpPr>
-        <p:cNvPr id="1" name=""/>
-        <p:cNvGrpSpPr/>
-        <p:nvPr/>
-      </p:nvGrpSpPr>
-      <p:grpSpPr>
-        <a:xfrm>
-          <a:off x="0" y="0"/>
-          <a:ext cx="0" cy="0"/>
-          <a:chOff x="0" y="0"/>
-          <a:chExt cx="0" cy="0"/>
-        </a:xfrm>
-      </p:grpSpPr>
-      <p:sp>
-        <p:nvSpPr>
-          <p:cNvPr id="19" name="Shape 19"/>
-          <p:cNvSpPr>
-            <a:spLocks noGrp="1"/>
-          </p:cNvSpPr>
-          <p:nvPr>
-            <p:ph type="title"/>
-          </p:nvPr>
-        </p:nvSpPr>
-        <p:spPr>
-          <a:xfrm>
-            <a:off x="1270000" y="2971800"/>
-            <a:ext cx="10464800" cy="3810000"/>
-          </a:xfrm>
-          <a:prstGeom prst="rect">
-            <a:avLst/>
-          </a:prstGeom>
-        </p:spPr>
-        <p:txBody>
-          <a:bodyPr/>
-          <a:lstStyle/>
-          <a:p>
-            <a:pPr lvl="0">
-              <a:defRPr sz="1800"/>
-            </a:pPr>
-            <a:r>
-              <a:rPr sz="8400"/>
-              <a:t>Title Text</a:t>
-            </a:r>
-          </a:p>
-        </p:txBody>
-      </p:sp>
-    </p:spTree>
-  </p:cSld>
-  <p:clrMapOvr>
-    <a:masterClrMapping/>
-  </p:clrMapOvr>
-  <p:transition spd="med"/>
-</p:sldLayout>
-</file>
-
-<file path=ppt/slideLayouts/slideLayout8.xml><?xml version="1.0" encoding="utf-8"?>
-<p:sldLayout xmlns:a="http://schemas.openxmlformats.org/drawingml/2006/main" xmlns:r="http://schemas.openxmlformats.org/officeDocument/2006/relationships" xmlns:p="http://schemas.openxmlformats.org/presentationml/2006/main" type="tx">
-  <p:cSld name="Photo - Horizontal">
-    <p:spTree>
-      <p:nvGrpSpPr>
-        <p:cNvPr id="1" name=""/>
-        <p:cNvGrpSpPr/>
-        <p:nvPr/>
-      </p:nvGrpSpPr>
-      <p:grpSpPr>
-        <a:xfrm>
-          <a:off x="0" y="0"/>
-          <a:ext cx="0" cy="0"/>
-          <a:chOff x="0" y="0"/>
-          <a:chExt cx="0" cy="0"/>
-        </a:xfrm>
-      </p:grpSpPr>
-      <p:sp>
-        <p:nvSpPr>
-          <p:cNvPr id="21" name="Shape 21"/>
-          <p:cNvSpPr>
-            <a:spLocks noGrp="1"/>
-          </p:cNvSpPr>
-          <p:nvPr>
-            <p:ph type="title"/>
-          </p:nvPr>
-        </p:nvSpPr>
-        <p:spPr>
-          <a:xfrm>
-            <a:off x="1270000" y="7366000"/>
-            <a:ext cx="10464800" cy="1701800"/>
-          </a:xfrm>
-          <a:prstGeom prst="rect">
-            <a:avLst/>
-          </a:prstGeom>
-        </p:spPr>
-        <p:txBody>
-          <a:bodyPr/>
-          <a:lstStyle/>
-          <a:p>
-            <a:pPr lvl="0">
-              <a:defRPr sz="1800"/>
-            </a:pPr>
-            <a:r>
-              <a:rPr sz="8400"/>
-              <a:t>Title Text</a:t>
-            </a:r>
-          </a:p>
-        </p:txBody>
-      </p:sp>
-    </p:spTree>
-  </p:cSld>
-  <p:clrMapOvr>
-    <a:masterClrMapping/>
-  </p:clrMapOvr>
-  <p:transition spd="med"/>
-</p:sldLayout>
-</file>
-
-<file path=ppt/slideLayouts/slideLayout9.xml><?xml version="1.0" encoding="utf-8"?>
-<p:sldLayout xmlns:a="http://schemas.openxmlformats.org/drawingml/2006/main" xmlns:r="http://schemas.openxmlformats.org/officeDocument/2006/relationships" xmlns:p="http://schemas.openxmlformats.org/presentationml/2006/main" type="tx">
-  <p:cSld name="Photo - Horizontal Reflection">
-    <p:spTree>
-      <p:nvGrpSpPr>
-        <p:cNvPr id="1" name=""/>
-        <p:cNvGrpSpPr/>
-        <p:nvPr/>
-      </p:nvGrpSpPr>
-      <p:grpSpPr>
-        <a:xfrm>
-          <a:off x="0" y="0"/>
-          <a:ext cx="0" cy="0"/>
-          <a:chOff x="0" y="0"/>
-          <a:chExt cx="0" cy="0"/>
-        </a:xfrm>
-      </p:grpSpPr>
-      <p:sp>
-        <p:nvSpPr>
-          <p:cNvPr id="23" name="Shape 23"/>
-          <p:cNvSpPr>
-            <a:spLocks noGrp="1"/>
-          </p:cNvSpPr>
-          <p:nvPr>
-            <p:ph type="title"/>
-          </p:nvPr>
-        </p:nvSpPr>
-        <p:spPr>
-          <a:xfrm>
-            <a:off x="1270000" y="7366000"/>
-            <a:ext cx="10464800" cy="1701800"/>
-          </a:xfrm>
-          <a:prstGeom prst="rect">
-            <a:avLst/>
-          </a:prstGeom>
-        </p:spPr>
-        <p:txBody>
-          <a:bodyPr/>
-          <a:lstStyle/>
-          <a:p>
-            <a:pPr lvl="0">
-              <a:defRPr sz="1800"/>
-            </a:pPr>
-            <a:r>
-              <a:rPr sz="8400"/>
-              <a:t>Title Text</a:t>
-            </a:r>
-          </a:p>
-        </p:txBody>
-      </p:sp>
-    </p:spTree>
-  </p:cSld>
-  <p:clrMapOvr>
-    <a:masterClrMapping/>
-  </p:clrMapOvr>
-  <p:transition spd="med"/>
-</p:sldLayout>
-</file>
-
 <file path=ppt/slideMasters/slideMaster1.xml><?xml version="1.0" encoding="utf-8"?>
 <p:sldMaster xmlns:a="http://schemas.openxmlformats.org/drawingml/2006/main" xmlns:r="http://schemas.openxmlformats.org/officeDocument/2006/relationships" xmlns:p="http://schemas.openxmlformats.org/presentationml/2006/main">
   <p:cSld>
@@ -2040,19 +1920,18 @@
   <p:clrMap bg1="lt1" tx1="dk1" bg2="lt2" tx2="dk2" accent1="accent1" accent2="accent2" accent3="accent3" accent4="accent4" accent5="accent5" accent6="accent6" hlink="hlink" folHlink="folHlink"/>
   <p:sldLayoutIdLst>
     <p:sldLayoutId id="2147483649" r:id="rId1"/>
-    <p:sldLayoutId id="2147483650" r:id="rId2"/>
-    <p:sldLayoutId id="2147483651" r:id="rId3"/>
-    <p:sldLayoutId id="2147483652" r:id="rId4"/>
-    <p:sldLayoutId id="2147483653" r:id="rId5"/>
-    <p:sldLayoutId id="2147483654" r:id="rId6"/>
-    <p:sldLayoutId id="2147483655" r:id="rId7"/>
-    <p:sldLayoutId id="2147483656" r:id="rId8"/>
-    <p:sldLayoutId id="2147483657" r:id="rId9"/>
-    <p:sldLayoutId id="2147483658" r:id="rId10"/>
-    <p:sldLayoutId id="2147483659" r:id="rId11"/>
-    <p:sldLayoutId id="2147483660" r:id="rId12"/>
-    <p:sldLayoutId id="2147483661" r:id="rId13"/>
-    <p:sldLayoutId id="2147483662" r:id="rId14"/>
+    <p:sldLayoutId id="2147483651" r:id="rId2"/>
+    <p:sldLayoutId id="2147483652" r:id="rId3"/>
+    <p:sldLayoutId id="2147483653" r:id="rId4"/>
+    <p:sldLayoutId id="2147483654" r:id="rId5"/>
+    <p:sldLayoutId id="2147483655" r:id="rId6"/>
+    <p:sldLayoutId id="2147483656" r:id="rId7"/>
+    <p:sldLayoutId id="2147483657" r:id="rId8"/>
+    <p:sldLayoutId id="2147483658" r:id="rId9"/>
+    <p:sldLayoutId id="2147483659" r:id="rId10"/>
+    <p:sldLayoutId id="2147483660" r:id="rId11"/>
+    <p:sldLayoutId id="2147483661" r:id="rId12"/>
+    <p:sldLayoutId id="2147483662" r:id="rId13"/>
   </p:sldLayoutIdLst>
   <p:transition spd="med"/>
   <p:txStyles>
@@ -4864,7 +4743,7 @@
                 </a:effectLst>
               </a:defRPr>
             </a:pPr>
-            <a:endParaRPr/>
+            <a:endParaRPr dirty="0"/>
           </a:p>
         </p:txBody>
       </p:sp>
@@ -5233,8 +5112,8 @@
         </p:nvSpPr>
         <p:spPr>
           <a:xfrm>
-            <a:off x="355600" y="660400"/>
-            <a:ext cx="12280900" cy="749300"/>
+            <a:off x="355600" y="637506"/>
+            <a:ext cx="12280900" cy="795089"/>
           </a:xfrm>
           <a:prstGeom prst="rect">
             <a:avLst/>
@@ -5274,13 +5153,265 @@
               </a:defRPr>
             </a:pPr>
             <a:r>
-              <a:rPr sz="4500">
+              <a:rPr lang="en-US" sz="4500" dirty="0" smtClean="0">
                 <a:solidFill>
                   <a:srgbClr val="B51A00"/>
                 </a:solidFill>
               </a:rPr>
-              <a:t>Anatomia: cuore e sistema di conduzione</a:t>
-            </a:r>
+              <a:t>Content	</a:t>
+            </a:r>
+            <a:endParaRPr sz="4500" dirty="0">
+              <a:solidFill>
+                <a:srgbClr val="B51A00"/>
+              </a:solidFill>
+            </a:endParaRPr>
+          </a:p>
+        </p:txBody>
+      </p:sp>
+      <p:sp>
+        <p:nvSpPr>
+          <p:cNvPr id="3" name="TextBox 2"/>
+          <p:cNvSpPr txBox="1"/>
+          <p:nvPr/>
+        </p:nvSpPr>
+        <p:spPr>
+          <a:xfrm>
+            <a:off x="460537" y="3350569"/>
+            <a:ext cx="12175963" cy="3334246"/>
+          </a:xfrm>
+          <a:prstGeom prst="rect">
+            <a:avLst/>
+          </a:prstGeom>
+          <a:noFill/>
+          <a:ln w="12700" cap="flat">
+            <a:noFill/>
+            <a:miter lim="400000"/>
+          </a:ln>
+          <a:effectLst/>
+        </p:spPr>
+        <p:style>
+          <a:lnRef idx="0">
+            <a:scrgbClr r="0" g="0" b="0"/>
+          </a:lnRef>
+          <a:fillRef idx="0">
+            <a:scrgbClr r="0" g="0" b="0"/>
+          </a:fillRef>
+          <a:effectRef idx="0">
+            <a:scrgbClr r="0" g="0" b="0"/>
+          </a:effectRef>
+          <a:fontRef idx="none"/>
+        </p:style>
+        <p:txBody>
+          <a:bodyPr rot="0" spcFirstLastPara="1" vertOverflow="overflow" horzOverflow="overflow" vert="horz" wrap="square" lIns="50800" tIns="50800" rIns="50800" bIns="50800" numCol="1" spcCol="38100" rtlCol="0" anchor="ctr">
+            <a:spAutoFit/>
+          </a:bodyPr>
+          <a:lstStyle/>
+          <a:p>
+            <a:pPr marL="571500" marR="0" indent="-571500" algn="l" defTabSz="584200" rtl="0" fontAlgn="auto" latinLnBrk="1" hangingPunct="0">
+              <a:lnSpc>
+                <a:spcPct val="100000"/>
+              </a:lnSpc>
+              <a:spcBef>
+                <a:spcPts val="0"/>
+              </a:spcBef>
+              <a:spcAft>
+                <a:spcPts val="0"/>
+              </a:spcAft>
+              <a:buClrTx/>
+              <a:buSzTx/>
+              <a:buFont typeface="Arial" charset="0"/>
+              <a:buChar char="•"/>
+              <a:tabLst/>
+            </a:pPr>
+            <a:r>
+              <a:rPr kumimoji="0" lang="en-US" sz="4200" b="0" i="0" u="none" strike="noStrike" cap="none" spc="0" normalizeH="0" baseline="0" dirty="0" smtClean="0">
+                <a:ln>
+                  <a:noFill/>
+                </a:ln>
+                <a:solidFill>
+                  <a:srgbClr val="000000"/>
+                </a:solidFill>
+                <a:effectLst/>
+                <a:uFillTx/>
+                <a:latin typeface="+mn-lt"/>
+                <a:ea typeface="+mn-ea"/>
+                <a:cs typeface="+mn-cs"/>
+                <a:sym typeface="Gill Sans"/>
+              </a:rPr>
+              <a:t>Introduction,</a:t>
+            </a:r>
+            <a:r>
+              <a:rPr kumimoji="0" lang="en-US" sz="4200" b="0" i="0" u="none" strike="noStrike" cap="none" spc="0" normalizeH="0" dirty="0" smtClean="0">
+                <a:ln>
+                  <a:noFill/>
+                </a:ln>
+                <a:solidFill>
+                  <a:srgbClr val="000000"/>
+                </a:solidFill>
+                <a:effectLst/>
+                <a:uFillTx/>
+                <a:latin typeface="+mn-lt"/>
+                <a:ea typeface="+mn-ea"/>
+                <a:cs typeface="+mn-cs"/>
+                <a:sym typeface="Gill Sans"/>
+              </a:rPr>
+              <a:t> goals and motivation</a:t>
+            </a:r>
+          </a:p>
+          <a:p>
+            <a:pPr marL="571500" marR="0" indent="-571500" algn="l" defTabSz="584200" rtl="0" fontAlgn="auto" latinLnBrk="1" hangingPunct="0">
+              <a:lnSpc>
+                <a:spcPct val="100000"/>
+              </a:lnSpc>
+              <a:spcBef>
+                <a:spcPts val="0"/>
+              </a:spcBef>
+              <a:spcAft>
+                <a:spcPts val="0"/>
+              </a:spcAft>
+              <a:buClrTx/>
+              <a:buSzTx/>
+              <a:buFont typeface="Arial" charset="0"/>
+              <a:buChar char="•"/>
+              <a:tabLst/>
+            </a:pPr>
+            <a:r>
+              <a:rPr lang="en-US" baseline="0" dirty="0" smtClean="0">
+                <a:solidFill>
+                  <a:srgbClr val="000000"/>
+                </a:solidFill>
+              </a:rPr>
+              <a:t>Motor-schemas</a:t>
+            </a:r>
+            <a:r>
+              <a:rPr lang="en-US" dirty="0" smtClean="0">
+                <a:solidFill>
+                  <a:srgbClr val="000000"/>
+                </a:solidFill>
+              </a:rPr>
+              <a:t> based navigation </a:t>
+            </a:r>
+            <a:r>
+              <a:rPr lang="en-US" dirty="0" err="1" smtClean="0">
+                <a:solidFill>
+                  <a:srgbClr val="000000"/>
+                </a:solidFill>
+              </a:rPr>
+              <a:t>behaviour</a:t>
+            </a:r>
+            <a:endParaRPr lang="en-US" dirty="0" smtClean="0">
+              <a:solidFill>
+                <a:srgbClr val="000000"/>
+              </a:solidFill>
+            </a:endParaRPr>
+          </a:p>
+          <a:p>
+            <a:pPr marL="571500" marR="0" indent="-571500" algn="l" defTabSz="584200" rtl="0" fontAlgn="auto" latinLnBrk="1" hangingPunct="0">
+              <a:lnSpc>
+                <a:spcPct val="100000"/>
+              </a:lnSpc>
+              <a:spcBef>
+                <a:spcPts val="0"/>
+              </a:spcBef>
+              <a:spcAft>
+                <a:spcPts val="0"/>
+              </a:spcAft>
+              <a:buClrTx/>
+              <a:buSzTx/>
+              <a:buFont typeface="Arial" charset="0"/>
+              <a:buChar char="•"/>
+              <a:tabLst/>
+            </a:pPr>
+            <a:r>
+              <a:rPr lang="en-US" dirty="0" smtClean="0">
+                <a:solidFill>
+                  <a:srgbClr val="000000"/>
+                </a:solidFill>
+              </a:rPr>
+              <a:t>Particle Swarm Optimization </a:t>
+            </a:r>
+            <a:r>
+              <a:rPr lang="en-US" i="1" dirty="0" smtClean="0">
+                <a:solidFill>
+                  <a:srgbClr val="000000"/>
+                </a:solidFill>
+              </a:rPr>
+              <a:t>(PSO) </a:t>
+            </a:r>
+            <a:endParaRPr lang="en-US" dirty="0" smtClean="0">
+              <a:solidFill>
+                <a:srgbClr val="000000"/>
+              </a:solidFill>
+            </a:endParaRPr>
+          </a:p>
+          <a:p>
+            <a:pPr marL="571500" marR="0" indent="-571500" algn="l" defTabSz="584200" rtl="0" fontAlgn="auto" latinLnBrk="1" hangingPunct="0">
+              <a:lnSpc>
+                <a:spcPct val="100000"/>
+              </a:lnSpc>
+              <a:spcBef>
+                <a:spcPts val="0"/>
+              </a:spcBef>
+              <a:spcAft>
+                <a:spcPts val="0"/>
+              </a:spcAft>
+              <a:buClrTx/>
+              <a:buSzTx/>
+              <a:buFont typeface="Arial" charset="0"/>
+              <a:buChar char="•"/>
+              <a:tabLst/>
+            </a:pPr>
+            <a:r>
+              <a:rPr lang="en-US" dirty="0" smtClean="0">
+                <a:solidFill>
+                  <a:srgbClr val="000000"/>
+                </a:solidFill>
+              </a:rPr>
+              <a:t>Results</a:t>
+            </a:r>
+          </a:p>
+          <a:p>
+            <a:pPr marL="571500" marR="0" indent="-571500" algn="l" defTabSz="584200" rtl="0" fontAlgn="auto" latinLnBrk="1" hangingPunct="0">
+              <a:lnSpc>
+                <a:spcPct val="100000"/>
+              </a:lnSpc>
+              <a:spcBef>
+                <a:spcPts val="0"/>
+              </a:spcBef>
+              <a:spcAft>
+                <a:spcPts val="0"/>
+              </a:spcAft>
+              <a:buClrTx/>
+              <a:buSzTx/>
+              <a:buFont typeface="Arial" charset="0"/>
+              <a:buChar char="•"/>
+              <a:tabLst/>
+            </a:pPr>
+            <a:r>
+              <a:rPr kumimoji="0" lang="en-US" sz="4200" b="0" u="none" strike="noStrike" cap="none" spc="0" normalizeH="0" baseline="0" dirty="0" smtClean="0">
+                <a:ln>
+                  <a:noFill/>
+                </a:ln>
+                <a:solidFill>
+                  <a:srgbClr val="000000"/>
+                </a:solidFill>
+                <a:effectLst/>
+                <a:uFillTx/>
+                <a:sym typeface="Gill Sans"/>
+              </a:rPr>
+              <a:t>Conclusions</a:t>
+            </a:r>
+            <a:endParaRPr kumimoji="0" lang="en-US" sz="4200" b="0" u="none" strike="noStrike" cap="none" spc="0" normalizeH="0" baseline="0" dirty="0">
+              <a:ln>
+                <a:noFill/>
+              </a:ln>
+              <a:solidFill>
+                <a:srgbClr val="000000"/>
+              </a:solidFill>
+              <a:effectLst/>
+              <a:uFillTx/>
+              <a:sym typeface="Gill Sans"/>
+            </a:endParaRPr>
           </a:p>
         </p:txBody>
       </p:sp>
@@ -5723,7 +5854,7 @@
         </p:nvSpPr>
         <p:spPr>
           <a:xfrm>
-            <a:off x="0" y="406400"/>
+            <a:off x="-1" y="453839"/>
             <a:ext cx="14147800" cy="1270000"/>
           </a:xfrm>
           <a:prstGeom prst="rect">
@@ -5766,8 +5897,8 @@
         </p:nvSpPr>
         <p:spPr>
           <a:xfrm>
-            <a:off x="355600" y="660400"/>
-            <a:ext cx="12280900" cy="749300"/>
+            <a:off x="355600" y="637506"/>
+            <a:ext cx="12280900" cy="795089"/>
           </a:xfrm>
           <a:prstGeom prst="rect">
             <a:avLst/>
@@ -5807,16 +5938,394 @@
               </a:defRPr>
             </a:pPr>
             <a:r>
-              <a:rPr sz="4500">
+              <a:rPr lang="en-US" sz="4500" dirty="0" smtClean="0">
                 <a:solidFill>
                   <a:srgbClr val="B51A00"/>
                 </a:solidFill>
               </a:rPr>
-              <a:t>Anatomia: cuore e sistema di conduzione</a:t>
-            </a:r>
-          </a:p>
-        </p:txBody>
-      </p:sp>
+              <a:t>Introduction, goals and motivation</a:t>
+            </a:r>
+            <a:endParaRPr sz="4500" dirty="0">
+              <a:solidFill>
+                <a:srgbClr val="B51A00"/>
+              </a:solidFill>
+            </a:endParaRPr>
+          </a:p>
+        </p:txBody>
+      </p:sp>
+      <p:sp>
+        <p:nvSpPr>
+          <p:cNvPr id="5" name="TextBox 4"/>
+          <p:cNvSpPr txBox="1"/>
+          <p:nvPr/>
+        </p:nvSpPr>
+        <p:spPr>
+          <a:xfrm>
+            <a:off x="599081" y="2718668"/>
+            <a:ext cx="12037419" cy="7304564"/>
+          </a:xfrm>
+          <a:prstGeom prst="rect">
+            <a:avLst/>
+          </a:prstGeom>
+          <a:noFill/>
+          <a:ln w="12700" cap="flat">
+            <a:noFill/>
+            <a:miter lim="400000"/>
+          </a:ln>
+          <a:effectLst/>
+        </p:spPr>
+        <p:style>
+          <a:lnRef idx="0">
+            <a:scrgbClr r="0" g="0" b="0"/>
+          </a:lnRef>
+          <a:fillRef idx="0">
+            <a:scrgbClr r="0" g="0" b="0"/>
+          </a:fillRef>
+          <a:effectRef idx="0">
+            <a:scrgbClr r="0" g="0" b="0"/>
+          </a:effectRef>
+          <a:fontRef idx="none"/>
+        </p:style>
+        <p:txBody>
+          <a:bodyPr rot="0" spcFirstLastPara="1" vertOverflow="overflow" horzOverflow="overflow" vert="horz" wrap="square" lIns="50800" tIns="50800" rIns="50800" bIns="50800" numCol="1" spcCol="38100" rtlCol="0" anchor="ctr">
+            <a:spAutoFit/>
+          </a:bodyPr>
+          <a:lstStyle/>
+          <a:p>
+            <a:pPr marL="571500" marR="0" indent="-571500" algn="l" defTabSz="584200" rtl="0" fontAlgn="auto" latinLnBrk="1" hangingPunct="0">
+              <a:lnSpc>
+                <a:spcPct val="100000"/>
+              </a:lnSpc>
+              <a:spcBef>
+                <a:spcPts val="0"/>
+              </a:spcBef>
+              <a:spcAft>
+                <a:spcPts val="0"/>
+              </a:spcAft>
+              <a:buClrTx/>
+              <a:buSzTx/>
+              <a:buFont typeface="Arial" charset="0"/>
+              <a:buChar char="•"/>
+              <a:tabLst/>
+            </a:pPr>
+            <a:r>
+              <a:rPr kumimoji="0" lang="en-US" sz="3200" b="0" i="0" u="none" strike="noStrike" cap="none" spc="0" normalizeH="0" baseline="0" dirty="0" smtClean="0">
+                <a:ln>
+                  <a:noFill/>
+                </a:ln>
+                <a:solidFill>
+                  <a:srgbClr val="000000"/>
+                </a:solidFill>
+                <a:effectLst/>
+                <a:uFillTx/>
+                <a:sym typeface="Gill Sans"/>
+              </a:rPr>
+              <a:t>Set-up</a:t>
+            </a:r>
+          </a:p>
+          <a:p>
+            <a:pPr lvl="2" indent="0" algn="l" rtl="0" latinLnBrk="1" hangingPunct="0"/>
+            <a:r>
+              <a:rPr lang="en-US" sz="3200" dirty="0">
+                <a:solidFill>
+                  <a:srgbClr val="000000"/>
+                </a:solidFill>
+              </a:rPr>
+              <a:t>	</a:t>
+            </a:r>
+            <a:r>
+              <a:rPr lang="en-US" sz="3200" dirty="0" smtClean="0">
+                <a:solidFill>
+                  <a:srgbClr val="000000"/>
+                </a:solidFill>
+              </a:rPr>
+              <a:t>- 1 goal</a:t>
+            </a:r>
+          </a:p>
+          <a:p>
+            <a:pPr lvl="2" indent="0" algn="l" rtl="0" latinLnBrk="1" hangingPunct="0"/>
+            <a:r>
+              <a:rPr kumimoji="0" lang="en-US" sz="3200" b="0" i="0" u="none" strike="noStrike" cap="none" spc="0" normalizeH="0" baseline="0" dirty="0">
+                <a:ln>
+                  <a:noFill/>
+                </a:ln>
+                <a:solidFill>
+                  <a:srgbClr val="000000"/>
+                </a:solidFill>
+                <a:effectLst/>
+                <a:uFillTx/>
+                <a:sym typeface="Gill Sans"/>
+              </a:rPr>
+              <a:t>	</a:t>
+            </a:r>
+            <a:r>
+              <a:rPr kumimoji="0" lang="en-US" sz="3200" b="0" i="0" u="none" strike="noStrike" cap="none" spc="0" normalizeH="0" baseline="0" dirty="0" smtClean="0">
+                <a:ln>
+                  <a:noFill/>
+                </a:ln>
+                <a:solidFill>
+                  <a:srgbClr val="000000"/>
+                </a:solidFill>
+                <a:effectLst/>
+                <a:uFillTx/>
+                <a:sym typeface="Gill Sans"/>
+              </a:rPr>
+              <a:t>- 4</a:t>
+            </a:r>
+            <a:r>
+              <a:rPr kumimoji="0" lang="en-US" sz="3200" b="0" i="0" u="none" strike="noStrike" cap="none" spc="0" normalizeH="0" dirty="0" smtClean="0">
+                <a:ln>
+                  <a:noFill/>
+                </a:ln>
+                <a:solidFill>
+                  <a:srgbClr val="000000"/>
+                </a:solidFill>
+                <a:effectLst/>
+                <a:uFillTx/>
+                <a:sym typeface="Gill Sans"/>
+              </a:rPr>
+              <a:t> robots</a:t>
+            </a:r>
+          </a:p>
+          <a:p>
+            <a:pPr lvl="2" indent="0" algn="l" rtl="0" latinLnBrk="1" hangingPunct="0"/>
+            <a:r>
+              <a:rPr lang="en-US" sz="3200" baseline="0" dirty="0">
+                <a:solidFill>
+                  <a:srgbClr val="000000"/>
+                </a:solidFill>
+              </a:rPr>
+              <a:t>	</a:t>
+            </a:r>
+            <a:r>
+              <a:rPr lang="en-US" sz="3200" baseline="0" dirty="0" smtClean="0">
+                <a:solidFill>
+                  <a:srgbClr val="000000"/>
+                </a:solidFill>
+              </a:rPr>
+              <a:t>-</a:t>
+            </a:r>
+            <a:r>
+              <a:rPr lang="en-US" sz="3200" dirty="0" smtClean="0">
+                <a:solidFill>
+                  <a:srgbClr val="000000"/>
+                </a:solidFill>
+              </a:rPr>
+              <a:t> some obstacles</a:t>
+            </a:r>
+          </a:p>
+          <a:p>
+            <a:pPr lvl="2" indent="0" algn="l" rtl="0" latinLnBrk="1" hangingPunct="0"/>
+            <a:endParaRPr lang="en-US" sz="3200" dirty="0" smtClean="0">
+              <a:solidFill>
+                <a:srgbClr val="000000"/>
+              </a:solidFill>
+            </a:endParaRPr>
+          </a:p>
+          <a:p>
+            <a:pPr marL="571500" lvl="1" indent="-571500" algn="l" rtl="0" latinLnBrk="1" hangingPunct="0">
+              <a:buFont typeface="Arial" charset="0"/>
+              <a:buChar char="•"/>
+            </a:pPr>
+            <a:r>
+              <a:rPr lang="en-US" sz="3200" dirty="0" smtClean="0">
+                <a:solidFill>
+                  <a:srgbClr val="000000"/>
+                </a:solidFill>
+              </a:rPr>
+              <a:t>Two-step project</a:t>
+            </a:r>
+          </a:p>
+          <a:p>
+            <a:pPr lvl="3" indent="0" algn="l" rtl="0" latinLnBrk="1" hangingPunct="0"/>
+            <a:r>
+              <a:rPr lang="en-US" sz="3200" dirty="0" smtClean="0">
+                <a:solidFill>
+                  <a:srgbClr val="000000"/>
+                </a:solidFill>
+              </a:rPr>
+              <a:t>	- basic navigation control, based of 4 motor-schemas</a:t>
+            </a:r>
+          </a:p>
+          <a:p>
+            <a:pPr lvl="3" indent="0" algn="l" rtl="0" latinLnBrk="1" hangingPunct="0"/>
+            <a:r>
+              <a:rPr lang="en-US" sz="3200" dirty="0">
+                <a:solidFill>
+                  <a:srgbClr val="000000"/>
+                </a:solidFill>
+              </a:rPr>
+              <a:t>	</a:t>
+            </a:r>
+            <a:r>
+              <a:rPr lang="en-US" sz="3200" dirty="0" smtClean="0">
+                <a:solidFill>
+                  <a:srgbClr val="000000"/>
+                </a:solidFill>
+              </a:rPr>
+              <a:t>- PSO implementation</a:t>
+            </a:r>
+          </a:p>
+          <a:p>
+            <a:pPr lvl="3" indent="0" algn="l" rtl="0" latinLnBrk="1" hangingPunct="0"/>
+            <a:endParaRPr lang="en-US" sz="3200" dirty="0" smtClean="0">
+              <a:solidFill>
+                <a:srgbClr val="000000"/>
+              </a:solidFill>
+            </a:endParaRPr>
+          </a:p>
+          <a:p>
+            <a:pPr marL="457200" lvl="2" indent="-457200" algn="l" rtl="0" latinLnBrk="1" hangingPunct="0">
+              <a:buFont typeface="Arial" charset="0"/>
+              <a:buChar char="•"/>
+            </a:pPr>
+            <a:r>
+              <a:rPr lang="en-US" sz="3200" dirty="0">
+                <a:solidFill>
+                  <a:srgbClr val="000000"/>
+                </a:solidFill>
+              </a:rPr>
+              <a:t>Aim</a:t>
+            </a:r>
+          </a:p>
+          <a:p>
+            <a:pPr lvl="2" indent="0" algn="l" rtl="0" latinLnBrk="1" hangingPunct="0"/>
+            <a:r>
+              <a:rPr lang="en-US" sz="3200" dirty="0">
+                <a:solidFill>
+                  <a:srgbClr val="000000"/>
+                </a:solidFill>
+              </a:rPr>
+              <a:t>	- find the good balance between the objectives to get the best </a:t>
+            </a:r>
+            <a:endParaRPr lang="en-US" sz="3200" dirty="0" smtClean="0">
+              <a:solidFill>
+                <a:srgbClr val="000000"/>
+              </a:solidFill>
+            </a:endParaRPr>
+          </a:p>
+          <a:p>
+            <a:pPr lvl="2" indent="0" algn="l" rtl="0" latinLnBrk="1" hangingPunct="0"/>
+            <a:r>
+              <a:rPr lang="en-US" sz="3200" dirty="0">
+                <a:solidFill>
+                  <a:srgbClr val="000000"/>
+                </a:solidFill>
+              </a:rPr>
+              <a:t>	 </a:t>
+            </a:r>
+            <a:r>
+              <a:rPr lang="en-US" sz="3200" dirty="0" smtClean="0">
+                <a:solidFill>
+                  <a:srgbClr val="000000"/>
+                </a:solidFill>
+              </a:rPr>
+              <a:t> possible </a:t>
+            </a:r>
+            <a:r>
+              <a:rPr lang="en-US" sz="3200" dirty="0" err="1">
+                <a:solidFill>
+                  <a:srgbClr val="000000"/>
+                </a:solidFill>
+              </a:rPr>
+              <a:t>behaviour</a:t>
+            </a:r>
+            <a:endParaRPr lang="en-US" sz="3200" dirty="0">
+              <a:solidFill>
+                <a:srgbClr val="000000"/>
+              </a:solidFill>
+            </a:endParaRPr>
+          </a:p>
+          <a:p>
+            <a:pPr marL="571500" lvl="1" indent="-571500" algn="l" rtl="0" latinLnBrk="1" hangingPunct="0">
+              <a:buFont typeface="Arial" charset="0"/>
+              <a:buChar char="•"/>
+            </a:pPr>
+            <a:endParaRPr kumimoji="0" lang="en-US" b="0" i="0" u="none" strike="noStrike" cap="none" spc="0" normalizeH="0" baseline="0" dirty="0" smtClean="0">
+              <a:ln>
+                <a:noFill/>
+              </a:ln>
+              <a:solidFill>
+                <a:srgbClr val="000000"/>
+              </a:solidFill>
+              <a:effectLst/>
+              <a:uFillTx/>
+              <a:latin typeface="+mn-lt"/>
+              <a:ea typeface="+mn-ea"/>
+              <a:cs typeface="+mn-cs"/>
+              <a:sym typeface="Gill Sans"/>
+            </a:endParaRPr>
+          </a:p>
+          <a:p>
+            <a:pPr marR="0" algn="l" defTabSz="584200" rtl="0" fontAlgn="auto" latinLnBrk="1" hangingPunct="0">
+              <a:lnSpc>
+                <a:spcPct val="100000"/>
+              </a:lnSpc>
+              <a:spcBef>
+                <a:spcPts val="0"/>
+              </a:spcBef>
+              <a:spcAft>
+                <a:spcPts val="0"/>
+              </a:spcAft>
+              <a:buClrTx/>
+              <a:buSzTx/>
+              <a:tabLst/>
+            </a:pPr>
+            <a:r>
+              <a:rPr lang="en-US" dirty="0">
+                <a:solidFill>
+                  <a:srgbClr val="000000"/>
+                </a:solidFill>
+              </a:rPr>
+              <a:t>	</a:t>
+            </a:r>
+            <a:endParaRPr kumimoji="0" lang="en-US" sz="4200" b="0" i="0" u="none" strike="noStrike" cap="none" spc="0" normalizeH="0" baseline="0" dirty="0">
+              <a:ln>
+                <a:noFill/>
+              </a:ln>
+              <a:solidFill>
+                <a:srgbClr val="000000"/>
+              </a:solidFill>
+              <a:effectLst/>
+              <a:uFillTx/>
+              <a:latin typeface="+mn-lt"/>
+              <a:ea typeface="+mn-ea"/>
+              <a:cs typeface="+mn-cs"/>
+              <a:sym typeface="Gill Sans"/>
+            </a:endParaRPr>
+          </a:p>
+        </p:txBody>
+      </p:sp>
+      <p:pic>
+        <p:nvPicPr>
+          <p:cNvPr id="7" name="Picture 6"/>
+          <p:cNvPicPr>
+            <a:picLocks/>
+          </p:cNvPicPr>
+          <p:nvPr/>
+        </p:nvPicPr>
+        <p:blipFill>
+          <a:blip r:embed="rId2">
+            <a:extLst>
+              <a:ext uri="{28A0092B-C50C-407E-A947-70E740481C1C}">
+                <a14:useLocalDpi xmlns:a14="http://schemas.microsoft.com/office/drawing/2010/main" val="0"/>
+              </a:ext>
+            </a:extLst>
+          </a:blip>
+          <a:stretch>
+            <a:fillRect/>
+          </a:stretch>
+        </p:blipFill>
+        <p:spPr>
+          <a:xfrm>
+            <a:off x="4572000" y="1911474"/>
+            <a:ext cx="8064500" cy="3655138"/>
+          </a:xfrm>
+          <a:prstGeom prst="rect">
+            <a:avLst/>
+          </a:prstGeom>
+        </p:spPr>
+      </p:pic>
     </p:spTree>
     <p:extLst>
       <p:ext uri="{BB962C8B-B14F-4D97-AF65-F5344CB8AC3E}">
@@ -6299,8 +6808,8 @@
         </p:nvSpPr>
         <p:spPr>
           <a:xfrm>
-            <a:off x="355600" y="660400"/>
-            <a:ext cx="12280900" cy="749300"/>
+            <a:off x="355600" y="637506"/>
+            <a:ext cx="12280900" cy="795089"/>
           </a:xfrm>
           <a:prstGeom prst="rect">
             <a:avLst/>
@@ -6340,16 +6849,724 @@
               </a:defRPr>
             </a:pPr>
             <a:r>
-              <a:rPr sz="4500">
+              <a:rPr lang="en-US" sz="4500" dirty="0" smtClean="0">
                 <a:solidFill>
                   <a:srgbClr val="B51A00"/>
                 </a:solidFill>
               </a:rPr>
-              <a:t>Anatomia: cuore e sistema di conduzione</a:t>
-            </a:r>
-          </a:p>
-        </p:txBody>
-      </p:sp>
+              <a:t>Motor-schemas</a:t>
+            </a:r>
+            <a:endParaRPr sz="4500" dirty="0">
+              <a:solidFill>
+                <a:srgbClr val="B51A00"/>
+              </a:solidFill>
+            </a:endParaRPr>
+          </a:p>
+        </p:txBody>
+      </p:sp>
+      <p:pic>
+        <p:nvPicPr>
+          <p:cNvPr id="4" name="Picture 3"/>
+          <p:cNvPicPr>
+            <a:picLocks noChangeAspect="1"/>
+          </p:cNvPicPr>
+          <p:nvPr/>
+        </p:nvPicPr>
+        <p:blipFill>
+          <a:blip r:embed="rId2">
+            <a:extLst>
+              <a:ext uri="{28A0092B-C50C-407E-A947-70E740481C1C}">
+                <a14:useLocalDpi xmlns:a14="http://schemas.microsoft.com/office/drawing/2010/main" val="0"/>
+              </a:ext>
+            </a:extLst>
+          </a:blip>
+          <a:stretch>
+            <a:fillRect/>
+          </a:stretch>
+        </p:blipFill>
+        <p:spPr>
+          <a:xfrm>
+            <a:off x="420873" y="1904648"/>
+            <a:ext cx="3794125" cy="3765490"/>
+          </a:xfrm>
+          <a:prstGeom prst="rect">
+            <a:avLst/>
+          </a:prstGeom>
+        </p:spPr>
+      </p:pic>
+      <p:sp>
+        <p:nvSpPr>
+          <p:cNvPr id="7" name="TextBox 6"/>
+          <p:cNvSpPr txBox="1"/>
+          <p:nvPr/>
+        </p:nvSpPr>
+        <p:spPr>
+          <a:xfrm>
+            <a:off x="4620128" y="2805038"/>
+            <a:ext cx="7764378" cy="2072362"/>
+          </a:xfrm>
+          <a:prstGeom prst="rect">
+            <a:avLst/>
+          </a:prstGeom>
+          <a:noFill/>
+          <a:ln w="12700" cap="flat">
+            <a:noFill/>
+            <a:miter lim="400000"/>
+          </a:ln>
+          <a:effectLst/>
+        </p:spPr>
+        <p:style>
+          <a:lnRef idx="0">
+            <a:scrgbClr r="0" g="0" b="0"/>
+          </a:lnRef>
+          <a:fillRef idx="0">
+            <a:scrgbClr r="0" g="0" b="0"/>
+          </a:fillRef>
+          <a:effectRef idx="0">
+            <a:scrgbClr r="0" g="0" b="0"/>
+          </a:effectRef>
+          <a:fontRef idx="none"/>
+        </p:style>
+        <p:txBody>
+          <a:bodyPr rot="0" spcFirstLastPara="1" vertOverflow="overflow" horzOverflow="overflow" vert="horz" wrap="square" lIns="50800" tIns="50800" rIns="50800" bIns="50800" numCol="1" spcCol="38100" rtlCol="0" anchor="ctr">
+            <a:spAutoFit/>
+          </a:bodyPr>
+          <a:lstStyle/>
+          <a:p>
+            <a:pPr marL="571500" marR="0" indent="-571500" algn="l" defTabSz="584200" rtl="0" fontAlgn="auto" latinLnBrk="1" hangingPunct="0">
+              <a:lnSpc>
+                <a:spcPct val="100000"/>
+              </a:lnSpc>
+              <a:spcBef>
+                <a:spcPts val="0"/>
+              </a:spcBef>
+              <a:spcAft>
+                <a:spcPts val="0"/>
+              </a:spcAft>
+              <a:buClrTx/>
+              <a:buSzTx/>
+              <a:buFont typeface="Arial" charset="0"/>
+              <a:buChar char="•"/>
+              <a:tabLst/>
+            </a:pPr>
+            <a:r>
+              <a:rPr kumimoji="0" lang="en-US" sz="3200" b="0" i="0" u="none" strike="noStrike" cap="none" spc="0" normalizeH="0" baseline="0" dirty="0" smtClean="0">
+                <a:ln>
+                  <a:noFill/>
+                </a:ln>
+                <a:solidFill>
+                  <a:srgbClr val="000000"/>
+                </a:solidFill>
+                <a:effectLst/>
+                <a:uFillTx/>
+                <a:latin typeface="+mn-lt"/>
+                <a:ea typeface="+mn-ea"/>
+                <a:cs typeface="+mn-cs"/>
+                <a:sym typeface="Gill Sans"/>
+              </a:rPr>
+              <a:t>Each motor-schema</a:t>
+            </a:r>
+            <a:r>
+              <a:rPr kumimoji="0" lang="en-US" sz="3200" b="0" i="0" u="none" strike="noStrike" cap="none" spc="0" normalizeH="0" dirty="0" smtClean="0">
+                <a:ln>
+                  <a:noFill/>
+                </a:ln>
+                <a:solidFill>
+                  <a:srgbClr val="000000"/>
+                </a:solidFill>
+                <a:effectLst/>
+                <a:uFillTx/>
+                <a:latin typeface="+mn-lt"/>
+                <a:ea typeface="+mn-ea"/>
+                <a:cs typeface="+mn-cs"/>
+                <a:sym typeface="Gill Sans"/>
+              </a:rPr>
+              <a:t> generates a vector </a:t>
+            </a:r>
+          </a:p>
+          <a:p>
+            <a:pPr marR="0" algn="l" defTabSz="584200" rtl="0" fontAlgn="auto" latinLnBrk="1" hangingPunct="0">
+              <a:lnSpc>
+                <a:spcPct val="100000"/>
+              </a:lnSpc>
+              <a:spcBef>
+                <a:spcPts val="0"/>
+              </a:spcBef>
+              <a:spcAft>
+                <a:spcPts val="0"/>
+              </a:spcAft>
+              <a:buClrTx/>
+              <a:buSzTx/>
+              <a:tabLst/>
+            </a:pPr>
+            <a:r>
+              <a:rPr lang="en-US" sz="3200" dirty="0" smtClean="0">
+                <a:solidFill>
+                  <a:srgbClr val="000000"/>
+                </a:solidFill>
+              </a:rPr>
+              <a:t>    </a:t>
+            </a:r>
+            <a:r>
+              <a:rPr kumimoji="0" lang="en-US" sz="3200" b="0" i="0" u="none" strike="noStrike" cap="none" spc="0" normalizeH="0" dirty="0" smtClean="0">
+                <a:ln>
+                  <a:noFill/>
+                </a:ln>
+                <a:solidFill>
+                  <a:srgbClr val="000000"/>
+                </a:solidFill>
+                <a:effectLst/>
+                <a:uFillTx/>
+                <a:latin typeface="+mn-lt"/>
+                <a:ea typeface="+mn-ea"/>
+                <a:cs typeface="+mn-cs"/>
+                <a:sym typeface="Gill Sans"/>
+              </a:rPr>
+              <a:t>field </a:t>
+            </a:r>
+          </a:p>
+          <a:p>
+            <a:pPr marL="457200" marR="0" indent="-457200" algn="l" defTabSz="584200" rtl="0" fontAlgn="auto" latinLnBrk="1" hangingPunct="0">
+              <a:lnSpc>
+                <a:spcPct val="100000"/>
+              </a:lnSpc>
+              <a:spcBef>
+                <a:spcPts val="0"/>
+              </a:spcBef>
+              <a:spcAft>
+                <a:spcPts val="0"/>
+              </a:spcAft>
+              <a:buClrTx/>
+              <a:buSzTx/>
+              <a:buFont typeface="Arial" charset="0"/>
+              <a:buChar char="•"/>
+              <a:tabLst/>
+            </a:pPr>
+            <a:r>
+              <a:rPr lang="en-US" sz="3200" dirty="0" smtClean="0">
+                <a:solidFill>
+                  <a:srgbClr val="000000"/>
+                </a:solidFill>
+              </a:rPr>
+              <a:t>The global vector field is the sum of all the computed individual vector fields</a:t>
+            </a:r>
+            <a:endParaRPr kumimoji="0" lang="en-US" sz="3200" b="0" i="0" u="none" strike="noStrike" cap="none" spc="0" normalizeH="0" baseline="0" dirty="0">
+              <a:ln>
+                <a:noFill/>
+              </a:ln>
+              <a:solidFill>
+                <a:srgbClr val="000000"/>
+              </a:solidFill>
+              <a:effectLst/>
+              <a:uFillTx/>
+              <a:latin typeface="+mn-lt"/>
+              <a:ea typeface="+mn-ea"/>
+              <a:cs typeface="+mn-cs"/>
+              <a:sym typeface="Gill Sans"/>
+            </a:endParaRPr>
+          </a:p>
+        </p:txBody>
+      </p:sp>
+      <p:sp>
+        <p:nvSpPr>
+          <p:cNvPr id="8" name="TextBox 7"/>
+          <p:cNvSpPr txBox="1"/>
+          <p:nvPr/>
+        </p:nvSpPr>
+        <p:spPr>
+          <a:xfrm>
+            <a:off x="6431088" y="2002289"/>
+            <a:ext cx="3741409" cy="748923"/>
+          </a:xfrm>
+          <a:prstGeom prst="rect">
+            <a:avLst/>
+          </a:prstGeom>
+          <a:noFill/>
+          <a:ln w="12700" cap="flat">
+            <a:noFill/>
+            <a:miter lim="400000"/>
+          </a:ln>
+          <a:effectLst/>
+        </p:spPr>
+        <p:style>
+          <a:lnRef idx="0">
+            <a:scrgbClr r="0" g="0" b="0"/>
+          </a:lnRef>
+          <a:fillRef idx="0">
+            <a:scrgbClr r="0" g="0" b="0"/>
+          </a:fillRef>
+          <a:effectRef idx="0">
+            <a:scrgbClr r="0" g="0" b="0"/>
+          </a:effectRef>
+          <a:fontRef idx="none"/>
+        </p:style>
+        <p:txBody>
+          <a:bodyPr rot="0" spcFirstLastPara="1" vertOverflow="overflow" horzOverflow="overflow" vert="horz" wrap="none" lIns="50800" tIns="50800" rIns="50800" bIns="50800" numCol="1" spcCol="38100" rtlCol="0" anchor="ctr">
+            <a:spAutoFit/>
+          </a:bodyPr>
+          <a:lstStyle/>
+          <a:p>
+            <a:pPr marL="0" marR="0" indent="0" algn="ctr" defTabSz="584200" rtl="0" fontAlgn="auto" latinLnBrk="1" hangingPunct="0">
+              <a:lnSpc>
+                <a:spcPct val="100000"/>
+              </a:lnSpc>
+              <a:spcBef>
+                <a:spcPts val="0"/>
+              </a:spcBef>
+              <a:spcAft>
+                <a:spcPts val="0"/>
+              </a:spcAft>
+              <a:buClrTx/>
+              <a:buSzTx/>
+              <a:buFontTx/>
+              <a:buNone/>
+              <a:tabLst/>
+            </a:pPr>
+            <a:r>
+              <a:rPr kumimoji="0" lang="en-US" sz="4200" b="0" i="0" u="none" strike="noStrike" cap="none" spc="0" normalizeH="0" baseline="0" dirty="0" smtClean="0">
+                <a:ln>
+                  <a:noFill/>
+                </a:ln>
+                <a:solidFill>
+                  <a:srgbClr val="000000"/>
+                </a:solidFill>
+                <a:effectLst/>
+                <a:uFillTx/>
+                <a:latin typeface="+mn-lt"/>
+                <a:ea typeface="+mn-ea"/>
+                <a:cs typeface="+mn-cs"/>
+                <a:sym typeface="Gill Sans"/>
+              </a:rPr>
+              <a:t>General concept</a:t>
+            </a:r>
+            <a:endParaRPr kumimoji="0" lang="en-US" sz="4200" b="0" i="0" u="none" strike="noStrike" cap="none" spc="0" normalizeH="0" baseline="0" dirty="0">
+              <a:ln>
+                <a:noFill/>
+              </a:ln>
+              <a:solidFill>
+                <a:srgbClr val="000000"/>
+              </a:solidFill>
+              <a:effectLst/>
+              <a:uFillTx/>
+              <a:latin typeface="+mn-lt"/>
+              <a:ea typeface="+mn-ea"/>
+              <a:cs typeface="+mn-cs"/>
+              <a:sym typeface="Gill Sans"/>
+            </a:endParaRPr>
+          </a:p>
+        </p:txBody>
+      </p:sp>
+      <p:sp>
+        <p:nvSpPr>
+          <p:cNvPr id="9" name="TextBox 8"/>
+          <p:cNvSpPr txBox="1"/>
+          <p:nvPr/>
+        </p:nvSpPr>
+        <p:spPr>
+          <a:xfrm>
+            <a:off x="1539586" y="5690057"/>
+            <a:ext cx="4278415" cy="748923"/>
+          </a:xfrm>
+          <a:prstGeom prst="rect">
+            <a:avLst/>
+          </a:prstGeom>
+          <a:noFill/>
+          <a:ln w="12700" cap="flat">
+            <a:noFill/>
+            <a:miter lim="400000"/>
+          </a:ln>
+          <a:effectLst/>
+        </p:spPr>
+        <p:style>
+          <a:lnRef idx="0">
+            <a:scrgbClr r="0" g="0" b="0"/>
+          </a:lnRef>
+          <a:fillRef idx="0">
+            <a:scrgbClr r="0" g="0" b="0"/>
+          </a:fillRef>
+          <a:effectRef idx="0">
+            <a:scrgbClr r="0" g="0" b="0"/>
+          </a:effectRef>
+          <a:fontRef idx="none"/>
+        </p:style>
+        <p:txBody>
+          <a:bodyPr rot="0" spcFirstLastPara="1" vertOverflow="overflow" horzOverflow="overflow" vert="horz" wrap="none" lIns="50800" tIns="50800" rIns="50800" bIns="50800" numCol="1" spcCol="38100" rtlCol="0" anchor="ctr">
+            <a:spAutoFit/>
+          </a:bodyPr>
+          <a:lstStyle/>
+          <a:p>
+            <a:pPr marL="0" marR="0" indent="0" algn="ctr" defTabSz="584200" rtl="0" fontAlgn="auto" latinLnBrk="1" hangingPunct="0">
+              <a:lnSpc>
+                <a:spcPct val="100000"/>
+              </a:lnSpc>
+              <a:spcBef>
+                <a:spcPts val="0"/>
+              </a:spcBef>
+              <a:spcAft>
+                <a:spcPts val="0"/>
+              </a:spcAft>
+              <a:buClrTx/>
+              <a:buSzTx/>
+              <a:buFontTx/>
+              <a:buNone/>
+              <a:tabLst/>
+            </a:pPr>
+            <a:r>
+              <a:rPr kumimoji="0" lang="en-US" sz="4200" b="0" i="0" u="none" strike="noStrike" cap="none" spc="0" normalizeH="0" baseline="0" dirty="0" smtClean="0">
+                <a:ln>
+                  <a:noFill/>
+                </a:ln>
+                <a:solidFill>
+                  <a:srgbClr val="000000"/>
+                </a:solidFill>
+                <a:effectLst/>
+                <a:uFillTx/>
+                <a:latin typeface="+mn-lt"/>
+                <a:ea typeface="+mn-ea"/>
+                <a:cs typeface="+mn-cs"/>
+                <a:sym typeface="Gill Sans"/>
+              </a:rPr>
+              <a:t>Sphere of influence</a:t>
+            </a:r>
+            <a:endParaRPr kumimoji="0" lang="en-US" sz="4200" b="0" i="0" u="none" strike="noStrike" cap="none" spc="0" normalizeH="0" baseline="0" dirty="0">
+              <a:ln>
+                <a:noFill/>
+              </a:ln>
+              <a:solidFill>
+                <a:srgbClr val="000000"/>
+              </a:solidFill>
+              <a:effectLst/>
+              <a:uFillTx/>
+              <a:latin typeface="+mn-lt"/>
+              <a:ea typeface="+mn-ea"/>
+              <a:cs typeface="+mn-cs"/>
+              <a:sym typeface="Gill Sans"/>
+            </a:endParaRPr>
+          </a:p>
+        </p:txBody>
+      </p:sp>
+      <p:sp>
+        <p:nvSpPr>
+          <p:cNvPr id="10" name="TextBox 9"/>
+          <p:cNvSpPr txBox="1"/>
+          <p:nvPr/>
+        </p:nvSpPr>
+        <p:spPr>
+          <a:xfrm>
+            <a:off x="355600" y="6615034"/>
+            <a:ext cx="7633368" cy="1856919"/>
+          </a:xfrm>
+          <a:prstGeom prst="rect">
+            <a:avLst/>
+          </a:prstGeom>
+          <a:noFill/>
+          <a:ln w="12700" cap="flat">
+            <a:noFill/>
+            <a:miter lim="400000"/>
+          </a:ln>
+          <a:effectLst/>
+        </p:spPr>
+        <p:style>
+          <a:lnRef idx="0">
+            <a:scrgbClr r="0" g="0" b="0"/>
+          </a:lnRef>
+          <a:fillRef idx="0">
+            <a:scrgbClr r="0" g="0" b="0"/>
+          </a:fillRef>
+          <a:effectRef idx="0">
+            <a:scrgbClr r="0" g="0" b="0"/>
+          </a:effectRef>
+          <a:fontRef idx="none"/>
+        </p:style>
+        <p:txBody>
+          <a:bodyPr rot="0" spcFirstLastPara="1" vertOverflow="overflow" horzOverflow="overflow" vert="horz" wrap="square" lIns="50800" tIns="50800" rIns="50800" bIns="50800" numCol="1" spcCol="38100" rtlCol="0" anchor="ctr">
+            <a:spAutoFit/>
+          </a:bodyPr>
+          <a:lstStyle/>
+          <a:p>
+            <a:pPr marL="457200" marR="0" indent="-457200" algn="l" defTabSz="584200" rtl="0" fontAlgn="auto" latinLnBrk="1" hangingPunct="0">
+              <a:lnSpc>
+                <a:spcPct val="100000"/>
+              </a:lnSpc>
+              <a:spcBef>
+                <a:spcPts val="0"/>
+              </a:spcBef>
+              <a:spcAft>
+                <a:spcPts val="0"/>
+              </a:spcAft>
+              <a:buClrTx/>
+              <a:buSzTx/>
+              <a:buFont typeface="Arial" charset="0"/>
+              <a:buChar char="•"/>
+              <a:tabLst/>
+            </a:pPr>
+            <a:r>
+              <a:rPr kumimoji="0" lang="en-US" sz="3200" b="0" i="0" u="none" strike="noStrike" cap="none" spc="0" normalizeH="0" baseline="0" dirty="0" smtClean="0">
+                <a:ln>
+                  <a:noFill/>
+                </a:ln>
+                <a:solidFill>
+                  <a:srgbClr val="000000"/>
+                </a:solidFill>
+                <a:effectLst/>
+                <a:uFillTx/>
+                <a:latin typeface="+mn-lt"/>
+                <a:ea typeface="+mn-ea"/>
+                <a:cs typeface="+mn-cs"/>
+                <a:sym typeface="Gill Sans"/>
+              </a:rPr>
+              <a:t>Most of the implemented motor-schemas use</a:t>
+            </a:r>
+            <a:r>
+              <a:rPr kumimoji="0" lang="en-US" sz="3200" b="0" i="0" u="none" strike="noStrike" cap="none" spc="0" normalizeH="0" dirty="0" smtClean="0">
+                <a:ln>
+                  <a:noFill/>
+                </a:ln>
+                <a:solidFill>
+                  <a:srgbClr val="000000"/>
+                </a:solidFill>
+                <a:effectLst/>
+                <a:uFillTx/>
+                <a:latin typeface="+mn-lt"/>
+                <a:ea typeface="+mn-ea"/>
+                <a:cs typeface="+mn-cs"/>
+                <a:sym typeface="Gill Sans"/>
+              </a:rPr>
+              <a:t> this co</a:t>
+            </a:r>
+            <a:r>
+              <a:rPr lang="en-US" sz="3200" dirty="0" smtClean="0">
+                <a:solidFill>
+                  <a:srgbClr val="000000"/>
+                </a:solidFill>
+              </a:rPr>
+              <a:t>ncept</a:t>
+            </a:r>
+          </a:p>
+          <a:p>
+            <a:pPr marR="0" algn="l" defTabSz="584200" rtl="0" fontAlgn="auto" latinLnBrk="1" hangingPunct="0">
+              <a:lnSpc>
+                <a:spcPct val="100000"/>
+              </a:lnSpc>
+              <a:spcBef>
+                <a:spcPts val="0"/>
+              </a:spcBef>
+              <a:spcAft>
+                <a:spcPts val="0"/>
+              </a:spcAft>
+              <a:buClrTx/>
+              <a:buSzTx/>
+              <a:tabLst/>
+            </a:pPr>
+            <a:endParaRPr lang="en-US" sz="1800" dirty="0" smtClean="0">
+              <a:solidFill>
+                <a:srgbClr val="000000"/>
+              </a:solidFill>
+            </a:endParaRPr>
+          </a:p>
+          <a:p>
+            <a:pPr marL="457200" marR="0" indent="-457200" algn="l" defTabSz="584200" rtl="0" fontAlgn="auto" latinLnBrk="1" hangingPunct="0">
+              <a:lnSpc>
+                <a:spcPct val="100000"/>
+              </a:lnSpc>
+              <a:spcBef>
+                <a:spcPts val="0"/>
+              </a:spcBef>
+              <a:spcAft>
+                <a:spcPts val="0"/>
+              </a:spcAft>
+              <a:buClrTx/>
+              <a:buSzTx/>
+              <a:buFont typeface="Arial" charset="0"/>
+              <a:buChar char="•"/>
+              <a:tabLst/>
+            </a:pPr>
+            <a:r>
+              <a:rPr kumimoji="0" lang="en-US" sz="3200" b="0" i="0" u="none" strike="noStrike" cap="none" spc="0" normalizeH="0" baseline="0" dirty="0" smtClean="0">
+                <a:ln>
+                  <a:noFill/>
+                </a:ln>
+                <a:solidFill>
+                  <a:srgbClr val="000000"/>
+                </a:solidFill>
+                <a:effectLst/>
+                <a:uFillTx/>
+                <a:latin typeface="+mn-lt"/>
+                <a:ea typeface="+mn-ea"/>
+                <a:cs typeface="+mn-cs"/>
+                <a:sym typeface="Gill Sans"/>
+              </a:rPr>
+              <a:t>Example</a:t>
+            </a:r>
+            <a:r>
+              <a:rPr kumimoji="0" lang="en-US" sz="3200" b="0" i="0" u="none" strike="noStrike" cap="none" spc="0" normalizeH="0" dirty="0" smtClean="0">
+                <a:ln>
+                  <a:noFill/>
+                </a:ln>
+                <a:solidFill>
+                  <a:srgbClr val="000000"/>
+                </a:solidFill>
+                <a:effectLst/>
+                <a:uFillTx/>
+                <a:latin typeface="+mn-lt"/>
+                <a:ea typeface="+mn-ea"/>
+                <a:cs typeface="+mn-cs"/>
+                <a:sym typeface="Gill Sans"/>
+              </a:rPr>
+              <a:t> </a:t>
+            </a:r>
+            <a:r>
+              <a:rPr kumimoji="0" lang="en-US" sz="3200" b="0" i="0" u="none" strike="noStrike" cap="none" spc="0" normalizeH="0" baseline="0" dirty="0" smtClean="0">
+                <a:ln>
+                  <a:noFill/>
+                </a:ln>
+                <a:solidFill>
+                  <a:srgbClr val="000000"/>
+                </a:solidFill>
+                <a:effectLst/>
+                <a:uFillTx/>
+                <a:latin typeface="+mn-lt"/>
+                <a:ea typeface="+mn-ea"/>
+                <a:cs typeface="+mn-cs"/>
+                <a:sym typeface="Gill Sans"/>
+              </a:rPr>
+              <a:t>equation</a:t>
+            </a:r>
+            <a:endParaRPr kumimoji="0" lang="en-US" sz="3200" b="0" i="0" u="none" strike="noStrike" cap="none" spc="0" normalizeH="0" baseline="0" dirty="0">
+              <a:ln>
+                <a:noFill/>
+              </a:ln>
+              <a:solidFill>
+                <a:srgbClr val="000000"/>
+              </a:solidFill>
+              <a:effectLst/>
+              <a:uFillTx/>
+              <a:latin typeface="+mn-lt"/>
+              <a:ea typeface="+mn-ea"/>
+              <a:cs typeface="+mn-cs"/>
+              <a:sym typeface="Gill Sans"/>
+            </a:endParaRPr>
+          </a:p>
+        </p:txBody>
+      </p:sp>
+      <p:sp>
+        <p:nvSpPr>
+          <p:cNvPr id="11" name="TextBox 10"/>
+          <p:cNvSpPr txBox="1"/>
+          <p:nvPr/>
+        </p:nvSpPr>
+        <p:spPr>
+          <a:xfrm>
+            <a:off x="8792302" y="7157306"/>
+            <a:ext cx="3254097" cy="748923"/>
+          </a:xfrm>
+          <a:prstGeom prst="rect">
+            <a:avLst/>
+          </a:prstGeom>
+          <a:noFill/>
+          <a:ln w="12700" cap="flat">
+            <a:noFill/>
+            <a:miter lim="400000"/>
+          </a:ln>
+          <a:effectLst/>
+        </p:spPr>
+        <p:style>
+          <a:lnRef idx="0">
+            <a:scrgbClr r="0" g="0" b="0"/>
+          </a:lnRef>
+          <a:fillRef idx="0">
+            <a:scrgbClr r="0" g="0" b="0"/>
+          </a:fillRef>
+          <a:effectRef idx="0">
+            <a:scrgbClr r="0" g="0" b="0"/>
+          </a:effectRef>
+          <a:fontRef idx="none"/>
+        </p:style>
+        <p:txBody>
+          <a:bodyPr rot="0" spcFirstLastPara="1" vertOverflow="overflow" horzOverflow="overflow" vert="horz" wrap="none" lIns="50800" tIns="50800" rIns="50800" bIns="50800" numCol="1" spcCol="38100" rtlCol="0" anchor="ctr">
+            <a:spAutoFit/>
+          </a:bodyPr>
+          <a:lstStyle/>
+          <a:p>
+            <a:pPr marL="0" marR="0" indent="0" algn="ctr" defTabSz="584200" rtl="0" fontAlgn="auto" latinLnBrk="1" hangingPunct="0">
+              <a:lnSpc>
+                <a:spcPct val="100000"/>
+              </a:lnSpc>
+              <a:spcBef>
+                <a:spcPts val="0"/>
+              </a:spcBef>
+              <a:spcAft>
+                <a:spcPts val="0"/>
+              </a:spcAft>
+              <a:buClrTx/>
+              <a:buSzTx/>
+              <a:buFontTx/>
+              <a:buNone/>
+              <a:tabLst/>
+            </a:pPr>
+            <a:r>
+              <a:rPr kumimoji="0" lang="en-US" sz="4200" b="0" i="0" u="none" strike="noStrike" cap="none" spc="0" normalizeH="0" baseline="0" dirty="0" smtClean="0">
+                <a:ln>
+                  <a:noFill/>
+                </a:ln>
+                <a:solidFill>
+                  <a:srgbClr val="FF0000"/>
+                </a:solidFill>
+                <a:effectLst/>
+                <a:uFillTx/>
+                <a:latin typeface="+mn-lt"/>
+                <a:ea typeface="+mn-ea"/>
+                <a:cs typeface="+mn-cs"/>
+                <a:sym typeface="Gill Sans"/>
+              </a:rPr>
+              <a:t>TODO: Image</a:t>
+            </a:r>
+            <a:endParaRPr kumimoji="0" lang="en-US" sz="4200" b="0" i="0" u="none" strike="noStrike" cap="none" spc="0" normalizeH="0" baseline="0" dirty="0">
+              <a:ln>
+                <a:noFill/>
+              </a:ln>
+              <a:solidFill>
+                <a:srgbClr val="FF0000"/>
+              </a:solidFill>
+              <a:effectLst/>
+              <a:uFillTx/>
+              <a:latin typeface="+mn-lt"/>
+              <a:ea typeface="+mn-ea"/>
+              <a:cs typeface="+mn-cs"/>
+              <a:sym typeface="Gill Sans"/>
+            </a:endParaRPr>
+          </a:p>
+        </p:txBody>
+      </p:sp>
+      <p:pic>
+        <p:nvPicPr>
+          <p:cNvPr id="13" name="Picture 12"/>
+          <p:cNvPicPr>
+            <a:picLocks noChangeAspect="1"/>
+          </p:cNvPicPr>
+          <p:nvPr/>
+        </p:nvPicPr>
+        <p:blipFill rotWithShape="1">
+          <a:blip r:embed="rId3">
+            <a:extLst>
+              <a:ext uri="{28A0092B-C50C-407E-A947-70E740481C1C}">
+                <a14:useLocalDpi xmlns:a14="http://schemas.microsoft.com/office/drawing/2010/main" val="0"/>
+              </a:ext>
+            </a:extLst>
+          </a:blip>
+          <a:srcRect l="3559" r="-3788"/>
+          <a:stretch/>
+        </p:blipFill>
+        <p:spPr>
+          <a:xfrm>
+            <a:off x="4032000" y="7471789"/>
+            <a:ext cx="3311999" cy="1547825"/>
+          </a:xfrm>
+          <a:prstGeom prst="rect">
+            <a:avLst/>
+          </a:prstGeom>
+        </p:spPr>
+      </p:pic>
     </p:spTree>
     <p:extLst>
       <p:ext uri="{BB962C8B-B14F-4D97-AF65-F5344CB8AC3E}">
@@ -6381,6 +7598,36 @@
           <a:chExt cx="0" cy="0"/>
         </a:xfrm>
       </p:grpSpPr>
+      <p:pic>
+        <p:nvPicPr>
+          <p:cNvPr id="6" name="Picture 5"/>
+          <p:cNvPicPr>
+            <a:picLocks noChangeAspect="1"/>
+          </p:cNvPicPr>
+          <p:nvPr/>
+        </p:nvPicPr>
+        <p:blipFill>
+          <a:blip r:embed="rId2">
+            <a:extLst>
+              <a:ext uri="{28A0092B-C50C-407E-A947-70E740481C1C}">
+                <a14:useLocalDpi xmlns:a14="http://schemas.microsoft.com/office/drawing/2010/main" val="0"/>
+              </a:ext>
+            </a:extLst>
+          </a:blip>
+          <a:stretch>
+            <a:fillRect/>
+          </a:stretch>
+        </p:blipFill>
+        <p:spPr>
+          <a:xfrm>
+            <a:off x="2598202" y="6483010"/>
+            <a:ext cx="8951396" cy="2921018"/>
+          </a:xfrm>
+          <a:prstGeom prst="rect">
+            <a:avLst/>
+          </a:prstGeom>
+        </p:spPr>
+      </p:pic>
       <p:sp>
         <p:nvSpPr>
           <p:cNvPr id="42" name="Shape 42"/>
@@ -6832,8 +8079,8 @@
         </p:nvSpPr>
         <p:spPr>
           <a:xfrm>
-            <a:off x="355600" y="660400"/>
-            <a:ext cx="12280900" cy="749300"/>
+            <a:off x="355600" y="637506"/>
+            <a:ext cx="12280900" cy="795089"/>
           </a:xfrm>
           <a:prstGeom prst="rect">
             <a:avLst/>
@@ -6873,13 +8120,416 @@
               </a:defRPr>
             </a:pPr>
             <a:r>
-              <a:rPr sz="4500">
+              <a:rPr lang="en-US" sz="4500" dirty="0" smtClean="0">
                 <a:solidFill>
                   <a:srgbClr val="B51A00"/>
                 </a:solidFill>
               </a:rPr>
-              <a:t>Anatomia: cuore e sistema di conduzione</a:t>
-            </a:r>
+              <a:t>Motor-schemas</a:t>
+            </a:r>
+            <a:endParaRPr sz="4500" dirty="0">
+              <a:solidFill>
+                <a:srgbClr val="B51A00"/>
+              </a:solidFill>
+            </a:endParaRPr>
+          </a:p>
+        </p:txBody>
+      </p:sp>
+      <p:pic>
+        <p:nvPicPr>
+          <p:cNvPr id="5" name="Picture 4"/>
+          <p:cNvPicPr>
+            <a:picLocks noChangeAspect="1"/>
+          </p:cNvPicPr>
+          <p:nvPr/>
+        </p:nvPicPr>
+        <p:blipFill>
+          <a:blip r:embed="rId3">
+            <a:extLst>
+              <a:ext uri="{28A0092B-C50C-407E-A947-70E740481C1C}">
+                <a14:useLocalDpi xmlns:a14="http://schemas.microsoft.com/office/drawing/2010/main" val="0"/>
+              </a:ext>
+            </a:extLst>
+          </a:blip>
+          <a:stretch>
+            <a:fillRect/>
+          </a:stretch>
+        </p:blipFill>
+        <p:spPr>
+          <a:xfrm>
+            <a:off x="5353391" y="2082800"/>
+            <a:ext cx="7208252" cy="3604126"/>
+          </a:xfrm>
+          <a:prstGeom prst="rect">
+            <a:avLst/>
+          </a:prstGeom>
+        </p:spPr>
+      </p:pic>
+      <p:sp>
+        <p:nvSpPr>
+          <p:cNvPr id="4" name="TextBox 3"/>
+          <p:cNvSpPr txBox="1"/>
+          <p:nvPr/>
+        </p:nvSpPr>
+        <p:spPr>
+          <a:xfrm>
+            <a:off x="355600" y="1877424"/>
+            <a:ext cx="5445401" cy="5027017"/>
+          </a:xfrm>
+          <a:prstGeom prst="rect">
+            <a:avLst/>
+          </a:prstGeom>
+          <a:noFill/>
+          <a:ln w="12700" cap="flat">
+            <a:noFill/>
+            <a:miter lim="400000"/>
+          </a:ln>
+          <a:effectLst/>
+        </p:spPr>
+        <p:style>
+          <a:lnRef idx="0">
+            <a:scrgbClr r="0" g="0" b="0"/>
+          </a:lnRef>
+          <a:fillRef idx="0">
+            <a:scrgbClr r="0" g="0" b="0"/>
+          </a:fillRef>
+          <a:effectRef idx="0">
+            <a:scrgbClr r="0" g="0" b="0"/>
+          </a:effectRef>
+          <a:fontRef idx="none"/>
+        </p:style>
+        <p:txBody>
+          <a:bodyPr rot="0" spcFirstLastPara="1" vertOverflow="overflow" horzOverflow="overflow" vert="horz" wrap="none" lIns="50800" tIns="50800" rIns="50800" bIns="50800" numCol="1" spcCol="38100" rtlCol="0" anchor="ctr">
+            <a:spAutoFit/>
+          </a:bodyPr>
+          <a:lstStyle/>
+          <a:p>
+            <a:pPr marL="571500" marR="0" indent="-571500" algn="l" defTabSz="584200" rtl="0" fontAlgn="auto" latinLnBrk="1" hangingPunct="0">
+              <a:lnSpc>
+                <a:spcPct val="100000"/>
+              </a:lnSpc>
+              <a:spcBef>
+                <a:spcPts val="0"/>
+              </a:spcBef>
+              <a:spcAft>
+                <a:spcPts val="0"/>
+              </a:spcAft>
+              <a:buClrTx/>
+              <a:buSzTx/>
+              <a:buFont typeface="Arial" charset="0"/>
+              <a:buChar char="•"/>
+              <a:tabLst/>
+            </a:pPr>
+            <a:r>
+              <a:rPr kumimoji="0" lang="en-US" sz="3200" b="0" i="0" u="none" strike="noStrike" cap="none" spc="0" normalizeH="0" baseline="0" dirty="0" smtClean="0">
+                <a:ln>
+                  <a:noFill/>
+                </a:ln>
+                <a:solidFill>
+                  <a:srgbClr val="000000"/>
+                </a:solidFill>
+                <a:effectLst/>
+                <a:uFillTx/>
+                <a:sym typeface="Gill Sans"/>
+              </a:rPr>
+              <a:t>Move to goal</a:t>
+            </a:r>
+          </a:p>
+          <a:p>
+            <a:pPr marL="571500" marR="0" indent="-571500" algn="l" defTabSz="584200" rtl="0" fontAlgn="auto" latinLnBrk="1" hangingPunct="0">
+              <a:lnSpc>
+                <a:spcPct val="100000"/>
+              </a:lnSpc>
+              <a:spcBef>
+                <a:spcPts val="0"/>
+              </a:spcBef>
+              <a:spcAft>
+                <a:spcPts val="0"/>
+              </a:spcAft>
+              <a:buClrTx/>
+              <a:buSzTx/>
+              <a:buFont typeface="Arial" charset="0"/>
+              <a:buChar char="•"/>
+              <a:tabLst/>
+            </a:pPr>
+            <a:r>
+              <a:rPr kumimoji="0" lang="en-US" sz="3200" b="0" i="0" u="none" strike="noStrike" cap="none" spc="0" normalizeH="0" baseline="0" dirty="0" smtClean="0">
+                <a:ln>
+                  <a:noFill/>
+                </a:ln>
+                <a:solidFill>
+                  <a:srgbClr val="000000"/>
+                </a:solidFill>
+                <a:effectLst/>
+                <a:uFillTx/>
+                <a:sym typeface="Gill Sans"/>
+              </a:rPr>
+              <a:t>Keep formation</a:t>
+            </a:r>
+          </a:p>
+          <a:p>
+            <a:pPr marL="571500" marR="0" indent="-571500" algn="l" defTabSz="584200" rtl="0" fontAlgn="auto" latinLnBrk="1" hangingPunct="0">
+              <a:lnSpc>
+                <a:spcPct val="100000"/>
+              </a:lnSpc>
+              <a:spcBef>
+                <a:spcPts val="0"/>
+              </a:spcBef>
+              <a:spcAft>
+                <a:spcPts val="0"/>
+              </a:spcAft>
+              <a:buClrTx/>
+              <a:buSzTx/>
+              <a:buFont typeface="Arial" charset="0"/>
+              <a:buChar char="•"/>
+              <a:tabLst/>
+            </a:pPr>
+            <a:r>
+              <a:rPr lang="en-US" sz="3200" dirty="0" smtClean="0">
+                <a:solidFill>
+                  <a:srgbClr val="000000"/>
+                </a:solidFill>
+              </a:rPr>
+              <a:t>Robot avoidance</a:t>
+            </a:r>
+          </a:p>
+          <a:p>
+            <a:pPr marR="0" algn="l" defTabSz="584200" rtl="0" fontAlgn="auto" latinLnBrk="1" hangingPunct="0">
+              <a:lnSpc>
+                <a:spcPct val="100000"/>
+              </a:lnSpc>
+              <a:spcBef>
+                <a:spcPts val="0"/>
+              </a:spcBef>
+              <a:spcAft>
+                <a:spcPts val="0"/>
+              </a:spcAft>
+              <a:buClrTx/>
+              <a:buSzTx/>
+              <a:tabLst/>
+            </a:pPr>
+            <a:r>
+              <a:rPr lang="en-US" sz="3200" dirty="0" smtClean="0">
+                <a:solidFill>
+                  <a:srgbClr val="000000"/>
+                </a:solidFill>
+              </a:rPr>
+              <a:t>	- local communication</a:t>
+            </a:r>
+            <a:endParaRPr lang="en-US" sz="3200" dirty="0" smtClean="0">
+              <a:solidFill>
+                <a:srgbClr val="000000"/>
+              </a:solidFill>
+            </a:endParaRPr>
+          </a:p>
+          <a:p>
+            <a:pPr marL="571500" marR="0" indent="-571500" algn="l" defTabSz="584200" rtl="0" fontAlgn="auto" latinLnBrk="1" hangingPunct="0">
+              <a:lnSpc>
+                <a:spcPct val="100000"/>
+              </a:lnSpc>
+              <a:spcBef>
+                <a:spcPts val="0"/>
+              </a:spcBef>
+              <a:spcAft>
+                <a:spcPts val="0"/>
+              </a:spcAft>
+              <a:buClrTx/>
+              <a:buSzTx/>
+              <a:buFont typeface="Arial" charset="0"/>
+              <a:buChar char="•"/>
+              <a:tabLst/>
+            </a:pPr>
+            <a:r>
+              <a:rPr kumimoji="0" lang="en-US" sz="3200" b="0" i="0" u="none" strike="noStrike" cap="none" spc="0" normalizeH="0" baseline="0" dirty="0" smtClean="0">
+                <a:ln>
+                  <a:noFill/>
+                </a:ln>
+                <a:solidFill>
+                  <a:srgbClr val="000000"/>
+                </a:solidFill>
+                <a:effectLst/>
+                <a:uFillTx/>
+                <a:sym typeface="Gill Sans"/>
+              </a:rPr>
+              <a:t>Obstacle</a:t>
+            </a:r>
+            <a:r>
+              <a:rPr kumimoji="0" lang="en-US" sz="3200" b="0" i="0" u="none" strike="noStrike" cap="none" spc="0" normalizeH="0" dirty="0" smtClean="0">
+                <a:ln>
+                  <a:noFill/>
+                </a:ln>
+                <a:solidFill>
+                  <a:srgbClr val="000000"/>
+                </a:solidFill>
+                <a:effectLst/>
+                <a:uFillTx/>
+                <a:sym typeface="Gill Sans"/>
+              </a:rPr>
+              <a:t> avoidance</a:t>
+            </a:r>
+          </a:p>
+          <a:p>
+            <a:pPr marR="0" algn="l" defTabSz="584200" rtl="0" fontAlgn="auto" latinLnBrk="1" hangingPunct="0">
+              <a:lnSpc>
+                <a:spcPct val="100000"/>
+              </a:lnSpc>
+              <a:spcBef>
+                <a:spcPts val="0"/>
+              </a:spcBef>
+              <a:spcAft>
+                <a:spcPts val="0"/>
+              </a:spcAft>
+              <a:buClrTx/>
+              <a:buSzTx/>
+              <a:tabLst/>
+            </a:pPr>
+            <a:r>
+              <a:rPr lang="en-US" sz="3200" dirty="0">
+                <a:solidFill>
+                  <a:srgbClr val="000000"/>
+                </a:solidFill>
+              </a:rPr>
+              <a:t>	</a:t>
+            </a:r>
+            <a:r>
+              <a:rPr lang="en-US" sz="3200" dirty="0" smtClean="0">
+                <a:solidFill>
+                  <a:srgbClr val="000000"/>
+                </a:solidFill>
+              </a:rPr>
+              <a:t>- supervisor</a:t>
+            </a:r>
+          </a:p>
+          <a:p>
+            <a:pPr marR="0" algn="l" defTabSz="584200" rtl="0" fontAlgn="auto" latinLnBrk="1" hangingPunct="0">
+              <a:lnSpc>
+                <a:spcPct val="100000"/>
+              </a:lnSpc>
+              <a:spcBef>
+                <a:spcPts val="0"/>
+              </a:spcBef>
+              <a:spcAft>
+                <a:spcPts val="0"/>
+              </a:spcAft>
+              <a:buClrTx/>
+              <a:buSzTx/>
+              <a:tabLst/>
+            </a:pPr>
+            <a:r>
+              <a:rPr kumimoji="0" lang="en-US" sz="3200" b="0" i="0" u="none" strike="noStrike" cap="none" spc="0" normalizeH="0" dirty="0">
+                <a:ln>
+                  <a:noFill/>
+                </a:ln>
+                <a:solidFill>
+                  <a:srgbClr val="000000"/>
+                </a:solidFill>
+                <a:effectLst/>
+                <a:uFillTx/>
+                <a:sym typeface="Gill Sans"/>
+              </a:rPr>
+              <a:t>	</a:t>
+            </a:r>
+            <a:r>
+              <a:rPr kumimoji="0" lang="en-US" sz="3200" b="0" i="0" u="none" strike="noStrike" cap="none" spc="0" normalizeH="0" dirty="0" smtClean="0">
+                <a:ln>
+                  <a:noFill/>
+                </a:ln>
+                <a:solidFill>
+                  <a:srgbClr val="000000"/>
+                </a:solidFill>
+                <a:effectLst/>
+                <a:uFillTx/>
+                <a:sym typeface="Gill Sans"/>
+              </a:rPr>
+              <a:t>- distance sensors</a:t>
+            </a:r>
+          </a:p>
+          <a:p>
+            <a:pPr marL="571500" marR="0" indent="-571500" algn="l" defTabSz="584200" rtl="0" fontAlgn="auto" latinLnBrk="1" hangingPunct="0">
+              <a:lnSpc>
+                <a:spcPct val="100000"/>
+              </a:lnSpc>
+              <a:spcBef>
+                <a:spcPts val="0"/>
+              </a:spcBef>
+              <a:spcAft>
+                <a:spcPts val="0"/>
+              </a:spcAft>
+              <a:buClrTx/>
+              <a:buSzTx/>
+              <a:buFont typeface="Arial" charset="0"/>
+              <a:buChar char="•"/>
+              <a:tabLst/>
+            </a:pPr>
+            <a:r>
+              <a:rPr lang="en-US" sz="3200" baseline="0" dirty="0" smtClean="0">
+                <a:solidFill>
+                  <a:srgbClr val="000000"/>
+                </a:solidFill>
+              </a:rPr>
+              <a:t>Random walk</a:t>
+            </a:r>
+          </a:p>
+          <a:p>
+            <a:pPr lvl="1" indent="0" algn="l" rtl="0" latinLnBrk="1" hangingPunct="0"/>
+            <a:r>
+              <a:rPr kumimoji="0" lang="en-US" sz="3200" b="0" i="0" u="none" strike="noStrike" cap="none" spc="0" normalizeH="0" dirty="0">
+                <a:ln>
+                  <a:noFill/>
+                </a:ln>
+                <a:solidFill>
+                  <a:srgbClr val="000000"/>
+                </a:solidFill>
+                <a:effectLst/>
+                <a:uFillTx/>
+                <a:sym typeface="Gill Sans"/>
+              </a:rPr>
+              <a:t>	</a:t>
+            </a:r>
+            <a:r>
+              <a:rPr kumimoji="0" lang="en-US" sz="3200" b="0" i="0" u="none" strike="noStrike" cap="none" spc="0" normalizeH="0" dirty="0" smtClean="0">
+                <a:ln>
+                  <a:noFill/>
+                </a:ln>
+                <a:solidFill>
+                  <a:srgbClr val="000000"/>
+                </a:solidFill>
+                <a:effectLst/>
+                <a:uFillTx/>
+                <a:sym typeface="Gill Sans"/>
+              </a:rPr>
+              <a:t>- noise generation frequency</a:t>
+            </a:r>
+          </a:p>
+          <a:p>
+            <a:pPr lvl="1" indent="0" algn="l" rtl="0" latinLnBrk="1" hangingPunct="0"/>
+            <a:r>
+              <a:rPr lang="en-US" sz="3200" baseline="0" dirty="0">
+                <a:solidFill>
+                  <a:srgbClr val="000000"/>
+                </a:solidFill>
+              </a:rPr>
+              <a:t>	</a:t>
+            </a:r>
+            <a:r>
+              <a:rPr lang="en-US" sz="3200" baseline="0" dirty="0" smtClean="0">
+                <a:solidFill>
+                  <a:srgbClr val="000000"/>
+                </a:solidFill>
+              </a:rPr>
+              <a:t>- fading</a:t>
+            </a:r>
+            <a:endParaRPr kumimoji="0" lang="en-US" sz="3200" b="0" i="0" u="none" strike="noStrike" cap="none" spc="0" normalizeH="0" baseline="0" dirty="0">
+              <a:ln>
+                <a:noFill/>
+              </a:ln>
+              <a:solidFill>
+                <a:srgbClr val="000000"/>
+              </a:solidFill>
+              <a:effectLst/>
+              <a:uFillTx/>
+              <a:sym typeface="Gill Sans"/>
+            </a:endParaRPr>
           </a:p>
         </p:txBody>
       </p:sp>

--- a/Presentation/presentation.pptx
+++ b/Presentation/presentation.pptx
@@ -5,7 +5,7 @@
     <p:sldMasterId id="2147483648" r:id="rId1"/>
   </p:sldMasterIdLst>
   <p:notesMasterIdLst>
-    <p:notesMasterId r:id="rId13"/>
+    <p:notesMasterId r:id="rId16"/>
   </p:notesMasterIdLst>
   <p:sldIdLst>
     <p:sldId id="256" r:id="rId2"/>
@@ -18,7 +18,10 @@
     <p:sldId id="267" r:id="rId9"/>
     <p:sldId id="268" r:id="rId10"/>
     <p:sldId id="269" r:id="rId11"/>
-    <p:sldId id="257" r:id="rId12"/>
+    <p:sldId id="270" r:id="rId12"/>
+    <p:sldId id="271" r:id="rId13"/>
+    <p:sldId id="272" r:id="rId14"/>
+    <p:sldId id="257" r:id="rId15"/>
   </p:sldIdLst>
   <p:sldSz cx="13004800" cy="9753600"/>
   <p:notesSz cx="6858000" cy="9144000"/>
@@ -3780,6 +3783,1605 @@
       </p:grpSpPr>
       <p:sp>
         <p:nvSpPr>
+          <p:cNvPr id="42" name="Shape 42"/>
+          <p:cNvSpPr/>
+          <p:nvPr/>
+        </p:nvSpPr>
+        <p:spPr>
+          <a:xfrm>
+            <a:off x="0" y="0"/>
+            <a:ext cx="6159500" cy="444500"/>
+          </a:xfrm>
+          <a:prstGeom prst="rect">
+            <a:avLst/>
+          </a:prstGeom>
+          <a:solidFill>
+            <a:srgbClr val="B51A00"/>
+          </a:solidFill>
+          <a:ln w="12700">
+            <a:miter lim="400000"/>
+          </a:ln>
+        </p:spPr>
+        <p:txBody>
+          <a:bodyPr lIns="0" tIns="0" rIns="0" bIns="0" anchor="ctr"/>
+          <a:lstStyle/>
+          <a:p>
+            <a:pPr lvl="0">
+              <a:defRPr sz="4000">
+                <a:solidFill>
+                  <a:srgbClr val="FFFFFF"/>
+                </a:solidFill>
+                <a:effectLst>
+                  <a:outerShdw blurRad="38100" dist="12700" dir="5400000" rotWithShape="0">
+                    <a:srgbClr val="000000">
+                      <a:alpha val="50000"/>
+                    </a:srgbClr>
+                  </a:outerShdw>
+                </a:effectLst>
+              </a:defRPr>
+            </a:pPr>
+            <a:endParaRPr/>
+          </a:p>
+        </p:txBody>
+      </p:sp>
+      <p:sp>
+        <p:nvSpPr>
+          <p:cNvPr id="43" name="Shape 43"/>
+          <p:cNvSpPr/>
+          <p:nvPr/>
+        </p:nvSpPr>
+        <p:spPr>
+          <a:xfrm>
+            <a:off x="6159500" y="0"/>
+            <a:ext cx="6845300" cy="444500"/>
+          </a:xfrm>
+          <a:prstGeom prst="rect">
+            <a:avLst/>
+          </a:prstGeom>
+          <a:solidFill>
+            <a:srgbClr val="D6D6D6"/>
+          </a:solidFill>
+          <a:ln w="12700">
+            <a:miter lim="400000"/>
+          </a:ln>
+        </p:spPr>
+        <p:txBody>
+          <a:bodyPr lIns="0" tIns="0" rIns="0" bIns="0" anchor="ctr"/>
+          <a:lstStyle/>
+          <a:p>
+            <a:pPr lvl="0">
+              <a:defRPr sz="4000">
+                <a:solidFill>
+                  <a:srgbClr val="FFFFFF"/>
+                </a:solidFill>
+                <a:effectLst>
+                  <a:outerShdw blurRad="38100" dist="12700" dir="5400000" rotWithShape="0">
+                    <a:srgbClr val="000000">
+                      <a:alpha val="50000"/>
+                    </a:srgbClr>
+                  </a:outerShdw>
+                </a:effectLst>
+              </a:defRPr>
+            </a:pPr>
+            <a:endParaRPr/>
+          </a:p>
+        </p:txBody>
+      </p:sp>
+      <p:sp>
+        <p:nvSpPr>
+          <p:cNvPr id="44" name="Shape 44"/>
+          <p:cNvSpPr/>
+          <p:nvPr/>
+        </p:nvSpPr>
+        <p:spPr>
+          <a:xfrm>
+            <a:off x="-1" y="9245600"/>
+            <a:ext cx="7494777" cy="520700"/>
+          </a:xfrm>
+          <a:prstGeom prst="rect">
+            <a:avLst/>
+          </a:prstGeom>
+          <a:solidFill>
+            <a:srgbClr val="B51A00"/>
+          </a:solidFill>
+          <a:ln w="12700">
+            <a:miter lim="400000"/>
+          </a:ln>
+        </p:spPr>
+        <p:txBody>
+          <a:bodyPr lIns="0" tIns="0" rIns="0" bIns="0" anchor="ctr"/>
+          <a:lstStyle/>
+          <a:p>
+            <a:pPr lvl="0">
+              <a:defRPr sz="4000">
+                <a:solidFill>
+                  <a:srgbClr val="FFFFFF"/>
+                </a:solidFill>
+                <a:effectLst>
+                  <a:outerShdw blurRad="38100" dist="12700" dir="5400000" rotWithShape="0">
+                    <a:srgbClr val="000000">
+                      <a:alpha val="50000"/>
+                    </a:srgbClr>
+                  </a:outerShdw>
+                </a:effectLst>
+              </a:defRPr>
+            </a:pPr>
+            <a:endParaRPr/>
+          </a:p>
+        </p:txBody>
+      </p:sp>
+      <p:sp>
+        <p:nvSpPr>
+          <p:cNvPr id="45" name="Shape 45"/>
+          <p:cNvSpPr/>
+          <p:nvPr/>
+        </p:nvSpPr>
+        <p:spPr>
+          <a:xfrm>
+            <a:off x="7218946" y="9245600"/>
+            <a:ext cx="5785853" cy="520700"/>
+          </a:xfrm>
+          <a:prstGeom prst="rect">
+            <a:avLst/>
+          </a:prstGeom>
+          <a:solidFill>
+            <a:srgbClr val="D6D6D6"/>
+          </a:solidFill>
+          <a:ln w="12700">
+            <a:miter lim="400000"/>
+          </a:ln>
+        </p:spPr>
+        <p:txBody>
+          <a:bodyPr lIns="0" tIns="0" rIns="0" bIns="0" anchor="ctr"/>
+          <a:lstStyle/>
+          <a:p>
+            <a:pPr lvl="0">
+              <a:defRPr sz="4000">
+                <a:solidFill>
+                  <a:srgbClr val="FFFFFF"/>
+                </a:solidFill>
+                <a:effectLst>
+                  <a:outerShdw blurRad="38100" dist="12700" dir="5400000" rotWithShape="0">
+                    <a:srgbClr val="000000">
+                      <a:alpha val="50000"/>
+                    </a:srgbClr>
+                  </a:outerShdw>
+                </a:effectLst>
+              </a:defRPr>
+            </a:pPr>
+            <a:endParaRPr/>
+          </a:p>
+        </p:txBody>
+      </p:sp>
+      <p:sp>
+        <p:nvSpPr>
+          <p:cNvPr id="46" name="Shape 46"/>
+          <p:cNvSpPr/>
+          <p:nvPr/>
+        </p:nvSpPr>
+        <p:spPr>
+          <a:xfrm>
+            <a:off x="881508" y="9245600"/>
+            <a:ext cx="6155531" cy="456535"/>
+          </a:xfrm>
+          <a:prstGeom prst="rect">
+            <a:avLst/>
+          </a:prstGeom>
+          <a:ln w="12700">
+            <a:miter lim="400000"/>
+          </a:ln>
+          <a:extLst>
+            <a:ext uri="{C572A759-6A51-4108-AA02-DFA0A04FC94B}">
+              <ma14:wrappingTextBoxFlag xmlns:ma14="http://schemas.microsoft.com/office/mac/drawingml/2011/main" val="1"/>
+            </a:ext>
+          </a:extLst>
+        </p:spPr>
+        <p:txBody>
+          <a:bodyPr wrap="none" lIns="50800" tIns="50800" rIns="50800" bIns="50800" anchor="ctr">
+            <a:spAutoFit/>
+          </a:bodyPr>
+          <a:lstStyle>
+            <a:lvl1pPr>
+              <a:defRPr sz="2300">
+                <a:solidFill>
+                  <a:srgbClr val="FFFFFF"/>
+                </a:solidFill>
+              </a:defRPr>
+            </a:lvl1pPr>
+          </a:lstStyle>
+          <a:p>
+            <a:pPr lvl="0">
+              <a:defRPr sz="1800">
+                <a:solidFill>
+                  <a:srgbClr val="000000"/>
+                </a:solidFill>
+              </a:defRPr>
+            </a:pPr>
+            <a:r>
+              <a:rPr lang="en-US" sz="2300" dirty="0" err="1" smtClean="0">
+                <a:solidFill>
+                  <a:srgbClr val="FFFFFF"/>
+                </a:solidFill>
+              </a:rPr>
+              <a:t>Ondine</a:t>
+            </a:r>
+            <a:r>
+              <a:rPr lang="en-US" sz="2300" dirty="0" smtClean="0">
+                <a:solidFill>
+                  <a:srgbClr val="FFFFFF"/>
+                </a:solidFill>
+              </a:rPr>
+              <a:t> </a:t>
+            </a:r>
+            <a:r>
+              <a:rPr lang="en-US" sz="2300" dirty="0" err="1" smtClean="0">
+                <a:solidFill>
+                  <a:srgbClr val="FFFFFF"/>
+                </a:solidFill>
+              </a:rPr>
+              <a:t>Chanon</a:t>
+            </a:r>
+            <a:r>
+              <a:rPr lang="en-US" sz="2300" dirty="0" smtClean="0">
+                <a:solidFill>
+                  <a:srgbClr val="FFFFFF"/>
+                </a:solidFill>
+              </a:rPr>
+              <a:t>, Nicolas </a:t>
+            </a:r>
+            <a:r>
+              <a:rPr lang="en-US" sz="2300" dirty="0" err="1" smtClean="0">
+                <a:solidFill>
+                  <a:srgbClr val="FFFFFF"/>
+                </a:solidFill>
+              </a:rPr>
+              <a:t>Hubacher</a:t>
+            </a:r>
+            <a:r>
+              <a:rPr lang="en-US" sz="2300" dirty="0" smtClean="0">
+                <a:solidFill>
+                  <a:srgbClr val="FFFFFF"/>
+                </a:solidFill>
+              </a:rPr>
+              <a:t>, Stefano </a:t>
+            </a:r>
+            <a:r>
+              <a:rPr lang="en-US" sz="2300" dirty="0" err="1" smtClean="0">
+                <a:solidFill>
+                  <a:srgbClr val="FFFFFF"/>
+                </a:solidFill>
+              </a:rPr>
+              <a:t>Savar</a:t>
+            </a:r>
+            <a:r>
+              <a:rPr lang="en-US" sz="2300" dirty="0" err="1" smtClean="0">
+                <a:solidFill>
+                  <a:srgbClr val="FFFFFF"/>
+                </a:solidFill>
+              </a:rPr>
+              <a:t>è</a:t>
+            </a:r>
+            <a:endParaRPr sz="2300" dirty="0">
+              <a:solidFill>
+                <a:srgbClr val="FFFFFF"/>
+              </a:solidFill>
+            </a:endParaRPr>
+          </a:p>
+        </p:txBody>
+      </p:sp>
+      <p:sp>
+        <p:nvSpPr>
+          <p:cNvPr id="47" name="Shape 47"/>
+          <p:cNvSpPr/>
+          <p:nvPr/>
+        </p:nvSpPr>
+        <p:spPr>
+          <a:xfrm>
+            <a:off x="7494777" y="9254939"/>
+            <a:ext cx="2925481" cy="471924"/>
+          </a:xfrm>
+          <a:prstGeom prst="rect">
+            <a:avLst/>
+          </a:prstGeom>
+          <a:ln w="12700">
+            <a:miter lim="400000"/>
+          </a:ln>
+          <a:extLst>
+            <a:ext uri="{C572A759-6A51-4108-AA02-DFA0A04FC94B}">
+              <ma14:wrappingTextBoxFlag xmlns:ma14="http://schemas.microsoft.com/office/mac/drawingml/2011/main" val="1"/>
+            </a:ext>
+          </a:extLst>
+        </p:spPr>
+        <p:txBody>
+          <a:bodyPr wrap="none" lIns="50800" tIns="50800" rIns="50800" bIns="50800" anchor="ctr">
+            <a:spAutoFit/>
+          </a:bodyPr>
+          <a:lstStyle>
+            <a:lvl1pPr>
+              <a:defRPr sz="2300"/>
+            </a:lvl1pPr>
+          </a:lstStyle>
+          <a:p>
+            <a:pPr lvl="0">
+              <a:defRPr sz="1800"/>
+            </a:pPr>
+            <a:r>
+              <a:rPr lang="en-US" sz="2400" dirty="0" smtClean="0"/>
+              <a:t>December, 16th</a:t>
+            </a:r>
+            <a:r>
+              <a:rPr sz="2400" dirty="0" smtClean="0"/>
+              <a:t>  201</a:t>
+            </a:r>
+            <a:r>
+              <a:rPr lang="en-US" sz="2400" dirty="0" smtClean="0"/>
+              <a:t>5</a:t>
+            </a:r>
+            <a:endParaRPr sz="2400" dirty="0"/>
+          </a:p>
+        </p:txBody>
+      </p:sp>
+      <p:sp>
+        <p:nvSpPr>
+          <p:cNvPr id="54" name="Shape 54"/>
+          <p:cNvSpPr/>
+          <p:nvPr/>
+        </p:nvSpPr>
+        <p:spPr>
+          <a:xfrm>
+            <a:off x="4214998" y="-82216"/>
+            <a:ext cx="1603003" cy="456535"/>
+          </a:xfrm>
+          <a:prstGeom prst="rect">
+            <a:avLst/>
+          </a:prstGeom>
+          <a:ln w="12700">
+            <a:miter lim="400000"/>
+          </a:ln>
+          <a:extLst>
+            <a:ext uri="{C572A759-6A51-4108-AA02-DFA0A04FC94B}">
+              <ma14:wrappingTextBoxFlag xmlns:ma14="http://schemas.microsoft.com/office/mac/drawingml/2011/main" val="1"/>
+            </a:ext>
+          </a:extLst>
+        </p:spPr>
+        <p:txBody>
+          <a:bodyPr wrap="none" lIns="50800" tIns="50800" rIns="50800" bIns="50800" anchor="ctr">
+            <a:spAutoFit/>
+          </a:bodyPr>
+          <a:lstStyle>
+            <a:lvl1pPr>
+              <a:defRPr sz="2300">
+                <a:solidFill>
+                  <a:srgbClr val="FFFFFF"/>
+                </a:solidFill>
+              </a:defRPr>
+            </a:lvl1pPr>
+          </a:lstStyle>
+          <a:p>
+            <a:pPr lvl="0">
+              <a:defRPr sz="1800">
+                <a:solidFill>
+                  <a:srgbClr val="000000"/>
+                </a:solidFill>
+              </a:defRPr>
+            </a:pPr>
+            <a:r>
+              <a:rPr lang="en-US" sz="2300" dirty="0" smtClean="0">
+                <a:solidFill>
+                  <a:srgbClr val="FFFFFF"/>
+                </a:solidFill>
+              </a:rPr>
+              <a:t>Introduction</a:t>
+            </a:r>
+            <a:endParaRPr sz="2300" dirty="0">
+              <a:solidFill>
+                <a:srgbClr val="FFFFFF"/>
+              </a:solidFill>
+            </a:endParaRPr>
+          </a:p>
+        </p:txBody>
+      </p:sp>
+      <p:sp>
+        <p:nvSpPr>
+          <p:cNvPr id="16" name="Shape 74"/>
+          <p:cNvSpPr/>
+          <p:nvPr/>
+        </p:nvSpPr>
+        <p:spPr>
+          <a:xfrm>
+            <a:off x="0" y="406400"/>
+            <a:ext cx="14147800" cy="1270000"/>
+          </a:xfrm>
+          <a:prstGeom prst="rect">
+            <a:avLst/>
+          </a:prstGeom>
+          <a:solidFill>
+            <a:srgbClr val="EBEBEB"/>
+          </a:solidFill>
+          <a:ln w="12700">
+            <a:miter lim="400000"/>
+          </a:ln>
+        </p:spPr>
+        <p:txBody>
+          <a:bodyPr lIns="0" tIns="0" rIns="0" bIns="0" anchor="ctr"/>
+          <a:lstStyle/>
+          <a:p>
+            <a:pPr lvl="0">
+              <a:defRPr sz="4000">
+                <a:solidFill>
+                  <a:srgbClr val="FFFFFF"/>
+                </a:solidFill>
+                <a:effectLst>
+                  <a:outerShdw blurRad="38100" dist="12700" dir="5400000" rotWithShape="0">
+                    <a:srgbClr val="000000">
+                      <a:alpha val="50000"/>
+                    </a:srgbClr>
+                  </a:outerShdw>
+                </a:effectLst>
+              </a:defRPr>
+            </a:pPr>
+            <a:endParaRPr/>
+          </a:p>
+        </p:txBody>
+      </p:sp>
+      <p:sp>
+        <p:nvSpPr>
+          <p:cNvPr id="17" name="Shape 75"/>
+          <p:cNvSpPr/>
+          <p:nvPr/>
+        </p:nvSpPr>
+        <p:spPr>
+          <a:xfrm>
+            <a:off x="355600" y="660400"/>
+            <a:ext cx="12280900" cy="749300"/>
+          </a:xfrm>
+          <a:prstGeom prst="rect">
+            <a:avLst/>
+          </a:prstGeom>
+          <a:ln w="12700">
+            <a:miter lim="400000"/>
+          </a:ln>
+          <a:extLst>
+            <a:ext uri="{C572A759-6A51-4108-AA02-DFA0A04FC94B}">
+              <ma14:wrappingTextBoxFlag xmlns:ma14="http://schemas.microsoft.com/office/mac/drawingml/2011/main" val="1"/>
+            </a:ext>
+          </a:extLst>
+        </p:spPr>
+        <p:txBody>
+          <a:bodyPr lIns="50800" tIns="50800" rIns="50800" bIns="50800" anchor="ctr">
+            <a:spAutoFit/>
+          </a:bodyPr>
+          <a:lstStyle>
+            <a:lvl1pPr algn="l">
+              <a:defRPr sz="4500">
+                <a:solidFill>
+                  <a:srgbClr val="B51A00"/>
+                </a:solidFill>
+                <a:latin typeface="Arial"/>
+                <a:ea typeface="Arial"/>
+                <a:cs typeface="Arial"/>
+                <a:sym typeface="Arial"/>
+              </a:defRPr>
+            </a:lvl1pPr>
+          </a:lstStyle>
+          <a:p>
+            <a:pPr lvl="0">
+              <a:defRPr sz="1800">
+                <a:solidFill>
+                  <a:srgbClr val="000000"/>
+                </a:solidFill>
+              </a:defRPr>
+            </a:pPr>
+            <a:r>
+              <a:rPr sz="4500">
+                <a:solidFill>
+                  <a:srgbClr val="B51A00"/>
+                </a:solidFill>
+              </a:rPr>
+              <a:t>Anatomia: cuore e sistema di conduzione</a:t>
+            </a:r>
+          </a:p>
+        </p:txBody>
+      </p:sp>
+    </p:spTree>
+    <p:extLst>
+      <p:ext uri="{BB962C8B-B14F-4D97-AF65-F5344CB8AC3E}">
+        <p14:creationId xmlns:p14="http://schemas.microsoft.com/office/powerpoint/2010/main" val="1623200441"/>
+      </p:ext>
+    </p:extLst>
+  </p:cSld>
+  <p:clrMapOvr>
+    <a:masterClrMapping/>
+  </p:clrMapOvr>
+  <p:transition spd="med"/>
+</p:sld>
+</file>
+
+<file path=ppt/slides/slide12.xml><?xml version="1.0" encoding="utf-8"?>
+<p:sld xmlns:a="http://schemas.openxmlformats.org/drawingml/2006/main" xmlns:r="http://schemas.openxmlformats.org/officeDocument/2006/relationships" xmlns:p="http://schemas.openxmlformats.org/presentationml/2006/main">
+  <p:cSld>
+    <p:spTree>
+      <p:nvGrpSpPr>
+        <p:cNvPr id="1" name=""/>
+        <p:cNvGrpSpPr/>
+        <p:nvPr/>
+      </p:nvGrpSpPr>
+      <p:grpSpPr>
+        <a:xfrm>
+          <a:off x="0" y="0"/>
+          <a:ext cx="0" cy="0"/>
+          <a:chOff x="0" y="0"/>
+          <a:chExt cx="0" cy="0"/>
+        </a:xfrm>
+      </p:grpSpPr>
+      <p:sp>
+        <p:nvSpPr>
+          <p:cNvPr id="42" name="Shape 42"/>
+          <p:cNvSpPr/>
+          <p:nvPr/>
+        </p:nvSpPr>
+        <p:spPr>
+          <a:xfrm>
+            <a:off x="0" y="0"/>
+            <a:ext cx="6159500" cy="444500"/>
+          </a:xfrm>
+          <a:prstGeom prst="rect">
+            <a:avLst/>
+          </a:prstGeom>
+          <a:solidFill>
+            <a:srgbClr val="B51A00"/>
+          </a:solidFill>
+          <a:ln w="12700">
+            <a:miter lim="400000"/>
+          </a:ln>
+        </p:spPr>
+        <p:txBody>
+          <a:bodyPr lIns="0" tIns="0" rIns="0" bIns="0" anchor="ctr"/>
+          <a:lstStyle/>
+          <a:p>
+            <a:pPr lvl="0">
+              <a:defRPr sz="4000">
+                <a:solidFill>
+                  <a:srgbClr val="FFFFFF"/>
+                </a:solidFill>
+                <a:effectLst>
+                  <a:outerShdw blurRad="38100" dist="12700" dir="5400000" rotWithShape="0">
+                    <a:srgbClr val="000000">
+                      <a:alpha val="50000"/>
+                    </a:srgbClr>
+                  </a:outerShdw>
+                </a:effectLst>
+              </a:defRPr>
+            </a:pPr>
+            <a:endParaRPr/>
+          </a:p>
+        </p:txBody>
+      </p:sp>
+      <p:sp>
+        <p:nvSpPr>
+          <p:cNvPr id="43" name="Shape 43"/>
+          <p:cNvSpPr/>
+          <p:nvPr/>
+        </p:nvSpPr>
+        <p:spPr>
+          <a:xfrm>
+            <a:off x="6159500" y="0"/>
+            <a:ext cx="6845300" cy="444500"/>
+          </a:xfrm>
+          <a:prstGeom prst="rect">
+            <a:avLst/>
+          </a:prstGeom>
+          <a:solidFill>
+            <a:srgbClr val="D6D6D6"/>
+          </a:solidFill>
+          <a:ln w="12700">
+            <a:miter lim="400000"/>
+          </a:ln>
+        </p:spPr>
+        <p:txBody>
+          <a:bodyPr lIns="0" tIns="0" rIns="0" bIns="0" anchor="ctr"/>
+          <a:lstStyle/>
+          <a:p>
+            <a:pPr lvl="0">
+              <a:defRPr sz="4000">
+                <a:solidFill>
+                  <a:srgbClr val="FFFFFF"/>
+                </a:solidFill>
+                <a:effectLst>
+                  <a:outerShdw blurRad="38100" dist="12700" dir="5400000" rotWithShape="0">
+                    <a:srgbClr val="000000">
+                      <a:alpha val="50000"/>
+                    </a:srgbClr>
+                  </a:outerShdw>
+                </a:effectLst>
+              </a:defRPr>
+            </a:pPr>
+            <a:endParaRPr/>
+          </a:p>
+        </p:txBody>
+      </p:sp>
+      <p:sp>
+        <p:nvSpPr>
+          <p:cNvPr id="44" name="Shape 44"/>
+          <p:cNvSpPr/>
+          <p:nvPr/>
+        </p:nvSpPr>
+        <p:spPr>
+          <a:xfrm>
+            <a:off x="-1" y="9245600"/>
+            <a:ext cx="7494777" cy="520700"/>
+          </a:xfrm>
+          <a:prstGeom prst="rect">
+            <a:avLst/>
+          </a:prstGeom>
+          <a:solidFill>
+            <a:srgbClr val="B51A00"/>
+          </a:solidFill>
+          <a:ln w="12700">
+            <a:miter lim="400000"/>
+          </a:ln>
+        </p:spPr>
+        <p:txBody>
+          <a:bodyPr lIns="0" tIns="0" rIns="0" bIns="0" anchor="ctr"/>
+          <a:lstStyle/>
+          <a:p>
+            <a:pPr lvl="0">
+              <a:defRPr sz="4000">
+                <a:solidFill>
+                  <a:srgbClr val="FFFFFF"/>
+                </a:solidFill>
+                <a:effectLst>
+                  <a:outerShdw blurRad="38100" dist="12700" dir="5400000" rotWithShape="0">
+                    <a:srgbClr val="000000">
+                      <a:alpha val="50000"/>
+                    </a:srgbClr>
+                  </a:outerShdw>
+                </a:effectLst>
+              </a:defRPr>
+            </a:pPr>
+            <a:endParaRPr/>
+          </a:p>
+        </p:txBody>
+      </p:sp>
+      <p:sp>
+        <p:nvSpPr>
+          <p:cNvPr id="45" name="Shape 45"/>
+          <p:cNvSpPr/>
+          <p:nvPr/>
+        </p:nvSpPr>
+        <p:spPr>
+          <a:xfrm>
+            <a:off x="7218946" y="9245600"/>
+            <a:ext cx="5785853" cy="520700"/>
+          </a:xfrm>
+          <a:prstGeom prst="rect">
+            <a:avLst/>
+          </a:prstGeom>
+          <a:solidFill>
+            <a:srgbClr val="D6D6D6"/>
+          </a:solidFill>
+          <a:ln w="12700">
+            <a:miter lim="400000"/>
+          </a:ln>
+        </p:spPr>
+        <p:txBody>
+          <a:bodyPr lIns="0" tIns="0" rIns="0" bIns="0" anchor="ctr"/>
+          <a:lstStyle/>
+          <a:p>
+            <a:pPr lvl="0">
+              <a:defRPr sz="4000">
+                <a:solidFill>
+                  <a:srgbClr val="FFFFFF"/>
+                </a:solidFill>
+                <a:effectLst>
+                  <a:outerShdw blurRad="38100" dist="12700" dir="5400000" rotWithShape="0">
+                    <a:srgbClr val="000000">
+                      <a:alpha val="50000"/>
+                    </a:srgbClr>
+                  </a:outerShdw>
+                </a:effectLst>
+              </a:defRPr>
+            </a:pPr>
+            <a:endParaRPr/>
+          </a:p>
+        </p:txBody>
+      </p:sp>
+      <p:sp>
+        <p:nvSpPr>
+          <p:cNvPr id="46" name="Shape 46"/>
+          <p:cNvSpPr/>
+          <p:nvPr/>
+        </p:nvSpPr>
+        <p:spPr>
+          <a:xfrm>
+            <a:off x="881508" y="9245600"/>
+            <a:ext cx="6155531" cy="456535"/>
+          </a:xfrm>
+          <a:prstGeom prst="rect">
+            <a:avLst/>
+          </a:prstGeom>
+          <a:ln w="12700">
+            <a:miter lim="400000"/>
+          </a:ln>
+          <a:extLst>
+            <a:ext uri="{C572A759-6A51-4108-AA02-DFA0A04FC94B}">
+              <ma14:wrappingTextBoxFlag xmlns:ma14="http://schemas.microsoft.com/office/mac/drawingml/2011/main" val="1"/>
+            </a:ext>
+          </a:extLst>
+        </p:spPr>
+        <p:txBody>
+          <a:bodyPr wrap="none" lIns="50800" tIns="50800" rIns="50800" bIns="50800" anchor="ctr">
+            <a:spAutoFit/>
+          </a:bodyPr>
+          <a:lstStyle>
+            <a:lvl1pPr>
+              <a:defRPr sz="2300">
+                <a:solidFill>
+                  <a:srgbClr val="FFFFFF"/>
+                </a:solidFill>
+              </a:defRPr>
+            </a:lvl1pPr>
+          </a:lstStyle>
+          <a:p>
+            <a:pPr lvl="0">
+              <a:defRPr sz="1800">
+                <a:solidFill>
+                  <a:srgbClr val="000000"/>
+                </a:solidFill>
+              </a:defRPr>
+            </a:pPr>
+            <a:r>
+              <a:rPr lang="en-US" sz="2300" dirty="0" err="1" smtClean="0">
+                <a:solidFill>
+                  <a:srgbClr val="FFFFFF"/>
+                </a:solidFill>
+              </a:rPr>
+              <a:t>Ondine</a:t>
+            </a:r>
+            <a:r>
+              <a:rPr lang="en-US" sz="2300" dirty="0" smtClean="0">
+                <a:solidFill>
+                  <a:srgbClr val="FFFFFF"/>
+                </a:solidFill>
+              </a:rPr>
+              <a:t> </a:t>
+            </a:r>
+            <a:r>
+              <a:rPr lang="en-US" sz="2300" dirty="0" err="1" smtClean="0">
+                <a:solidFill>
+                  <a:srgbClr val="FFFFFF"/>
+                </a:solidFill>
+              </a:rPr>
+              <a:t>Chanon</a:t>
+            </a:r>
+            <a:r>
+              <a:rPr lang="en-US" sz="2300" dirty="0" smtClean="0">
+                <a:solidFill>
+                  <a:srgbClr val="FFFFFF"/>
+                </a:solidFill>
+              </a:rPr>
+              <a:t>, Nicolas </a:t>
+            </a:r>
+            <a:r>
+              <a:rPr lang="en-US" sz="2300" dirty="0" err="1" smtClean="0">
+                <a:solidFill>
+                  <a:srgbClr val="FFFFFF"/>
+                </a:solidFill>
+              </a:rPr>
+              <a:t>Hubacher</a:t>
+            </a:r>
+            <a:r>
+              <a:rPr lang="en-US" sz="2300" dirty="0" smtClean="0">
+                <a:solidFill>
+                  <a:srgbClr val="FFFFFF"/>
+                </a:solidFill>
+              </a:rPr>
+              <a:t>, Stefano </a:t>
+            </a:r>
+            <a:r>
+              <a:rPr lang="en-US" sz="2300" dirty="0" err="1" smtClean="0">
+                <a:solidFill>
+                  <a:srgbClr val="FFFFFF"/>
+                </a:solidFill>
+              </a:rPr>
+              <a:t>Savar</a:t>
+            </a:r>
+            <a:r>
+              <a:rPr lang="en-US" sz="2300" dirty="0" err="1" smtClean="0">
+                <a:solidFill>
+                  <a:srgbClr val="FFFFFF"/>
+                </a:solidFill>
+              </a:rPr>
+              <a:t>è</a:t>
+            </a:r>
+            <a:endParaRPr sz="2300" dirty="0">
+              <a:solidFill>
+                <a:srgbClr val="FFFFFF"/>
+              </a:solidFill>
+            </a:endParaRPr>
+          </a:p>
+        </p:txBody>
+      </p:sp>
+      <p:sp>
+        <p:nvSpPr>
+          <p:cNvPr id="47" name="Shape 47"/>
+          <p:cNvSpPr/>
+          <p:nvPr/>
+        </p:nvSpPr>
+        <p:spPr>
+          <a:xfrm>
+            <a:off x="7494777" y="9254939"/>
+            <a:ext cx="2925481" cy="471924"/>
+          </a:xfrm>
+          <a:prstGeom prst="rect">
+            <a:avLst/>
+          </a:prstGeom>
+          <a:ln w="12700">
+            <a:miter lim="400000"/>
+          </a:ln>
+          <a:extLst>
+            <a:ext uri="{C572A759-6A51-4108-AA02-DFA0A04FC94B}">
+              <ma14:wrappingTextBoxFlag xmlns:ma14="http://schemas.microsoft.com/office/mac/drawingml/2011/main" val="1"/>
+            </a:ext>
+          </a:extLst>
+        </p:spPr>
+        <p:txBody>
+          <a:bodyPr wrap="none" lIns="50800" tIns="50800" rIns="50800" bIns="50800" anchor="ctr">
+            <a:spAutoFit/>
+          </a:bodyPr>
+          <a:lstStyle>
+            <a:lvl1pPr>
+              <a:defRPr sz="2300"/>
+            </a:lvl1pPr>
+          </a:lstStyle>
+          <a:p>
+            <a:pPr lvl="0">
+              <a:defRPr sz="1800"/>
+            </a:pPr>
+            <a:r>
+              <a:rPr lang="en-US" sz="2400" dirty="0" smtClean="0"/>
+              <a:t>December, 16th</a:t>
+            </a:r>
+            <a:r>
+              <a:rPr sz="2400" dirty="0" smtClean="0"/>
+              <a:t>  201</a:t>
+            </a:r>
+            <a:r>
+              <a:rPr lang="en-US" sz="2400" dirty="0" smtClean="0"/>
+              <a:t>5</a:t>
+            </a:r>
+            <a:endParaRPr sz="2400" dirty="0"/>
+          </a:p>
+        </p:txBody>
+      </p:sp>
+      <p:sp>
+        <p:nvSpPr>
+          <p:cNvPr id="54" name="Shape 54"/>
+          <p:cNvSpPr/>
+          <p:nvPr/>
+        </p:nvSpPr>
+        <p:spPr>
+          <a:xfrm>
+            <a:off x="4214998" y="-82216"/>
+            <a:ext cx="1603003" cy="456535"/>
+          </a:xfrm>
+          <a:prstGeom prst="rect">
+            <a:avLst/>
+          </a:prstGeom>
+          <a:ln w="12700">
+            <a:miter lim="400000"/>
+          </a:ln>
+          <a:extLst>
+            <a:ext uri="{C572A759-6A51-4108-AA02-DFA0A04FC94B}">
+              <ma14:wrappingTextBoxFlag xmlns:ma14="http://schemas.microsoft.com/office/mac/drawingml/2011/main" val="1"/>
+            </a:ext>
+          </a:extLst>
+        </p:spPr>
+        <p:txBody>
+          <a:bodyPr wrap="none" lIns="50800" tIns="50800" rIns="50800" bIns="50800" anchor="ctr">
+            <a:spAutoFit/>
+          </a:bodyPr>
+          <a:lstStyle>
+            <a:lvl1pPr>
+              <a:defRPr sz="2300">
+                <a:solidFill>
+                  <a:srgbClr val="FFFFFF"/>
+                </a:solidFill>
+              </a:defRPr>
+            </a:lvl1pPr>
+          </a:lstStyle>
+          <a:p>
+            <a:pPr lvl="0">
+              <a:defRPr sz="1800">
+                <a:solidFill>
+                  <a:srgbClr val="000000"/>
+                </a:solidFill>
+              </a:defRPr>
+            </a:pPr>
+            <a:r>
+              <a:rPr lang="en-US" sz="2300" dirty="0" smtClean="0">
+                <a:solidFill>
+                  <a:srgbClr val="FFFFFF"/>
+                </a:solidFill>
+              </a:rPr>
+              <a:t>Introduction</a:t>
+            </a:r>
+            <a:endParaRPr sz="2300" dirty="0">
+              <a:solidFill>
+                <a:srgbClr val="FFFFFF"/>
+              </a:solidFill>
+            </a:endParaRPr>
+          </a:p>
+        </p:txBody>
+      </p:sp>
+      <p:sp>
+        <p:nvSpPr>
+          <p:cNvPr id="16" name="Shape 74"/>
+          <p:cNvSpPr/>
+          <p:nvPr/>
+        </p:nvSpPr>
+        <p:spPr>
+          <a:xfrm>
+            <a:off x="0" y="406400"/>
+            <a:ext cx="14147800" cy="1270000"/>
+          </a:xfrm>
+          <a:prstGeom prst="rect">
+            <a:avLst/>
+          </a:prstGeom>
+          <a:solidFill>
+            <a:srgbClr val="EBEBEB"/>
+          </a:solidFill>
+          <a:ln w="12700">
+            <a:miter lim="400000"/>
+          </a:ln>
+        </p:spPr>
+        <p:txBody>
+          <a:bodyPr lIns="0" tIns="0" rIns="0" bIns="0" anchor="ctr"/>
+          <a:lstStyle/>
+          <a:p>
+            <a:pPr lvl="0">
+              <a:defRPr sz="4000">
+                <a:solidFill>
+                  <a:srgbClr val="FFFFFF"/>
+                </a:solidFill>
+                <a:effectLst>
+                  <a:outerShdw blurRad="38100" dist="12700" dir="5400000" rotWithShape="0">
+                    <a:srgbClr val="000000">
+                      <a:alpha val="50000"/>
+                    </a:srgbClr>
+                  </a:outerShdw>
+                </a:effectLst>
+              </a:defRPr>
+            </a:pPr>
+            <a:endParaRPr/>
+          </a:p>
+        </p:txBody>
+      </p:sp>
+      <p:sp>
+        <p:nvSpPr>
+          <p:cNvPr id="17" name="Shape 75"/>
+          <p:cNvSpPr/>
+          <p:nvPr/>
+        </p:nvSpPr>
+        <p:spPr>
+          <a:xfrm>
+            <a:off x="355600" y="660400"/>
+            <a:ext cx="12280900" cy="749300"/>
+          </a:xfrm>
+          <a:prstGeom prst="rect">
+            <a:avLst/>
+          </a:prstGeom>
+          <a:ln w="12700">
+            <a:miter lim="400000"/>
+          </a:ln>
+          <a:extLst>
+            <a:ext uri="{C572A759-6A51-4108-AA02-DFA0A04FC94B}">
+              <ma14:wrappingTextBoxFlag xmlns:ma14="http://schemas.microsoft.com/office/mac/drawingml/2011/main" val="1"/>
+            </a:ext>
+          </a:extLst>
+        </p:spPr>
+        <p:txBody>
+          <a:bodyPr lIns="50800" tIns="50800" rIns="50800" bIns="50800" anchor="ctr">
+            <a:spAutoFit/>
+          </a:bodyPr>
+          <a:lstStyle>
+            <a:lvl1pPr algn="l">
+              <a:defRPr sz="4500">
+                <a:solidFill>
+                  <a:srgbClr val="B51A00"/>
+                </a:solidFill>
+                <a:latin typeface="Arial"/>
+                <a:ea typeface="Arial"/>
+                <a:cs typeface="Arial"/>
+                <a:sym typeface="Arial"/>
+              </a:defRPr>
+            </a:lvl1pPr>
+          </a:lstStyle>
+          <a:p>
+            <a:pPr lvl="0">
+              <a:defRPr sz="1800">
+                <a:solidFill>
+                  <a:srgbClr val="000000"/>
+                </a:solidFill>
+              </a:defRPr>
+            </a:pPr>
+            <a:r>
+              <a:rPr sz="4500">
+                <a:solidFill>
+                  <a:srgbClr val="B51A00"/>
+                </a:solidFill>
+              </a:rPr>
+              <a:t>Anatomia: cuore e sistema di conduzione</a:t>
+            </a:r>
+          </a:p>
+        </p:txBody>
+      </p:sp>
+    </p:spTree>
+    <p:extLst>
+      <p:ext uri="{BB962C8B-B14F-4D97-AF65-F5344CB8AC3E}">
+        <p14:creationId xmlns:p14="http://schemas.microsoft.com/office/powerpoint/2010/main" val="1550809644"/>
+      </p:ext>
+    </p:extLst>
+  </p:cSld>
+  <p:clrMapOvr>
+    <a:masterClrMapping/>
+  </p:clrMapOvr>
+  <p:transition spd="med"/>
+</p:sld>
+</file>
+
+<file path=ppt/slides/slide13.xml><?xml version="1.0" encoding="utf-8"?>
+<p:sld xmlns:a="http://schemas.openxmlformats.org/drawingml/2006/main" xmlns:r="http://schemas.openxmlformats.org/officeDocument/2006/relationships" xmlns:p="http://schemas.openxmlformats.org/presentationml/2006/main">
+  <p:cSld>
+    <p:spTree>
+      <p:nvGrpSpPr>
+        <p:cNvPr id="1" name=""/>
+        <p:cNvGrpSpPr/>
+        <p:nvPr/>
+      </p:nvGrpSpPr>
+      <p:grpSpPr>
+        <a:xfrm>
+          <a:off x="0" y="0"/>
+          <a:ext cx="0" cy="0"/>
+          <a:chOff x="0" y="0"/>
+          <a:chExt cx="0" cy="0"/>
+        </a:xfrm>
+      </p:grpSpPr>
+      <p:sp>
+        <p:nvSpPr>
+          <p:cNvPr id="42" name="Shape 42"/>
+          <p:cNvSpPr/>
+          <p:nvPr/>
+        </p:nvSpPr>
+        <p:spPr>
+          <a:xfrm>
+            <a:off x="0" y="0"/>
+            <a:ext cx="6159500" cy="444500"/>
+          </a:xfrm>
+          <a:prstGeom prst="rect">
+            <a:avLst/>
+          </a:prstGeom>
+          <a:solidFill>
+            <a:srgbClr val="B51A00"/>
+          </a:solidFill>
+          <a:ln w="12700">
+            <a:miter lim="400000"/>
+          </a:ln>
+        </p:spPr>
+        <p:txBody>
+          <a:bodyPr lIns="0" tIns="0" rIns="0" bIns="0" anchor="ctr"/>
+          <a:lstStyle/>
+          <a:p>
+            <a:pPr lvl="0">
+              <a:defRPr sz="4000">
+                <a:solidFill>
+                  <a:srgbClr val="FFFFFF"/>
+                </a:solidFill>
+                <a:effectLst>
+                  <a:outerShdw blurRad="38100" dist="12700" dir="5400000" rotWithShape="0">
+                    <a:srgbClr val="000000">
+                      <a:alpha val="50000"/>
+                    </a:srgbClr>
+                  </a:outerShdw>
+                </a:effectLst>
+              </a:defRPr>
+            </a:pPr>
+            <a:endParaRPr/>
+          </a:p>
+        </p:txBody>
+      </p:sp>
+      <p:sp>
+        <p:nvSpPr>
+          <p:cNvPr id="43" name="Shape 43"/>
+          <p:cNvSpPr/>
+          <p:nvPr/>
+        </p:nvSpPr>
+        <p:spPr>
+          <a:xfrm>
+            <a:off x="6159500" y="0"/>
+            <a:ext cx="6845300" cy="444500"/>
+          </a:xfrm>
+          <a:prstGeom prst="rect">
+            <a:avLst/>
+          </a:prstGeom>
+          <a:solidFill>
+            <a:srgbClr val="D6D6D6"/>
+          </a:solidFill>
+          <a:ln w="12700">
+            <a:miter lim="400000"/>
+          </a:ln>
+        </p:spPr>
+        <p:txBody>
+          <a:bodyPr lIns="0" tIns="0" rIns="0" bIns="0" anchor="ctr"/>
+          <a:lstStyle/>
+          <a:p>
+            <a:pPr lvl="0">
+              <a:defRPr sz="4000">
+                <a:solidFill>
+                  <a:srgbClr val="FFFFFF"/>
+                </a:solidFill>
+                <a:effectLst>
+                  <a:outerShdw blurRad="38100" dist="12700" dir="5400000" rotWithShape="0">
+                    <a:srgbClr val="000000">
+                      <a:alpha val="50000"/>
+                    </a:srgbClr>
+                  </a:outerShdw>
+                </a:effectLst>
+              </a:defRPr>
+            </a:pPr>
+            <a:endParaRPr/>
+          </a:p>
+        </p:txBody>
+      </p:sp>
+      <p:sp>
+        <p:nvSpPr>
+          <p:cNvPr id="44" name="Shape 44"/>
+          <p:cNvSpPr/>
+          <p:nvPr/>
+        </p:nvSpPr>
+        <p:spPr>
+          <a:xfrm>
+            <a:off x="-1" y="9245600"/>
+            <a:ext cx="7494777" cy="520700"/>
+          </a:xfrm>
+          <a:prstGeom prst="rect">
+            <a:avLst/>
+          </a:prstGeom>
+          <a:solidFill>
+            <a:srgbClr val="B51A00"/>
+          </a:solidFill>
+          <a:ln w="12700">
+            <a:miter lim="400000"/>
+          </a:ln>
+        </p:spPr>
+        <p:txBody>
+          <a:bodyPr lIns="0" tIns="0" rIns="0" bIns="0" anchor="ctr"/>
+          <a:lstStyle/>
+          <a:p>
+            <a:pPr lvl="0">
+              <a:defRPr sz="4000">
+                <a:solidFill>
+                  <a:srgbClr val="FFFFFF"/>
+                </a:solidFill>
+                <a:effectLst>
+                  <a:outerShdw blurRad="38100" dist="12700" dir="5400000" rotWithShape="0">
+                    <a:srgbClr val="000000">
+                      <a:alpha val="50000"/>
+                    </a:srgbClr>
+                  </a:outerShdw>
+                </a:effectLst>
+              </a:defRPr>
+            </a:pPr>
+            <a:endParaRPr/>
+          </a:p>
+        </p:txBody>
+      </p:sp>
+      <p:sp>
+        <p:nvSpPr>
+          <p:cNvPr id="45" name="Shape 45"/>
+          <p:cNvSpPr/>
+          <p:nvPr/>
+        </p:nvSpPr>
+        <p:spPr>
+          <a:xfrm>
+            <a:off x="7218946" y="9245600"/>
+            <a:ext cx="5785853" cy="520700"/>
+          </a:xfrm>
+          <a:prstGeom prst="rect">
+            <a:avLst/>
+          </a:prstGeom>
+          <a:solidFill>
+            <a:srgbClr val="D6D6D6"/>
+          </a:solidFill>
+          <a:ln w="12700">
+            <a:miter lim="400000"/>
+          </a:ln>
+        </p:spPr>
+        <p:txBody>
+          <a:bodyPr lIns="0" tIns="0" rIns="0" bIns="0" anchor="ctr"/>
+          <a:lstStyle/>
+          <a:p>
+            <a:pPr lvl="0">
+              <a:defRPr sz="4000">
+                <a:solidFill>
+                  <a:srgbClr val="FFFFFF"/>
+                </a:solidFill>
+                <a:effectLst>
+                  <a:outerShdw blurRad="38100" dist="12700" dir="5400000" rotWithShape="0">
+                    <a:srgbClr val="000000">
+                      <a:alpha val="50000"/>
+                    </a:srgbClr>
+                  </a:outerShdw>
+                </a:effectLst>
+              </a:defRPr>
+            </a:pPr>
+            <a:endParaRPr/>
+          </a:p>
+        </p:txBody>
+      </p:sp>
+      <p:sp>
+        <p:nvSpPr>
+          <p:cNvPr id="46" name="Shape 46"/>
+          <p:cNvSpPr/>
+          <p:nvPr/>
+        </p:nvSpPr>
+        <p:spPr>
+          <a:xfrm>
+            <a:off x="881508" y="9245600"/>
+            <a:ext cx="6155531" cy="456535"/>
+          </a:xfrm>
+          <a:prstGeom prst="rect">
+            <a:avLst/>
+          </a:prstGeom>
+          <a:ln w="12700">
+            <a:miter lim="400000"/>
+          </a:ln>
+          <a:extLst>
+            <a:ext uri="{C572A759-6A51-4108-AA02-DFA0A04FC94B}">
+              <ma14:wrappingTextBoxFlag xmlns:ma14="http://schemas.microsoft.com/office/mac/drawingml/2011/main" val="1"/>
+            </a:ext>
+          </a:extLst>
+        </p:spPr>
+        <p:txBody>
+          <a:bodyPr wrap="none" lIns="50800" tIns="50800" rIns="50800" bIns="50800" anchor="ctr">
+            <a:spAutoFit/>
+          </a:bodyPr>
+          <a:lstStyle>
+            <a:lvl1pPr>
+              <a:defRPr sz="2300">
+                <a:solidFill>
+                  <a:srgbClr val="FFFFFF"/>
+                </a:solidFill>
+              </a:defRPr>
+            </a:lvl1pPr>
+          </a:lstStyle>
+          <a:p>
+            <a:pPr lvl="0">
+              <a:defRPr sz="1800">
+                <a:solidFill>
+                  <a:srgbClr val="000000"/>
+                </a:solidFill>
+              </a:defRPr>
+            </a:pPr>
+            <a:r>
+              <a:rPr lang="en-US" sz="2300" dirty="0" err="1" smtClean="0">
+                <a:solidFill>
+                  <a:srgbClr val="FFFFFF"/>
+                </a:solidFill>
+              </a:rPr>
+              <a:t>Ondine</a:t>
+            </a:r>
+            <a:r>
+              <a:rPr lang="en-US" sz="2300" dirty="0" smtClean="0">
+                <a:solidFill>
+                  <a:srgbClr val="FFFFFF"/>
+                </a:solidFill>
+              </a:rPr>
+              <a:t> </a:t>
+            </a:r>
+            <a:r>
+              <a:rPr lang="en-US" sz="2300" dirty="0" err="1" smtClean="0">
+                <a:solidFill>
+                  <a:srgbClr val="FFFFFF"/>
+                </a:solidFill>
+              </a:rPr>
+              <a:t>Chanon</a:t>
+            </a:r>
+            <a:r>
+              <a:rPr lang="en-US" sz="2300" dirty="0" smtClean="0">
+                <a:solidFill>
+                  <a:srgbClr val="FFFFFF"/>
+                </a:solidFill>
+              </a:rPr>
+              <a:t>, Nicolas </a:t>
+            </a:r>
+            <a:r>
+              <a:rPr lang="en-US" sz="2300" dirty="0" err="1" smtClean="0">
+                <a:solidFill>
+                  <a:srgbClr val="FFFFFF"/>
+                </a:solidFill>
+              </a:rPr>
+              <a:t>Hubacher</a:t>
+            </a:r>
+            <a:r>
+              <a:rPr lang="en-US" sz="2300" dirty="0" smtClean="0">
+                <a:solidFill>
+                  <a:srgbClr val="FFFFFF"/>
+                </a:solidFill>
+              </a:rPr>
+              <a:t>, Stefano </a:t>
+            </a:r>
+            <a:r>
+              <a:rPr lang="en-US" sz="2300" dirty="0" err="1" smtClean="0">
+                <a:solidFill>
+                  <a:srgbClr val="FFFFFF"/>
+                </a:solidFill>
+              </a:rPr>
+              <a:t>Savar</a:t>
+            </a:r>
+            <a:r>
+              <a:rPr lang="en-US" sz="2300" dirty="0" err="1" smtClean="0">
+                <a:solidFill>
+                  <a:srgbClr val="FFFFFF"/>
+                </a:solidFill>
+              </a:rPr>
+              <a:t>è</a:t>
+            </a:r>
+            <a:endParaRPr sz="2300" dirty="0">
+              <a:solidFill>
+                <a:srgbClr val="FFFFFF"/>
+              </a:solidFill>
+            </a:endParaRPr>
+          </a:p>
+        </p:txBody>
+      </p:sp>
+      <p:sp>
+        <p:nvSpPr>
+          <p:cNvPr id="47" name="Shape 47"/>
+          <p:cNvSpPr/>
+          <p:nvPr/>
+        </p:nvSpPr>
+        <p:spPr>
+          <a:xfrm>
+            <a:off x="7494777" y="9254939"/>
+            <a:ext cx="2925481" cy="471924"/>
+          </a:xfrm>
+          <a:prstGeom prst="rect">
+            <a:avLst/>
+          </a:prstGeom>
+          <a:ln w="12700">
+            <a:miter lim="400000"/>
+          </a:ln>
+          <a:extLst>
+            <a:ext uri="{C572A759-6A51-4108-AA02-DFA0A04FC94B}">
+              <ma14:wrappingTextBoxFlag xmlns:ma14="http://schemas.microsoft.com/office/mac/drawingml/2011/main" val="1"/>
+            </a:ext>
+          </a:extLst>
+        </p:spPr>
+        <p:txBody>
+          <a:bodyPr wrap="none" lIns="50800" tIns="50800" rIns="50800" bIns="50800" anchor="ctr">
+            <a:spAutoFit/>
+          </a:bodyPr>
+          <a:lstStyle>
+            <a:lvl1pPr>
+              <a:defRPr sz="2300"/>
+            </a:lvl1pPr>
+          </a:lstStyle>
+          <a:p>
+            <a:pPr lvl="0">
+              <a:defRPr sz="1800"/>
+            </a:pPr>
+            <a:r>
+              <a:rPr lang="en-US" sz="2400" dirty="0" smtClean="0"/>
+              <a:t>December, 16th</a:t>
+            </a:r>
+            <a:r>
+              <a:rPr sz="2400" dirty="0" smtClean="0"/>
+              <a:t>  201</a:t>
+            </a:r>
+            <a:r>
+              <a:rPr lang="en-US" sz="2400" dirty="0" smtClean="0"/>
+              <a:t>5</a:t>
+            </a:r>
+            <a:endParaRPr sz="2400" dirty="0"/>
+          </a:p>
+        </p:txBody>
+      </p:sp>
+      <p:sp>
+        <p:nvSpPr>
+          <p:cNvPr id="54" name="Shape 54"/>
+          <p:cNvSpPr/>
+          <p:nvPr/>
+        </p:nvSpPr>
+        <p:spPr>
+          <a:xfrm>
+            <a:off x="4214998" y="-82216"/>
+            <a:ext cx="1603003" cy="456535"/>
+          </a:xfrm>
+          <a:prstGeom prst="rect">
+            <a:avLst/>
+          </a:prstGeom>
+          <a:ln w="12700">
+            <a:miter lim="400000"/>
+          </a:ln>
+          <a:extLst>
+            <a:ext uri="{C572A759-6A51-4108-AA02-DFA0A04FC94B}">
+              <ma14:wrappingTextBoxFlag xmlns:ma14="http://schemas.microsoft.com/office/mac/drawingml/2011/main" val="1"/>
+            </a:ext>
+          </a:extLst>
+        </p:spPr>
+        <p:txBody>
+          <a:bodyPr wrap="none" lIns="50800" tIns="50800" rIns="50800" bIns="50800" anchor="ctr">
+            <a:spAutoFit/>
+          </a:bodyPr>
+          <a:lstStyle>
+            <a:lvl1pPr>
+              <a:defRPr sz="2300">
+                <a:solidFill>
+                  <a:srgbClr val="FFFFFF"/>
+                </a:solidFill>
+              </a:defRPr>
+            </a:lvl1pPr>
+          </a:lstStyle>
+          <a:p>
+            <a:pPr lvl="0">
+              <a:defRPr sz="1800">
+                <a:solidFill>
+                  <a:srgbClr val="000000"/>
+                </a:solidFill>
+              </a:defRPr>
+            </a:pPr>
+            <a:r>
+              <a:rPr lang="en-US" sz="2300" dirty="0" smtClean="0">
+                <a:solidFill>
+                  <a:srgbClr val="FFFFFF"/>
+                </a:solidFill>
+              </a:rPr>
+              <a:t>Introduction</a:t>
+            </a:r>
+            <a:endParaRPr sz="2300" dirty="0">
+              <a:solidFill>
+                <a:srgbClr val="FFFFFF"/>
+              </a:solidFill>
+            </a:endParaRPr>
+          </a:p>
+        </p:txBody>
+      </p:sp>
+      <p:sp>
+        <p:nvSpPr>
+          <p:cNvPr id="16" name="Shape 74"/>
+          <p:cNvSpPr/>
+          <p:nvPr/>
+        </p:nvSpPr>
+        <p:spPr>
+          <a:xfrm>
+            <a:off x="0" y="406400"/>
+            <a:ext cx="14147800" cy="1270000"/>
+          </a:xfrm>
+          <a:prstGeom prst="rect">
+            <a:avLst/>
+          </a:prstGeom>
+          <a:solidFill>
+            <a:srgbClr val="EBEBEB"/>
+          </a:solidFill>
+          <a:ln w="12700">
+            <a:miter lim="400000"/>
+          </a:ln>
+        </p:spPr>
+        <p:txBody>
+          <a:bodyPr lIns="0" tIns="0" rIns="0" bIns="0" anchor="ctr"/>
+          <a:lstStyle/>
+          <a:p>
+            <a:pPr lvl="0">
+              <a:defRPr sz="4000">
+                <a:solidFill>
+                  <a:srgbClr val="FFFFFF"/>
+                </a:solidFill>
+                <a:effectLst>
+                  <a:outerShdw blurRad="38100" dist="12700" dir="5400000" rotWithShape="0">
+                    <a:srgbClr val="000000">
+                      <a:alpha val="50000"/>
+                    </a:srgbClr>
+                  </a:outerShdw>
+                </a:effectLst>
+              </a:defRPr>
+            </a:pPr>
+            <a:endParaRPr/>
+          </a:p>
+        </p:txBody>
+      </p:sp>
+      <p:sp>
+        <p:nvSpPr>
+          <p:cNvPr id="17" name="Shape 75"/>
+          <p:cNvSpPr/>
+          <p:nvPr/>
+        </p:nvSpPr>
+        <p:spPr>
+          <a:xfrm>
+            <a:off x="355600" y="660400"/>
+            <a:ext cx="12280900" cy="749300"/>
+          </a:xfrm>
+          <a:prstGeom prst="rect">
+            <a:avLst/>
+          </a:prstGeom>
+          <a:ln w="12700">
+            <a:miter lim="400000"/>
+          </a:ln>
+          <a:extLst>
+            <a:ext uri="{C572A759-6A51-4108-AA02-DFA0A04FC94B}">
+              <ma14:wrappingTextBoxFlag xmlns:ma14="http://schemas.microsoft.com/office/mac/drawingml/2011/main" val="1"/>
+            </a:ext>
+          </a:extLst>
+        </p:spPr>
+        <p:txBody>
+          <a:bodyPr lIns="50800" tIns="50800" rIns="50800" bIns="50800" anchor="ctr">
+            <a:spAutoFit/>
+          </a:bodyPr>
+          <a:lstStyle>
+            <a:lvl1pPr algn="l">
+              <a:defRPr sz="4500">
+                <a:solidFill>
+                  <a:srgbClr val="B51A00"/>
+                </a:solidFill>
+                <a:latin typeface="Arial"/>
+                <a:ea typeface="Arial"/>
+                <a:cs typeface="Arial"/>
+                <a:sym typeface="Arial"/>
+              </a:defRPr>
+            </a:lvl1pPr>
+          </a:lstStyle>
+          <a:p>
+            <a:pPr lvl="0">
+              <a:defRPr sz="1800">
+                <a:solidFill>
+                  <a:srgbClr val="000000"/>
+                </a:solidFill>
+              </a:defRPr>
+            </a:pPr>
+            <a:r>
+              <a:rPr sz="4500">
+                <a:solidFill>
+                  <a:srgbClr val="B51A00"/>
+                </a:solidFill>
+              </a:rPr>
+              <a:t>Anatomia: cuore e sistema di conduzione</a:t>
+            </a:r>
+          </a:p>
+        </p:txBody>
+      </p:sp>
+    </p:spTree>
+    <p:extLst>
+      <p:ext uri="{BB962C8B-B14F-4D97-AF65-F5344CB8AC3E}">
+        <p14:creationId xmlns:p14="http://schemas.microsoft.com/office/powerpoint/2010/main" val="865116066"/>
+      </p:ext>
+    </p:extLst>
+  </p:cSld>
+  <p:clrMapOvr>
+    <a:masterClrMapping/>
+  </p:clrMapOvr>
+  <p:transition spd="med"/>
+</p:sld>
+</file>
+
+<file path=ppt/slides/slide14.xml><?xml version="1.0" encoding="utf-8"?>
+<p:sld xmlns:a="http://schemas.openxmlformats.org/drawingml/2006/main" xmlns:r="http://schemas.openxmlformats.org/officeDocument/2006/relationships" xmlns:p="http://schemas.openxmlformats.org/presentationml/2006/main">
+  <p:cSld>
+    <p:spTree>
+      <p:nvGrpSpPr>
+        <p:cNvPr id="1" name=""/>
+        <p:cNvGrpSpPr/>
+        <p:nvPr/>
+      </p:nvGrpSpPr>
+      <p:grpSpPr>
+        <a:xfrm>
+          <a:off x="0" y="0"/>
+          <a:ext cx="0" cy="0"/>
+          <a:chOff x="0" y="0"/>
+          <a:chExt cx="0" cy="0"/>
+        </a:xfrm>
+      </p:grpSpPr>
+      <p:sp>
+        <p:nvSpPr>
           <p:cNvPr id="57" name="Shape 57"/>
           <p:cNvSpPr/>
           <p:nvPr/>
@@ -6902,8 +8504,8 @@
         </p:nvSpPr>
         <p:spPr>
           <a:xfrm>
-            <a:off x="4620128" y="2805038"/>
-            <a:ext cx="7764378" cy="2072362"/>
+            <a:off x="4652212" y="2549467"/>
+            <a:ext cx="7764378" cy="3057247"/>
           </a:xfrm>
           <a:prstGeom prst="rect">
             <a:avLst/>
@@ -7050,6 +8652,50 @@
               </a:rPr>
               <a:t>The global vector field is the sum of all the computed individual vector fields</a:t>
             </a:r>
+          </a:p>
+          <a:p>
+            <a:pPr marL="457200" marR="0" indent="-457200" algn="l" defTabSz="584200" rtl="0" fontAlgn="auto" latinLnBrk="1" hangingPunct="0">
+              <a:lnSpc>
+                <a:spcPct val="100000"/>
+              </a:lnSpc>
+              <a:spcBef>
+                <a:spcPts val="0"/>
+              </a:spcBef>
+              <a:spcAft>
+                <a:spcPts val="0"/>
+              </a:spcAft>
+              <a:buClrTx/>
+              <a:buSzTx/>
+              <a:buFont typeface="Arial" charset="0"/>
+              <a:buChar char="•"/>
+              <a:tabLst/>
+            </a:pPr>
+            <a:r>
+              <a:rPr lang="en-US" sz="3200" dirty="0" smtClean="0">
+                <a:solidFill>
+                  <a:srgbClr val="000000"/>
+                </a:solidFill>
+              </a:rPr>
+              <a:t>Difficulty: presence of local minima</a:t>
+            </a:r>
+          </a:p>
+          <a:p>
+            <a:pPr marL="457200" marR="0" indent="-457200" algn="l" defTabSz="584200" rtl="0" fontAlgn="auto" latinLnBrk="1" hangingPunct="0">
+              <a:lnSpc>
+                <a:spcPct val="100000"/>
+              </a:lnSpc>
+              <a:spcBef>
+                <a:spcPts val="0"/>
+              </a:spcBef>
+              <a:spcAft>
+                <a:spcPts val="0"/>
+              </a:spcAft>
+              <a:buClrTx/>
+              <a:buSzTx/>
+              <a:buFont typeface="Arial" charset="0"/>
+              <a:buChar char="•"/>
+              <a:tabLst/>
+            </a:pPr>
             <a:endParaRPr kumimoji="0" lang="en-US" sz="3200" b="0" i="0" u="none" strike="noStrike" cap="none" spc="0" normalizeH="0" baseline="0" dirty="0">
               <a:ln>
                 <a:noFill/>
@@ -7075,7 +8721,7 @@
         </p:nvSpPr>
         <p:spPr>
           <a:xfrm>
-            <a:off x="6431088" y="2002289"/>
+            <a:off x="6370463" y="1806098"/>
             <a:ext cx="3741409" cy="748923"/>
           </a:xfrm>
           <a:prstGeom prst="rect">
@@ -8658,7 +10304,7 @@
         </p:nvSpPr>
         <p:spPr>
           <a:xfrm>
-            <a:off x="-1" y="9245600"/>
+            <a:off x="0" y="9245600"/>
             <a:ext cx="7494777" cy="520700"/>
           </a:xfrm>
           <a:prstGeom prst="rect">
@@ -9015,8 +10661,8 @@
         </p:nvSpPr>
         <p:spPr>
           <a:xfrm>
-            <a:off x="355600" y="660400"/>
-            <a:ext cx="12280900" cy="749300"/>
+            <a:off x="355600" y="637506"/>
+            <a:ext cx="12280900" cy="795089"/>
           </a:xfrm>
           <a:prstGeom prst="rect">
             <a:avLst/>
@@ -9056,13 +10702,107 @@
               </a:defRPr>
             </a:pPr>
             <a:r>
-              <a:rPr sz="4500">
+              <a:rPr lang="en-US" sz="4500" dirty="0" smtClean="0">
                 <a:solidFill>
                   <a:srgbClr val="B51A00"/>
                 </a:solidFill>
               </a:rPr>
-              <a:t>Anatomia: cuore e sistema di conduzione</a:t>
-            </a:r>
+              <a:t>Particle Swarm Optimization</a:t>
+            </a:r>
+            <a:endParaRPr sz="4500" dirty="0">
+              <a:solidFill>
+                <a:srgbClr val="B51A00"/>
+              </a:solidFill>
+            </a:endParaRPr>
+          </a:p>
+        </p:txBody>
+      </p:sp>
+      <p:sp>
+        <p:nvSpPr>
+          <p:cNvPr id="3" name="TextBox 2"/>
+          <p:cNvSpPr txBox="1"/>
+          <p:nvPr/>
+        </p:nvSpPr>
+        <p:spPr>
+          <a:xfrm>
+            <a:off x="2614969" y="3339285"/>
+            <a:ext cx="6657272" cy="748923"/>
+          </a:xfrm>
+          <a:prstGeom prst="rect">
+            <a:avLst/>
+          </a:prstGeom>
+          <a:noFill/>
+          <a:ln w="12700" cap="flat">
+            <a:noFill/>
+            <a:miter lim="400000"/>
+          </a:ln>
+          <a:effectLst/>
+        </p:spPr>
+        <p:style>
+          <a:lnRef idx="0">
+            <a:scrgbClr r="0" g="0" b="0"/>
+          </a:lnRef>
+          <a:fillRef idx="0">
+            <a:scrgbClr r="0" g="0" b="0"/>
+          </a:fillRef>
+          <a:effectRef idx="0">
+            <a:scrgbClr r="0" g="0" b="0"/>
+          </a:effectRef>
+          <a:fontRef idx="none"/>
+        </p:style>
+        <p:txBody>
+          <a:bodyPr rot="0" spcFirstLastPara="1" vertOverflow="overflow" horzOverflow="overflow" vert="horz" wrap="none" lIns="50800" tIns="50800" rIns="50800" bIns="50800" numCol="1" spcCol="38100" rtlCol="0" anchor="ctr">
+            <a:spAutoFit/>
+          </a:bodyPr>
+          <a:lstStyle/>
+          <a:p>
+            <a:pPr marL="0" marR="0" indent="0" algn="ctr" defTabSz="584200" rtl="0" fontAlgn="auto" latinLnBrk="1" hangingPunct="0">
+              <a:lnSpc>
+                <a:spcPct val="100000"/>
+              </a:lnSpc>
+              <a:spcBef>
+                <a:spcPts val="0"/>
+              </a:spcBef>
+              <a:spcAft>
+                <a:spcPts val="0"/>
+              </a:spcAft>
+              <a:buClrTx/>
+              <a:buSzTx/>
+              <a:buFontTx/>
+              <a:buNone/>
+              <a:tabLst/>
+            </a:pPr>
+            <a:r>
+              <a:rPr kumimoji="0" lang="en-US" sz="4200" b="0" i="0" u="none" strike="noStrike" cap="none" spc="0" normalizeH="0" baseline="0" dirty="0" smtClean="0">
+                <a:ln>
+                  <a:noFill/>
+                </a:ln>
+                <a:solidFill>
+                  <a:srgbClr val="000000"/>
+                </a:solidFill>
+                <a:effectLst/>
+                <a:uFillTx/>
+                <a:latin typeface="+mn-lt"/>
+                <a:ea typeface="+mn-ea"/>
+                <a:cs typeface="+mn-cs"/>
+                <a:sym typeface="Gill Sans"/>
+              </a:rPr>
+              <a:t>General concepts + equations</a:t>
+            </a:r>
+            <a:endParaRPr kumimoji="0" lang="en-US" sz="4200" b="0" i="0" u="none" strike="noStrike" cap="none" spc="0" normalizeH="0" baseline="0" dirty="0">
+              <a:ln>
+                <a:noFill/>
+              </a:ln>
+              <a:solidFill>
+                <a:srgbClr val="000000"/>
+              </a:solidFill>
+              <a:effectLst/>
+              <a:uFillTx/>
+              <a:latin typeface="+mn-lt"/>
+              <a:ea typeface="+mn-ea"/>
+              <a:cs typeface="+mn-cs"/>
+              <a:sym typeface="Gill Sans"/>
+            </a:endParaRPr>
           </a:p>
         </p:txBody>
       </p:sp>
@@ -9548,8 +11288,8 @@
         </p:nvSpPr>
         <p:spPr>
           <a:xfrm>
-            <a:off x="355600" y="660400"/>
-            <a:ext cx="12280900" cy="749300"/>
+            <a:off x="355600" y="637506"/>
+            <a:ext cx="12280900" cy="795089"/>
           </a:xfrm>
           <a:prstGeom prst="rect">
             <a:avLst/>
@@ -9589,13 +11329,107 @@
               </a:defRPr>
             </a:pPr>
             <a:r>
-              <a:rPr sz="4500">
+              <a:rPr lang="en-US" sz="4500" dirty="0" smtClean="0">
                 <a:solidFill>
                   <a:srgbClr val="B51A00"/>
                 </a:solidFill>
               </a:rPr>
-              <a:t>Anatomia: cuore e sistema di conduzione</a:t>
-            </a:r>
+              <a:t>Particle Swarm Optimization</a:t>
+            </a:r>
+            <a:endParaRPr sz="4500" dirty="0">
+              <a:solidFill>
+                <a:srgbClr val="B51A00"/>
+              </a:solidFill>
+            </a:endParaRPr>
+          </a:p>
+        </p:txBody>
+      </p:sp>
+      <p:sp>
+        <p:nvSpPr>
+          <p:cNvPr id="3" name="TextBox 2"/>
+          <p:cNvSpPr txBox="1"/>
+          <p:nvPr/>
+        </p:nvSpPr>
+        <p:spPr>
+          <a:xfrm>
+            <a:off x="5228721" y="4336279"/>
+            <a:ext cx="1590179" cy="748923"/>
+          </a:xfrm>
+          <a:prstGeom prst="rect">
+            <a:avLst/>
+          </a:prstGeom>
+          <a:noFill/>
+          <a:ln w="12700" cap="flat">
+            <a:noFill/>
+            <a:miter lim="400000"/>
+          </a:ln>
+          <a:effectLst/>
+        </p:spPr>
+        <p:style>
+          <a:lnRef idx="0">
+            <a:scrgbClr r="0" g="0" b="0"/>
+          </a:lnRef>
+          <a:fillRef idx="0">
+            <a:scrgbClr r="0" g="0" b="0"/>
+          </a:fillRef>
+          <a:effectRef idx="0">
+            <a:scrgbClr r="0" g="0" b="0"/>
+          </a:effectRef>
+          <a:fontRef idx="none"/>
+        </p:style>
+        <p:txBody>
+          <a:bodyPr rot="0" spcFirstLastPara="1" vertOverflow="overflow" horzOverflow="overflow" vert="horz" wrap="none" lIns="50800" tIns="50800" rIns="50800" bIns="50800" numCol="1" spcCol="38100" rtlCol="0" anchor="ctr">
+            <a:spAutoFit/>
+          </a:bodyPr>
+          <a:lstStyle/>
+          <a:p>
+            <a:pPr marL="0" marR="0" indent="0" algn="ctr" defTabSz="584200" rtl="0" fontAlgn="auto" latinLnBrk="1" hangingPunct="0">
+              <a:lnSpc>
+                <a:spcPct val="100000"/>
+              </a:lnSpc>
+              <a:spcBef>
+                <a:spcPts val="0"/>
+              </a:spcBef>
+              <a:spcAft>
+                <a:spcPts val="0"/>
+              </a:spcAft>
+              <a:buClrTx/>
+              <a:buSzTx/>
+              <a:buFontTx/>
+              <a:buNone/>
+              <a:tabLst/>
+            </a:pPr>
+            <a:r>
+              <a:rPr kumimoji="0" lang="en-US" sz="4200" b="0" i="0" u="none" strike="noStrike" cap="none" spc="0" normalizeH="0" baseline="0" dirty="0" smtClean="0">
+                <a:ln>
+                  <a:noFill/>
+                </a:ln>
+                <a:solidFill>
+                  <a:srgbClr val="000000"/>
+                </a:solidFill>
+                <a:effectLst/>
+                <a:uFillTx/>
+                <a:latin typeface="+mn-lt"/>
+                <a:ea typeface="+mn-ea"/>
+                <a:cs typeface="+mn-cs"/>
+                <a:sym typeface="Gill Sans"/>
+              </a:rPr>
+              <a:t>OCBA</a:t>
+            </a:r>
+            <a:endParaRPr kumimoji="0" lang="en-US" sz="4200" b="0" i="0" u="none" strike="noStrike" cap="none" spc="0" normalizeH="0" baseline="0" dirty="0">
+              <a:ln>
+                <a:noFill/>
+              </a:ln>
+              <a:solidFill>
+                <a:srgbClr val="000000"/>
+              </a:solidFill>
+              <a:effectLst/>
+              <a:uFillTx/>
+              <a:latin typeface="+mn-lt"/>
+              <a:ea typeface="+mn-ea"/>
+              <a:cs typeface="+mn-cs"/>
+              <a:sym typeface="Gill Sans"/>
+            </a:endParaRPr>
           </a:p>
         </p:txBody>
       </p:sp>
@@ -9630,6 +11464,66 @@
           <a:chExt cx="0" cy="0"/>
         </a:xfrm>
       </p:grpSpPr>
+      <p:pic>
+        <p:nvPicPr>
+          <p:cNvPr id="6" name="Picture 5"/>
+          <p:cNvPicPr>
+            <a:picLocks noChangeAspect="1"/>
+          </p:cNvPicPr>
+          <p:nvPr/>
+        </p:nvPicPr>
+        <p:blipFill>
+          <a:blip r:embed="rId2">
+            <a:extLst>
+              <a:ext uri="{28A0092B-C50C-407E-A947-70E740481C1C}">
+                <a14:useLocalDpi xmlns:a14="http://schemas.microsoft.com/office/drawing/2010/main" val="0"/>
+              </a:ext>
+            </a:extLst>
+          </a:blip>
+          <a:stretch>
+            <a:fillRect/>
+          </a:stretch>
+        </p:blipFill>
+        <p:spPr>
+          <a:xfrm>
+            <a:off x="881509" y="7452925"/>
+            <a:ext cx="711400" cy="612135"/>
+          </a:xfrm>
+          <a:prstGeom prst="rect">
+            <a:avLst/>
+          </a:prstGeom>
+        </p:spPr>
+      </p:pic>
+      <p:pic>
+        <p:nvPicPr>
+          <p:cNvPr id="5" name="Picture 4"/>
+          <p:cNvPicPr>
+            <a:picLocks noChangeAspect="1"/>
+          </p:cNvPicPr>
+          <p:nvPr/>
+        </p:nvPicPr>
+        <p:blipFill>
+          <a:blip r:embed="rId3">
+            <a:extLst>
+              <a:ext uri="{28A0092B-C50C-407E-A947-70E740481C1C}">
+                <a14:useLocalDpi xmlns:a14="http://schemas.microsoft.com/office/drawing/2010/main" val="0"/>
+              </a:ext>
+            </a:extLst>
+          </a:blip>
+          <a:stretch>
+            <a:fillRect/>
+          </a:stretch>
+        </p:blipFill>
+        <p:spPr>
+          <a:xfrm>
+            <a:off x="881508" y="6828208"/>
+            <a:ext cx="744236" cy="560552"/>
+          </a:xfrm>
+          <a:prstGeom prst="rect">
+            <a:avLst/>
+          </a:prstGeom>
+        </p:spPr>
+      </p:pic>
       <p:sp>
         <p:nvSpPr>
           <p:cNvPr id="42" name="Shape 42"/>
@@ -10081,8 +11975,8 @@
         </p:nvSpPr>
         <p:spPr>
           <a:xfrm>
-            <a:off x="355600" y="660400"/>
-            <a:ext cx="12280900" cy="749300"/>
+            <a:off x="355600" y="637505"/>
+            <a:ext cx="12280900" cy="795089"/>
           </a:xfrm>
           <a:prstGeom prst="rect">
             <a:avLst/>
@@ -10122,13 +12016,724 @@
               </a:defRPr>
             </a:pPr>
             <a:r>
-              <a:rPr sz="4500">
+              <a:rPr lang="en-US" sz="4500" dirty="0" smtClean="0">
                 <a:solidFill>
                   <a:srgbClr val="B51A00"/>
                 </a:solidFill>
               </a:rPr>
-              <a:t>Anatomia: cuore e sistema di conduzione</a:t>
-            </a:r>
+              <a:t>Particle Swarm Optimization</a:t>
+            </a:r>
+          </a:p>
+        </p:txBody>
+      </p:sp>
+      <p:pic>
+        <p:nvPicPr>
+          <p:cNvPr id="2" name="Picture 1"/>
+          <p:cNvPicPr>
+            <a:picLocks noChangeAspect="1"/>
+          </p:cNvPicPr>
+          <p:nvPr/>
+        </p:nvPicPr>
+        <p:blipFill>
+          <a:blip r:embed="rId4">
+            <a:extLst>
+              <a:ext uri="{28A0092B-C50C-407E-A947-70E740481C1C}">
+                <a14:useLocalDpi xmlns:a14="http://schemas.microsoft.com/office/drawing/2010/main" val="0"/>
+              </a:ext>
+            </a:extLst>
+          </a:blip>
+          <a:stretch>
+            <a:fillRect/>
+          </a:stretch>
+        </p:blipFill>
+        <p:spPr>
+          <a:xfrm>
+            <a:off x="932310" y="4770514"/>
+            <a:ext cx="9601108" cy="1621664"/>
+          </a:xfrm>
+          <a:prstGeom prst="rect">
+            <a:avLst/>
+          </a:prstGeom>
+        </p:spPr>
+      </p:pic>
+      <p:pic>
+        <p:nvPicPr>
+          <p:cNvPr id="4" name="Picture 3"/>
+          <p:cNvPicPr>
+            <a:picLocks noChangeAspect="1"/>
+          </p:cNvPicPr>
+          <p:nvPr/>
+        </p:nvPicPr>
+        <p:blipFill>
+          <a:blip r:embed="rId5">
+            <a:extLst>
+              <a:ext uri="{28A0092B-C50C-407E-A947-70E740481C1C}">
+                <a14:useLocalDpi xmlns:a14="http://schemas.microsoft.com/office/drawing/2010/main" val="0"/>
+              </a:ext>
+            </a:extLst>
+          </a:blip>
+          <a:stretch>
+            <a:fillRect/>
+          </a:stretch>
+        </p:blipFill>
+        <p:spPr>
+          <a:xfrm>
+            <a:off x="932310" y="6241800"/>
+            <a:ext cx="3809443" cy="651316"/>
+          </a:xfrm>
+          <a:prstGeom prst="rect">
+            <a:avLst/>
+          </a:prstGeom>
+        </p:spPr>
+      </p:pic>
+      <p:pic>
+        <p:nvPicPr>
+          <p:cNvPr id="8" name="Picture 7"/>
+          <p:cNvPicPr>
+            <a:picLocks noChangeAspect="1"/>
+          </p:cNvPicPr>
+          <p:nvPr/>
+        </p:nvPicPr>
+        <p:blipFill>
+          <a:blip r:embed="rId6">
+            <a:extLst>
+              <a:ext uri="{28A0092B-C50C-407E-A947-70E740481C1C}">
+                <a14:useLocalDpi xmlns:a14="http://schemas.microsoft.com/office/drawing/2010/main" val="0"/>
+              </a:ext>
+            </a:extLst>
+          </a:blip>
+          <a:stretch>
+            <a:fillRect/>
+          </a:stretch>
+        </p:blipFill>
+        <p:spPr>
+          <a:xfrm>
+            <a:off x="881508" y="8150811"/>
+            <a:ext cx="581223" cy="504240"/>
+          </a:xfrm>
+          <a:prstGeom prst="rect">
+            <a:avLst/>
+          </a:prstGeom>
+        </p:spPr>
+      </p:pic>
+      <p:sp>
+        <p:nvSpPr>
+          <p:cNvPr id="3" name="TextBox 2"/>
+          <p:cNvSpPr txBox="1"/>
+          <p:nvPr/>
+        </p:nvSpPr>
+        <p:spPr>
+          <a:xfrm>
+            <a:off x="355600" y="1625599"/>
+            <a:ext cx="12646192" cy="11397992"/>
+          </a:xfrm>
+          <a:prstGeom prst="rect">
+            <a:avLst/>
+          </a:prstGeom>
+          <a:noFill/>
+          <a:ln w="12700" cap="flat">
+            <a:noFill/>
+            <a:miter lim="400000"/>
+          </a:ln>
+          <a:effectLst/>
+        </p:spPr>
+        <p:style>
+          <a:lnRef idx="0">
+            <a:scrgbClr r="0" g="0" b="0"/>
+          </a:lnRef>
+          <a:fillRef idx="0">
+            <a:scrgbClr r="0" g="0" b="0"/>
+          </a:fillRef>
+          <a:effectRef idx="0">
+            <a:scrgbClr r="0" g="0" b="0"/>
+          </a:effectRef>
+          <a:fontRef idx="none"/>
+        </p:style>
+        <p:txBody>
+          <a:bodyPr rot="0" spcFirstLastPara="1" vertOverflow="overflow" horzOverflow="overflow" vert="horz" wrap="square" lIns="50800" tIns="50800" rIns="50800" bIns="50800" numCol="1" spcCol="38100" rtlCol="0" anchor="ctr">
+            <a:spAutoFit/>
+          </a:bodyPr>
+          <a:lstStyle/>
+          <a:p>
+            <a:pPr marL="571500" marR="0" indent="-571500" algn="l" defTabSz="584200" rtl="0" fontAlgn="auto" latinLnBrk="1" hangingPunct="0">
+              <a:lnSpc>
+                <a:spcPct val="100000"/>
+              </a:lnSpc>
+              <a:spcBef>
+                <a:spcPts val="0"/>
+              </a:spcBef>
+              <a:spcAft>
+                <a:spcPts val="0"/>
+              </a:spcAft>
+              <a:buClrTx/>
+              <a:buSzTx/>
+              <a:buFont typeface="Arial" charset="0"/>
+              <a:buChar char="•"/>
+              <a:tabLst/>
+            </a:pPr>
+            <a:r>
+              <a:rPr kumimoji="0" lang="en-US" sz="4200" b="0" i="0" u="none" strike="noStrike" cap="none" spc="0" normalizeH="0" baseline="0" dirty="0" smtClean="0">
+                <a:ln>
+                  <a:noFill/>
+                </a:ln>
+                <a:solidFill>
+                  <a:srgbClr val="000000"/>
+                </a:solidFill>
+                <a:effectLst/>
+                <a:uFillTx/>
+                <a:latin typeface="+mn-lt"/>
+                <a:ea typeface="+mn-ea"/>
+                <a:cs typeface="+mn-cs"/>
+                <a:sym typeface="Gill Sans"/>
+              </a:rPr>
+              <a:t>Parameters to optimize</a:t>
+            </a:r>
+          </a:p>
+          <a:p>
+            <a:pPr lvl="1" indent="0" algn="l" rtl="0" latinLnBrk="1" hangingPunct="0"/>
+            <a:r>
+              <a:rPr lang="en-US" dirty="0">
+                <a:solidFill>
+                  <a:srgbClr val="000000"/>
+                </a:solidFill>
+              </a:rPr>
+              <a:t>	</a:t>
+            </a:r>
+            <a:r>
+              <a:rPr lang="en-US" dirty="0" smtClean="0">
+                <a:solidFill>
+                  <a:srgbClr val="000000"/>
+                </a:solidFill>
+              </a:rPr>
+              <a:t>- weights for each motor-schema</a:t>
+            </a:r>
+          </a:p>
+          <a:p>
+            <a:pPr lvl="1" indent="0" algn="l" rtl="0" latinLnBrk="1" hangingPunct="0"/>
+            <a:r>
+              <a:rPr kumimoji="0" lang="en-US" b="0" i="0" u="none" strike="noStrike" cap="none" spc="0" normalizeH="0" baseline="0" dirty="0">
+                <a:ln>
+                  <a:noFill/>
+                </a:ln>
+                <a:solidFill>
+                  <a:srgbClr val="000000"/>
+                </a:solidFill>
+                <a:effectLst/>
+                <a:uFillTx/>
+                <a:latin typeface="+mn-lt"/>
+                <a:ea typeface="+mn-ea"/>
+                <a:cs typeface="+mn-cs"/>
+                <a:sym typeface="Gill Sans"/>
+              </a:rPr>
+              <a:t>	</a:t>
+            </a:r>
+            <a:r>
+              <a:rPr kumimoji="0" lang="en-US" b="0" i="0" u="none" strike="noStrike" cap="none" spc="0" normalizeH="0" baseline="0" dirty="0" smtClean="0">
+                <a:ln>
+                  <a:noFill/>
+                </a:ln>
+                <a:solidFill>
+                  <a:srgbClr val="000000"/>
+                </a:solidFill>
+                <a:effectLst/>
+                <a:uFillTx/>
+                <a:latin typeface="+mn-lt"/>
+                <a:ea typeface="+mn-ea"/>
+                <a:cs typeface="+mn-cs"/>
+                <a:sym typeface="Gill Sans"/>
+              </a:rPr>
+              <a:t>- minimum and maximum thresholds</a:t>
+            </a:r>
+          </a:p>
+          <a:p>
+            <a:pPr lvl="1" indent="0" algn="l" rtl="0" latinLnBrk="1" hangingPunct="0"/>
+            <a:endParaRPr kumimoji="0" lang="en-US" b="0" i="0" u="none" strike="noStrike" cap="none" spc="0" normalizeH="0" baseline="0" dirty="0" smtClean="0">
+              <a:ln>
+                <a:noFill/>
+              </a:ln>
+              <a:solidFill>
+                <a:srgbClr val="000000"/>
+              </a:solidFill>
+              <a:effectLst/>
+              <a:uFillTx/>
+              <a:latin typeface="+mn-lt"/>
+              <a:ea typeface="+mn-ea"/>
+              <a:cs typeface="+mn-cs"/>
+              <a:sym typeface="Gill Sans"/>
+            </a:endParaRPr>
+          </a:p>
+          <a:p>
+            <a:pPr marL="571500" marR="0" indent="-571500" algn="l" defTabSz="584200" rtl="0" fontAlgn="auto" latinLnBrk="1" hangingPunct="0">
+              <a:lnSpc>
+                <a:spcPct val="100000"/>
+              </a:lnSpc>
+              <a:spcBef>
+                <a:spcPts val="0"/>
+              </a:spcBef>
+              <a:spcAft>
+                <a:spcPts val="0"/>
+              </a:spcAft>
+              <a:buClrTx/>
+              <a:buSzTx/>
+              <a:buFont typeface="Arial" charset="0"/>
+              <a:buChar char="•"/>
+              <a:tabLst/>
+            </a:pPr>
+            <a:r>
+              <a:rPr kumimoji="0" lang="en-US" sz="4200" b="0" i="0" u="none" strike="noStrike" cap="none" spc="0" normalizeH="0" baseline="0" dirty="0" smtClean="0">
+                <a:ln>
+                  <a:noFill/>
+                </a:ln>
+                <a:solidFill>
+                  <a:srgbClr val="000000"/>
+                </a:solidFill>
+                <a:effectLst/>
+                <a:uFillTx/>
+                <a:latin typeface="+mn-lt"/>
+                <a:ea typeface="+mn-ea"/>
+                <a:cs typeface="+mn-cs"/>
+                <a:sym typeface="Gill Sans"/>
+              </a:rPr>
+              <a:t>Fitness</a:t>
+            </a:r>
+            <a:r>
+              <a:rPr kumimoji="0" lang="en-US" sz="4200" b="0" i="0" u="none" strike="noStrike" cap="none" spc="0" normalizeH="0" dirty="0" smtClean="0">
+                <a:ln>
+                  <a:noFill/>
+                </a:ln>
+                <a:solidFill>
+                  <a:srgbClr val="000000"/>
+                </a:solidFill>
+                <a:effectLst/>
+                <a:uFillTx/>
+                <a:latin typeface="+mn-lt"/>
+                <a:ea typeface="+mn-ea"/>
+                <a:cs typeface="+mn-cs"/>
+                <a:sym typeface="Gill Sans"/>
+              </a:rPr>
+              <a:t> function</a:t>
+            </a:r>
+          </a:p>
+          <a:p>
+            <a:pPr marL="571500" marR="0" indent="-571500" algn="l" defTabSz="584200" rtl="0" fontAlgn="auto" latinLnBrk="1" hangingPunct="0">
+              <a:lnSpc>
+                <a:spcPct val="100000"/>
+              </a:lnSpc>
+              <a:spcBef>
+                <a:spcPts val="0"/>
+              </a:spcBef>
+              <a:spcAft>
+                <a:spcPts val="0"/>
+              </a:spcAft>
+              <a:buClrTx/>
+              <a:buSzTx/>
+              <a:buFont typeface="Arial" charset="0"/>
+              <a:buChar char="•"/>
+              <a:tabLst/>
+            </a:pPr>
+            <a:endParaRPr lang="en-US" baseline="0" dirty="0">
+              <a:solidFill>
+                <a:srgbClr val="000000"/>
+              </a:solidFill>
+            </a:endParaRPr>
+          </a:p>
+          <a:p>
+            <a:pPr marL="571500" marR="0" indent="-571500" algn="l" defTabSz="584200" rtl="0" fontAlgn="auto" latinLnBrk="1" hangingPunct="0">
+              <a:lnSpc>
+                <a:spcPct val="100000"/>
+              </a:lnSpc>
+              <a:spcBef>
+                <a:spcPts val="0"/>
+              </a:spcBef>
+              <a:spcAft>
+                <a:spcPts val="0"/>
+              </a:spcAft>
+              <a:buClrTx/>
+              <a:buSzTx/>
+              <a:buFont typeface="Arial" charset="0"/>
+              <a:buChar char="•"/>
+              <a:tabLst/>
+            </a:pPr>
+            <a:endParaRPr kumimoji="0" lang="en-US" sz="4200" b="0" i="0" u="none" strike="noStrike" cap="none" spc="0" normalizeH="0" dirty="0" smtClean="0">
+              <a:ln>
+                <a:noFill/>
+              </a:ln>
+              <a:solidFill>
+                <a:srgbClr val="000000"/>
+              </a:solidFill>
+              <a:effectLst/>
+              <a:uFillTx/>
+              <a:latin typeface="+mn-lt"/>
+              <a:ea typeface="+mn-ea"/>
+              <a:cs typeface="+mn-cs"/>
+              <a:sym typeface="Gill Sans"/>
+            </a:endParaRPr>
+          </a:p>
+          <a:p>
+            <a:pPr marL="571500" marR="0" indent="-571500" algn="l" defTabSz="584200" rtl="0" fontAlgn="auto" latinLnBrk="1" hangingPunct="0">
+              <a:lnSpc>
+                <a:spcPct val="100000"/>
+              </a:lnSpc>
+              <a:spcBef>
+                <a:spcPts val="0"/>
+              </a:spcBef>
+              <a:spcAft>
+                <a:spcPts val="0"/>
+              </a:spcAft>
+              <a:buClrTx/>
+              <a:buSzTx/>
+              <a:buFont typeface="Arial" charset="0"/>
+              <a:buChar char="•"/>
+              <a:tabLst/>
+            </a:pPr>
+            <a:r>
+              <a:rPr lang="en-US" sz="4000" baseline="0" dirty="0" smtClean="0">
+                <a:solidFill>
+                  <a:srgbClr val="000000"/>
+                </a:solidFill>
+              </a:rPr>
+              <a:t>                           </a:t>
+            </a:r>
+            <a:r>
+              <a:rPr lang="en-US" sz="3200" baseline="0" dirty="0" smtClean="0">
+                <a:solidFill>
+                  <a:srgbClr val="000000"/>
+                </a:solidFill>
+              </a:rPr>
+              <a:t>appropriate weights</a:t>
+            </a:r>
+          </a:p>
+          <a:p>
+            <a:pPr marL="571500" marR="0" indent="-571500" algn="l" defTabSz="584200" rtl="0" fontAlgn="auto" latinLnBrk="1" hangingPunct="0">
+              <a:lnSpc>
+                <a:spcPct val="100000"/>
+              </a:lnSpc>
+              <a:spcBef>
+                <a:spcPts val="0"/>
+              </a:spcBef>
+              <a:spcAft>
+                <a:spcPts val="0"/>
+              </a:spcAft>
+              <a:buClrTx/>
+              <a:buSzTx/>
+              <a:buFont typeface="Arial" charset="0"/>
+              <a:buChar char="•"/>
+              <a:tabLst/>
+            </a:pPr>
+            <a:r>
+              <a:rPr lang="en-US" sz="4000" baseline="0" dirty="0" smtClean="0">
+                <a:solidFill>
+                  <a:srgbClr val="000000"/>
+                </a:solidFill>
+              </a:rPr>
+              <a:t>     </a:t>
+            </a:r>
+            <a:r>
+              <a:rPr lang="en-US" sz="3200" dirty="0" smtClean="0">
+                <a:solidFill>
+                  <a:srgbClr val="000000"/>
+                </a:solidFill>
+              </a:rPr>
+              <a:t>mean distance of the robot with the nearest obstacle</a:t>
+            </a:r>
+          </a:p>
+          <a:p>
+            <a:pPr marL="571500" indent="-571500" algn="l" rtl="0" latinLnBrk="1" hangingPunct="0">
+              <a:buFont typeface="Arial" charset="0"/>
+              <a:buChar char="•"/>
+            </a:pPr>
+            <a:r>
+              <a:rPr lang="en-US" sz="4000" dirty="0">
+                <a:solidFill>
+                  <a:srgbClr val="000000"/>
+                </a:solidFill>
+              </a:rPr>
+              <a:t> </a:t>
+            </a:r>
+            <a:r>
+              <a:rPr lang="en-US" sz="4000" dirty="0" smtClean="0">
+                <a:solidFill>
+                  <a:srgbClr val="000000"/>
+                </a:solidFill>
+              </a:rPr>
+              <a:t>    </a:t>
+            </a:r>
+            <a:r>
+              <a:rPr lang="en-US" sz="3200" dirty="0" smtClean="0">
+                <a:solidFill>
+                  <a:srgbClr val="000000"/>
+                </a:solidFill>
+              </a:rPr>
+              <a:t>mean </a:t>
+            </a:r>
+            <a:r>
+              <a:rPr lang="en-US" sz="3200" dirty="0">
+                <a:solidFill>
+                  <a:srgbClr val="000000"/>
+                </a:solidFill>
+              </a:rPr>
+              <a:t>distance </a:t>
+            </a:r>
+            <a:r>
+              <a:rPr lang="en-US" sz="3200" dirty="0" smtClean="0">
+                <a:solidFill>
+                  <a:srgbClr val="000000"/>
+                </a:solidFill>
+              </a:rPr>
+              <a:t>to the expected position in the formation</a:t>
+            </a:r>
+            <a:endParaRPr lang="en-US" sz="4000" dirty="0" smtClean="0">
+              <a:solidFill>
+                <a:srgbClr val="000000"/>
+              </a:solidFill>
+            </a:endParaRPr>
+          </a:p>
+          <a:p>
+            <a:pPr marL="571500" indent="-571500" algn="l" rtl="0" latinLnBrk="1" hangingPunct="0">
+              <a:buFont typeface="Arial" charset="0"/>
+              <a:buChar char="•"/>
+            </a:pPr>
+            <a:r>
+              <a:rPr lang="en-US" sz="4000" baseline="0" dirty="0">
+                <a:solidFill>
+                  <a:srgbClr val="000000"/>
+                </a:solidFill>
+              </a:rPr>
+              <a:t> </a:t>
+            </a:r>
+            <a:r>
+              <a:rPr lang="en-US" sz="4000" baseline="0" dirty="0" smtClean="0">
+                <a:solidFill>
+                  <a:srgbClr val="000000"/>
+                </a:solidFill>
+              </a:rPr>
+              <a:t>    </a:t>
+            </a:r>
+            <a:r>
+              <a:rPr lang="en-US" sz="3200" baseline="0" dirty="0" smtClean="0">
+                <a:solidFill>
+                  <a:srgbClr val="000000"/>
+                </a:solidFill>
+              </a:rPr>
+              <a:t>decreases</a:t>
+            </a:r>
+            <a:r>
+              <a:rPr lang="en-US" sz="4000" baseline="0" dirty="0" smtClean="0">
+                <a:solidFill>
+                  <a:srgbClr val="000000"/>
+                </a:solidFill>
+              </a:rPr>
+              <a:t> </a:t>
+            </a:r>
+            <a:r>
+              <a:rPr lang="en-US" sz="3200" baseline="0" dirty="0" smtClean="0">
+                <a:solidFill>
+                  <a:srgbClr val="000000"/>
+                </a:solidFill>
+              </a:rPr>
+              <a:t>with</a:t>
+            </a:r>
+            <a:r>
+              <a:rPr lang="en-US" sz="3200" dirty="0" smtClean="0">
+                <a:solidFill>
+                  <a:srgbClr val="000000"/>
+                </a:solidFill>
+              </a:rPr>
+              <a:t> the final distance to the goal</a:t>
+            </a:r>
+            <a:endParaRPr lang="en-US" sz="3200" baseline="0" dirty="0" smtClean="0">
+              <a:solidFill>
+                <a:srgbClr val="000000"/>
+              </a:solidFill>
+            </a:endParaRPr>
+          </a:p>
+          <a:p>
+            <a:pPr marL="571500" marR="0" indent="-571500" algn="l" defTabSz="584200" rtl="0" fontAlgn="auto" latinLnBrk="1" hangingPunct="0">
+              <a:lnSpc>
+                <a:spcPct val="100000"/>
+              </a:lnSpc>
+              <a:spcBef>
+                <a:spcPts val="0"/>
+              </a:spcBef>
+              <a:spcAft>
+                <a:spcPts val="0"/>
+              </a:spcAft>
+              <a:buClrTx/>
+              <a:buSzTx/>
+              <a:buFont typeface="Arial" charset="0"/>
+              <a:buChar char="•"/>
+              <a:tabLst/>
+            </a:pPr>
+            <a:endParaRPr lang="en-US" sz="4000" i="1" baseline="0" dirty="0" smtClean="0">
+              <a:solidFill>
+                <a:srgbClr val="000000"/>
+              </a:solidFill>
+            </a:endParaRPr>
+          </a:p>
+          <a:p>
+            <a:pPr marL="571500" marR="0" indent="-571500" algn="l" defTabSz="584200" rtl="0" fontAlgn="auto" latinLnBrk="1" hangingPunct="0">
+              <a:lnSpc>
+                <a:spcPct val="100000"/>
+              </a:lnSpc>
+              <a:spcBef>
+                <a:spcPts val="0"/>
+              </a:spcBef>
+              <a:spcAft>
+                <a:spcPts val="0"/>
+              </a:spcAft>
+              <a:buClrTx/>
+              <a:buSzTx/>
+              <a:buFont typeface="Arial" charset="0"/>
+              <a:buChar char="•"/>
+              <a:tabLst/>
+            </a:pPr>
+            <a:endParaRPr lang="en-US" sz="3200" baseline="0" dirty="0" smtClean="0">
+              <a:solidFill>
+                <a:srgbClr val="000000"/>
+              </a:solidFill>
+            </a:endParaRPr>
+          </a:p>
+          <a:p>
+            <a:pPr marL="571500" marR="0" indent="-571500" algn="l" defTabSz="584200" rtl="0" fontAlgn="auto" latinLnBrk="1" hangingPunct="0">
+              <a:lnSpc>
+                <a:spcPct val="100000"/>
+              </a:lnSpc>
+              <a:spcBef>
+                <a:spcPts val="0"/>
+              </a:spcBef>
+              <a:spcAft>
+                <a:spcPts val="0"/>
+              </a:spcAft>
+              <a:buClrTx/>
+              <a:buSzTx/>
+              <a:buFont typeface="Arial" charset="0"/>
+              <a:buChar char="•"/>
+              <a:tabLst/>
+            </a:pPr>
+            <a:endParaRPr lang="en-US" sz="4000" baseline="0" dirty="0">
+              <a:solidFill>
+                <a:srgbClr val="000000"/>
+              </a:solidFill>
+            </a:endParaRPr>
+          </a:p>
+          <a:p>
+            <a:pPr marL="571500" marR="0" indent="-571500" algn="l" defTabSz="584200" rtl="0" fontAlgn="auto" latinLnBrk="1" hangingPunct="0">
+              <a:lnSpc>
+                <a:spcPct val="100000"/>
+              </a:lnSpc>
+              <a:spcBef>
+                <a:spcPts val="0"/>
+              </a:spcBef>
+              <a:spcAft>
+                <a:spcPts val="0"/>
+              </a:spcAft>
+              <a:buClrTx/>
+              <a:buSzTx/>
+              <a:buFont typeface="Arial" charset="0"/>
+              <a:buChar char="•"/>
+              <a:tabLst/>
+            </a:pPr>
+            <a:endParaRPr kumimoji="0" lang="en-US" sz="4200" b="0" i="0" u="none" strike="noStrike" cap="none" spc="0" normalizeH="0" dirty="0" smtClean="0">
+              <a:ln>
+                <a:noFill/>
+              </a:ln>
+              <a:solidFill>
+                <a:srgbClr val="000000"/>
+              </a:solidFill>
+              <a:effectLst/>
+              <a:uFillTx/>
+              <a:latin typeface="+mn-lt"/>
+              <a:ea typeface="+mn-ea"/>
+              <a:cs typeface="+mn-cs"/>
+              <a:sym typeface="Gill Sans"/>
+            </a:endParaRPr>
+          </a:p>
+          <a:p>
+            <a:pPr marL="571500" marR="0" indent="-571500" algn="l" defTabSz="584200" rtl="0" fontAlgn="auto" latinLnBrk="1" hangingPunct="0">
+              <a:lnSpc>
+                <a:spcPct val="100000"/>
+              </a:lnSpc>
+              <a:spcBef>
+                <a:spcPts val="0"/>
+              </a:spcBef>
+              <a:spcAft>
+                <a:spcPts val="0"/>
+              </a:spcAft>
+              <a:buClrTx/>
+              <a:buSzTx/>
+              <a:buFont typeface="Arial" charset="0"/>
+              <a:buChar char="•"/>
+              <a:tabLst/>
+            </a:pPr>
+            <a:endParaRPr lang="en-US" baseline="0" dirty="0">
+              <a:solidFill>
+                <a:srgbClr val="000000"/>
+              </a:solidFill>
+            </a:endParaRPr>
+          </a:p>
+          <a:p>
+            <a:pPr marL="571500" marR="0" indent="-571500" algn="l" defTabSz="584200" rtl="0" fontAlgn="auto" latinLnBrk="1" hangingPunct="0">
+              <a:lnSpc>
+                <a:spcPct val="100000"/>
+              </a:lnSpc>
+              <a:spcBef>
+                <a:spcPts val="0"/>
+              </a:spcBef>
+              <a:spcAft>
+                <a:spcPts val="0"/>
+              </a:spcAft>
+              <a:buClrTx/>
+              <a:buSzTx/>
+              <a:buFont typeface="Arial" charset="0"/>
+              <a:buChar char="•"/>
+              <a:tabLst/>
+            </a:pPr>
+            <a:endParaRPr kumimoji="0" lang="en-US" sz="4200" b="0" i="0" u="none" strike="noStrike" cap="none" spc="0" normalizeH="0" dirty="0" smtClean="0">
+              <a:ln>
+                <a:noFill/>
+              </a:ln>
+              <a:solidFill>
+                <a:srgbClr val="000000"/>
+              </a:solidFill>
+              <a:effectLst/>
+              <a:uFillTx/>
+              <a:latin typeface="+mn-lt"/>
+              <a:ea typeface="+mn-ea"/>
+              <a:cs typeface="+mn-cs"/>
+              <a:sym typeface="Gill Sans"/>
+            </a:endParaRPr>
+          </a:p>
+          <a:p>
+            <a:pPr marL="571500" marR="0" indent="-571500" algn="l" defTabSz="584200" rtl="0" fontAlgn="auto" latinLnBrk="1" hangingPunct="0">
+              <a:lnSpc>
+                <a:spcPct val="100000"/>
+              </a:lnSpc>
+              <a:spcBef>
+                <a:spcPts val="0"/>
+              </a:spcBef>
+              <a:spcAft>
+                <a:spcPts val="0"/>
+              </a:spcAft>
+              <a:buClrTx/>
+              <a:buSzTx/>
+              <a:buFont typeface="Arial" charset="0"/>
+              <a:buChar char="•"/>
+              <a:tabLst/>
+            </a:pPr>
+            <a:endParaRPr kumimoji="0" lang="en-US" sz="4200" b="0" i="0" u="none" strike="noStrike" cap="none" spc="0" normalizeH="0" baseline="0" dirty="0">
+              <a:ln>
+                <a:noFill/>
+              </a:ln>
+              <a:solidFill>
+                <a:srgbClr val="000000"/>
+              </a:solidFill>
+              <a:effectLst/>
+              <a:uFillTx/>
+              <a:latin typeface="+mn-lt"/>
+              <a:ea typeface="+mn-ea"/>
+              <a:cs typeface="+mn-cs"/>
+              <a:sym typeface="Gill Sans"/>
+            </a:endParaRPr>
           </a:p>
         </p:txBody>
       </p:sp>

--- a/Presentation/presentation.pptx
+++ b/Presentation/presentation.pptx
@@ -3699,8 +3699,8 @@
         </p:nvSpPr>
         <p:spPr>
           <a:xfrm>
-            <a:off x="355600" y="660400"/>
-            <a:ext cx="12280900" cy="749300"/>
+            <a:off x="355600" y="637506"/>
+            <a:ext cx="12280900" cy="795089"/>
           </a:xfrm>
           <a:prstGeom prst="rect">
             <a:avLst/>
@@ -3740,13 +3740,256 @@
               </a:defRPr>
             </a:pPr>
             <a:r>
-              <a:rPr sz="4500">
+              <a:rPr lang="en-US" sz="4500" dirty="0" smtClean="0">
                 <a:solidFill>
                   <a:srgbClr val="B51A00"/>
                 </a:solidFill>
               </a:rPr>
-              <a:t>Anatomia: cuore e sistema di conduzione</a:t>
-            </a:r>
+              <a:t>Results</a:t>
+            </a:r>
+            <a:endParaRPr sz="4500" dirty="0">
+              <a:solidFill>
+                <a:srgbClr val="B51A00"/>
+              </a:solidFill>
+            </a:endParaRPr>
+          </a:p>
+        </p:txBody>
+      </p:sp>
+      <p:pic>
+        <p:nvPicPr>
+          <p:cNvPr id="2" name="Picture 1"/>
+          <p:cNvPicPr>
+            <a:picLocks noChangeAspect="1"/>
+          </p:cNvPicPr>
+          <p:nvPr/>
+        </p:nvPicPr>
+        <p:blipFill>
+          <a:blip r:embed="rId2">
+            <a:extLst>
+              <a:ext uri="{28A0092B-C50C-407E-A947-70E740481C1C}">
+                <a14:useLocalDpi xmlns:a14="http://schemas.microsoft.com/office/drawing/2010/main" val="0"/>
+              </a:ext>
+            </a:extLst>
+          </a:blip>
+          <a:stretch>
+            <a:fillRect/>
+          </a:stretch>
+        </p:blipFill>
+        <p:spPr>
+          <a:xfrm>
+            <a:off x="1364104" y="5779991"/>
+            <a:ext cx="10109101" cy="2343023"/>
+          </a:xfrm>
+          <a:prstGeom prst="rect">
+            <a:avLst/>
+          </a:prstGeom>
+        </p:spPr>
+      </p:pic>
+      <p:pic>
+        <p:nvPicPr>
+          <p:cNvPr id="4" name="Picture 3"/>
+          <p:cNvPicPr>
+            <a:picLocks noChangeAspect="1"/>
+          </p:cNvPicPr>
+          <p:nvPr/>
+        </p:nvPicPr>
+        <p:blipFill>
+          <a:blip r:embed="rId3">
+            <a:extLst>
+              <a:ext uri="{28A0092B-C50C-407E-A947-70E740481C1C}">
+                <a14:useLocalDpi xmlns:a14="http://schemas.microsoft.com/office/drawing/2010/main" val="0"/>
+              </a:ext>
+            </a:extLst>
+          </a:blip>
+          <a:stretch>
+            <a:fillRect/>
+          </a:stretch>
+        </p:blipFill>
+        <p:spPr>
+          <a:xfrm>
+            <a:off x="1364104" y="2214176"/>
+            <a:ext cx="10109101" cy="2873937"/>
+          </a:xfrm>
+          <a:prstGeom prst="rect">
+            <a:avLst/>
+          </a:prstGeom>
+        </p:spPr>
+      </p:pic>
+      <p:sp>
+        <p:nvSpPr>
+          <p:cNvPr id="5" name="TextBox 4"/>
+          <p:cNvSpPr txBox="1"/>
+          <p:nvPr/>
+        </p:nvSpPr>
+        <p:spPr>
+          <a:xfrm>
+            <a:off x="4115138" y="4889781"/>
+            <a:ext cx="4607030" cy="595035"/>
+          </a:xfrm>
+          <a:prstGeom prst="rect">
+            <a:avLst/>
+          </a:prstGeom>
+          <a:noFill/>
+          <a:ln w="12700" cap="flat">
+            <a:noFill/>
+            <a:miter lim="400000"/>
+          </a:ln>
+          <a:effectLst/>
+        </p:spPr>
+        <p:style>
+          <a:lnRef idx="0">
+            <a:scrgbClr r="0" g="0" b="0"/>
+          </a:lnRef>
+          <a:fillRef idx="0">
+            <a:scrgbClr r="0" g="0" b="0"/>
+          </a:fillRef>
+          <a:effectRef idx="0">
+            <a:scrgbClr r="0" g="0" b="0"/>
+          </a:effectRef>
+          <a:fontRef idx="none"/>
+        </p:style>
+        <p:txBody>
+          <a:bodyPr rot="0" spcFirstLastPara="1" vertOverflow="overflow" horzOverflow="overflow" vert="horz" wrap="none" lIns="50800" tIns="50800" rIns="50800" bIns="50800" numCol="1" spcCol="38100" rtlCol="0" anchor="ctr">
+            <a:spAutoFit/>
+          </a:bodyPr>
+          <a:lstStyle/>
+          <a:p>
+            <a:pPr marL="0" marR="0" indent="0" algn="ctr" defTabSz="584200" rtl="0" fontAlgn="auto" latinLnBrk="1" hangingPunct="0">
+              <a:lnSpc>
+                <a:spcPct val="100000"/>
+              </a:lnSpc>
+              <a:spcBef>
+                <a:spcPts val="0"/>
+              </a:spcBef>
+              <a:spcAft>
+                <a:spcPts val="0"/>
+              </a:spcAft>
+              <a:buClrTx/>
+              <a:buSzTx/>
+              <a:buFontTx/>
+              <a:buNone/>
+              <a:tabLst/>
+            </a:pPr>
+            <a:r>
+              <a:rPr kumimoji="0" lang="en-US" sz="3200" b="0" i="0" u="none" strike="noStrike" cap="none" spc="0" normalizeH="0" baseline="0" dirty="0" smtClean="0">
+                <a:ln>
+                  <a:noFill/>
+                </a:ln>
+                <a:solidFill>
+                  <a:srgbClr val="000000"/>
+                </a:solidFill>
+                <a:effectLst/>
+                <a:uFillTx/>
+                <a:latin typeface="+mn-lt"/>
+                <a:ea typeface="+mn-ea"/>
+                <a:cs typeface="+mn-cs"/>
+                <a:sym typeface="Gill Sans"/>
+              </a:rPr>
+              <a:t>Parameters manually tuned</a:t>
+            </a:r>
+            <a:endParaRPr kumimoji="0" lang="en-US" sz="3200" b="0" i="0" u="none" strike="noStrike" cap="none" spc="0" normalizeH="0" baseline="0" dirty="0">
+              <a:ln>
+                <a:noFill/>
+              </a:ln>
+              <a:solidFill>
+                <a:srgbClr val="000000"/>
+              </a:solidFill>
+              <a:effectLst/>
+              <a:uFillTx/>
+              <a:latin typeface="+mn-lt"/>
+              <a:ea typeface="+mn-ea"/>
+              <a:cs typeface="+mn-cs"/>
+              <a:sym typeface="Gill Sans"/>
+            </a:endParaRPr>
+          </a:p>
+        </p:txBody>
+      </p:sp>
+      <p:sp>
+        <p:nvSpPr>
+          <p:cNvPr id="6" name="TextBox 5"/>
+          <p:cNvSpPr txBox="1"/>
+          <p:nvPr/>
+        </p:nvSpPr>
+        <p:spPr>
+          <a:xfrm>
+            <a:off x="4466997" y="8020820"/>
+            <a:ext cx="3903313" cy="595035"/>
+          </a:xfrm>
+          <a:prstGeom prst="rect">
+            <a:avLst/>
+          </a:prstGeom>
+          <a:noFill/>
+          <a:ln w="12700" cap="flat">
+            <a:noFill/>
+            <a:miter lim="400000"/>
+          </a:ln>
+          <a:effectLst/>
+        </p:spPr>
+        <p:style>
+          <a:lnRef idx="0">
+            <a:scrgbClr r="0" g="0" b="0"/>
+          </a:lnRef>
+          <a:fillRef idx="0">
+            <a:scrgbClr r="0" g="0" b="0"/>
+          </a:fillRef>
+          <a:effectRef idx="0">
+            <a:scrgbClr r="0" g="0" b="0"/>
+          </a:effectRef>
+          <a:fontRef idx="none"/>
+        </p:style>
+        <p:txBody>
+          <a:bodyPr rot="0" spcFirstLastPara="1" vertOverflow="overflow" horzOverflow="overflow" vert="horz" wrap="none" lIns="50800" tIns="50800" rIns="50800" bIns="50800" numCol="1" spcCol="38100" rtlCol="0" anchor="ctr">
+            <a:spAutoFit/>
+          </a:bodyPr>
+          <a:lstStyle/>
+          <a:p>
+            <a:pPr marL="0" marR="0" indent="0" algn="ctr" defTabSz="584200" rtl="0" fontAlgn="auto" latinLnBrk="1" hangingPunct="0">
+              <a:lnSpc>
+                <a:spcPct val="100000"/>
+              </a:lnSpc>
+              <a:spcBef>
+                <a:spcPts val="0"/>
+              </a:spcBef>
+              <a:spcAft>
+                <a:spcPts val="0"/>
+              </a:spcAft>
+              <a:buClrTx/>
+              <a:buSzTx/>
+              <a:buFontTx/>
+              <a:buNone/>
+              <a:tabLst/>
+            </a:pPr>
+            <a:r>
+              <a:rPr kumimoji="0" lang="en-US" sz="3200" b="0" i="0" u="none" strike="noStrike" cap="none" spc="0" normalizeH="0" baseline="0" dirty="0" smtClean="0">
+                <a:ln>
+                  <a:noFill/>
+                </a:ln>
+                <a:solidFill>
+                  <a:srgbClr val="000000"/>
+                </a:solidFill>
+                <a:effectLst/>
+                <a:uFillTx/>
+                <a:latin typeface="+mn-lt"/>
+                <a:ea typeface="+mn-ea"/>
+                <a:cs typeface="+mn-cs"/>
+                <a:sym typeface="Gill Sans"/>
+              </a:rPr>
+              <a:t>Weights found by PSO</a:t>
+            </a:r>
+            <a:endParaRPr kumimoji="0" lang="en-US" sz="3200" b="0" i="0" u="none" strike="noStrike" cap="none" spc="0" normalizeH="0" baseline="0" dirty="0">
+              <a:ln>
+                <a:noFill/>
+              </a:ln>
+              <a:solidFill>
+                <a:srgbClr val="000000"/>
+              </a:solidFill>
+              <a:effectLst/>
+              <a:uFillTx/>
+              <a:latin typeface="+mn-lt"/>
+              <a:ea typeface="+mn-ea"/>
+              <a:cs typeface="+mn-cs"/>
+              <a:sym typeface="Gill Sans"/>
+            </a:endParaRPr>
           </a:p>
         </p:txBody>
       </p:sp>
@@ -12247,20 +12490,23 @@
           </a:p>
           <a:p>
             <a:pPr lvl="1" indent="0" algn="l" rtl="0" latinLnBrk="1" hangingPunct="0"/>
-            <a:endParaRPr kumimoji="0" lang="en-US" b="0" i="0" u="none" strike="noStrike" cap="none" spc="0" normalizeH="0" baseline="0" dirty="0" smtClean="0">
-              <a:ln>
-                <a:noFill/>
-              </a:ln>
-              <a:solidFill>
-                <a:srgbClr val="000000"/>
-              </a:solidFill>
-              <a:effectLst/>
-              <a:uFillTx/>
-              <a:latin typeface="+mn-lt"/>
-              <a:ea typeface="+mn-ea"/>
-              <a:cs typeface="+mn-cs"/>
-              <a:sym typeface="Gill Sans"/>
-            </a:endParaRPr>
+            <a:r>
+              <a:rPr kumimoji="0" lang="en-US" b="0" i="0" u="none" strike="noStrike" cap="none" spc="0" normalizeH="0" baseline="0" dirty="0" smtClean="0">
+                <a:ln>
+                  <a:noFill/>
+                </a:ln>
+                <a:solidFill>
+                  <a:srgbClr val="000000"/>
+                </a:solidFill>
+                <a:effectLst/>
+                <a:uFillTx/>
+                <a:latin typeface="+mn-lt"/>
+                <a:ea typeface="+mn-ea"/>
+                <a:cs typeface="+mn-cs"/>
+                <a:sym typeface="Gill Sans"/>
+              </a:rPr>
+              <a:t>	- 4 chosen parameters</a:t>
+            </a:r>
           </a:p>
           <a:p>
             <a:pPr marL="571500" marR="0" indent="-571500" algn="l" defTabSz="584200" rtl="0" fontAlgn="auto" latinLnBrk="1" hangingPunct="0">
@@ -13219,8 +13465,8 @@
         </p:nvSpPr>
         <p:spPr>
           <a:xfrm>
-            <a:off x="355600" y="660400"/>
-            <a:ext cx="12280900" cy="749300"/>
+            <a:off x="355600" y="637506"/>
+            <a:ext cx="12280900" cy="795089"/>
           </a:xfrm>
           <a:prstGeom prst="rect">
             <a:avLst/>
@@ -13260,13 +13506,488 @@
               </a:defRPr>
             </a:pPr>
             <a:r>
-              <a:rPr sz="4500">
+              <a:rPr lang="en-US" sz="4500" dirty="0" smtClean="0">
                 <a:solidFill>
                   <a:srgbClr val="B51A00"/>
                 </a:solidFill>
               </a:rPr>
-              <a:t>Anatomia: cuore e sistema di conduzione</a:t>
-            </a:r>
+              <a:t>Results</a:t>
+            </a:r>
+            <a:endParaRPr sz="4500" dirty="0">
+              <a:solidFill>
+                <a:srgbClr val="B51A00"/>
+              </a:solidFill>
+            </a:endParaRPr>
+          </a:p>
+        </p:txBody>
+      </p:sp>
+      <p:sp>
+        <p:nvSpPr>
+          <p:cNvPr id="3" name="TextBox 2"/>
+          <p:cNvSpPr txBox="1"/>
+          <p:nvPr/>
+        </p:nvSpPr>
+        <p:spPr>
+          <a:xfrm>
+            <a:off x="2497358" y="1939866"/>
+            <a:ext cx="7997382" cy="748923"/>
+          </a:xfrm>
+          <a:prstGeom prst="rect">
+            <a:avLst/>
+          </a:prstGeom>
+          <a:noFill/>
+          <a:ln w="12700" cap="flat">
+            <a:noFill/>
+            <a:miter lim="400000"/>
+          </a:ln>
+          <a:effectLst/>
+        </p:spPr>
+        <p:style>
+          <a:lnRef idx="0">
+            <a:scrgbClr r="0" g="0" b="0"/>
+          </a:lnRef>
+          <a:fillRef idx="0">
+            <a:scrgbClr r="0" g="0" b="0"/>
+          </a:fillRef>
+          <a:effectRef idx="0">
+            <a:scrgbClr r="0" g="0" b="0"/>
+          </a:effectRef>
+          <a:fontRef idx="none"/>
+        </p:style>
+        <p:txBody>
+          <a:bodyPr rot="0" spcFirstLastPara="1" vertOverflow="overflow" horzOverflow="overflow" vert="horz" wrap="none" lIns="50800" tIns="50800" rIns="50800" bIns="50800" numCol="1" spcCol="38100" rtlCol="0" anchor="ctr">
+            <a:spAutoFit/>
+          </a:bodyPr>
+          <a:lstStyle/>
+          <a:p>
+            <a:pPr marL="0" marR="0" indent="0" algn="ctr" defTabSz="584200" rtl="0" fontAlgn="auto" latinLnBrk="1" hangingPunct="0">
+              <a:lnSpc>
+                <a:spcPct val="100000"/>
+              </a:lnSpc>
+              <a:spcBef>
+                <a:spcPts val="0"/>
+              </a:spcBef>
+              <a:spcAft>
+                <a:spcPts val="0"/>
+              </a:spcAft>
+              <a:buClrTx/>
+              <a:buSzTx/>
+              <a:buFontTx/>
+              <a:buNone/>
+              <a:tabLst/>
+            </a:pPr>
+            <a:r>
+              <a:rPr kumimoji="0" lang="en-US" sz="4200" b="0" i="0" u="none" strike="noStrike" cap="none" spc="0" normalizeH="0" baseline="0" dirty="0" smtClean="0">
+                <a:ln>
+                  <a:noFill/>
+                </a:ln>
+                <a:solidFill>
+                  <a:srgbClr val="000000"/>
+                </a:solidFill>
+                <a:effectLst/>
+                <a:uFillTx/>
+                <a:latin typeface="+mn-lt"/>
+                <a:ea typeface="+mn-ea"/>
+                <a:cs typeface="+mn-cs"/>
+                <a:sym typeface="Gill Sans"/>
+              </a:rPr>
+              <a:t>3 different worlds </a:t>
+            </a:r>
+            <a:r>
+              <a:rPr kumimoji="0" lang="en-US" sz="4200" b="0" i="0" u="none" strike="noStrike" cap="none" spc="0" normalizeH="0" baseline="0" dirty="0" err="1" smtClean="0">
+                <a:ln>
+                  <a:noFill/>
+                </a:ln>
+                <a:solidFill>
+                  <a:srgbClr val="000000"/>
+                </a:solidFill>
+                <a:effectLst/>
+                <a:uFillTx/>
+                <a:latin typeface="+mn-lt"/>
+                <a:ea typeface="+mn-ea"/>
+                <a:cs typeface="+mn-cs"/>
+                <a:sym typeface="Gill Sans"/>
+              </a:rPr>
+              <a:t>consided</a:t>
+            </a:r>
+            <a:r>
+              <a:rPr kumimoji="0" lang="en-US" sz="4200" b="0" i="0" u="none" strike="noStrike" cap="none" spc="0" normalizeH="0" baseline="0" dirty="0" smtClean="0">
+                <a:ln>
+                  <a:noFill/>
+                </a:ln>
+                <a:solidFill>
+                  <a:srgbClr val="000000"/>
+                </a:solidFill>
+                <a:effectLst/>
+                <a:uFillTx/>
+                <a:latin typeface="+mn-lt"/>
+                <a:ea typeface="+mn-ea"/>
+                <a:cs typeface="+mn-cs"/>
+                <a:sym typeface="Gill Sans"/>
+              </a:rPr>
+              <a:t> for PSO</a:t>
+            </a:r>
+            <a:endParaRPr kumimoji="0" lang="en-US" sz="4200" b="0" i="0" u="none" strike="noStrike" cap="none" spc="0" normalizeH="0" baseline="0" dirty="0">
+              <a:ln>
+                <a:noFill/>
+              </a:ln>
+              <a:solidFill>
+                <a:srgbClr val="000000"/>
+              </a:solidFill>
+              <a:effectLst/>
+              <a:uFillTx/>
+              <a:latin typeface="+mn-lt"/>
+              <a:ea typeface="+mn-ea"/>
+              <a:cs typeface="+mn-cs"/>
+              <a:sym typeface="Gill Sans"/>
+            </a:endParaRPr>
+          </a:p>
+        </p:txBody>
+      </p:sp>
+      <p:pic>
+        <p:nvPicPr>
+          <p:cNvPr id="5" name="Picture 4"/>
+          <p:cNvPicPr>
+            <a:picLocks noChangeAspect="1"/>
+          </p:cNvPicPr>
+          <p:nvPr/>
+        </p:nvPicPr>
+        <p:blipFill>
+          <a:blip r:embed="rId2">
+            <a:extLst>
+              <a:ext uri="{28A0092B-C50C-407E-A947-70E740481C1C}">
+                <a14:useLocalDpi xmlns:a14="http://schemas.microsoft.com/office/drawing/2010/main" val="0"/>
+              </a:ext>
+            </a:extLst>
+          </a:blip>
+          <a:stretch>
+            <a:fillRect/>
+          </a:stretch>
+        </p:blipFill>
+        <p:spPr>
+          <a:xfrm>
+            <a:off x="1320434" y="2767904"/>
+            <a:ext cx="10351230" cy="5175615"/>
+          </a:xfrm>
+          <a:prstGeom prst="rect">
+            <a:avLst/>
+          </a:prstGeom>
+        </p:spPr>
+      </p:pic>
+      <p:sp>
+        <p:nvSpPr>
+          <p:cNvPr id="6" name="TextBox 5"/>
+          <p:cNvSpPr txBox="1"/>
+          <p:nvPr/>
+        </p:nvSpPr>
+        <p:spPr>
+          <a:xfrm>
+            <a:off x="1964321" y="8101748"/>
+            <a:ext cx="1668727" cy="533479"/>
+          </a:xfrm>
+          <a:prstGeom prst="rect">
+            <a:avLst/>
+          </a:prstGeom>
+          <a:noFill/>
+          <a:ln w="12700" cap="flat">
+            <a:noFill/>
+            <a:miter lim="400000"/>
+          </a:ln>
+          <a:effectLst/>
+        </p:spPr>
+        <p:style>
+          <a:lnRef idx="0">
+            <a:scrgbClr r="0" g="0" b="0"/>
+          </a:lnRef>
+          <a:fillRef idx="0">
+            <a:scrgbClr r="0" g="0" b="0"/>
+          </a:fillRef>
+          <a:effectRef idx="0">
+            <a:scrgbClr r="0" g="0" b="0"/>
+          </a:effectRef>
+          <a:fontRef idx="none"/>
+        </p:style>
+        <p:txBody>
+          <a:bodyPr rot="0" spcFirstLastPara="1" vertOverflow="overflow" horzOverflow="overflow" vert="horz" wrap="none" lIns="50800" tIns="50800" rIns="50800" bIns="50800" numCol="1" spcCol="38100" rtlCol="0" anchor="ctr">
+            <a:spAutoFit/>
+          </a:bodyPr>
+          <a:lstStyle/>
+          <a:p>
+            <a:pPr marL="0" marR="0" indent="0" algn="ctr" defTabSz="584200" rtl="0" fontAlgn="auto" latinLnBrk="1" hangingPunct="0">
+              <a:lnSpc>
+                <a:spcPct val="100000"/>
+              </a:lnSpc>
+              <a:spcBef>
+                <a:spcPts val="0"/>
+              </a:spcBef>
+              <a:spcAft>
+                <a:spcPts val="0"/>
+              </a:spcAft>
+              <a:buClrTx/>
+              <a:buSzTx/>
+              <a:buFontTx/>
+              <a:buNone/>
+              <a:tabLst/>
+            </a:pPr>
+            <a:r>
+              <a:rPr lang="en-US" sz="2800" dirty="0" smtClean="0">
+                <a:solidFill>
+                  <a:srgbClr val="000000"/>
+                </a:solidFill>
+              </a:rPr>
+              <a:t>1</a:t>
+            </a:r>
+            <a:r>
+              <a:rPr lang="en-US" sz="2800" dirty="0">
+                <a:solidFill>
+                  <a:srgbClr val="000000"/>
+                </a:solidFill>
+              </a:rPr>
+              <a:t>.</a:t>
+            </a:r>
+            <a:r>
+              <a:rPr kumimoji="0" lang="en-US" sz="2800" b="0" i="0" u="none" strike="noStrike" cap="none" spc="0" normalizeH="0" baseline="0" dirty="0" smtClean="0">
+                <a:ln>
+                  <a:noFill/>
+                </a:ln>
+                <a:solidFill>
+                  <a:srgbClr val="000000"/>
+                </a:solidFill>
+                <a:effectLst/>
+                <a:uFillTx/>
+                <a:sym typeface="Gill Sans"/>
+              </a:rPr>
+              <a:t> Random</a:t>
+            </a:r>
+            <a:endParaRPr kumimoji="0" lang="en-US" sz="2800" b="0" i="0" u="none" strike="noStrike" cap="none" spc="0" normalizeH="0" baseline="0" dirty="0">
+              <a:ln>
+                <a:noFill/>
+              </a:ln>
+              <a:solidFill>
+                <a:srgbClr val="000000"/>
+              </a:solidFill>
+              <a:effectLst/>
+              <a:uFillTx/>
+              <a:sym typeface="Gill Sans"/>
+            </a:endParaRPr>
+          </a:p>
+        </p:txBody>
+      </p:sp>
+      <p:sp>
+        <p:nvSpPr>
+          <p:cNvPr id="18" name="TextBox 17"/>
+          <p:cNvSpPr txBox="1"/>
+          <p:nvPr/>
+        </p:nvSpPr>
+        <p:spPr>
+          <a:xfrm>
+            <a:off x="4675921" y="8101748"/>
+            <a:ext cx="2967158" cy="533479"/>
+          </a:xfrm>
+          <a:prstGeom prst="rect">
+            <a:avLst/>
+          </a:prstGeom>
+          <a:noFill/>
+          <a:ln w="12700" cap="flat">
+            <a:noFill/>
+            <a:miter lim="400000"/>
+          </a:ln>
+          <a:effectLst/>
+        </p:spPr>
+        <p:style>
+          <a:lnRef idx="0">
+            <a:scrgbClr r="0" g="0" b="0"/>
+          </a:lnRef>
+          <a:fillRef idx="0">
+            <a:scrgbClr r="0" g="0" b="0"/>
+          </a:fillRef>
+          <a:effectRef idx="0">
+            <a:scrgbClr r="0" g="0" b="0"/>
+          </a:effectRef>
+          <a:fontRef idx="none"/>
+        </p:style>
+        <p:txBody>
+          <a:bodyPr rot="0" spcFirstLastPara="1" vertOverflow="overflow" horzOverflow="overflow" vert="horz" wrap="none" lIns="50800" tIns="50800" rIns="50800" bIns="50800" numCol="1" spcCol="38100" rtlCol="0" anchor="ctr">
+            <a:spAutoFit/>
+          </a:bodyPr>
+          <a:lstStyle/>
+          <a:p>
+            <a:pPr marL="0" marR="0" indent="0" algn="ctr" defTabSz="584200" rtl="0" fontAlgn="auto" latinLnBrk="1" hangingPunct="0">
+              <a:lnSpc>
+                <a:spcPct val="100000"/>
+              </a:lnSpc>
+              <a:spcBef>
+                <a:spcPts val="0"/>
+              </a:spcBef>
+              <a:spcAft>
+                <a:spcPts val="0"/>
+              </a:spcAft>
+              <a:buClrTx/>
+              <a:buSzTx/>
+              <a:buFontTx/>
+              <a:buNone/>
+              <a:tabLst/>
+            </a:pPr>
+            <a:r>
+              <a:rPr lang="en-US" sz="2800" dirty="0" smtClean="0">
+                <a:solidFill>
+                  <a:srgbClr val="000000"/>
+                </a:solidFill>
+              </a:rPr>
+              <a:t>2</a:t>
+            </a:r>
+            <a:r>
+              <a:rPr lang="en-US" sz="2800" dirty="0">
+                <a:solidFill>
+                  <a:srgbClr val="000000"/>
+                </a:solidFill>
+              </a:rPr>
+              <a:t>.</a:t>
+            </a:r>
+            <a:r>
+              <a:rPr kumimoji="0" lang="en-US" sz="2800" b="0" i="0" u="none" strike="noStrike" cap="none" spc="0" normalizeH="0" baseline="0" dirty="0" smtClean="0">
+                <a:ln>
+                  <a:noFill/>
+                </a:ln>
+                <a:solidFill>
+                  <a:srgbClr val="000000"/>
+                </a:solidFill>
+                <a:effectLst/>
+                <a:uFillTx/>
+                <a:sym typeface="Gill Sans"/>
+              </a:rPr>
+              <a:t> Wall of obstacles</a:t>
+            </a:r>
+            <a:endParaRPr kumimoji="0" lang="en-US" sz="2800" b="0" i="0" u="none" strike="noStrike" cap="none" spc="0" normalizeH="0" baseline="0" dirty="0">
+              <a:ln>
+                <a:noFill/>
+              </a:ln>
+              <a:solidFill>
+                <a:srgbClr val="000000"/>
+              </a:solidFill>
+              <a:effectLst/>
+              <a:uFillTx/>
+              <a:sym typeface="Gill Sans"/>
+            </a:endParaRPr>
+          </a:p>
+        </p:txBody>
+      </p:sp>
+      <p:sp>
+        <p:nvSpPr>
+          <p:cNvPr id="19" name="TextBox 18"/>
+          <p:cNvSpPr txBox="1"/>
+          <p:nvPr/>
+        </p:nvSpPr>
+        <p:spPr>
+          <a:xfrm>
+            <a:off x="8060098" y="8101748"/>
+            <a:ext cx="3611566" cy="533479"/>
+          </a:xfrm>
+          <a:prstGeom prst="rect">
+            <a:avLst/>
+          </a:prstGeom>
+          <a:noFill/>
+          <a:ln w="12700" cap="flat">
+            <a:noFill/>
+            <a:miter lim="400000"/>
+          </a:ln>
+          <a:effectLst/>
+        </p:spPr>
+        <p:style>
+          <a:lnRef idx="0">
+            <a:scrgbClr r="0" g="0" b="0"/>
+          </a:lnRef>
+          <a:fillRef idx="0">
+            <a:scrgbClr r="0" g="0" b="0"/>
+          </a:fillRef>
+          <a:effectRef idx="0">
+            <a:scrgbClr r="0" g="0" b="0"/>
+          </a:effectRef>
+          <a:fontRef idx="none"/>
+        </p:style>
+        <p:txBody>
+          <a:bodyPr rot="0" spcFirstLastPara="1" vertOverflow="overflow" horzOverflow="overflow" vert="horz" wrap="none" lIns="50800" tIns="50800" rIns="50800" bIns="50800" numCol="1" spcCol="38100" rtlCol="0" anchor="ctr">
+            <a:spAutoFit/>
+          </a:bodyPr>
+          <a:lstStyle/>
+          <a:p>
+            <a:pPr marL="0" marR="0" indent="0" algn="ctr" defTabSz="584200" rtl="0" fontAlgn="auto" latinLnBrk="1" hangingPunct="0">
+              <a:lnSpc>
+                <a:spcPct val="100000"/>
+              </a:lnSpc>
+              <a:spcBef>
+                <a:spcPts val="0"/>
+              </a:spcBef>
+              <a:spcAft>
+                <a:spcPts val="0"/>
+              </a:spcAft>
+              <a:buClrTx/>
+              <a:buSzTx/>
+              <a:buFontTx/>
+              <a:buNone/>
+              <a:tabLst/>
+            </a:pPr>
+            <a:r>
+              <a:rPr kumimoji="0" lang="en-US" sz="2800" b="0" i="0" u="none" strike="noStrike" cap="none" spc="0" normalizeH="0" baseline="0" dirty="0" smtClean="0">
+                <a:ln>
+                  <a:noFill/>
+                </a:ln>
+                <a:solidFill>
+                  <a:srgbClr val="000000"/>
+                </a:solidFill>
+                <a:effectLst/>
+                <a:uFillTx/>
+                <a:sym typeface="Gill Sans"/>
+              </a:rPr>
+              <a:t>3.</a:t>
+            </a:r>
+            <a:r>
+              <a:rPr kumimoji="0" lang="en-US" sz="2800" b="0" i="0" u="none" strike="noStrike" cap="none" spc="0" normalizeH="0" dirty="0" smtClean="0">
+                <a:ln>
+                  <a:noFill/>
+                </a:ln>
+                <a:solidFill>
+                  <a:srgbClr val="000000"/>
+                </a:solidFill>
+                <a:effectLst/>
+                <a:uFillTx/>
+                <a:sym typeface="Gill Sans"/>
+              </a:rPr>
+              <a:t> </a:t>
+            </a:r>
+            <a:r>
+              <a:rPr lang="en-US" sz="2800" dirty="0" smtClean="0">
+                <a:solidFill>
+                  <a:srgbClr val="000000"/>
+                </a:solidFill>
+              </a:rPr>
+              <a:t>D</a:t>
+            </a:r>
+            <a:r>
+              <a:rPr kumimoji="0" lang="en-US" sz="2800" b="0" i="0" u="none" strike="noStrike" cap="none" spc="0" normalizeH="0" baseline="0" dirty="0" smtClean="0">
+                <a:ln>
+                  <a:noFill/>
+                </a:ln>
+                <a:solidFill>
+                  <a:srgbClr val="000000"/>
+                </a:solidFill>
+                <a:effectLst/>
+                <a:uFillTx/>
+                <a:sym typeface="Gill Sans"/>
+              </a:rPr>
+              <a:t>ifficult configuration</a:t>
+            </a:r>
+            <a:endParaRPr kumimoji="0" lang="en-US" sz="2800" b="0" i="0" u="none" strike="noStrike" cap="none" spc="0" normalizeH="0" baseline="0" dirty="0">
+              <a:ln>
+                <a:noFill/>
+              </a:ln>
+              <a:solidFill>
+                <a:srgbClr val="000000"/>
+              </a:solidFill>
+              <a:effectLst/>
+              <a:uFillTx/>
+              <a:sym typeface="Gill Sans"/>
+            </a:endParaRPr>
           </a:p>
         </p:txBody>
       </p:sp>

--- a/Presentation/presentation.pptx
+++ b/Presentation/presentation.pptx
@@ -5,7 +5,7 @@
     <p:sldMasterId id="2147483648" r:id="rId1"/>
   </p:sldMasterIdLst>
   <p:notesMasterIdLst>
-    <p:notesMasterId r:id="rId16"/>
+    <p:notesMasterId r:id="rId21"/>
   </p:notesMasterIdLst>
   <p:sldIdLst>
     <p:sldId id="256" r:id="rId2"/>
@@ -19,9 +19,14 @@
     <p:sldId id="268" r:id="rId10"/>
     <p:sldId id="269" r:id="rId11"/>
     <p:sldId id="270" r:id="rId12"/>
-    <p:sldId id="271" r:id="rId13"/>
-    <p:sldId id="272" r:id="rId14"/>
-    <p:sldId id="257" r:id="rId15"/>
+    <p:sldId id="273" r:id="rId13"/>
+    <p:sldId id="274" r:id="rId14"/>
+    <p:sldId id="275" r:id="rId15"/>
+    <p:sldId id="276" r:id="rId16"/>
+    <p:sldId id="277" r:id="rId17"/>
+    <p:sldId id="271" r:id="rId18"/>
+    <p:sldId id="272" r:id="rId19"/>
+    <p:sldId id="257" r:id="rId20"/>
   </p:sldIdLst>
   <p:sldSz cx="13004800" cy="9753600"/>
   <p:notesSz cx="6858000" cy="9144000"/>
@@ -263,6 +268,75 @@
     </a:lvl9pPr>
   </p:notesStyle>
 </p:notesMaster>
+</file>
+
+<file path=ppt/notesSlides/notesSlide1.xml><?xml version="1.0" encoding="utf-8"?>
+<p:notes xmlns:a="http://schemas.openxmlformats.org/drawingml/2006/main" xmlns:r="http://schemas.openxmlformats.org/officeDocument/2006/relationships" xmlns:p="http://schemas.openxmlformats.org/presentationml/2006/main">
+  <p:cSld>
+    <p:spTree>
+      <p:nvGrpSpPr>
+        <p:cNvPr id="1" name=""/>
+        <p:cNvGrpSpPr/>
+        <p:nvPr/>
+      </p:nvGrpSpPr>
+      <p:grpSpPr>
+        <a:xfrm>
+          <a:off x="0" y="0"/>
+          <a:ext cx="0" cy="0"/>
+          <a:chOff x="0" y="0"/>
+          <a:chExt cx="0" cy="0"/>
+        </a:xfrm>
+      </p:grpSpPr>
+      <p:sp>
+        <p:nvSpPr>
+          <p:cNvPr id="2" name="Slide Image Placeholder 1"/>
+          <p:cNvSpPr>
+            <a:spLocks noGrp="1" noRot="1" noChangeAspect="1"/>
+          </p:cNvSpPr>
+          <p:nvPr>
+            <p:ph type="sldImg"/>
+          </p:nvPr>
+        </p:nvSpPr>
+        <p:spPr/>
+      </p:sp>
+      <p:sp>
+        <p:nvSpPr>
+          <p:cNvPr id="3" name="Notes Placeholder 2"/>
+          <p:cNvSpPr>
+            <a:spLocks noGrp="1"/>
+          </p:cNvSpPr>
+          <p:nvPr>
+            <p:ph type="body" idx="1"/>
+          </p:nvPr>
+        </p:nvSpPr>
+        <p:spPr/>
+        <p:txBody>
+          <a:bodyPr/>
+          <a:lstStyle/>
+          <a:p>
+            <a:r>
+              <a:rPr lang="en-US" dirty="0" smtClean="0"/>
+              <a:t>Column formation have an higher probability to </a:t>
+            </a:r>
+            <a:r>
+              <a:rPr lang="en-US" baseline="0" dirty="0" smtClean="0"/>
+              <a:t>arrive faster to goal</a:t>
+            </a:r>
+            <a:endParaRPr lang="en-US" dirty="0"/>
+          </a:p>
+        </p:txBody>
+      </p:sp>
+    </p:spTree>
+    <p:extLst>
+      <p:ext uri="{BB962C8B-B14F-4D97-AF65-F5344CB8AC3E}">
+        <p14:creationId xmlns:p14="http://schemas.microsoft.com/office/powerpoint/2010/main" val="587705776"/>
+      </p:ext>
+    </p:extLst>
+  </p:cSld>
+  <p:clrMapOvr>
+    <a:masterClrMapping/>
+  </p:clrMapOvr>
+</p:notes>
 </file>
 
 <file path=ppt/slideLayouts/slideLayout1.xml><?xml version="1.0" encoding="utf-8"?>
@@ -3228,6 +3302,13 @@
     <a:masterClrMapping/>
   </p:clrMapOvr>
   <p:transition spd="med"/>
+  <p:timing>
+    <p:tnLst>
+      <p:par>
+        <p:cTn id="1" dur="indefinite" restart="never" nodeType="tmRoot"/>
+      </p:par>
+    </p:tnLst>
+  </p:timing>
 </p:sld>
 </file>
 
@@ -4004,6 +4085,13 @@
     <a:masterClrMapping/>
   </p:clrMapOvr>
   <p:transition spd="med"/>
+  <p:timing>
+    <p:tnLst>
+      <p:par>
+        <p:cTn id="1" dur="indefinite" restart="never" nodeType="tmRoot"/>
+      </p:par>
+    </p:tnLst>
+  </p:timing>
 </p:sld>
 </file>
 
@@ -4024,6 +4112,66 @@
           <a:chExt cx="0" cy="0"/>
         </a:xfrm>
       </p:grpSpPr>
+      <p:pic>
+        <p:nvPicPr>
+          <p:cNvPr id="3" name="Picture 2"/>
+          <p:cNvPicPr>
+            <a:picLocks noChangeAspect="1"/>
+          </p:cNvPicPr>
+          <p:nvPr/>
+        </p:nvPicPr>
+        <p:blipFill>
+          <a:blip r:embed="rId2">
+            <a:extLst>
+              <a:ext uri="{28A0092B-C50C-407E-A947-70E740481C1C}">
+                <a14:useLocalDpi xmlns:a14="http://schemas.microsoft.com/office/drawing/2010/main" val="0"/>
+              </a:ext>
+            </a:extLst>
+          </a:blip>
+          <a:stretch>
+            <a:fillRect/>
+          </a:stretch>
+        </p:blipFill>
+        <p:spPr>
+          <a:xfrm>
+            <a:off x="6788967" y="1562147"/>
+            <a:ext cx="5320290" cy="3591435"/>
+          </a:xfrm>
+          <a:prstGeom prst="rect">
+            <a:avLst/>
+          </a:prstGeom>
+        </p:spPr>
+      </p:pic>
+      <p:pic>
+        <p:nvPicPr>
+          <p:cNvPr id="2" name="Picture 1"/>
+          <p:cNvPicPr>
+            <a:picLocks noChangeAspect="1"/>
+          </p:cNvPicPr>
+          <p:nvPr/>
+        </p:nvPicPr>
+        <p:blipFill>
+          <a:blip r:embed="rId3">
+            <a:extLst>
+              <a:ext uri="{28A0092B-C50C-407E-A947-70E740481C1C}">
+                <a14:useLocalDpi xmlns:a14="http://schemas.microsoft.com/office/drawing/2010/main" val="0"/>
+              </a:ext>
+            </a:extLst>
+          </a:blip>
+          <a:stretch>
+            <a:fillRect/>
+          </a:stretch>
+        </p:blipFill>
+        <p:spPr>
+          <a:xfrm>
+            <a:off x="711201" y="1543383"/>
+            <a:ext cx="5366565" cy="3593596"/>
+          </a:xfrm>
+          <a:prstGeom prst="rect">
+            <a:avLst/>
+          </a:prstGeom>
+        </p:spPr>
+      </p:pic>
       <p:sp>
         <p:nvSpPr>
           <p:cNvPr id="42" name="Shape 42"/>
@@ -4475,8 +4623,8 @@
         </p:nvSpPr>
         <p:spPr>
           <a:xfrm>
-            <a:off x="355600" y="660400"/>
-            <a:ext cx="12280900" cy="749300"/>
+            <a:off x="355600" y="637506"/>
+            <a:ext cx="12280900" cy="795089"/>
           </a:xfrm>
           <a:prstGeom prst="rect">
             <a:avLst/>
@@ -4516,13 +4664,604 @@
               </a:defRPr>
             </a:pPr>
             <a:r>
-              <a:rPr sz="4500">
+              <a:rPr lang="en-US" sz="4500" dirty="0" smtClean="0">
                 <a:solidFill>
                   <a:srgbClr val="B51A00"/>
                 </a:solidFill>
               </a:rPr>
-              <a:t>Anatomia: cuore e sistema di conduzione</a:t>
-            </a:r>
+              <a:t>Results</a:t>
+            </a:r>
+            <a:endParaRPr sz="4500" dirty="0">
+              <a:solidFill>
+                <a:srgbClr val="B51A00"/>
+              </a:solidFill>
+            </a:endParaRPr>
+          </a:p>
+        </p:txBody>
+      </p:sp>
+      <p:pic>
+        <p:nvPicPr>
+          <p:cNvPr id="4" name="Picture 3"/>
+          <p:cNvPicPr>
+            <a:picLocks noChangeAspect="1"/>
+          </p:cNvPicPr>
+          <p:nvPr/>
+        </p:nvPicPr>
+        <p:blipFill>
+          <a:blip r:embed="rId4">
+            <a:extLst>
+              <a:ext uri="{28A0092B-C50C-407E-A947-70E740481C1C}">
+                <a14:useLocalDpi xmlns:a14="http://schemas.microsoft.com/office/drawing/2010/main" val="0"/>
+              </a:ext>
+            </a:extLst>
+          </a:blip>
+          <a:stretch>
+            <a:fillRect/>
+          </a:stretch>
+        </p:blipFill>
+        <p:spPr>
+          <a:xfrm>
+            <a:off x="702254" y="5342469"/>
+            <a:ext cx="5375511" cy="3602736"/>
+          </a:xfrm>
+          <a:prstGeom prst="rect">
+            <a:avLst/>
+          </a:prstGeom>
+        </p:spPr>
+      </p:pic>
+      <p:sp>
+        <p:nvSpPr>
+          <p:cNvPr id="5" name="TextBox 4"/>
+          <p:cNvSpPr txBox="1"/>
+          <p:nvPr/>
+        </p:nvSpPr>
+        <p:spPr>
+          <a:xfrm>
+            <a:off x="3458709" y="4112614"/>
+            <a:ext cx="1960473" cy="471924"/>
+          </a:xfrm>
+          <a:prstGeom prst="rect">
+            <a:avLst/>
+          </a:prstGeom>
+          <a:noFill/>
+          <a:ln w="12700" cap="flat">
+            <a:noFill/>
+            <a:miter lim="400000"/>
+          </a:ln>
+          <a:effectLst/>
+        </p:spPr>
+        <p:style>
+          <a:lnRef idx="0">
+            <a:scrgbClr r="0" g="0" b="0"/>
+          </a:lnRef>
+          <a:fillRef idx="0">
+            <a:scrgbClr r="0" g="0" b="0"/>
+          </a:fillRef>
+          <a:effectRef idx="0">
+            <a:scrgbClr r="0" g="0" b="0"/>
+          </a:effectRef>
+          <a:fontRef idx="none"/>
+        </p:style>
+        <p:txBody>
+          <a:bodyPr rot="0" spcFirstLastPara="1" vertOverflow="overflow" horzOverflow="overflow" vert="horz" wrap="none" lIns="50800" tIns="50800" rIns="50800" bIns="50800" numCol="1" spcCol="38100" rtlCol="0" anchor="ctr">
+            <a:spAutoFit/>
+          </a:bodyPr>
+          <a:lstStyle/>
+          <a:p>
+            <a:pPr marL="0" marR="0" indent="0" algn="ctr" defTabSz="584200" rtl="0" fontAlgn="auto" latinLnBrk="1" hangingPunct="0">
+              <a:lnSpc>
+                <a:spcPct val="100000"/>
+              </a:lnSpc>
+              <a:spcBef>
+                <a:spcPts val="0"/>
+              </a:spcBef>
+              <a:spcAft>
+                <a:spcPts val="0"/>
+              </a:spcAft>
+              <a:buClrTx/>
+              <a:buSzTx/>
+              <a:buFontTx/>
+              <a:buNone/>
+              <a:tabLst/>
+            </a:pPr>
+            <a:r>
+              <a:rPr kumimoji="0" lang="en-US" sz="2400" b="0" i="0" u="none" strike="noStrike" cap="none" spc="0" normalizeH="0" baseline="0" dirty="0" smtClean="0">
+                <a:ln>
+                  <a:noFill/>
+                </a:ln>
+                <a:solidFill>
+                  <a:srgbClr val="000000"/>
+                </a:solidFill>
+                <a:effectLst/>
+                <a:uFillTx/>
+                <a:latin typeface="+mn-lt"/>
+                <a:ea typeface="+mn-ea"/>
+                <a:cs typeface="+mn-cs"/>
+                <a:sym typeface="Gill Sans"/>
+              </a:rPr>
+              <a:t>Random world</a:t>
+            </a:r>
+            <a:endParaRPr kumimoji="0" lang="en-US" sz="2400" b="0" i="0" u="none" strike="noStrike" cap="none" spc="0" normalizeH="0" baseline="0" dirty="0">
+              <a:ln>
+                <a:noFill/>
+              </a:ln>
+              <a:solidFill>
+                <a:srgbClr val="000000"/>
+              </a:solidFill>
+              <a:effectLst/>
+              <a:uFillTx/>
+              <a:latin typeface="+mn-lt"/>
+              <a:ea typeface="+mn-ea"/>
+              <a:cs typeface="+mn-cs"/>
+              <a:sym typeface="Gill Sans"/>
+            </a:endParaRPr>
+          </a:p>
+        </p:txBody>
+      </p:sp>
+      <p:sp>
+        <p:nvSpPr>
+          <p:cNvPr id="15" name="TextBox 14"/>
+          <p:cNvSpPr txBox="1"/>
+          <p:nvPr/>
+        </p:nvSpPr>
+        <p:spPr>
+          <a:xfrm>
+            <a:off x="10013568" y="4117223"/>
+            <a:ext cx="1511632" cy="471924"/>
+          </a:xfrm>
+          <a:prstGeom prst="rect">
+            <a:avLst/>
+          </a:prstGeom>
+          <a:noFill/>
+          <a:ln w="12700" cap="flat">
+            <a:noFill/>
+            <a:miter lim="400000"/>
+          </a:ln>
+          <a:effectLst/>
+        </p:spPr>
+        <p:style>
+          <a:lnRef idx="0">
+            <a:scrgbClr r="0" g="0" b="0"/>
+          </a:lnRef>
+          <a:fillRef idx="0">
+            <a:scrgbClr r="0" g="0" b="0"/>
+          </a:fillRef>
+          <a:effectRef idx="0">
+            <a:scrgbClr r="0" g="0" b="0"/>
+          </a:effectRef>
+          <a:fontRef idx="none"/>
+        </p:style>
+        <p:txBody>
+          <a:bodyPr rot="0" spcFirstLastPara="1" vertOverflow="overflow" horzOverflow="overflow" vert="horz" wrap="none" lIns="50800" tIns="50800" rIns="50800" bIns="50800" numCol="1" spcCol="38100" rtlCol="0" anchor="ctr">
+            <a:spAutoFit/>
+          </a:bodyPr>
+          <a:lstStyle/>
+          <a:p>
+            <a:pPr marL="0" marR="0" indent="0" algn="ctr" defTabSz="584200" rtl="0" fontAlgn="auto" latinLnBrk="1" hangingPunct="0">
+              <a:lnSpc>
+                <a:spcPct val="100000"/>
+              </a:lnSpc>
+              <a:spcBef>
+                <a:spcPts val="0"/>
+              </a:spcBef>
+              <a:spcAft>
+                <a:spcPts val="0"/>
+              </a:spcAft>
+              <a:buClrTx/>
+              <a:buSzTx/>
+              <a:buFontTx/>
+              <a:buNone/>
+              <a:tabLst/>
+            </a:pPr>
+            <a:r>
+              <a:rPr kumimoji="0" lang="en-US" sz="2400" b="0" i="0" u="none" strike="noStrike" cap="none" spc="0" normalizeH="0" baseline="0" dirty="0" smtClean="0">
+                <a:ln>
+                  <a:noFill/>
+                </a:ln>
+                <a:solidFill>
+                  <a:srgbClr val="000000"/>
+                </a:solidFill>
+                <a:effectLst/>
+                <a:uFillTx/>
+                <a:latin typeface="+mn-lt"/>
+                <a:ea typeface="+mn-ea"/>
+                <a:cs typeface="+mn-cs"/>
+                <a:sym typeface="Gill Sans"/>
+              </a:rPr>
+              <a:t>Wall world</a:t>
+            </a:r>
+            <a:endParaRPr kumimoji="0" lang="en-US" sz="2400" b="0" i="0" u="none" strike="noStrike" cap="none" spc="0" normalizeH="0" baseline="0" dirty="0">
+              <a:ln>
+                <a:noFill/>
+              </a:ln>
+              <a:solidFill>
+                <a:srgbClr val="000000"/>
+              </a:solidFill>
+              <a:effectLst/>
+              <a:uFillTx/>
+              <a:latin typeface="+mn-lt"/>
+              <a:ea typeface="+mn-ea"/>
+              <a:cs typeface="+mn-cs"/>
+              <a:sym typeface="Gill Sans"/>
+            </a:endParaRPr>
+          </a:p>
+        </p:txBody>
+      </p:sp>
+      <p:sp>
+        <p:nvSpPr>
+          <p:cNvPr id="18" name="TextBox 17"/>
+          <p:cNvSpPr txBox="1"/>
+          <p:nvPr/>
+        </p:nvSpPr>
+        <p:spPr>
+          <a:xfrm>
+            <a:off x="3506799" y="7918621"/>
+            <a:ext cx="1912383" cy="471924"/>
+          </a:xfrm>
+          <a:prstGeom prst="rect">
+            <a:avLst/>
+          </a:prstGeom>
+          <a:noFill/>
+          <a:ln w="12700" cap="flat">
+            <a:noFill/>
+            <a:miter lim="400000"/>
+          </a:ln>
+          <a:effectLst/>
+        </p:spPr>
+        <p:style>
+          <a:lnRef idx="0">
+            <a:scrgbClr r="0" g="0" b="0"/>
+          </a:lnRef>
+          <a:fillRef idx="0">
+            <a:scrgbClr r="0" g="0" b="0"/>
+          </a:fillRef>
+          <a:effectRef idx="0">
+            <a:scrgbClr r="0" g="0" b="0"/>
+          </a:effectRef>
+          <a:fontRef idx="none"/>
+        </p:style>
+        <p:txBody>
+          <a:bodyPr rot="0" spcFirstLastPara="1" vertOverflow="overflow" horzOverflow="overflow" vert="horz" wrap="none" lIns="50800" tIns="50800" rIns="50800" bIns="50800" numCol="1" spcCol="38100" rtlCol="0" anchor="ctr">
+            <a:spAutoFit/>
+          </a:bodyPr>
+          <a:lstStyle/>
+          <a:p>
+            <a:pPr marL="0" marR="0" indent="0" algn="ctr" defTabSz="584200" rtl="0" fontAlgn="auto" latinLnBrk="1" hangingPunct="0">
+              <a:lnSpc>
+                <a:spcPct val="100000"/>
+              </a:lnSpc>
+              <a:spcBef>
+                <a:spcPts val="0"/>
+              </a:spcBef>
+              <a:spcAft>
+                <a:spcPts val="0"/>
+              </a:spcAft>
+              <a:buClrTx/>
+              <a:buSzTx/>
+              <a:buFontTx/>
+              <a:buNone/>
+              <a:tabLst/>
+            </a:pPr>
+            <a:r>
+              <a:rPr kumimoji="0" lang="en-US" sz="2400" b="0" i="0" u="none" strike="noStrike" cap="none" spc="0" normalizeH="0" baseline="0" dirty="0" smtClean="0">
+                <a:ln>
+                  <a:noFill/>
+                </a:ln>
+                <a:solidFill>
+                  <a:srgbClr val="000000"/>
+                </a:solidFill>
+                <a:effectLst/>
+                <a:uFillTx/>
+                <a:latin typeface="+mn-lt"/>
+                <a:ea typeface="+mn-ea"/>
+                <a:cs typeface="+mn-cs"/>
+                <a:sym typeface="Gill Sans"/>
+              </a:rPr>
+              <a:t>Difficult world</a:t>
+            </a:r>
+            <a:endParaRPr kumimoji="0" lang="en-US" sz="2400" b="0" i="0" u="none" strike="noStrike" cap="none" spc="0" normalizeH="0" baseline="0" dirty="0">
+              <a:ln>
+                <a:noFill/>
+              </a:ln>
+              <a:solidFill>
+                <a:srgbClr val="000000"/>
+              </a:solidFill>
+              <a:effectLst/>
+              <a:uFillTx/>
+              <a:latin typeface="+mn-lt"/>
+              <a:ea typeface="+mn-ea"/>
+              <a:cs typeface="+mn-cs"/>
+              <a:sym typeface="Gill Sans"/>
+            </a:endParaRPr>
+          </a:p>
+        </p:txBody>
+      </p:sp>
+      <p:sp>
+        <p:nvSpPr>
+          <p:cNvPr id="10" name="TextBox 9"/>
+          <p:cNvSpPr txBox="1"/>
+          <p:nvPr/>
+        </p:nvSpPr>
+        <p:spPr>
+          <a:xfrm>
+            <a:off x="6025434" y="5266531"/>
+            <a:ext cx="6611066" cy="4042132"/>
+          </a:xfrm>
+          <a:prstGeom prst="rect">
+            <a:avLst/>
+          </a:prstGeom>
+          <a:noFill/>
+          <a:ln w="12700" cap="flat">
+            <a:noFill/>
+            <a:miter lim="400000"/>
+          </a:ln>
+          <a:effectLst/>
+        </p:spPr>
+        <p:style>
+          <a:lnRef idx="0">
+            <a:scrgbClr r="0" g="0" b="0"/>
+          </a:lnRef>
+          <a:fillRef idx="0">
+            <a:scrgbClr r="0" g="0" b="0"/>
+          </a:fillRef>
+          <a:effectRef idx="0">
+            <a:scrgbClr r="0" g="0" b="0"/>
+          </a:effectRef>
+          <a:fontRef idx="none"/>
+        </p:style>
+        <p:txBody>
+          <a:bodyPr rot="0" spcFirstLastPara="1" vertOverflow="overflow" horzOverflow="overflow" vert="horz" wrap="square" lIns="50800" tIns="50800" rIns="50800" bIns="50800" numCol="1" spcCol="38100" rtlCol="0" anchor="ctr">
+            <a:spAutoFit/>
+          </a:bodyPr>
+          <a:lstStyle/>
+          <a:p>
+            <a:pPr marL="571500" marR="0" indent="-571500" algn="l" defTabSz="584200" rtl="0" fontAlgn="auto" latinLnBrk="1" hangingPunct="0">
+              <a:lnSpc>
+                <a:spcPct val="100000"/>
+              </a:lnSpc>
+              <a:spcBef>
+                <a:spcPts val="0"/>
+              </a:spcBef>
+              <a:spcAft>
+                <a:spcPts val="0"/>
+              </a:spcAft>
+              <a:buClrTx/>
+              <a:buSzTx/>
+              <a:buFont typeface="Arial" charset="0"/>
+              <a:buChar char="•"/>
+              <a:tabLst/>
+            </a:pPr>
+            <a:r>
+              <a:rPr kumimoji="0" lang="en-US" sz="3200" b="0" i="0" u="none" strike="noStrike" cap="none" spc="0" normalizeH="0" baseline="0" smtClean="0">
+                <a:ln>
+                  <a:noFill/>
+                </a:ln>
+                <a:solidFill>
+                  <a:srgbClr val="000000"/>
+                </a:solidFill>
+                <a:effectLst/>
+                <a:uFillTx/>
+                <a:latin typeface="+mn-lt"/>
+                <a:ea typeface="+mn-ea"/>
+                <a:cs typeface="+mn-cs"/>
+                <a:sym typeface="Gill Sans"/>
+              </a:rPr>
+              <a:t>Wedge formation; </a:t>
+            </a:r>
+            <a:r>
+              <a:rPr lang="en-US" sz="3200" smtClean="0">
+                <a:solidFill>
+                  <a:srgbClr val="000000"/>
+                </a:solidFill>
+              </a:rPr>
+              <a:t>o</a:t>
+            </a:r>
+            <a:r>
+              <a:rPr kumimoji="0" lang="en-US" sz="3200" b="0" i="0" u="none" strike="noStrike" cap="none" spc="0" normalizeH="0" baseline="0" smtClean="0">
+                <a:ln>
+                  <a:noFill/>
+                </a:ln>
+                <a:solidFill>
+                  <a:srgbClr val="000000"/>
+                </a:solidFill>
+                <a:effectLst/>
+                <a:uFillTx/>
+                <a:latin typeface="+mn-lt"/>
+                <a:ea typeface="+mn-ea"/>
+                <a:cs typeface="+mn-cs"/>
+                <a:sym typeface="Gill Sans"/>
+              </a:rPr>
+              <a:t>bstacles </a:t>
+            </a:r>
+            <a:r>
+              <a:rPr kumimoji="0" lang="en-US" sz="3200" b="0" i="0" u="none" strike="noStrike" cap="none" spc="0" normalizeH="0" baseline="0" dirty="0" smtClean="0">
+                <a:ln>
+                  <a:noFill/>
+                </a:ln>
+                <a:solidFill>
+                  <a:srgbClr val="000000"/>
+                </a:solidFill>
+                <a:effectLst/>
+                <a:uFillTx/>
+                <a:latin typeface="+mn-lt"/>
+                <a:ea typeface="+mn-ea"/>
+                <a:cs typeface="+mn-cs"/>
+                <a:sym typeface="Gill Sans"/>
+              </a:rPr>
+              <a:t>known</a:t>
+            </a:r>
+            <a:r>
+              <a:rPr kumimoji="0" lang="en-US" sz="3200" b="0" i="0" u="none" strike="noStrike" cap="none" spc="0" normalizeH="0" dirty="0" smtClean="0">
+                <a:ln>
+                  <a:noFill/>
+                </a:ln>
+                <a:solidFill>
+                  <a:srgbClr val="000000"/>
+                </a:solidFill>
+                <a:effectLst/>
+                <a:uFillTx/>
+                <a:latin typeface="+mn-lt"/>
+                <a:ea typeface="+mn-ea"/>
+                <a:cs typeface="+mn-cs"/>
+                <a:sym typeface="Gill Sans"/>
+              </a:rPr>
+              <a:t> through the supervisor</a:t>
+            </a:r>
+            <a:endParaRPr kumimoji="0" lang="en-US" sz="3200" b="0" i="0" u="none" strike="noStrike" cap="none" spc="0" normalizeH="0" baseline="0" dirty="0" smtClean="0">
+              <a:ln>
+                <a:noFill/>
+              </a:ln>
+              <a:solidFill>
+                <a:srgbClr val="000000"/>
+              </a:solidFill>
+              <a:effectLst/>
+              <a:uFillTx/>
+              <a:latin typeface="+mn-lt"/>
+              <a:ea typeface="+mn-ea"/>
+              <a:cs typeface="+mn-cs"/>
+              <a:sym typeface="Gill Sans"/>
+            </a:endParaRPr>
+          </a:p>
+          <a:p>
+            <a:pPr marL="571500" marR="0" indent="-571500" algn="l" defTabSz="584200" rtl="0" fontAlgn="auto" latinLnBrk="1" hangingPunct="0">
+              <a:lnSpc>
+                <a:spcPct val="100000"/>
+              </a:lnSpc>
+              <a:spcBef>
+                <a:spcPts val="0"/>
+              </a:spcBef>
+              <a:spcAft>
+                <a:spcPts val="0"/>
+              </a:spcAft>
+              <a:buClrTx/>
+              <a:buSzTx/>
+              <a:buFont typeface="Arial" charset="0"/>
+              <a:buChar char="•"/>
+              <a:tabLst/>
+            </a:pPr>
+            <a:r>
+              <a:rPr kumimoji="0" lang="en-US" sz="3200" b="0" i="0" u="none" strike="noStrike" cap="none" spc="0" normalizeH="0" baseline="0" dirty="0" smtClean="0">
+                <a:ln>
+                  <a:noFill/>
+                </a:ln>
+                <a:solidFill>
+                  <a:srgbClr val="000000"/>
+                </a:solidFill>
+                <a:effectLst/>
+                <a:uFillTx/>
+                <a:latin typeface="+mn-lt"/>
+                <a:ea typeface="+mn-ea"/>
+                <a:cs typeface="+mn-cs"/>
+                <a:sym typeface="Gill Sans"/>
+              </a:rPr>
+              <a:t>Better convergence:</a:t>
+            </a:r>
+            <a:r>
+              <a:rPr kumimoji="0" lang="en-US" sz="3200" b="0" i="0" u="none" strike="noStrike" cap="none" spc="0" normalizeH="0" dirty="0" smtClean="0">
+                <a:ln>
+                  <a:noFill/>
+                </a:ln>
+                <a:solidFill>
+                  <a:srgbClr val="000000"/>
+                </a:solidFill>
+                <a:effectLst/>
+                <a:uFillTx/>
+                <a:latin typeface="+mn-lt"/>
+                <a:ea typeface="+mn-ea"/>
+                <a:cs typeface="+mn-cs"/>
+                <a:sym typeface="Gill Sans"/>
+              </a:rPr>
+              <a:t> </a:t>
+            </a:r>
+            <a:r>
+              <a:rPr kumimoji="0" lang="en-US" sz="3200" b="0" i="0" u="none" strike="noStrike" cap="none" spc="0" normalizeH="0" baseline="0" dirty="0" smtClean="0">
+                <a:ln>
+                  <a:noFill/>
+                </a:ln>
+                <a:solidFill>
+                  <a:srgbClr val="000000"/>
+                </a:solidFill>
+                <a:effectLst/>
+                <a:uFillTx/>
+                <a:latin typeface="+mn-lt"/>
+                <a:ea typeface="+mn-ea"/>
+                <a:cs typeface="+mn-cs"/>
+                <a:sym typeface="Gill Sans"/>
+              </a:rPr>
+              <a:t>world with a  difficult configuration</a:t>
+            </a:r>
+          </a:p>
+          <a:p>
+            <a:pPr marL="571500" marR="0" indent="-571500" algn="l" defTabSz="584200" rtl="0" fontAlgn="auto" latinLnBrk="1" hangingPunct="0">
+              <a:lnSpc>
+                <a:spcPct val="100000"/>
+              </a:lnSpc>
+              <a:spcBef>
+                <a:spcPts val="0"/>
+              </a:spcBef>
+              <a:spcAft>
+                <a:spcPts val="0"/>
+              </a:spcAft>
+              <a:buClrTx/>
+              <a:buSzTx/>
+              <a:buFont typeface="Arial" charset="0"/>
+              <a:buChar char="•"/>
+              <a:tabLst/>
+            </a:pPr>
+            <a:r>
+              <a:rPr lang="en-US" sz="3200" dirty="0" smtClean="0">
+                <a:solidFill>
+                  <a:srgbClr val="000000"/>
+                </a:solidFill>
+              </a:rPr>
+              <a:t>More iterations and more particles would be needed in the other 2    worlds to perform a better analysis</a:t>
+            </a:r>
+            <a:endParaRPr kumimoji="0" lang="en-US" sz="3200" b="0" i="0" u="none" strike="noStrike" cap="none" spc="0" normalizeH="0" baseline="0" dirty="0" smtClean="0">
+              <a:ln>
+                <a:noFill/>
+              </a:ln>
+              <a:solidFill>
+                <a:srgbClr val="000000"/>
+              </a:solidFill>
+              <a:effectLst/>
+              <a:uFillTx/>
+              <a:latin typeface="+mn-lt"/>
+              <a:ea typeface="+mn-ea"/>
+              <a:cs typeface="+mn-cs"/>
+              <a:sym typeface="Gill Sans"/>
+            </a:endParaRPr>
+          </a:p>
+          <a:p>
+            <a:pPr marL="571500" marR="0" indent="-571500" algn="l" defTabSz="584200" rtl="0" fontAlgn="auto" latinLnBrk="1" hangingPunct="0">
+              <a:lnSpc>
+                <a:spcPct val="100000"/>
+              </a:lnSpc>
+              <a:spcBef>
+                <a:spcPts val="0"/>
+              </a:spcBef>
+              <a:spcAft>
+                <a:spcPts val="0"/>
+              </a:spcAft>
+              <a:buClrTx/>
+              <a:buSzTx/>
+              <a:buFont typeface="Arial" charset="0"/>
+              <a:buChar char="•"/>
+              <a:tabLst/>
+            </a:pPr>
+            <a:endParaRPr kumimoji="0" lang="en-US" sz="3200" b="0" i="0" u="none" strike="noStrike" cap="none" spc="0" normalizeH="0" baseline="0" dirty="0">
+              <a:ln>
+                <a:noFill/>
+              </a:ln>
+              <a:solidFill>
+                <a:srgbClr val="000000"/>
+              </a:solidFill>
+              <a:effectLst/>
+              <a:uFillTx/>
+              <a:latin typeface="+mn-lt"/>
+              <a:ea typeface="+mn-ea"/>
+              <a:cs typeface="+mn-cs"/>
+              <a:sym typeface="Gill Sans"/>
+            </a:endParaRPr>
           </a:p>
         </p:txBody>
       </p:sp>
@@ -4537,6 +5276,13 @@
     <a:masterClrMapping/>
   </p:clrMapOvr>
   <p:transition spd="med"/>
+  <p:timing>
+    <p:tnLst>
+      <p:par>
+        <p:cTn id="1" dur="indefinite" restart="never" nodeType="tmRoot"/>
+      </p:par>
+    </p:tnLst>
+  </p:timing>
 </p:sld>
 </file>
 
@@ -5008,8 +5754,8 @@
         </p:nvSpPr>
         <p:spPr>
           <a:xfrm>
-            <a:off x="355600" y="660400"/>
-            <a:ext cx="12280900" cy="749300"/>
+            <a:off x="355600" y="637506"/>
+            <a:ext cx="12280900" cy="795089"/>
           </a:xfrm>
           <a:prstGeom prst="rect">
             <a:avLst/>
@@ -5049,20 +5795,25 @@
               </a:defRPr>
             </a:pPr>
             <a:r>
-              <a:rPr sz="4500">
+              <a:rPr lang="en-US" sz="4500" dirty="0" smtClean="0">
                 <a:solidFill>
                   <a:srgbClr val="B51A00"/>
                 </a:solidFill>
               </a:rPr>
-              <a:t>Anatomia: cuore e sistema di conduzione</a:t>
-            </a:r>
+              <a:t>Results</a:t>
+            </a:r>
+            <a:endParaRPr sz="4500" dirty="0">
+              <a:solidFill>
+                <a:srgbClr val="B51A00"/>
+              </a:solidFill>
+            </a:endParaRPr>
           </a:p>
         </p:txBody>
       </p:sp>
     </p:spTree>
     <p:extLst>
       <p:ext uri="{BB962C8B-B14F-4D97-AF65-F5344CB8AC3E}">
-        <p14:creationId xmlns:p14="http://schemas.microsoft.com/office/powerpoint/2010/main" val="1550809644"/>
+        <p14:creationId xmlns:p14="http://schemas.microsoft.com/office/powerpoint/2010/main" val="513044632"/>
       </p:ext>
     </p:extLst>
   </p:cSld>
@@ -5070,6 +5821,13 @@
     <a:masterClrMapping/>
   </p:clrMapOvr>
   <p:transition spd="med"/>
+  <p:timing>
+    <p:tnLst>
+      <p:par>
+        <p:cTn id="1" dur="indefinite" restart="never" nodeType="tmRoot"/>
+      </p:par>
+    </p:tnLst>
+  </p:timing>
 </p:sld>
 </file>
 
@@ -5541,8 +6299,8 @@
         </p:nvSpPr>
         <p:spPr>
           <a:xfrm>
-            <a:off x="355600" y="660400"/>
-            <a:ext cx="12280900" cy="749300"/>
+            <a:off x="355600" y="637506"/>
+            <a:ext cx="12280900" cy="795089"/>
           </a:xfrm>
           <a:prstGeom prst="rect">
             <a:avLst/>
@@ -5582,20 +6340,25 @@
               </a:defRPr>
             </a:pPr>
             <a:r>
-              <a:rPr sz="4500">
+              <a:rPr lang="en-US" sz="4500" dirty="0" smtClean="0">
                 <a:solidFill>
                   <a:srgbClr val="B51A00"/>
                 </a:solidFill>
               </a:rPr>
-              <a:t>Anatomia: cuore e sistema di conduzione</a:t>
-            </a:r>
+              <a:t>Results</a:t>
+            </a:r>
+            <a:endParaRPr sz="4500" dirty="0">
+              <a:solidFill>
+                <a:srgbClr val="B51A00"/>
+              </a:solidFill>
+            </a:endParaRPr>
           </a:p>
         </p:txBody>
       </p:sp>
     </p:spTree>
     <p:extLst>
       <p:ext uri="{BB962C8B-B14F-4D97-AF65-F5344CB8AC3E}">
-        <p14:creationId xmlns:p14="http://schemas.microsoft.com/office/powerpoint/2010/main" val="865116066"/>
+        <p14:creationId xmlns:p14="http://schemas.microsoft.com/office/powerpoint/2010/main" val="594287319"/>
       </p:ext>
     </p:extLst>
   </p:cSld>
@@ -5625,14 +6388,14 @@
       </p:grpSpPr>
       <p:sp>
         <p:nvSpPr>
-          <p:cNvPr id="57" name="Shape 57"/>
+          <p:cNvPr id="42" name="Shape 42"/>
           <p:cNvSpPr/>
           <p:nvPr/>
         </p:nvSpPr>
         <p:spPr>
           <a:xfrm>
             <a:off x="0" y="0"/>
-            <a:ext cx="6159500" cy="546100"/>
+            <a:ext cx="6159500" cy="444500"/>
           </a:xfrm>
           <a:prstGeom prst="rect">
             <a:avLst/>
@@ -5668,20 +6431,20 @@
       </p:sp>
       <p:sp>
         <p:nvSpPr>
-          <p:cNvPr id="58" name="Shape 58"/>
+          <p:cNvPr id="43" name="Shape 43"/>
           <p:cNvSpPr/>
           <p:nvPr/>
         </p:nvSpPr>
         <p:spPr>
           <a:xfrm>
             <a:off x="6159500" y="0"/>
-            <a:ext cx="6845300" cy="546100"/>
+            <a:ext cx="6845300" cy="444500"/>
           </a:xfrm>
           <a:prstGeom prst="rect">
             <a:avLst/>
           </a:prstGeom>
           <a:solidFill>
-            <a:srgbClr val="C0C0C0"/>
+            <a:srgbClr val="D6D6D6"/>
           </a:solidFill>
           <a:ln w="12700">
             <a:miter lim="400000"/>
@@ -5711,20 +6474,20 @@
       </p:sp>
       <p:sp>
         <p:nvSpPr>
-          <p:cNvPr id="59" name="Shape 59"/>
+          <p:cNvPr id="44" name="Shape 44"/>
           <p:cNvSpPr/>
           <p:nvPr/>
         </p:nvSpPr>
         <p:spPr>
           <a:xfrm>
-            <a:off x="0" y="406400"/>
-            <a:ext cx="14147800" cy="1270000"/>
+            <a:off x="-1" y="9245600"/>
+            <a:ext cx="7494777" cy="520700"/>
           </a:xfrm>
           <a:prstGeom prst="rect">
             <a:avLst/>
           </a:prstGeom>
           <a:solidFill>
-            <a:srgbClr val="EBEBEB"/>
+            <a:srgbClr val="B51A00"/>
           </a:solidFill>
           <a:ln w="12700">
             <a:miter lim="400000"/>
@@ -5754,147 +6517,20 @@
       </p:sp>
       <p:sp>
         <p:nvSpPr>
-          <p:cNvPr id="60" name="Shape 60"/>
+          <p:cNvPr id="45" name="Shape 45"/>
           <p:cNvSpPr/>
           <p:nvPr/>
         </p:nvSpPr>
         <p:spPr>
           <a:xfrm>
-            <a:off x="355600" y="660589"/>
-            <a:ext cx="12280900" cy="748923"/>
-          </a:xfrm>
-          <a:prstGeom prst="rect">
-            <a:avLst/>
-          </a:prstGeom>
-          <a:ln w="12700">
-            <a:miter lim="400000"/>
-          </a:ln>
-          <a:extLst>
-            <a:ext uri="{C572A759-6A51-4108-AA02-DFA0A04FC94B}">
-              <ma14:wrappingTextBoxFlag xmlns:ma14="http://schemas.microsoft.com/office/mac/drawingml/2011/main" val="1"/>
-            </a:ext>
-          </a:extLst>
-        </p:spPr>
-        <p:txBody>
-          <a:bodyPr lIns="50800" tIns="50800" rIns="50800" bIns="50800" anchor="ctr">
-            <a:spAutoFit/>
-          </a:bodyPr>
-          <a:lstStyle>
-            <a:lvl1pPr algn="l">
-              <a:defRPr>
-                <a:solidFill>
-                  <a:srgbClr val="B51A00"/>
-                </a:solidFill>
-                <a:latin typeface="Arial"/>
-                <a:ea typeface="Arial"/>
-                <a:cs typeface="Arial"/>
-                <a:sym typeface="Arial"/>
-              </a:defRPr>
-            </a:lvl1pPr>
-          </a:lstStyle>
-          <a:p>
-            <a:pPr lvl="0">
-              <a:defRPr sz="1800">
-                <a:solidFill>
-                  <a:srgbClr val="000000"/>
-                </a:solidFill>
-              </a:defRPr>
-            </a:pPr>
-            <a:r>
-              <a:rPr sz="4200" dirty="0" smtClean="0">
-                <a:solidFill>
-                  <a:srgbClr val="B51A00"/>
-                </a:solidFill>
-              </a:rPr>
-              <a:t>Bibliogra</a:t>
-            </a:r>
-            <a:r>
-              <a:rPr lang="en-US" sz="4200" dirty="0" smtClean="0">
-                <a:solidFill>
-                  <a:srgbClr val="B51A00"/>
-                </a:solidFill>
-              </a:rPr>
-              <a:t>phy</a:t>
-            </a:r>
-            <a:endParaRPr sz="4200" dirty="0">
-              <a:solidFill>
-                <a:srgbClr val="B51A00"/>
-              </a:solidFill>
-            </a:endParaRPr>
-          </a:p>
-        </p:txBody>
-      </p:sp>
-      <p:sp>
-        <p:nvSpPr>
-          <p:cNvPr id="61" name="Shape 61"/>
-          <p:cNvSpPr/>
-          <p:nvPr/>
-        </p:nvSpPr>
-        <p:spPr>
-          <a:xfrm>
-            <a:off x="4780849" y="-12700"/>
-            <a:ext cx="1299047" cy="368300"/>
-          </a:xfrm>
-          <a:prstGeom prst="rect">
-            <a:avLst/>
-          </a:prstGeom>
-          <a:ln w="12700">
-            <a:miter lim="400000"/>
-          </a:ln>
-          <a:extLst>
-            <a:ext uri="{C572A759-6A51-4108-AA02-DFA0A04FC94B}">
-              <ma14:wrappingTextBoxFlag xmlns:ma14="http://schemas.microsoft.com/office/mac/drawingml/2011/main" val="1"/>
-            </a:ext>
-          </a:extLst>
-        </p:spPr>
-        <p:txBody>
-          <a:bodyPr wrap="none" lIns="50800" tIns="50800" rIns="50800" bIns="50800" anchor="ctr">
-            <a:spAutoFit/>
-          </a:bodyPr>
-          <a:lstStyle>
-            <a:lvl1pPr>
-              <a:defRPr sz="1800">
-                <a:solidFill>
-                  <a:srgbClr val="FFFFFF"/>
-                </a:solidFill>
-              </a:defRPr>
-            </a:lvl1pPr>
-          </a:lstStyle>
-          <a:p>
-            <a:pPr lvl="0">
-              <a:defRPr>
-                <a:solidFill>
-                  <a:srgbClr val="000000"/>
-                </a:solidFill>
-              </a:defRPr>
-            </a:pPr>
-            <a:r>
-              <a:rPr>
-                <a:solidFill>
-                  <a:srgbClr val="FFFFFF"/>
-                </a:solidFill>
-              </a:rPr>
-              <a:t>Introduzione</a:t>
-            </a:r>
-          </a:p>
-        </p:txBody>
-      </p:sp>
-      <p:sp>
-        <p:nvSpPr>
-          <p:cNvPr id="62" name="Shape 62"/>
-          <p:cNvSpPr/>
-          <p:nvPr/>
-        </p:nvSpPr>
-        <p:spPr>
-          <a:xfrm>
-            <a:off x="0" y="9245600"/>
-            <a:ext cx="4635500" cy="520700"/>
+            <a:off x="7218946" y="9245600"/>
+            <a:ext cx="5785853" cy="520700"/>
           </a:xfrm>
           <a:prstGeom prst="rect">
             <a:avLst/>
           </a:prstGeom>
           <a:solidFill>
-            <a:srgbClr val="B51A00"/>
+            <a:srgbClr val="D6D6D6"/>
           </a:solidFill>
           <a:ln w="12700">
             <a:miter lim="400000"/>
@@ -5924,57 +6560,14 @@
       </p:sp>
       <p:sp>
         <p:nvSpPr>
-          <p:cNvPr id="63" name="Shape 63"/>
+          <p:cNvPr id="46" name="Shape 46"/>
           <p:cNvSpPr/>
           <p:nvPr/>
         </p:nvSpPr>
         <p:spPr>
           <a:xfrm>
-            <a:off x="4635500" y="9245600"/>
-            <a:ext cx="8369300" cy="520700"/>
-          </a:xfrm>
-          <a:prstGeom prst="rect">
-            <a:avLst/>
-          </a:prstGeom>
-          <a:solidFill>
-            <a:srgbClr val="D6D6D6"/>
-          </a:solidFill>
-          <a:ln w="12700">
-            <a:miter lim="400000"/>
-          </a:ln>
-        </p:spPr>
-        <p:txBody>
-          <a:bodyPr lIns="0" tIns="0" rIns="0" bIns="0" anchor="ctr"/>
-          <a:lstStyle/>
-          <a:p>
-            <a:pPr lvl="0">
-              <a:defRPr sz="4000">
-                <a:solidFill>
-                  <a:srgbClr val="FFFFFF"/>
-                </a:solidFill>
-                <a:effectLst>
-                  <a:outerShdw blurRad="38100" dist="12700" dir="5400000" rotWithShape="0">
-                    <a:srgbClr val="000000">
-                      <a:alpha val="50000"/>
-                    </a:srgbClr>
-                  </a:outerShdw>
-                </a:effectLst>
-              </a:defRPr>
-            </a:pPr>
-            <a:endParaRPr/>
-          </a:p>
-        </p:txBody>
-      </p:sp>
-      <p:sp>
-        <p:nvSpPr>
-          <p:cNvPr id="64" name="Shape 64"/>
-          <p:cNvSpPr/>
-          <p:nvPr/>
-        </p:nvSpPr>
-        <p:spPr>
-          <a:xfrm>
-            <a:off x="2611533" y="9239250"/>
-            <a:ext cx="1827679" cy="431800"/>
+            <a:off x="881508" y="9245600"/>
+            <a:ext cx="6155531" cy="456535"/>
           </a:xfrm>
           <a:prstGeom prst="rect">
             <a:avLst/>
@@ -6010,26 +6603,87 @@
               </a:defRPr>
             </a:pPr>
             <a:r>
-              <a:rPr sz="2300">
-                <a:solidFill>
-                  <a:srgbClr val="FFFFFF"/>
-                </a:solidFill>
-              </a:rPr>
-              <a:t>Stefano Savarè</a:t>
-            </a:r>
-          </a:p>
-        </p:txBody>
-      </p:sp>
-      <p:sp>
-        <p:nvSpPr>
-          <p:cNvPr id="65" name="Shape 65"/>
+              <a:rPr lang="en-US" sz="2300" dirty="0" err="1" smtClean="0">
+                <a:solidFill>
+                  <a:srgbClr val="FFFFFF"/>
+                </a:solidFill>
+              </a:rPr>
+              <a:t>Ondine</a:t>
+            </a:r>
+            <a:r>
+              <a:rPr lang="en-US" sz="2300" dirty="0" smtClean="0">
+                <a:solidFill>
+                  <a:srgbClr val="FFFFFF"/>
+                </a:solidFill>
+              </a:rPr>
+              <a:t> </a:t>
+            </a:r>
+            <a:r>
+              <a:rPr lang="en-US" sz="2300" dirty="0" err="1" smtClean="0">
+                <a:solidFill>
+                  <a:srgbClr val="FFFFFF"/>
+                </a:solidFill>
+              </a:rPr>
+              <a:t>Chanon</a:t>
+            </a:r>
+            <a:r>
+              <a:rPr lang="en-US" sz="2300" dirty="0" smtClean="0">
+                <a:solidFill>
+                  <a:srgbClr val="FFFFFF"/>
+                </a:solidFill>
+              </a:rPr>
+              <a:t>, Nicolas </a:t>
+            </a:r>
+            <a:r>
+              <a:rPr lang="en-US" sz="2300" dirty="0" err="1" smtClean="0">
+                <a:solidFill>
+                  <a:srgbClr val="FFFFFF"/>
+                </a:solidFill>
+              </a:rPr>
+              <a:t>Hubacher</a:t>
+            </a:r>
+            <a:r>
+              <a:rPr lang="en-US" sz="2300" dirty="0" smtClean="0">
+                <a:solidFill>
+                  <a:srgbClr val="FFFFFF"/>
+                </a:solidFill>
+              </a:rPr>
+              <a:t>, Stefano </a:t>
+            </a:r>
+            <a:r>
+              <a:rPr lang="en-US" sz="2300" dirty="0" err="1" smtClean="0">
+                <a:solidFill>
+                  <a:srgbClr val="FFFFFF"/>
+                </a:solidFill>
+              </a:rPr>
+              <a:t>Savar</a:t>
+            </a:r>
+            <a:r>
+              <a:rPr lang="en-US" sz="2300" dirty="0" err="1" smtClean="0">
+                <a:solidFill>
+                  <a:srgbClr val="FFFFFF"/>
+                </a:solidFill>
+              </a:rPr>
+              <a:t>è</a:t>
+            </a:r>
+            <a:endParaRPr sz="2300" dirty="0">
+              <a:solidFill>
+                <a:srgbClr val="FFFFFF"/>
+              </a:solidFill>
+            </a:endParaRPr>
+          </a:p>
+        </p:txBody>
+      </p:sp>
+      <p:sp>
+        <p:nvSpPr>
+          <p:cNvPr id="47" name="Shape 47"/>
           <p:cNvSpPr/>
           <p:nvPr/>
         </p:nvSpPr>
         <p:spPr>
           <a:xfrm>
-            <a:off x="4821535" y="9239250"/>
-            <a:ext cx="2360675" cy="431800"/>
+            <a:off x="7494777" y="9254939"/>
+            <a:ext cx="2925481" cy="471924"/>
           </a:xfrm>
           <a:prstGeom prst="rect">
             <a:avLst/>
@@ -6057,22 +6711,31 @@
               <a:defRPr sz="1800"/>
             </a:pPr>
             <a:r>
-              <a:rPr sz="2300"/>
-              <a:t>30 settembre 2014</a:t>
-            </a:r>
-          </a:p>
-        </p:txBody>
-      </p:sp>
-      <p:sp>
-        <p:nvSpPr>
-          <p:cNvPr id="66" name="Shape 66"/>
+              <a:rPr lang="en-US" sz="2400" dirty="0" smtClean="0"/>
+              <a:t>December, 16th</a:t>
+            </a:r>
+            <a:r>
+              <a:rPr sz="2400" dirty="0" smtClean="0"/>
+              <a:t>  201</a:t>
+            </a:r>
+            <a:r>
+              <a:rPr lang="en-US" sz="2400" dirty="0" smtClean="0"/>
+              <a:t>5</a:t>
+            </a:r>
+            <a:endParaRPr sz="2400" dirty="0"/>
+          </a:p>
+        </p:txBody>
+      </p:sp>
+      <p:sp>
+        <p:nvSpPr>
+          <p:cNvPr id="54" name="Shape 54"/>
           <p:cNvSpPr/>
           <p:nvPr/>
         </p:nvSpPr>
         <p:spPr>
           <a:xfrm>
-            <a:off x="179675" y="5137150"/>
-            <a:ext cx="12039601" cy="1219200"/>
+            <a:off x="4214998" y="-82216"/>
+            <a:ext cx="1603003" cy="456535"/>
           </a:xfrm>
           <a:prstGeom prst="rect">
             <a:avLst/>
@@ -6087,67 +6750,1052 @@
           </a:extLst>
         </p:spPr>
         <p:txBody>
+          <a:bodyPr wrap="none" lIns="50800" tIns="50800" rIns="50800" bIns="50800" anchor="ctr">
+            <a:spAutoFit/>
+          </a:bodyPr>
+          <a:lstStyle>
+            <a:lvl1pPr>
+              <a:defRPr sz="2300">
+                <a:solidFill>
+                  <a:srgbClr val="FFFFFF"/>
+                </a:solidFill>
+              </a:defRPr>
+            </a:lvl1pPr>
+          </a:lstStyle>
+          <a:p>
+            <a:pPr lvl="0">
+              <a:defRPr sz="1800">
+                <a:solidFill>
+                  <a:srgbClr val="000000"/>
+                </a:solidFill>
+              </a:defRPr>
+            </a:pPr>
+            <a:r>
+              <a:rPr lang="en-US" sz="2300" dirty="0" smtClean="0">
+                <a:solidFill>
+                  <a:srgbClr val="FFFFFF"/>
+                </a:solidFill>
+              </a:rPr>
+              <a:t>Introduction</a:t>
+            </a:r>
+            <a:endParaRPr sz="2300" dirty="0">
+              <a:solidFill>
+                <a:srgbClr val="FFFFFF"/>
+              </a:solidFill>
+            </a:endParaRPr>
+          </a:p>
+        </p:txBody>
+      </p:sp>
+      <p:sp>
+        <p:nvSpPr>
+          <p:cNvPr id="16" name="Shape 74"/>
+          <p:cNvSpPr/>
+          <p:nvPr/>
+        </p:nvSpPr>
+        <p:spPr>
+          <a:xfrm>
+            <a:off x="0" y="406400"/>
+            <a:ext cx="14147800" cy="1270000"/>
+          </a:xfrm>
+          <a:prstGeom prst="rect">
+            <a:avLst/>
+          </a:prstGeom>
+          <a:solidFill>
+            <a:srgbClr val="EBEBEB"/>
+          </a:solidFill>
+          <a:ln w="12700">
+            <a:miter lim="400000"/>
+          </a:ln>
+        </p:spPr>
+        <p:txBody>
+          <a:bodyPr lIns="0" tIns="0" rIns="0" bIns="0" anchor="ctr"/>
+          <a:lstStyle/>
+          <a:p>
+            <a:pPr lvl="0">
+              <a:defRPr sz="4000">
+                <a:solidFill>
+                  <a:srgbClr val="FFFFFF"/>
+                </a:solidFill>
+                <a:effectLst>
+                  <a:outerShdw blurRad="38100" dist="12700" dir="5400000" rotWithShape="0">
+                    <a:srgbClr val="000000">
+                      <a:alpha val="50000"/>
+                    </a:srgbClr>
+                  </a:outerShdw>
+                </a:effectLst>
+              </a:defRPr>
+            </a:pPr>
+            <a:endParaRPr/>
+          </a:p>
+        </p:txBody>
+      </p:sp>
+      <p:sp>
+        <p:nvSpPr>
+          <p:cNvPr id="17" name="Shape 75"/>
+          <p:cNvSpPr/>
+          <p:nvPr/>
+        </p:nvSpPr>
+        <p:spPr>
+          <a:xfrm>
+            <a:off x="355600" y="637506"/>
+            <a:ext cx="12280900" cy="795089"/>
+          </a:xfrm>
+          <a:prstGeom prst="rect">
+            <a:avLst/>
+          </a:prstGeom>
+          <a:ln w="12700">
+            <a:miter lim="400000"/>
+          </a:ln>
+          <a:extLst>
+            <a:ext uri="{C572A759-6A51-4108-AA02-DFA0A04FC94B}">
+              <ma14:wrappingTextBoxFlag xmlns:ma14="http://schemas.microsoft.com/office/mac/drawingml/2011/main" val="1"/>
+            </a:ext>
+          </a:extLst>
+        </p:spPr>
+        <p:txBody>
           <a:bodyPr lIns="50800" tIns="50800" rIns="50800" bIns="50800" anchor="ctr">
             <a:spAutoFit/>
           </a:bodyPr>
+          <a:lstStyle>
+            <a:lvl1pPr algn="l">
+              <a:defRPr sz="4500">
+                <a:solidFill>
+                  <a:srgbClr val="B51A00"/>
+                </a:solidFill>
+                <a:latin typeface="Arial"/>
+                <a:ea typeface="Arial"/>
+                <a:cs typeface="Arial"/>
+                <a:sym typeface="Arial"/>
+              </a:defRPr>
+            </a:lvl1pPr>
+          </a:lstStyle>
+          <a:p>
+            <a:pPr lvl="0">
+              <a:defRPr sz="1800">
+                <a:solidFill>
+                  <a:srgbClr val="000000"/>
+                </a:solidFill>
+              </a:defRPr>
+            </a:pPr>
+            <a:r>
+              <a:rPr lang="en-US" sz="4500" dirty="0" smtClean="0">
+                <a:solidFill>
+                  <a:srgbClr val="B51A00"/>
+                </a:solidFill>
+              </a:rPr>
+              <a:t>Conclusions</a:t>
+            </a:r>
+            <a:endParaRPr sz="4500" dirty="0">
+              <a:solidFill>
+                <a:srgbClr val="B51A00"/>
+              </a:solidFill>
+            </a:endParaRPr>
+          </a:p>
+        </p:txBody>
+      </p:sp>
+      <p:sp>
+        <p:nvSpPr>
+          <p:cNvPr id="3" name="TextBox 2"/>
+          <p:cNvSpPr txBox="1"/>
+          <p:nvPr/>
+        </p:nvSpPr>
+        <p:spPr>
+          <a:xfrm>
+            <a:off x="508553" y="2292737"/>
+            <a:ext cx="11974993" cy="6011902"/>
+          </a:xfrm>
+          <a:prstGeom prst="rect">
+            <a:avLst/>
+          </a:prstGeom>
+          <a:noFill/>
+          <a:ln w="12700" cap="flat">
+            <a:noFill/>
+            <a:miter lim="400000"/>
+          </a:ln>
+          <a:effectLst/>
+        </p:spPr>
+        <p:style>
+          <a:lnRef idx="0">
+            <a:scrgbClr r="0" g="0" b="0"/>
+          </a:lnRef>
+          <a:fillRef idx="0">
+            <a:scrgbClr r="0" g="0" b="0"/>
+          </a:fillRef>
+          <a:effectRef idx="0">
+            <a:scrgbClr r="0" g="0" b="0"/>
+          </a:effectRef>
+          <a:fontRef idx="none"/>
+        </p:style>
+        <p:txBody>
+          <a:bodyPr rot="0" spcFirstLastPara="1" vertOverflow="overflow" horzOverflow="overflow" vert="horz" wrap="square" lIns="50800" tIns="50800" rIns="50800" bIns="50800" numCol="1" spcCol="38100" rtlCol="0" anchor="ctr">
+            <a:spAutoFit/>
+          </a:bodyPr>
           <a:lstStyle/>
           <a:p>
-            <a:pPr marL="237066" lvl="0" indent="-237066" algn="just">
+            <a:pPr marL="571500" marR="0" indent="-571500" algn="l" defTabSz="584200" rtl="0" fontAlgn="auto" latinLnBrk="1" hangingPunct="0">
               <a:lnSpc>
-                <a:spcPct val="80000"/>
+                <a:spcPct val="100000"/>
               </a:lnSpc>
-              <a:buSzPct val="100000"/>
-              <a:buBlip>
-                <a:blip r:embed="rId2"/>
-              </a:buBlip>
+              <a:spcBef>
+                <a:spcPts val="0"/>
+              </a:spcBef>
+              <a:spcAft>
+                <a:spcPts val="0"/>
+              </a:spcAft>
+              <a:buClrTx/>
+              <a:buSzTx/>
+              <a:buFont typeface="Arial" charset="0"/>
+              <a:buChar char="•"/>
+              <a:tabLst/>
+            </a:pPr>
+            <a:r>
+              <a:rPr kumimoji="0" lang="en-US" sz="3200" b="0" i="0" u="none" strike="noStrike" cap="none" spc="0" normalizeH="0" baseline="0" dirty="0" smtClean="0">
+                <a:ln>
+                  <a:noFill/>
+                </a:ln>
+                <a:solidFill>
+                  <a:srgbClr val="000000"/>
+                </a:solidFill>
+                <a:effectLst/>
+                <a:uFillTx/>
+                <a:sym typeface="Gill Sans"/>
+              </a:rPr>
+              <a:t>Hand tuned parameter</a:t>
+            </a:r>
+            <a:r>
+              <a:rPr lang="en-US" sz="3200" dirty="0" smtClean="0">
+                <a:solidFill>
+                  <a:srgbClr val="000000"/>
+                </a:solidFill>
+              </a:rPr>
+              <a:t>s already provide a good controller</a:t>
+            </a:r>
+          </a:p>
+          <a:p>
+            <a:pPr marL="571500" marR="0" indent="-571500" algn="l" defTabSz="584200" rtl="0" fontAlgn="auto" latinLnBrk="1" hangingPunct="0">
+              <a:lnSpc>
+                <a:spcPct val="100000"/>
+              </a:lnSpc>
+              <a:spcBef>
+                <a:spcPts val="0"/>
+              </a:spcBef>
+              <a:spcAft>
+                <a:spcPts val="0"/>
+              </a:spcAft>
+              <a:buClrTx/>
+              <a:buSzTx/>
+              <a:buFont typeface="Arial" charset="0"/>
+              <a:buChar char="•"/>
+              <a:tabLst/>
+            </a:pPr>
+            <a:r>
+              <a:rPr kumimoji="0" lang="en-US" sz="3200" b="0" i="0" u="none" strike="noStrike" cap="none" spc="0" normalizeH="0" baseline="0" dirty="0" smtClean="0">
+                <a:ln>
+                  <a:noFill/>
+                </a:ln>
+                <a:solidFill>
+                  <a:srgbClr val="000000"/>
+                </a:solidFill>
+                <a:effectLst/>
+                <a:uFillTx/>
+                <a:sym typeface="Gill Sans"/>
+              </a:rPr>
+              <a:t>PSO – OCBA is</a:t>
+            </a:r>
+            <a:r>
+              <a:rPr kumimoji="0" lang="en-US" sz="3200" b="0" i="0" u="none" strike="noStrike" cap="none" spc="0" normalizeH="0" dirty="0" smtClean="0">
+                <a:ln>
+                  <a:noFill/>
+                </a:ln>
+                <a:solidFill>
+                  <a:srgbClr val="000000"/>
+                </a:solidFill>
+                <a:effectLst/>
+                <a:uFillTx/>
+                <a:sym typeface="Gill Sans"/>
+              </a:rPr>
+              <a:t> a powerful tool: better results but higher               simulation time</a:t>
+            </a:r>
+          </a:p>
+          <a:p>
+            <a:pPr marL="571500" marR="0" indent="-571500" algn="l" defTabSz="584200" rtl="0" fontAlgn="auto" latinLnBrk="1" hangingPunct="0">
+              <a:lnSpc>
+                <a:spcPct val="100000"/>
+              </a:lnSpc>
+              <a:spcBef>
+                <a:spcPts val="0"/>
+              </a:spcBef>
+              <a:spcAft>
+                <a:spcPts val="0"/>
+              </a:spcAft>
+              <a:buClrTx/>
+              <a:buSzTx/>
+              <a:buFont typeface="Arial" charset="0"/>
+              <a:buChar char="•"/>
+              <a:tabLst/>
+            </a:pPr>
+            <a:r>
+              <a:rPr lang="en-US" sz="3200" dirty="0" smtClean="0">
+                <a:solidFill>
+                  <a:srgbClr val="000000"/>
+                </a:solidFill>
+              </a:rPr>
+              <a:t>Unit-centered formation control is more robust to different              formations than the leader referenced formation control</a:t>
+            </a:r>
+          </a:p>
+          <a:p>
+            <a:pPr marL="571500" marR="0" indent="-571500" algn="l" defTabSz="584200" rtl="0" fontAlgn="auto" latinLnBrk="1" hangingPunct="0">
+              <a:lnSpc>
+                <a:spcPct val="100000"/>
+              </a:lnSpc>
+              <a:spcBef>
+                <a:spcPts val="0"/>
+              </a:spcBef>
+              <a:spcAft>
+                <a:spcPts val="0"/>
+              </a:spcAft>
+              <a:buClrTx/>
+              <a:buSzTx/>
+              <a:buFont typeface="Arial" charset="0"/>
+              <a:buChar char="•"/>
+              <a:tabLst/>
+            </a:pPr>
+            <a:r>
+              <a:rPr kumimoji="0" lang="en-US" sz="3200" b="0" i="0" u="none" strike="noStrike" cap="none" spc="0" normalizeH="0" dirty="0" smtClean="0">
+                <a:ln>
+                  <a:noFill/>
+                </a:ln>
+                <a:solidFill>
+                  <a:srgbClr val="000000"/>
+                </a:solidFill>
+                <a:effectLst/>
+                <a:uFillTx/>
+                <a:sym typeface="Gill Sans"/>
+              </a:rPr>
+              <a:t>Formation does not have a big influence on PSO, but worlds do.</a:t>
+            </a:r>
+          </a:p>
+          <a:p>
+            <a:pPr marL="571500" marR="0" indent="-571500" algn="l" defTabSz="584200" rtl="0" fontAlgn="auto" latinLnBrk="1" hangingPunct="0">
+              <a:lnSpc>
+                <a:spcPct val="100000"/>
+              </a:lnSpc>
+              <a:spcBef>
+                <a:spcPts val="0"/>
+              </a:spcBef>
+              <a:spcAft>
+                <a:spcPts val="0"/>
+              </a:spcAft>
+              <a:buClrTx/>
+              <a:buSzTx/>
+              <a:buFont typeface="Arial" charset="0"/>
+              <a:buChar char="•"/>
+              <a:tabLst/>
+            </a:pPr>
+            <a:r>
+              <a:rPr lang="en-US" sz="3200" dirty="0" smtClean="0">
+                <a:solidFill>
+                  <a:srgbClr val="000000"/>
+                </a:solidFill>
+              </a:rPr>
+              <a:t>Noisy measures lead to suboptimal results: sensor measures and     local communications </a:t>
+            </a:r>
+            <a:endParaRPr kumimoji="0" lang="en-US" sz="3200" b="0" i="0" u="none" strike="noStrike" cap="none" spc="0" normalizeH="0" dirty="0" smtClean="0">
+              <a:ln>
+                <a:noFill/>
+              </a:ln>
+              <a:solidFill>
+                <a:srgbClr val="000000"/>
+              </a:solidFill>
+              <a:effectLst/>
+              <a:uFillTx/>
+              <a:sym typeface="Gill Sans"/>
+            </a:endParaRPr>
+          </a:p>
+          <a:p>
+            <a:pPr marL="571500" marR="0" indent="-571500" algn="l" defTabSz="584200" rtl="0" fontAlgn="auto" latinLnBrk="1" hangingPunct="0">
+              <a:lnSpc>
+                <a:spcPct val="100000"/>
+              </a:lnSpc>
+              <a:spcBef>
+                <a:spcPts val="0"/>
+              </a:spcBef>
+              <a:spcAft>
+                <a:spcPts val="0"/>
+              </a:spcAft>
+              <a:buClrTx/>
+              <a:buSzTx/>
+              <a:buFont typeface="Arial" charset="0"/>
+              <a:buChar char="•"/>
+              <a:tabLst/>
+            </a:pPr>
+            <a:r>
+              <a:rPr lang="en-US" sz="3200" dirty="0" smtClean="0">
+                <a:solidFill>
+                  <a:srgbClr val="000000"/>
+                </a:solidFill>
+              </a:rPr>
+              <a:t>Further work:</a:t>
+            </a:r>
+          </a:p>
+          <a:p>
+            <a:pPr marR="0" algn="l" defTabSz="584200" rtl="0" fontAlgn="auto" latinLnBrk="1" hangingPunct="0">
+              <a:lnSpc>
+                <a:spcPct val="100000"/>
+              </a:lnSpc>
+              <a:spcBef>
+                <a:spcPts val="0"/>
+              </a:spcBef>
+              <a:spcAft>
+                <a:spcPts val="0"/>
+              </a:spcAft>
+              <a:buClrTx/>
+              <a:buSzTx/>
+              <a:tabLst/>
+            </a:pPr>
+            <a:r>
+              <a:rPr lang="en-US" sz="3200" dirty="0" smtClean="0">
+                <a:solidFill>
+                  <a:srgbClr val="000000"/>
+                </a:solidFill>
+              </a:rPr>
+              <a:t>	- </a:t>
+            </a:r>
+            <a:r>
+              <a:rPr lang="en-US" sz="3200" dirty="0" err="1" smtClean="0">
+                <a:solidFill>
+                  <a:srgbClr val="000000"/>
+                </a:solidFill>
+              </a:rPr>
+              <a:t>odometry</a:t>
+            </a:r>
+            <a:r>
+              <a:rPr lang="en-US" sz="3200" dirty="0" smtClean="0">
+                <a:solidFill>
+                  <a:srgbClr val="000000"/>
+                </a:solidFill>
+              </a:rPr>
+              <a:t> based positioning</a:t>
+            </a:r>
+          </a:p>
+          <a:p>
+            <a:pPr marR="0" algn="l" defTabSz="584200" rtl="0" fontAlgn="auto" latinLnBrk="1" hangingPunct="0">
+              <a:lnSpc>
+                <a:spcPct val="100000"/>
+              </a:lnSpc>
+              <a:spcBef>
+                <a:spcPts val="0"/>
+              </a:spcBef>
+              <a:spcAft>
+                <a:spcPts val="0"/>
+              </a:spcAft>
+              <a:buClrTx/>
+              <a:buSzTx/>
+              <a:tabLst/>
+            </a:pPr>
+            <a:r>
+              <a:rPr lang="en-US" sz="3200" dirty="0">
+                <a:solidFill>
+                  <a:srgbClr val="000000"/>
+                </a:solidFill>
+              </a:rPr>
+              <a:t>	</a:t>
+            </a:r>
+            <a:r>
+              <a:rPr lang="en-US" sz="3200" dirty="0" smtClean="0">
+                <a:solidFill>
+                  <a:srgbClr val="000000"/>
+                </a:solidFill>
+              </a:rPr>
+              <a:t>- computation of fitness metrics in the robot’s controllers</a:t>
+            </a:r>
+          </a:p>
+          <a:p>
+            <a:pPr marR="0" algn="l" defTabSz="584200" rtl="0" fontAlgn="auto" latinLnBrk="1" hangingPunct="0">
+              <a:lnSpc>
+                <a:spcPct val="100000"/>
+              </a:lnSpc>
+              <a:spcBef>
+                <a:spcPts val="0"/>
+              </a:spcBef>
+              <a:spcAft>
+                <a:spcPts val="0"/>
+              </a:spcAft>
+              <a:buClrTx/>
+              <a:buSzTx/>
+              <a:tabLst/>
+            </a:pPr>
+            <a:r>
+              <a:rPr lang="en-US" sz="3200" dirty="0">
+                <a:solidFill>
+                  <a:srgbClr val="000000"/>
+                </a:solidFill>
+              </a:rPr>
+              <a:t>	</a:t>
+            </a:r>
+            <a:r>
+              <a:rPr lang="en-US" sz="3200" dirty="0" smtClean="0">
+                <a:solidFill>
+                  <a:srgbClr val="000000"/>
+                </a:solidFill>
+              </a:rPr>
+              <a:t>- combine PSO worlds</a:t>
+            </a:r>
+            <a:endParaRPr lang="en-US" sz="3200" dirty="0">
+              <a:solidFill>
+                <a:srgbClr val="000000"/>
+              </a:solidFill>
+            </a:endParaRPr>
+          </a:p>
+        </p:txBody>
+      </p:sp>
+    </p:spTree>
+    <p:extLst>
+      <p:ext uri="{BB962C8B-B14F-4D97-AF65-F5344CB8AC3E}">
+        <p14:creationId xmlns:p14="http://schemas.microsoft.com/office/powerpoint/2010/main" val="240528236"/>
+      </p:ext>
+    </p:extLst>
+  </p:cSld>
+  <p:clrMapOvr>
+    <a:masterClrMapping/>
+  </p:clrMapOvr>
+  <p:transition spd="med"/>
+</p:sld>
+</file>
+
+<file path=ppt/slides/slide15.xml><?xml version="1.0" encoding="utf-8"?>
+<p:sld xmlns:a="http://schemas.openxmlformats.org/drawingml/2006/main" xmlns:r="http://schemas.openxmlformats.org/officeDocument/2006/relationships" xmlns:p="http://schemas.openxmlformats.org/presentationml/2006/main">
+  <p:cSld>
+    <p:spTree>
+      <p:nvGrpSpPr>
+        <p:cNvPr id="1" name=""/>
+        <p:cNvGrpSpPr/>
+        <p:nvPr/>
+      </p:nvGrpSpPr>
+      <p:grpSpPr>
+        <a:xfrm>
+          <a:off x="0" y="0"/>
+          <a:ext cx="0" cy="0"/>
+          <a:chOff x="0" y="0"/>
+          <a:chExt cx="0" cy="0"/>
+        </a:xfrm>
+      </p:grpSpPr>
+      <p:sp>
+        <p:nvSpPr>
+          <p:cNvPr id="42" name="Shape 42"/>
+          <p:cNvSpPr/>
+          <p:nvPr/>
+        </p:nvSpPr>
+        <p:spPr>
+          <a:xfrm>
+            <a:off x="0" y="0"/>
+            <a:ext cx="6159500" cy="444500"/>
+          </a:xfrm>
+          <a:prstGeom prst="rect">
+            <a:avLst/>
+          </a:prstGeom>
+          <a:solidFill>
+            <a:srgbClr val="B51A00"/>
+          </a:solidFill>
+          <a:ln w="12700">
+            <a:miter lim="400000"/>
+          </a:ln>
+        </p:spPr>
+        <p:txBody>
+          <a:bodyPr lIns="0" tIns="0" rIns="0" bIns="0" anchor="ctr"/>
+          <a:lstStyle/>
+          <a:p>
+            <a:pPr lvl="0">
+              <a:defRPr sz="4000">
+                <a:solidFill>
+                  <a:srgbClr val="FFFFFF"/>
+                </a:solidFill>
+                <a:effectLst>
+                  <a:outerShdw blurRad="38100" dist="12700" dir="5400000" rotWithShape="0">
+                    <a:srgbClr val="000000">
+                      <a:alpha val="50000"/>
+                    </a:srgbClr>
+                  </a:outerShdw>
+                </a:effectLst>
+              </a:defRPr>
+            </a:pPr>
+            <a:endParaRPr/>
+          </a:p>
+        </p:txBody>
+      </p:sp>
+      <p:sp>
+        <p:nvSpPr>
+          <p:cNvPr id="43" name="Shape 43"/>
+          <p:cNvSpPr/>
+          <p:nvPr/>
+        </p:nvSpPr>
+        <p:spPr>
+          <a:xfrm>
+            <a:off x="6159500" y="0"/>
+            <a:ext cx="6845300" cy="444500"/>
+          </a:xfrm>
+          <a:prstGeom prst="rect">
+            <a:avLst/>
+          </a:prstGeom>
+          <a:solidFill>
+            <a:srgbClr val="D6D6D6"/>
+          </a:solidFill>
+          <a:ln w="12700">
+            <a:miter lim="400000"/>
+          </a:ln>
+        </p:spPr>
+        <p:txBody>
+          <a:bodyPr lIns="0" tIns="0" rIns="0" bIns="0" anchor="ctr"/>
+          <a:lstStyle/>
+          <a:p>
+            <a:pPr lvl="0">
+              <a:defRPr sz="4000">
+                <a:solidFill>
+                  <a:srgbClr val="FFFFFF"/>
+                </a:solidFill>
+                <a:effectLst>
+                  <a:outerShdw blurRad="38100" dist="12700" dir="5400000" rotWithShape="0">
+                    <a:srgbClr val="000000">
+                      <a:alpha val="50000"/>
+                    </a:srgbClr>
+                  </a:outerShdw>
+                </a:effectLst>
+              </a:defRPr>
+            </a:pPr>
+            <a:endParaRPr/>
+          </a:p>
+        </p:txBody>
+      </p:sp>
+      <p:sp>
+        <p:nvSpPr>
+          <p:cNvPr id="44" name="Shape 44"/>
+          <p:cNvSpPr/>
+          <p:nvPr/>
+        </p:nvSpPr>
+        <p:spPr>
+          <a:xfrm>
+            <a:off x="-1" y="9245600"/>
+            <a:ext cx="7494777" cy="520700"/>
+          </a:xfrm>
+          <a:prstGeom prst="rect">
+            <a:avLst/>
+          </a:prstGeom>
+          <a:solidFill>
+            <a:srgbClr val="B51A00"/>
+          </a:solidFill>
+          <a:ln w="12700">
+            <a:miter lim="400000"/>
+          </a:ln>
+        </p:spPr>
+        <p:txBody>
+          <a:bodyPr lIns="0" tIns="0" rIns="0" bIns="0" anchor="ctr"/>
+          <a:lstStyle/>
+          <a:p>
+            <a:pPr lvl="0">
+              <a:defRPr sz="4000">
+                <a:solidFill>
+                  <a:srgbClr val="FFFFFF"/>
+                </a:solidFill>
+                <a:effectLst>
+                  <a:outerShdw blurRad="38100" dist="12700" dir="5400000" rotWithShape="0">
+                    <a:srgbClr val="000000">
+                      <a:alpha val="50000"/>
+                    </a:srgbClr>
+                  </a:outerShdw>
+                </a:effectLst>
+              </a:defRPr>
+            </a:pPr>
+            <a:endParaRPr/>
+          </a:p>
+        </p:txBody>
+      </p:sp>
+      <p:sp>
+        <p:nvSpPr>
+          <p:cNvPr id="45" name="Shape 45"/>
+          <p:cNvSpPr/>
+          <p:nvPr/>
+        </p:nvSpPr>
+        <p:spPr>
+          <a:xfrm>
+            <a:off x="7218946" y="9245600"/>
+            <a:ext cx="5785853" cy="520700"/>
+          </a:xfrm>
+          <a:prstGeom prst="rect">
+            <a:avLst/>
+          </a:prstGeom>
+          <a:solidFill>
+            <a:srgbClr val="D6D6D6"/>
+          </a:solidFill>
+          <a:ln w="12700">
+            <a:miter lim="400000"/>
+          </a:ln>
+        </p:spPr>
+        <p:txBody>
+          <a:bodyPr lIns="0" tIns="0" rIns="0" bIns="0" anchor="ctr"/>
+          <a:lstStyle/>
+          <a:p>
+            <a:pPr lvl="0">
+              <a:defRPr sz="4000">
+                <a:solidFill>
+                  <a:srgbClr val="FFFFFF"/>
+                </a:solidFill>
+                <a:effectLst>
+                  <a:outerShdw blurRad="38100" dist="12700" dir="5400000" rotWithShape="0">
+                    <a:srgbClr val="000000">
+                      <a:alpha val="50000"/>
+                    </a:srgbClr>
+                  </a:outerShdw>
+                </a:effectLst>
+              </a:defRPr>
+            </a:pPr>
+            <a:endParaRPr/>
+          </a:p>
+        </p:txBody>
+      </p:sp>
+      <p:sp>
+        <p:nvSpPr>
+          <p:cNvPr id="46" name="Shape 46"/>
+          <p:cNvSpPr/>
+          <p:nvPr/>
+        </p:nvSpPr>
+        <p:spPr>
+          <a:xfrm>
+            <a:off x="881508" y="9245600"/>
+            <a:ext cx="6155531" cy="456535"/>
+          </a:xfrm>
+          <a:prstGeom prst="rect">
+            <a:avLst/>
+          </a:prstGeom>
+          <a:ln w="12700">
+            <a:miter lim="400000"/>
+          </a:ln>
+          <a:extLst>
+            <a:ext uri="{C572A759-6A51-4108-AA02-DFA0A04FC94B}">
+              <ma14:wrappingTextBoxFlag xmlns:ma14="http://schemas.microsoft.com/office/mac/drawingml/2011/main" val="1"/>
+            </a:ext>
+          </a:extLst>
+        </p:spPr>
+        <p:txBody>
+          <a:bodyPr wrap="none" lIns="50800" tIns="50800" rIns="50800" bIns="50800" anchor="ctr">
+            <a:spAutoFit/>
+          </a:bodyPr>
+          <a:lstStyle>
+            <a:lvl1pPr>
+              <a:defRPr sz="2300">
+                <a:solidFill>
+                  <a:srgbClr val="FFFFFF"/>
+                </a:solidFill>
+              </a:defRPr>
+            </a:lvl1pPr>
+          </a:lstStyle>
+          <a:p>
+            <a:pPr lvl="0">
+              <a:defRPr sz="1800">
+                <a:solidFill>
+                  <a:srgbClr val="000000"/>
+                </a:solidFill>
+              </a:defRPr>
+            </a:pPr>
+            <a:r>
+              <a:rPr lang="en-US" sz="2300" dirty="0" err="1" smtClean="0">
+                <a:solidFill>
+                  <a:srgbClr val="FFFFFF"/>
+                </a:solidFill>
+              </a:rPr>
+              <a:t>Ondine</a:t>
+            </a:r>
+            <a:r>
+              <a:rPr lang="en-US" sz="2300" dirty="0" smtClean="0">
+                <a:solidFill>
+                  <a:srgbClr val="FFFFFF"/>
+                </a:solidFill>
+              </a:rPr>
+              <a:t> </a:t>
+            </a:r>
+            <a:r>
+              <a:rPr lang="en-US" sz="2300" dirty="0" err="1" smtClean="0">
+                <a:solidFill>
+                  <a:srgbClr val="FFFFFF"/>
+                </a:solidFill>
+              </a:rPr>
+              <a:t>Chanon</a:t>
+            </a:r>
+            <a:r>
+              <a:rPr lang="en-US" sz="2300" dirty="0" smtClean="0">
+                <a:solidFill>
+                  <a:srgbClr val="FFFFFF"/>
+                </a:solidFill>
+              </a:rPr>
+              <a:t>, Nicolas </a:t>
+            </a:r>
+            <a:r>
+              <a:rPr lang="en-US" sz="2300" dirty="0" err="1" smtClean="0">
+                <a:solidFill>
+                  <a:srgbClr val="FFFFFF"/>
+                </a:solidFill>
+              </a:rPr>
+              <a:t>Hubacher</a:t>
+            </a:r>
+            <a:r>
+              <a:rPr lang="en-US" sz="2300" dirty="0" smtClean="0">
+                <a:solidFill>
+                  <a:srgbClr val="FFFFFF"/>
+                </a:solidFill>
+              </a:rPr>
+              <a:t>, Stefano </a:t>
+            </a:r>
+            <a:r>
+              <a:rPr lang="en-US" sz="2300" dirty="0" err="1" smtClean="0">
+                <a:solidFill>
+                  <a:srgbClr val="FFFFFF"/>
+                </a:solidFill>
+              </a:rPr>
+              <a:t>Savar</a:t>
+            </a:r>
+            <a:r>
+              <a:rPr lang="en-US" sz="2300" dirty="0" err="1" smtClean="0">
+                <a:solidFill>
+                  <a:srgbClr val="FFFFFF"/>
+                </a:solidFill>
+              </a:rPr>
+              <a:t>è</a:t>
+            </a:r>
+            <a:endParaRPr sz="2300" dirty="0">
+              <a:solidFill>
+                <a:srgbClr val="FFFFFF"/>
+              </a:solidFill>
+            </a:endParaRPr>
+          </a:p>
+        </p:txBody>
+      </p:sp>
+      <p:sp>
+        <p:nvSpPr>
+          <p:cNvPr id="47" name="Shape 47"/>
+          <p:cNvSpPr/>
+          <p:nvPr/>
+        </p:nvSpPr>
+        <p:spPr>
+          <a:xfrm>
+            <a:off x="7494777" y="9254939"/>
+            <a:ext cx="2925481" cy="471924"/>
+          </a:xfrm>
+          <a:prstGeom prst="rect">
+            <a:avLst/>
+          </a:prstGeom>
+          <a:ln w="12700">
+            <a:miter lim="400000"/>
+          </a:ln>
+          <a:extLst>
+            <a:ext uri="{C572A759-6A51-4108-AA02-DFA0A04FC94B}">
+              <ma14:wrappingTextBoxFlag xmlns:ma14="http://schemas.microsoft.com/office/mac/drawingml/2011/main" val="1"/>
+            </a:ext>
+          </a:extLst>
+        </p:spPr>
+        <p:txBody>
+          <a:bodyPr wrap="none" lIns="50800" tIns="50800" rIns="50800" bIns="50800" anchor="ctr">
+            <a:spAutoFit/>
+          </a:bodyPr>
+          <a:lstStyle>
+            <a:lvl1pPr>
+              <a:defRPr sz="2300"/>
+            </a:lvl1pPr>
+          </a:lstStyle>
+          <a:p>
+            <a:pPr lvl="0">
               <a:defRPr sz="1800"/>
             </a:pPr>
             <a:r>
-              <a:rPr sz="2400"/>
-              <a:t> </a:t>
-            </a:r>
-            <a:r>
-              <a:rPr sz="2400">
+              <a:rPr lang="en-US" sz="2400" dirty="0" smtClean="0"/>
+              <a:t>December, 16th</a:t>
+            </a:r>
+            <a:r>
+              <a:rPr sz="2400" dirty="0" smtClean="0"/>
+              <a:t>  201</a:t>
+            </a:r>
+            <a:r>
+              <a:rPr lang="en-US" sz="2400" dirty="0" smtClean="0"/>
+              <a:t>5</a:t>
+            </a:r>
+            <a:endParaRPr sz="2400" dirty="0"/>
+          </a:p>
+        </p:txBody>
+      </p:sp>
+      <p:sp>
+        <p:nvSpPr>
+          <p:cNvPr id="54" name="Shape 54"/>
+          <p:cNvSpPr/>
+          <p:nvPr/>
+        </p:nvSpPr>
+        <p:spPr>
+          <a:xfrm>
+            <a:off x="4214998" y="-82216"/>
+            <a:ext cx="1603003" cy="456535"/>
+          </a:xfrm>
+          <a:prstGeom prst="rect">
+            <a:avLst/>
+          </a:prstGeom>
+          <a:ln w="12700">
+            <a:miter lim="400000"/>
+          </a:ln>
+          <a:extLst>
+            <a:ext uri="{C572A759-6A51-4108-AA02-DFA0A04FC94B}">
+              <ma14:wrappingTextBoxFlag xmlns:ma14="http://schemas.microsoft.com/office/mac/drawingml/2011/main" val="1"/>
+            </a:ext>
+          </a:extLst>
+        </p:spPr>
+        <p:txBody>
+          <a:bodyPr wrap="none" lIns="50800" tIns="50800" rIns="50800" bIns="50800" anchor="ctr">
+            <a:spAutoFit/>
+          </a:bodyPr>
+          <a:lstStyle>
+            <a:lvl1pPr>
+              <a:defRPr sz="2300">
+                <a:solidFill>
+                  <a:srgbClr val="FFFFFF"/>
+                </a:solidFill>
+              </a:defRPr>
+            </a:lvl1pPr>
+          </a:lstStyle>
+          <a:p>
+            <a:pPr lvl="0">
+              <a:defRPr sz="1800">
+                <a:solidFill>
+                  <a:srgbClr val="000000"/>
+                </a:solidFill>
+              </a:defRPr>
+            </a:pPr>
+            <a:r>
+              <a:rPr lang="en-US" sz="2300" dirty="0" smtClean="0">
+                <a:solidFill>
+                  <a:srgbClr val="FFFFFF"/>
+                </a:solidFill>
+              </a:rPr>
+              <a:t>Introduction</a:t>
+            </a:r>
+            <a:endParaRPr sz="2300" dirty="0">
+              <a:solidFill>
+                <a:srgbClr val="FFFFFF"/>
+              </a:solidFill>
+            </a:endParaRPr>
+          </a:p>
+        </p:txBody>
+      </p:sp>
+      <p:sp>
+        <p:nvSpPr>
+          <p:cNvPr id="16" name="Shape 74"/>
+          <p:cNvSpPr/>
+          <p:nvPr/>
+        </p:nvSpPr>
+        <p:spPr>
+          <a:xfrm>
+            <a:off x="0" y="406400"/>
+            <a:ext cx="14147800" cy="1270000"/>
+          </a:xfrm>
+          <a:prstGeom prst="rect">
+            <a:avLst/>
+          </a:prstGeom>
+          <a:solidFill>
+            <a:srgbClr val="EBEBEB"/>
+          </a:solidFill>
+          <a:ln w="12700">
+            <a:miter lim="400000"/>
+          </a:ln>
+        </p:spPr>
+        <p:txBody>
+          <a:bodyPr lIns="0" tIns="0" rIns="0" bIns="0" anchor="ctr"/>
+          <a:lstStyle/>
+          <a:p>
+            <a:pPr lvl="0">
+              <a:defRPr sz="4000">
+                <a:solidFill>
+                  <a:srgbClr val="FFFFFF"/>
+                </a:solidFill>
+                <a:effectLst>
+                  <a:outerShdw blurRad="38100" dist="12700" dir="5400000" rotWithShape="0">
+                    <a:srgbClr val="000000">
+                      <a:alpha val="50000"/>
+                    </a:srgbClr>
+                  </a:outerShdw>
+                </a:effectLst>
+              </a:defRPr>
+            </a:pPr>
+            <a:endParaRPr/>
+          </a:p>
+        </p:txBody>
+      </p:sp>
+      <p:sp>
+        <p:nvSpPr>
+          <p:cNvPr id="17" name="Shape 75"/>
+          <p:cNvSpPr/>
+          <p:nvPr/>
+        </p:nvSpPr>
+        <p:spPr>
+          <a:xfrm>
+            <a:off x="355600" y="637506"/>
+            <a:ext cx="12280900" cy="795089"/>
+          </a:xfrm>
+          <a:prstGeom prst="rect">
+            <a:avLst/>
+          </a:prstGeom>
+          <a:ln w="12700">
+            <a:miter lim="400000"/>
+          </a:ln>
+          <a:extLst>
+            <a:ext uri="{C572A759-6A51-4108-AA02-DFA0A04FC94B}">
+              <ma14:wrappingTextBoxFlag xmlns:ma14="http://schemas.microsoft.com/office/mac/drawingml/2011/main" val="1"/>
+            </a:ext>
+          </a:extLst>
+        </p:spPr>
+        <p:txBody>
+          <a:bodyPr lIns="50800" tIns="50800" rIns="50800" bIns="50800" anchor="ctr">
+            <a:spAutoFit/>
+          </a:bodyPr>
+          <a:lstStyle>
+            <a:lvl1pPr algn="l">
+              <a:defRPr sz="4500">
                 <a:solidFill>
                   <a:srgbClr val="B51A00"/>
                 </a:solidFill>
-              </a:rPr>
-              <a:t>P. Colli Franzone, L. Guerri, M. Pennacchio, e B. Taccardi </a:t>
-            </a:r>
-            <a:br>
-              <a:rPr sz="2400">
+                <a:latin typeface="Arial"/>
+                <a:ea typeface="Arial"/>
+                <a:cs typeface="Arial"/>
+                <a:sym typeface="Arial"/>
+              </a:defRPr>
+            </a:lvl1pPr>
+          </a:lstStyle>
+          <a:p>
+            <a:pPr lvl="0">
+              <a:defRPr sz="1800">
+                <a:solidFill>
+                  <a:srgbClr val="000000"/>
+                </a:solidFill>
+              </a:defRPr>
+            </a:pPr>
+            <a:r>
+              <a:rPr lang="en-US" sz="4500" dirty="0" smtClean="0">
                 <a:solidFill>
                   <a:srgbClr val="B51A00"/>
                 </a:solidFill>
               </a:rPr>
-            </a:br>
-            <a:r>
-              <a:rPr sz="2200"/>
-              <a:t>Spread of excitation in 3-D models of the anisotropic cardiac tissue. II. Effec- ts of fiber architecture and ventricular geometry </a:t>
-            </a:r>
-            <a:br>
-              <a:rPr sz="2200"/>
-            </a:br>
-            <a:r>
-              <a:rPr sz="2200" i="1">
-                <a:solidFill>
-                  <a:srgbClr val="B51A00"/>
-                </a:solidFill>
-              </a:rPr>
-              <a:t>Math. Biosci, 1998.</a:t>
-            </a:r>
-          </a:p>
-        </p:txBody>
-      </p:sp>
-      <p:sp>
-        <p:nvSpPr>
-          <p:cNvPr id="67" name="Shape 67"/>
+              <a:t>Bibliography</a:t>
+            </a:r>
+            <a:endParaRPr sz="4500" dirty="0">
+              <a:solidFill>
+                <a:srgbClr val="B51A00"/>
+              </a:solidFill>
+            </a:endParaRPr>
+          </a:p>
+        </p:txBody>
+      </p:sp>
+      <p:sp>
+        <p:nvSpPr>
+          <p:cNvPr id="12" name="Shape 67"/>
           <p:cNvSpPr/>
           <p:nvPr/>
         </p:nvSpPr>
         <p:spPr>
           <a:xfrm>
-            <a:off x="158204" y="3232150"/>
+            <a:off x="209004" y="1869406"/>
             <a:ext cx="13068301" cy="1981200"/>
           </a:xfrm>
           <a:prstGeom prst="rect">
@@ -6186,7 +7834,7 @@
               <a:defRPr sz="1800"/>
             </a:pPr>
             <a:r>
-              <a:rPr sz="2700" i="1">
+              <a:rPr sz="2700" i="1" dirty="0">
                 <a:solidFill>
                   <a:srgbClr val="B51A00"/>
                 </a:solidFill>
@@ -6198,12 +7846,20 @@
               <a:t> </a:t>
             </a:r>
             <a:r>
+              <a:rPr sz="2400" dirty="0">
+                <a:solidFill>
+                  <a:srgbClr val="B51A00"/>
+                </a:solidFill>
+              </a:rPr>
+              <a:t>Palamara, C. Vergara, D. Catanzariti, E. Faggiano, M. Cen- tonze, C. Pangrazzi, M. Maines, and A. </a:t>
+            </a:r>
+            <a:r>
               <a:rPr sz="2400">
                 <a:solidFill>
                   <a:srgbClr val="B51A00"/>
                 </a:solidFill>
               </a:rPr>
-              <a:t>Palamara, C. Vergara, D. Catanzariti, E. Faggiano, M. Cen- tonze, C. Pangrazzi, M. Maines, and A. Quarteroni, </a:t>
+              <a:t>Quarteroni, </a:t>
             </a:r>
             <a:r>
               <a:rPr sz="2700">
@@ -6229,6 +7885,2379 @@
             </a:br>
             <a:r>
               <a:rPr sz="2200" i="1">
+                <a:solidFill>
+                  <a:srgbClr val="B51A00"/>
+                </a:solidFill>
+              </a:rPr>
+              <a:t>Mox Report, 2014</a:t>
+            </a:r>
+          </a:p>
+        </p:txBody>
+      </p:sp>
+    </p:spTree>
+    <p:extLst>
+      <p:ext uri="{BB962C8B-B14F-4D97-AF65-F5344CB8AC3E}">
+        <p14:creationId xmlns:p14="http://schemas.microsoft.com/office/powerpoint/2010/main" val="993838798"/>
+      </p:ext>
+    </p:extLst>
+  </p:cSld>
+  <p:clrMapOvr>
+    <a:masterClrMapping/>
+  </p:clrMapOvr>
+  <p:transition spd="med"/>
+</p:sld>
+</file>
+
+<file path=ppt/slides/slide16.xml><?xml version="1.0" encoding="utf-8"?>
+<p:sld xmlns:a="http://schemas.openxmlformats.org/drawingml/2006/main" xmlns:r="http://schemas.openxmlformats.org/officeDocument/2006/relationships" xmlns:p="http://schemas.openxmlformats.org/presentationml/2006/main">
+  <p:cSld>
+    <p:spTree>
+      <p:nvGrpSpPr>
+        <p:cNvPr id="1" name=""/>
+        <p:cNvGrpSpPr/>
+        <p:nvPr/>
+      </p:nvGrpSpPr>
+      <p:grpSpPr>
+        <a:xfrm>
+          <a:off x="0" y="0"/>
+          <a:ext cx="0" cy="0"/>
+          <a:chOff x="0" y="0"/>
+          <a:chExt cx="0" cy="0"/>
+        </a:xfrm>
+      </p:grpSpPr>
+      <p:sp>
+        <p:nvSpPr>
+          <p:cNvPr id="42" name="Shape 42"/>
+          <p:cNvSpPr/>
+          <p:nvPr/>
+        </p:nvSpPr>
+        <p:spPr>
+          <a:xfrm>
+            <a:off x="0" y="0"/>
+            <a:ext cx="6159500" cy="444500"/>
+          </a:xfrm>
+          <a:prstGeom prst="rect">
+            <a:avLst/>
+          </a:prstGeom>
+          <a:solidFill>
+            <a:srgbClr val="B51A00"/>
+          </a:solidFill>
+          <a:ln w="12700">
+            <a:miter lim="400000"/>
+          </a:ln>
+        </p:spPr>
+        <p:txBody>
+          <a:bodyPr lIns="0" tIns="0" rIns="0" bIns="0" anchor="ctr"/>
+          <a:lstStyle/>
+          <a:p>
+            <a:pPr lvl="0">
+              <a:defRPr sz="4000">
+                <a:solidFill>
+                  <a:srgbClr val="FFFFFF"/>
+                </a:solidFill>
+                <a:effectLst>
+                  <a:outerShdw blurRad="38100" dist="12700" dir="5400000" rotWithShape="0">
+                    <a:srgbClr val="000000">
+                      <a:alpha val="50000"/>
+                    </a:srgbClr>
+                  </a:outerShdw>
+                </a:effectLst>
+              </a:defRPr>
+            </a:pPr>
+            <a:endParaRPr/>
+          </a:p>
+        </p:txBody>
+      </p:sp>
+      <p:sp>
+        <p:nvSpPr>
+          <p:cNvPr id="43" name="Shape 43"/>
+          <p:cNvSpPr/>
+          <p:nvPr/>
+        </p:nvSpPr>
+        <p:spPr>
+          <a:xfrm>
+            <a:off x="6159500" y="0"/>
+            <a:ext cx="6845300" cy="444500"/>
+          </a:xfrm>
+          <a:prstGeom prst="rect">
+            <a:avLst/>
+          </a:prstGeom>
+          <a:solidFill>
+            <a:srgbClr val="D6D6D6"/>
+          </a:solidFill>
+          <a:ln w="12700">
+            <a:miter lim="400000"/>
+          </a:ln>
+        </p:spPr>
+        <p:txBody>
+          <a:bodyPr lIns="0" tIns="0" rIns="0" bIns="0" anchor="ctr"/>
+          <a:lstStyle/>
+          <a:p>
+            <a:pPr lvl="0">
+              <a:defRPr sz="4000">
+                <a:solidFill>
+                  <a:srgbClr val="FFFFFF"/>
+                </a:solidFill>
+                <a:effectLst>
+                  <a:outerShdw blurRad="38100" dist="12700" dir="5400000" rotWithShape="0">
+                    <a:srgbClr val="000000">
+                      <a:alpha val="50000"/>
+                    </a:srgbClr>
+                  </a:outerShdw>
+                </a:effectLst>
+              </a:defRPr>
+            </a:pPr>
+            <a:endParaRPr/>
+          </a:p>
+        </p:txBody>
+      </p:sp>
+      <p:sp>
+        <p:nvSpPr>
+          <p:cNvPr id="44" name="Shape 44"/>
+          <p:cNvSpPr/>
+          <p:nvPr/>
+        </p:nvSpPr>
+        <p:spPr>
+          <a:xfrm>
+            <a:off x="-1" y="9245600"/>
+            <a:ext cx="7494777" cy="520700"/>
+          </a:xfrm>
+          <a:prstGeom prst="rect">
+            <a:avLst/>
+          </a:prstGeom>
+          <a:solidFill>
+            <a:srgbClr val="B51A00"/>
+          </a:solidFill>
+          <a:ln w="12700">
+            <a:miter lim="400000"/>
+          </a:ln>
+        </p:spPr>
+        <p:txBody>
+          <a:bodyPr lIns="0" tIns="0" rIns="0" bIns="0" anchor="ctr"/>
+          <a:lstStyle/>
+          <a:p>
+            <a:pPr lvl="0">
+              <a:defRPr sz="4000">
+                <a:solidFill>
+                  <a:srgbClr val="FFFFFF"/>
+                </a:solidFill>
+                <a:effectLst>
+                  <a:outerShdw blurRad="38100" dist="12700" dir="5400000" rotWithShape="0">
+                    <a:srgbClr val="000000">
+                      <a:alpha val="50000"/>
+                    </a:srgbClr>
+                  </a:outerShdw>
+                </a:effectLst>
+              </a:defRPr>
+            </a:pPr>
+            <a:endParaRPr/>
+          </a:p>
+        </p:txBody>
+      </p:sp>
+      <p:sp>
+        <p:nvSpPr>
+          <p:cNvPr id="45" name="Shape 45"/>
+          <p:cNvSpPr/>
+          <p:nvPr/>
+        </p:nvSpPr>
+        <p:spPr>
+          <a:xfrm>
+            <a:off x="7218946" y="9245600"/>
+            <a:ext cx="5785853" cy="520700"/>
+          </a:xfrm>
+          <a:prstGeom prst="rect">
+            <a:avLst/>
+          </a:prstGeom>
+          <a:solidFill>
+            <a:srgbClr val="D6D6D6"/>
+          </a:solidFill>
+          <a:ln w="12700">
+            <a:miter lim="400000"/>
+          </a:ln>
+        </p:spPr>
+        <p:txBody>
+          <a:bodyPr lIns="0" tIns="0" rIns="0" bIns="0" anchor="ctr"/>
+          <a:lstStyle/>
+          <a:p>
+            <a:pPr lvl="0">
+              <a:defRPr sz="4000">
+                <a:solidFill>
+                  <a:srgbClr val="FFFFFF"/>
+                </a:solidFill>
+                <a:effectLst>
+                  <a:outerShdw blurRad="38100" dist="12700" dir="5400000" rotWithShape="0">
+                    <a:srgbClr val="000000">
+                      <a:alpha val="50000"/>
+                    </a:srgbClr>
+                  </a:outerShdw>
+                </a:effectLst>
+              </a:defRPr>
+            </a:pPr>
+            <a:endParaRPr/>
+          </a:p>
+        </p:txBody>
+      </p:sp>
+      <p:sp>
+        <p:nvSpPr>
+          <p:cNvPr id="46" name="Shape 46"/>
+          <p:cNvSpPr/>
+          <p:nvPr/>
+        </p:nvSpPr>
+        <p:spPr>
+          <a:xfrm>
+            <a:off x="881508" y="9245600"/>
+            <a:ext cx="6155531" cy="456535"/>
+          </a:xfrm>
+          <a:prstGeom prst="rect">
+            <a:avLst/>
+          </a:prstGeom>
+          <a:ln w="12700">
+            <a:miter lim="400000"/>
+          </a:ln>
+          <a:extLst>
+            <a:ext uri="{C572A759-6A51-4108-AA02-DFA0A04FC94B}">
+              <ma14:wrappingTextBoxFlag xmlns:ma14="http://schemas.microsoft.com/office/mac/drawingml/2011/main" val="1"/>
+            </a:ext>
+          </a:extLst>
+        </p:spPr>
+        <p:txBody>
+          <a:bodyPr wrap="none" lIns="50800" tIns="50800" rIns="50800" bIns="50800" anchor="ctr">
+            <a:spAutoFit/>
+          </a:bodyPr>
+          <a:lstStyle>
+            <a:lvl1pPr>
+              <a:defRPr sz="2300">
+                <a:solidFill>
+                  <a:srgbClr val="FFFFFF"/>
+                </a:solidFill>
+              </a:defRPr>
+            </a:lvl1pPr>
+          </a:lstStyle>
+          <a:p>
+            <a:pPr lvl="0">
+              <a:defRPr sz="1800">
+                <a:solidFill>
+                  <a:srgbClr val="000000"/>
+                </a:solidFill>
+              </a:defRPr>
+            </a:pPr>
+            <a:r>
+              <a:rPr lang="en-US" sz="2300" dirty="0" err="1" smtClean="0">
+                <a:solidFill>
+                  <a:srgbClr val="FFFFFF"/>
+                </a:solidFill>
+              </a:rPr>
+              <a:t>Ondine</a:t>
+            </a:r>
+            <a:r>
+              <a:rPr lang="en-US" sz="2300" dirty="0" smtClean="0">
+                <a:solidFill>
+                  <a:srgbClr val="FFFFFF"/>
+                </a:solidFill>
+              </a:rPr>
+              <a:t> </a:t>
+            </a:r>
+            <a:r>
+              <a:rPr lang="en-US" sz="2300" dirty="0" err="1" smtClean="0">
+                <a:solidFill>
+                  <a:srgbClr val="FFFFFF"/>
+                </a:solidFill>
+              </a:rPr>
+              <a:t>Chanon</a:t>
+            </a:r>
+            <a:r>
+              <a:rPr lang="en-US" sz="2300" dirty="0" smtClean="0">
+                <a:solidFill>
+                  <a:srgbClr val="FFFFFF"/>
+                </a:solidFill>
+              </a:rPr>
+              <a:t>, Nicolas </a:t>
+            </a:r>
+            <a:r>
+              <a:rPr lang="en-US" sz="2300" dirty="0" err="1" smtClean="0">
+                <a:solidFill>
+                  <a:srgbClr val="FFFFFF"/>
+                </a:solidFill>
+              </a:rPr>
+              <a:t>Hubacher</a:t>
+            </a:r>
+            <a:r>
+              <a:rPr lang="en-US" sz="2300" dirty="0" smtClean="0">
+                <a:solidFill>
+                  <a:srgbClr val="FFFFFF"/>
+                </a:solidFill>
+              </a:rPr>
+              <a:t>, Stefano </a:t>
+            </a:r>
+            <a:r>
+              <a:rPr lang="en-US" sz="2300" dirty="0" err="1" smtClean="0">
+                <a:solidFill>
+                  <a:srgbClr val="FFFFFF"/>
+                </a:solidFill>
+              </a:rPr>
+              <a:t>Savar</a:t>
+            </a:r>
+            <a:r>
+              <a:rPr lang="en-US" sz="2300" dirty="0" err="1" smtClean="0">
+                <a:solidFill>
+                  <a:srgbClr val="FFFFFF"/>
+                </a:solidFill>
+              </a:rPr>
+              <a:t>è</a:t>
+            </a:r>
+            <a:endParaRPr sz="2300" dirty="0">
+              <a:solidFill>
+                <a:srgbClr val="FFFFFF"/>
+              </a:solidFill>
+            </a:endParaRPr>
+          </a:p>
+        </p:txBody>
+      </p:sp>
+      <p:sp>
+        <p:nvSpPr>
+          <p:cNvPr id="47" name="Shape 47"/>
+          <p:cNvSpPr/>
+          <p:nvPr/>
+        </p:nvSpPr>
+        <p:spPr>
+          <a:xfrm>
+            <a:off x="7494777" y="9254939"/>
+            <a:ext cx="2925481" cy="471924"/>
+          </a:xfrm>
+          <a:prstGeom prst="rect">
+            <a:avLst/>
+          </a:prstGeom>
+          <a:ln w="12700">
+            <a:miter lim="400000"/>
+          </a:ln>
+          <a:extLst>
+            <a:ext uri="{C572A759-6A51-4108-AA02-DFA0A04FC94B}">
+              <ma14:wrappingTextBoxFlag xmlns:ma14="http://schemas.microsoft.com/office/mac/drawingml/2011/main" val="1"/>
+            </a:ext>
+          </a:extLst>
+        </p:spPr>
+        <p:txBody>
+          <a:bodyPr wrap="none" lIns="50800" tIns="50800" rIns="50800" bIns="50800" anchor="ctr">
+            <a:spAutoFit/>
+          </a:bodyPr>
+          <a:lstStyle>
+            <a:lvl1pPr>
+              <a:defRPr sz="2300"/>
+            </a:lvl1pPr>
+          </a:lstStyle>
+          <a:p>
+            <a:pPr lvl="0">
+              <a:defRPr sz="1800"/>
+            </a:pPr>
+            <a:r>
+              <a:rPr lang="en-US" sz="2400" dirty="0" smtClean="0"/>
+              <a:t>December, 16th</a:t>
+            </a:r>
+            <a:r>
+              <a:rPr sz="2400" dirty="0" smtClean="0"/>
+              <a:t>  201</a:t>
+            </a:r>
+            <a:r>
+              <a:rPr lang="en-US" sz="2400" dirty="0" smtClean="0"/>
+              <a:t>5</a:t>
+            </a:r>
+            <a:endParaRPr sz="2400" dirty="0"/>
+          </a:p>
+        </p:txBody>
+      </p:sp>
+      <p:sp>
+        <p:nvSpPr>
+          <p:cNvPr id="54" name="Shape 54"/>
+          <p:cNvSpPr/>
+          <p:nvPr/>
+        </p:nvSpPr>
+        <p:spPr>
+          <a:xfrm>
+            <a:off x="4214998" y="-82216"/>
+            <a:ext cx="1603003" cy="456535"/>
+          </a:xfrm>
+          <a:prstGeom prst="rect">
+            <a:avLst/>
+          </a:prstGeom>
+          <a:ln w="12700">
+            <a:miter lim="400000"/>
+          </a:ln>
+          <a:extLst>
+            <a:ext uri="{C572A759-6A51-4108-AA02-DFA0A04FC94B}">
+              <ma14:wrappingTextBoxFlag xmlns:ma14="http://schemas.microsoft.com/office/mac/drawingml/2011/main" val="1"/>
+            </a:ext>
+          </a:extLst>
+        </p:spPr>
+        <p:txBody>
+          <a:bodyPr wrap="none" lIns="50800" tIns="50800" rIns="50800" bIns="50800" anchor="ctr">
+            <a:spAutoFit/>
+          </a:bodyPr>
+          <a:lstStyle>
+            <a:lvl1pPr>
+              <a:defRPr sz="2300">
+                <a:solidFill>
+                  <a:srgbClr val="FFFFFF"/>
+                </a:solidFill>
+              </a:defRPr>
+            </a:lvl1pPr>
+          </a:lstStyle>
+          <a:p>
+            <a:pPr lvl="0">
+              <a:defRPr sz="1800">
+                <a:solidFill>
+                  <a:srgbClr val="000000"/>
+                </a:solidFill>
+              </a:defRPr>
+            </a:pPr>
+            <a:r>
+              <a:rPr lang="en-US" sz="2300" dirty="0" smtClean="0">
+                <a:solidFill>
+                  <a:srgbClr val="FFFFFF"/>
+                </a:solidFill>
+              </a:rPr>
+              <a:t>Introduction</a:t>
+            </a:r>
+            <a:endParaRPr sz="2300" dirty="0">
+              <a:solidFill>
+                <a:srgbClr val="FFFFFF"/>
+              </a:solidFill>
+            </a:endParaRPr>
+          </a:p>
+        </p:txBody>
+      </p:sp>
+      <p:sp>
+        <p:nvSpPr>
+          <p:cNvPr id="16" name="Shape 74"/>
+          <p:cNvSpPr/>
+          <p:nvPr/>
+        </p:nvSpPr>
+        <p:spPr>
+          <a:xfrm>
+            <a:off x="0" y="406400"/>
+            <a:ext cx="14147800" cy="1270000"/>
+          </a:xfrm>
+          <a:prstGeom prst="rect">
+            <a:avLst/>
+          </a:prstGeom>
+          <a:solidFill>
+            <a:srgbClr val="EBEBEB"/>
+          </a:solidFill>
+          <a:ln w="12700">
+            <a:miter lim="400000"/>
+          </a:ln>
+        </p:spPr>
+        <p:txBody>
+          <a:bodyPr lIns="0" tIns="0" rIns="0" bIns="0" anchor="ctr"/>
+          <a:lstStyle/>
+          <a:p>
+            <a:pPr lvl="0">
+              <a:defRPr sz="4000">
+                <a:solidFill>
+                  <a:srgbClr val="FFFFFF"/>
+                </a:solidFill>
+                <a:effectLst>
+                  <a:outerShdw blurRad="38100" dist="12700" dir="5400000" rotWithShape="0">
+                    <a:srgbClr val="000000">
+                      <a:alpha val="50000"/>
+                    </a:srgbClr>
+                  </a:outerShdw>
+                </a:effectLst>
+              </a:defRPr>
+            </a:pPr>
+            <a:endParaRPr/>
+          </a:p>
+        </p:txBody>
+      </p:sp>
+      <p:sp>
+        <p:nvSpPr>
+          <p:cNvPr id="17" name="Shape 75"/>
+          <p:cNvSpPr/>
+          <p:nvPr/>
+        </p:nvSpPr>
+        <p:spPr>
+          <a:xfrm>
+            <a:off x="355600" y="637506"/>
+            <a:ext cx="12280900" cy="795089"/>
+          </a:xfrm>
+          <a:prstGeom prst="rect">
+            <a:avLst/>
+          </a:prstGeom>
+          <a:ln w="12700">
+            <a:miter lim="400000"/>
+          </a:ln>
+          <a:extLst>
+            <a:ext uri="{C572A759-6A51-4108-AA02-DFA0A04FC94B}">
+              <ma14:wrappingTextBoxFlag xmlns:ma14="http://schemas.microsoft.com/office/mac/drawingml/2011/main" val="1"/>
+            </a:ext>
+          </a:extLst>
+        </p:spPr>
+        <p:txBody>
+          <a:bodyPr lIns="50800" tIns="50800" rIns="50800" bIns="50800" anchor="ctr">
+            <a:spAutoFit/>
+          </a:bodyPr>
+          <a:lstStyle>
+            <a:lvl1pPr algn="l">
+              <a:defRPr sz="4500">
+                <a:solidFill>
+                  <a:srgbClr val="B51A00"/>
+                </a:solidFill>
+                <a:latin typeface="Arial"/>
+                <a:ea typeface="Arial"/>
+                <a:cs typeface="Arial"/>
+                <a:sym typeface="Arial"/>
+              </a:defRPr>
+            </a:lvl1pPr>
+          </a:lstStyle>
+          <a:p>
+            <a:pPr lvl="0">
+              <a:defRPr sz="1800">
+                <a:solidFill>
+                  <a:srgbClr val="000000"/>
+                </a:solidFill>
+              </a:defRPr>
+            </a:pPr>
+            <a:r>
+              <a:rPr lang="en-US" sz="4500" dirty="0" smtClean="0">
+                <a:solidFill>
+                  <a:srgbClr val="B51A00"/>
+                </a:solidFill>
+              </a:rPr>
+              <a:t>The end… almost !</a:t>
+            </a:r>
+            <a:endParaRPr sz="4500" dirty="0">
+              <a:solidFill>
+                <a:srgbClr val="B51A00"/>
+              </a:solidFill>
+            </a:endParaRPr>
+          </a:p>
+        </p:txBody>
+      </p:sp>
+      <p:sp>
+        <p:nvSpPr>
+          <p:cNvPr id="2" name="TextBox 1"/>
+          <p:cNvSpPr txBox="1"/>
+          <p:nvPr/>
+        </p:nvSpPr>
+        <p:spPr>
+          <a:xfrm>
+            <a:off x="1825413" y="4671040"/>
+            <a:ext cx="9341273" cy="1579920"/>
+          </a:xfrm>
+          <a:prstGeom prst="rect">
+            <a:avLst/>
+          </a:prstGeom>
+          <a:noFill/>
+          <a:ln w="12700" cap="flat">
+            <a:noFill/>
+            <a:miter lim="400000"/>
+          </a:ln>
+          <a:effectLst/>
+        </p:spPr>
+        <p:style>
+          <a:lnRef idx="0">
+            <a:scrgbClr r="0" g="0" b="0"/>
+          </a:lnRef>
+          <a:fillRef idx="0">
+            <a:scrgbClr r="0" g="0" b="0"/>
+          </a:fillRef>
+          <a:effectRef idx="0">
+            <a:scrgbClr r="0" g="0" b="0"/>
+          </a:effectRef>
+          <a:fontRef idx="none"/>
+        </p:style>
+        <p:txBody>
+          <a:bodyPr rot="0" spcFirstLastPara="1" vertOverflow="overflow" horzOverflow="overflow" vert="horz" wrap="square" lIns="50800" tIns="50800" rIns="50800" bIns="50800" numCol="1" spcCol="38100" rtlCol="0" anchor="ctr">
+            <a:spAutoFit/>
+          </a:bodyPr>
+          <a:lstStyle/>
+          <a:p>
+            <a:pPr marL="0" marR="0" indent="0" algn="ctr" defTabSz="584200" rtl="0" fontAlgn="auto" latinLnBrk="1" hangingPunct="0">
+              <a:lnSpc>
+                <a:spcPct val="100000"/>
+              </a:lnSpc>
+              <a:spcBef>
+                <a:spcPts val="0"/>
+              </a:spcBef>
+              <a:spcAft>
+                <a:spcPts val="0"/>
+              </a:spcAft>
+              <a:buClrTx/>
+              <a:buSzTx/>
+              <a:buFontTx/>
+              <a:buNone/>
+              <a:tabLst/>
+            </a:pPr>
+            <a:r>
+              <a:rPr kumimoji="0" lang="en-US" sz="4800" b="0" i="0" u="none" strike="noStrike" cap="none" spc="0" normalizeH="0" baseline="0" dirty="0" smtClean="0">
+                <a:ln>
+                  <a:noFill/>
+                </a:ln>
+                <a:solidFill>
+                  <a:srgbClr val="000000"/>
+                </a:solidFill>
+                <a:effectLst/>
+                <a:uFillTx/>
+                <a:sym typeface="Gill Sans"/>
+              </a:rPr>
+              <a:t>Thank</a:t>
+            </a:r>
+            <a:r>
+              <a:rPr kumimoji="0" lang="en-US" sz="4800" b="0" i="0" u="none" strike="noStrike" cap="none" spc="0" normalizeH="0" dirty="0" smtClean="0">
+                <a:ln>
+                  <a:noFill/>
+                </a:ln>
+                <a:solidFill>
+                  <a:srgbClr val="000000"/>
+                </a:solidFill>
+                <a:effectLst/>
+                <a:uFillTx/>
+                <a:sym typeface="Gill Sans"/>
+              </a:rPr>
+              <a:t> you for your attention</a:t>
+            </a:r>
+          </a:p>
+          <a:p>
+            <a:pPr marL="0" marR="0" indent="0" algn="ctr" defTabSz="584200" rtl="0" fontAlgn="auto" latinLnBrk="1" hangingPunct="0">
+              <a:lnSpc>
+                <a:spcPct val="100000"/>
+              </a:lnSpc>
+              <a:spcBef>
+                <a:spcPts val="0"/>
+              </a:spcBef>
+              <a:spcAft>
+                <a:spcPts val="0"/>
+              </a:spcAft>
+              <a:buClrTx/>
+              <a:buSzTx/>
+              <a:buFontTx/>
+              <a:buNone/>
+              <a:tabLst/>
+            </a:pPr>
+            <a:r>
+              <a:rPr lang="en-US" sz="4800" dirty="0" smtClean="0">
+                <a:solidFill>
+                  <a:srgbClr val="000000"/>
+                </a:solidFill>
+              </a:rPr>
+              <a:t>Questions?</a:t>
+            </a:r>
+            <a:endParaRPr kumimoji="0" lang="en-US" sz="4800" b="0" i="0" u="none" strike="noStrike" cap="none" spc="0" normalizeH="0" baseline="0" dirty="0">
+              <a:ln>
+                <a:noFill/>
+              </a:ln>
+              <a:solidFill>
+                <a:srgbClr val="000000"/>
+              </a:solidFill>
+              <a:effectLst/>
+              <a:uFillTx/>
+              <a:sym typeface="Gill Sans"/>
+            </a:endParaRPr>
+          </a:p>
+        </p:txBody>
+      </p:sp>
+    </p:spTree>
+    <p:extLst>
+      <p:ext uri="{BB962C8B-B14F-4D97-AF65-F5344CB8AC3E}">
+        <p14:creationId xmlns:p14="http://schemas.microsoft.com/office/powerpoint/2010/main" val="320871620"/>
+      </p:ext>
+    </p:extLst>
+  </p:cSld>
+  <p:clrMapOvr>
+    <a:masterClrMapping/>
+  </p:clrMapOvr>
+  <p:transition spd="med"/>
+</p:sld>
+</file>
+
+<file path=ppt/slides/slide17.xml><?xml version="1.0" encoding="utf-8"?>
+<p:sld xmlns:a="http://schemas.openxmlformats.org/drawingml/2006/main" xmlns:r="http://schemas.openxmlformats.org/officeDocument/2006/relationships" xmlns:p="http://schemas.openxmlformats.org/presentationml/2006/main">
+  <p:cSld>
+    <p:spTree>
+      <p:nvGrpSpPr>
+        <p:cNvPr id="1" name=""/>
+        <p:cNvGrpSpPr/>
+        <p:nvPr/>
+      </p:nvGrpSpPr>
+      <p:grpSpPr>
+        <a:xfrm>
+          <a:off x="0" y="0"/>
+          <a:ext cx="0" cy="0"/>
+          <a:chOff x="0" y="0"/>
+          <a:chExt cx="0" cy="0"/>
+        </a:xfrm>
+      </p:grpSpPr>
+      <p:sp>
+        <p:nvSpPr>
+          <p:cNvPr id="42" name="Shape 42"/>
+          <p:cNvSpPr/>
+          <p:nvPr/>
+        </p:nvSpPr>
+        <p:spPr>
+          <a:xfrm>
+            <a:off x="0" y="0"/>
+            <a:ext cx="6159500" cy="444500"/>
+          </a:xfrm>
+          <a:prstGeom prst="rect">
+            <a:avLst/>
+          </a:prstGeom>
+          <a:solidFill>
+            <a:srgbClr val="B51A00"/>
+          </a:solidFill>
+          <a:ln w="12700">
+            <a:miter lim="400000"/>
+          </a:ln>
+        </p:spPr>
+        <p:txBody>
+          <a:bodyPr lIns="0" tIns="0" rIns="0" bIns="0" anchor="ctr"/>
+          <a:lstStyle/>
+          <a:p>
+            <a:pPr lvl="0">
+              <a:defRPr sz="4000">
+                <a:solidFill>
+                  <a:srgbClr val="FFFFFF"/>
+                </a:solidFill>
+                <a:effectLst>
+                  <a:outerShdw blurRad="38100" dist="12700" dir="5400000" rotWithShape="0">
+                    <a:srgbClr val="000000">
+                      <a:alpha val="50000"/>
+                    </a:srgbClr>
+                  </a:outerShdw>
+                </a:effectLst>
+              </a:defRPr>
+            </a:pPr>
+            <a:endParaRPr/>
+          </a:p>
+        </p:txBody>
+      </p:sp>
+      <p:sp>
+        <p:nvSpPr>
+          <p:cNvPr id="43" name="Shape 43"/>
+          <p:cNvSpPr/>
+          <p:nvPr/>
+        </p:nvSpPr>
+        <p:spPr>
+          <a:xfrm>
+            <a:off x="6159500" y="0"/>
+            <a:ext cx="6845300" cy="444500"/>
+          </a:xfrm>
+          <a:prstGeom prst="rect">
+            <a:avLst/>
+          </a:prstGeom>
+          <a:solidFill>
+            <a:srgbClr val="D6D6D6"/>
+          </a:solidFill>
+          <a:ln w="12700">
+            <a:miter lim="400000"/>
+          </a:ln>
+        </p:spPr>
+        <p:txBody>
+          <a:bodyPr lIns="0" tIns="0" rIns="0" bIns="0" anchor="ctr"/>
+          <a:lstStyle/>
+          <a:p>
+            <a:pPr lvl="0">
+              <a:defRPr sz="4000">
+                <a:solidFill>
+                  <a:srgbClr val="FFFFFF"/>
+                </a:solidFill>
+                <a:effectLst>
+                  <a:outerShdw blurRad="38100" dist="12700" dir="5400000" rotWithShape="0">
+                    <a:srgbClr val="000000">
+                      <a:alpha val="50000"/>
+                    </a:srgbClr>
+                  </a:outerShdw>
+                </a:effectLst>
+              </a:defRPr>
+            </a:pPr>
+            <a:endParaRPr/>
+          </a:p>
+        </p:txBody>
+      </p:sp>
+      <p:sp>
+        <p:nvSpPr>
+          <p:cNvPr id="44" name="Shape 44"/>
+          <p:cNvSpPr/>
+          <p:nvPr/>
+        </p:nvSpPr>
+        <p:spPr>
+          <a:xfrm>
+            <a:off x="-1" y="9245600"/>
+            <a:ext cx="7494777" cy="520700"/>
+          </a:xfrm>
+          <a:prstGeom prst="rect">
+            <a:avLst/>
+          </a:prstGeom>
+          <a:solidFill>
+            <a:srgbClr val="B51A00"/>
+          </a:solidFill>
+          <a:ln w="12700">
+            <a:miter lim="400000"/>
+          </a:ln>
+        </p:spPr>
+        <p:txBody>
+          <a:bodyPr lIns="0" tIns="0" rIns="0" bIns="0" anchor="ctr"/>
+          <a:lstStyle/>
+          <a:p>
+            <a:pPr lvl="0">
+              <a:defRPr sz="4000">
+                <a:solidFill>
+                  <a:srgbClr val="FFFFFF"/>
+                </a:solidFill>
+                <a:effectLst>
+                  <a:outerShdw blurRad="38100" dist="12700" dir="5400000" rotWithShape="0">
+                    <a:srgbClr val="000000">
+                      <a:alpha val="50000"/>
+                    </a:srgbClr>
+                  </a:outerShdw>
+                </a:effectLst>
+              </a:defRPr>
+            </a:pPr>
+            <a:endParaRPr/>
+          </a:p>
+        </p:txBody>
+      </p:sp>
+      <p:sp>
+        <p:nvSpPr>
+          <p:cNvPr id="45" name="Shape 45"/>
+          <p:cNvSpPr/>
+          <p:nvPr/>
+        </p:nvSpPr>
+        <p:spPr>
+          <a:xfrm>
+            <a:off x="7218946" y="9245600"/>
+            <a:ext cx="5785853" cy="520700"/>
+          </a:xfrm>
+          <a:prstGeom prst="rect">
+            <a:avLst/>
+          </a:prstGeom>
+          <a:solidFill>
+            <a:srgbClr val="D6D6D6"/>
+          </a:solidFill>
+          <a:ln w="12700">
+            <a:miter lim="400000"/>
+          </a:ln>
+        </p:spPr>
+        <p:txBody>
+          <a:bodyPr lIns="0" tIns="0" rIns="0" bIns="0" anchor="ctr"/>
+          <a:lstStyle/>
+          <a:p>
+            <a:pPr lvl="0">
+              <a:defRPr sz="4000">
+                <a:solidFill>
+                  <a:srgbClr val="FFFFFF"/>
+                </a:solidFill>
+                <a:effectLst>
+                  <a:outerShdw blurRad="38100" dist="12700" dir="5400000" rotWithShape="0">
+                    <a:srgbClr val="000000">
+                      <a:alpha val="50000"/>
+                    </a:srgbClr>
+                  </a:outerShdw>
+                </a:effectLst>
+              </a:defRPr>
+            </a:pPr>
+            <a:endParaRPr/>
+          </a:p>
+        </p:txBody>
+      </p:sp>
+      <p:sp>
+        <p:nvSpPr>
+          <p:cNvPr id="46" name="Shape 46"/>
+          <p:cNvSpPr/>
+          <p:nvPr/>
+        </p:nvSpPr>
+        <p:spPr>
+          <a:xfrm>
+            <a:off x="881508" y="9245600"/>
+            <a:ext cx="6155531" cy="456535"/>
+          </a:xfrm>
+          <a:prstGeom prst="rect">
+            <a:avLst/>
+          </a:prstGeom>
+          <a:ln w="12700">
+            <a:miter lim="400000"/>
+          </a:ln>
+          <a:extLst>
+            <a:ext uri="{C572A759-6A51-4108-AA02-DFA0A04FC94B}">
+              <ma14:wrappingTextBoxFlag xmlns:ma14="http://schemas.microsoft.com/office/mac/drawingml/2011/main" val="1"/>
+            </a:ext>
+          </a:extLst>
+        </p:spPr>
+        <p:txBody>
+          <a:bodyPr wrap="none" lIns="50800" tIns="50800" rIns="50800" bIns="50800" anchor="ctr">
+            <a:spAutoFit/>
+          </a:bodyPr>
+          <a:lstStyle>
+            <a:lvl1pPr>
+              <a:defRPr sz="2300">
+                <a:solidFill>
+                  <a:srgbClr val="FFFFFF"/>
+                </a:solidFill>
+              </a:defRPr>
+            </a:lvl1pPr>
+          </a:lstStyle>
+          <a:p>
+            <a:pPr lvl="0">
+              <a:defRPr sz="1800">
+                <a:solidFill>
+                  <a:srgbClr val="000000"/>
+                </a:solidFill>
+              </a:defRPr>
+            </a:pPr>
+            <a:r>
+              <a:rPr lang="en-US" sz="2300" dirty="0" err="1" smtClean="0">
+                <a:solidFill>
+                  <a:srgbClr val="FFFFFF"/>
+                </a:solidFill>
+              </a:rPr>
+              <a:t>Ondine</a:t>
+            </a:r>
+            <a:r>
+              <a:rPr lang="en-US" sz="2300" dirty="0" smtClean="0">
+                <a:solidFill>
+                  <a:srgbClr val="FFFFFF"/>
+                </a:solidFill>
+              </a:rPr>
+              <a:t> </a:t>
+            </a:r>
+            <a:r>
+              <a:rPr lang="en-US" sz="2300" dirty="0" err="1" smtClean="0">
+                <a:solidFill>
+                  <a:srgbClr val="FFFFFF"/>
+                </a:solidFill>
+              </a:rPr>
+              <a:t>Chanon</a:t>
+            </a:r>
+            <a:r>
+              <a:rPr lang="en-US" sz="2300" dirty="0" smtClean="0">
+                <a:solidFill>
+                  <a:srgbClr val="FFFFFF"/>
+                </a:solidFill>
+              </a:rPr>
+              <a:t>, Nicolas </a:t>
+            </a:r>
+            <a:r>
+              <a:rPr lang="en-US" sz="2300" dirty="0" err="1" smtClean="0">
+                <a:solidFill>
+                  <a:srgbClr val="FFFFFF"/>
+                </a:solidFill>
+              </a:rPr>
+              <a:t>Hubacher</a:t>
+            </a:r>
+            <a:r>
+              <a:rPr lang="en-US" sz="2300" dirty="0" smtClean="0">
+                <a:solidFill>
+                  <a:srgbClr val="FFFFFF"/>
+                </a:solidFill>
+              </a:rPr>
+              <a:t>, Stefano </a:t>
+            </a:r>
+            <a:r>
+              <a:rPr lang="en-US" sz="2300" dirty="0" err="1" smtClean="0">
+                <a:solidFill>
+                  <a:srgbClr val="FFFFFF"/>
+                </a:solidFill>
+              </a:rPr>
+              <a:t>Savar</a:t>
+            </a:r>
+            <a:r>
+              <a:rPr lang="en-US" sz="2300" dirty="0" err="1" smtClean="0">
+                <a:solidFill>
+                  <a:srgbClr val="FFFFFF"/>
+                </a:solidFill>
+              </a:rPr>
+              <a:t>è</a:t>
+            </a:r>
+            <a:endParaRPr sz="2300" dirty="0">
+              <a:solidFill>
+                <a:srgbClr val="FFFFFF"/>
+              </a:solidFill>
+            </a:endParaRPr>
+          </a:p>
+        </p:txBody>
+      </p:sp>
+      <p:sp>
+        <p:nvSpPr>
+          <p:cNvPr id="47" name="Shape 47"/>
+          <p:cNvSpPr/>
+          <p:nvPr/>
+        </p:nvSpPr>
+        <p:spPr>
+          <a:xfrm>
+            <a:off x="7494777" y="9254939"/>
+            <a:ext cx="2925481" cy="471924"/>
+          </a:xfrm>
+          <a:prstGeom prst="rect">
+            <a:avLst/>
+          </a:prstGeom>
+          <a:ln w="12700">
+            <a:miter lim="400000"/>
+          </a:ln>
+          <a:extLst>
+            <a:ext uri="{C572A759-6A51-4108-AA02-DFA0A04FC94B}">
+              <ma14:wrappingTextBoxFlag xmlns:ma14="http://schemas.microsoft.com/office/mac/drawingml/2011/main" val="1"/>
+            </a:ext>
+          </a:extLst>
+        </p:spPr>
+        <p:txBody>
+          <a:bodyPr wrap="none" lIns="50800" tIns="50800" rIns="50800" bIns="50800" anchor="ctr">
+            <a:spAutoFit/>
+          </a:bodyPr>
+          <a:lstStyle>
+            <a:lvl1pPr>
+              <a:defRPr sz="2300"/>
+            </a:lvl1pPr>
+          </a:lstStyle>
+          <a:p>
+            <a:pPr lvl="0">
+              <a:defRPr sz="1800"/>
+            </a:pPr>
+            <a:r>
+              <a:rPr lang="en-US" sz="2400" dirty="0" smtClean="0"/>
+              <a:t>December, 16th</a:t>
+            </a:r>
+            <a:r>
+              <a:rPr sz="2400" dirty="0" smtClean="0"/>
+              <a:t>  201</a:t>
+            </a:r>
+            <a:r>
+              <a:rPr lang="en-US" sz="2400" dirty="0" smtClean="0"/>
+              <a:t>5</a:t>
+            </a:r>
+            <a:endParaRPr sz="2400" dirty="0"/>
+          </a:p>
+        </p:txBody>
+      </p:sp>
+      <p:sp>
+        <p:nvSpPr>
+          <p:cNvPr id="54" name="Shape 54"/>
+          <p:cNvSpPr/>
+          <p:nvPr/>
+        </p:nvSpPr>
+        <p:spPr>
+          <a:xfrm>
+            <a:off x="4214998" y="-82216"/>
+            <a:ext cx="1603003" cy="456535"/>
+          </a:xfrm>
+          <a:prstGeom prst="rect">
+            <a:avLst/>
+          </a:prstGeom>
+          <a:ln w="12700">
+            <a:miter lim="400000"/>
+          </a:ln>
+          <a:extLst>
+            <a:ext uri="{C572A759-6A51-4108-AA02-DFA0A04FC94B}">
+              <ma14:wrappingTextBoxFlag xmlns:ma14="http://schemas.microsoft.com/office/mac/drawingml/2011/main" val="1"/>
+            </a:ext>
+          </a:extLst>
+        </p:spPr>
+        <p:txBody>
+          <a:bodyPr wrap="none" lIns="50800" tIns="50800" rIns="50800" bIns="50800" anchor="ctr">
+            <a:spAutoFit/>
+          </a:bodyPr>
+          <a:lstStyle>
+            <a:lvl1pPr>
+              <a:defRPr sz="2300">
+                <a:solidFill>
+                  <a:srgbClr val="FFFFFF"/>
+                </a:solidFill>
+              </a:defRPr>
+            </a:lvl1pPr>
+          </a:lstStyle>
+          <a:p>
+            <a:pPr lvl="0">
+              <a:defRPr sz="1800">
+                <a:solidFill>
+                  <a:srgbClr val="000000"/>
+                </a:solidFill>
+              </a:defRPr>
+            </a:pPr>
+            <a:r>
+              <a:rPr lang="en-US" sz="2300" dirty="0" smtClean="0">
+                <a:solidFill>
+                  <a:srgbClr val="FFFFFF"/>
+                </a:solidFill>
+              </a:rPr>
+              <a:t>Introduction</a:t>
+            </a:r>
+            <a:endParaRPr sz="2300" dirty="0">
+              <a:solidFill>
+                <a:srgbClr val="FFFFFF"/>
+              </a:solidFill>
+            </a:endParaRPr>
+          </a:p>
+        </p:txBody>
+      </p:sp>
+      <p:sp>
+        <p:nvSpPr>
+          <p:cNvPr id="16" name="Shape 74"/>
+          <p:cNvSpPr/>
+          <p:nvPr/>
+        </p:nvSpPr>
+        <p:spPr>
+          <a:xfrm>
+            <a:off x="0" y="406400"/>
+            <a:ext cx="14147800" cy="1270000"/>
+          </a:xfrm>
+          <a:prstGeom prst="rect">
+            <a:avLst/>
+          </a:prstGeom>
+          <a:solidFill>
+            <a:srgbClr val="EBEBEB"/>
+          </a:solidFill>
+          <a:ln w="12700">
+            <a:miter lim="400000"/>
+          </a:ln>
+        </p:spPr>
+        <p:txBody>
+          <a:bodyPr lIns="0" tIns="0" rIns="0" bIns="0" anchor="ctr"/>
+          <a:lstStyle/>
+          <a:p>
+            <a:pPr lvl="0">
+              <a:defRPr sz="4000">
+                <a:solidFill>
+                  <a:srgbClr val="FFFFFF"/>
+                </a:solidFill>
+                <a:effectLst>
+                  <a:outerShdw blurRad="38100" dist="12700" dir="5400000" rotWithShape="0">
+                    <a:srgbClr val="000000">
+                      <a:alpha val="50000"/>
+                    </a:srgbClr>
+                  </a:outerShdw>
+                </a:effectLst>
+              </a:defRPr>
+            </a:pPr>
+            <a:endParaRPr/>
+          </a:p>
+        </p:txBody>
+      </p:sp>
+      <p:sp>
+        <p:nvSpPr>
+          <p:cNvPr id="17" name="Shape 75"/>
+          <p:cNvSpPr/>
+          <p:nvPr/>
+        </p:nvSpPr>
+        <p:spPr>
+          <a:xfrm>
+            <a:off x="355600" y="660400"/>
+            <a:ext cx="12280900" cy="749300"/>
+          </a:xfrm>
+          <a:prstGeom prst="rect">
+            <a:avLst/>
+          </a:prstGeom>
+          <a:ln w="12700">
+            <a:miter lim="400000"/>
+          </a:ln>
+          <a:extLst>
+            <a:ext uri="{C572A759-6A51-4108-AA02-DFA0A04FC94B}">
+              <ma14:wrappingTextBoxFlag xmlns:ma14="http://schemas.microsoft.com/office/mac/drawingml/2011/main" val="1"/>
+            </a:ext>
+          </a:extLst>
+        </p:spPr>
+        <p:txBody>
+          <a:bodyPr lIns="50800" tIns="50800" rIns="50800" bIns="50800" anchor="ctr">
+            <a:spAutoFit/>
+          </a:bodyPr>
+          <a:lstStyle>
+            <a:lvl1pPr algn="l">
+              <a:defRPr sz="4500">
+                <a:solidFill>
+                  <a:srgbClr val="B51A00"/>
+                </a:solidFill>
+                <a:latin typeface="Arial"/>
+                <a:ea typeface="Arial"/>
+                <a:cs typeface="Arial"/>
+                <a:sym typeface="Arial"/>
+              </a:defRPr>
+            </a:lvl1pPr>
+          </a:lstStyle>
+          <a:p>
+            <a:pPr lvl="0">
+              <a:defRPr sz="1800">
+                <a:solidFill>
+                  <a:srgbClr val="000000"/>
+                </a:solidFill>
+              </a:defRPr>
+            </a:pPr>
+            <a:r>
+              <a:rPr sz="4500">
+                <a:solidFill>
+                  <a:srgbClr val="B51A00"/>
+                </a:solidFill>
+              </a:rPr>
+              <a:t>Anatomia: cuore e sistema di conduzione</a:t>
+            </a:r>
+          </a:p>
+        </p:txBody>
+      </p:sp>
+    </p:spTree>
+    <p:extLst>
+      <p:ext uri="{BB962C8B-B14F-4D97-AF65-F5344CB8AC3E}">
+        <p14:creationId xmlns:p14="http://schemas.microsoft.com/office/powerpoint/2010/main" val="1550809644"/>
+      </p:ext>
+    </p:extLst>
+  </p:cSld>
+  <p:clrMapOvr>
+    <a:masterClrMapping/>
+  </p:clrMapOvr>
+  <p:transition spd="med"/>
+</p:sld>
+</file>
+
+<file path=ppt/slides/slide18.xml><?xml version="1.0" encoding="utf-8"?>
+<p:sld xmlns:a="http://schemas.openxmlformats.org/drawingml/2006/main" xmlns:r="http://schemas.openxmlformats.org/officeDocument/2006/relationships" xmlns:p="http://schemas.openxmlformats.org/presentationml/2006/main">
+  <p:cSld>
+    <p:spTree>
+      <p:nvGrpSpPr>
+        <p:cNvPr id="1" name=""/>
+        <p:cNvGrpSpPr/>
+        <p:nvPr/>
+      </p:nvGrpSpPr>
+      <p:grpSpPr>
+        <a:xfrm>
+          <a:off x="0" y="0"/>
+          <a:ext cx="0" cy="0"/>
+          <a:chOff x="0" y="0"/>
+          <a:chExt cx="0" cy="0"/>
+        </a:xfrm>
+      </p:grpSpPr>
+      <p:sp>
+        <p:nvSpPr>
+          <p:cNvPr id="42" name="Shape 42"/>
+          <p:cNvSpPr/>
+          <p:nvPr/>
+        </p:nvSpPr>
+        <p:spPr>
+          <a:xfrm>
+            <a:off x="0" y="0"/>
+            <a:ext cx="6159500" cy="444500"/>
+          </a:xfrm>
+          <a:prstGeom prst="rect">
+            <a:avLst/>
+          </a:prstGeom>
+          <a:solidFill>
+            <a:srgbClr val="B51A00"/>
+          </a:solidFill>
+          <a:ln w="12700">
+            <a:miter lim="400000"/>
+          </a:ln>
+        </p:spPr>
+        <p:txBody>
+          <a:bodyPr lIns="0" tIns="0" rIns="0" bIns="0" anchor="ctr"/>
+          <a:lstStyle/>
+          <a:p>
+            <a:pPr lvl="0">
+              <a:defRPr sz="4000">
+                <a:solidFill>
+                  <a:srgbClr val="FFFFFF"/>
+                </a:solidFill>
+                <a:effectLst>
+                  <a:outerShdw blurRad="38100" dist="12700" dir="5400000" rotWithShape="0">
+                    <a:srgbClr val="000000">
+                      <a:alpha val="50000"/>
+                    </a:srgbClr>
+                  </a:outerShdw>
+                </a:effectLst>
+              </a:defRPr>
+            </a:pPr>
+            <a:endParaRPr/>
+          </a:p>
+        </p:txBody>
+      </p:sp>
+      <p:sp>
+        <p:nvSpPr>
+          <p:cNvPr id="43" name="Shape 43"/>
+          <p:cNvSpPr/>
+          <p:nvPr/>
+        </p:nvSpPr>
+        <p:spPr>
+          <a:xfrm>
+            <a:off x="6159500" y="0"/>
+            <a:ext cx="6845300" cy="444500"/>
+          </a:xfrm>
+          <a:prstGeom prst="rect">
+            <a:avLst/>
+          </a:prstGeom>
+          <a:solidFill>
+            <a:srgbClr val="D6D6D6"/>
+          </a:solidFill>
+          <a:ln w="12700">
+            <a:miter lim="400000"/>
+          </a:ln>
+        </p:spPr>
+        <p:txBody>
+          <a:bodyPr lIns="0" tIns="0" rIns="0" bIns="0" anchor="ctr"/>
+          <a:lstStyle/>
+          <a:p>
+            <a:pPr lvl="0">
+              <a:defRPr sz="4000">
+                <a:solidFill>
+                  <a:srgbClr val="FFFFFF"/>
+                </a:solidFill>
+                <a:effectLst>
+                  <a:outerShdw blurRad="38100" dist="12700" dir="5400000" rotWithShape="0">
+                    <a:srgbClr val="000000">
+                      <a:alpha val="50000"/>
+                    </a:srgbClr>
+                  </a:outerShdw>
+                </a:effectLst>
+              </a:defRPr>
+            </a:pPr>
+            <a:endParaRPr/>
+          </a:p>
+        </p:txBody>
+      </p:sp>
+      <p:sp>
+        <p:nvSpPr>
+          <p:cNvPr id="44" name="Shape 44"/>
+          <p:cNvSpPr/>
+          <p:nvPr/>
+        </p:nvSpPr>
+        <p:spPr>
+          <a:xfrm>
+            <a:off x="-1" y="9245600"/>
+            <a:ext cx="7494777" cy="520700"/>
+          </a:xfrm>
+          <a:prstGeom prst="rect">
+            <a:avLst/>
+          </a:prstGeom>
+          <a:solidFill>
+            <a:srgbClr val="B51A00"/>
+          </a:solidFill>
+          <a:ln w="12700">
+            <a:miter lim="400000"/>
+          </a:ln>
+        </p:spPr>
+        <p:txBody>
+          <a:bodyPr lIns="0" tIns="0" rIns="0" bIns="0" anchor="ctr"/>
+          <a:lstStyle/>
+          <a:p>
+            <a:pPr lvl="0">
+              <a:defRPr sz="4000">
+                <a:solidFill>
+                  <a:srgbClr val="FFFFFF"/>
+                </a:solidFill>
+                <a:effectLst>
+                  <a:outerShdw blurRad="38100" dist="12700" dir="5400000" rotWithShape="0">
+                    <a:srgbClr val="000000">
+                      <a:alpha val="50000"/>
+                    </a:srgbClr>
+                  </a:outerShdw>
+                </a:effectLst>
+              </a:defRPr>
+            </a:pPr>
+            <a:endParaRPr/>
+          </a:p>
+        </p:txBody>
+      </p:sp>
+      <p:sp>
+        <p:nvSpPr>
+          <p:cNvPr id="45" name="Shape 45"/>
+          <p:cNvSpPr/>
+          <p:nvPr/>
+        </p:nvSpPr>
+        <p:spPr>
+          <a:xfrm>
+            <a:off x="7218946" y="9245600"/>
+            <a:ext cx="5785853" cy="520700"/>
+          </a:xfrm>
+          <a:prstGeom prst="rect">
+            <a:avLst/>
+          </a:prstGeom>
+          <a:solidFill>
+            <a:srgbClr val="D6D6D6"/>
+          </a:solidFill>
+          <a:ln w="12700">
+            <a:miter lim="400000"/>
+          </a:ln>
+        </p:spPr>
+        <p:txBody>
+          <a:bodyPr lIns="0" tIns="0" rIns="0" bIns="0" anchor="ctr"/>
+          <a:lstStyle/>
+          <a:p>
+            <a:pPr lvl="0">
+              <a:defRPr sz="4000">
+                <a:solidFill>
+                  <a:srgbClr val="FFFFFF"/>
+                </a:solidFill>
+                <a:effectLst>
+                  <a:outerShdw blurRad="38100" dist="12700" dir="5400000" rotWithShape="0">
+                    <a:srgbClr val="000000">
+                      <a:alpha val="50000"/>
+                    </a:srgbClr>
+                  </a:outerShdw>
+                </a:effectLst>
+              </a:defRPr>
+            </a:pPr>
+            <a:endParaRPr/>
+          </a:p>
+        </p:txBody>
+      </p:sp>
+      <p:sp>
+        <p:nvSpPr>
+          <p:cNvPr id="46" name="Shape 46"/>
+          <p:cNvSpPr/>
+          <p:nvPr/>
+        </p:nvSpPr>
+        <p:spPr>
+          <a:xfrm>
+            <a:off x="881508" y="9245600"/>
+            <a:ext cx="6155531" cy="456535"/>
+          </a:xfrm>
+          <a:prstGeom prst="rect">
+            <a:avLst/>
+          </a:prstGeom>
+          <a:ln w="12700">
+            <a:miter lim="400000"/>
+          </a:ln>
+          <a:extLst>
+            <a:ext uri="{C572A759-6A51-4108-AA02-DFA0A04FC94B}">
+              <ma14:wrappingTextBoxFlag xmlns:ma14="http://schemas.microsoft.com/office/mac/drawingml/2011/main" val="1"/>
+            </a:ext>
+          </a:extLst>
+        </p:spPr>
+        <p:txBody>
+          <a:bodyPr wrap="none" lIns="50800" tIns="50800" rIns="50800" bIns="50800" anchor="ctr">
+            <a:spAutoFit/>
+          </a:bodyPr>
+          <a:lstStyle>
+            <a:lvl1pPr>
+              <a:defRPr sz="2300">
+                <a:solidFill>
+                  <a:srgbClr val="FFFFFF"/>
+                </a:solidFill>
+              </a:defRPr>
+            </a:lvl1pPr>
+          </a:lstStyle>
+          <a:p>
+            <a:pPr lvl="0">
+              <a:defRPr sz="1800">
+                <a:solidFill>
+                  <a:srgbClr val="000000"/>
+                </a:solidFill>
+              </a:defRPr>
+            </a:pPr>
+            <a:r>
+              <a:rPr lang="en-US" sz="2300" dirty="0" err="1" smtClean="0">
+                <a:solidFill>
+                  <a:srgbClr val="FFFFFF"/>
+                </a:solidFill>
+              </a:rPr>
+              <a:t>Ondine</a:t>
+            </a:r>
+            <a:r>
+              <a:rPr lang="en-US" sz="2300" dirty="0" smtClean="0">
+                <a:solidFill>
+                  <a:srgbClr val="FFFFFF"/>
+                </a:solidFill>
+              </a:rPr>
+              <a:t> </a:t>
+            </a:r>
+            <a:r>
+              <a:rPr lang="en-US" sz="2300" dirty="0" err="1" smtClean="0">
+                <a:solidFill>
+                  <a:srgbClr val="FFFFFF"/>
+                </a:solidFill>
+              </a:rPr>
+              <a:t>Chanon</a:t>
+            </a:r>
+            <a:r>
+              <a:rPr lang="en-US" sz="2300" dirty="0" smtClean="0">
+                <a:solidFill>
+                  <a:srgbClr val="FFFFFF"/>
+                </a:solidFill>
+              </a:rPr>
+              <a:t>, Nicolas </a:t>
+            </a:r>
+            <a:r>
+              <a:rPr lang="en-US" sz="2300" dirty="0" err="1" smtClean="0">
+                <a:solidFill>
+                  <a:srgbClr val="FFFFFF"/>
+                </a:solidFill>
+              </a:rPr>
+              <a:t>Hubacher</a:t>
+            </a:r>
+            <a:r>
+              <a:rPr lang="en-US" sz="2300" dirty="0" smtClean="0">
+                <a:solidFill>
+                  <a:srgbClr val="FFFFFF"/>
+                </a:solidFill>
+              </a:rPr>
+              <a:t>, Stefano </a:t>
+            </a:r>
+            <a:r>
+              <a:rPr lang="en-US" sz="2300" dirty="0" err="1" smtClean="0">
+                <a:solidFill>
+                  <a:srgbClr val="FFFFFF"/>
+                </a:solidFill>
+              </a:rPr>
+              <a:t>Savar</a:t>
+            </a:r>
+            <a:r>
+              <a:rPr lang="en-US" sz="2300" dirty="0" err="1" smtClean="0">
+                <a:solidFill>
+                  <a:srgbClr val="FFFFFF"/>
+                </a:solidFill>
+              </a:rPr>
+              <a:t>è</a:t>
+            </a:r>
+            <a:endParaRPr sz="2300" dirty="0">
+              <a:solidFill>
+                <a:srgbClr val="FFFFFF"/>
+              </a:solidFill>
+            </a:endParaRPr>
+          </a:p>
+        </p:txBody>
+      </p:sp>
+      <p:sp>
+        <p:nvSpPr>
+          <p:cNvPr id="47" name="Shape 47"/>
+          <p:cNvSpPr/>
+          <p:nvPr/>
+        </p:nvSpPr>
+        <p:spPr>
+          <a:xfrm>
+            <a:off x="7494777" y="9254939"/>
+            <a:ext cx="2925481" cy="471924"/>
+          </a:xfrm>
+          <a:prstGeom prst="rect">
+            <a:avLst/>
+          </a:prstGeom>
+          <a:ln w="12700">
+            <a:miter lim="400000"/>
+          </a:ln>
+          <a:extLst>
+            <a:ext uri="{C572A759-6A51-4108-AA02-DFA0A04FC94B}">
+              <ma14:wrappingTextBoxFlag xmlns:ma14="http://schemas.microsoft.com/office/mac/drawingml/2011/main" val="1"/>
+            </a:ext>
+          </a:extLst>
+        </p:spPr>
+        <p:txBody>
+          <a:bodyPr wrap="none" lIns="50800" tIns="50800" rIns="50800" bIns="50800" anchor="ctr">
+            <a:spAutoFit/>
+          </a:bodyPr>
+          <a:lstStyle>
+            <a:lvl1pPr>
+              <a:defRPr sz="2300"/>
+            </a:lvl1pPr>
+          </a:lstStyle>
+          <a:p>
+            <a:pPr lvl="0">
+              <a:defRPr sz="1800"/>
+            </a:pPr>
+            <a:r>
+              <a:rPr lang="en-US" sz="2400" dirty="0" smtClean="0"/>
+              <a:t>December, 16th</a:t>
+            </a:r>
+            <a:r>
+              <a:rPr sz="2400" dirty="0" smtClean="0"/>
+              <a:t>  201</a:t>
+            </a:r>
+            <a:r>
+              <a:rPr lang="en-US" sz="2400" dirty="0" smtClean="0"/>
+              <a:t>5</a:t>
+            </a:r>
+            <a:endParaRPr sz="2400" dirty="0"/>
+          </a:p>
+        </p:txBody>
+      </p:sp>
+      <p:sp>
+        <p:nvSpPr>
+          <p:cNvPr id="54" name="Shape 54"/>
+          <p:cNvSpPr/>
+          <p:nvPr/>
+        </p:nvSpPr>
+        <p:spPr>
+          <a:xfrm>
+            <a:off x="4214998" y="-82216"/>
+            <a:ext cx="1603003" cy="456535"/>
+          </a:xfrm>
+          <a:prstGeom prst="rect">
+            <a:avLst/>
+          </a:prstGeom>
+          <a:ln w="12700">
+            <a:miter lim="400000"/>
+          </a:ln>
+          <a:extLst>
+            <a:ext uri="{C572A759-6A51-4108-AA02-DFA0A04FC94B}">
+              <ma14:wrappingTextBoxFlag xmlns:ma14="http://schemas.microsoft.com/office/mac/drawingml/2011/main" val="1"/>
+            </a:ext>
+          </a:extLst>
+        </p:spPr>
+        <p:txBody>
+          <a:bodyPr wrap="none" lIns="50800" tIns="50800" rIns="50800" bIns="50800" anchor="ctr">
+            <a:spAutoFit/>
+          </a:bodyPr>
+          <a:lstStyle>
+            <a:lvl1pPr>
+              <a:defRPr sz="2300">
+                <a:solidFill>
+                  <a:srgbClr val="FFFFFF"/>
+                </a:solidFill>
+              </a:defRPr>
+            </a:lvl1pPr>
+          </a:lstStyle>
+          <a:p>
+            <a:pPr lvl="0">
+              <a:defRPr sz="1800">
+                <a:solidFill>
+                  <a:srgbClr val="000000"/>
+                </a:solidFill>
+              </a:defRPr>
+            </a:pPr>
+            <a:r>
+              <a:rPr lang="en-US" sz="2300" dirty="0" smtClean="0">
+                <a:solidFill>
+                  <a:srgbClr val="FFFFFF"/>
+                </a:solidFill>
+              </a:rPr>
+              <a:t>Introduction</a:t>
+            </a:r>
+            <a:endParaRPr sz="2300" dirty="0">
+              <a:solidFill>
+                <a:srgbClr val="FFFFFF"/>
+              </a:solidFill>
+            </a:endParaRPr>
+          </a:p>
+        </p:txBody>
+      </p:sp>
+      <p:sp>
+        <p:nvSpPr>
+          <p:cNvPr id="16" name="Shape 74"/>
+          <p:cNvSpPr/>
+          <p:nvPr/>
+        </p:nvSpPr>
+        <p:spPr>
+          <a:xfrm>
+            <a:off x="0" y="406400"/>
+            <a:ext cx="14147800" cy="1270000"/>
+          </a:xfrm>
+          <a:prstGeom prst="rect">
+            <a:avLst/>
+          </a:prstGeom>
+          <a:solidFill>
+            <a:srgbClr val="EBEBEB"/>
+          </a:solidFill>
+          <a:ln w="12700">
+            <a:miter lim="400000"/>
+          </a:ln>
+        </p:spPr>
+        <p:txBody>
+          <a:bodyPr lIns="0" tIns="0" rIns="0" bIns="0" anchor="ctr"/>
+          <a:lstStyle/>
+          <a:p>
+            <a:pPr lvl="0">
+              <a:defRPr sz="4000">
+                <a:solidFill>
+                  <a:srgbClr val="FFFFFF"/>
+                </a:solidFill>
+                <a:effectLst>
+                  <a:outerShdw blurRad="38100" dist="12700" dir="5400000" rotWithShape="0">
+                    <a:srgbClr val="000000">
+                      <a:alpha val="50000"/>
+                    </a:srgbClr>
+                  </a:outerShdw>
+                </a:effectLst>
+              </a:defRPr>
+            </a:pPr>
+            <a:endParaRPr/>
+          </a:p>
+        </p:txBody>
+      </p:sp>
+      <p:sp>
+        <p:nvSpPr>
+          <p:cNvPr id="17" name="Shape 75"/>
+          <p:cNvSpPr/>
+          <p:nvPr/>
+        </p:nvSpPr>
+        <p:spPr>
+          <a:xfrm>
+            <a:off x="355600" y="660400"/>
+            <a:ext cx="12280900" cy="749300"/>
+          </a:xfrm>
+          <a:prstGeom prst="rect">
+            <a:avLst/>
+          </a:prstGeom>
+          <a:ln w="12700">
+            <a:miter lim="400000"/>
+          </a:ln>
+          <a:extLst>
+            <a:ext uri="{C572A759-6A51-4108-AA02-DFA0A04FC94B}">
+              <ma14:wrappingTextBoxFlag xmlns:ma14="http://schemas.microsoft.com/office/mac/drawingml/2011/main" val="1"/>
+            </a:ext>
+          </a:extLst>
+        </p:spPr>
+        <p:txBody>
+          <a:bodyPr lIns="50800" tIns="50800" rIns="50800" bIns="50800" anchor="ctr">
+            <a:spAutoFit/>
+          </a:bodyPr>
+          <a:lstStyle>
+            <a:lvl1pPr algn="l">
+              <a:defRPr sz="4500">
+                <a:solidFill>
+                  <a:srgbClr val="B51A00"/>
+                </a:solidFill>
+                <a:latin typeface="Arial"/>
+                <a:ea typeface="Arial"/>
+                <a:cs typeface="Arial"/>
+                <a:sym typeface="Arial"/>
+              </a:defRPr>
+            </a:lvl1pPr>
+          </a:lstStyle>
+          <a:p>
+            <a:pPr lvl="0">
+              <a:defRPr sz="1800">
+                <a:solidFill>
+                  <a:srgbClr val="000000"/>
+                </a:solidFill>
+              </a:defRPr>
+            </a:pPr>
+            <a:r>
+              <a:rPr sz="4500">
+                <a:solidFill>
+                  <a:srgbClr val="B51A00"/>
+                </a:solidFill>
+              </a:rPr>
+              <a:t>Anatomia: cuore e sistema di conduzione</a:t>
+            </a:r>
+          </a:p>
+        </p:txBody>
+      </p:sp>
+    </p:spTree>
+    <p:extLst>
+      <p:ext uri="{BB962C8B-B14F-4D97-AF65-F5344CB8AC3E}">
+        <p14:creationId xmlns:p14="http://schemas.microsoft.com/office/powerpoint/2010/main" val="865116066"/>
+      </p:ext>
+    </p:extLst>
+  </p:cSld>
+  <p:clrMapOvr>
+    <a:masterClrMapping/>
+  </p:clrMapOvr>
+  <p:transition spd="med"/>
+</p:sld>
+</file>
+
+<file path=ppt/slides/slide19.xml><?xml version="1.0" encoding="utf-8"?>
+<p:sld xmlns:a="http://schemas.openxmlformats.org/drawingml/2006/main" xmlns:r="http://schemas.openxmlformats.org/officeDocument/2006/relationships" xmlns:p="http://schemas.openxmlformats.org/presentationml/2006/main">
+  <p:cSld>
+    <p:spTree>
+      <p:nvGrpSpPr>
+        <p:cNvPr id="1" name=""/>
+        <p:cNvGrpSpPr/>
+        <p:nvPr/>
+      </p:nvGrpSpPr>
+      <p:grpSpPr>
+        <a:xfrm>
+          <a:off x="0" y="0"/>
+          <a:ext cx="0" cy="0"/>
+          <a:chOff x="0" y="0"/>
+          <a:chExt cx="0" cy="0"/>
+        </a:xfrm>
+      </p:grpSpPr>
+      <p:sp>
+        <p:nvSpPr>
+          <p:cNvPr id="57" name="Shape 57"/>
+          <p:cNvSpPr/>
+          <p:nvPr/>
+        </p:nvSpPr>
+        <p:spPr>
+          <a:xfrm>
+            <a:off x="0" y="0"/>
+            <a:ext cx="6159500" cy="546100"/>
+          </a:xfrm>
+          <a:prstGeom prst="rect">
+            <a:avLst/>
+          </a:prstGeom>
+          <a:solidFill>
+            <a:srgbClr val="B51A00"/>
+          </a:solidFill>
+          <a:ln w="12700">
+            <a:miter lim="400000"/>
+          </a:ln>
+        </p:spPr>
+        <p:txBody>
+          <a:bodyPr lIns="0" tIns="0" rIns="0" bIns="0" anchor="ctr"/>
+          <a:lstStyle/>
+          <a:p>
+            <a:pPr lvl="0">
+              <a:defRPr sz="4000">
+                <a:solidFill>
+                  <a:srgbClr val="FFFFFF"/>
+                </a:solidFill>
+                <a:effectLst>
+                  <a:outerShdw blurRad="38100" dist="12700" dir="5400000" rotWithShape="0">
+                    <a:srgbClr val="000000">
+                      <a:alpha val="50000"/>
+                    </a:srgbClr>
+                  </a:outerShdw>
+                </a:effectLst>
+              </a:defRPr>
+            </a:pPr>
+            <a:endParaRPr/>
+          </a:p>
+        </p:txBody>
+      </p:sp>
+      <p:sp>
+        <p:nvSpPr>
+          <p:cNvPr id="58" name="Shape 58"/>
+          <p:cNvSpPr/>
+          <p:nvPr/>
+        </p:nvSpPr>
+        <p:spPr>
+          <a:xfrm>
+            <a:off x="6159500" y="0"/>
+            <a:ext cx="6845300" cy="546100"/>
+          </a:xfrm>
+          <a:prstGeom prst="rect">
+            <a:avLst/>
+          </a:prstGeom>
+          <a:solidFill>
+            <a:srgbClr val="C0C0C0"/>
+          </a:solidFill>
+          <a:ln w="12700">
+            <a:miter lim="400000"/>
+          </a:ln>
+        </p:spPr>
+        <p:txBody>
+          <a:bodyPr lIns="0" tIns="0" rIns="0" bIns="0" anchor="ctr"/>
+          <a:lstStyle/>
+          <a:p>
+            <a:pPr lvl="0">
+              <a:defRPr sz="4000">
+                <a:solidFill>
+                  <a:srgbClr val="FFFFFF"/>
+                </a:solidFill>
+                <a:effectLst>
+                  <a:outerShdw blurRad="38100" dist="12700" dir="5400000" rotWithShape="0">
+                    <a:srgbClr val="000000">
+                      <a:alpha val="50000"/>
+                    </a:srgbClr>
+                  </a:outerShdw>
+                </a:effectLst>
+              </a:defRPr>
+            </a:pPr>
+            <a:endParaRPr/>
+          </a:p>
+        </p:txBody>
+      </p:sp>
+      <p:sp>
+        <p:nvSpPr>
+          <p:cNvPr id="59" name="Shape 59"/>
+          <p:cNvSpPr/>
+          <p:nvPr/>
+        </p:nvSpPr>
+        <p:spPr>
+          <a:xfrm>
+            <a:off x="0" y="406400"/>
+            <a:ext cx="14147800" cy="1270000"/>
+          </a:xfrm>
+          <a:prstGeom prst="rect">
+            <a:avLst/>
+          </a:prstGeom>
+          <a:solidFill>
+            <a:srgbClr val="EBEBEB"/>
+          </a:solidFill>
+          <a:ln w="12700">
+            <a:miter lim="400000"/>
+          </a:ln>
+        </p:spPr>
+        <p:txBody>
+          <a:bodyPr lIns="0" tIns="0" rIns="0" bIns="0" anchor="ctr"/>
+          <a:lstStyle/>
+          <a:p>
+            <a:pPr lvl="0">
+              <a:defRPr sz="4000">
+                <a:solidFill>
+                  <a:srgbClr val="FFFFFF"/>
+                </a:solidFill>
+                <a:effectLst>
+                  <a:outerShdw blurRad="38100" dist="12700" dir="5400000" rotWithShape="0">
+                    <a:srgbClr val="000000">
+                      <a:alpha val="50000"/>
+                    </a:srgbClr>
+                  </a:outerShdw>
+                </a:effectLst>
+              </a:defRPr>
+            </a:pPr>
+            <a:endParaRPr/>
+          </a:p>
+        </p:txBody>
+      </p:sp>
+      <p:sp>
+        <p:nvSpPr>
+          <p:cNvPr id="60" name="Shape 60"/>
+          <p:cNvSpPr/>
+          <p:nvPr/>
+        </p:nvSpPr>
+        <p:spPr>
+          <a:xfrm>
+            <a:off x="355600" y="660589"/>
+            <a:ext cx="12280900" cy="748923"/>
+          </a:xfrm>
+          <a:prstGeom prst="rect">
+            <a:avLst/>
+          </a:prstGeom>
+          <a:ln w="12700">
+            <a:miter lim="400000"/>
+          </a:ln>
+          <a:extLst>
+            <a:ext uri="{C572A759-6A51-4108-AA02-DFA0A04FC94B}">
+              <ma14:wrappingTextBoxFlag xmlns:ma14="http://schemas.microsoft.com/office/mac/drawingml/2011/main" val="1"/>
+            </a:ext>
+          </a:extLst>
+        </p:spPr>
+        <p:txBody>
+          <a:bodyPr lIns="50800" tIns="50800" rIns="50800" bIns="50800" anchor="ctr">
+            <a:spAutoFit/>
+          </a:bodyPr>
+          <a:lstStyle>
+            <a:lvl1pPr algn="l">
+              <a:defRPr>
+                <a:solidFill>
+                  <a:srgbClr val="B51A00"/>
+                </a:solidFill>
+                <a:latin typeface="Arial"/>
+                <a:ea typeface="Arial"/>
+                <a:cs typeface="Arial"/>
+                <a:sym typeface="Arial"/>
+              </a:defRPr>
+            </a:lvl1pPr>
+          </a:lstStyle>
+          <a:p>
+            <a:pPr lvl="0">
+              <a:defRPr sz="1800">
+                <a:solidFill>
+                  <a:srgbClr val="000000"/>
+                </a:solidFill>
+              </a:defRPr>
+            </a:pPr>
+            <a:r>
+              <a:rPr sz="4200" dirty="0" smtClean="0">
+                <a:solidFill>
+                  <a:srgbClr val="B51A00"/>
+                </a:solidFill>
+              </a:rPr>
+              <a:t>Bibliogra</a:t>
+            </a:r>
+            <a:r>
+              <a:rPr lang="en-US" sz="4200" dirty="0" smtClean="0">
+                <a:solidFill>
+                  <a:srgbClr val="B51A00"/>
+                </a:solidFill>
+              </a:rPr>
+              <a:t>phy</a:t>
+            </a:r>
+            <a:endParaRPr sz="4200" dirty="0">
+              <a:solidFill>
+                <a:srgbClr val="B51A00"/>
+              </a:solidFill>
+            </a:endParaRPr>
+          </a:p>
+        </p:txBody>
+      </p:sp>
+      <p:sp>
+        <p:nvSpPr>
+          <p:cNvPr id="61" name="Shape 61"/>
+          <p:cNvSpPr/>
+          <p:nvPr/>
+        </p:nvSpPr>
+        <p:spPr>
+          <a:xfrm>
+            <a:off x="4780849" y="-12700"/>
+            <a:ext cx="1299047" cy="368300"/>
+          </a:xfrm>
+          <a:prstGeom prst="rect">
+            <a:avLst/>
+          </a:prstGeom>
+          <a:ln w="12700">
+            <a:miter lim="400000"/>
+          </a:ln>
+          <a:extLst>
+            <a:ext uri="{C572A759-6A51-4108-AA02-DFA0A04FC94B}">
+              <ma14:wrappingTextBoxFlag xmlns:ma14="http://schemas.microsoft.com/office/mac/drawingml/2011/main" val="1"/>
+            </a:ext>
+          </a:extLst>
+        </p:spPr>
+        <p:txBody>
+          <a:bodyPr wrap="none" lIns="50800" tIns="50800" rIns="50800" bIns="50800" anchor="ctr">
+            <a:spAutoFit/>
+          </a:bodyPr>
+          <a:lstStyle>
+            <a:lvl1pPr>
+              <a:defRPr sz="1800">
+                <a:solidFill>
+                  <a:srgbClr val="FFFFFF"/>
+                </a:solidFill>
+              </a:defRPr>
+            </a:lvl1pPr>
+          </a:lstStyle>
+          <a:p>
+            <a:pPr lvl="0">
+              <a:defRPr>
+                <a:solidFill>
+                  <a:srgbClr val="000000"/>
+                </a:solidFill>
+              </a:defRPr>
+            </a:pPr>
+            <a:r>
+              <a:rPr>
+                <a:solidFill>
+                  <a:srgbClr val="FFFFFF"/>
+                </a:solidFill>
+              </a:rPr>
+              <a:t>Introduzione</a:t>
+            </a:r>
+          </a:p>
+        </p:txBody>
+      </p:sp>
+      <p:sp>
+        <p:nvSpPr>
+          <p:cNvPr id="62" name="Shape 62"/>
+          <p:cNvSpPr/>
+          <p:nvPr/>
+        </p:nvSpPr>
+        <p:spPr>
+          <a:xfrm>
+            <a:off x="0" y="9245600"/>
+            <a:ext cx="4635500" cy="520700"/>
+          </a:xfrm>
+          <a:prstGeom prst="rect">
+            <a:avLst/>
+          </a:prstGeom>
+          <a:solidFill>
+            <a:srgbClr val="B51A00"/>
+          </a:solidFill>
+          <a:ln w="12700">
+            <a:miter lim="400000"/>
+          </a:ln>
+        </p:spPr>
+        <p:txBody>
+          <a:bodyPr lIns="0" tIns="0" rIns="0" bIns="0" anchor="ctr"/>
+          <a:lstStyle/>
+          <a:p>
+            <a:pPr lvl="0">
+              <a:defRPr sz="4000">
+                <a:solidFill>
+                  <a:srgbClr val="FFFFFF"/>
+                </a:solidFill>
+                <a:effectLst>
+                  <a:outerShdw blurRad="38100" dist="12700" dir="5400000" rotWithShape="0">
+                    <a:srgbClr val="000000">
+                      <a:alpha val="50000"/>
+                    </a:srgbClr>
+                  </a:outerShdw>
+                </a:effectLst>
+              </a:defRPr>
+            </a:pPr>
+            <a:endParaRPr/>
+          </a:p>
+        </p:txBody>
+      </p:sp>
+      <p:sp>
+        <p:nvSpPr>
+          <p:cNvPr id="63" name="Shape 63"/>
+          <p:cNvSpPr/>
+          <p:nvPr/>
+        </p:nvSpPr>
+        <p:spPr>
+          <a:xfrm>
+            <a:off x="4635500" y="9245600"/>
+            <a:ext cx="8369300" cy="520700"/>
+          </a:xfrm>
+          <a:prstGeom prst="rect">
+            <a:avLst/>
+          </a:prstGeom>
+          <a:solidFill>
+            <a:srgbClr val="D6D6D6"/>
+          </a:solidFill>
+          <a:ln w="12700">
+            <a:miter lim="400000"/>
+          </a:ln>
+        </p:spPr>
+        <p:txBody>
+          <a:bodyPr lIns="0" tIns="0" rIns="0" bIns="0" anchor="ctr"/>
+          <a:lstStyle/>
+          <a:p>
+            <a:pPr lvl="0">
+              <a:defRPr sz="4000">
+                <a:solidFill>
+                  <a:srgbClr val="FFFFFF"/>
+                </a:solidFill>
+                <a:effectLst>
+                  <a:outerShdw blurRad="38100" dist="12700" dir="5400000" rotWithShape="0">
+                    <a:srgbClr val="000000">
+                      <a:alpha val="50000"/>
+                    </a:srgbClr>
+                  </a:outerShdw>
+                </a:effectLst>
+              </a:defRPr>
+            </a:pPr>
+            <a:endParaRPr/>
+          </a:p>
+        </p:txBody>
+      </p:sp>
+      <p:sp>
+        <p:nvSpPr>
+          <p:cNvPr id="64" name="Shape 64"/>
+          <p:cNvSpPr/>
+          <p:nvPr/>
+        </p:nvSpPr>
+        <p:spPr>
+          <a:xfrm>
+            <a:off x="2611533" y="9239250"/>
+            <a:ext cx="1827679" cy="431800"/>
+          </a:xfrm>
+          <a:prstGeom prst="rect">
+            <a:avLst/>
+          </a:prstGeom>
+          <a:ln w="12700">
+            <a:miter lim="400000"/>
+          </a:ln>
+          <a:extLst>
+            <a:ext uri="{C572A759-6A51-4108-AA02-DFA0A04FC94B}">
+              <ma14:wrappingTextBoxFlag xmlns:ma14="http://schemas.microsoft.com/office/mac/drawingml/2011/main" val="1"/>
+            </a:ext>
+          </a:extLst>
+        </p:spPr>
+        <p:txBody>
+          <a:bodyPr wrap="none" lIns="50800" tIns="50800" rIns="50800" bIns="50800" anchor="ctr">
+            <a:spAutoFit/>
+          </a:bodyPr>
+          <a:lstStyle>
+            <a:lvl1pPr>
+              <a:defRPr sz="2300">
+                <a:solidFill>
+                  <a:srgbClr val="FFFFFF"/>
+                </a:solidFill>
+              </a:defRPr>
+            </a:lvl1pPr>
+          </a:lstStyle>
+          <a:p>
+            <a:pPr lvl="0">
+              <a:defRPr sz="1800">
+                <a:solidFill>
+                  <a:srgbClr val="000000"/>
+                </a:solidFill>
+              </a:defRPr>
+            </a:pPr>
+            <a:r>
+              <a:rPr sz="2300">
+                <a:solidFill>
+                  <a:srgbClr val="FFFFFF"/>
+                </a:solidFill>
+              </a:rPr>
+              <a:t>Stefano Savarè</a:t>
+            </a:r>
+          </a:p>
+        </p:txBody>
+      </p:sp>
+      <p:sp>
+        <p:nvSpPr>
+          <p:cNvPr id="65" name="Shape 65"/>
+          <p:cNvSpPr/>
+          <p:nvPr/>
+        </p:nvSpPr>
+        <p:spPr>
+          <a:xfrm>
+            <a:off x="4821535" y="9239250"/>
+            <a:ext cx="2360675" cy="431800"/>
+          </a:xfrm>
+          <a:prstGeom prst="rect">
+            <a:avLst/>
+          </a:prstGeom>
+          <a:ln w="12700">
+            <a:miter lim="400000"/>
+          </a:ln>
+          <a:extLst>
+            <a:ext uri="{C572A759-6A51-4108-AA02-DFA0A04FC94B}">
+              <ma14:wrappingTextBoxFlag xmlns:ma14="http://schemas.microsoft.com/office/mac/drawingml/2011/main" val="1"/>
+            </a:ext>
+          </a:extLst>
+        </p:spPr>
+        <p:txBody>
+          <a:bodyPr wrap="none" lIns="50800" tIns="50800" rIns="50800" bIns="50800" anchor="ctr">
+            <a:spAutoFit/>
+          </a:bodyPr>
+          <a:lstStyle>
+            <a:lvl1pPr>
+              <a:defRPr sz="2300"/>
+            </a:lvl1pPr>
+          </a:lstStyle>
+          <a:p>
+            <a:pPr lvl="0">
+              <a:defRPr sz="1800"/>
+            </a:pPr>
+            <a:r>
+              <a:rPr sz="2300"/>
+              <a:t>30 settembre 2014</a:t>
+            </a:r>
+          </a:p>
+        </p:txBody>
+      </p:sp>
+      <p:sp>
+        <p:nvSpPr>
+          <p:cNvPr id="66" name="Shape 66"/>
+          <p:cNvSpPr/>
+          <p:nvPr/>
+        </p:nvSpPr>
+        <p:spPr>
+          <a:xfrm>
+            <a:off x="179675" y="5137150"/>
+            <a:ext cx="12039601" cy="1219200"/>
+          </a:xfrm>
+          <a:prstGeom prst="rect">
+            <a:avLst/>
+          </a:prstGeom>
+          <a:ln w="12700">
+            <a:miter lim="400000"/>
+          </a:ln>
+          <a:extLst>
+            <a:ext uri="{C572A759-6A51-4108-AA02-DFA0A04FC94B}">
+              <ma14:wrappingTextBoxFlag xmlns:ma14="http://schemas.microsoft.com/office/mac/drawingml/2011/main" val="1"/>
+            </a:ext>
+          </a:extLst>
+        </p:spPr>
+        <p:txBody>
+          <a:bodyPr lIns="50800" tIns="50800" rIns="50800" bIns="50800" anchor="ctr">
+            <a:spAutoFit/>
+          </a:bodyPr>
+          <a:lstStyle/>
+          <a:p>
+            <a:pPr marL="237066" lvl="0" indent="-237066" algn="just">
+              <a:lnSpc>
+                <a:spcPct val="80000"/>
+              </a:lnSpc>
+              <a:buSzPct val="100000"/>
+              <a:buBlip>
+                <a:blip r:embed="rId2"/>
+              </a:buBlip>
+              <a:defRPr sz="1800"/>
+            </a:pPr>
+            <a:r>
+              <a:rPr sz="2400"/>
+              <a:t> </a:t>
+            </a:r>
+            <a:r>
+              <a:rPr sz="2400">
+                <a:solidFill>
+                  <a:srgbClr val="B51A00"/>
+                </a:solidFill>
+              </a:rPr>
+              <a:t>P. Colli Franzone, L. Guerri, M. Pennacchio, e B. Taccardi </a:t>
+            </a:r>
+            <a:br>
+              <a:rPr sz="2400">
+                <a:solidFill>
+                  <a:srgbClr val="B51A00"/>
+                </a:solidFill>
+              </a:rPr>
+            </a:br>
+            <a:r>
+              <a:rPr sz="2200"/>
+              <a:t>Spread of excitation in 3-D models of the anisotropic cardiac tissue. II. Effec- ts of fiber architecture and ventricular geometry </a:t>
+            </a:r>
+            <a:br>
+              <a:rPr sz="2200"/>
+            </a:br>
+            <a:r>
+              <a:rPr sz="2200" i="1">
+                <a:solidFill>
+                  <a:srgbClr val="B51A00"/>
+                </a:solidFill>
+              </a:rPr>
+              <a:t>Math. Biosci, 1998.</a:t>
+            </a:r>
+          </a:p>
+        </p:txBody>
+      </p:sp>
+      <p:sp>
+        <p:nvSpPr>
+          <p:cNvPr id="67" name="Shape 67"/>
+          <p:cNvSpPr/>
+          <p:nvPr/>
+        </p:nvSpPr>
+        <p:spPr>
+          <a:xfrm>
+            <a:off x="158204" y="3232150"/>
+            <a:ext cx="13068301" cy="1981200"/>
+          </a:xfrm>
+          <a:prstGeom prst="rect">
+            <a:avLst/>
+          </a:prstGeom>
+          <a:ln w="12700">
+            <a:miter lim="400000"/>
+          </a:ln>
+          <a:extLst>
+            <a:ext uri="{C572A759-6A51-4108-AA02-DFA0A04FC94B}">
+              <ma14:wrappingTextBoxFlag xmlns:ma14="http://schemas.microsoft.com/office/mac/drawingml/2011/main" val="1"/>
+            </a:ext>
+          </a:extLst>
+        </p:spPr>
+        <p:txBody>
+          <a:bodyPr lIns="50800" tIns="50800" rIns="50800" bIns="50800" anchor="ctr">
+            <a:spAutoFit/>
+          </a:bodyPr>
+          <a:lstStyle/>
+          <a:p>
+            <a:pPr marL="266700" lvl="0" indent="-266700" algn="l" defTabSz="457200">
+              <a:lnSpc>
+                <a:spcPct val="80000"/>
+              </a:lnSpc>
+              <a:spcBef>
+                <a:spcPts val="1200"/>
+              </a:spcBef>
+              <a:buSzPct val="100000"/>
+              <a:buBlip>
+                <a:blip r:embed="rId2"/>
+              </a:buBlip>
+              <a:tabLst>
+                <a:tab pos="139700" algn="l"/>
+                <a:tab pos="457200" algn="l"/>
+              </a:tabLst>
+              <a:defRPr sz="1800"/>
+            </a:pPr>
+            <a:r>
+              <a:rPr sz="2700" i="1" dirty="0">
+                <a:solidFill>
+                  <a:srgbClr val="B51A00"/>
+                </a:solidFill>
+                <a:latin typeface="Times"/>
+                <a:ea typeface="Times"/>
+                <a:cs typeface="Times"/>
+                <a:sym typeface="Times"/>
+              </a:rPr>
+              <a:t> </a:t>
+            </a:r>
+            <a:r>
+              <a:rPr sz="2400" dirty="0">
+                <a:solidFill>
+                  <a:srgbClr val="B51A00"/>
+                </a:solidFill>
+              </a:rPr>
+              <a:t>Palamara, C. Vergara, D. Catanzariti, E. Faggiano, M. Cen- tonze, C. Pangrazzi, M. Maines, and A. Quarteroni, </a:t>
+            </a:r>
+            <a:r>
+              <a:rPr sz="2700" dirty="0">
+                <a:solidFill>
+                  <a:srgbClr val="B51A00"/>
+                </a:solidFill>
+              </a:rPr>
+              <a:t/>
+            </a:r>
+            <a:br>
+              <a:rPr sz="2700" dirty="0">
+                <a:solidFill>
+                  <a:srgbClr val="B51A00"/>
+                </a:solidFill>
+              </a:rPr>
+            </a:br>
+            <a:r>
+              <a:rPr sz="2200" dirty="0"/>
+              <a:t>Patient- specific generation of the purkinje network driven by clinical measurements: The case of pathological propagationsy </a:t>
+            </a:r>
+            <a:br>
+              <a:rPr sz="2200" dirty="0"/>
+            </a:br>
+            <a:r>
+              <a:rPr sz="2200" i="1" dirty="0">
                 <a:solidFill>
                   <a:srgbClr val="B51A00"/>
                 </a:solidFill>
@@ -7271,6 +11300,13 @@
     <a:masterClrMapping/>
   </p:clrMapOvr>
   <p:transition spd="med"/>
+  <p:timing>
+    <p:tnLst>
+      <p:par>
+        <p:cTn id="1" dur="indefinite" restart="never" nodeType="tmRoot"/>
+      </p:par>
+    </p:tnLst>
+  </p:timing>
 </p:sld>
 </file>
 
@@ -8182,6 +12218,13 @@
     <a:masterClrMapping/>
   </p:clrMapOvr>
   <p:transition spd="med"/>
+  <p:timing>
+    <p:tnLst>
+      <p:par>
+        <p:cTn id="1" dur="indefinite" restart="never" nodeType="tmRoot"/>
+      </p:par>
+    </p:tnLst>
+  </p:timing>
 </p:sld>
 </file>
 
@@ -9467,6 +13510,13 @@
     <a:masterClrMapping/>
   </p:clrMapOvr>
   <p:transition spd="med"/>
+  <p:timing>
+    <p:tnLst>
+      <p:par>
+        <p:cTn id="1" dur="indefinite" restart="never" nodeType="tmRoot"/>
+      </p:par>
+    </p:tnLst>
+  </p:timing>
 </p:sld>
 </file>
 
@@ -10062,8 +14112,8 @@
         </p:nvSpPr>
         <p:spPr>
           <a:xfrm>
-            <a:off x="355600" y="1877424"/>
-            <a:ext cx="5445401" cy="5027017"/>
+            <a:off x="355600" y="1631203"/>
+            <a:ext cx="5445401" cy="5519460"/>
           </a:xfrm>
           <a:prstGeom prst="rect">
             <a:avLst/>
@@ -10153,7 +14203,53 @@
                 <a:uFillTx/>
                 <a:sym typeface="Gill Sans"/>
               </a:rPr>
-              <a:t>Keep formation</a:t>
+              <a:t>Keep formation </a:t>
+            </a:r>
+          </a:p>
+          <a:p>
+            <a:pPr marR="0" algn="l" defTabSz="584200" rtl="0" fontAlgn="auto" latinLnBrk="1" hangingPunct="0">
+              <a:lnSpc>
+                <a:spcPct val="100000"/>
+              </a:lnSpc>
+              <a:spcBef>
+                <a:spcPts val="0"/>
+              </a:spcBef>
+              <a:spcAft>
+                <a:spcPts val="0"/>
+              </a:spcAft>
+              <a:buClrTx/>
+              <a:buSzTx/>
+              <a:tabLst/>
+            </a:pPr>
+            <a:r>
+              <a:rPr lang="en-US" sz="3200" dirty="0">
+                <a:solidFill>
+                  <a:srgbClr val="000000"/>
+                </a:solidFill>
+              </a:rPr>
+              <a:t>	</a:t>
+            </a:r>
+            <a:r>
+              <a:rPr lang="en-US" sz="3200" dirty="0" smtClean="0">
+                <a:solidFill>
+                  <a:srgbClr val="000000"/>
+                </a:solidFill>
+              </a:rPr>
+              <a:t>- unit </a:t>
+            </a:r>
+            <a:r>
+              <a:rPr kumimoji="0" lang="en-US" sz="3200" b="0" i="0" u="none" strike="noStrike" cap="none" spc="0" normalizeH="0" baseline="0" dirty="0" smtClean="0">
+                <a:ln>
+                  <a:noFill/>
+                </a:ln>
+                <a:solidFill>
+                  <a:srgbClr val="000000"/>
+                </a:solidFill>
+                <a:effectLst/>
+                <a:uFillTx/>
+                <a:sym typeface="Gill Sans"/>
+              </a:rPr>
+              <a:t>centered</a:t>
             </a:r>
           </a:p>
           <a:p>
@@ -10433,6 +14529,13 @@
     <a:masterClrMapping/>
   </p:clrMapOvr>
   <p:transition spd="med"/>
+  <p:timing>
+    <p:tnLst>
+      <p:par>
+        <p:cTn id="1" dur="indefinite" restart="never" nodeType="tmRoot"/>
+      </p:par>
+    </p:tnLst>
+  </p:timing>
 </p:sld>
 </file>
 
@@ -11060,6 +15163,13 @@
     <a:masterClrMapping/>
   </p:clrMapOvr>
   <p:transition spd="med"/>
+  <p:timing>
+    <p:tnLst>
+      <p:par>
+        <p:cTn id="1" dur="indefinite" restart="never" nodeType="tmRoot"/>
+      </p:par>
+    </p:tnLst>
+  </p:timing>
 </p:sld>
 </file>
 
@@ -11687,6 +15797,13 @@
     <a:masterClrMapping/>
   </p:clrMapOvr>
   <p:transition spd="med"/>
+  <p:timing>
+    <p:tnLst>
+      <p:par>
+        <p:cTn id="1" dur="indefinite" restart="never" nodeType="tmRoot"/>
+      </p:par>
+    </p:tnLst>
+  </p:timing>
 </p:sld>
 </file>
 
@@ -12994,6 +17111,13 @@
     <a:masterClrMapping/>
   </p:clrMapOvr>
   <p:transition spd="med"/>
+  <p:timing>
+    <p:tnLst>
+      <p:par>
+        <p:cTn id="1" dur="indefinite" restart="never" nodeType="tmRoot"/>
+      </p:par>
+    </p:tnLst>
+  </p:timing>
 </p:sld>
 </file>
 
@@ -14002,6 +18126,13 @@
     <a:masterClrMapping/>
   </p:clrMapOvr>
   <p:transition spd="med"/>
+  <p:timing>
+    <p:tnLst>
+      <p:par>
+        <p:cTn id="1" dur="indefinite" restart="never" nodeType="tmRoot"/>
+      </p:par>
+    </p:tnLst>
+  </p:timing>
 </p:sld>
 </file>
 

--- a/Presentation/presentation.pptx
+++ b/Presentation/presentation.pptx
@@ -5,7 +5,7 @@
     <p:sldMasterId id="2147483648" r:id="rId1"/>
   </p:sldMasterIdLst>
   <p:notesMasterIdLst>
-    <p:notesMasterId r:id="rId21"/>
+    <p:notesMasterId r:id="rId19"/>
   </p:notesMasterIdLst>
   <p:sldIdLst>
     <p:sldId id="256" r:id="rId2"/>
@@ -25,8 +25,6 @@
     <p:sldId id="276" r:id="rId16"/>
     <p:sldId id="277" r:id="rId17"/>
     <p:sldId id="271" r:id="rId18"/>
-    <p:sldId id="272" r:id="rId19"/>
-    <p:sldId id="257" r:id="rId20"/>
   </p:sldIdLst>
   <p:sldSz cx="13004800" cy="9753600"/>
   <p:notesSz cx="6858000" cy="9144000"/>
@@ -1897,7 +1895,7 @@
           </a:ln>
           <a:extLst>
             <a:ext uri="{C572A759-6A51-4108-AA02-DFA0A04FC94B}">
-              <ma14:wrappingTextBoxFlag xmlns:ma14="http://schemas.microsoft.com/office/mac/drawingml/2011/main" val="1"/>
+              <ma14:wrappingTextBoxFlag xmlns:ma14="http://schemas.microsoft.com/office/mac/drawingml/2011/main" xmlns="" val="1"/>
             </a:ext>
           </a:extLst>
         </p:spPr>
@@ -1938,7 +1936,7 @@
           </a:ln>
           <a:extLst>
             <a:ext uri="{C572A759-6A51-4108-AA02-DFA0A04FC94B}">
-              <ma14:wrappingTextBoxFlag xmlns:ma14="http://schemas.microsoft.com/office/mac/drawingml/2011/main" val="1"/>
+              <ma14:wrappingTextBoxFlag xmlns:ma14="http://schemas.microsoft.com/office/mac/drawingml/2011/main" xmlns="" val="1"/>
             </a:ext>
           </a:extLst>
         </p:spPr>
@@ -2518,7 +2516,7 @@
           </a:ln>
           <a:extLst>
             <a:ext uri="{C572A759-6A51-4108-AA02-DFA0A04FC94B}">
-              <ma14:wrappingTextBoxFlag xmlns:ma14="http://schemas.microsoft.com/office/mac/drawingml/2011/main" val="1"/>
+              <ma14:wrappingTextBoxFlag xmlns:ma14="http://schemas.microsoft.com/office/mac/drawingml/2011/main" xmlns="" val="1"/>
             </a:ext>
           </a:extLst>
         </p:spPr>
@@ -2597,15 +2595,7 @@
                   <a:srgbClr val="FFFFFF"/>
                 </a:solidFill>
               </a:rPr>
-              <a:t>Savar</a:t>
-            </a:r>
-            <a:r>
-              <a:rPr lang="en-US" sz="2300" dirty="0" err="1" smtClean="0">
-                <a:solidFill>
-                  <a:srgbClr val="FFFFFF"/>
-                </a:solidFill>
-              </a:rPr>
-              <a:t>è</a:t>
+              <a:t>Savarè</a:t>
             </a:r>
             <a:endParaRPr sz="2300" dirty="0">
               <a:solidFill>
@@ -2634,7 +2624,7 @@
           </a:ln>
           <a:extLst>
             <a:ext uri="{C572A759-6A51-4108-AA02-DFA0A04FC94B}">
-              <ma14:wrappingTextBoxFlag xmlns:ma14="http://schemas.microsoft.com/office/mac/drawingml/2011/main" val="1"/>
+              <ma14:wrappingTextBoxFlag xmlns:ma14="http://schemas.microsoft.com/office/mac/drawingml/2011/main" xmlns="" val="1"/>
             </a:ext>
           </a:extLst>
         </p:spPr>
@@ -2738,7 +2728,7 @@
           </a:ln>
           <a:extLst>
             <a:ext uri="{C572A759-6A51-4108-AA02-DFA0A04FC94B}">
-              <ma14:wrappingTextBoxFlag xmlns:ma14="http://schemas.microsoft.com/office/mac/drawingml/2011/main" val="1"/>
+              <ma14:wrappingTextBoxFlag xmlns:ma14="http://schemas.microsoft.com/office/mac/drawingml/2011/main" xmlns="" val="1"/>
             </a:ext>
           </a:extLst>
         </p:spPr>
@@ -2814,7 +2804,7 @@
           </a:ln>
           <a:extLst>
             <a:ext uri="{C572A759-6A51-4108-AA02-DFA0A04FC94B}">
-              <ma14:wrappingTextBoxFlag xmlns:ma14="http://schemas.microsoft.com/office/mac/drawingml/2011/main" val="1"/>
+              <ma14:wrappingTextBoxFlag xmlns:ma14="http://schemas.microsoft.com/office/mac/drawingml/2011/main" xmlns="" val="1"/>
             </a:ext>
           </a:extLst>
         </p:spPr>
@@ -2850,7 +2840,7 @@
           </a:ln>
           <a:extLst>
             <a:ext uri="{C572A759-6A51-4108-AA02-DFA0A04FC94B}">
-              <ma14:wrappingTextBoxFlag xmlns:ma14="http://schemas.microsoft.com/office/mac/drawingml/2011/main" val="1"/>
+              <ma14:wrappingTextBoxFlag xmlns:ma14="http://schemas.microsoft.com/office/mac/drawingml/2011/main" xmlns="" val="1"/>
             </a:ext>
           </a:extLst>
         </p:spPr>
@@ -2980,7 +2970,6 @@
               <a:rPr lang="en-US" sz="2000" dirty="0"/>
               <a:t>Algorithms Laboratory</a:t>
             </a:r>
-            <a:endParaRPr lang="en-US" sz="2000" dirty="0"/>
           </a:p>
         </p:txBody>
       </p:sp>
@@ -3003,7 +2992,7 @@
           </a:ln>
           <a:extLst>
             <a:ext uri="{C572A759-6A51-4108-AA02-DFA0A04FC94B}">
-              <ma14:wrappingTextBoxFlag xmlns:ma14="http://schemas.microsoft.com/office/mac/drawingml/2011/main" val="1"/>
+              <ma14:wrappingTextBoxFlag xmlns:ma14="http://schemas.microsoft.com/office/mac/drawingml/2011/main" xmlns="" val="1"/>
             </a:ext>
           </a:extLst>
         </p:spPr>
@@ -3128,11 +3117,7 @@
             </a:r>
             <a:r>
               <a:rPr lang="en-US" sz="2900" dirty="0" err="1" smtClean="0"/>
-              <a:t>Savar</a:t>
-            </a:r>
-            <a:r>
-              <a:rPr lang="en-US" sz="2900" dirty="0" err="1" smtClean="0"/>
-              <a:t>è</a:t>
+              <a:t>Savarè</a:t>
             </a:r>
             <a:endParaRPr sz="2900" dirty="0"/>
           </a:p>
@@ -3181,7 +3166,7 @@
           </a:ln>
           <a:extLst>
             <a:ext uri="{C572A759-6A51-4108-AA02-DFA0A04FC94B}">
-              <ma14:wrappingTextBoxFlag xmlns:ma14="http://schemas.microsoft.com/office/mac/drawingml/2011/main" val="1"/>
+              <ma14:wrappingTextBoxFlag xmlns:ma14="http://schemas.microsoft.com/office/mac/drawingml/2011/main" xmlns="" val="1"/>
             </a:ext>
           </a:extLst>
         </p:spPr>
@@ -3241,7 +3226,7 @@
           </a:ln>
           <a:extLst>
             <a:ext uri="{C572A759-6A51-4108-AA02-DFA0A04FC94B}">
-              <ma14:wrappingTextBoxFlag xmlns:ma14="http://schemas.microsoft.com/office/mac/drawingml/2011/main" val="1"/>
+              <ma14:wrappingTextBoxFlag xmlns:ma14="http://schemas.microsoft.com/office/mac/drawingml/2011/main" xmlns="" val="1"/>
             </a:ext>
           </a:extLst>
         </p:spPr>
@@ -3520,7 +3505,7 @@
           </a:ln>
           <a:extLst>
             <a:ext uri="{C572A759-6A51-4108-AA02-DFA0A04FC94B}">
-              <ma14:wrappingTextBoxFlag xmlns:ma14="http://schemas.microsoft.com/office/mac/drawingml/2011/main" val="1"/>
+              <ma14:wrappingTextBoxFlag xmlns:ma14="http://schemas.microsoft.com/office/mac/drawingml/2011/main" xmlns="" val="1"/>
             </a:ext>
           </a:extLst>
         </p:spPr>
@@ -3599,15 +3584,7 @@
                   <a:srgbClr val="FFFFFF"/>
                 </a:solidFill>
               </a:rPr>
-              <a:t>Savar</a:t>
-            </a:r>
-            <a:r>
-              <a:rPr lang="en-US" sz="2300" dirty="0" err="1" smtClean="0">
-                <a:solidFill>
-                  <a:srgbClr val="FFFFFF"/>
-                </a:solidFill>
-              </a:rPr>
-              <a:t>è</a:t>
+              <a:t>Savarè</a:t>
             </a:r>
             <a:endParaRPr sz="2300" dirty="0">
               <a:solidFill>
@@ -3636,7 +3613,7 @@
           </a:ln>
           <a:extLst>
             <a:ext uri="{C572A759-6A51-4108-AA02-DFA0A04FC94B}">
-              <ma14:wrappingTextBoxFlag xmlns:ma14="http://schemas.microsoft.com/office/mac/drawingml/2011/main" val="1"/>
+              <ma14:wrappingTextBoxFlag xmlns:ma14="http://schemas.microsoft.com/office/mac/drawingml/2011/main" xmlns="" val="1"/>
             </a:ext>
           </a:extLst>
         </p:spPr>
@@ -3688,7 +3665,7 @@
           </a:ln>
           <a:extLst>
             <a:ext uri="{C572A759-6A51-4108-AA02-DFA0A04FC94B}">
-              <ma14:wrappingTextBoxFlag xmlns:ma14="http://schemas.microsoft.com/office/mac/drawingml/2011/main" val="1"/>
+              <ma14:wrappingTextBoxFlag xmlns:ma14="http://schemas.microsoft.com/office/mac/drawingml/2011/main" xmlns="" val="1"/>
             </a:ext>
           </a:extLst>
         </p:spPr>
@@ -3791,7 +3768,7 @@
           </a:ln>
           <a:extLst>
             <a:ext uri="{C572A759-6A51-4108-AA02-DFA0A04FC94B}">
-              <ma14:wrappingTextBoxFlag xmlns:ma14="http://schemas.microsoft.com/office/mac/drawingml/2011/main" val="1"/>
+              <ma14:wrappingTextBoxFlag xmlns:ma14="http://schemas.microsoft.com/office/mac/drawingml/2011/main" xmlns="" val="1"/>
             </a:ext>
           </a:extLst>
         </p:spPr>
@@ -4071,6 +4048,196 @@
               <a:cs typeface="+mn-cs"/>
               <a:sym typeface="Gill Sans"/>
             </a:endParaRPr>
+          </a:p>
+        </p:txBody>
+      </p:sp>
+      <p:sp>
+        <p:nvSpPr>
+          <p:cNvPr id="15" name="Shape 42"/>
+          <p:cNvSpPr/>
+          <p:nvPr/>
+        </p:nvSpPr>
+        <p:spPr>
+          <a:xfrm>
+            <a:off x="0" y="0"/>
+            <a:ext cx="10095364" cy="444500"/>
+          </a:xfrm>
+          <a:prstGeom prst="rect">
+            <a:avLst/>
+          </a:prstGeom>
+          <a:solidFill>
+            <a:srgbClr val="B51A00"/>
+          </a:solidFill>
+          <a:ln w="12700">
+            <a:miter lim="400000"/>
+          </a:ln>
+        </p:spPr>
+        <p:txBody>
+          <a:bodyPr lIns="0" tIns="0" rIns="0" bIns="0" anchor="ctr"/>
+          <a:lstStyle/>
+          <a:p>
+            <a:pPr lvl="0">
+              <a:defRPr sz="4000">
+                <a:solidFill>
+                  <a:srgbClr val="FFFFFF"/>
+                </a:solidFill>
+                <a:effectLst>
+                  <a:outerShdw blurRad="38100" dist="12700" dir="5400000" rotWithShape="0">
+                    <a:srgbClr val="000000">
+                      <a:alpha val="50000"/>
+                    </a:srgbClr>
+                  </a:outerShdw>
+                </a:effectLst>
+              </a:defRPr>
+            </a:pPr>
+            <a:endParaRPr/>
+          </a:p>
+        </p:txBody>
+      </p:sp>
+      <p:sp>
+        <p:nvSpPr>
+          <p:cNvPr id="18" name="Shape 43"/>
+          <p:cNvSpPr/>
+          <p:nvPr/>
+        </p:nvSpPr>
+        <p:spPr>
+          <a:xfrm>
+            <a:off x="10095364" y="0"/>
+            <a:ext cx="2909435" cy="444500"/>
+          </a:xfrm>
+          <a:prstGeom prst="rect">
+            <a:avLst/>
+          </a:prstGeom>
+          <a:solidFill>
+            <a:srgbClr val="D6D6D6"/>
+          </a:solidFill>
+          <a:ln w="12700">
+            <a:miter lim="400000"/>
+          </a:ln>
+        </p:spPr>
+        <p:txBody>
+          <a:bodyPr lIns="0" tIns="0" rIns="0" bIns="0" anchor="ctr"/>
+          <a:lstStyle/>
+          <a:p>
+            <a:pPr lvl="0">
+              <a:defRPr sz="4000">
+                <a:solidFill>
+                  <a:srgbClr val="FFFFFF"/>
+                </a:solidFill>
+                <a:effectLst>
+                  <a:outerShdw blurRad="38100" dist="12700" dir="5400000" rotWithShape="0">
+                    <a:srgbClr val="000000">
+                      <a:alpha val="50000"/>
+                    </a:srgbClr>
+                  </a:outerShdw>
+                </a:effectLst>
+              </a:defRPr>
+            </a:pPr>
+            <a:endParaRPr/>
+          </a:p>
+        </p:txBody>
+      </p:sp>
+      <p:sp>
+        <p:nvSpPr>
+          <p:cNvPr id="19" name="Shape 54"/>
+          <p:cNvSpPr/>
+          <p:nvPr/>
+        </p:nvSpPr>
+        <p:spPr>
+          <a:xfrm>
+            <a:off x="2218690" y="-39434"/>
+            <a:ext cx="5900654" cy="456535"/>
+          </a:xfrm>
+          <a:prstGeom prst="rect">
+            <a:avLst/>
+          </a:prstGeom>
+          <a:ln w="12700">
+            <a:miter lim="400000"/>
+          </a:ln>
+          <a:extLst>
+            <a:ext uri="{C572A759-6A51-4108-AA02-DFA0A04FC94B}">
+              <ma14:wrappingTextBoxFlag xmlns:ma14="http://schemas.microsoft.com/office/mac/drawingml/2011/main" xmlns="" val="1"/>
+            </a:ext>
+          </a:extLst>
+        </p:spPr>
+        <p:txBody>
+          <a:bodyPr wrap="none" lIns="50800" tIns="50800" rIns="50800" bIns="50800" anchor="ctr">
+            <a:spAutoFit/>
+          </a:bodyPr>
+          <a:lstStyle>
+            <a:lvl1pPr>
+              <a:defRPr sz="2300">
+                <a:solidFill>
+                  <a:srgbClr val="FFFFFF"/>
+                </a:solidFill>
+              </a:defRPr>
+            </a:lvl1pPr>
+          </a:lstStyle>
+          <a:p>
+            <a:pPr lvl="0">
+              <a:defRPr sz="1800">
+                <a:solidFill>
+                  <a:srgbClr val="000000"/>
+                </a:solidFill>
+              </a:defRPr>
+            </a:pPr>
+            <a:r>
+              <a:rPr lang="en-US" sz="2300" dirty="0" smtClean="0">
+                <a:solidFill>
+                  <a:srgbClr val="FFFFFF"/>
+                </a:solidFill>
+              </a:rPr>
+              <a:t>Distributed Intelligent Systems – Course Project</a:t>
+            </a:r>
+            <a:endParaRPr sz="2300" dirty="0">
+              <a:solidFill>
+                <a:srgbClr val="FFFFFF"/>
+              </a:solidFill>
+            </a:endParaRPr>
+          </a:p>
+        </p:txBody>
+      </p:sp>
+      <p:sp>
+        <p:nvSpPr>
+          <p:cNvPr id="21" name="Shape 55"/>
+          <p:cNvSpPr/>
+          <p:nvPr/>
+        </p:nvSpPr>
+        <p:spPr>
+          <a:xfrm>
+            <a:off x="11100171" y="7347"/>
+            <a:ext cx="838371" cy="456535"/>
+          </a:xfrm>
+          <a:prstGeom prst="rect">
+            <a:avLst/>
+          </a:prstGeom>
+          <a:ln w="12700">
+            <a:miter lim="400000"/>
+          </a:ln>
+          <a:extLst>
+            <a:ext uri="{C572A759-6A51-4108-AA02-DFA0A04FC94B}">
+              <ma14:wrappingTextBoxFlag xmlns:ma14="http://schemas.microsoft.com/office/mac/drawingml/2011/main" xmlns="" val="1"/>
+            </a:ext>
+          </a:extLst>
+        </p:spPr>
+        <p:txBody>
+          <a:bodyPr wrap="none" lIns="50800" tIns="50800" rIns="50800" bIns="50800" anchor="ctr">
+            <a:spAutoFit/>
+          </a:bodyPr>
+          <a:lstStyle>
+            <a:lvl1pPr>
+              <a:defRPr sz="2300"/>
+            </a:lvl1pPr>
+          </a:lstStyle>
+          <a:p>
+            <a:pPr lvl="0">
+              <a:defRPr sz="1800"/>
+            </a:pPr>
+            <a:r>
+              <a:rPr lang="en-US" sz="2300" dirty="0" smtClean="0"/>
+              <a:t>10/16</a:t>
+            </a:r>
+            <a:endParaRPr sz="2300" dirty="0"/>
           </a:p>
         </p:txBody>
       </p:sp>
@@ -4363,7 +4530,7 @@
           </a:ln>
           <a:extLst>
             <a:ext uri="{C572A759-6A51-4108-AA02-DFA0A04FC94B}">
-              <ma14:wrappingTextBoxFlag xmlns:ma14="http://schemas.microsoft.com/office/mac/drawingml/2011/main" val="1"/>
+              <ma14:wrappingTextBoxFlag xmlns:ma14="http://schemas.microsoft.com/office/mac/drawingml/2011/main" xmlns="" val="1"/>
             </a:ext>
           </a:extLst>
         </p:spPr>
@@ -4442,15 +4609,7 @@
                   <a:srgbClr val="FFFFFF"/>
                 </a:solidFill>
               </a:rPr>
-              <a:t>Savar</a:t>
-            </a:r>
-            <a:r>
-              <a:rPr lang="en-US" sz="2300" dirty="0" err="1" smtClean="0">
-                <a:solidFill>
-                  <a:srgbClr val="FFFFFF"/>
-                </a:solidFill>
-              </a:rPr>
-              <a:t>è</a:t>
+              <a:t>Savarè</a:t>
             </a:r>
             <a:endParaRPr sz="2300" dirty="0">
               <a:solidFill>
@@ -4479,7 +4638,7 @@
           </a:ln>
           <a:extLst>
             <a:ext uri="{C572A759-6A51-4108-AA02-DFA0A04FC94B}">
-              <ma14:wrappingTextBoxFlag xmlns:ma14="http://schemas.microsoft.com/office/mac/drawingml/2011/main" val="1"/>
+              <ma14:wrappingTextBoxFlag xmlns:ma14="http://schemas.microsoft.com/office/mac/drawingml/2011/main" xmlns="" val="1"/>
             </a:ext>
           </a:extLst>
         </p:spPr>
@@ -4531,7 +4690,7 @@
           </a:ln>
           <a:extLst>
             <a:ext uri="{C572A759-6A51-4108-AA02-DFA0A04FC94B}">
-              <ma14:wrappingTextBoxFlag xmlns:ma14="http://schemas.microsoft.com/office/mac/drawingml/2011/main" val="1"/>
+              <ma14:wrappingTextBoxFlag xmlns:ma14="http://schemas.microsoft.com/office/mac/drawingml/2011/main" xmlns="" val="1"/>
             </a:ext>
           </a:extLst>
         </p:spPr>
@@ -4634,7 +4793,7 @@
           </a:ln>
           <a:extLst>
             <a:ext uri="{C572A759-6A51-4108-AA02-DFA0A04FC94B}">
-              <ma14:wrappingTextBoxFlag xmlns:ma14="http://schemas.microsoft.com/office/mac/drawingml/2011/main" val="1"/>
+              <ma14:wrappingTextBoxFlag xmlns:ma14="http://schemas.microsoft.com/office/mac/drawingml/2011/main" xmlns="" val="1"/>
             </a:ext>
           </a:extLst>
         </p:spPr>
@@ -5262,6 +5421,196 @@
               <a:cs typeface="+mn-cs"/>
               <a:sym typeface="Gill Sans"/>
             </a:endParaRPr>
+          </a:p>
+        </p:txBody>
+      </p:sp>
+      <p:sp>
+        <p:nvSpPr>
+          <p:cNvPr id="19" name="Shape 42"/>
+          <p:cNvSpPr/>
+          <p:nvPr/>
+        </p:nvSpPr>
+        <p:spPr>
+          <a:xfrm>
+            <a:off x="0" y="0"/>
+            <a:ext cx="10095364" cy="444500"/>
+          </a:xfrm>
+          <a:prstGeom prst="rect">
+            <a:avLst/>
+          </a:prstGeom>
+          <a:solidFill>
+            <a:srgbClr val="B51A00"/>
+          </a:solidFill>
+          <a:ln w="12700">
+            <a:miter lim="400000"/>
+          </a:ln>
+        </p:spPr>
+        <p:txBody>
+          <a:bodyPr lIns="0" tIns="0" rIns="0" bIns="0" anchor="ctr"/>
+          <a:lstStyle/>
+          <a:p>
+            <a:pPr lvl="0">
+              <a:defRPr sz="4000">
+                <a:solidFill>
+                  <a:srgbClr val="FFFFFF"/>
+                </a:solidFill>
+                <a:effectLst>
+                  <a:outerShdw blurRad="38100" dist="12700" dir="5400000" rotWithShape="0">
+                    <a:srgbClr val="000000">
+                      <a:alpha val="50000"/>
+                    </a:srgbClr>
+                  </a:outerShdw>
+                </a:effectLst>
+              </a:defRPr>
+            </a:pPr>
+            <a:endParaRPr/>
+          </a:p>
+        </p:txBody>
+      </p:sp>
+      <p:sp>
+        <p:nvSpPr>
+          <p:cNvPr id="20" name="Shape 43"/>
+          <p:cNvSpPr/>
+          <p:nvPr/>
+        </p:nvSpPr>
+        <p:spPr>
+          <a:xfrm>
+            <a:off x="10095364" y="0"/>
+            <a:ext cx="2909435" cy="444500"/>
+          </a:xfrm>
+          <a:prstGeom prst="rect">
+            <a:avLst/>
+          </a:prstGeom>
+          <a:solidFill>
+            <a:srgbClr val="D6D6D6"/>
+          </a:solidFill>
+          <a:ln w="12700">
+            <a:miter lim="400000"/>
+          </a:ln>
+        </p:spPr>
+        <p:txBody>
+          <a:bodyPr lIns="0" tIns="0" rIns="0" bIns="0" anchor="ctr"/>
+          <a:lstStyle/>
+          <a:p>
+            <a:pPr lvl="0">
+              <a:defRPr sz="4000">
+                <a:solidFill>
+                  <a:srgbClr val="FFFFFF"/>
+                </a:solidFill>
+                <a:effectLst>
+                  <a:outerShdw blurRad="38100" dist="12700" dir="5400000" rotWithShape="0">
+                    <a:srgbClr val="000000">
+                      <a:alpha val="50000"/>
+                    </a:srgbClr>
+                  </a:outerShdw>
+                </a:effectLst>
+              </a:defRPr>
+            </a:pPr>
+            <a:endParaRPr/>
+          </a:p>
+        </p:txBody>
+      </p:sp>
+      <p:sp>
+        <p:nvSpPr>
+          <p:cNvPr id="21" name="Shape 54"/>
+          <p:cNvSpPr/>
+          <p:nvPr/>
+        </p:nvSpPr>
+        <p:spPr>
+          <a:xfrm>
+            <a:off x="2218690" y="-39434"/>
+            <a:ext cx="5900654" cy="456535"/>
+          </a:xfrm>
+          <a:prstGeom prst="rect">
+            <a:avLst/>
+          </a:prstGeom>
+          <a:ln w="12700">
+            <a:miter lim="400000"/>
+          </a:ln>
+          <a:extLst>
+            <a:ext uri="{C572A759-6A51-4108-AA02-DFA0A04FC94B}">
+              <ma14:wrappingTextBoxFlag xmlns:ma14="http://schemas.microsoft.com/office/mac/drawingml/2011/main" xmlns="" val="1"/>
+            </a:ext>
+          </a:extLst>
+        </p:spPr>
+        <p:txBody>
+          <a:bodyPr wrap="none" lIns="50800" tIns="50800" rIns="50800" bIns="50800" anchor="ctr">
+            <a:spAutoFit/>
+          </a:bodyPr>
+          <a:lstStyle>
+            <a:lvl1pPr>
+              <a:defRPr sz="2300">
+                <a:solidFill>
+                  <a:srgbClr val="FFFFFF"/>
+                </a:solidFill>
+              </a:defRPr>
+            </a:lvl1pPr>
+          </a:lstStyle>
+          <a:p>
+            <a:pPr lvl="0">
+              <a:defRPr sz="1800">
+                <a:solidFill>
+                  <a:srgbClr val="000000"/>
+                </a:solidFill>
+              </a:defRPr>
+            </a:pPr>
+            <a:r>
+              <a:rPr lang="en-US" sz="2300" dirty="0" smtClean="0">
+                <a:solidFill>
+                  <a:srgbClr val="FFFFFF"/>
+                </a:solidFill>
+              </a:rPr>
+              <a:t>Distributed Intelligent Systems – Course Project</a:t>
+            </a:r>
+            <a:endParaRPr sz="2300" dirty="0">
+              <a:solidFill>
+                <a:srgbClr val="FFFFFF"/>
+              </a:solidFill>
+            </a:endParaRPr>
+          </a:p>
+        </p:txBody>
+      </p:sp>
+      <p:sp>
+        <p:nvSpPr>
+          <p:cNvPr id="23" name="Shape 55"/>
+          <p:cNvSpPr/>
+          <p:nvPr/>
+        </p:nvSpPr>
+        <p:spPr>
+          <a:xfrm>
+            <a:off x="11100171" y="7347"/>
+            <a:ext cx="838371" cy="456535"/>
+          </a:xfrm>
+          <a:prstGeom prst="rect">
+            <a:avLst/>
+          </a:prstGeom>
+          <a:ln w="12700">
+            <a:miter lim="400000"/>
+          </a:ln>
+          <a:extLst>
+            <a:ext uri="{C572A759-6A51-4108-AA02-DFA0A04FC94B}">
+              <ma14:wrappingTextBoxFlag xmlns:ma14="http://schemas.microsoft.com/office/mac/drawingml/2011/main" xmlns="" val="1"/>
+            </a:ext>
+          </a:extLst>
+        </p:spPr>
+        <p:txBody>
+          <a:bodyPr wrap="none" lIns="50800" tIns="50800" rIns="50800" bIns="50800" anchor="ctr">
+            <a:spAutoFit/>
+          </a:bodyPr>
+          <a:lstStyle>
+            <a:lvl1pPr>
+              <a:defRPr sz="2300"/>
+            </a:lvl1pPr>
+          </a:lstStyle>
+          <a:p>
+            <a:pPr lvl="0">
+              <a:defRPr sz="1800"/>
+            </a:pPr>
+            <a:r>
+              <a:rPr lang="en-US" sz="2300" dirty="0" smtClean="0"/>
+              <a:t>11/16</a:t>
+            </a:r>
+            <a:endParaRPr sz="2300" dirty="0"/>
           </a:p>
         </p:txBody>
       </p:sp>
@@ -5494,7 +5843,7 @@
           </a:ln>
           <a:extLst>
             <a:ext uri="{C572A759-6A51-4108-AA02-DFA0A04FC94B}">
-              <ma14:wrappingTextBoxFlag xmlns:ma14="http://schemas.microsoft.com/office/mac/drawingml/2011/main" val="1"/>
+              <ma14:wrappingTextBoxFlag xmlns:ma14="http://schemas.microsoft.com/office/mac/drawingml/2011/main" xmlns="" val="1"/>
             </a:ext>
           </a:extLst>
         </p:spPr>
@@ -5573,15 +5922,7 @@
                   <a:srgbClr val="FFFFFF"/>
                 </a:solidFill>
               </a:rPr>
-              <a:t>Savar</a:t>
-            </a:r>
-            <a:r>
-              <a:rPr lang="en-US" sz="2300" dirty="0" err="1" smtClean="0">
-                <a:solidFill>
-                  <a:srgbClr val="FFFFFF"/>
-                </a:solidFill>
-              </a:rPr>
-              <a:t>è</a:t>
+              <a:t>Savarè</a:t>
             </a:r>
             <a:endParaRPr sz="2300" dirty="0">
               <a:solidFill>
@@ -5610,7 +5951,7 @@
           </a:ln>
           <a:extLst>
             <a:ext uri="{C572A759-6A51-4108-AA02-DFA0A04FC94B}">
-              <ma14:wrappingTextBoxFlag xmlns:ma14="http://schemas.microsoft.com/office/mac/drawingml/2011/main" val="1"/>
+              <ma14:wrappingTextBoxFlag xmlns:ma14="http://schemas.microsoft.com/office/mac/drawingml/2011/main" xmlns="" val="1"/>
             </a:ext>
           </a:extLst>
         </p:spPr>
@@ -5662,7 +6003,7 @@
           </a:ln>
           <a:extLst>
             <a:ext uri="{C572A759-6A51-4108-AA02-DFA0A04FC94B}">
-              <ma14:wrappingTextBoxFlag xmlns:ma14="http://schemas.microsoft.com/office/mac/drawingml/2011/main" val="1"/>
+              <ma14:wrappingTextBoxFlag xmlns:ma14="http://schemas.microsoft.com/office/mac/drawingml/2011/main" xmlns="" val="1"/>
             </a:ext>
           </a:extLst>
         </p:spPr>
@@ -5765,7 +6106,7 @@
           </a:ln>
           <a:extLst>
             <a:ext uri="{C572A759-6A51-4108-AA02-DFA0A04FC94B}">
-              <ma14:wrappingTextBoxFlag xmlns:ma14="http://schemas.microsoft.com/office/mac/drawingml/2011/main" val="1"/>
+              <ma14:wrappingTextBoxFlag xmlns:ma14="http://schemas.microsoft.com/office/mac/drawingml/2011/main" xmlns="" val="1"/>
             </a:ext>
           </a:extLst>
         </p:spPr>
@@ -5807,6 +6148,196 @@
                 <a:srgbClr val="B51A00"/>
               </a:solidFill>
             </a:endParaRPr>
+          </a:p>
+        </p:txBody>
+      </p:sp>
+      <p:sp>
+        <p:nvSpPr>
+          <p:cNvPr id="11" name="Shape 42"/>
+          <p:cNvSpPr/>
+          <p:nvPr/>
+        </p:nvSpPr>
+        <p:spPr>
+          <a:xfrm>
+            <a:off x="0" y="0"/>
+            <a:ext cx="10095364" cy="444500"/>
+          </a:xfrm>
+          <a:prstGeom prst="rect">
+            <a:avLst/>
+          </a:prstGeom>
+          <a:solidFill>
+            <a:srgbClr val="B51A00"/>
+          </a:solidFill>
+          <a:ln w="12700">
+            <a:miter lim="400000"/>
+          </a:ln>
+        </p:spPr>
+        <p:txBody>
+          <a:bodyPr lIns="0" tIns="0" rIns="0" bIns="0" anchor="ctr"/>
+          <a:lstStyle/>
+          <a:p>
+            <a:pPr lvl="0">
+              <a:defRPr sz="4000">
+                <a:solidFill>
+                  <a:srgbClr val="FFFFFF"/>
+                </a:solidFill>
+                <a:effectLst>
+                  <a:outerShdw blurRad="38100" dist="12700" dir="5400000" rotWithShape="0">
+                    <a:srgbClr val="000000">
+                      <a:alpha val="50000"/>
+                    </a:srgbClr>
+                  </a:outerShdw>
+                </a:effectLst>
+              </a:defRPr>
+            </a:pPr>
+            <a:endParaRPr/>
+          </a:p>
+        </p:txBody>
+      </p:sp>
+      <p:sp>
+        <p:nvSpPr>
+          <p:cNvPr id="12" name="Shape 43"/>
+          <p:cNvSpPr/>
+          <p:nvPr/>
+        </p:nvSpPr>
+        <p:spPr>
+          <a:xfrm>
+            <a:off x="10095364" y="0"/>
+            <a:ext cx="2909435" cy="444500"/>
+          </a:xfrm>
+          <a:prstGeom prst="rect">
+            <a:avLst/>
+          </a:prstGeom>
+          <a:solidFill>
+            <a:srgbClr val="D6D6D6"/>
+          </a:solidFill>
+          <a:ln w="12700">
+            <a:miter lim="400000"/>
+          </a:ln>
+        </p:spPr>
+        <p:txBody>
+          <a:bodyPr lIns="0" tIns="0" rIns="0" bIns="0" anchor="ctr"/>
+          <a:lstStyle/>
+          <a:p>
+            <a:pPr lvl="0">
+              <a:defRPr sz="4000">
+                <a:solidFill>
+                  <a:srgbClr val="FFFFFF"/>
+                </a:solidFill>
+                <a:effectLst>
+                  <a:outerShdw blurRad="38100" dist="12700" dir="5400000" rotWithShape="0">
+                    <a:srgbClr val="000000">
+                      <a:alpha val="50000"/>
+                    </a:srgbClr>
+                  </a:outerShdw>
+                </a:effectLst>
+              </a:defRPr>
+            </a:pPr>
+            <a:endParaRPr/>
+          </a:p>
+        </p:txBody>
+      </p:sp>
+      <p:sp>
+        <p:nvSpPr>
+          <p:cNvPr id="13" name="Shape 54"/>
+          <p:cNvSpPr/>
+          <p:nvPr/>
+        </p:nvSpPr>
+        <p:spPr>
+          <a:xfrm>
+            <a:off x="2218690" y="-39434"/>
+            <a:ext cx="5900654" cy="456535"/>
+          </a:xfrm>
+          <a:prstGeom prst="rect">
+            <a:avLst/>
+          </a:prstGeom>
+          <a:ln w="12700">
+            <a:miter lim="400000"/>
+          </a:ln>
+          <a:extLst>
+            <a:ext uri="{C572A759-6A51-4108-AA02-DFA0A04FC94B}">
+              <ma14:wrappingTextBoxFlag xmlns:ma14="http://schemas.microsoft.com/office/mac/drawingml/2011/main" xmlns="" val="1"/>
+            </a:ext>
+          </a:extLst>
+        </p:spPr>
+        <p:txBody>
+          <a:bodyPr wrap="none" lIns="50800" tIns="50800" rIns="50800" bIns="50800" anchor="ctr">
+            <a:spAutoFit/>
+          </a:bodyPr>
+          <a:lstStyle>
+            <a:lvl1pPr>
+              <a:defRPr sz="2300">
+                <a:solidFill>
+                  <a:srgbClr val="FFFFFF"/>
+                </a:solidFill>
+              </a:defRPr>
+            </a:lvl1pPr>
+          </a:lstStyle>
+          <a:p>
+            <a:pPr lvl="0">
+              <a:defRPr sz="1800">
+                <a:solidFill>
+                  <a:srgbClr val="000000"/>
+                </a:solidFill>
+              </a:defRPr>
+            </a:pPr>
+            <a:r>
+              <a:rPr lang="en-US" sz="2300" dirty="0" smtClean="0">
+                <a:solidFill>
+                  <a:srgbClr val="FFFFFF"/>
+                </a:solidFill>
+              </a:rPr>
+              <a:t>Distributed Intelligent Systems – Course Project</a:t>
+            </a:r>
+            <a:endParaRPr sz="2300" dirty="0">
+              <a:solidFill>
+                <a:srgbClr val="FFFFFF"/>
+              </a:solidFill>
+            </a:endParaRPr>
+          </a:p>
+        </p:txBody>
+      </p:sp>
+      <p:sp>
+        <p:nvSpPr>
+          <p:cNvPr id="15" name="Shape 55"/>
+          <p:cNvSpPr/>
+          <p:nvPr/>
+        </p:nvSpPr>
+        <p:spPr>
+          <a:xfrm>
+            <a:off x="11100171" y="7347"/>
+            <a:ext cx="838371" cy="456535"/>
+          </a:xfrm>
+          <a:prstGeom prst="rect">
+            <a:avLst/>
+          </a:prstGeom>
+          <a:ln w="12700">
+            <a:miter lim="400000"/>
+          </a:ln>
+          <a:extLst>
+            <a:ext uri="{C572A759-6A51-4108-AA02-DFA0A04FC94B}">
+              <ma14:wrappingTextBoxFlag xmlns:ma14="http://schemas.microsoft.com/office/mac/drawingml/2011/main" xmlns="" val="1"/>
+            </a:ext>
+          </a:extLst>
+        </p:spPr>
+        <p:txBody>
+          <a:bodyPr wrap="none" lIns="50800" tIns="50800" rIns="50800" bIns="50800" anchor="ctr">
+            <a:spAutoFit/>
+          </a:bodyPr>
+          <a:lstStyle>
+            <a:lvl1pPr>
+              <a:defRPr sz="2300"/>
+            </a:lvl1pPr>
+          </a:lstStyle>
+          <a:p>
+            <a:pPr lvl="0">
+              <a:defRPr sz="1800"/>
+            </a:pPr>
+            <a:r>
+              <a:rPr lang="en-US" sz="2300" dirty="0" smtClean="0"/>
+              <a:t>12/16</a:t>
+            </a:r>
+            <a:endParaRPr sz="2300" dirty="0"/>
           </a:p>
         </p:txBody>
       </p:sp>
@@ -6039,7 +6570,7 @@
           </a:ln>
           <a:extLst>
             <a:ext uri="{C572A759-6A51-4108-AA02-DFA0A04FC94B}">
-              <ma14:wrappingTextBoxFlag xmlns:ma14="http://schemas.microsoft.com/office/mac/drawingml/2011/main" val="1"/>
+              <ma14:wrappingTextBoxFlag xmlns:ma14="http://schemas.microsoft.com/office/mac/drawingml/2011/main" xmlns="" val="1"/>
             </a:ext>
           </a:extLst>
         </p:spPr>
@@ -6118,15 +6649,7 @@
                   <a:srgbClr val="FFFFFF"/>
                 </a:solidFill>
               </a:rPr>
-              <a:t>Savar</a:t>
-            </a:r>
-            <a:r>
-              <a:rPr lang="en-US" sz="2300" dirty="0" err="1" smtClean="0">
-                <a:solidFill>
-                  <a:srgbClr val="FFFFFF"/>
-                </a:solidFill>
-              </a:rPr>
-              <a:t>è</a:t>
+              <a:t>Savarè</a:t>
             </a:r>
             <a:endParaRPr sz="2300" dirty="0">
               <a:solidFill>
@@ -6155,7 +6678,7 @@
           </a:ln>
           <a:extLst>
             <a:ext uri="{C572A759-6A51-4108-AA02-DFA0A04FC94B}">
-              <ma14:wrappingTextBoxFlag xmlns:ma14="http://schemas.microsoft.com/office/mac/drawingml/2011/main" val="1"/>
+              <ma14:wrappingTextBoxFlag xmlns:ma14="http://schemas.microsoft.com/office/mac/drawingml/2011/main" xmlns="" val="1"/>
             </a:ext>
           </a:extLst>
         </p:spPr>
@@ -6207,7 +6730,7 @@
           </a:ln>
           <a:extLst>
             <a:ext uri="{C572A759-6A51-4108-AA02-DFA0A04FC94B}">
-              <ma14:wrappingTextBoxFlag xmlns:ma14="http://schemas.microsoft.com/office/mac/drawingml/2011/main" val="1"/>
+              <ma14:wrappingTextBoxFlag xmlns:ma14="http://schemas.microsoft.com/office/mac/drawingml/2011/main" xmlns="" val="1"/>
             </a:ext>
           </a:extLst>
         </p:spPr>
@@ -6310,7 +6833,7 @@
           </a:ln>
           <a:extLst>
             <a:ext uri="{C572A759-6A51-4108-AA02-DFA0A04FC94B}">
-              <ma14:wrappingTextBoxFlag xmlns:ma14="http://schemas.microsoft.com/office/mac/drawingml/2011/main" val="1"/>
+              <ma14:wrappingTextBoxFlag xmlns:ma14="http://schemas.microsoft.com/office/mac/drawingml/2011/main" xmlns="" val="1"/>
             </a:ext>
           </a:extLst>
         </p:spPr>
@@ -6352,6 +6875,196 @@
                 <a:srgbClr val="B51A00"/>
               </a:solidFill>
             </a:endParaRPr>
+          </a:p>
+        </p:txBody>
+      </p:sp>
+      <p:sp>
+        <p:nvSpPr>
+          <p:cNvPr id="11" name="Shape 42"/>
+          <p:cNvSpPr/>
+          <p:nvPr/>
+        </p:nvSpPr>
+        <p:spPr>
+          <a:xfrm>
+            <a:off x="0" y="0"/>
+            <a:ext cx="10095364" cy="444500"/>
+          </a:xfrm>
+          <a:prstGeom prst="rect">
+            <a:avLst/>
+          </a:prstGeom>
+          <a:solidFill>
+            <a:srgbClr val="B51A00"/>
+          </a:solidFill>
+          <a:ln w="12700">
+            <a:miter lim="400000"/>
+          </a:ln>
+        </p:spPr>
+        <p:txBody>
+          <a:bodyPr lIns="0" tIns="0" rIns="0" bIns="0" anchor="ctr"/>
+          <a:lstStyle/>
+          <a:p>
+            <a:pPr lvl="0">
+              <a:defRPr sz="4000">
+                <a:solidFill>
+                  <a:srgbClr val="FFFFFF"/>
+                </a:solidFill>
+                <a:effectLst>
+                  <a:outerShdw blurRad="38100" dist="12700" dir="5400000" rotWithShape="0">
+                    <a:srgbClr val="000000">
+                      <a:alpha val="50000"/>
+                    </a:srgbClr>
+                  </a:outerShdw>
+                </a:effectLst>
+              </a:defRPr>
+            </a:pPr>
+            <a:endParaRPr/>
+          </a:p>
+        </p:txBody>
+      </p:sp>
+      <p:sp>
+        <p:nvSpPr>
+          <p:cNvPr id="12" name="Shape 43"/>
+          <p:cNvSpPr/>
+          <p:nvPr/>
+        </p:nvSpPr>
+        <p:spPr>
+          <a:xfrm>
+            <a:off x="10095364" y="0"/>
+            <a:ext cx="2909435" cy="444500"/>
+          </a:xfrm>
+          <a:prstGeom prst="rect">
+            <a:avLst/>
+          </a:prstGeom>
+          <a:solidFill>
+            <a:srgbClr val="D6D6D6"/>
+          </a:solidFill>
+          <a:ln w="12700">
+            <a:miter lim="400000"/>
+          </a:ln>
+        </p:spPr>
+        <p:txBody>
+          <a:bodyPr lIns="0" tIns="0" rIns="0" bIns="0" anchor="ctr"/>
+          <a:lstStyle/>
+          <a:p>
+            <a:pPr lvl="0">
+              <a:defRPr sz="4000">
+                <a:solidFill>
+                  <a:srgbClr val="FFFFFF"/>
+                </a:solidFill>
+                <a:effectLst>
+                  <a:outerShdw blurRad="38100" dist="12700" dir="5400000" rotWithShape="0">
+                    <a:srgbClr val="000000">
+                      <a:alpha val="50000"/>
+                    </a:srgbClr>
+                  </a:outerShdw>
+                </a:effectLst>
+              </a:defRPr>
+            </a:pPr>
+            <a:endParaRPr/>
+          </a:p>
+        </p:txBody>
+      </p:sp>
+      <p:sp>
+        <p:nvSpPr>
+          <p:cNvPr id="13" name="Shape 54"/>
+          <p:cNvSpPr/>
+          <p:nvPr/>
+        </p:nvSpPr>
+        <p:spPr>
+          <a:xfrm>
+            <a:off x="2218690" y="-39434"/>
+            <a:ext cx="5900654" cy="456535"/>
+          </a:xfrm>
+          <a:prstGeom prst="rect">
+            <a:avLst/>
+          </a:prstGeom>
+          <a:ln w="12700">
+            <a:miter lim="400000"/>
+          </a:ln>
+          <a:extLst>
+            <a:ext uri="{C572A759-6A51-4108-AA02-DFA0A04FC94B}">
+              <ma14:wrappingTextBoxFlag xmlns:ma14="http://schemas.microsoft.com/office/mac/drawingml/2011/main" xmlns="" val="1"/>
+            </a:ext>
+          </a:extLst>
+        </p:spPr>
+        <p:txBody>
+          <a:bodyPr wrap="none" lIns="50800" tIns="50800" rIns="50800" bIns="50800" anchor="ctr">
+            <a:spAutoFit/>
+          </a:bodyPr>
+          <a:lstStyle>
+            <a:lvl1pPr>
+              <a:defRPr sz="2300">
+                <a:solidFill>
+                  <a:srgbClr val="FFFFFF"/>
+                </a:solidFill>
+              </a:defRPr>
+            </a:lvl1pPr>
+          </a:lstStyle>
+          <a:p>
+            <a:pPr lvl="0">
+              <a:defRPr sz="1800">
+                <a:solidFill>
+                  <a:srgbClr val="000000"/>
+                </a:solidFill>
+              </a:defRPr>
+            </a:pPr>
+            <a:r>
+              <a:rPr lang="en-US" sz="2300" dirty="0" smtClean="0">
+                <a:solidFill>
+                  <a:srgbClr val="FFFFFF"/>
+                </a:solidFill>
+              </a:rPr>
+              <a:t>Distributed Intelligent Systems – Course Project</a:t>
+            </a:r>
+            <a:endParaRPr sz="2300" dirty="0">
+              <a:solidFill>
+                <a:srgbClr val="FFFFFF"/>
+              </a:solidFill>
+            </a:endParaRPr>
+          </a:p>
+        </p:txBody>
+      </p:sp>
+      <p:sp>
+        <p:nvSpPr>
+          <p:cNvPr id="19" name="Shape 55"/>
+          <p:cNvSpPr/>
+          <p:nvPr/>
+        </p:nvSpPr>
+        <p:spPr>
+          <a:xfrm>
+            <a:off x="11100171" y="7347"/>
+            <a:ext cx="838371" cy="456535"/>
+          </a:xfrm>
+          <a:prstGeom prst="rect">
+            <a:avLst/>
+          </a:prstGeom>
+          <a:ln w="12700">
+            <a:miter lim="400000"/>
+          </a:ln>
+          <a:extLst>
+            <a:ext uri="{C572A759-6A51-4108-AA02-DFA0A04FC94B}">
+              <ma14:wrappingTextBoxFlag xmlns:ma14="http://schemas.microsoft.com/office/mac/drawingml/2011/main" xmlns="" val="1"/>
+            </a:ext>
+          </a:extLst>
+        </p:spPr>
+        <p:txBody>
+          <a:bodyPr wrap="none" lIns="50800" tIns="50800" rIns="50800" bIns="50800" anchor="ctr">
+            <a:spAutoFit/>
+          </a:bodyPr>
+          <a:lstStyle>
+            <a:lvl1pPr>
+              <a:defRPr sz="2300"/>
+            </a:lvl1pPr>
+          </a:lstStyle>
+          <a:p>
+            <a:pPr lvl="0">
+              <a:defRPr sz="1800"/>
+            </a:pPr>
+            <a:r>
+              <a:rPr lang="en-US" sz="2300" dirty="0" smtClean="0"/>
+              <a:t>13/16</a:t>
+            </a:r>
+            <a:endParaRPr sz="2300" dirty="0"/>
           </a:p>
         </p:txBody>
       </p:sp>
@@ -6366,6 +7079,13 @@
     <a:masterClrMapping/>
   </p:clrMapOvr>
   <p:transition spd="med"/>
+  <p:timing>
+    <p:tnLst>
+      <p:par>
+        <p:cTn id="1" dur="indefinite" restart="never" nodeType="tmRoot"/>
+      </p:par>
+    </p:tnLst>
+  </p:timing>
 </p:sld>
 </file>
 
@@ -6577,7 +7297,7 @@
           </a:ln>
           <a:extLst>
             <a:ext uri="{C572A759-6A51-4108-AA02-DFA0A04FC94B}">
-              <ma14:wrappingTextBoxFlag xmlns:ma14="http://schemas.microsoft.com/office/mac/drawingml/2011/main" val="1"/>
+              <ma14:wrappingTextBoxFlag xmlns:ma14="http://schemas.microsoft.com/office/mac/drawingml/2011/main" xmlns="" val="1"/>
             </a:ext>
           </a:extLst>
         </p:spPr>
@@ -6656,15 +7376,7 @@
                   <a:srgbClr val="FFFFFF"/>
                 </a:solidFill>
               </a:rPr>
-              <a:t>Savar</a:t>
-            </a:r>
-            <a:r>
-              <a:rPr lang="en-US" sz="2300" dirty="0" err="1" smtClean="0">
-                <a:solidFill>
-                  <a:srgbClr val="FFFFFF"/>
-                </a:solidFill>
-              </a:rPr>
-              <a:t>è</a:t>
+              <a:t>Savarè</a:t>
             </a:r>
             <a:endParaRPr sz="2300" dirty="0">
               <a:solidFill>
@@ -6693,7 +7405,7 @@
           </a:ln>
           <a:extLst>
             <a:ext uri="{C572A759-6A51-4108-AA02-DFA0A04FC94B}">
-              <ma14:wrappingTextBoxFlag xmlns:ma14="http://schemas.microsoft.com/office/mac/drawingml/2011/main" val="1"/>
+              <ma14:wrappingTextBoxFlag xmlns:ma14="http://schemas.microsoft.com/office/mac/drawingml/2011/main" xmlns="" val="1"/>
             </a:ext>
           </a:extLst>
         </p:spPr>
@@ -6745,7 +7457,7 @@
           </a:ln>
           <a:extLst>
             <a:ext uri="{C572A759-6A51-4108-AA02-DFA0A04FC94B}">
-              <ma14:wrappingTextBoxFlag xmlns:ma14="http://schemas.microsoft.com/office/mac/drawingml/2011/main" val="1"/>
+              <ma14:wrappingTextBoxFlag xmlns:ma14="http://schemas.microsoft.com/office/mac/drawingml/2011/main" xmlns="" val="1"/>
             </a:ext>
           </a:extLst>
         </p:spPr>
@@ -6848,7 +7560,7 @@
           </a:ln>
           <a:extLst>
             <a:ext uri="{C572A759-6A51-4108-AA02-DFA0A04FC94B}">
-              <ma14:wrappingTextBoxFlag xmlns:ma14="http://schemas.microsoft.com/office/mac/drawingml/2011/main" val="1"/>
+              <ma14:wrappingTextBoxFlag xmlns:ma14="http://schemas.microsoft.com/office/mac/drawingml/2011/main" xmlns="" val="1"/>
             </a:ext>
           </a:extLst>
         </p:spPr>
@@ -7249,6 +7961,196 @@
           </a:p>
         </p:txBody>
       </p:sp>
+      <p:sp>
+        <p:nvSpPr>
+          <p:cNvPr id="12" name="Shape 42"/>
+          <p:cNvSpPr/>
+          <p:nvPr/>
+        </p:nvSpPr>
+        <p:spPr>
+          <a:xfrm>
+            <a:off x="0" y="0"/>
+            <a:ext cx="10095364" cy="444500"/>
+          </a:xfrm>
+          <a:prstGeom prst="rect">
+            <a:avLst/>
+          </a:prstGeom>
+          <a:solidFill>
+            <a:srgbClr val="B51A00"/>
+          </a:solidFill>
+          <a:ln w="12700">
+            <a:miter lim="400000"/>
+          </a:ln>
+        </p:spPr>
+        <p:txBody>
+          <a:bodyPr lIns="0" tIns="0" rIns="0" bIns="0" anchor="ctr"/>
+          <a:lstStyle/>
+          <a:p>
+            <a:pPr lvl="0">
+              <a:defRPr sz="4000">
+                <a:solidFill>
+                  <a:srgbClr val="FFFFFF"/>
+                </a:solidFill>
+                <a:effectLst>
+                  <a:outerShdw blurRad="38100" dist="12700" dir="5400000" rotWithShape="0">
+                    <a:srgbClr val="000000">
+                      <a:alpha val="50000"/>
+                    </a:srgbClr>
+                  </a:outerShdw>
+                </a:effectLst>
+              </a:defRPr>
+            </a:pPr>
+            <a:endParaRPr/>
+          </a:p>
+        </p:txBody>
+      </p:sp>
+      <p:sp>
+        <p:nvSpPr>
+          <p:cNvPr id="13" name="Shape 43"/>
+          <p:cNvSpPr/>
+          <p:nvPr/>
+        </p:nvSpPr>
+        <p:spPr>
+          <a:xfrm>
+            <a:off x="10095364" y="0"/>
+            <a:ext cx="2909435" cy="444500"/>
+          </a:xfrm>
+          <a:prstGeom prst="rect">
+            <a:avLst/>
+          </a:prstGeom>
+          <a:solidFill>
+            <a:srgbClr val="D6D6D6"/>
+          </a:solidFill>
+          <a:ln w="12700">
+            <a:miter lim="400000"/>
+          </a:ln>
+        </p:spPr>
+        <p:txBody>
+          <a:bodyPr lIns="0" tIns="0" rIns="0" bIns="0" anchor="ctr"/>
+          <a:lstStyle/>
+          <a:p>
+            <a:pPr lvl="0">
+              <a:defRPr sz="4000">
+                <a:solidFill>
+                  <a:srgbClr val="FFFFFF"/>
+                </a:solidFill>
+                <a:effectLst>
+                  <a:outerShdw blurRad="38100" dist="12700" dir="5400000" rotWithShape="0">
+                    <a:srgbClr val="000000">
+                      <a:alpha val="50000"/>
+                    </a:srgbClr>
+                  </a:outerShdw>
+                </a:effectLst>
+              </a:defRPr>
+            </a:pPr>
+            <a:endParaRPr/>
+          </a:p>
+        </p:txBody>
+      </p:sp>
+      <p:sp>
+        <p:nvSpPr>
+          <p:cNvPr id="14" name="Shape 54"/>
+          <p:cNvSpPr/>
+          <p:nvPr/>
+        </p:nvSpPr>
+        <p:spPr>
+          <a:xfrm>
+            <a:off x="2218690" y="-39434"/>
+            <a:ext cx="5900654" cy="456535"/>
+          </a:xfrm>
+          <a:prstGeom prst="rect">
+            <a:avLst/>
+          </a:prstGeom>
+          <a:ln w="12700">
+            <a:miter lim="400000"/>
+          </a:ln>
+          <a:extLst>
+            <a:ext uri="{C572A759-6A51-4108-AA02-DFA0A04FC94B}">
+              <ma14:wrappingTextBoxFlag xmlns:ma14="http://schemas.microsoft.com/office/mac/drawingml/2011/main" xmlns="" val="1"/>
+            </a:ext>
+          </a:extLst>
+        </p:spPr>
+        <p:txBody>
+          <a:bodyPr wrap="none" lIns="50800" tIns="50800" rIns="50800" bIns="50800" anchor="ctr">
+            <a:spAutoFit/>
+          </a:bodyPr>
+          <a:lstStyle>
+            <a:lvl1pPr>
+              <a:defRPr sz="2300">
+                <a:solidFill>
+                  <a:srgbClr val="FFFFFF"/>
+                </a:solidFill>
+              </a:defRPr>
+            </a:lvl1pPr>
+          </a:lstStyle>
+          <a:p>
+            <a:pPr lvl="0">
+              <a:defRPr sz="1800">
+                <a:solidFill>
+                  <a:srgbClr val="000000"/>
+                </a:solidFill>
+              </a:defRPr>
+            </a:pPr>
+            <a:r>
+              <a:rPr lang="en-US" sz="2300" dirty="0" smtClean="0">
+                <a:solidFill>
+                  <a:srgbClr val="FFFFFF"/>
+                </a:solidFill>
+              </a:rPr>
+              <a:t>Distributed Intelligent Systems – Course Project</a:t>
+            </a:r>
+            <a:endParaRPr sz="2300" dirty="0">
+              <a:solidFill>
+                <a:srgbClr val="FFFFFF"/>
+              </a:solidFill>
+            </a:endParaRPr>
+          </a:p>
+        </p:txBody>
+      </p:sp>
+      <p:sp>
+        <p:nvSpPr>
+          <p:cNvPr id="18" name="Shape 55"/>
+          <p:cNvSpPr/>
+          <p:nvPr/>
+        </p:nvSpPr>
+        <p:spPr>
+          <a:xfrm>
+            <a:off x="11100171" y="7347"/>
+            <a:ext cx="838371" cy="456535"/>
+          </a:xfrm>
+          <a:prstGeom prst="rect">
+            <a:avLst/>
+          </a:prstGeom>
+          <a:ln w="12700">
+            <a:miter lim="400000"/>
+          </a:ln>
+          <a:extLst>
+            <a:ext uri="{C572A759-6A51-4108-AA02-DFA0A04FC94B}">
+              <ma14:wrappingTextBoxFlag xmlns:ma14="http://schemas.microsoft.com/office/mac/drawingml/2011/main" xmlns="" val="1"/>
+            </a:ext>
+          </a:extLst>
+        </p:spPr>
+        <p:txBody>
+          <a:bodyPr wrap="none" lIns="50800" tIns="50800" rIns="50800" bIns="50800" anchor="ctr">
+            <a:spAutoFit/>
+          </a:bodyPr>
+          <a:lstStyle>
+            <a:lvl1pPr>
+              <a:defRPr sz="2300"/>
+            </a:lvl1pPr>
+          </a:lstStyle>
+          <a:p>
+            <a:pPr lvl="0">
+              <a:defRPr sz="1800"/>
+            </a:pPr>
+            <a:r>
+              <a:rPr lang="en-US" sz="2300" dirty="0" smtClean="0"/>
+              <a:t>14/16</a:t>
+            </a:r>
+            <a:endParaRPr sz="2300" dirty="0"/>
+          </a:p>
+        </p:txBody>
+      </p:sp>
     </p:spTree>
     <p:extLst>
       <p:ext uri="{BB962C8B-B14F-4D97-AF65-F5344CB8AC3E}">
@@ -7260,6 +8162,13 @@
     <a:masterClrMapping/>
   </p:clrMapOvr>
   <p:transition spd="med"/>
+  <p:timing>
+    <p:tnLst>
+      <p:par>
+        <p:cTn id="1" dur="indefinite" restart="never" nodeType="tmRoot"/>
+      </p:par>
+    </p:tnLst>
+  </p:timing>
 </p:sld>
 </file>
 
@@ -7471,7 +8380,7 @@
           </a:ln>
           <a:extLst>
             <a:ext uri="{C572A759-6A51-4108-AA02-DFA0A04FC94B}">
-              <ma14:wrappingTextBoxFlag xmlns:ma14="http://schemas.microsoft.com/office/mac/drawingml/2011/main" val="1"/>
+              <ma14:wrappingTextBoxFlag xmlns:ma14="http://schemas.microsoft.com/office/mac/drawingml/2011/main" xmlns="" val="1"/>
             </a:ext>
           </a:extLst>
         </p:spPr>
@@ -7550,15 +8459,7 @@
                   <a:srgbClr val="FFFFFF"/>
                 </a:solidFill>
               </a:rPr>
-              <a:t>Savar</a:t>
-            </a:r>
-            <a:r>
-              <a:rPr lang="en-US" sz="2300" dirty="0" err="1" smtClean="0">
-                <a:solidFill>
-                  <a:srgbClr val="FFFFFF"/>
-                </a:solidFill>
-              </a:rPr>
-              <a:t>è</a:t>
+              <a:t>Savarè</a:t>
             </a:r>
             <a:endParaRPr sz="2300" dirty="0">
               <a:solidFill>
@@ -7587,7 +8488,7 @@
           </a:ln>
           <a:extLst>
             <a:ext uri="{C572A759-6A51-4108-AA02-DFA0A04FC94B}">
-              <ma14:wrappingTextBoxFlag xmlns:ma14="http://schemas.microsoft.com/office/mac/drawingml/2011/main" val="1"/>
+              <ma14:wrappingTextBoxFlag xmlns:ma14="http://schemas.microsoft.com/office/mac/drawingml/2011/main" xmlns="" val="1"/>
             </a:ext>
           </a:extLst>
         </p:spPr>
@@ -7639,7 +8540,7 @@
           </a:ln>
           <a:extLst>
             <a:ext uri="{C572A759-6A51-4108-AA02-DFA0A04FC94B}">
-              <ma14:wrappingTextBoxFlag xmlns:ma14="http://schemas.microsoft.com/office/mac/drawingml/2011/main" val="1"/>
+              <ma14:wrappingTextBoxFlag xmlns:ma14="http://schemas.microsoft.com/office/mac/drawingml/2011/main" xmlns="" val="1"/>
             </a:ext>
           </a:extLst>
         </p:spPr>
@@ -7719,7 +8620,7 @@
                 </a:effectLst>
               </a:defRPr>
             </a:pPr>
-            <a:endParaRPr/>
+            <a:endParaRPr u="sng" dirty="0"/>
           </a:p>
         </p:txBody>
       </p:sp>
@@ -7742,7 +8643,7 @@
           </a:ln>
           <a:extLst>
             <a:ext uri="{C572A759-6A51-4108-AA02-DFA0A04FC94B}">
-              <ma14:wrappingTextBoxFlag xmlns:ma14="http://schemas.microsoft.com/office/mac/drawingml/2011/main" val="1"/>
+              <ma14:wrappingTextBoxFlag xmlns:ma14="http://schemas.microsoft.com/office/mac/drawingml/2011/main" xmlns="" val="1"/>
             </a:ext>
           </a:extLst>
         </p:spPr>
@@ -7795,8 +8696,8 @@
         </p:nvSpPr>
         <p:spPr>
           <a:xfrm>
-            <a:off x="209004" y="1869406"/>
-            <a:ext cx="13068301" cy="1981200"/>
+            <a:off x="-3129" y="1959786"/>
+            <a:ext cx="13068301" cy="6935232"/>
           </a:xfrm>
           <a:prstGeom prst="rect">
             <a:avLst/>
@@ -7806,7 +8707,7 @@
           </a:ln>
           <a:extLst>
             <a:ext uri="{C572A759-6A51-4108-AA02-DFA0A04FC94B}">
-              <ma14:wrappingTextBoxFlag xmlns:ma14="http://schemas.microsoft.com/office/mac/drawingml/2011/main" val="1"/>
+              <ma14:wrappingTextBoxFlag xmlns:ma14="http://schemas.microsoft.com/office/mac/drawingml/2011/main" xmlns="" val="1"/>
             </a:ext>
           </a:extLst>
         </p:spPr>
@@ -7834,63 +8735,1080 @@
               <a:defRPr sz="1800"/>
             </a:pPr>
             <a:r>
-              <a:rPr sz="2700" i="1" dirty="0">
+              <a:rPr lang="fr-CH" sz="2000" dirty="0" err="1" smtClean="0">
                 <a:solidFill>
                   <a:srgbClr val="B51A00"/>
                 </a:solidFill>
-                <a:latin typeface="Times"/>
-                <a:ea typeface="Times"/>
-                <a:cs typeface="Times"/>
-                <a:sym typeface="Times"/>
-              </a:rPr>
+              </a:rPr>
+              <a:t>Arkin</a:t>
+            </a:r>
+            <a:r>
+              <a:rPr lang="fr-CH" sz="2000" dirty="0" smtClean="0">
+                <a:solidFill>
+                  <a:srgbClr val="B51A00"/>
+                </a:solidFill>
+              </a:rPr>
+              <a:t>, Ronald C.</a:t>
+            </a:r>
+            <a:r>
+              <a:rPr sz="2000" dirty="0">
+                <a:solidFill>
+                  <a:srgbClr val="B51A00"/>
+                </a:solidFill>
+              </a:rPr>
+              <a:t/>
+            </a:r>
+            <a:br>
+              <a:rPr sz="2000" dirty="0">
+                <a:solidFill>
+                  <a:srgbClr val="B51A00"/>
+                </a:solidFill>
+              </a:rPr>
+            </a:br>
+            <a:r>
+              <a:rPr lang="fr-CH" sz="2000" dirty="0" err="1" smtClean="0"/>
+              <a:t>Motor-schema</a:t>
+            </a:r>
+            <a:r>
+              <a:rPr lang="fr-CH" sz="2000" dirty="0" smtClean="0"/>
               <a:t> </a:t>
             </a:r>
             <a:r>
-              <a:rPr sz="2400" dirty="0">
+              <a:rPr lang="fr-CH" sz="2000" dirty="0" err="1" smtClean="0"/>
+              <a:t>based</a:t>
+            </a:r>
+            <a:r>
+              <a:rPr lang="fr-CH" sz="2000" dirty="0" smtClean="0"/>
+              <a:t> navigation for a mobile robot: An </a:t>
+            </a:r>
+            <a:r>
+              <a:rPr lang="fr-CH" sz="2000" dirty="0" err="1" smtClean="0"/>
+              <a:t>approach</a:t>
+            </a:r>
+            <a:r>
+              <a:rPr lang="fr-CH" sz="2000" dirty="0" smtClean="0"/>
+              <a:t> to </a:t>
+            </a:r>
+            <a:r>
+              <a:rPr lang="fr-CH" sz="2000" dirty="0" err="1" smtClean="0"/>
+              <a:t>programming</a:t>
+            </a:r>
+            <a:r>
+              <a:rPr lang="fr-CH" sz="2000" dirty="0" smtClean="0"/>
+              <a:t> by </a:t>
+            </a:r>
+            <a:r>
+              <a:rPr lang="fr-CH" sz="2000" dirty="0" err="1" smtClean="0"/>
+              <a:t>behavior</a:t>
+            </a:r>
+            <a:r>
+              <a:rPr lang="fr-CH" sz="2000" dirty="0" smtClean="0"/>
+              <a:t>. </a:t>
+            </a:r>
+            <a:r>
+              <a:rPr lang="fr-CH" sz="2000" dirty="0" err="1" smtClean="0"/>
+              <a:t>Robotics</a:t>
+            </a:r>
+            <a:r>
+              <a:rPr lang="fr-CH" sz="2000" dirty="0" smtClean="0"/>
+              <a:t> and Automation. </a:t>
+            </a:r>
+            <a:r>
+              <a:rPr lang="fr-CH" sz="2000" dirty="0" err="1" smtClean="0"/>
+              <a:t>Proceedings</a:t>
+            </a:r>
+            <a:r>
+              <a:rPr lang="fr-CH" sz="2000" dirty="0" smtClean="0"/>
+              <a:t>.</a:t>
+            </a:r>
+            <a:r>
+              <a:rPr sz="2000" dirty="0" smtClean="0"/>
+              <a:t> </a:t>
+            </a:r>
+            <a:r>
+              <a:rPr sz="2000" dirty="0"/>
+              <a:t/>
+            </a:r>
+            <a:br>
+              <a:rPr sz="2000" dirty="0"/>
+            </a:br>
+            <a:r>
+              <a:rPr lang="fr-CH" sz="2000" i="1" dirty="0" smtClean="0">
                 <a:solidFill>
                   <a:srgbClr val="B51A00"/>
                 </a:solidFill>
               </a:rPr>
-              <a:t>Palamara, C. Vergara, D. Catanzariti, E. Faggiano, M. Cen- tonze, C. Pangrazzi, M. Maines, and A. </a:t>
-            </a:r>
-            <a:r>
-              <a:rPr sz="2400">
+              <a:t>IEEE International </a:t>
+            </a:r>
+            <a:r>
+              <a:rPr lang="fr-CH" sz="2000" i="1" dirty="0" err="1" smtClean="0">
                 <a:solidFill>
                   <a:srgbClr val="B51A00"/>
                 </a:solidFill>
               </a:rPr>
-              <a:t>Quarteroni, </a:t>
-            </a:r>
-            <a:r>
-              <a:rPr sz="2700">
+              <a:t>Conference</a:t>
+            </a:r>
+            <a:r>
+              <a:rPr lang="fr-CH" sz="2000" i="1" dirty="0" smtClean="0">
                 <a:solidFill>
                   <a:srgbClr val="B51A00"/>
                 </a:solidFill>
               </a:rPr>
+              <a:t> on. Vol. 4. IEEE, 1987.</a:t>
+            </a:r>
+          </a:p>
+          <a:p>
+            <a:pPr marL="266700" lvl="0" indent="-266700" algn="l" defTabSz="457200">
+              <a:lnSpc>
+                <a:spcPct val="80000"/>
+              </a:lnSpc>
+              <a:spcBef>
+                <a:spcPts val="1200"/>
+              </a:spcBef>
+              <a:buSzPct val="100000"/>
+              <a:buBlip>
+                <a:blip r:embed="rId2"/>
+              </a:buBlip>
+              <a:tabLst>
+                <a:tab pos="139700" algn="l"/>
+                <a:tab pos="457200" algn="l"/>
+              </a:tabLst>
+              <a:defRPr sz="1800"/>
+            </a:pPr>
+            <a:r>
+              <a:rPr lang="fr-CH" sz="2000" dirty="0" err="1" smtClean="0">
+                <a:solidFill>
+                  <a:srgbClr val="B51A00"/>
+                </a:solidFill>
+              </a:rPr>
+              <a:t>Balch</a:t>
+            </a:r>
+            <a:r>
+              <a:rPr lang="fr-CH" sz="2000" dirty="0" smtClean="0">
+                <a:solidFill>
+                  <a:srgbClr val="B51A00"/>
+                </a:solidFill>
+              </a:rPr>
+              <a:t>, Tucker and </a:t>
+            </a:r>
+            <a:r>
+              <a:rPr lang="fr-CH" sz="2000" dirty="0" err="1" smtClean="0">
+                <a:solidFill>
+                  <a:srgbClr val="B51A00"/>
+                </a:solidFill>
+              </a:rPr>
+              <a:t>Arkin</a:t>
+            </a:r>
+            <a:r>
+              <a:rPr lang="fr-CH" sz="2000" dirty="0" smtClean="0">
+                <a:solidFill>
+                  <a:srgbClr val="B51A00"/>
+                </a:solidFill>
+              </a:rPr>
+              <a:t>.</a:t>
+            </a:r>
+            <a:r>
+              <a:rPr lang="fr-CH" sz="2000" dirty="0">
+                <a:solidFill>
+                  <a:srgbClr val="B51A00"/>
+                </a:solidFill>
+              </a:rPr>
               <a:t/>
             </a:r>
             <a:br>
-              <a:rPr sz="2700">
+              <a:rPr lang="fr-CH" sz="2000" dirty="0">
                 <a:solidFill>
                   <a:srgbClr val="B51A00"/>
                 </a:solidFill>
               </a:rPr>
             </a:br>
             <a:r>
-              <a:rPr sz="2200"/>
-              <a:t>Patient- specific generation of the purkinje network driven by clinical measurements: The case of pathological propagationsy </a:t>
+              <a:rPr lang="fr-CH" sz="2000" dirty="0" err="1" smtClean="0"/>
+              <a:t>Behavior-based</a:t>
+            </a:r>
+            <a:r>
+              <a:rPr lang="fr-CH" sz="2000" dirty="0" smtClean="0"/>
+              <a:t> formation control for multi-robot teams. </a:t>
+            </a:r>
+            <a:r>
+              <a:rPr lang="fr-CH" sz="2000" dirty="0" err="1" smtClean="0"/>
+              <a:t>Robotics</a:t>
+            </a:r>
+            <a:r>
+              <a:rPr lang="fr-CH" sz="2000" dirty="0" smtClean="0"/>
+              <a:t> and Automation.</a:t>
+            </a:r>
+            <a:r>
+              <a:rPr lang="en-US" sz="2000" dirty="0" smtClean="0"/>
+              <a:t> </a:t>
+            </a:r>
+            <a:r>
+              <a:rPr lang="en-US" sz="2000" dirty="0"/>
+              <a:t/>
             </a:r>
             <a:br>
-              <a:rPr sz="2200"/>
+              <a:rPr lang="en-US" sz="2000" dirty="0"/>
             </a:br>
             <a:r>
-              <a:rPr sz="2200" i="1">
+              <a:rPr lang="en-US" sz="2000" i="1" dirty="0">
                 <a:solidFill>
                   <a:srgbClr val="B51A00"/>
                 </a:solidFill>
               </a:rPr>
-              <a:t>Mox Report, 2014</a:t>
-            </a:r>
+              <a:t>IEEE </a:t>
+            </a:r>
+            <a:r>
+              <a:rPr lang="en-US" sz="2000" i="1" dirty="0" smtClean="0">
+                <a:solidFill>
+                  <a:srgbClr val="B51A00"/>
+                </a:solidFill>
+              </a:rPr>
+              <a:t>Transactions on 14.6 (1998): 926-939. </a:t>
+            </a:r>
+          </a:p>
+          <a:p>
+            <a:pPr marL="266700" lvl="0" indent="-266700" algn="l" defTabSz="457200">
+              <a:lnSpc>
+                <a:spcPct val="80000"/>
+              </a:lnSpc>
+              <a:spcBef>
+                <a:spcPts val="1200"/>
+              </a:spcBef>
+              <a:buSzPct val="100000"/>
+              <a:buBlip>
+                <a:blip r:embed="rId2"/>
+              </a:buBlip>
+              <a:tabLst>
+                <a:tab pos="139700" algn="l"/>
+                <a:tab pos="457200" algn="l"/>
+              </a:tabLst>
+              <a:defRPr sz="1800"/>
+            </a:pPr>
+            <a:r>
+              <a:rPr lang="fr-CH" sz="2000" dirty="0" smtClean="0">
+                <a:solidFill>
+                  <a:srgbClr val="B51A00"/>
+                </a:solidFill>
+              </a:rPr>
+              <a:t>Di Mario, Navarro and </a:t>
+            </a:r>
+            <a:r>
+              <a:rPr lang="fr-CH" sz="2000" dirty="0" err="1" smtClean="0">
+                <a:solidFill>
+                  <a:srgbClr val="B51A00"/>
+                </a:solidFill>
+              </a:rPr>
+              <a:t>Martinoli</a:t>
+            </a:r>
+            <a:r>
+              <a:rPr lang="fr-CH" sz="2000" dirty="0" smtClean="0">
+                <a:solidFill>
+                  <a:srgbClr val="B51A00"/>
+                </a:solidFill>
+              </a:rPr>
+              <a:t>.</a:t>
+            </a:r>
+            <a:r>
+              <a:rPr lang="fr-CH" sz="2000" dirty="0">
+                <a:solidFill>
+                  <a:srgbClr val="B51A00"/>
+                </a:solidFill>
+              </a:rPr>
+              <a:t/>
+            </a:r>
+            <a:br>
+              <a:rPr lang="fr-CH" sz="2000" dirty="0">
+                <a:solidFill>
+                  <a:srgbClr val="B51A00"/>
+                </a:solidFill>
+              </a:rPr>
+            </a:br>
+            <a:r>
+              <a:rPr lang="fr-CH" sz="2000" dirty="0" err="1" smtClean="0"/>
+              <a:t>Analysis</a:t>
+            </a:r>
+            <a:r>
+              <a:rPr lang="fr-CH" sz="2000" dirty="0" smtClean="0"/>
+              <a:t> of fitness noise in </a:t>
+            </a:r>
+            <a:r>
+              <a:rPr lang="fr-CH" sz="2000" dirty="0" err="1" smtClean="0"/>
+              <a:t>particle</a:t>
+            </a:r>
+            <a:r>
+              <a:rPr lang="fr-CH" sz="2000" dirty="0" smtClean="0"/>
+              <a:t> </a:t>
+            </a:r>
+            <a:r>
+              <a:rPr lang="fr-CH" sz="2000" dirty="0" err="1" smtClean="0"/>
+              <a:t>swarm</a:t>
+            </a:r>
+            <a:r>
+              <a:rPr lang="fr-CH" sz="2000" dirty="0" smtClean="0"/>
+              <a:t> </a:t>
+            </a:r>
+            <a:r>
+              <a:rPr lang="fr-CH" sz="2000" dirty="0" err="1" smtClean="0"/>
+              <a:t>optimization</a:t>
+            </a:r>
+            <a:r>
+              <a:rPr lang="fr-CH" sz="2000" dirty="0" smtClean="0"/>
+              <a:t>: </a:t>
+            </a:r>
+            <a:r>
+              <a:rPr lang="fr-CH" sz="2000" dirty="0" err="1" smtClean="0"/>
+              <a:t>From</a:t>
+            </a:r>
+            <a:r>
+              <a:rPr lang="fr-CH" sz="2000" dirty="0" smtClean="0"/>
+              <a:t> </a:t>
+            </a:r>
+            <a:r>
+              <a:rPr lang="fr-CH" sz="2000" dirty="0" err="1" smtClean="0"/>
+              <a:t>robotic</a:t>
+            </a:r>
+            <a:r>
+              <a:rPr lang="fr-CH" sz="2000" dirty="0" smtClean="0"/>
+              <a:t> </a:t>
+            </a:r>
+            <a:r>
+              <a:rPr lang="fr-CH" sz="2000" dirty="0" err="1" smtClean="0"/>
+              <a:t>learning</a:t>
+            </a:r>
+            <a:r>
+              <a:rPr lang="fr-CH" sz="2000" dirty="0" smtClean="0"/>
+              <a:t> to benchmark </a:t>
+            </a:r>
+            <a:r>
+              <a:rPr lang="fr-CH" sz="2000" dirty="0" err="1" smtClean="0"/>
+              <a:t>functions</a:t>
+            </a:r>
+            <a:r>
+              <a:rPr lang="fr-CH" sz="2000" dirty="0" smtClean="0"/>
+              <a:t>. </a:t>
+            </a:r>
+            <a:r>
+              <a:rPr lang="fr-CH" sz="2000" dirty="0" err="1" smtClean="0"/>
+              <a:t>Evolutionaly</a:t>
+            </a:r>
+            <a:r>
+              <a:rPr lang="fr-CH" sz="2000" dirty="0" smtClean="0"/>
+              <a:t> Computation (CEC). </a:t>
+            </a:r>
+            <a:r>
+              <a:rPr lang="en-US" sz="2000" dirty="0"/>
+              <a:t/>
+            </a:r>
+            <a:br>
+              <a:rPr lang="en-US" sz="2000" dirty="0"/>
+            </a:br>
+            <a:r>
+              <a:rPr lang="en-US" sz="2000" i="1" dirty="0">
+                <a:solidFill>
+                  <a:srgbClr val="B51A00"/>
+                </a:solidFill>
+              </a:rPr>
+              <a:t>IEEE </a:t>
+            </a:r>
+            <a:r>
+              <a:rPr lang="en-US" sz="2000" i="1" dirty="0" smtClean="0">
+                <a:solidFill>
+                  <a:srgbClr val="B51A00"/>
+                </a:solidFill>
+              </a:rPr>
+              <a:t>Congress on. IEEE, 2014.</a:t>
+            </a:r>
+          </a:p>
+          <a:p>
+            <a:pPr marL="266700" indent="-266700" algn="l" defTabSz="457200">
+              <a:lnSpc>
+                <a:spcPct val="80000"/>
+              </a:lnSpc>
+              <a:spcBef>
+                <a:spcPts val="1200"/>
+              </a:spcBef>
+              <a:buSzPct val="100000"/>
+              <a:buBlip>
+                <a:blip r:embed="rId2"/>
+              </a:buBlip>
+              <a:tabLst>
+                <a:tab pos="139700" algn="l"/>
+                <a:tab pos="457200" algn="l"/>
+              </a:tabLst>
+              <a:defRPr sz="1800"/>
+            </a:pPr>
+            <a:r>
+              <a:rPr lang="fr-CH" sz="2000" dirty="0">
+                <a:solidFill>
+                  <a:srgbClr val="B51A00"/>
+                </a:solidFill>
+              </a:rPr>
+              <a:t>Eberhart, Kennedy.</a:t>
+            </a:r>
+            <a:br>
+              <a:rPr lang="fr-CH" sz="2000" dirty="0">
+                <a:solidFill>
+                  <a:srgbClr val="B51A00"/>
+                </a:solidFill>
+              </a:rPr>
+            </a:br>
+            <a:r>
+              <a:rPr lang="fr-CH" sz="2000" dirty="0"/>
+              <a:t>A New </a:t>
+            </a:r>
+            <a:r>
+              <a:rPr lang="fr-CH" sz="2000" dirty="0" err="1"/>
+              <a:t>Optimizer</a:t>
+            </a:r>
+            <a:r>
+              <a:rPr lang="fr-CH" sz="2000" dirty="0"/>
+              <a:t> </a:t>
+            </a:r>
+            <a:r>
+              <a:rPr lang="fr-CH" sz="2000" dirty="0" err="1"/>
+              <a:t>Using</a:t>
+            </a:r>
+            <a:r>
+              <a:rPr lang="fr-CH" sz="2000" dirty="0"/>
+              <a:t> </a:t>
+            </a:r>
+            <a:r>
+              <a:rPr lang="fr-CH" sz="2000" dirty="0" err="1"/>
+              <a:t>Particle</a:t>
+            </a:r>
+            <a:r>
+              <a:rPr lang="fr-CH" sz="2000" dirty="0"/>
+              <a:t> </a:t>
+            </a:r>
+            <a:r>
+              <a:rPr lang="fr-CH" sz="2000" dirty="0" err="1"/>
+              <a:t>Swarm</a:t>
+            </a:r>
+            <a:r>
+              <a:rPr lang="fr-CH" sz="2000" dirty="0"/>
+              <a:t> Theory. </a:t>
+            </a:r>
+            <a:r>
+              <a:rPr lang="fr-CH" sz="2000" dirty="0" err="1"/>
+              <a:t>Sixth</a:t>
+            </a:r>
+            <a:r>
+              <a:rPr lang="fr-CH" sz="2000" dirty="0"/>
+              <a:t> International Symposium on Micro Machine and </a:t>
+            </a:r>
+            <a:r>
+              <a:rPr lang="fr-CH" sz="2000" dirty="0" err="1"/>
+              <a:t>Human</a:t>
+            </a:r>
+            <a:r>
+              <a:rPr lang="fr-CH" sz="2000" dirty="0"/>
+              <a:t> Science. </a:t>
+            </a:r>
+            <a:r>
+              <a:rPr lang="en-US" sz="2000" dirty="0"/>
+              <a:t/>
+            </a:r>
+            <a:br>
+              <a:rPr lang="en-US" sz="2000" dirty="0"/>
+            </a:br>
+            <a:r>
+              <a:rPr lang="en-US" sz="2000" i="1" dirty="0">
+                <a:solidFill>
+                  <a:srgbClr val="B51A00"/>
+                </a:solidFill>
+              </a:rPr>
+              <a:t>IEEE 1995.</a:t>
+            </a:r>
+          </a:p>
+          <a:p>
+            <a:pPr marL="266700" indent="-266700" algn="l" defTabSz="457200">
+              <a:lnSpc>
+                <a:spcPct val="80000"/>
+              </a:lnSpc>
+              <a:spcBef>
+                <a:spcPts val="1200"/>
+              </a:spcBef>
+              <a:buSzPct val="100000"/>
+              <a:buBlip>
+                <a:blip r:embed="rId2"/>
+              </a:buBlip>
+              <a:tabLst>
+                <a:tab pos="139700" algn="l"/>
+                <a:tab pos="457200" algn="l"/>
+              </a:tabLst>
+              <a:defRPr sz="1800"/>
+            </a:pPr>
+            <a:r>
+              <a:rPr lang="fr-CH" sz="2000" dirty="0" smtClean="0">
+                <a:solidFill>
+                  <a:srgbClr val="B51A00"/>
+                </a:solidFill>
+              </a:rPr>
+              <a:t>Di Mario, Navarro and </a:t>
+            </a:r>
+            <a:r>
+              <a:rPr lang="fr-CH" sz="2000" dirty="0" err="1" smtClean="0">
+                <a:solidFill>
+                  <a:srgbClr val="B51A00"/>
+                </a:solidFill>
+              </a:rPr>
+              <a:t>Martinoli</a:t>
+            </a:r>
+            <a:r>
+              <a:rPr lang="fr-CH" sz="2000" dirty="0" smtClean="0">
+                <a:solidFill>
+                  <a:srgbClr val="B51A00"/>
+                </a:solidFill>
+              </a:rPr>
+              <a:t>.</a:t>
+            </a:r>
+            <a:r>
+              <a:rPr lang="fr-CH" sz="2000" dirty="0">
+                <a:solidFill>
+                  <a:srgbClr val="B51A00"/>
+                </a:solidFill>
+              </a:rPr>
+              <a:t/>
+            </a:r>
+            <a:br>
+              <a:rPr lang="fr-CH" sz="2000" dirty="0">
+                <a:solidFill>
+                  <a:srgbClr val="B51A00"/>
+                </a:solidFill>
+              </a:rPr>
+            </a:br>
+            <a:r>
+              <a:rPr lang="fr-CH" sz="2000" dirty="0"/>
+              <a:t>A </a:t>
+            </a:r>
+            <a:r>
+              <a:rPr lang="fr-CH" sz="2000" dirty="0" err="1" smtClean="0"/>
+              <a:t>Distributed</a:t>
+            </a:r>
+            <a:r>
+              <a:rPr lang="fr-CH" sz="2000" dirty="0" smtClean="0"/>
+              <a:t> Noise-</a:t>
+            </a:r>
+            <a:r>
+              <a:rPr lang="fr-CH" sz="2000" dirty="0" err="1" smtClean="0"/>
+              <a:t>Resistant</a:t>
+            </a:r>
+            <a:r>
+              <a:rPr lang="fr-CH" sz="2000" dirty="0" smtClean="0"/>
+              <a:t> </a:t>
+            </a:r>
+            <a:r>
+              <a:rPr lang="fr-CH" sz="2000" dirty="0" err="1" smtClean="0"/>
+              <a:t>Particle</a:t>
+            </a:r>
+            <a:r>
+              <a:rPr lang="fr-CH" sz="2000" dirty="0" smtClean="0"/>
+              <a:t> </a:t>
+            </a:r>
+            <a:r>
+              <a:rPr lang="fr-CH" sz="2000" dirty="0" err="1" smtClean="0"/>
+              <a:t>Swarm</a:t>
+            </a:r>
+            <a:r>
+              <a:rPr lang="fr-CH" sz="2000" dirty="0" smtClean="0"/>
+              <a:t> </a:t>
+            </a:r>
+            <a:r>
+              <a:rPr lang="fr-CH" sz="2000" dirty="0" err="1" smtClean="0"/>
+              <a:t>Optimization</a:t>
+            </a:r>
+            <a:r>
+              <a:rPr lang="fr-CH" sz="2000" dirty="0" smtClean="0"/>
+              <a:t> </a:t>
+            </a:r>
+            <a:r>
+              <a:rPr lang="fr-CH" sz="2000" dirty="0" err="1" smtClean="0"/>
+              <a:t>Algorithm</a:t>
+            </a:r>
+            <a:r>
+              <a:rPr lang="fr-CH" sz="2000" dirty="0" smtClean="0"/>
+              <a:t> for High-</a:t>
+            </a:r>
+            <a:r>
+              <a:rPr lang="fr-CH" sz="2000" dirty="0" err="1" smtClean="0"/>
+              <a:t>Dimensional</a:t>
+            </a:r>
+            <a:r>
+              <a:rPr lang="fr-CH" sz="2000" dirty="0" smtClean="0"/>
+              <a:t> Multi-Robot Learning. </a:t>
+            </a:r>
+            <a:r>
+              <a:rPr lang="en-US" sz="2000" dirty="0"/>
+              <a:t/>
+            </a:r>
+            <a:br>
+              <a:rPr lang="en-US" sz="2000" dirty="0"/>
+            </a:br>
+            <a:r>
+              <a:rPr lang="en-US" sz="2000" i="1" dirty="0">
+                <a:solidFill>
+                  <a:srgbClr val="B51A00"/>
+                </a:solidFill>
+              </a:rPr>
+              <a:t>IEEE </a:t>
+            </a:r>
+            <a:r>
+              <a:rPr lang="en-US" sz="2000" i="1" dirty="0" smtClean="0">
+                <a:solidFill>
+                  <a:srgbClr val="B51A00"/>
+                </a:solidFill>
+              </a:rPr>
+              <a:t>International Conference on Robotics and Automation. No. EPFL-CONF-206842, 2015.</a:t>
+            </a:r>
+          </a:p>
+          <a:p>
+            <a:pPr marL="266700" indent="-266700" algn="l" defTabSz="457200">
+              <a:lnSpc>
+                <a:spcPct val="80000"/>
+              </a:lnSpc>
+              <a:spcBef>
+                <a:spcPts val="1200"/>
+              </a:spcBef>
+              <a:buSzPct val="100000"/>
+              <a:buBlip>
+                <a:blip r:embed="rId2"/>
+              </a:buBlip>
+              <a:tabLst>
+                <a:tab pos="139700" algn="l"/>
+                <a:tab pos="457200" algn="l"/>
+              </a:tabLst>
+              <a:defRPr sz="1800"/>
+            </a:pPr>
+            <a:r>
+              <a:rPr lang="fr-CH" sz="2000" dirty="0" err="1" smtClean="0">
+                <a:solidFill>
+                  <a:srgbClr val="B51A00"/>
+                </a:solidFill>
+              </a:rPr>
+              <a:t>Floreano</a:t>
+            </a:r>
+            <a:r>
+              <a:rPr lang="fr-CH" sz="2000" dirty="0">
+                <a:solidFill>
+                  <a:srgbClr val="B51A00"/>
+                </a:solidFill>
+              </a:rPr>
+              <a:t> </a:t>
+            </a:r>
+            <a:r>
+              <a:rPr lang="fr-CH" sz="2000" dirty="0" smtClean="0">
+                <a:solidFill>
+                  <a:srgbClr val="B51A00"/>
+                </a:solidFill>
+              </a:rPr>
+              <a:t>and </a:t>
+            </a:r>
+            <a:r>
+              <a:rPr lang="fr-CH" sz="2000" dirty="0" err="1" smtClean="0">
+                <a:solidFill>
+                  <a:srgbClr val="B51A00"/>
+                </a:solidFill>
+              </a:rPr>
+              <a:t>Mondada</a:t>
+            </a:r>
+            <a:r>
+              <a:rPr lang="fr-CH" sz="2000" dirty="0" smtClean="0">
+                <a:solidFill>
+                  <a:srgbClr val="B51A00"/>
+                </a:solidFill>
+              </a:rPr>
+              <a:t>.</a:t>
+            </a:r>
+            <a:r>
+              <a:rPr lang="fr-CH" sz="2000" dirty="0">
+                <a:solidFill>
+                  <a:srgbClr val="B51A00"/>
+                </a:solidFill>
+              </a:rPr>
+              <a:t/>
+            </a:r>
+            <a:br>
+              <a:rPr lang="fr-CH" sz="2000" dirty="0">
+                <a:solidFill>
+                  <a:srgbClr val="B51A00"/>
+                </a:solidFill>
+              </a:rPr>
+            </a:br>
+            <a:r>
+              <a:rPr lang="fr-CH" sz="2000" dirty="0" smtClean="0"/>
+              <a:t>Evolution of Homing Navigation in Real Mobile Robot </a:t>
+            </a:r>
+            <a:r>
+              <a:rPr lang="fr-CH" sz="2000" dirty="0" err="1" smtClean="0"/>
+              <a:t>Systems</a:t>
+            </a:r>
+            <a:r>
+              <a:rPr lang="fr-CH" sz="2000" dirty="0" smtClean="0"/>
+              <a:t>, Man and </a:t>
+            </a:r>
+            <a:r>
+              <a:rPr lang="fr-CH" sz="2000" dirty="0" err="1" smtClean="0"/>
+              <a:t>Cybernetics</a:t>
+            </a:r>
+            <a:r>
+              <a:rPr lang="fr-CH" sz="2000" dirty="0" smtClean="0"/>
+              <a:t>.</a:t>
+            </a:r>
+            <a:r>
+              <a:rPr lang="en-US" sz="2000" dirty="0"/>
+              <a:t/>
+            </a:r>
+            <a:br>
+              <a:rPr lang="en-US" sz="2000" dirty="0"/>
+            </a:br>
+            <a:r>
+              <a:rPr lang="en-US" sz="2000" i="1" dirty="0" smtClean="0">
+                <a:solidFill>
+                  <a:srgbClr val="B51A00"/>
+                </a:solidFill>
+              </a:rPr>
+              <a:t>Part B, IEEE Transactions on. Vol.26, Iss.3, Jun 1996, p.396-407.</a:t>
+            </a:r>
+          </a:p>
+          <a:p>
+            <a:pPr marL="266700" indent="-266700" algn="l" defTabSz="457200">
+              <a:lnSpc>
+                <a:spcPct val="80000"/>
+              </a:lnSpc>
+              <a:spcBef>
+                <a:spcPts val="1200"/>
+              </a:spcBef>
+              <a:buSzPct val="100000"/>
+              <a:buBlip>
+                <a:blip r:embed="rId2"/>
+              </a:buBlip>
+              <a:tabLst>
+                <a:tab pos="139700" algn="l"/>
+                <a:tab pos="457200" algn="l"/>
+              </a:tabLst>
+              <a:defRPr sz="1800"/>
+            </a:pPr>
+            <a:r>
+              <a:rPr lang="fr-CH" sz="2000" dirty="0" err="1" smtClean="0">
+                <a:solidFill>
+                  <a:srgbClr val="B51A00"/>
+                </a:solidFill>
+              </a:rPr>
+              <a:t>Pugh</a:t>
+            </a:r>
+            <a:r>
+              <a:rPr lang="fr-CH" sz="2000" dirty="0" smtClean="0">
+                <a:solidFill>
+                  <a:srgbClr val="B51A00"/>
+                </a:solidFill>
+              </a:rPr>
+              <a:t>, </a:t>
+            </a:r>
+            <a:r>
+              <a:rPr lang="fr-CH" sz="2000" dirty="0" err="1" smtClean="0">
+                <a:solidFill>
+                  <a:srgbClr val="B51A00"/>
+                </a:solidFill>
+              </a:rPr>
+              <a:t>Zang</a:t>
+            </a:r>
+            <a:r>
+              <a:rPr lang="fr-CH" sz="2000" dirty="0" smtClean="0">
+                <a:solidFill>
+                  <a:srgbClr val="B51A00"/>
+                </a:solidFill>
+              </a:rPr>
+              <a:t> and </a:t>
+            </a:r>
+            <a:r>
+              <a:rPr lang="fr-CH" sz="2000" dirty="0" err="1" smtClean="0">
+                <a:solidFill>
+                  <a:srgbClr val="B51A00"/>
+                </a:solidFill>
+              </a:rPr>
+              <a:t>Martinoli</a:t>
+            </a:r>
+            <a:r>
+              <a:rPr lang="fr-CH" sz="2000" dirty="0" smtClean="0">
+                <a:solidFill>
+                  <a:srgbClr val="B51A00"/>
+                </a:solidFill>
+              </a:rPr>
+              <a:t>.</a:t>
+            </a:r>
+            <a:r>
+              <a:rPr lang="fr-CH" sz="2000" dirty="0">
+                <a:solidFill>
+                  <a:srgbClr val="B51A00"/>
+                </a:solidFill>
+              </a:rPr>
+              <a:t/>
+            </a:r>
+            <a:br>
+              <a:rPr lang="fr-CH" sz="2000" dirty="0">
+                <a:solidFill>
+                  <a:srgbClr val="B51A00"/>
+                </a:solidFill>
+              </a:rPr>
+            </a:br>
+            <a:r>
+              <a:rPr lang="fr-CH" sz="2000" dirty="0" err="1" smtClean="0"/>
+              <a:t>Particle</a:t>
+            </a:r>
+            <a:r>
+              <a:rPr lang="fr-CH" sz="2000" dirty="0" smtClean="0"/>
+              <a:t> </a:t>
+            </a:r>
+            <a:r>
+              <a:rPr lang="fr-CH" sz="2000" dirty="0" err="1" smtClean="0"/>
+              <a:t>swarm</a:t>
+            </a:r>
+            <a:r>
+              <a:rPr lang="fr-CH" sz="2000" dirty="0" smtClean="0"/>
+              <a:t> </a:t>
+            </a:r>
+            <a:r>
+              <a:rPr lang="fr-CH" sz="2000" dirty="0" err="1" smtClean="0"/>
+              <a:t>optimization</a:t>
+            </a:r>
+            <a:r>
+              <a:rPr lang="fr-CH" sz="2000" dirty="0" smtClean="0"/>
+              <a:t> for </a:t>
+            </a:r>
+            <a:r>
+              <a:rPr lang="fr-CH" sz="2000" dirty="0" err="1" smtClean="0"/>
+              <a:t>unsupervised</a:t>
+            </a:r>
+            <a:r>
+              <a:rPr lang="fr-CH" sz="2000" dirty="0" smtClean="0"/>
+              <a:t> </a:t>
+            </a:r>
+            <a:r>
+              <a:rPr lang="fr-CH" sz="2000" dirty="0" err="1" smtClean="0"/>
+              <a:t>robotic</a:t>
+            </a:r>
+            <a:r>
+              <a:rPr lang="fr-CH" sz="2000" dirty="0" smtClean="0"/>
+              <a:t> </a:t>
+            </a:r>
+            <a:r>
+              <a:rPr lang="fr-CH" sz="2000" dirty="0" err="1" smtClean="0"/>
+              <a:t>learning</a:t>
+            </a:r>
+            <a:r>
+              <a:rPr lang="fr-CH" sz="2000" dirty="0" smtClean="0"/>
+              <a:t>. </a:t>
+            </a:r>
+            <a:r>
+              <a:rPr lang="en-US" sz="2000" dirty="0"/>
+              <a:t/>
+            </a:r>
+            <a:br>
+              <a:rPr lang="en-US" sz="2000" dirty="0"/>
+            </a:br>
+            <a:r>
+              <a:rPr lang="en-US" sz="2000" i="1" dirty="0" smtClean="0">
+                <a:solidFill>
+                  <a:srgbClr val="B51A00"/>
+                </a:solidFill>
+              </a:rPr>
+              <a:t>Swarm Intelligence Symposium. No. SWIS-CONF-2005-004. 2005</a:t>
+            </a:r>
+            <a:endParaRPr lang="en-US" sz="2000" i="1" dirty="0">
+              <a:solidFill>
+                <a:srgbClr val="B51A00"/>
+              </a:solidFill>
+            </a:endParaRPr>
+          </a:p>
+        </p:txBody>
+      </p:sp>
+      <p:sp>
+        <p:nvSpPr>
+          <p:cNvPr id="13" name="Shape 42"/>
+          <p:cNvSpPr/>
+          <p:nvPr/>
+        </p:nvSpPr>
+        <p:spPr>
+          <a:xfrm>
+            <a:off x="0" y="0"/>
+            <a:ext cx="10095364" cy="444500"/>
+          </a:xfrm>
+          <a:prstGeom prst="rect">
+            <a:avLst/>
+          </a:prstGeom>
+          <a:solidFill>
+            <a:srgbClr val="B51A00"/>
+          </a:solidFill>
+          <a:ln w="12700">
+            <a:miter lim="400000"/>
+          </a:ln>
+        </p:spPr>
+        <p:txBody>
+          <a:bodyPr lIns="0" tIns="0" rIns="0" bIns="0" anchor="ctr"/>
+          <a:lstStyle/>
+          <a:p>
+            <a:pPr lvl="0">
+              <a:defRPr sz="4000">
+                <a:solidFill>
+                  <a:srgbClr val="FFFFFF"/>
+                </a:solidFill>
+                <a:effectLst>
+                  <a:outerShdw blurRad="38100" dist="12700" dir="5400000" rotWithShape="0">
+                    <a:srgbClr val="000000">
+                      <a:alpha val="50000"/>
+                    </a:srgbClr>
+                  </a:outerShdw>
+                </a:effectLst>
+              </a:defRPr>
+            </a:pPr>
+            <a:endParaRPr/>
+          </a:p>
+        </p:txBody>
+      </p:sp>
+      <p:sp>
+        <p:nvSpPr>
+          <p:cNvPr id="14" name="Shape 43"/>
+          <p:cNvSpPr/>
+          <p:nvPr/>
+        </p:nvSpPr>
+        <p:spPr>
+          <a:xfrm>
+            <a:off x="10095364" y="0"/>
+            <a:ext cx="2909435" cy="444500"/>
+          </a:xfrm>
+          <a:prstGeom prst="rect">
+            <a:avLst/>
+          </a:prstGeom>
+          <a:solidFill>
+            <a:srgbClr val="D6D6D6"/>
+          </a:solidFill>
+          <a:ln w="12700">
+            <a:miter lim="400000"/>
+          </a:ln>
+        </p:spPr>
+        <p:txBody>
+          <a:bodyPr lIns="0" tIns="0" rIns="0" bIns="0" anchor="ctr"/>
+          <a:lstStyle/>
+          <a:p>
+            <a:pPr lvl="0">
+              <a:defRPr sz="4000">
+                <a:solidFill>
+                  <a:srgbClr val="FFFFFF"/>
+                </a:solidFill>
+                <a:effectLst>
+                  <a:outerShdw blurRad="38100" dist="12700" dir="5400000" rotWithShape="0">
+                    <a:srgbClr val="000000">
+                      <a:alpha val="50000"/>
+                    </a:srgbClr>
+                  </a:outerShdw>
+                </a:effectLst>
+              </a:defRPr>
+            </a:pPr>
+            <a:endParaRPr/>
+          </a:p>
+        </p:txBody>
+      </p:sp>
+      <p:sp>
+        <p:nvSpPr>
+          <p:cNvPr id="15" name="Shape 54"/>
+          <p:cNvSpPr/>
+          <p:nvPr/>
+        </p:nvSpPr>
+        <p:spPr>
+          <a:xfrm>
+            <a:off x="2218690" y="-39434"/>
+            <a:ext cx="5900654" cy="456535"/>
+          </a:xfrm>
+          <a:prstGeom prst="rect">
+            <a:avLst/>
+          </a:prstGeom>
+          <a:ln w="12700">
+            <a:miter lim="400000"/>
+          </a:ln>
+          <a:extLst>
+            <a:ext uri="{C572A759-6A51-4108-AA02-DFA0A04FC94B}">
+              <ma14:wrappingTextBoxFlag xmlns:ma14="http://schemas.microsoft.com/office/mac/drawingml/2011/main" xmlns="" val="1"/>
+            </a:ext>
+          </a:extLst>
+        </p:spPr>
+        <p:txBody>
+          <a:bodyPr wrap="none" lIns="50800" tIns="50800" rIns="50800" bIns="50800" anchor="ctr">
+            <a:spAutoFit/>
+          </a:bodyPr>
+          <a:lstStyle>
+            <a:lvl1pPr>
+              <a:defRPr sz="2300">
+                <a:solidFill>
+                  <a:srgbClr val="FFFFFF"/>
+                </a:solidFill>
+              </a:defRPr>
+            </a:lvl1pPr>
+          </a:lstStyle>
+          <a:p>
+            <a:pPr lvl="0">
+              <a:defRPr sz="1800">
+                <a:solidFill>
+                  <a:srgbClr val="000000"/>
+                </a:solidFill>
+              </a:defRPr>
+            </a:pPr>
+            <a:r>
+              <a:rPr lang="en-US" sz="2300" dirty="0" smtClean="0">
+                <a:solidFill>
+                  <a:srgbClr val="FFFFFF"/>
+                </a:solidFill>
+              </a:rPr>
+              <a:t>Distributed Intelligent Systems – Course Project</a:t>
+            </a:r>
+            <a:endParaRPr sz="2300" dirty="0">
+              <a:solidFill>
+                <a:srgbClr val="FFFFFF"/>
+              </a:solidFill>
+            </a:endParaRPr>
+          </a:p>
+        </p:txBody>
+      </p:sp>
+      <p:sp>
+        <p:nvSpPr>
+          <p:cNvPr id="19" name="Shape 55"/>
+          <p:cNvSpPr/>
+          <p:nvPr/>
+        </p:nvSpPr>
+        <p:spPr>
+          <a:xfrm>
+            <a:off x="11100171" y="7347"/>
+            <a:ext cx="838371" cy="456535"/>
+          </a:xfrm>
+          <a:prstGeom prst="rect">
+            <a:avLst/>
+          </a:prstGeom>
+          <a:ln w="12700">
+            <a:miter lim="400000"/>
+          </a:ln>
+          <a:extLst>
+            <a:ext uri="{C572A759-6A51-4108-AA02-DFA0A04FC94B}">
+              <ma14:wrappingTextBoxFlag xmlns:ma14="http://schemas.microsoft.com/office/mac/drawingml/2011/main" xmlns="" val="1"/>
+            </a:ext>
+          </a:extLst>
+        </p:spPr>
+        <p:txBody>
+          <a:bodyPr wrap="none" lIns="50800" tIns="50800" rIns="50800" bIns="50800" anchor="ctr">
+            <a:spAutoFit/>
+          </a:bodyPr>
+          <a:lstStyle>
+            <a:lvl1pPr>
+              <a:defRPr sz="2300"/>
+            </a:lvl1pPr>
+          </a:lstStyle>
+          <a:p>
+            <a:pPr lvl="0">
+              <a:defRPr sz="1800"/>
+            </a:pPr>
+            <a:r>
+              <a:rPr lang="en-US" sz="2300" dirty="0" smtClean="0"/>
+              <a:t>15/16</a:t>
+            </a:r>
+            <a:endParaRPr sz="2300" dirty="0"/>
           </a:p>
         </p:txBody>
       </p:sp>
@@ -7905,6 +9823,13 @@
     <a:masterClrMapping/>
   </p:clrMapOvr>
   <p:transition spd="med"/>
+  <p:timing>
+    <p:tnLst>
+      <p:par>
+        <p:cTn id="1" dur="indefinite" restart="never" nodeType="tmRoot"/>
+      </p:par>
+    </p:tnLst>
+  </p:timing>
 </p:sld>
 </file>
 
@@ -8116,7 +10041,7 @@
           </a:ln>
           <a:extLst>
             <a:ext uri="{C572A759-6A51-4108-AA02-DFA0A04FC94B}">
-              <ma14:wrappingTextBoxFlag xmlns:ma14="http://schemas.microsoft.com/office/mac/drawingml/2011/main" val="1"/>
+              <ma14:wrappingTextBoxFlag xmlns:ma14="http://schemas.microsoft.com/office/mac/drawingml/2011/main" xmlns="" val="1"/>
             </a:ext>
           </a:extLst>
         </p:spPr>
@@ -8195,15 +10120,7 @@
                   <a:srgbClr val="FFFFFF"/>
                 </a:solidFill>
               </a:rPr>
-              <a:t>Savar</a:t>
-            </a:r>
-            <a:r>
-              <a:rPr lang="en-US" sz="2300" dirty="0" err="1" smtClean="0">
-                <a:solidFill>
-                  <a:srgbClr val="FFFFFF"/>
-                </a:solidFill>
-              </a:rPr>
-              <a:t>è</a:t>
+              <a:t>Savarè</a:t>
             </a:r>
             <a:endParaRPr sz="2300" dirty="0">
               <a:solidFill>
@@ -8232,7 +10149,7 @@
           </a:ln>
           <a:extLst>
             <a:ext uri="{C572A759-6A51-4108-AA02-DFA0A04FC94B}">
-              <ma14:wrappingTextBoxFlag xmlns:ma14="http://schemas.microsoft.com/office/mac/drawingml/2011/main" val="1"/>
+              <ma14:wrappingTextBoxFlag xmlns:ma14="http://schemas.microsoft.com/office/mac/drawingml/2011/main" xmlns="" val="1"/>
             </a:ext>
           </a:extLst>
         </p:spPr>
@@ -8284,7 +10201,7 @@
           </a:ln>
           <a:extLst>
             <a:ext uri="{C572A759-6A51-4108-AA02-DFA0A04FC94B}">
-              <ma14:wrappingTextBoxFlag xmlns:ma14="http://schemas.microsoft.com/office/mac/drawingml/2011/main" val="1"/>
+              <ma14:wrappingTextBoxFlag xmlns:ma14="http://schemas.microsoft.com/office/mac/drawingml/2011/main" xmlns="" val="1"/>
             </a:ext>
           </a:extLst>
         </p:spPr>
@@ -8387,7 +10304,7 @@
           </a:ln>
           <a:extLst>
             <a:ext uri="{C572A759-6A51-4108-AA02-DFA0A04FC94B}">
-              <ma14:wrappingTextBoxFlag xmlns:ma14="http://schemas.microsoft.com/office/mac/drawingml/2011/main" val="1"/>
+              <ma14:wrappingTextBoxFlag xmlns:ma14="http://schemas.microsoft.com/office/mac/drawingml/2011/main" xmlns="" val="1"/>
             </a:ext>
           </a:extLst>
         </p:spPr>
@@ -8555,6 +10472,196 @@
           </a:p>
         </p:txBody>
       </p:sp>
+      <p:sp>
+        <p:nvSpPr>
+          <p:cNvPr id="12" name="Shape 42"/>
+          <p:cNvSpPr/>
+          <p:nvPr/>
+        </p:nvSpPr>
+        <p:spPr>
+          <a:xfrm>
+            <a:off x="0" y="0"/>
+            <a:ext cx="10095364" cy="444500"/>
+          </a:xfrm>
+          <a:prstGeom prst="rect">
+            <a:avLst/>
+          </a:prstGeom>
+          <a:solidFill>
+            <a:srgbClr val="B51A00"/>
+          </a:solidFill>
+          <a:ln w="12700">
+            <a:miter lim="400000"/>
+          </a:ln>
+        </p:spPr>
+        <p:txBody>
+          <a:bodyPr lIns="0" tIns="0" rIns="0" bIns="0" anchor="ctr"/>
+          <a:lstStyle/>
+          <a:p>
+            <a:pPr lvl="0">
+              <a:defRPr sz="4000">
+                <a:solidFill>
+                  <a:srgbClr val="FFFFFF"/>
+                </a:solidFill>
+                <a:effectLst>
+                  <a:outerShdw blurRad="38100" dist="12700" dir="5400000" rotWithShape="0">
+                    <a:srgbClr val="000000">
+                      <a:alpha val="50000"/>
+                    </a:srgbClr>
+                  </a:outerShdw>
+                </a:effectLst>
+              </a:defRPr>
+            </a:pPr>
+            <a:endParaRPr/>
+          </a:p>
+        </p:txBody>
+      </p:sp>
+      <p:sp>
+        <p:nvSpPr>
+          <p:cNvPr id="13" name="Shape 43"/>
+          <p:cNvSpPr/>
+          <p:nvPr/>
+        </p:nvSpPr>
+        <p:spPr>
+          <a:xfrm>
+            <a:off x="10095364" y="0"/>
+            <a:ext cx="2909435" cy="444500"/>
+          </a:xfrm>
+          <a:prstGeom prst="rect">
+            <a:avLst/>
+          </a:prstGeom>
+          <a:solidFill>
+            <a:srgbClr val="D6D6D6"/>
+          </a:solidFill>
+          <a:ln w="12700">
+            <a:miter lim="400000"/>
+          </a:ln>
+        </p:spPr>
+        <p:txBody>
+          <a:bodyPr lIns="0" tIns="0" rIns="0" bIns="0" anchor="ctr"/>
+          <a:lstStyle/>
+          <a:p>
+            <a:pPr lvl="0">
+              <a:defRPr sz="4000">
+                <a:solidFill>
+                  <a:srgbClr val="FFFFFF"/>
+                </a:solidFill>
+                <a:effectLst>
+                  <a:outerShdw blurRad="38100" dist="12700" dir="5400000" rotWithShape="0">
+                    <a:srgbClr val="000000">
+                      <a:alpha val="50000"/>
+                    </a:srgbClr>
+                  </a:outerShdw>
+                </a:effectLst>
+              </a:defRPr>
+            </a:pPr>
+            <a:endParaRPr/>
+          </a:p>
+        </p:txBody>
+      </p:sp>
+      <p:sp>
+        <p:nvSpPr>
+          <p:cNvPr id="14" name="Shape 54"/>
+          <p:cNvSpPr/>
+          <p:nvPr/>
+        </p:nvSpPr>
+        <p:spPr>
+          <a:xfrm>
+            <a:off x="2218690" y="-39434"/>
+            <a:ext cx="5900654" cy="456535"/>
+          </a:xfrm>
+          <a:prstGeom prst="rect">
+            <a:avLst/>
+          </a:prstGeom>
+          <a:ln w="12700">
+            <a:miter lim="400000"/>
+          </a:ln>
+          <a:extLst>
+            <a:ext uri="{C572A759-6A51-4108-AA02-DFA0A04FC94B}">
+              <ma14:wrappingTextBoxFlag xmlns:ma14="http://schemas.microsoft.com/office/mac/drawingml/2011/main" xmlns="" val="1"/>
+            </a:ext>
+          </a:extLst>
+        </p:spPr>
+        <p:txBody>
+          <a:bodyPr wrap="none" lIns="50800" tIns="50800" rIns="50800" bIns="50800" anchor="ctr">
+            <a:spAutoFit/>
+          </a:bodyPr>
+          <a:lstStyle>
+            <a:lvl1pPr>
+              <a:defRPr sz="2300">
+                <a:solidFill>
+                  <a:srgbClr val="FFFFFF"/>
+                </a:solidFill>
+              </a:defRPr>
+            </a:lvl1pPr>
+          </a:lstStyle>
+          <a:p>
+            <a:pPr lvl="0">
+              <a:defRPr sz="1800">
+                <a:solidFill>
+                  <a:srgbClr val="000000"/>
+                </a:solidFill>
+              </a:defRPr>
+            </a:pPr>
+            <a:r>
+              <a:rPr lang="en-US" sz="2300" dirty="0" smtClean="0">
+                <a:solidFill>
+                  <a:srgbClr val="FFFFFF"/>
+                </a:solidFill>
+              </a:rPr>
+              <a:t>Distributed Intelligent Systems – Course Project</a:t>
+            </a:r>
+            <a:endParaRPr sz="2300" dirty="0">
+              <a:solidFill>
+                <a:srgbClr val="FFFFFF"/>
+              </a:solidFill>
+            </a:endParaRPr>
+          </a:p>
+        </p:txBody>
+      </p:sp>
+      <p:sp>
+        <p:nvSpPr>
+          <p:cNvPr id="18" name="Shape 55"/>
+          <p:cNvSpPr/>
+          <p:nvPr/>
+        </p:nvSpPr>
+        <p:spPr>
+          <a:xfrm>
+            <a:off x="11100171" y="7347"/>
+            <a:ext cx="838371" cy="456535"/>
+          </a:xfrm>
+          <a:prstGeom prst="rect">
+            <a:avLst/>
+          </a:prstGeom>
+          <a:ln w="12700">
+            <a:miter lim="400000"/>
+          </a:ln>
+          <a:extLst>
+            <a:ext uri="{C572A759-6A51-4108-AA02-DFA0A04FC94B}">
+              <ma14:wrappingTextBoxFlag xmlns:ma14="http://schemas.microsoft.com/office/mac/drawingml/2011/main" xmlns="" val="1"/>
+            </a:ext>
+          </a:extLst>
+        </p:spPr>
+        <p:txBody>
+          <a:bodyPr wrap="none" lIns="50800" tIns="50800" rIns="50800" bIns="50800" anchor="ctr">
+            <a:spAutoFit/>
+          </a:bodyPr>
+          <a:lstStyle>
+            <a:lvl1pPr>
+              <a:defRPr sz="2300"/>
+            </a:lvl1pPr>
+          </a:lstStyle>
+          <a:p>
+            <a:pPr lvl="0">
+              <a:defRPr sz="1800"/>
+            </a:pPr>
+            <a:r>
+              <a:rPr lang="en-US" sz="2300" dirty="0" smtClean="0"/>
+              <a:t>16/16</a:t>
+            </a:r>
+            <a:endParaRPr sz="2300" dirty="0"/>
+          </a:p>
+        </p:txBody>
+      </p:sp>
     </p:spTree>
     <p:extLst>
       <p:ext uri="{BB962C8B-B14F-4D97-AF65-F5344CB8AC3E}">
@@ -8566,6 +10673,13 @@
     <a:masterClrMapping/>
   </p:clrMapOvr>
   <p:transition spd="med"/>
+  <p:timing>
+    <p:tnLst>
+      <p:par>
+        <p:cTn id="1" dur="indefinite" restart="never" nodeType="tmRoot"/>
+      </p:par>
+    </p:tnLst>
+  </p:timing>
 </p:sld>
 </file>
 
@@ -8777,7 +10891,7 @@
           </a:ln>
           <a:extLst>
             <a:ext uri="{C572A759-6A51-4108-AA02-DFA0A04FC94B}">
-              <ma14:wrappingTextBoxFlag xmlns:ma14="http://schemas.microsoft.com/office/mac/drawingml/2011/main" val="1"/>
+              <ma14:wrappingTextBoxFlag xmlns:ma14="http://schemas.microsoft.com/office/mac/drawingml/2011/main" xmlns="" val="1"/>
             </a:ext>
           </a:extLst>
         </p:spPr>
@@ -8856,15 +10970,7 @@
                   <a:srgbClr val="FFFFFF"/>
                 </a:solidFill>
               </a:rPr>
-              <a:t>Savar</a:t>
-            </a:r>
-            <a:r>
-              <a:rPr lang="en-US" sz="2300" dirty="0" err="1" smtClean="0">
-                <a:solidFill>
-                  <a:srgbClr val="FFFFFF"/>
-                </a:solidFill>
-              </a:rPr>
-              <a:t>è</a:t>
+              <a:t>Savarè</a:t>
             </a:r>
             <a:endParaRPr sz="2300" dirty="0">
               <a:solidFill>
@@ -8893,7 +10999,7 @@
           </a:ln>
           <a:extLst>
             <a:ext uri="{C572A759-6A51-4108-AA02-DFA0A04FC94B}">
-              <ma14:wrappingTextBoxFlag xmlns:ma14="http://schemas.microsoft.com/office/mac/drawingml/2011/main" val="1"/>
+              <ma14:wrappingTextBoxFlag xmlns:ma14="http://schemas.microsoft.com/office/mac/drawingml/2011/main" xmlns="" val="1"/>
             </a:ext>
           </a:extLst>
         </p:spPr>
@@ -8945,7 +11051,7 @@
           </a:ln>
           <a:extLst>
             <a:ext uri="{C572A759-6A51-4108-AA02-DFA0A04FC94B}">
-              <ma14:wrappingTextBoxFlag xmlns:ma14="http://schemas.microsoft.com/office/mac/drawingml/2011/main" val="1"/>
+              <ma14:wrappingTextBoxFlag xmlns:ma14="http://schemas.microsoft.com/office/mac/drawingml/2011/main" xmlns="" val="1"/>
             </a:ext>
           </a:extLst>
         </p:spPr>
@@ -9037,8 +11143,8 @@
         </p:nvSpPr>
         <p:spPr>
           <a:xfrm>
-            <a:off x="355600" y="660400"/>
-            <a:ext cx="12280900" cy="749300"/>
+            <a:off x="355600" y="637506"/>
+            <a:ext cx="12280900" cy="795089"/>
           </a:xfrm>
           <a:prstGeom prst="rect">
             <a:avLst/>
@@ -9048,7 +11154,7 @@
           </a:ln>
           <a:extLst>
             <a:ext uri="{C572A759-6A51-4108-AA02-DFA0A04FC94B}">
-              <ma14:wrappingTextBoxFlag xmlns:ma14="http://schemas.microsoft.com/office/mac/drawingml/2011/main" val="1"/>
+              <ma14:wrappingTextBoxFlag xmlns:ma14="http://schemas.microsoft.com/office/mac/drawingml/2011/main" xmlns="" val="1"/>
             </a:ext>
           </a:extLst>
         </p:spPr>
@@ -9077,14 +11183,201 @@
                 </a:solidFill>
               </a:defRPr>
             </a:pPr>
-            <a:r>
-              <a:rPr sz="4500">
-                <a:solidFill>
-                  <a:srgbClr val="B51A00"/>
-                </a:solidFill>
-              </a:rPr>
-              <a:t>Anatomia: cuore e sistema di conduzione</a:t>
-            </a:r>
+            <a:endParaRPr sz="4500" dirty="0">
+              <a:solidFill>
+                <a:srgbClr val="B51A00"/>
+              </a:solidFill>
+            </a:endParaRPr>
+          </a:p>
+        </p:txBody>
+      </p:sp>
+      <p:sp>
+        <p:nvSpPr>
+          <p:cNvPr id="11" name="Shape 42"/>
+          <p:cNvSpPr/>
+          <p:nvPr/>
+        </p:nvSpPr>
+        <p:spPr>
+          <a:xfrm>
+            <a:off x="0" y="0"/>
+            <a:ext cx="10095364" cy="444500"/>
+          </a:xfrm>
+          <a:prstGeom prst="rect">
+            <a:avLst/>
+          </a:prstGeom>
+          <a:solidFill>
+            <a:srgbClr val="B51A00"/>
+          </a:solidFill>
+          <a:ln w="12700">
+            <a:miter lim="400000"/>
+          </a:ln>
+        </p:spPr>
+        <p:txBody>
+          <a:bodyPr lIns="0" tIns="0" rIns="0" bIns="0" anchor="ctr"/>
+          <a:lstStyle/>
+          <a:p>
+            <a:pPr lvl="0">
+              <a:defRPr sz="4000">
+                <a:solidFill>
+                  <a:srgbClr val="FFFFFF"/>
+                </a:solidFill>
+                <a:effectLst>
+                  <a:outerShdw blurRad="38100" dist="12700" dir="5400000" rotWithShape="0">
+                    <a:srgbClr val="000000">
+                      <a:alpha val="50000"/>
+                    </a:srgbClr>
+                  </a:outerShdw>
+                </a:effectLst>
+              </a:defRPr>
+            </a:pPr>
+            <a:endParaRPr/>
+          </a:p>
+        </p:txBody>
+      </p:sp>
+      <p:sp>
+        <p:nvSpPr>
+          <p:cNvPr id="12" name="Shape 43"/>
+          <p:cNvSpPr/>
+          <p:nvPr/>
+        </p:nvSpPr>
+        <p:spPr>
+          <a:xfrm>
+            <a:off x="10095364" y="0"/>
+            <a:ext cx="2909435" cy="444500"/>
+          </a:xfrm>
+          <a:prstGeom prst="rect">
+            <a:avLst/>
+          </a:prstGeom>
+          <a:solidFill>
+            <a:srgbClr val="D6D6D6"/>
+          </a:solidFill>
+          <a:ln w="12700">
+            <a:miter lim="400000"/>
+          </a:ln>
+        </p:spPr>
+        <p:txBody>
+          <a:bodyPr lIns="0" tIns="0" rIns="0" bIns="0" anchor="ctr"/>
+          <a:lstStyle/>
+          <a:p>
+            <a:pPr lvl="0">
+              <a:defRPr sz="4000">
+                <a:solidFill>
+                  <a:srgbClr val="FFFFFF"/>
+                </a:solidFill>
+                <a:effectLst>
+                  <a:outerShdw blurRad="38100" dist="12700" dir="5400000" rotWithShape="0">
+                    <a:srgbClr val="000000">
+                      <a:alpha val="50000"/>
+                    </a:srgbClr>
+                  </a:outerShdw>
+                </a:effectLst>
+              </a:defRPr>
+            </a:pPr>
+            <a:endParaRPr/>
+          </a:p>
+        </p:txBody>
+      </p:sp>
+      <p:sp>
+        <p:nvSpPr>
+          <p:cNvPr id="13" name="Shape 54"/>
+          <p:cNvSpPr/>
+          <p:nvPr/>
+        </p:nvSpPr>
+        <p:spPr>
+          <a:xfrm>
+            <a:off x="2218690" y="-39434"/>
+            <a:ext cx="5900654" cy="456535"/>
+          </a:xfrm>
+          <a:prstGeom prst="rect">
+            <a:avLst/>
+          </a:prstGeom>
+          <a:ln w="12700">
+            <a:miter lim="400000"/>
+          </a:ln>
+          <a:extLst>
+            <a:ext uri="{C572A759-6A51-4108-AA02-DFA0A04FC94B}">
+              <ma14:wrappingTextBoxFlag xmlns:ma14="http://schemas.microsoft.com/office/mac/drawingml/2011/main" xmlns="" val="1"/>
+            </a:ext>
+          </a:extLst>
+        </p:spPr>
+        <p:txBody>
+          <a:bodyPr wrap="none" lIns="50800" tIns="50800" rIns="50800" bIns="50800" anchor="ctr">
+            <a:spAutoFit/>
+          </a:bodyPr>
+          <a:lstStyle>
+            <a:lvl1pPr>
+              <a:defRPr sz="2300">
+                <a:solidFill>
+                  <a:srgbClr val="FFFFFF"/>
+                </a:solidFill>
+              </a:defRPr>
+            </a:lvl1pPr>
+          </a:lstStyle>
+          <a:p>
+            <a:pPr lvl="0">
+              <a:defRPr sz="1800">
+                <a:solidFill>
+                  <a:srgbClr val="000000"/>
+                </a:solidFill>
+              </a:defRPr>
+            </a:pPr>
+            <a:r>
+              <a:rPr lang="en-US" sz="2300" dirty="0" smtClean="0">
+                <a:solidFill>
+                  <a:srgbClr val="FFFFFF"/>
+                </a:solidFill>
+              </a:rPr>
+              <a:t>Distributed Intelligent Systems – Course Project</a:t>
+            </a:r>
+            <a:endParaRPr sz="2300" dirty="0">
+              <a:solidFill>
+                <a:srgbClr val="FFFFFF"/>
+              </a:solidFill>
+            </a:endParaRPr>
+          </a:p>
+        </p:txBody>
+      </p:sp>
+      <p:sp>
+        <p:nvSpPr>
+          <p:cNvPr id="14" name="Shape 55"/>
+          <p:cNvSpPr/>
+          <p:nvPr/>
+        </p:nvSpPr>
+        <p:spPr>
+          <a:xfrm>
+            <a:off x="10941473" y="7347"/>
+            <a:ext cx="1155766" cy="456535"/>
+          </a:xfrm>
+          <a:prstGeom prst="rect">
+            <a:avLst/>
+          </a:prstGeom>
+          <a:ln w="12700">
+            <a:miter lim="400000"/>
+          </a:ln>
+          <a:extLst>
+            <a:ext uri="{C572A759-6A51-4108-AA02-DFA0A04FC94B}">
+              <ma14:wrappingTextBoxFlag xmlns:ma14="http://schemas.microsoft.com/office/mac/drawingml/2011/main" xmlns="" val="1"/>
+            </a:ext>
+          </a:extLst>
+        </p:spPr>
+        <p:txBody>
+          <a:bodyPr wrap="none" lIns="50800" tIns="50800" rIns="50800" bIns="50800" anchor="ctr">
+            <a:spAutoFit/>
+          </a:bodyPr>
+          <a:lstStyle>
+            <a:lvl1pPr>
+              <a:defRPr sz="2300"/>
+            </a:lvl1pPr>
+          </a:lstStyle>
+          <a:p>
+            <a:pPr lvl="0">
+              <a:defRPr sz="1800"/>
+            </a:pPr>
+            <a:r>
+              <a:rPr lang="en-US" sz="2300" smtClean="0"/>
+              <a:t>CSE - IN</a:t>
+            </a:r>
+            <a:endParaRPr sz="2300"/>
           </a:p>
         </p:txBody>
       </p:sp>
@@ -9099,1422 +11392,13 @@
     <a:masterClrMapping/>
   </p:clrMapOvr>
   <p:transition spd="med"/>
-</p:sld>
-</file>
-
-<file path=ppt/slides/slide18.xml><?xml version="1.0" encoding="utf-8"?>
-<p:sld xmlns:a="http://schemas.openxmlformats.org/drawingml/2006/main" xmlns:r="http://schemas.openxmlformats.org/officeDocument/2006/relationships" xmlns:p="http://schemas.openxmlformats.org/presentationml/2006/main">
-  <p:cSld>
-    <p:spTree>
-      <p:nvGrpSpPr>
-        <p:cNvPr id="1" name=""/>
-        <p:cNvGrpSpPr/>
-        <p:nvPr/>
-      </p:nvGrpSpPr>
-      <p:grpSpPr>
-        <a:xfrm>
-          <a:off x="0" y="0"/>
-          <a:ext cx="0" cy="0"/>
-          <a:chOff x="0" y="0"/>
-          <a:chExt cx="0" cy="0"/>
-        </a:xfrm>
-      </p:grpSpPr>
-      <p:sp>
-        <p:nvSpPr>
-          <p:cNvPr id="42" name="Shape 42"/>
-          <p:cNvSpPr/>
-          <p:nvPr/>
-        </p:nvSpPr>
-        <p:spPr>
-          <a:xfrm>
-            <a:off x="0" y="0"/>
-            <a:ext cx="6159500" cy="444500"/>
-          </a:xfrm>
-          <a:prstGeom prst="rect">
-            <a:avLst/>
-          </a:prstGeom>
-          <a:solidFill>
-            <a:srgbClr val="B51A00"/>
-          </a:solidFill>
-          <a:ln w="12700">
-            <a:miter lim="400000"/>
-          </a:ln>
-        </p:spPr>
-        <p:txBody>
-          <a:bodyPr lIns="0" tIns="0" rIns="0" bIns="0" anchor="ctr"/>
-          <a:lstStyle/>
-          <a:p>
-            <a:pPr lvl="0">
-              <a:defRPr sz="4000">
-                <a:solidFill>
-                  <a:srgbClr val="FFFFFF"/>
-                </a:solidFill>
-                <a:effectLst>
-                  <a:outerShdw blurRad="38100" dist="12700" dir="5400000" rotWithShape="0">
-                    <a:srgbClr val="000000">
-                      <a:alpha val="50000"/>
-                    </a:srgbClr>
-                  </a:outerShdw>
-                </a:effectLst>
-              </a:defRPr>
-            </a:pPr>
-            <a:endParaRPr/>
-          </a:p>
-        </p:txBody>
-      </p:sp>
-      <p:sp>
-        <p:nvSpPr>
-          <p:cNvPr id="43" name="Shape 43"/>
-          <p:cNvSpPr/>
-          <p:nvPr/>
-        </p:nvSpPr>
-        <p:spPr>
-          <a:xfrm>
-            <a:off x="6159500" y="0"/>
-            <a:ext cx="6845300" cy="444500"/>
-          </a:xfrm>
-          <a:prstGeom prst="rect">
-            <a:avLst/>
-          </a:prstGeom>
-          <a:solidFill>
-            <a:srgbClr val="D6D6D6"/>
-          </a:solidFill>
-          <a:ln w="12700">
-            <a:miter lim="400000"/>
-          </a:ln>
-        </p:spPr>
-        <p:txBody>
-          <a:bodyPr lIns="0" tIns="0" rIns="0" bIns="0" anchor="ctr"/>
-          <a:lstStyle/>
-          <a:p>
-            <a:pPr lvl="0">
-              <a:defRPr sz="4000">
-                <a:solidFill>
-                  <a:srgbClr val="FFFFFF"/>
-                </a:solidFill>
-                <a:effectLst>
-                  <a:outerShdw blurRad="38100" dist="12700" dir="5400000" rotWithShape="0">
-                    <a:srgbClr val="000000">
-                      <a:alpha val="50000"/>
-                    </a:srgbClr>
-                  </a:outerShdw>
-                </a:effectLst>
-              </a:defRPr>
-            </a:pPr>
-            <a:endParaRPr/>
-          </a:p>
-        </p:txBody>
-      </p:sp>
-      <p:sp>
-        <p:nvSpPr>
-          <p:cNvPr id="44" name="Shape 44"/>
-          <p:cNvSpPr/>
-          <p:nvPr/>
-        </p:nvSpPr>
-        <p:spPr>
-          <a:xfrm>
-            <a:off x="-1" y="9245600"/>
-            <a:ext cx="7494777" cy="520700"/>
-          </a:xfrm>
-          <a:prstGeom prst="rect">
-            <a:avLst/>
-          </a:prstGeom>
-          <a:solidFill>
-            <a:srgbClr val="B51A00"/>
-          </a:solidFill>
-          <a:ln w="12700">
-            <a:miter lim="400000"/>
-          </a:ln>
-        </p:spPr>
-        <p:txBody>
-          <a:bodyPr lIns="0" tIns="0" rIns="0" bIns="0" anchor="ctr"/>
-          <a:lstStyle/>
-          <a:p>
-            <a:pPr lvl="0">
-              <a:defRPr sz="4000">
-                <a:solidFill>
-                  <a:srgbClr val="FFFFFF"/>
-                </a:solidFill>
-                <a:effectLst>
-                  <a:outerShdw blurRad="38100" dist="12700" dir="5400000" rotWithShape="0">
-                    <a:srgbClr val="000000">
-                      <a:alpha val="50000"/>
-                    </a:srgbClr>
-                  </a:outerShdw>
-                </a:effectLst>
-              </a:defRPr>
-            </a:pPr>
-            <a:endParaRPr/>
-          </a:p>
-        </p:txBody>
-      </p:sp>
-      <p:sp>
-        <p:nvSpPr>
-          <p:cNvPr id="45" name="Shape 45"/>
-          <p:cNvSpPr/>
-          <p:nvPr/>
-        </p:nvSpPr>
-        <p:spPr>
-          <a:xfrm>
-            <a:off x="7218946" y="9245600"/>
-            <a:ext cx="5785853" cy="520700"/>
-          </a:xfrm>
-          <a:prstGeom prst="rect">
-            <a:avLst/>
-          </a:prstGeom>
-          <a:solidFill>
-            <a:srgbClr val="D6D6D6"/>
-          </a:solidFill>
-          <a:ln w="12700">
-            <a:miter lim="400000"/>
-          </a:ln>
-        </p:spPr>
-        <p:txBody>
-          <a:bodyPr lIns="0" tIns="0" rIns="0" bIns="0" anchor="ctr"/>
-          <a:lstStyle/>
-          <a:p>
-            <a:pPr lvl="0">
-              <a:defRPr sz="4000">
-                <a:solidFill>
-                  <a:srgbClr val="FFFFFF"/>
-                </a:solidFill>
-                <a:effectLst>
-                  <a:outerShdw blurRad="38100" dist="12700" dir="5400000" rotWithShape="0">
-                    <a:srgbClr val="000000">
-                      <a:alpha val="50000"/>
-                    </a:srgbClr>
-                  </a:outerShdw>
-                </a:effectLst>
-              </a:defRPr>
-            </a:pPr>
-            <a:endParaRPr/>
-          </a:p>
-        </p:txBody>
-      </p:sp>
-      <p:sp>
-        <p:nvSpPr>
-          <p:cNvPr id="46" name="Shape 46"/>
-          <p:cNvSpPr/>
-          <p:nvPr/>
-        </p:nvSpPr>
-        <p:spPr>
-          <a:xfrm>
-            <a:off x="881508" y="9245600"/>
-            <a:ext cx="6155531" cy="456535"/>
-          </a:xfrm>
-          <a:prstGeom prst="rect">
-            <a:avLst/>
-          </a:prstGeom>
-          <a:ln w="12700">
-            <a:miter lim="400000"/>
-          </a:ln>
-          <a:extLst>
-            <a:ext uri="{C572A759-6A51-4108-AA02-DFA0A04FC94B}">
-              <ma14:wrappingTextBoxFlag xmlns:ma14="http://schemas.microsoft.com/office/mac/drawingml/2011/main" val="1"/>
-            </a:ext>
-          </a:extLst>
-        </p:spPr>
-        <p:txBody>
-          <a:bodyPr wrap="none" lIns="50800" tIns="50800" rIns="50800" bIns="50800" anchor="ctr">
-            <a:spAutoFit/>
-          </a:bodyPr>
-          <a:lstStyle>
-            <a:lvl1pPr>
-              <a:defRPr sz="2300">
-                <a:solidFill>
-                  <a:srgbClr val="FFFFFF"/>
-                </a:solidFill>
-              </a:defRPr>
-            </a:lvl1pPr>
-          </a:lstStyle>
-          <a:p>
-            <a:pPr lvl="0">
-              <a:defRPr sz="1800">
-                <a:solidFill>
-                  <a:srgbClr val="000000"/>
-                </a:solidFill>
-              </a:defRPr>
-            </a:pPr>
-            <a:r>
-              <a:rPr lang="en-US" sz="2300" dirty="0" err="1" smtClean="0">
-                <a:solidFill>
-                  <a:srgbClr val="FFFFFF"/>
-                </a:solidFill>
-              </a:rPr>
-              <a:t>Ondine</a:t>
-            </a:r>
-            <a:r>
-              <a:rPr lang="en-US" sz="2300" dirty="0" smtClean="0">
-                <a:solidFill>
-                  <a:srgbClr val="FFFFFF"/>
-                </a:solidFill>
-              </a:rPr>
-              <a:t> </a:t>
-            </a:r>
-            <a:r>
-              <a:rPr lang="en-US" sz="2300" dirty="0" err="1" smtClean="0">
-                <a:solidFill>
-                  <a:srgbClr val="FFFFFF"/>
-                </a:solidFill>
-              </a:rPr>
-              <a:t>Chanon</a:t>
-            </a:r>
-            <a:r>
-              <a:rPr lang="en-US" sz="2300" dirty="0" smtClean="0">
-                <a:solidFill>
-                  <a:srgbClr val="FFFFFF"/>
-                </a:solidFill>
-              </a:rPr>
-              <a:t>, Nicolas </a:t>
-            </a:r>
-            <a:r>
-              <a:rPr lang="en-US" sz="2300" dirty="0" err="1" smtClean="0">
-                <a:solidFill>
-                  <a:srgbClr val="FFFFFF"/>
-                </a:solidFill>
-              </a:rPr>
-              <a:t>Hubacher</a:t>
-            </a:r>
-            <a:r>
-              <a:rPr lang="en-US" sz="2300" dirty="0" smtClean="0">
-                <a:solidFill>
-                  <a:srgbClr val="FFFFFF"/>
-                </a:solidFill>
-              </a:rPr>
-              <a:t>, Stefano </a:t>
-            </a:r>
-            <a:r>
-              <a:rPr lang="en-US" sz="2300" dirty="0" err="1" smtClean="0">
-                <a:solidFill>
-                  <a:srgbClr val="FFFFFF"/>
-                </a:solidFill>
-              </a:rPr>
-              <a:t>Savar</a:t>
-            </a:r>
-            <a:r>
-              <a:rPr lang="en-US" sz="2300" dirty="0" err="1" smtClean="0">
-                <a:solidFill>
-                  <a:srgbClr val="FFFFFF"/>
-                </a:solidFill>
-              </a:rPr>
-              <a:t>è</a:t>
-            </a:r>
-            <a:endParaRPr sz="2300" dirty="0">
-              <a:solidFill>
-                <a:srgbClr val="FFFFFF"/>
-              </a:solidFill>
-            </a:endParaRPr>
-          </a:p>
-        </p:txBody>
-      </p:sp>
-      <p:sp>
-        <p:nvSpPr>
-          <p:cNvPr id="47" name="Shape 47"/>
-          <p:cNvSpPr/>
-          <p:nvPr/>
-        </p:nvSpPr>
-        <p:spPr>
-          <a:xfrm>
-            <a:off x="7494777" y="9254939"/>
-            <a:ext cx="2925481" cy="471924"/>
-          </a:xfrm>
-          <a:prstGeom prst="rect">
-            <a:avLst/>
-          </a:prstGeom>
-          <a:ln w="12700">
-            <a:miter lim="400000"/>
-          </a:ln>
-          <a:extLst>
-            <a:ext uri="{C572A759-6A51-4108-AA02-DFA0A04FC94B}">
-              <ma14:wrappingTextBoxFlag xmlns:ma14="http://schemas.microsoft.com/office/mac/drawingml/2011/main" val="1"/>
-            </a:ext>
-          </a:extLst>
-        </p:spPr>
-        <p:txBody>
-          <a:bodyPr wrap="none" lIns="50800" tIns="50800" rIns="50800" bIns="50800" anchor="ctr">
-            <a:spAutoFit/>
-          </a:bodyPr>
-          <a:lstStyle>
-            <a:lvl1pPr>
-              <a:defRPr sz="2300"/>
-            </a:lvl1pPr>
-          </a:lstStyle>
-          <a:p>
-            <a:pPr lvl="0">
-              <a:defRPr sz="1800"/>
-            </a:pPr>
-            <a:r>
-              <a:rPr lang="en-US" sz="2400" dirty="0" smtClean="0"/>
-              <a:t>December, 16th</a:t>
-            </a:r>
-            <a:r>
-              <a:rPr sz="2400" dirty="0" smtClean="0"/>
-              <a:t>  201</a:t>
-            </a:r>
-            <a:r>
-              <a:rPr lang="en-US" sz="2400" dirty="0" smtClean="0"/>
-              <a:t>5</a:t>
-            </a:r>
-            <a:endParaRPr sz="2400" dirty="0"/>
-          </a:p>
-        </p:txBody>
-      </p:sp>
-      <p:sp>
-        <p:nvSpPr>
-          <p:cNvPr id="54" name="Shape 54"/>
-          <p:cNvSpPr/>
-          <p:nvPr/>
-        </p:nvSpPr>
-        <p:spPr>
-          <a:xfrm>
-            <a:off x="4214998" y="-82216"/>
-            <a:ext cx="1603003" cy="456535"/>
-          </a:xfrm>
-          <a:prstGeom prst="rect">
-            <a:avLst/>
-          </a:prstGeom>
-          <a:ln w="12700">
-            <a:miter lim="400000"/>
-          </a:ln>
-          <a:extLst>
-            <a:ext uri="{C572A759-6A51-4108-AA02-DFA0A04FC94B}">
-              <ma14:wrappingTextBoxFlag xmlns:ma14="http://schemas.microsoft.com/office/mac/drawingml/2011/main" val="1"/>
-            </a:ext>
-          </a:extLst>
-        </p:spPr>
-        <p:txBody>
-          <a:bodyPr wrap="none" lIns="50800" tIns="50800" rIns="50800" bIns="50800" anchor="ctr">
-            <a:spAutoFit/>
-          </a:bodyPr>
-          <a:lstStyle>
-            <a:lvl1pPr>
-              <a:defRPr sz="2300">
-                <a:solidFill>
-                  <a:srgbClr val="FFFFFF"/>
-                </a:solidFill>
-              </a:defRPr>
-            </a:lvl1pPr>
-          </a:lstStyle>
-          <a:p>
-            <a:pPr lvl="0">
-              <a:defRPr sz="1800">
-                <a:solidFill>
-                  <a:srgbClr val="000000"/>
-                </a:solidFill>
-              </a:defRPr>
-            </a:pPr>
-            <a:r>
-              <a:rPr lang="en-US" sz="2300" dirty="0" smtClean="0">
-                <a:solidFill>
-                  <a:srgbClr val="FFFFFF"/>
-                </a:solidFill>
-              </a:rPr>
-              <a:t>Introduction</a:t>
-            </a:r>
-            <a:endParaRPr sz="2300" dirty="0">
-              <a:solidFill>
-                <a:srgbClr val="FFFFFF"/>
-              </a:solidFill>
-            </a:endParaRPr>
-          </a:p>
-        </p:txBody>
-      </p:sp>
-      <p:sp>
-        <p:nvSpPr>
-          <p:cNvPr id="16" name="Shape 74"/>
-          <p:cNvSpPr/>
-          <p:nvPr/>
-        </p:nvSpPr>
-        <p:spPr>
-          <a:xfrm>
-            <a:off x="0" y="406400"/>
-            <a:ext cx="14147800" cy="1270000"/>
-          </a:xfrm>
-          <a:prstGeom prst="rect">
-            <a:avLst/>
-          </a:prstGeom>
-          <a:solidFill>
-            <a:srgbClr val="EBEBEB"/>
-          </a:solidFill>
-          <a:ln w="12700">
-            <a:miter lim="400000"/>
-          </a:ln>
-        </p:spPr>
-        <p:txBody>
-          <a:bodyPr lIns="0" tIns="0" rIns="0" bIns="0" anchor="ctr"/>
-          <a:lstStyle/>
-          <a:p>
-            <a:pPr lvl="0">
-              <a:defRPr sz="4000">
-                <a:solidFill>
-                  <a:srgbClr val="FFFFFF"/>
-                </a:solidFill>
-                <a:effectLst>
-                  <a:outerShdw blurRad="38100" dist="12700" dir="5400000" rotWithShape="0">
-                    <a:srgbClr val="000000">
-                      <a:alpha val="50000"/>
-                    </a:srgbClr>
-                  </a:outerShdw>
-                </a:effectLst>
-              </a:defRPr>
-            </a:pPr>
-            <a:endParaRPr/>
-          </a:p>
-        </p:txBody>
-      </p:sp>
-      <p:sp>
-        <p:nvSpPr>
-          <p:cNvPr id="17" name="Shape 75"/>
-          <p:cNvSpPr/>
-          <p:nvPr/>
-        </p:nvSpPr>
-        <p:spPr>
-          <a:xfrm>
-            <a:off x="355600" y="660400"/>
-            <a:ext cx="12280900" cy="749300"/>
-          </a:xfrm>
-          <a:prstGeom prst="rect">
-            <a:avLst/>
-          </a:prstGeom>
-          <a:ln w="12700">
-            <a:miter lim="400000"/>
-          </a:ln>
-          <a:extLst>
-            <a:ext uri="{C572A759-6A51-4108-AA02-DFA0A04FC94B}">
-              <ma14:wrappingTextBoxFlag xmlns:ma14="http://schemas.microsoft.com/office/mac/drawingml/2011/main" val="1"/>
-            </a:ext>
-          </a:extLst>
-        </p:spPr>
-        <p:txBody>
-          <a:bodyPr lIns="50800" tIns="50800" rIns="50800" bIns="50800" anchor="ctr">
-            <a:spAutoFit/>
-          </a:bodyPr>
-          <a:lstStyle>
-            <a:lvl1pPr algn="l">
-              <a:defRPr sz="4500">
-                <a:solidFill>
-                  <a:srgbClr val="B51A00"/>
-                </a:solidFill>
-                <a:latin typeface="Arial"/>
-                <a:ea typeface="Arial"/>
-                <a:cs typeface="Arial"/>
-                <a:sym typeface="Arial"/>
-              </a:defRPr>
-            </a:lvl1pPr>
-          </a:lstStyle>
-          <a:p>
-            <a:pPr lvl="0">
-              <a:defRPr sz="1800">
-                <a:solidFill>
-                  <a:srgbClr val="000000"/>
-                </a:solidFill>
-              </a:defRPr>
-            </a:pPr>
-            <a:r>
-              <a:rPr sz="4500">
-                <a:solidFill>
-                  <a:srgbClr val="B51A00"/>
-                </a:solidFill>
-              </a:rPr>
-              <a:t>Anatomia: cuore e sistema di conduzione</a:t>
-            </a:r>
-          </a:p>
-        </p:txBody>
-      </p:sp>
-    </p:spTree>
-    <p:extLst>
-      <p:ext uri="{BB962C8B-B14F-4D97-AF65-F5344CB8AC3E}">
-        <p14:creationId xmlns:p14="http://schemas.microsoft.com/office/powerpoint/2010/main" val="865116066"/>
-      </p:ext>
-    </p:extLst>
-  </p:cSld>
-  <p:clrMapOvr>
-    <a:masterClrMapping/>
-  </p:clrMapOvr>
-  <p:transition spd="med"/>
-</p:sld>
-</file>
-
-<file path=ppt/slides/slide19.xml><?xml version="1.0" encoding="utf-8"?>
-<p:sld xmlns:a="http://schemas.openxmlformats.org/drawingml/2006/main" xmlns:r="http://schemas.openxmlformats.org/officeDocument/2006/relationships" xmlns:p="http://schemas.openxmlformats.org/presentationml/2006/main">
-  <p:cSld>
-    <p:spTree>
-      <p:nvGrpSpPr>
-        <p:cNvPr id="1" name=""/>
-        <p:cNvGrpSpPr/>
-        <p:nvPr/>
-      </p:nvGrpSpPr>
-      <p:grpSpPr>
-        <a:xfrm>
-          <a:off x="0" y="0"/>
-          <a:ext cx="0" cy="0"/>
-          <a:chOff x="0" y="0"/>
-          <a:chExt cx="0" cy="0"/>
-        </a:xfrm>
-      </p:grpSpPr>
-      <p:sp>
-        <p:nvSpPr>
-          <p:cNvPr id="57" name="Shape 57"/>
-          <p:cNvSpPr/>
-          <p:nvPr/>
-        </p:nvSpPr>
-        <p:spPr>
-          <a:xfrm>
-            <a:off x="0" y="0"/>
-            <a:ext cx="6159500" cy="546100"/>
-          </a:xfrm>
-          <a:prstGeom prst="rect">
-            <a:avLst/>
-          </a:prstGeom>
-          <a:solidFill>
-            <a:srgbClr val="B51A00"/>
-          </a:solidFill>
-          <a:ln w="12700">
-            <a:miter lim="400000"/>
-          </a:ln>
-        </p:spPr>
-        <p:txBody>
-          <a:bodyPr lIns="0" tIns="0" rIns="0" bIns="0" anchor="ctr"/>
-          <a:lstStyle/>
-          <a:p>
-            <a:pPr lvl="0">
-              <a:defRPr sz="4000">
-                <a:solidFill>
-                  <a:srgbClr val="FFFFFF"/>
-                </a:solidFill>
-                <a:effectLst>
-                  <a:outerShdw blurRad="38100" dist="12700" dir="5400000" rotWithShape="0">
-                    <a:srgbClr val="000000">
-                      <a:alpha val="50000"/>
-                    </a:srgbClr>
-                  </a:outerShdw>
-                </a:effectLst>
-              </a:defRPr>
-            </a:pPr>
-            <a:endParaRPr/>
-          </a:p>
-        </p:txBody>
-      </p:sp>
-      <p:sp>
-        <p:nvSpPr>
-          <p:cNvPr id="58" name="Shape 58"/>
-          <p:cNvSpPr/>
-          <p:nvPr/>
-        </p:nvSpPr>
-        <p:spPr>
-          <a:xfrm>
-            <a:off x="6159500" y="0"/>
-            <a:ext cx="6845300" cy="546100"/>
-          </a:xfrm>
-          <a:prstGeom prst="rect">
-            <a:avLst/>
-          </a:prstGeom>
-          <a:solidFill>
-            <a:srgbClr val="C0C0C0"/>
-          </a:solidFill>
-          <a:ln w="12700">
-            <a:miter lim="400000"/>
-          </a:ln>
-        </p:spPr>
-        <p:txBody>
-          <a:bodyPr lIns="0" tIns="0" rIns="0" bIns="0" anchor="ctr"/>
-          <a:lstStyle/>
-          <a:p>
-            <a:pPr lvl="0">
-              <a:defRPr sz="4000">
-                <a:solidFill>
-                  <a:srgbClr val="FFFFFF"/>
-                </a:solidFill>
-                <a:effectLst>
-                  <a:outerShdw blurRad="38100" dist="12700" dir="5400000" rotWithShape="0">
-                    <a:srgbClr val="000000">
-                      <a:alpha val="50000"/>
-                    </a:srgbClr>
-                  </a:outerShdw>
-                </a:effectLst>
-              </a:defRPr>
-            </a:pPr>
-            <a:endParaRPr/>
-          </a:p>
-        </p:txBody>
-      </p:sp>
-      <p:sp>
-        <p:nvSpPr>
-          <p:cNvPr id="59" name="Shape 59"/>
-          <p:cNvSpPr/>
-          <p:nvPr/>
-        </p:nvSpPr>
-        <p:spPr>
-          <a:xfrm>
-            <a:off x="0" y="406400"/>
-            <a:ext cx="14147800" cy="1270000"/>
-          </a:xfrm>
-          <a:prstGeom prst="rect">
-            <a:avLst/>
-          </a:prstGeom>
-          <a:solidFill>
-            <a:srgbClr val="EBEBEB"/>
-          </a:solidFill>
-          <a:ln w="12700">
-            <a:miter lim="400000"/>
-          </a:ln>
-        </p:spPr>
-        <p:txBody>
-          <a:bodyPr lIns="0" tIns="0" rIns="0" bIns="0" anchor="ctr"/>
-          <a:lstStyle/>
-          <a:p>
-            <a:pPr lvl="0">
-              <a:defRPr sz="4000">
-                <a:solidFill>
-                  <a:srgbClr val="FFFFFF"/>
-                </a:solidFill>
-                <a:effectLst>
-                  <a:outerShdw blurRad="38100" dist="12700" dir="5400000" rotWithShape="0">
-                    <a:srgbClr val="000000">
-                      <a:alpha val="50000"/>
-                    </a:srgbClr>
-                  </a:outerShdw>
-                </a:effectLst>
-              </a:defRPr>
-            </a:pPr>
-            <a:endParaRPr/>
-          </a:p>
-        </p:txBody>
-      </p:sp>
-      <p:sp>
-        <p:nvSpPr>
-          <p:cNvPr id="60" name="Shape 60"/>
-          <p:cNvSpPr/>
-          <p:nvPr/>
-        </p:nvSpPr>
-        <p:spPr>
-          <a:xfrm>
-            <a:off x="355600" y="660589"/>
-            <a:ext cx="12280900" cy="748923"/>
-          </a:xfrm>
-          <a:prstGeom prst="rect">
-            <a:avLst/>
-          </a:prstGeom>
-          <a:ln w="12700">
-            <a:miter lim="400000"/>
-          </a:ln>
-          <a:extLst>
-            <a:ext uri="{C572A759-6A51-4108-AA02-DFA0A04FC94B}">
-              <ma14:wrappingTextBoxFlag xmlns:ma14="http://schemas.microsoft.com/office/mac/drawingml/2011/main" val="1"/>
-            </a:ext>
-          </a:extLst>
-        </p:spPr>
-        <p:txBody>
-          <a:bodyPr lIns="50800" tIns="50800" rIns="50800" bIns="50800" anchor="ctr">
-            <a:spAutoFit/>
-          </a:bodyPr>
-          <a:lstStyle>
-            <a:lvl1pPr algn="l">
-              <a:defRPr>
-                <a:solidFill>
-                  <a:srgbClr val="B51A00"/>
-                </a:solidFill>
-                <a:latin typeface="Arial"/>
-                <a:ea typeface="Arial"/>
-                <a:cs typeface="Arial"/>
-                <a:sym typeface="Arial"/>
-              </a:defRPr>
-            </a:lvl1pPr>
-          </a:lstStyle>
-          <a:p>
-            <a:pPr lvl="0">
-              <a:defRPr sz="1800">
-                <a:solidFill>
-                  <a:srgbClr val="000000"/>
-                </a:solidFill>
-              </a:defRPr>
-            </a:pPr>
-            <a:r>
-              <a:rPr sz="4200" dirty="0" smtClean="0">
-                <a:solidFill>
-                  <a:srgbClr val="B51A00"/>
-                </a:solidFill>
-              </a:rPr>
-              <a:t>Bibliogra</a:t>
-            </a:r>
-            <a:r>
-              <a:rPr lang="en-US" sz="4200" dirty="0" smtClean="0">
-                <a:solidFill>
-                  <a:srgbClr val="B51A00"/>
-                </a:solidFill>
-              </a:rPr>
-              <a:t>phy</a:t>
-            </a:r>
-            <a:endParaRPr sz="4200" dirty="0">
-              <a:solidFill>
-                <a:srgbClr val="B51A00"/>
-              </a:solidFill>
-            </a:endParaRPr>
-          </a:p>
-        </p:txBody>
-      </p:sp>
-      <p:sp>
-        <p:nvSpPr>
-          <p:cNvPr id="61" name="Shape 61"/>
-          <p:cNvSpPr/>
-          <p:nvPr/>
-        </p:nvSpPr>
-        <p:spPr>
-          <a:xfrm>
-            <a:off x="4780849" y="-12700"/>
-            <a:ext cx="1299047" cy="368300"/>
-          </a:xfrm>
-          <a:prstGeom prst="rect">
-            <a:avLst/>
-          </a:prstGeom>
-          <a:ln w="12700">
-            <a:miter lim="400000"/>
-          </a:ln>
-          <a:extLst>
-            <a:ext uri="{C572A759-6A51-4108-AA02-DFA0A04FC94B}">
-              <ma14:wrappingTextBoxFlag xmlns:ma14="http://schemas.microsoft.com/office/mac/drawingml/2011/main" val="1"/>
-            </a:ext>
-          </a:extLst>
-        </p:spPr>
-        <p:txBody>
-          <a:bodyPr wrap="none" lIns="50800" tIns="50800" rIns="50800" bIns="50800" anchor="ctr">
-            <a:spAutoFit/>
-          </a:bodyPr>
-          <a:lstStyle>
-            <a:lvl1pPr>
-              <a:defRPr sz="1800">
-                <a:solidFill>
-                  <a:srgbClr val="FFFFFF"/>
-                </a:solidFill>
-              </a:defRPr>
-            </a:lvl1pPr>
-          </a:lstStyle>
-          <a:p>
-            <a:pPr lvl="0">
-              <a:defRPr>
-                <a:solidFill>
-                  <a:srgbClr val="000000"/>
-                </a:solidFill>
-              </a:defRPr>
-            </a:pPr>
-            <a:r>
-              <a:rPr>
-                <a:solidFill>
-                  <a:srgbClr val="FFFFFF"/>
-                </a:solidFill>
-              </a:rPr>
-              <a:t>Introduzione</a:t>
-            </a:r>
-          </a:p>
-        </p:txBody>
-      </p:sp>
-      <p:sp>
-        <p:nvSpPr>
-          <p:cNvPr id="62" name="Shape 62"/>
-          <p:cNvSpPr/>
-          <p:nvPr/>
-        </p:nvSpPr>
-        <p:spPr>
-          <a:xfrm>
-            <a:off x="0" y="9245600"/>
-            <a:ext cx="4635500" cy="520700"/>
-          </a:xfrm>
-          <a:prstGeom prst="rect">
-            <a:avLst/>
-          </a:prstGeom>
-          <a:solidFill>
-            <a:srgbClr val="B51A00"/>
-          </a:solidFill>
-          <a:ln w="12700">
-            <a:miter lim="400000"/>
-          </a:ln>
-        </p:spPr>
-        <p:txBody>
-          <a:bodyPr lIns="0" tIns="0" rIns="0" bIns="0" anchor="ctr"/>
-          <a:lstStyle/>
-          <a:p>
-            <a:pPr lvl="0">
-              <a:defRPr sz="4000">
-                <a:solidFill>
-                  <a:srgbClr val="FFFFFF"/>
-                </a:solidFill>
-                <a:effectLst>
-                  <a:outerShdw blurRad="38100" dist="12700" dir="5400000" rotWithShape="0">
-                    <a:srgbClr val="000000">
-                      <a:alpha val="50000"/>
-                    </a:srgbClr>
-                  </a:outerShdw>
-                </a:effectLst>
-              </a:defRPr>
-            </a:pPr>
-            <a:endParaRPr/>
-          </a:p>
-        </p:txBody>
-      </p:sp>
-      <p:sp>
-        <p:nvSpPr>
-          <p:cNvPr id="63" name="Shape 63"/>
-          <p:cNvSpPr/>
-          <p:nvPr/>
-        </p:nvSpPr>
-        <p:spPr>
-          <a:xfrm>
-            <a:off x="4635500" y="9245600"/>
-            <a:ext cx="8369300" cy="520700"/>
-          </a:xfrm>
-          <a:prstGeom prst="rect">
-            <a:avLst/>
-          </a:prstGeom>
-          <a:solidFill>
-            <a:srgbClr val="D6D6D6"/>
-          </a:solidFill>
-          <a:ln w="12700">
-            <a:miter lim="400000"/>
-          </a:ln>
-        </p:spPr>
-        <p:txBody>
-          <a:bodyPr lIns="0" tIns="0" rIns="0" bIns="0" anchor="ctr"/>
-          <a:lstStyle/>
-          <a:p>
-            <a:pPr lvl="0">
-              <a:defRPr sz="4000">
-                <a:solidFill>
-                  <a:srgbClr val="FFFFFF"/>
-                </a:solidFill>
-                <a:effectLst>
-                  <a:outerShdw blurRad="38100" dist="12700" dir="5400000" rotWithShape="0">
-                    <a:srgbClr val="000000">
-                      <a:alpha val="50000"/>
-                    </a:srgbClr>
-                  </a:outerShdw>
-                </a:effectLst>
-              </a:defRPr>
-            </a:pPr>
-            <a:endParaRPr/>
-          </a:p>
-        </p:txBody>
-      </p:sp>
-      <p:sp>
-        <p:nvSpPr>
-          <p:cNvPr id="64" name="Shape 64"/>
-          <p:cNvSpPr/>
-          <p:nvPr/>
-        </p:nvSpPr>
-        <p:spPr>
-          <a:xfrm>
-            <a:off x="2611533" y="9239250"/>
-            <a:ext cx="1827679" cy="431800"/>
-          </a:xfrm>
-          <a:prstGeom prst="rect">
-            <a:avLst/>
-          </a:prstGeom>
-          <a:ln w="12700">
-            <a:miter lim="400000"/>
-          </a:ln>
-          <a:extLst>
-            <a:ext uri="{C572A759-6A51-4108-AA02-DFA0A04FC94B}">
-              <ma14:wrappingTextBoxFlag xmlns:ma14="http://schemas.microsoft.com/office/mac/drawingml/2011/main" val="1"/>
-            </a:ext>
-          </a:extLst>
-        </p:spPr>
-        <p:txBody>
-          <a:bodyPr wrap="none" lIns="50800" tIns="50800" rIns="50800" bIns="50800" anchor="ctr">
-            <a:spAutoFit/>
-          </a:bodyPr>
-          <a:lstStyle>
-            <a:lvl1pPr>
-              <a:defRPr sz="2300">
-                <a:solidFill>
-                  <a:srgbClr val="FFFFFF"/>
-                </a:solidFill>
-              </a:defRPr>
-            </a:lvl1pPr>
-          </a:lstStyle>
-          <a:p>
-            <a:pPr lvl="0">
-              <a:defRPr sz="1800">
-                <a:solidFill>
-                  <a:srgbClr val="000000"/>
-                </a:solidFill>
-              </a:defRPr>
-            </a:pPr>
-            <a:r>
-              <a:rPr sz="2300">
-                <a:solidFill>
-                  <a:srgbClr val="FFFFFF"/>
-                </a:solidFill>
-              </a:rPr>
-              <a:t>Stefano Savarè</a:t>
-            </a:r>
-          </a:p>
-        </p:txBody>
-      </p:sp>
-      <p:sp>
-        <p:nvSpPr>
-          <p:cNvPr id="65" name="Shape 65"/>
-          <p:cNvSpPr/>
-          <p:nvPr/>
-        </p:nvSpPr>
-        <p:spPr>
-          <a:xfrm>
-            <a:off x="4821535" y="9239250"/>
-            <a:ext cx="2360675" cy="431800"/>
-          </a:xfrm>
-          <a:prstGeom prst="rect">
-            <a:avLst/>
-          </a:prstGeom>
-          <a:ln w="12700">
-            <a:miter lim="400000"/>
-          </a:ln>
-          <a:extLst>
-            <a:ext uri="{C572A759-6A51-4108-AA02-DFA0A04FC94B}">
-              <ma14:wrappingTextBoxFlag xmlns:ma14="http://schemas.microsoft.com/office/mac/drawingml/2011/main" val="1"/>
-            </a:ext>
-          </a:extLst>
-        </p:spPr>
-        <p:txBody>
-          <a:bodyPr wrap="none" lIns="50800" tIns="50800" rIns="50800" bIns="50800" anchor="ctr">
-            <a:spAutoFit/>
-          </a:bodyPr>
-          <a:lstStyle>
-            <a:lvl1pPr>
-              <a:defRPr sz="2300"/>
-            </a:lvl1pPr>
-          </a:lstStyle>
-          <a:p>
-            <a:pPr lvl="0">
-              <a:defRPr sz="1800"/>
-            </a:pPr>
-            <a:r>
-              <a:rPr sz="2300"/>
-              <a:t>30 settembre 2014</a:t>
-            </a:r>
-          </a:p>
-        </p:txBody>
-      </p:sp>
-      <p:sp>
-        <p:nvSpPr>
-          <p:cNvPr id="66" name="Shape 66"/>
-          <p:cNvSpPr/>
-          <p:nvPr/>
-        </p:nvSpPr>
-        <p:spPr>
-          <a:xfrm>
-            <a:off x="179675" y="5137150"/>
-            <a:ext cx="12039601" cy="1219200"/>
-          </a:xfrm>
-          <a:prstGeom prst="rect">
-            <a:avLst/>
-          </a:prstGeom>
-          <a:ln w="12700">
-            <a:miter lim="400000"/>
-          </a:ln>
-          <a:extLst>
-            <a:ext uri="{C572A759-6A51-4108-AA02-DFA0A04FC94B}">
-              <ma14:wrappingTextBoxFlag xmlns:ma14="http://schemas.microsoft.com/office/mac/drawingml/2011/main" val="1"/>
-            </a:ext>
-          </a:extLst>
-        </p:spPr>
-        <p:txBody>
-          <a:bodyPr lIns="50800" tIns="50800" rIns="50800" bIns="50800" anchor="ctr">
-            <a:spAutoFit/>
-          </a:bodyPr>
-          <a:lstStyle/>
-          <a:p>
-            <a:pPr marL="237066" lvl="0" indent="-237066" algn="just">
-              <a:lnSpc>
-                <a:spcPct val="80000"/>
-              </a:lnSpc>
-              <a:buSzPct val="100000"/>
-              <a:buBlip>
-                <a:blip r:embed="rId2"/>
-              </a:buBlip>
-              <a:defRPr sz="1800"/>
-            </a:pPr>
-            <a:r>
-              <a:rPr sz="2400"/>
-              <a:t> </a:t>
-            </a:r>
-            <a:r>
-              <a:rPr sz="2400">
-                <a:solidFill>
-                  <a:srgbClr val="B51A00"/>
-                </a:solidFill>
-              </a:rPr>
-              <a:t>P. Colli Franzone, L. Guerri, M. Pennacchio, e B. Taccardi </a:t>
-            </a:r>
-            <a:br>
-              <a:rPr sz="2400">
-                <a:solidFill>
-                  <a:srgbClr val="B51A00"/>
-                </a:solidFill>
-              </a:rPr>
-            </a:br>
-            <a:r>
-              <a:rPr sz="2200"/>
-              <a:t>Spread of excitation in 3-D models of the anisotropic cardiac tissue. II. Effec- ts of fiber architecture and ventricular geometry </a:t>
-            </a:r>
-            <a:br>
-              <a:rPr sz="2200"/>
-            </a:br>
-            <a:r>
-              <a:rPr sz="2200" i="1">
-                <a:solidFill>
-                  <a:srgbClr val="B51A00"/>
-                </a:solidFill>
-              </a:rPr>
-              <a:t>Math. Biosci, 1998.</a:t>
-            </a:r>
-          </a:p>
-        </p:txBody>
-      </p:sp>
-      <p:sp>
-        <p:nvSpPr>
-          <p:cNvPr id="67" name="Shape 67"/>
-          <p:cNvSpPr/>
-          <p:nvPr/>
-        </p:nvSpPr>
-        <p:spPr>
-          <a:xfrm>
-            <a:off x="158204" y="3232150"/>
-            <a:ext cx="13068301" cy="1981200"/>
-          </a:xfrm>
-          <a:prstGeom prst="rect">
-            <a:avLst/>
-          </a:prstGeom>
-          <a:ln w="12700">
-            <a:miter lim="400000"/>
-          </a:ln>
-          <a:extLst>
-            <a:ext uri="{C572A759-6A51-4108-AA02-DFA0A04FC94B}">
-              <ma14:wrappingTextBoxFlag xmlns:ma14="http://schemas.microsoft.com/office/mac/drawingml/2011/main" val="1"/>
-            </a:ext>
-          </a:extLst>
-        </p:spPr>
-        <p:txBody>
-          <a:bodyPr lIns="50800" tIns="50800" rIns="50800" bIns="50800" anchor="ctr">
-            <a:spAutoFit/>
-          </a:bodyPr>
-          <a:lstStyle/>
-          <a:p>
-            <a:pPr marL="266700" lvl="0" indent="-266700" algn="l" defTabSz="457200">
-              <a:lnSpc>
-                <a:spcPct val="80000"/>
-              </a:lnSpc>
-              <a:spcBef>
-                <a:spcPts val="1200"/>
-              </a:spcBef>
-              <a:buSzPct val="100000"/>
-              <a:buBlip>
-                <a:blip r:embed="rId2"/>
-              </a:buBlip>
-              <a:tabLst>
-                <a:tab pos="139700" algn="l"/>
-                <a:tab pos="457200" algn="l"/>
-              </a:tabLst>
-              <a:defRPr sz="1800"/>
-            </a:pPr>
-            <a:r>
-              <a:rPr sz="2700" i="1" dirty="0">
-                <a:solidFill>
-                  <a:srgbClr val="B51A00"/>
-                </a:solidFill>
-                <a:latin typeface="Times"/>
-                <a:ea typeface="Times"/>
-                <a:cs typeface="Times"/>
-                <a:sym typeface="Times"/>
-              </a:rPr>
-              <a:t> </a:t>
-            </a:r>
-            <a:r>
-              <a:rPr sz="2400" dirty="0">
-                <a:solidFill>
-                  <a:srgbClr val="B51A00"/>
-                </a:solidFill>
-              </a:rPr>
-              <a:t>Palamara, C. Vergara, D. Catanzariti, E. Faggiano, M. Cen- tonze, C. Pangrazzi, M. Maines, and A. Quarteroni, </a:t>
-            </a:r>
-            <a:r>
-              <a:rPr sz="2700" dirty="0">
-                <a:solidFill>
-                  <a:srgbClr val="B51A00"/>
-                </a:solidFill>
-              </a:rPr>
-              <a:t/>
-            </a:r>
-            <a:br>
-              <a:rPr sz="2700" dirty="0">
-                <a:solidFill>
-                  <a:srgbClr val="B51A00"/>
-                </a:solidFill>
-              </a:rPr>
-            </a:br>
-            <a:r>
-              <a:rPr sz="2200" dirty="0"/>
-              <a:t>Patient- specific generation of the purkinje network driven by clinical measurements: The case of pathological propagationsy </a:t>
-            </a:r>
-            <a:br>
-              <a:rPr sz="2200" dirty="0"/>
-            </a:br>
-            <a:r>
-              <a:rPr sz="2200" i="1" dirty="0">
-                <a:solidFill>
-                  <a:srgbClr val="B51A00"/>
-                </a:solidFill>
-              </a:rPr>
-              <a:t>Mox Report, 2014</a:t>
-            </a:r>
-          </a:p>
-        </p:txBody>
-      </p:sp>
-      <p:sp>
-        <p:nvSpPr>
-          <p:cNvPr id="68" name="Shape 68"/>
-          <p:cNvSpPr/>
-          <p:nvPr/>
-        </p:nvSpPr>
-        <p:spPr>
-          <a:xfrm>
-            <a:off x="208855" y="6591300"/>
-            <a:ext cx="13195301" cy="1651000"/>
-          </a:xfrm>
-          <a:prstGeom prst="rect">
-            <a:avLst/>
-          </a:prstGeom>
-          <a:ln w="12700">
-            <a:miter lim="400000"/>
-          </a:ln>
-          <a:extLst>
-            <a:ext uri="{C572A759-6A51-4108-AA02-DFA0A04FC94B}">
-              <ma14:wrappingTextBoxFlag xmlns:ma14="http://schemas.microsoft.com/office/mac/drawingml/2011/main" val="1"/>
-            </a:ext>
-          </a:extLst>
-        </p:spPr>
-        <p:txBody>
-          <a:bodyPr lIns="50800" tIns="50800" rIns="50800" bIns="50800" anchor="ctr">
-            <a:spAutoFit/>
-          </a:bodyPr>
-          <a:lstStyle/>
-          <a:p>
-            <a:pPr marL="266700" lvl="0" indent="-266700" algn="l" defTabSz="457200">
-              <a:lnSpc>
-                <a:spcPct val="80000"/>
-              </a:lnSpc>
-              <a:spcBef>
-                <a:spcPts val="1200"/>
-              </a:spcBef>
-              <a:buSzPct val="100000"/>
-              <a:buBlip>
-                <a:blip r:embed="rId2"/>
-              </a:buBlip>
-              <a:tabLst>
-                <a:tab pos="139700" algn="l"/>
-                <a:tab pos="457200" algn="l"/>
-              </a:tabLst>
-              <a:defRPr sz="1800"/>
-            </a:pPr>
-            <a:r>
-              <a:rPr sz="2700" i="1">
-                <a:solidFill>
-                  <a:srgbClr val="B51A00"/>
-                </a:solidFill>
-              </a:rPr>
-              <a:t> </a:t>
-            </a:r>
-            <a:r>
-              <a:rPr sz="2400">
-                <a:solidFill>
-                  <a:srgbClr val="B51A00"/>
-                </a:solidFill>
-              </a:rPr>
-              <a:t>S. Palamara, C. Vergara, E. Faggiano, and F. Nobile, </a:t>
-            </a:r>
-            <a:r>
-              <a:rPr sz="2400"/>
-              <a:t/>
-            </a:r>
-            <a:br>
-              <a:rPr sz="2400"/>
-            </a:br>
-            <a:r>
-              <a:rPr sz="2200"/>
-              <a:t>An effective algorithm for the generation of patient-specific purkinje networks in computational electrocardiology </a:t>
-            </a:r>
-            <a:br>
-              <a:rPr sz="2200"/>
-            </a:br>
-            <a:r>
-              <a:rPr sz="2200" i="1">
-                <a:solidFill>
-                  <a:srgbClr val="B51A00"/>
-                </a:solidFill>
-              </a:rPr>
-              <a:t>Mox Report, 2013</a:t>
-            </a:r>
-          </a:p>
-        </p:txBody>
-      </p:sp>
-      <p:sp>
-        <p:nvSpPr>
-          <p:cNvPr id="69" name="Shape 69"/>
-          <p:cNvSpPr/>
-          <p:nvPr/>
-        </p:nvSpPr>
-        <p:spPr>
-          <a:xfrm>
-            <a:off x="177800" y="8108950"/>
-            <a:ext cx="2980681" cy="1244600"/>
-          </a:xfrm>
-          <a:prstGeom prst="rect">
-            <a:avLst/>
-          </a:prstGeom>
-          <a:ln w="12700">
-            <a:miter lim="400000"/>
-          </a:ln>
-          <a:extLst>
-            <a:ext uri="{C572A759-6A51-4108-AA02-DFA0A04FC94B}">
-              <ma14:wrappingTextBoxFlag xmlns:ma14="http://schemas.microsoft.com/office/mac/drawingml/2011/main" val="1"/>
-            </a:ext>
-          </a:extLst>
-        </p:spPr>
-        <p:txBody>
-          <a:bodyPr wrap="none" lIns="50800" tIns="50800" rIns="50800" bIns="50800" anchor="ctr">
-            <a:spAutoFit/>
-          </a:bodyPr>
-          <a:lstStyle/>
-          <a:p>
-            <a:pPr marL="266700" lvl="0" indent="-266700" algn="just">
-              <a:lnSpc>
-                <a:spcPct val="80000"/>
-              </a:lnSpc>
-              <a:buSzPct val="100000"/>
-              <a:buBlip>
-                <a:blip r:embed="rId2"/>
-              </a:buBlip>
-              <a:tabLst>
-                <a:tab pos="1003300" algn="l"/>
-              </a:tabLst>
-              <a:defRPr sz="1800"/>
-            </a:pPr>
-            <a:r>
-              <a:rPr sz="2700" i="1">
-                <a:solidFill>
-                  <a:srgbClr val="B51A00"/>
-                </a:solidFill>
-              </a:rPr>
-              <a:t> </a:t>
-            </a:r>
-            <a:r>
-              <a:rPr sz="2400">
-                <a:solidFill>
-                  <a:srgbClr val="B51A00"/>
-                </a:solidFill>
-              </a:rPr>
-              <a:t>Sethian</a:t>
-            </a:r>
-            <a:br>
-              <a:rPr sz="2400">
-                <a:solidFill>
-                  <a:srgbClr val="B51A00"/>
-                </a:solidFill>
-              </a:rPr>
-            </a:br>
-            <a:r>
-              <a:rPr sz="2200"/>
-              <a:t>Fast Marching Method</a:t>
-            </a:r>
-            <a:br>
-              <a:rPr sz="2200"/>
-            </a:br>
-            <a:r>
-              <a:rPr sz="2200" i="1">
-                <a:solidFill>
-                  <a:srgbClr val="B51A00"/>
-                </a:solidFill>
-              </a:rPr>
-              <a:t>SIAM Rev., 1999</a:t>
-            </a:r>
-          </a:p>
-        </p:txBody>
-      </p:sp>
-      <p:sp>
-        <p:nvSpPr>
-          <p:cNvPr id="70" name="Shape 70"/>
-          <p:cNvSpPr/>
-          <p:nvPr/>
-        </p:nvSpPr>
-        <p:spPr>
-          <a:xfrm>
-            <a:off x="163066" y="1663700"/>
-            <a:ext cx="12661901" cy="1244600"/>
-          </a:xfrm>
-          <a:prstGeom prst="rect">
-            <a:avLst/>
-          </a:prstGeom>
-          <a:ln w="12700">
-            <a:miter lim="400000"/>
-          </a:ln>
-          <a:extLst>
-            <a:ext uri="{C572A759-6A51-4108-AA02-DFA0A04FC94B}">
-              <ma14:wrappingTextBoxFlag xmlns:ma14="http://schemas.microsoft.com/office/mac/drawingml/2011/main" val="1"/>
-            </a:ext>
-          </a:extLst>
-        </p:spPr>
-        <p:txBody>
-          <a:bodyPr lIns="50800" tIns="50800" rIns="50800" bIns="50800" anchor="ctr">
-            <a:spAutoFit/>
-          </a:bodyPr>
-          <a:lstStyle/>
-          <a:p>
-            <a:pPr marL="237066" lvl="0" indent="-237066" algn="just">
-              <a:lnSpc>
-                <a:spcPct val="80000"/>
-              </a:lnSpc>
-              <a:buSzPct val="100000"/>
-              <a:buBlip>
-                <a:blip r:embed="rId2"/>
-              </a:buBlip>
-              <a:defRPr sz="1800"/>
-            </a:pPr>
-            <a:r>
-              <a:rPr sz="2400" dirty="0">
-                <a:solidFill>
-                  <a:srgbClr val="B51A00"/>
-                </a:solidFill>
-              </a:rPr>
-              <a:t>C. Vergara, S. Palamara, D. Catanzariti, F. Nobile, E. Fag- giano, C. Pangrazzi, M. Centonze, M. Maines, A. Quarteroni, and G. Vergara </a:t>
-            </a:r>
-            <a:br>
-              <a:rPr sz="2400" dirty="0">
-                <a:solidFill>
-                  <a:srgbClr val="B51A00"/>
-                </a:solidFill>
-              </a:rPr>
-            </a:br>
-            <a:r>
-              <a:rPr sz="2200" dirty="0"/>
-              <a:t>Patient-specific generation of the purkinje network driven by clinical measurements of a normal propagation </a:t>
-            </a:r>
-            <a:br>
-              <a:rPr sz="2200" dirty="0"/>
-            </a:br>
-            <a:r>
-              <a:rPr sz="2200" i="1" dirty="0">
-                <a:solidFill>
-                  <a:srgbClr val="B51A00"/>
-                </a:solidFill>
-              </a:rPr>
-              <a:t>Med Biol Eng Comput, 2014</a:t>
-            </a:r>
-          </a:p>
-        </p:txBody>
-      </p:sp>
-    </p:spTree>
-  </p:cSld>
-  <p:clrMapOvr>
-    <a:masterClrMapping/>
-  </p:clrMapOvr>
-  <p:transition spd="med"/>
+  <p:timing>
+    <p:tnLst>
+      <p:par>
+        <p:cTn id="1" dur="indefinite" restart="never" nodeType="tmRoot"/>
+      </p:par>
+    </p:tnLst>
+  </p:timing>
 </p:sld>
 </file>
 
@@ -10726,7 +11610,7 @@
           </a:ln>
           <a:extLst>
             <a:ext uri="{C572A759-6A51-4108-AA02-DFA0A04FC94B}">
-              <ma14:wrappingTextBoxFlag xmlns:ma14="http://schemas.microsoft.com/office/mac/drawingml/2011/main" val="1"/>
+              <ma14:wrappingTextBoxFlag xmlns:ma14="http://schemas.microsoft.com/office/mac/drawingml/2011/main" xmlns="" val="1"/>
             </a:ext>
           </a:extLst>
         </p:spPr>
@@ -10805,15 +11689,7 @@
                   <a:srgbClr val="FFFFFF"/>
                 </a:solidFill>
               </a:rPr>
-              <a:t>Savar</a:t>
-            </a:r>
-            <a:r>
-              <a:rPr lang="en-US" sz="2300" dirty="0" err="1" smtClean="0">
-                <a:solidFill>
-                  <a:srgbClr val="FFFFFF"/>
-                </a:solidFill>
-              </a:rPr>
-              <a:t>è</a:t>
+              <a:t>Savarè</a:t>
             </a:r>
             <a:endParaRPr sz="2300" dirty="0">
               <a:solidFill>
@@ -10842,7 +11718,7 @@
           </a:ln>
           <a:extLst>
             <a:ext uri="{C572A759-6A51-4108-AA02-DFA0A04FC94B}">
-              <ma14:wrappingTextBoxFlag xmlns:ma14="http://schemas.microsoft.com/office/mac/drawingml/2011/main" val="1"/>
+              <ma14:wrappingTextBoxFlag xmlns:ma14="http://schemas.microsoft.com/office/mac/drawingml/2011/main" xmlns="" val="1"/>
             </a:ext>
           </a:extLst>
         </p:spPr>
@@ -10894,7 +11770,7 @@
           </a:ln>
           <a:extLst>
             <a:ext uri="{C572A759-6A51-4108-AA02-DFA0A04FC94B}">
-              <ma14:wrappingTextBoxFlag xmlns:ma14="http://schemas.microsoft.com/office/mac/drawingml/2011/main" val="1"/>
+              <ma14:wrappingTextBoxFlag xmlns:ma14="http://schemas.microsoft.com/office/mac/drawingml/2011/main" xmlns="" val="1"/>
             </a:ext>
           </a:extLst>
         </p:spPr>
@@ -10997,7 +11873,7 @@
           </a:ln>
           <a:extLst>
             <a:ext uri="{C572A759-6A51-4108-AA02-DFA0A04FC94B}">
-              <ma14:wrappingTextBoxFlag xmlns:ma14="http://schemas.microsoft.com/office/mac/drawingml/2011/main" val="1"/>
+              <ma14:wrappingTextBoxFlag xmlns:ma14="http://schemas.microsoft.com/office/mac/drawingml/2011/main" xmlns="" val="1"/>
             </a:ext>
           </a:extLst>
         </p:spPr>
@@ -11286,6 +12162,196 @@
               <a:uFillTx/>
               <a:sym typeface="Gill Sans"/>
             </a:endParaRPr>
+          </a:p>
+        </p:txBody>
+      </p:sp>
+      <p:sp>
+        <p:nvSpPr>
+          <p:cNvPr id="12" name="Shape 42"/>
+          <p:cNvSpPr/>
+          <p:nvPr/>
+        </p:nvSpPr>
+        <p:spPr>
+          <a:xfrm>
+            <a:off x="0" y="0"/>
+            <a:ext cx="10095364" cy="444500"/>
+          </a:xfrm>
+          <a:prstGeom prst="rect">
+            <a:avLst/>
+          </a:prstGeom>
+          <a:solidFill>
+            <a:srgbClr val="B51A00"/>
+          </a:solidFill>
+          <a:ln w="12700">
+            <a:miter lim="400000"/>
+          </a:ln>
+        </p:spPr>
+        <p:txBody>
+          <a:bodyPr lIns="0" tIns="0" rIns="0" bIns="0" anchor="ctr"/>
+          <a:lstStyle/>
+          <a:p>
+            <a:pPr lvl="0">
+              <a:defRPr sz="4000">
+                <a:solidFill>
+                  <a:srgbClr val="FFFFFF"/>
+                </a:solidFill>
+                <a:effectLst>
+                  <a:outerShdw blurRad="38100" dist="12700" dir="5400000" rotWithShape="0">
+                    <a:srgbClr val="000000">
+                      <a:alpha val="50000"/>
+                    </a:srgbClr>
+                  </a:outerShdw>
+                </a:effectLst>
+              </a:defRPr>
+            </a:pPr>
+            <a:endParaRPr/>
+          </a:p>
+        </p:txBody>
+      </p:sp>
+      <p:sp>
+        <p:nvSpPr>
+          <p:cNvPr id="13" name="Shape 43"/>
+          <p:cNvSpPr/>
+          <p:nvPr/>
+        </p:nvSpPr>
+        <p:spPr>
+          <a:xfrm>
+            <a:off x="10095364" y="0"/>
+            <a:ext cx="2909435" cy="444500"/>
+          </a:xfrm>
+          <a:prstGeom prst="rect">
+            <a:avLst/>
+          </a:prstGeom>
+          <a:solidFill>
+            <a:srgbClr val="D6D6D6"/>
+          </a:solidFill>
+          <a:ln w="12700">
+            <a:miter lim="400000"/>
+          </a:ln>
+        </p:spPr>
+        <p:txBody>
+          <a:bodyPr lIns="0" tIns="0" rIns="0" bIns="0" anchor="ctr"/>
+          <a:lstStyle/>
+          <a:p>
+            <a:pPr lvl="0">
+              <a:defRPr sz="4000">
+                <a:solidFill>
+                  <a:srgbClr val="FFFFFF"/>
+                </a:solidFill>
+                <a:effectLst>
+                  <a:outerShdw blurRad="38100" dist="12700" dir="5400000" rotWithShape="0">
+                    <a:srgbClr val="000000">
+                      <a:alpha val="50000"/>
+                    </a:srgbClr>
+                  </a:outerShdw>
+                </a:effectLst>
+              </a:defRPr>
+            </a:pPr>
+            <a:endParaRPr/>
+          </a:p>
+        </p:txBody>
+      </p:sp>
+      <p:sp>
+        <p:nvSpPr>
+          <p:cNvPr id="14" name="Shape 54"/>
+          <p:cNvSpPr/>
+          <p:nvPr/>
+        </p:nvSpPr>
+        <p:spPr>
+          <a:xfrm>
+            <a:off x="2218690" y="-39434"/>
+            <a:ext cx="5900654" cy="456535"/>
+          </a:xfrm>
+          <a:prstGeom prst="rect">
+            <a:avLst/>
+          </a:prstGeom>
+          <a:ln w="12700">
+            <a:miter lim="400000"/>
+          </a:ln>
+          <a:extLst>
+            <a:ext uri="{C572A759-6A51-4108-AA02-DFA0A04FC94B}">
+              <ma14:wrappingTextBoxFlag xmlns:ma14="http://schemas.microsoft.com/office/mac/drawingml/2011/main" xmlns="" val="1"/>
+            </a:ext>
+          </a:extLst>
+        </p:spPr>
+        <p:txBody>
+          <a:bodyPr wrap="none" lIns="50800" tIns="50800" rIns="50800" bIns="50800" anchor="ctr">
+            <a:spAutoFit/>
+          </a:bodyPr>
+          <a:lstStyle>
+            <a:lvl1pPr>
+              <a:defRPr sz="2300">
+                <a:solidFill>
+                  <a:srgbClr val="FFFFFF"/>
+                </a:solidFill>
+              </a:defRPr>
+            </a:lvl1pPr>
+          </a:lstStyle>
+          <a:p>
+            <a:pPr lvl="0">
+              <a:defRPr sz="1800">
+                <a:solidFill>
+                  <a:srgbClr val="000000"/>
+                </a:solidFill>
+              </a:defRPr>
+            </a:pPr>
+            <a:r>
+              <a:rPr lang="en-US" sz="2300" dirty="0" smtClean="0">
+                <a:solidFill>
+                  <a:srgbClr val="FFFFFF"/>
+                </a:solidFill>
+              </a:rPr>
+              <a:t>Distributed Intelligent Systems – Course Project</a:t>
+            </a:r>
+            <a:endParaRPr sz="2300" dirty="0">
+              <a:solidFill>
+                <a:srgbClr val="FFFFFF"/>
+              </a:solidFill>
+            </a:endParaRPr>
+          </a:p>
+        </p:txBody>
+      </p:sp>
+      <p:sp>
+        <p:nvSpPr>
+          <p:cNvPr id="15" name="Shape 55"/>
+          <p:cNvSpPr/>
+          <p:nvPr/>
+        </p:nvSpPr>
+        <p:spPr>
+          <a:xfrm>
+            <a:off x="11181924" y="7347"/>
+            <a:ext cx="674865" cy="456535"/>
+          </a:xfrm>
+          <a:prstGeom prst="rect">
+            <a:avLst/>
+          </a:prstGeom>
+          <a:ln w="12700">
+            <a:miter lim="400000"/>
+          </a:ln>
+          <a:extLst>
+            <a:ext uri="{C572A759-6A51-4108-AA02-DFA0A04FC94B}">
+              <ma14:wrappingTextBoxFlag xmlns:ma14="http://schemas.microsoft.com/office/mac/drawingml/2011/main" xmlns="" val="1"/>
+            </a:ext>
+          </a:extLst>
+        </p:spPr>
+        <p:txBody>
+          <a:bodyPr wrap="none" lIns="50800" tIns="50800" rIns="50800" bIns="50800" anchor="ctr">
+            <a:spAutoFit/>
+          </a:bodyPr>
+          <a:lstStyle>
+            <a:lvl1pPr>
+              <a:defRPr sz="2300"/>
+            </a:lvl1pPr>
+          </a:lstStyle>
+          <a:p>
+            <a:pPr lvl="0">
+              <a:defRPr sz="1800"/>
+            </a:pPr>
+            <a:r>
+              <a:rPr lang="en-US" sz="2300" dirty="0" smtClean="0"/>
+              <a:t>2/16</a:t>
+            </a:r>
+            <a:endParaRPr sz="2300" dirty="0"/>
           </a:p>
         </p:txBody>
       </p:sp>
@@ -11518,7 +12584,7 @@
           </a:ln>
           <a:extLst>
             <a:ext uri="{C572A759-6A51-4108-AA02-DFA0A04FC94B}">
-              <ma14:wrappingTextBoxFlag xmlns:ma14="http://schemas.microsoft.com/office/mac/drawingml/2011/main" val="1"/>
+              <ma14:wrappingTextBoxFlag xmlns:ma14="http://schemas.microsoft.com/office/mac/drawingml/2011/main" xmlns="" val="1"/>
             </a:ext>
           </a:extLst>
         </p:spPr>
@@ -11597,15 +12663,7 @@
                   <a:srgbClr val="FFFFFF"/>
                 </a:solidFill>
               </a:rPr>
-              <a:t>Savar</a:t>
-            </a:r>
-            <a:r>
-              <a:rPr lang="en-US" sz="2300" dirty="0" err="1" smtClean="0">
-                <a:solidFill>
-                  <a:srgbClr val="FFFFFF"/>
-                </a:solidFill>
-              </a:rPr>
-              <a:t>è</a:t>
+              <a:t>Savarè</a:t>
             </a:r>
             <a:endParaRPr sz="2300" dirty="0">
               <a:solidFill>
@@ -11634,7 +12692,7 @@
           </a:ln>
           <a:extLst>
             <a:ext uri="{C572A759-6A51-4108-AA02-DFA0A04FC94B}">
-              <ma14:wrappingTextBoxFlag xmlns:ma14="http://schemas.microsoft.com/office/mac/drawingml/2011/main" val="1"/>
+              <ma14:wrappingTextBoxFlag xmlns:ma14="http://schemas.microsoft.com/office/mac/drawingml/2011/main" xmlns="" val="1"/>
             </a:ext>
           </a:extLst>
         </p:spPr>
@@ -11686,7 +12744,7 @@
           </a:ln>
           <a:extLst>
             <a:ext uri="{C572A759-6A51-4108-AA02-DFA0A04FC94B}">
-              <ma14:wrappingTextBoxFlag xmlns:ma14="http://schemas.microsoft.com/office/mac/drawingml/2011/main" val="1"/>
+              <ma14:wrappingTextBoxFlag xmlns:ma14="http://schemas.microsoft.com/office/mac/drawingml/2011/main" xmlns="" val="1"/>
             </a:ext>
           </a:extLst>
         </p:spPr>
@@ -11735,8 +12793,8 @@
         </p:nvSpPr>
         <p:spPr>
           <a:xfrm>
-            <a:off x="-1" y="453839"/>
-            <a:ext cx="14147800" cy="1270000"/>
+            <a:off x="-1" y="417101"/>
+            <a:ext cx="14147800" cy="1306738"/>
           </a:xfrm>
           <a:prstGeom prst="rect">
             <a:avLst/>
@@ -11789,7 +12847,7 @@
           </a:ln>
           <a:extLst>
             <a:ext uri="{C572A759-6A51-4108-AA02-DFA0A04FC94B}">
-              <ma14:wrappingTextBoxFlag xmlns:ma14="http://schemas.microsoft.com/office/mac/drawingml/2011/main" val="1"/>
+              <ma14:wrappingTextBoxFlag xmlns:ma14="http://schemas.microsoft.com/office/mac/drawingml/2011/main" xmlns="" val="1"/>
             </a:ext>
           </a:extLst>
         </p:spPr>
@@ -12207,6 +13265,196 @@
           </a:prstGeom>
         </p:spPr>
       </p:pic>
+      <p:sp>
+        <p:nvSpPr>
+          <p:cNvPr id="13" name="Shape 42"/>
+          <p:cNvSpPr/>
+          <p:nvPr/>
+        </p:nvSpPr>
+        <p:spPr>
+          <a:xfrm>
+            <a:off x="0" y="0"/>
+            <a:ext cx="10095364" cy="444500"/>
+          </a:xfrm>
+          <a:prstGeom prst="rect">
+            <a:avLst/>
+          </a:prstGeom>
+          <a:solidFill>
+            <a:srgbClr val="B51A00"/>
+          </a:solidFill>
+          <a:ln w="12700">
+            <a:miter lim="400000"/>
+          </a:ln>
+        </p:spPr>
+        <p:txBody>
+          <a:bodyPr lIns="0" tIns="0" rIns="0" bIns="0" anchor="ctr"/>
+          <a:lstStyle/>
+          <a:p>
+            <a:pPr lvl="0">
+              <a:defRPr sz="4000">
+                <a:solidFill>
+                  <a:srgbClr val="FFFFFF"/>
+                </a:solidFill>
+                <a:effectLst>
+                  <a:outerShdw blurRad="38100" dist="12700" dir="5400000" rotWithShape="0">
+                    <a:srgbClr val="000000">
+                      <a:alpha val="50000"/>
+                    </a:srgbClr>
+                  </a:outerShdw>
+                </a:effectLst>
+              </a:defRPr>
+            </a:pPr>
+            <a:endParaRPr/>
+          </a:p>
+        </p:txBody>
+      </p:sp>
+      <p:sp>
+        <p:nvSpPr>
+          <p:cNvPr id="14" name="Shape 43"/>
+          <p:cNvSpPr/>
+          <p:nvPr/>
+        </p:nvSpPr>
+        <p:spPr>
+          <a:xfrm>
+            <a:off x="10095364" y="0"/>
+            <a:ext cx="2909435" cy="444500"/>
+          </a:xfrm>
+          <a:prstGeom prst="rect">
+            <a:avLst/>
+          </a:prstGeom>
+          <a:solidFill>
+            <a:srgbClr val="D6D6D6"/>
+          </a:solidFill>
+          <a:ln w="12700">
+            <a:miter lim="400000"/>
+          </a:ln>
+        </p:spPr>
+        <p:txBody>
+          <a:bodyPr lIns="0" tIns="0" rIns="0" bIns="0" anchor="ctr"/>
+          <a:lstStyle/>
+          <a:p>
+            <a:pPr lvl="0">
+              <a:defRPr sz="4000">
+                <a:solidFill>
+                  <a:srgbClr val="FFFFFF"/>
+                </a:solidFill>
+                <a:effectLst>
+                  <a:outerShdw blurRad="38100" dist="12700" dir="5400000" rotWithShape="0">
+                    <a:srgbClr val="000000">
+                      <a:alpha val="50000"/>
+                    </a:srgbClr>
+                  </a:outerShdw>
+                </a:effectLst>
+              </a:defRPr>
+            </a:pPr>
+            <a:endParaRPr/>
+          </a:p>
+        </p:txBody>
+      </p:sp>
+      <p:sp>
+        <p:nvSpPr>
+          <p:cNvPr id="15" name="Shape 54"/>
+          <p:cNvSpPr/>
+          <p:nvPr/>
+        </p:nvSpPr>
+        <p:spPr>
+          <a:xfrm>
+            <a:off x="2218690" y="-39434"/>
+            <a:ext cx="5900654" cy="456535"/>
+          </a:xfrm>
+          <a:prstGeom prst="rect">
+            <a:avLst/>
+          </a:prstGeom>
+          <a:ln w="12700">
+            <a:miter lim="400000"/>
+          </a:ln>
+          <a:extLst>
+            <a:ext uri="{C572A759-6A51-4108-AA02-DFA0A04FC94B}">
+              <ma14:wrappingTextBoxFlag xmlns:ma14="http://schemas.microsoft.com/office/mac/drawingml/2011/main" xmlns="" val="1"/>
+            </a:ext>
+          </a:extLst>
+        </p:spPr>
+        <p:txBody>
+          <a:bodyPr wrap="none" lIns="50800" tIns="50800" rIns="50800" bIns="50800" anchor="ctr">
+            <a:spAutoFit/>
+          </a:bodyPr>
+          <a:lstStyle>
+            <a:lvl1pPr>
+              <a:defRPr sz="2300">
+                <a:solidFill>
+                  <a:srgbClr val="FFFFFF"/>
+                </a:solidFill>
+              </a:defRPr>
+            </a:lvl1pPr>
+          </a:lstStyle>
+          <a:p>
+            <a:pPr lvl="0">
+              <a:defRPr sz="1800">
+                <a:solidFill>
+                  <a:srgbClr val="000000"/>
+                </a:solidFill>
+              </a:defRPr>
+            </a:pPr>
+            <a:r>
+              <a:rPr lang="en-US" sz="2300" dirty="0" smtClean="0">
+                <a:solidFill>
+                  <a:srgbClr val="FFFFFF"/>
+                </a:solidFill>
+              </a:rPr>
+              <a:t>Distributed Intelligent Systems – Course Project</a:t>
+            </a:r>
+            <a:endParaRPr sz="2300" dirty="0">
+              <a:solidFill>
+                <a:srgbClr val="FFFFFF"/>
+              </a:solidFill>
+            </a:endParaRPr>
+          </a:p>
+        </p:txBody>
+      </p:sp>
+      <p:sp>
+        <p:nvSpPr>
+          <p:cNvPr id="18" name="Shape 55"/>
+          <p:cNvSpPr/>
+          <p:nvPr/>
+        </p:nvSpPr>
+        <p:spPr>
+          <a:xfrm>
+            <a:off x="11181924" y="7347"/>
+            <a:ext cx="674865" cy="456535"/>
+          </a:xfrm>
+          <a:prstGeom prst="rect">
+            <a:avLst/>
+          </a:prstGeom>
+          <a:ln w="12700">
+            <a:miter lim="400000"/>
+          </a:ln>
+          <a:extLst>
+            <a:ext uri="{C572A759-6A51-4108-AA02-DFA0A04FC94B}">
+              <ma14:wrappingTextBoxFlag xmlns:ma14="http://schemas.microsoft.com/office/mac/drawingml/2011/main" xmlns="" val="1"/>
+            </a:ext>
+          </a:extLst>
+        </p:spPr>
+        <p:txBody>
+          <a:bodyPr wrap="none" lIns="50800" tIns="50800" rIns="50800" bIns="50800" anchor="ctr">
+            <a:spAutoFit/>
+          </a:bodyPr>
+          <a:lstStyle>
+            <a:lvl1pPr>
+              <a:defRPr sz="2300"/>
+            </a:lvl1pPr>
+          </a:lstStyle>
+          <a:p>
+            <a:pPr lvl="0">
+              <a:defRPr sz="1800"/>
+            </a:pPr>
+            <a:r>
+              <a:rPr lang="en-US" sz="2300" dirty="0" smtClean="0"/>
+              <a:t>3/16</a:t>
+            </a:r>
+            <a:endParaRPr sz="2300" dirty="0"/>
+          </a:p>
+        </p:txBody>
+      </p:sp>
     </p:spTree>
     <p:extLst>
       <p:ext uri="{BB962C8B-B14F-4D97-AF65-F5344CB8AC3E}">
@@ -12436,7 +13684,7 @@
           </a:ln>
           <a:extLst>
             <a:ext uri="{C572A759-6A51-4108-AA02-DFA0A04FC94B}">
-              <ma14:wrappingTextBoxFlag xmlns:ma14="http://schemas.microsoft.com/office/mac/drawingml/2011/main" val="1"/>
+              <ma14:wrappingTextBoxFlag xmlns:ma14="http://schemas.microsoft.com/office/mac/drawingml/2011/main" xmlns="" val="1"/>
             </a:ext>
           </a:extLst>
         </p:spPr>
@@ -12515,15 +13763,7 @@
                   <a:srgbClr val="FFFFFF"/>
                 </a:solidFill>
               </a:rPr>
-              <a:t>Savar</a:t>
-            </a:r>
-            <a:r>
-              <a:rPr lang="en-US" sz="2300" dirty="0" err="1" smtClean="0">
-                <a:solidFill>
-                  <a:srgbClr val="FFFFFF"/>
-                </a:solidFill>
-              </a:rPr>
-              <a:t>è</a:t>
+              <a:t>Savarè</a:t>
             </a:r>
             <a:endParaRPr sz="2300" dirty="0">
               <a:solidFill>
@@ -12552,7 +13792,7 @@
           </a:ln>
           <a:extLst>
             <a:ext uri="{C572A759-6A51-4108-AA02-DFA0A04FC94B}">
-              <ma14:wrappingTextBoxFlag xmlns:ma14="http://schemas.microsoft.com/office/mac/drawingml/2011/main" val="1"/>
+              <ma14:wrappingTextBoxFlag xmlns:ma14="http://schemas.microsoft.com/office/mac/drawingml/2011/main" xmlns="" val="1"/>
             </a:ext>
           </a:extLst>
         </p:spPr>
@@ -12604,7 +13844,7 @@
           </a:ln>
           <a:extLst>
             <a:ext uri="{C572A759-6A51-4108-AA02-DFA0A04FC94B}">
-              <ma14:wrappingTextBoxFlag xmlns:ma14="http://schemas.microsoft.com/office/mac/drawingml/2011/main" val="1"/>
+              <ma14:wrappingTextBoxFlag xmlns:ma14="http://schemas.microsoft.com/office/mac/drawingml/2011/main" xmlns="" val="1"/>
             </a:ext>
           </a:extLst>
         </p:spPr>
@@ -12707,7 +13947,7 @@
           </a:ln>
           <a:extLst>
             <a:ext uri="{C572A759-6A51-4108-AA02-DFA0A04FC94B}">
-              <ma14:wrappingTextBoxFlag xmlns:ma14="http://schemas.microsoft.com/office/mac/drawingml/2011/main" val="1"/>
+              <ma14:wrappingTextBoxFlag xmlns:ma14="http://schemas.microsoft.com/office/mac/drawingml/2011/main" xmlns="" val="1"/>
             </a:ext>
           </a:extLst>
         </p:spPr>
@@ -13499,6 +14739,196 @@
           </a:prstGeom>
         </p:spPr>
       </p:pic>
+      <p:sp>
+        <p:nvSpPr>
+          <p:cNvPr id="20" name="Shape 42"/>
+          <p:cNvSpPr/>
+          <p:nvPr/>
+        </p:nvSpPr>
+        <p:spPr>
+          <a:xfrm>
+            <a:off x="0" y="0"/>
+            <a:ext cx="10095364" cy="444500"/>
+          </a:xfrm>
+          <a:prstGeom prst="rect">
+            <a:avLst/>
+          </a:prstGeom>
+          <a:solidFill>
+            <a:srgbClr val="B51A00"/>
+          </a:solidFill>
+          <a:ln w="12700">
+            <a:miter lim="400000"/>
+          </a:ln>
+        </p:spPr>
+        <p:txBody>
+          <a:bodyPr lIns="0" tIns="0" rIns="0" bIns="0" anchor="ctr"/>
+          <a:lstStyle/>
+          <a:p>
+            <a:pPr lvl="0">
+              <a:defRPr sz="4000">
+                <a:solidFill>
+                  <a:srgbClr val="FFFFFF"/>
+                </a:solidFill>
+                <a:effectLst>
+                  <a:outerShdw blurRad="38100" dist="12700" dir="5400000" rotWithShape="0">
+                    <a:srgbClr val="000000">
+                      <a:alpha val="50000"/>
+                    </a:srgbClr>
+                  </a:outerShdw>
+                </a:effectLst>
+              </a:defRPr>
+            </a:pPr>
+            <a:endParaRPr/>
+          </a:p>
+        </p:txBody>
+      </p:sp>
+      <p:sp>
+        <p:nvSpPr>
+          <p:cNvPr id="21" name="Shape 43"/>
+          <p:cNvSpPr/>
+          <p:nvPr/>
+        </p:nvSpPr>
+        <p:spPr>
+          <a:xfrm>
+            <a:off x="10095364" y="0"/>
+            <a:ext cx="2909435" cy="444500"/>
+          </a:xfrm>
+          <a:prstGeom prst="rect">
+            <a:avLst/>
+          </a:prstGeom>
+          <a:solidFill>
+            <a:srgbClr val="D6D6D6"/>
+          </a:solidFill>
+          <a:ln w="12700">
+            <a:miter lim="400000"/>
+          </a:ln>
+        </p:spPr>
+        <p:txBody>
+          <a:bodyPr lIns="0" tIns="0" rIns="0" bIns="0" anchor="ctr"/>
+          <a:lstStyle/>
+          <a:p>
+            <a:pPr lvl="0">
+              <a:defRPr sz="4000">
+                <a:solidFill>
+                  <a:srgbClr val="FFFFFF"/>
+                </a:solidFill>
+                <a:effectLst>
+                  <a:outerShdw blurRad="38100" dist="12700" dir="5400000" rotWithShape="0">
+                    <a:srgbClr val="000000">
+                      <a:alpha val="50000"/>
+                    </a:srgbClr>
+                  </a:outerShdw>
+                </a:effectLst>
+              </a:defRPr>
+            </a:pPr>
+            <a:endParaRPr/>
+          </a:p>
+        </p:txBody>
+      </p:sp>
+      <p:sp>
+        <p:nvSpPr>
+          <p:cNvPr id="22" name="Shape 54"/>
+          <p:cNvSpPr/>
+          <p:nvPr/>
+        </p:nvSpPr>
+        <p:spPr>
+          <a:xfrm>
+            <a:off x="2218690" y="-39434"/>
+            <a:ext cx="5900654" cy="456535"/>
+          </a:xfrm>
+          <a:prstGeom prst="rect">
+            <a:avLst/>
+          </a:prstGeom>
+          <a:ln w="12700">
+            <a:miter lim="400000"/>
+          </a:ln>
+          <a:extLst>
+            <a:ext uri="{C572A759-6A51-4108-AA02-DFA0A04FC94B}">
+              <ma14:wrappingTextBoxFlag xmlns:ma14="http://schemas.microsoft.com/office/mac/drawingml/2011/main" xmlns="" val="1"/>
+            </a:ext>
+          </a:extLst>
+        </p:spPr>
+        <p:txBody>
+          <a:bodyPr wrap="none" lIns="50800" tIns="50800" rIns="50800" bIns="50800" anchor="ctr">
+            <a:spAutoFit/>
+          </a:bodyPr>
+          <a:lstStyle>
+            <a:lvl1pPr>
+              <a:defRPr sz="2300">
+                <a:solidFill>
+                  <a:srgbClr val="FFFFFF"/>
+                </a:solidFill>
+              </a:defRPr>
+            </a:lvl1pPr>
+          </a:lstStyle>
+          <a:p>
+            <a:pPr lvl="0">
+              <a:defRPr sz="1800">
+                <a:solidFill>
+                  <a:srgbClr val="000000"/>
+                </a:solidFill>
+              </a:defRPr>
+            </a:pPr>
+            <a:r>
+              <a:rPr lang="en-US" sz="2300" dirty="0" smtClean="0">
+                <a:solidFill>
+                  <a:srgbClr val="FFFFFF"/>
+                </a:solidFill>
+              </a:rPr>
+              <a:t>Distributed Intelligent Systems – Course Project</a:t>
+            </a:r>
+            <a:endParaRPr sz="2300" dirty="0">
+              <a:solidFill>
+                <a:srgbClr val="FFFFFF"/>
+              </a:solidFill>
+            </a:endParaRPr>
+          </a:p>
+        </p:txBody>
+      </p:sp>
+      <p:sp>
+        <p:nvSpPr>
+          <p:cNvPr id="23" name="Shape 55"/>
+          <p:cNvSpPr/>
+          <p:nvPr/>
+        </p:nvSpPr>
+        <p:spPr>
+          <a:xfrm>
+            <a:off x="11181924" y="7347"/>
+            <a:ext cx="674865" cy="456535"/>
+          </a:xfrm>
+          <a:prstGeom prst="rect">
+            <a:avLst/>
+          </a:prstGeom>
+          <a:ln w="12700">
+            <a:miter lim="400000"/>
+          </a:ln>
+          <a:extLst>
+            <a:ext uri="{C572A759-6A51-4108-AA02-DFA0A04FC94B}">
+              <ma14:wrappingTextBoxFlag xmlns:ma14="http://schemas.microsoft.com/office/mac/drawingml/2011/main" xmlns="" val="1"/>
+            </a:ext>
+          </a:extLst>
+        </p:spPr>
+        <p:txBody>
+          <a:bodyPr wrap="none" lIns="50800" tIns="50800" rIns="50800" bIns="50800" anchor="ctr">
+            <a:spAutoFit/>
+          </a:bodyPr>
+          <a:lstStyle>
+            <a:lvl1pPr>
+              <a:defRPr sz="2300"/>
+            </a:lvl1pPr>
+          </a:lstStyle>
+          <a:p>
+            <a:pPr lvl="0">
+              <a:defRPr sz="1800"/>
+            </a:pPr>
+            <a:r>
+              <a:rPr lang="en-US" sz="2300" dirty="0" smtClean="0"/>
+              <a:t>4/16</a:t>
+            </a:r>
+            <a:endParaRPr sz="2300" dirty="0"/>
+          </a:p>
+        </p:txBody>
+      </p:sp>
     </p:spTree>
     <p:extLst>
       <p:ext uri="{BB962C8B-B14F-4D97-AF65-F5344CB8AC3E}">
@@ -13758,7 +15188,7 @@
           </a:ln>
           <a:extLst>
             <a:ext uri="{C572A759-6A51-4108-AA02-DFA0A04FC94B}">
-              <ma14:wrappingTextBoxFlag xmlns:ma14="http://schemas.microsoft.com/office/mac/drawingml/2011/main" val="1"/>
+              <ma14:wrappingTextBoxFlag xmlns:ma14="http://schemas.microsoft.com/office/mac/drawingml/2011/main" xmlns="" val="1"/>
             </a:ext>
           </a:extLst>
         </p:spPr>
@@ -13837,15 +15267,7 @@
                   <a:srgbClr val="FFFFFF"/>
                 </a:solidFill>
               </a:rPr>
-              <a:t>Savar</a:t>
-            </a:r>
-            <a:r>
-              <a:rPr lang="en-US" sz="2300" dirty="0" err="1" smtClean="0">
-                <a:solidFill>
-                  <a:srgbClr val="FFFFFF"/>
-                </a:solidFill>
-              </a:rPr>
-              <a:t>è</a:t>
+              <a:t>Savarè</a:t>
             </a:r>
             <a:endParaRPr sz="2300" dirty="0">
               <a:solidFill>
@@ -13874,7 +15296,7 @@
           </a:ln>
           <a:extLst>
             <a:ext uri="{C572A759-6A51-4108-AA02-DFA0A04FC94B}">
-              <ma14:wrappingTextBoxFlag xmlns:ma14="http://schemas.microsoft.com/office/mac/drawingml/2011/main" val="1"/>
+              <ma14:wrappingTextBoxFlag xmlns:ma14="http://schemas.microsoft.com/office/mac/drawingml/2011/main" xmlns="" val="1"/>
             </a:ext>
           </a:extLst>
         </p:spPr>
@@ -13926,7 +15348,7 @@
           </a:ln>
           <a:extLst>
             <a:ext uri="{C572A759-6A51-4108-AA02-DFA0A04FC94B}">
-              <ma14:wrappingTextBoxFlag xmlns:ma14="http://schemas.microsoft.com/office/mac/drawingml/2011/main" val="1"/>
+              <ma14:wrappingTextBoxFlag xmlns:ma14="http://schemas.microsoft.com/office/mac/drawingml/2011/main" xmlns="" val="1"/>
             </a:ext>
           </a:extLst>
         </p:spPr>
@@ -14029,7 +15451,7 @@
           </a:ln>
           <a:extLst>
             <a:ext uri="{C572A759-6A51-4108-AA02-DFA0A04FC94B}">
-              <ma14:wrappingTextBoxFlag xmlns:ma14="http://schemas.microsoft.com/office/mac/drawingml/2011/main" val="1"/>
+              <ma14:wrappingTextBoxFlag xmlns:ma14="http://schemas.microsoft.com/office/mac/drawingml/2011/main" xmlns="" val="1"/>
             </a:ext>
           </a:extLst>
         </p:spPr>
@@ -14301,11 +15723,6 @@
               </a:rPr>
               <a:t>	- local communication</a:t>
             </a:r>
-            <a:endParaRPr lang="en-US" sz="3200" dirty="0" smtClean="0">
-              <a:solidFill>
-                <a:srgbClr val="000000"/>
-              </a:solidFill>
-            </a:endParaRPr>
           </a:p>
           <a:p>
             <a:pPr marL="571500" marR="0" indent="-571500" algn="l" defTabSz="584200" rtl="0" fontAlgn="auto" latinLnBrk="1" hangingPunct="0">
@@ -14515,6 +15932,196 @@
               <a:uFillTx/>
               <a:sym typeface="Gill Sans"/>
             </a:endParaRPr>
+          </a:p>
+        </p:txBody>
+      </p:sp>
+      <p:sp>
+        <p:nvSpPr>
+          <p:cNvPr id="22" name="Shape 42"/>
+          <p:cNvSpPr/>
+          <p:nvPr/>
+        </p:nvSpPr>
+        <p:spPr>
+          <a:xfrm>
+            <a:off x="0" y="0"/>
+            <a:ext cx="10095364" cy="444500"/>
+          </a:xfrm>
+          <a:prstGeom prst="rect">
+            <a:avLst/>
+          </a:prstGeom>
+          <a:solidFill>
+            <a:srgbClr val="B51A00"/>
+          </a:solidFill>
+          <a:ln w="12700">
+            <a:miter lim="400000"/>
+          </a:ln>
+        </p:spPr>
+        <p:txBody>
+          <a:bodyPr lIns="0" tIns="0" rIns="0" bIns="0" anchor="ctr"/>
+          <a:lstStyle/>
+          <a:p>
+            <a:pPr lvl="0">
+              <a:defRPr sz="4000">
+                <a:solidFill>
+                  <a:srgbClr val="FFFFFF"/>
+                </a:solidFill>
+                <a:effectLst>
+                  <a:outerShdw blurRad="38100" dist="12700" dir="5400000" rotWithShape="0">
+                    <a:srgbClr val="000000">
+                      <a:alpha val="50000"/>
+                    </a:srgbClr>
+                  </a:outerShdw>
+                </a:effectLst>
+              </a:defRPr>
+            </a:pPr>
+            <a:endParaRPr/>
+          </a:p>
+        </p:txBody>
+      </p:sp>
+      <p:sp>
+        <p:nvSpPr>
+          <p:cNvPr id="23" name="Shape 43"/>
+          <p:cNvSpPr/>
+          <p:nvPr/>
+        </p:nvSpPr>
+        <p:spPr>
+          <a:xfrm>
+            <a:off x="10095364" y="0"/>
+            <a:ext cx="2909435" cy="444500"/>
+          </a:xfrm>
+          <a:prstGeom prst="rect">
+            <a:avLst/>
+          </a:prstGeom>
+          <a:solidFill>
+            <a:srgbClr val="D6D6D6"/>
+          </a:solidFill>
+          <a:ln w="12700">
+            <a:miter lim="400000"/>
+          </a:ln>
+        </p:spPr>
+        <p:txBody>
+          <a:bodyPr lIns="0" tIns="0" rIns="0" bIns="0" anchor="ctr"/>
+          <a:lstStyle/>
+          <a:p>
+            <a:pPr lvl="0">
+              <a:defRPr sz="4000">
+                <a:solidFill>
+                  <a:srgbClr val="FFFFFF"/>
+                </a:solidFill>
+                <a:effectLst>
+                  <a:outerShdw blurRad="38100" dist="12700" dir="5400000" rotWithShape="0">
+                    <a:srgbClr val="000000">
+                      <a:alpha val="50000"/>
+                    </a:srgbClr>
+                  </a:outerShdw>
+                </a:effectLst>
+              </a:defRPr>
+            </a:pPr>
+            <a:endParaRPr/>
+          </a:p>
+        </p:txBody>
+      </p:sp>
+      <p:sp>
+        <p:nvSpPr>
+          <p:cNvPr id="24" name="Shape 54"/>
+          <p:cNvSpPr/>
+          <p:nvPr/>
+        </p:nvSpPr>
+        <p:spPr>
+          <a:xfrm>
+            <a:off x="2218690" y="-39434"/>
+            <a:ext cx="5900654" cy="456535"/>
+          </a:xfrm>
+          <a:prstGeom prst="rect">
+            <a:avLst/>
+          </a:prstGeom>
+          <a:ln w="12700">
+            <a:miter lim="400000"/>
+          </a:ln>
+          <a:extLst>
+            <a:ext uri="{C572A759-6A51-4108-AA02-DFA0A04FC94B}">
+              <ma14:wrappingTextBoxFlag xmlns:ma14="http://schemas.microsoft.com/office/mac/drawingml/2011/main" xmlns="" val="1"/>
+            </a:ext>
+          </a:extLst>
+        </p:spPr>
+        <p:txBody>
+          <a:bodyPr wrap="none" lIns="50800" tIns="50800" rIns="50800" bIns="50800" anchor="ctr">
+            <a:spAutoFit/>
+          </a:bodyPr>
+          <a:lstStyle>
+            <a:lvl1pPr>
+              <a:defRPr sz="2300">
+                <a:solidFill>
+                  <a:srgbClr val="FFFFFF"/>
+                </a:solidFill>
+              </a:defRPr>
+            </a:lvl1pPr>
+          </a:lstStyle>
+          <a:p>
+            <a:pPr lvl="0">
+              <a:defRPr sz="1800">
+                <a:solidFill>
+                  <a:srgbClr val="000000"/>
+                </a:solidFill>
+              </a:defRPr>
+            </a:pPr>
+            <a:r>
+              <a:rPr lang="en-US" sz="2300" dirty="0" smtClean="0">
+                <a:solidFill>
+                  <a:srgbClr val="FFFFFF"/>
+                </a:solidFill>
+              </a:rPr>
+              <a:t>Distributed Intelligent Systems – Course Project</a:t>
+            </a:r>
+            <a:endParaRPr sz="2300" dirty="0">
+              <a:solidFill>
+                <a:srgbClr val="FFFFFF"/>
+              </a:solidFill>
+            </a:endParaRPr>
+          </a:p>
+        </p:txBody>
+      </p:sp>
+      <p:sp>
+        <p:nvSpPr>
+          <p:cNvPr id="26" name="Shape 55"/>
+          <p:cNvSpPr/>
+          <p:nvPr/>
+        </p:nvSpPr>
+        <p:spPr>
+          <a:xfrm>
+            <a:off x="11181924" y="7347"/>
+            <a:ext cx="674865" cy="456535"/>
+          </a:xfrm>
+          <a:prstGeom prst="rect">
+            <a:avLst/>
+          </a:prstGeom>
+          <a:ln w="12700">
+            <a:miter lim="400000"/>
+          </a:ln>
+          <a:extLst>
+            <a:ext uri="{C572A759-6A51-4108-AA02-DFA0A04FC94B}">
+              <ma14:wrappingTextBoxFlag xmlns:ma14="http://schemas.microsoft.com/office/mac/drawingml/2011/main" xmlns="" val="1"/>
+            </a:ext>
+          </a:extLst>
+        </p:spPr>
+        <p:txBody>
+          <a:bodyPr wrap="none" lIns="50800" tIns="50800" rIns="50800" bIns="50800" anchor="ctr">
+            <a:spAutoFit/>
+          </a:bodyPr>
+          <a:lstStyle>
+            <a:lvl1pPr>
+              <a:defRPr sz="2300"/>
+            </a:lvl1pPr>
+          </a:lstStyle>
+          <a:p>
+            <a:pPr lvl="0">
+              <a:defRPr sz="1800"/>
+            </a:pPr>
+            <a:r>
+              <a:rPr lang="en-US" sz="2300" dirty="0" smtClean="0"/>
+              <a:t>5/16</a:t>
+            </a:r>
+            <a:endParaRPr sz="2300" dirty="0"/>
           </a:p>
         </p:txBody>
       </p:sp>
@@ -14747,7 +16354,7 @@
           </a:ln>
           <a:extLst>
             <a:ext uri="{C572A759-6A51-4108-AA02-DFA0A04FC94B}">
-              <ma14:wrappingTextBoxFlag xmlns:ma14="http://schemas.microsoft.com/office/mac/drawingml/2011/main" val="1"/>
+              <ma14:wrappingTextBoxFlag xmlns:ma14="http://schemas.microsoft.com/office/mac/drawingml/2011/main" xmlns="" val="1"/>
             </a:ext>
           </a:extLst>
         </p:spPr>
@@ -14826,15 +16433,7 @@
                   <a:srgbClr val="FFFFFF"/>
                 </a:solidFill>
               </a:rPr>
-              <a:t>Savar</a:t>
-            </a:r>
-            <a:r>
-              <a:rPr lang="en-US" sz="2300" dirty="0" err="1" smtClean="0">
-                <a:solidFill>
-                  <a:srgbClr val="FFFFFF"/>
-                </a:solidFill>
-              </a:rPr>
-              <a:t>è</a:t>
+              <a:t>Savarè</a:t>
             </a:r>
             <a:endParaRPr sz="2300" dirty="0">
               <a:solidFill>
@@ -14863,7 +16462,7 @@
           </a:ln>
           <a:extLst>
             <a:ext uri="{C572A759-6A51-4108-AA02-DFA0A04FC94B}">
-              <ma14:wrappingTextBoxFlag xmlns:ma14="http://schemas.microsoft.com/office/mac/drawingml/2011/main" val="1"/>
+              <ma14:wrappingTextBoxFlag xmlns:ma14="http://schemas.microsoft.com/office/mac/drawingml/2011/main" xmlns="" val="1"/>
             </a:ext>
           </a:extLst>
         </p:spPr>
@@ -14915,7 +16514,7 @@
           </a:ln>
           <a:extLst>
             <a:ext uri="{C572A759-6A51-4108-AA02-DFA0A04FC94B}">
-              <ma14:wrappingTextBoxFlag xmlns:ma14="http://schemas.microsoft.com/office/mac/drawingml/2011/main" val="1"/>
+              <ma14:wrappingTextBoxFlag xmlns:ma14="http://schemas.microsoft.com/office/mac/drawingml/2011/main" xmlns="" val="1"/>
             </a:ext>
           </a:extLst>
         </p:spPr>
@@ -15018,7 +16617,7 @@
           </a:ln>
           <a:extLst>
             <a:ext uri="{C572A759-6A51-4108-AA02-DFA0A04FC94B}">
-              <ma14:wrappingTextBoxFlag xmlns:ma14="http://schemas.microsoft.com/office/mac/drawingml/2011/main" val="1"/>
+              <ma14:wrappingTextBoxFlag xmlns:ma14="http://schemas.microsoft.com/office/mac/drawingml/2011/main" xmlns="" val="1"/>
             </a:ext>
           </a:extLst>
         </p:spPr>
@@ -15149,6 +16748,196 @@
               <a:cs typeface="+mn-cs"/>
               <a:sym typeface="Gill Sans"/>
             </a:endParaRPr>
+          </a:p>
+        </p:txBody>
+      </p:sp>
+      <p:sp>
+        <p:nvSpPr>
+          <p:cNvPr id="12" name="Shape 42"/>
+          <p:cNvSpPr/>
+          <p:nvPr/>
+        </p:nvSpPr>
+        <p:spPr>
+          <a:xfrm>
+            <a:off x="0" y="0"/>
+            <a:ext cx="10095364" cy="444500"/>
+          </a:xfrm>
+          <a:prstGeom prst="rect">
+            <a:avLst/>
+          </a:prstGeom>
+          <a:solidFill>
+            <a:srgbClr val="B51A00"/>
+          </a:solidFill>
+          <a:ln w="12700">
+            <a:miter lim="400000"/>
+          </a:ln>
+        </p:spPr>
+        <p:txBody>
+          <a:bodyPr lIns="0" tIns="0" rIns="0" bIns="0" anchor="ctr"/>
+          <a:lstStyle/>
+          <a:p>
+            <a:pPr lvl="0">
+              <a:defRPr sz="4000">
+                <a:solidFill>
+                  <a:srgbClr val="FFFFFF"/>
+                </a:solidFill>
+                <a:effectLst>
+                  <a:outerShdw blurRad="38100" dist="12700" dir="5400000" rotWithShape="0">
+                    <a:srgbClr val="000000">
+                      <a:alpha val="50000"/>
+                    </a:srgbClr>
+                  </a:outerShdw>
+                </a:effectLst>
+              </a:defRPr>
+            </a:pPr>
+            <a:endParaRPr/>
+          </a:p>
+        </p:txBody>
+      </p:sp>
+      <p:sp>
+        <p:nvSpPr>
+          <p:cNvPr id="13" name="Shape 43"/>
+          <p:cNvSpPr/>
+          <p:nvPr/>
+        </p:nvSpPr>
+        <p:spPr>
+          <a:xfrm>
+            <a:off x="10095364" y="0"/>
+            <a:ext cx="2909435" cy="444500"/>
+          </a:xfrm>
+          <a:prstGeom prst="rect">
+            <a:avLst/>
+          </a:prstGeom>
+          <a:solidFill>
+            <a:srgbClr val="D6D6D6"/>
+          </a:solidFill>
+          <a:ln w="12700">
+            <a:miter lim="400000"/>
+          </a:ln>
+        </p:spPr>
+        <p:txBody>
+          <a:bodyPr lIns="0" tIns="0" rIns="0" bIns="0" anchor="ctr"/>
+          <a:lstStyle/>
+          <a:p>
+            <a:pPr lvl="0">
+              <a:defRPr sz="4000">
+                <a:solidFill>
+                  <a:srgbClr val="FFFFFF"/>
+                </a:solidFill>
+                <a:effectLst>
+                  <a:outerShdw blurRad="38100" dist="12700" dir="5400000" rotWithShape="0">
+                    <a:srgbClr val="000000">
+                      <a:alpha val="50000"/>
+                    </a:srgbClr>
+                  </a:outerShdw>
+                </a:effectLst>
+              </a:defRPr>
+            </a:pPr>
+            <a:endParaRPr/>
+          </a:p>
+        </p:txBody>
+      </p:sp>
+      <p:sp>
+        <p:nvSpPr>
+          <p:cNvPr id="14" name="Shape 54"/>
+          <p:cNvSpPr/>
+          <p:nvPr/>
+        </p:nvSpPr>
+        <p:spPr>
+          <a:xfrm>
+            <a:off x="2218690" y="-39434"/>
+            <a:ext cx="5900654" cy="456535"/>
+          </a:xfrm>
+          <a:prstGeom prst="rect">
+            <a:avLst/>
+          </a:prstGeom>
+          <a:ln w="12700">
+            <a:miter lim="400000"/>
+          </a:ln>
+          <a:extLst>
+            <a:ext uri="{C572A759-6A51-4108-AA02-DFA0A04FC94B}">
+              <ma14:wrappingTextBoxFlag xmlns:ma14="http://schemas.microsoft.com/office/mac/drawingml/2011/main" xmlns="" val="1"/>
+            </a:ext>
+          </a:extLst>
+        </p:spPr>
+        <p:txBody>
+          <a:bodyPr wrap="none" lIns="50800" tIns="50800" rIns="50800" bIns="50800" anchor="ctr">
+            <a:spAutoFit/>
+          </a:bodyPr>
+          <a:lstStyle>
+            <a:lvl1pPr>
+              <a:defRPr sz="2300">
+                <a:solidFill>
+                  <a:srgbClr val="FFFFFF"/>
+                </a:solidFill>
+              </a:defRPr>
+            </a:lvl1pPr>
+          </a:lstStyle>
+          <a:p>
+            <a:pPr lvl="0">
+              <a:defRPr sz="1800">
+                <a:solidFill>
+                  <a:srgbClr val="000000"/>
+                </a:solidFill>
+              </a:defRPr>
+            </a:pPr>
+            <a:r>
+              <a:rPr lang="en-US" sz="2300" dirty="0" smtClean="0">
+                <a:solidFill>
+                  <a:srgbClr val="FFFFFF"/>
+                </a:solidFill>
+              </a:rPr>
+              <a:t>Distributed Intelligent Systems – Course Project</a:t>
+            </a:r>
+            <a:endParaRPr sz="2300" dirty="0">
+              <a:solidFill>
+                <a:srgbClr val="FFFFFF"/>
+              </a:solidFill>
+            </a:endParaRPr>
+          </a:p>
+        </p:txBody>
+      </p:sp>
+      <p:sp>
+        <p:nvSpPr>
+          <p:cNvPr id="18" name="Shape 55"/>
+          <p:cNvSpPr/>
+          <p:nvPr/>
+        </p:nvSpPr>
+        <p:spPr>
+          <a:xfrm>
+            <a:off x="11181925" y="7347"/>
+            <a:ext cx="674864" cy="456535"/>
+          </a:xfrm>
+          <a:prstGeom prst="rect">
+            <a:avLst/>
+          </a:prstGeom>
+          <a:ln w="12700">
+            <a:miter lim="400000"/>
+          </a:ln>
+          <a:extLst>
+            <a:ext uri="{C572A759-6A51-4108-AA02-DFA0A04FC94B}">
+              <ma14:wrappingTextBoxFlag xmlns:ma14="http://schemas.microsoft.com/office/mac/drawingml/2011/main" xmlns="" val="1"/>
+            </a:ext>
+          </a:extLst>
+        </p:spPr>
+        <p:txBody>
+          <a:bodyPr wrap="none" lIns="50800" tIns="50800" rIns="50800" bIns="50800" anchor="ctr">
+            <a:spAutoFit/>
+          </a:bodyPr>
+          <a:lstStyle>
+            <a:lvl1pPr>
+              <a:defRPr sz="2300"/>
+            </a:lvl1pPr>
+          </a:lstStyle>
+          <a:p>
+            <a:pPr lvl="0">
+              <a:defRPr sz="1800"/>
+            </a:pPr>
+            <a:r>
+              <a:rPr lang="en-US" sz="2300" dirty="0" smtClean="0"/>
+              <a:t>6/16</a:t>
+            </a:r>
+            <a:endParaRPr sz="2300" dirty="0"/>
           </a:p>
         </p:txBody>
       </p:sp>
@@ -15381,7 +17170,7 @@
           </a:ln>
           <a:extLst>
             <a:ext uri="{C572A759-6A51-4108-AA02-DFA0A04FC94B}">
-              <ma14:wrappingTextBoxFlag xmlns:ma14="http://schemas.microsoft.com/office/mac/drawingml/2011/main" val="1"/>
+              <ma14:wrappingTextBoxFlag xmlns:ma14="http://schemas.microsoft.com/office/mac/drawingml/2011/main" xmlns="" val="1"/>
             </a:ext>
           </a:extLst>
         </p:spPr>
@@ -15460,15 +17249,7 @@
                   <a:srgbClr val="FFFFFF"/>
                 </a:solidFill>
               </a:rPr>
-              <a:t>Savar</a:t>
-            </a:r>
-            <a:r>
-              <a:rPr lang="en-US" sz="2300" dirty="0" err="1" smtClean="0">
-                <a:solidFill>
-                  <a:srgbClr val="FFFFFF"/>
-                </a:solidFill>
-              </a:rPr>
-              <a:t>è</a:t>
+              <a:t>Savarè</a:t>
             </a:r>
             <a:endParaRPr sz="2300" dirty="0">
               <a:solidFill>
@@ -15497,7 +17278,7 @@
           </a:ln>
           <a:extLst>
             <a:ext uri="{C572A759-6A51-4108-AA02-DFA0A04FC94B}">
-              <ma14:wrappingTextBoxFlag xmlns:ma14="http://schemas.microsoft.com/office/mac/drawingml/2011/main" val="1"/>
+              <ma14:wrappingTextBoxFlag xmlns:ma14="http://schemas.microsoft.com/office/mac/drawingml/2011/main" xmlns="" val="1"/>
             </a:ext>
           </a:extLst>
         </p:spPr>
@@ -15549,7 +17330,7 @@
           </a:ln>
           <a:extLst>
             <a:ext uri="{C572A759-6A51-4108-AA02-DFA0A04FC94B}">
-              <ma14:wrappingTextBoxFlag xmlns:ma14="http://schemas.microsoft.com/office/mac/drawingml/2011/main" val="1"/>
+              <ma14:wrappingTextBoxFlag xmlns:ma14="http://schemas.microsoft.com/office/mac/drawingml/2011/main" xmlns="" val="1"/>
             </a:ext>
           </a:extLst>
         </p:spPr>
@@ -15652,7 +17433,7 @@
           </a:ln>
           <a:extLst>
             <a:ext uri="{C572A759-6A51-4108-AA02-DFA0A04FC94B}">
-              <ma14:wrappingTextBoxFlag xmlns:ma14="http://schemas.microsoft.com/office/mac/drawingml/2011/main" val="1"/>
+              <ma14:wrappingTextBoxFlag xmlns:ma14="http://schemas.microsoft.com/office/mac/drawingml/2011/main" xmlns="" val="1"/>
             </a:ext>
           </a:extLst>
         </p:spPr>
@@ -15783,6 +17564,196 @@
               <a:cs typeface="+mn-cs"/>
               <a:sym typeface="Gill Sans"/>
             </a:endParaRPr>
+          </a:p>
+        </p:txBody>
+      </p:sp>
+      <p:sp>
+        <p:nvSpPr>
+          <p:cNvPr id="12" name="Shape 42"/>
+          <p:cNvSpPr/>
+          <p:nvPr/>
+        </p:nvSpPr>
+        <p:spPr>
+          <a:xfrm>
+            <a:off x="0" y="0"/>
+            <a:ext cx="10095364" cy="444500"/>
+          </a:xfrm>
+          <a:prstGeom prst="rect">
+            <a:avLst/>
+          </a:prstGeom>
+          <a:solidFill>
+            <a:srgbClr val="B51A00"/>
+          </a:solidFill>
+          <a:ln w="12700">
+            <a:miter lim="400000"/>
+          </a:ln>
+        </p:spPr>
+        <p:txBody>
+          <a:bodyPr lIns="0" tIns="0" rIns="0" bIns="0" anchor="ctr"/>
+          <a:lstStyle/>
+          <a:p>
+            <a:pPr lvl="0">
+              <a:defRPr sz="4000">
+                <a:solidFill>
+                  <a:srgbClr val="FFFFFF"/>
+                </a:solidFill>
+                <a:effectLst>
+                  <a:outerShdw blurRad="38100" dist="12700" dir="5400000" rotWithShape="0">
+                    <a:srgbClr val="000000">
+                      <a:alpha val="50000"/>
+                    </a:srgbClr>
+                  </a:outerShdw>
+                </a:effectLst>
+              </a:defRPr>
+            </a:pPr>
+            <a:endParaRPr/>
+          </a:p>
+        </p:txBody>
+      </p:sp>
+      <p:sp>
+        <p:nvSpPr>
+          <p:cNvPr id="13" name="Shape 43"/>
+          <p:cNvSpPr/>
+          <p:nvPr/>
+        </p:nvSpPr>
+        <p:spPr>
+          <a:xfrm>
+            <a:off x="10095364" y="0"/>
+            <a:ext cx="2909435" cy="444500"/>
+          </a:xfrm>
+          <a:prstGeom prst="rect">
+            <a:avLst/>
+          </a:prstGeom>
+          <a:solidFill>
+            <a:srgbClr val="D6D6D6"/>
+          </a:solidFill>
+          <a:ln w="12700">
+            <a:miter lim="400000"/>
+          </a:ln>
+        </p:spPr>
+        <p:txBody>
+          <a:bodyPr lIns="0" tIns="0" rIns="0" bIns="0" anchor="ctr"/>
+          <a:lstStyle/>
+          <a:p>
+            <a:pPr lvl="0">
+              <a:defRPr sz="4000">
+                <a:solidFill>
+                  <a:srgbClr val="FFFFFF"/>
+                </a:solidFill>
+                <a:effectLst>
+                  <a:outerShdw blurRad="38100" dist="12700" dir="5400000" rotWithShape="0">
+                    <a:srgbClr val="000000">
+                      <a:alpha val="50000"/>
+                    </a:srgbClr>
+                  </a:outerShdw>
+                </a:effectLst>
+              </a:defRPr>
+            </a:pPr>
+            <a:endParaRPr/>
+          </a:p>
+        </p:txBody>
+      </p:sp>
+      <p:sp>
+        <p:nvSpPr>
+          <p:cNvPr id="14" name="Shape 54"/>
+          <p:cNvSpPr/>
+          <p:nvPr/>
+        </p:nvSpPr>
+        <p:spPr>
+          <a:xfrm>
+            <a:off x="2218690" y="-39434"/>
+            <a:ext cx="5900654" cy="456535"/>
+          </a:xfrm>
+          <a:prstGeom prst="rect">
+            <a:avLst/>
+          </a:prstGeom>
+          <a:ln w="12700">
+            <a:miter lim="400000"/>
+          </a:ln>
+          <a:extLst>
+            <a:ext uri="{C572A759-6A51-4108-AA02-DFA0A04FC94B}">
+              <ma14:wrappingTextBoxFlag xmlns:ma14="http://schemas.microsoft.com/office/mac/drawingml/2011/main" xmlns="" val="1"/>
+            </a:ext>
+          </a:extLst>
+        </p:spPr>
+        <p:txBody>
+          <a:bodyPr wrap="none" lIns="50800" tIns="50800" rIns="50800" bIns="50800" anchor="ctr">
+            <a:spAutoFit/>
+          </a:bodyPr>
+          <a:lstStyle>
+            <a:lvl1pPr>
+              <a:defRPr sz="2300">
+                <a:solidFill>
+                  <a:srgbClr val="FFFFFF"/>
+                </a:solidFill>
+              </a:defRPr>
+            </a:lvl1pPr>
+          </a:lstStyle>
+          <a:p>
+            <a:pPr lvl="0">
+              <a:defRPr sz="1800">
+                <a:solidFill>
+                  <a:srgbClr val="000000"/>
+                </a:solidFill>
+              </a:defRPr>
+            </a:pPr>
+            <a:r>
+              <a:rPr lang="en-US" sz="2300" dirty="0" smtClean="0">
+                <a:solidFill>
+                  <a:srgbClr val="FFFFFF"/>
+                </a:solidFill>
+              </a:rPr>
+              <a:t>Distributed Intelligent Systems – Course Project</a:t>
+            </a:r>
+            <a:endParaRPr sz="2300" dirty="0">
+              <a:solidFill>
+                <a:srgbClr val="FFFFFF"/>
+              </a:solidFill>
+            </a:endParaRPr>
+          </a:p>
+        </p:txBody>
+      </p:sp>
+      <p:sp>
+        <p:nvSpPr>
+          <p:cNvPr id="20" name="Shape 55"/>
+          <p:cNvSpPr/>
+          <p:nvPr/>
+        </p:nvSpPr>
+        <p:spPr>
+          <a:xfrm>
+            <a:off x="11181925" y="7347"/>
+            <a:ext cx="674864" cy="456535"/>
+          </a:xfrm>
+          <a:prstGeom prst="rect">
+            <a:avLst/>
+          </a:prstGeom>
+          <a:ln w="12700">
+            <a:miter lim="400000"/>
+          </a:ln>
+          <a:extLst>
+            <a:ext uri="{C572A759-6A51-4108-AA02-DFA0A04FC94B}">
+              <ma14:wrappingTextBoxFlag xmlns:ma14="http://schemas.microsoft.com/office/mac/drawingml/2011/main" xmlns="" val="1"/>
+            </a:ext>
+          </a:extLst>
+        </p:spPr>
+        <p:txBody>
+          <a:bodyPr wrap="none" lIns="50800" tIns="50800" rIns="50800" bIns="50800" anchor="ctr">
+            <a:spAutoFit/>
+          </a:bodyPr>
+          <a:lstStyle>
+            <a:lvl1pPr>
+              <a:defRPr sz="2300"/>
+            </a:lvl1pPr>
+          </a:lstStyle>
+          <a:p>
+            <a:pPr lvl="0">
+              <a:defRPr sz="1800"/>
+            </a:pPr>
+            <a:r>
+              <a:rPr lang="en-US" sz="2300" dirty="0" smtClean="0"/>
+              <a:t>7/16</a:t>
+            </a:r>
+            <a:endParaRPr sz="2300" dirty="0"/>
           </a:p>
         </p:txBody>
       </p:sp>
@@ -15833,7 +17804,7 @@
           <p:nvPr/>
         </p:nvPicPr>
         <p:blipFill>
-          <a:blip r:embed="rId2">
+          <a:blip r:embed="rId2" cstate="print">
             <a:extLst>
               <a:ext uri="{28A0092B-C50C-407E-A947-70E740481C1C}">
                 <a14:useLocalDpi xmlns:a14="http://schemas.microsoft.com/office/drawing/2010/main" val="0"/>
@@ -15863,7 +17834,7 @@
           <p:nvPr/>
         </p:nvPicPr>
         <p:blipFill>
-          <a:blip r:embed="rId3">
+          <a:blip r:embed="rId3" cstate="print">
             <a:extLst>
               <a:ext uri="{28A0092B-C50C-407E-A947-70E740481C1C}">
                 <a14:useLocalDpi xmlns:a14="http://schemas.microsoft.com/office/drawing/2010/main" val="0"/>
@@ -16075,7 +18046,7 @@
           </a:ln>
           <a:extLst>
             <a:ext uri="{C572A759-6A51-4108-AA02-DFA0A04FC94B}">
-              <ma14:wrappingTextBoxFlag xmlns:ma14="http://schemas.microsoft.com/office/mac/drawingml/2011/main" val="1"/>
+              <ma14:wrappingTextBoxFlag xmlns:ma14="http://schemas.microsoft.com/office/mac/drawingml/2011/main" xmlns="" val="1"/>
             </a:ext>
           </a:extLst>
         </p:spPr>
@@ -16154,15 +18125,7 @@
                   <a:srgbClr val="FFFFFF"/>
                 </a:solidFill>
               </a:rPr>
-              <a:t>Savar</a:t>
-            </a:r>
-            <a:r>
-              <a:rPr lang="en-US" sz="2300" dirty="0" err="1" smtClean="0">
-                <a:solidFill>
-                  <a:srgbClr val="FFFFFF"/>
-                </a:solidFill>
-              </a:rPr>
-              <a:t>è</a:t>
+              <a:t>Savarè</a:t>
             </a:r>
             <a:endParaRPr sz="2300" dirty="0">
               <a:solidFill>
@@ -16191,7 +18154,7 @@
           </a:ln>
           <a:extLst>
             <a:ext uri="{C572A759-6A51-4108-AA02-DFA0A04FC94B}">
-              <ma14:wrappingTextBoxFlag xmlns:ma14="http://schemas.microsoft.com/office/mac/drawingml/2011/main" val="1"/>
+              <ma14:wrappingTextBoxFlag xmlns:ma14="http://schemas.microsoft.com/office/mac/drawingml/2011/main" xmlns="" val="1"/>
             </a:ext>
           </a:extLst>
         </p:spPr>
@@ -16243,7 +18206,7 @@
           </a:ln>
           <a:extLst>
             <a:ext uri="{C572A759-6A51-4108-AA02-DFA0A04FC94B}">
-              <ma14:wrappingTextBoxFlag xmlns:ma14="http://schemas.microsoft.com/office/mac/drawingml/2011/main" val="1"/>
+              <ma14:wrappingTextBoxFlag xmlns:ma14="http://schemas.microsoft.com/office/mac/drawingml/2011/main" xmlns="" val="1"/>
             </a:ext>
           </a:extLst>
         </p:spPr>
@@ -16346,7 +18309,7 @@
           </a:ln>
           <a:extLst>
             <a:ext uri="{C572A759-6A51-4108-AA02-DFA0A04FC94B}">
-              <ma14:wrappingTextBoxFlag xmlns:ma14="http://schemas.microsoft.com/office/mac/drawingml/2011/main" val="1"/>
+              <ma14:wrappingTextBoxFlag xmlns:ma14="http://schemas.microsoft.com/office/mac/drawingml/2011/main" xmlns="" val="1"/>
             </a:ext>
           </a:extLst>
         </p:spPr>
@@ -16425,7 +18388,7 @@
           <p:nvPr/>
         </p:nvPicPr>
         <p:blipFill>
-          <a:blip r:embed="rId5">
+          <a:blip r:embed="rId5" cstate="print">
             <a:extLst>
               <a:ext uri="{28A0092B-C50C-407E-A947-70E740481C1C}">
                 <a14:useLocalDpi xmlns:a14="http://schemas.microsoft.com/office/drawing/2010/main" val="0"/>
@@ -16455,7 +18418,7 @@
           <p:nvPr/>
         </p:nvPicPr>
         <p:blipFill>
-          <a:blip r:embed="rId6">
+          <a:blip r:embed="rId6" cstate="print">
             <a:extLst>
               <a:ext uri="{28A0092B-C50C-407E-A947-70E740481C1C}">
                 <a14:useLocalDpi xmlns:a14="http://schemas.microsoft.com/office/drawing/2010/main" val="0"/>
@@ -17097,6 +19060,196 @@
               <a:cs typeface="+mn-cs"/>
               <a:sym typeface="Gill Sans"/>
             </a:endParaRPr>
+          </a:p>
+        </p:txBody>
+      </p:sp>
+      <p:sp>
+        <p:nvSpPr>
+          <p:cNvPr id="18" name="Shape 42"/>
+          <p:cNvSpPr/>
+          <p:nvPr/>
+        </p:nvSpPr>
+        <p:spPr>
+          <a:xfrm>
+            <a:off x="0" y="0"/>
+            <a:ext cx="10095364" cy="444500"/>
+          </a:xfrm>
+          <a:prstGeom prst="rect">
+            <a:avLst/>
+          </a:prstGeom>
+          <a:solidFill>
+            <a:srgbClr val="B51A00"/>
+          </a:solidFill>
+          <a:ln w="12700">
+            <a:miter lim="400000"/>
+          </a:ln>
+        </p:spPr>
+        <p:txBody>
+          <a:bodyPr lIns="0" tIns="0" rIns="0" bIns="0" anchor="ctr"/>
+          <a:lstStyle/>
+          <a:p>
+            <a:pPr lvl="0">
+              <a:defRPr sz="4000">
+                <a:solidFill>
+                  <a:srgbClr val="FFFFFF"/>
+                </a:solidFill>
+                <a:effectLst>
+                  <a:outerShdw blurRad="38100" dist="12700" dir="5400000" rotWithShape="0">
+                    <a:srgbClr val="000000">
+                      <a:alpha val="50000"/>
+                    </a:srgbClr>
+                  </a:outerShdw>
+                </a:effectLst>
+              </a:defRPr>
+            </a:pPr>
+            <a:endParaRPr/>
+          </a:p>
+        </p:txBody>
+      </p:sp>
+      <p:sp>
+        <p:nvSpPr>
+          <p:cNvPr id="19" name="Shape 43"/>
+          <p:cNvSpPr/>
+          <p:nvPr/>
+        </p:nvSpPr>
+        <p:spPr>
+          <a:xfrm>
+            <a:off x="10095364" y="0"/>
+            <a:ext cx="2909435" cy="444500"/>
+          </a:xfrm>
+          <a:prstGeom prst="rect">
+            <a:avLst/>
+          </a:prstGeom>
+          <a:solidFill>
+            <a:srgbClr val="D6D6D6"/>
+          </a:solidFill>
+          <a:ln w="12700">
+            <a:miter lim="400000"/>
+          </a:ln>
+        </p:spPr>
+        <p:txBody>
+          <a:bodyPr lIns="0" tIns="0" rIns="0" bIns="0" anchor="ctr"/>
+          <a:lstStyle/>
+          <a:p>
+            <a:pPr lvl="0">
+              <a:defRPr sz="4000">
+                <a:solidFill>
+                  <a:srgbClr val="FFFFFF"/>
+                </a:solidFill>
+                <a:effectLst>
+                  <a:outerShdw blurRad="38100" dist="12700" dir="5400000" rotWithShape="0">
+                    <a:srgbClr val="000000">
+                      <a:alpha val="50000"/>
+                    </a:srgbClr>
+                  </a:outerShdw>
+                </a:effectLst>
+              </a:defRPr>
+            </a:pPr>
+            <a:endParaRPr/>
+          </a:p>
+        </p:txBody>
+      </p:sp>
+      <p:sp>
+        <p:nvSpPr>
+          <p:cNvPr id="20" name="Shape 54"/>
+          <p:cNvSpPr/>
+          <p:nvPr/>
+        </p:nvSpPr>
+        <p:spPr>
+          <a:xfrm>
+            <a:off x="2218690" y="-39434"/>
+            <a:ext cx="5900654" cy="456535"/>
+          </a:xfrm>
+          <a:prstGeom prst="rect">
+            <a:avLst/>
+          </a:prstGeom>
+          <a:ln w="12700">
+            <a:miter lim="400000"/>
+          </a:ln>
+          <a:extLst>
+            <a:ext uri="{C572A759-6A51-4108-AA02-DFA0A04FC94B}">
+              <ma14:wrappingTextBoxFlag xmlns:ma14="http://schemas.microsoft.com/office/mac/drawingml/2011/main" xmlns="" val="1"/>
+            </a:ext>
+          </a:extLst>
+        </p:spPr>
+        <p:txBody>
+          <a:bodyPr wrap="none" lIns="50800" tIns="50800" rIns="50800" bIns="50800" anchor="ctr">
+            <a:spAutoFit/>
+          </a:bodyPr>
+          <a:lstStyle>
+            <a:lvl1pPr>
+              <a:defRPr sz="2300">
+                <a:solidFill>
+                  <a:srgbClr val="FFFFFF"/>
+                </a:solidFill>
+              </a:defRPr>
+            </a:lvl1pPr>
+          </a:lstStyle>
+          <a:p>
+            <a:pPr lvl="0">
+              <a:defRPr sz="1800">
+                <a:solidFill>
+                  <a:srgbClr val="000000"/>
+                </a:solidFill>
+              </a:defRPr>
+            </a:pPr>
+            <a:r>
+              <a:rPr lang="en-US" sz="2300" dirty="0" smtClean="0">
+                <a:solidFill>
+                  <a:srgbClr val="FFFFFF"/>
+                </a:solidFill>
+              </a:rPr>
+              <a:t>Distributed Intelligent Systems – Course Project</a:t>
+            </a:r>
+            <a:endParaRPr sz="2300" dirty="0">
+              <a:solidFill>
+                <a:srgbClr val="FFFFFF"/>
+              </a:solidFill>
+            </a:endParaRPr>
+          </a:p>
+        </p:txBody>
+      </p:sp>
+      <p:sp>
+        <p:nvSpPr>
+          <p:cNvPr id="22" name="Shape 55"/>
+          <p:cNvSpPr/>
+          <p:nvPr/>
+        </p:nvSpPr>
+        <p:spPr>
+          <a:xfrm>
+            <a:off x="11181924" y="7347"/>
+            <a:ext cx="674865" cy="456535"/>
+          </a:xfrm>
+          <a:prstGeom prst="rect">
+            <a:avLst/>
+          </a:prstGeom>
+          <a:ln w="12700">
+            <a:miter lim="400000"/>
+          </a:ln>
+          <a:extLst>
+            <a:ext uri="{C572A759-6A51-4108-AA02-DFA0A04FC94B}">
+              <ma14:wrappingTextBoxFlag xmlns:ma14="http://schemas.microsoft.com/office/mac/drawingml/2011/main" xmlns="" val="1"/>
+            </a:ext>
+          </a:extLst>
+        </p:spPr>
+        <p:txBody>
+          <a:bodyPr wrap="none" lIns="50800" tIns="50800" rIns="50800" bIns="50800" anchor="ctr">
+            <a:spAutoFit/>
+          </a:bodyPr>
+          <a:lstStyle>
+            <a:lvl1pPr>
+              <a:defRPr sz="2300"/>
+            </a:lvl1pPr>
+          </a:lstStyle>
+          <a:p>
+            <a:pPr lvl="0">
+              <a:defRPr sz="1800"/>
+            </a:pPr>
+            <a:r>
+              <a:rPr lang="en-US" sz="2300" dirty="0" smtClean="0"/>
+              <a:t>8/16</a:t>
+            </a:r>
+            <a:endParaRPr sz="2300" dirty="0"/>
           </a:p>
         </p:txBody>
       </p:sp>
@@ -17329,7 +19482,7 @@
           </a:ln>
           <a:extLst>
             <a:ext uri="{C572A759-6A51-4108-AA02-DFA0A04FC94B}">
-              <ma14:wrappingTextBoxFlag xmlns:ma14="http://schemas.microsoft.com/office/mac/drawingml/2011/main" val="1"/>
+              <ma14:wrappingTextBoxFlag xmlns:ma14="http://schemas.microsoft.com/office/mac/drawingml/2011/main" xmlns="" val="1"/>
             </a:ext>
           </a:extLst>
         </p:spPr>
@@ -17408,15 +19561,7 @@
                   <a:srgbClr val="FFFFFF"/>
                 </a:solidFill>
               </a:rPr>
-              <a:t>Savar</a:t>
-            </a:r>
-            <a:r>
-              <a:rPr lang="en-US" sz="2300" dirty="0" err="1" smtClean="0">
-                <a:solidFill>
-                  <a:srgbClr val="FFFFFF"/>
-                </a:solidFill>
-              </a:rPr>
-              <a:t>è</a:t>
+              <a:t>Savarè</a:t>
             </a:r>
             <a:endParaRPr sz="2300" dirty="0">
               <a:solidFill>
@@ -17445,7 +19590,7 @@
           </a:ln>
           <a:extLst>
             <a:ext uri="{C572A759-6A51-4108-AA02-DFA0A04FC94B}">
-              <ma14:wrappingTextBoxFlag xmlns:ma14="http://schemas.microsoft.com/office/mac/drawingml/2011/main" val="1"/>
+              <ma14:wrappingTextBoxFlag xmlns:ma14="http://schemas.microsoft.com/office/mac/drawingml/2011/main" xmlns="" val="1"/>
             </a:ext>
           </a:extLst>
         </p:spPr>
@@ -17497,7 +19642,7 @@
           </a:ln>
           <a:extLst>
             <a:ext uri="{C572A759-6A51-4108-AA02-DFA0A04FC94B}">
-              <ma14:wrappingTextBoxFlag xmlns:ma14="http://schemas.microsoft.com/office/mac/drawingml/2011/main" val="1"/>
+              <ma14:wrappingTextBoxFlag xmlns:ma14="http://schemas.microsoft.com/office/mac/drawingml/2011/main" xmlns="" val="1"/>
             </a:ext>
           </a:extLst>
         </p:spPr>
@@ -17600,7 +19745,7 @@
           </a:ln>
           <a:extLst>
             <a:ext uri="{C572A759-6A51-4108-AA02-DFA0A04FC94B}">
-              <ma14:wrappingTextBoxFlag xmlns:ma14="http://schemas.microsoft.com/office/mac/drawingml/2011/main" val="1"/>
+              <ma14:wrappingTextBoxFlag xmlns:ma14="http://schemas.microsoft.com/office/mac/drawingml/2011/main" xmlns="" val="1"/>
             </a:ext>
           </a:extLst>
         </p:spPr>
@@ -18112,6 +20257,196 @@
               <a:uFillTx/>
               <a:sym typeface="Gill Sans"/>
             </a:endParaRPr>
+          </a:p>
+        </p:txBody>
+      </p:sp>
+      <p:sp>
+        <p:nvSpPr>
+          <p:cNvPr id="20" name="Shape 42"/>
+          <p:cNvSpPr/>
+          <p:nvPr/>
+        </p:nvSpPr>
+        <p:spPr>
+          <a:xfrm>
+            <a:off x="0" y="0"/>
+            <a:ext cx="10095364" cy="444500"/>
+          </a:xfrm>
+          <a:prstGeom prst="rect">
+            <a:avLst/>
+          </a:prstGeom>
+          <a:solidFill>
+            <a:srgbClr val="B51A00"/>
+          </a:solidFill>
+          <a:ln w="12700">
+            <a:miter lim="400000"/>
+          </a:ln>
+        </p:spPr>
+        <p:txBody>
+          <a:bodyPr lIns="0" tIns="0" rIns="0" bIns="0" anchor="ctr"/>
+          <a:lstStyle/>
+          <a:p>
+            <a:pPr lvl="0">
+              <a:defRPr sz="4000">
+                <a:solidFill>
+                  <a:srgbClr val="FFFFFF"/>
+                </a:solidFill>
+                <a:effectLst>
+                  <a:outerShdw blurRad="38100" dist="12700" dir="5400000" rotWithShape="0">
+                    <a:srgbClr val="000000">
+                      <a:alpha val="50000"/>
+                    </a:srgbClr>
+                  </a:outerShdw>
+                </a:effectLst>
+              </a:defRPr>
+            </a:pPr>
+            <a:endParaRPr/>
+          </a:p>
+        </p:txBody>
+      </p:sp>
+      <p:sp>
+        <p:nvSpPr>
+          <p:cNvPr id="21" name="Shape 43"/>
+          <p:cNvSpPr/>
+          <p:nvPr/>
+        </p:nvSpPr>
+        <p:spPr>
+          <a:xfrm>
+            <a:off x="10095364" y="0"/>
+            <a:ext cx="2909435" cy="444500"/>
+          </a:xfrm>
+          <a:prstGeom prst="rect">
+            <a:avLst/>
+          </a:prstGeom>
+          <a:solidFill>
+            <a:srgbClr val="D6D6D6"/>
+          </a:solidFill>
+          <a:ln w="12700">
+            <a:miter lim="400000"/>
+          </a:ln>
+        </p:spPr>
+        <p:txBody>
+          <a:bodyPr lIns="0" tIns="0" rIns="0" bIns="0" anchor="ctr"/>
+          <a:lstStyle/>
+          <a:p>
+            <a:pPr lvl="0">
+              <a:defRPr sz="4000">
+                <a:solidFill>
+                  <a:srgbClr val="FFFFFF"/>
+                </a:solidFill>
+                <a:effectLst>
+                  <a:outerShdw blurRad="38100" dist="12700" dir="5400000" rotWithShape="0">
+                    <a:srgbClr val="000000">
+                      <a:alpha val="50000"/>
+                    </a:srgbClr>
+                  </a:outerShdw>
+                </a:effectLst>
+              </a:defRPr>
+            </a:pPr>
+            <a:endParaRPr/>
+          </a:p>
+        </p:txBody>
+      </p:sp>
+      <p:sp>
+        <p:nvSpPr>
+          <p:cNvPr id="24" name="Shape 54"/>
+          <p:cNvSpPr/>
+          <p:nvPr/>
+        </p:nvSpPr>
+        <p:spPr>
+          <a:xfrm>
+            <a:off x="2218690" y="-39434"/>
+            <a:ext cx="5900654" cy="456535"/>
+          </a:xfrm>
+          <a:prstGeom prst="rect">
+            <a:avLst/>
+          </a:prstGeom>
+          <a:ln w="12700">
+            <a:miter lim="400000"/>
+          </a:ln>
+          <a:extLst>
+            <a:ext uri="{C572A759-6A51-4108-AA02-DFA0A04FC94B}">
+              <ma14:wrappingTextBoxFlag xmlns:ma14="http://schemas.microsoft.com/office/mac/drawingml/2011/main" xmlns="" val="1"/>
+            </a:ext>
+          </a:extLst>
+        </p:spPr>
+        <p:txBody>
+          <a:bodyPr wrap="none" lIns="50800" tIns="50800" rIns="50800" bIns="50800" anchor="ctr">
+            <a:spAutoFit/>
+          </a:bodyPr>
+          <a:lstStyle>
+            <a:lvl1pPr>
+              <a:defRPr sz="2300">
+                <a:solidFill>
+                  <a:srgbClr val="FFFFFF"/>
+                </a:solidFill>
+              </a:defRPr>
+            </a:lvl1pPr>
+          </a:lstStyle>
+          <a:p>
+            <a:pPr lvl="0">
+              <a:defRPr sz="1800">
+                <a:solidFill>
+                  <a:srgbClr val="000000"/>
+                </a:solidFill>
+              </a:defRPr>
+            </a:pPr>
+            <a:r>
+              <a:rPr lang="en-US" sz="2300" dirty="0" smtClean="0">
+                <a:solidFill>
+                  <a:srgbClr val="FFFFFF"/>
+                </a:solidFill>
+              </a:rPr>
+              <a:t>Distributed Intelligent Systems – Course Project</a:t>
+            </a:r>
+            <a:endParaRPr sz="2300" dirty="0">
+              <a:solidFill>
+                <a:srgbClr val="FFFFFF"/>
+              </a:solidFill>
+            </a:endParaRPr>
+          </a:p>
+        </p:txBody>
+      </p:sp>
+      <p:sp>
+        <p:nvSpPr>
+          <p:cNvPr id="26" name="Shape 55"/>
+          <p:cNvSpPr/>
+          <p:nvPr/>
+        </p:nvSpPr>
+        <p:spPr>
+          <a:xfrm>
+            <a:off x="11181924" y="7347"/>
+            <a:ext cx="674865" cy="456535"/>
+          </a:xfrm>
+          <a:prstGeom prst="rect">
+            <a:avLst/>
+          </a:prstGeom>
+          <a:ln w="12700">
+            <a:miter lim="400000"/>
+          </a:ln>
+          <a:extLst>
+            <a:ext uri="{C572A759-6A51-4108-AA02-DFA0A04FC94B}">
+              <ma14:wrappingTextBoxFlag xmlns:ma14="http://schemas.microsoft.com/office/mac/drawingml/2011/main" xmlns="" val="1"/>
+            </a:ext>
+          </a:extLst>
+        </p:spPr>
+        <p:txBody>
+          <a:bodyPr wrap="none" lIns="50800" tIns="50800" rIns="50800" bIns="50800" anchor="ctr">
+            <a:spAutoFit/>
+          </a:bodyPr>
+          <a:lstStyle>
+            <a:lvl1pPr>
+              <a:defRPr sz="2300"/>
+            </a:lvl1pPr>
+          </a:lstStyle>
+          <a:p>
+            <a:pPr lvl="0">
+              <a:defRPr sz="1800"/>
+            </a:pPr>
+            <a:r>
+              <a:rPr lang="en-US" sz="2300" dirty="0" smtClean="0"/>
+              <a:t>9/16</a:t>
+            </a:r>
+            <a:endParaRPr sz="2300" dirty="0"/>
           </a:p>
         </p:txBody>
       </p:sp>
